--- a/SUBTHEME/graphs/telework_list.pptx
+++ b/SUBTHEME/graphs/telework_list.pptx
@@ -6,6 +6,7 @@
   </p:sldMasterIdLst>
   <p:sldIdLst>
     <p:sldId id="257" r:id="rId2"/>
+    <p:sldId id="258" r:id="rId3"/>
   </p:sldIdLst>
   <p:sldSz cx="12192000" cy="6858000"/>
   <p:notesSz cx="6858000" cy="9144000"/>
@@ -104,6 +105,11 @@
       </a:defRPr>
     </a:lvl9pPr>
   </p:defaultTextStyle>
+  <p:extLst>
+    <p:ext uri="{EFAFB233-063F-42B5-8137-9DF3F51BA10A}">
+      <p15:sldGuideLst xmlns:p15="http://schemas.microsoft.com/office/powerpoint/2012/main"/>
+    </p:ext>
+  </p:extLst>
 </p:presentation>
 </file>
 
@@ -254,7 +260,7 @@
           <a:p>
             <a:fld id="{4CD497F8-9430-BC49-8D3A-D071BC4586DD}" type="datetimeFigureOut">
               <a:rPr kumimoji="1" lang="ja-JP" altLang="en-US" smtClean="0"/>
-              <a:t>2020/8/27</a:t>
+              <a:t>2020/9/8</a:t>
             </a:fld>
             <a:endParaRPr kumimoji="1" lang="ja-JP" altLang="en-US"/>
           </a:p>
@@ -459,7 +465,7 @@
           <a:p>
             <a:fld id="{4CD497F8-9430-BC49-8D3A-D071BC4586DD}" type="datetimeFigureOut">
               <a:rPr kumimoji="1" lang="ja-JP" altLang="en-US" smtClean="0"/>
-              <a:t>2020/8/27</a:t>
+              <a:t>2020/9/8</a:t>
             </a:fld>
             <a:endParaRPr kumimoji="1" lang="ja-JP" altLang="en-US"/>
           </a:p>
@@ -674,7 +680,7 @@
           <a:p>
             <a:fld id="{4CD497F8-9430-BC49-8D3A-D071BC4586DD}" type="datetimeFigureOut">
               <a:rPr kumimoji="1" lang="ja-JP" altLang="en-US" smtClean="0"/>
-              <a:t>2020/8/27</a:t>
+              <a:t>2020/9/8</a:t>
             </a:fld>
             <a:endParaRPr kumimoji="1" lang="ja-JP" altLang="en-US"/>
           </a:p>
@@ -879,7 +885,7 @@
           <a:p>
             <a:fld id="{4CD497F8-9430-BC49-8D3A-D071BC4586DD}" type="datetimeFigureOut">
               <a:rPr kumimoji="1" lang="ja-JP" altLang="en-US" smtClean="0"/>
-              <a:t>2020/8/27</a:t>
+              <a:t>2020/9/8</a:t>
             </a:fld>
             <a:endParaRPr kumimoji="1" lang="ja-JP" altLang="en-US"/>
           </a:p>
@@ -1189,7 +1195,7 @@
           <a:p>
             <a:fld id="{4CD497F8-9430-BC49-8D3A-D071BC4586DD}" type="datetimeFigureOut">
               <a:rPr kumimoji="1" lang="ja-JP" altLang="en-US" smtClean="0"/>
-              <a:t>2020/8/27</a:t>
+              <a:t>2020/9/8</a:t>
             </a:fld>
             <a:endParaRPr kumimoji="1" lang="ja-JP" altLang="en-US"/>
           </a:p>
@@ -1468,7 +1474,7 @@
           <a:p>
             <a:fld id="{4CD497F8-9430-BC49-8D3A-D071BC4586DD}" type="datetimeFigureOut">
               <a:rPr kumimoji="1" lang="ja-JP" altLang="en-US" smtClean="0"/>
-              <a:t>2020/8/27</a:t>
+              <a:t>2020/9/8</a:t>
             </a:fld>
             <a:endParaRPr kumimoji="1" lang="ja-JP" altLang="en-US"/>
           </a:p>
@@ -1964,7 +1970,7 @@
           <a:p>
             <a:fld id="{4CD497F8-9430-BC49-8D3A-D071BC4586DD}" type="datetimeFigureOut">
               <a:rPr kumimoji="1" lang="ja-JP" altLang="en-US" smtClean="0"/>
-              <a:t>2020/8/27</a:t>
+              <a:t>2020/9/8</a:t>
             </a:fld>
             <a:endParaRPr kumimoji="1" lang="ja-JP" altLang="en-US"/>
           </a:p>
@@ -2105,7 +2111,7 @@
           <a:p>
             <a:fld id="{4CD497F8-9430-BC49-8D3A-D071BC4586DD}" type="datetimeFigureOut">
               <a:rPr kumimoji="1" lang="ja-JP" altLang="en-US" smtClean="0"/>
-              <a:t>2020/8/27</a:t>
+              <a:t>2020/9/8</a:t>
             </a:fld>
             <a:endParaRPr kumimoji="1" lang="ja-JP" altLang="en-US"/>
           </a:p>
@@ -2218,7 +2224,7 @@
           <a:p>
             <a:fld id="{4CD497F8-9430-BC49-8D3A-D071BC4586DD}" type="datetimeFigureOut">
               <a:rPr kumimoji="1" lang="ja-JP" altLang="en-US" smtClean="0"/>
-              <a:t>2020/8/27</a:t>
+              <a:t>2020/9/8</a:t>
             </a:fld>
             <a:endParaRPr kumimoji="1" lang="ja-JP" altLang="en-US"/>
           </a:p>
@@ -2571,7 +2577,7 @@
           <a:p>
             <a:fld id="{4CD497F8-9430-BC49-8D3A-D071BC4586DD}" type="datetimeFigureOut">
               <a:rPr kumimoji="1" lang="ja-JP" altLang="en-US" smtClean="0"/>
-              <a:t>2020/8/27</a:t>
+              <a:t>2020/9/8</a:t>
             </a:fld>
             <a:endParaRPr kumimoji="1" lang="ja-JP" altLang="en-US"/>
           </a:p>
@@ -2894,7 +2900,7 @@
           <a:p>
             <a:fld id="{4CD497F8-9430-BC49-8D3A-D071BC4586DD}" type="datetimeFigureOut">
               <a:rPr kumimoji="1" lang="ja-JP" altLang="en-US" smtClean="0"/>
-              <a:t>2020/8/27</a:t>
+              <a:t>2020/9/8</a:t>
             </a:fld>
             <a:endParaRPr kumimoji="1" lang="ja-JP" altLang="en-US"/>
           </a:p>
@@ -3142,7 +3148,7 @@
           <a:p>
             <a:fld id="{4CD497F8-9430-BC49-8D3A-D071BC4586DD}" type="datetimeFigureOut">
               <a:rPr kumimoji="1" lang="ja-JP" altLang="en-US" smtClean="0"/>
-              <a:t>2020/8/27</a:t>
+              <a:t>2020/9/8</a:t>
             </a:fld>
             <a:endParaRPr kumimoji="1" lang="ja-JP" altLang="en-US"/>
           </a:p>
@@ -7268,6 +7274,2120 @@
 </p:sld>
 </file>
 
+<file path=ppt/slides/slide2.xml><?xml version="1.0" encoding="utf-8"?>
+<p:sld xmlns:a="http://schemas.openxmlformats.org/drawingml/2006/main" xmlns:r="http://schemas.openxmlformats.org/officeDocument/2006/relationships" xmlns:p="http://schemas.openxmlformats.org/presentationml/2006/main">
+  <p:cSld>
+    <p:spTree>
+      <p:nvGrpSpPr>
+        <p:cNvPr id="1" name=""/>
+        <p:cNvGrpSpPr/>
+        <p:nvPr/>
+      </p:nvGrpSpPr>
+      <p:grpSpPr>
+        <a:xfrm>
+          <a:off x="0" y="0"/>
+          <a:ext cx="0" cy="0"/>
+          <a:chOff x="0" y="0"/>
+          <a:chExt cx="0" cy="0"/>
+        </a:xfrm>
+      </p:grpSpPr>
+      <p:graphicFrame>
+        <p:nvGraphicFramePr>
+          <p:cNvPr id="6" name="表 5">
+            <a:extLst>
+              <a:ext uri="{FF2B5EF4-FFF2-40B4-BE49-F238E27FC236}">
+                <a16:creationId xmlns:a16="http://schemas.microsoft.com/office/drawing/2014/main" id="{4C59BE02-CCD9-5543-8A86-5922D0078E34}"/>
+              </a:ext>
+            </a:extLst>
+          </p:cNvPr>
+          <p:cNvGraphicFramePr>
+            <a:graphicFrameLocks noGrp="1"/>
+          </p:cNvGraphicFramePr>
+          <p:nvPr>
+            <p:extLst>
+              <p:ext uri="{D42A27DB-BD31-4B8C-83A1-F6EECF244321}">
+                <p14:modId xmlns:p14="http://schemas.microsoft.com/office/powerpoint/2010/main" val="229499500"/>
+              </p:ext>
+            </p:extLst>
+          </p:nvPr>
+        </p:nvGraphicFramePr>
+        <p:xfrm>
+          <a:off x="675409" y="187032"/>
+          <a:ext cx="11055927" cy="6287027"/>
+        </p:xfrm>
+        <a:graphic>
+          <a:graphicData uri="http://schemas.openxmlformats.org/drawingml/2006/table">
+            <a:tbl>
+              <a:tblPr/>
+              <a:tblGrid>
+                <a:gridCol w="3314700">
+                  <a:extLst>
+                    <a:ext uri="{9D8B030D-6E8A-4147-A177-3AD203B41FA5}">
+                      <a16:colId xmlns:a16="http://schemas.microsoft.com/office/drawing/2014/main" val="3003885136"/>
+                    </a:ext>
+                  </a:extLst>
+                </a:gridCol>
+                <a:gridCol w="4230725">
+                  <a:extLst>
+                    <a:ext uri="{9D8B030D-6E8A-4147-A177-3AD203B41FA5}">
+                      <a16:colId xmlns:a16="http://schemas.microsoft.com/office/drawing/2014/main" val="2776643123"/>
+                    </a:ext>
+                  </a:extLst>
+                </a:gridCol>
+                <a:gridCol w="3510502">
+                  <a:extLst>
+                    <a:ext uri="{9D8B030D-6E8A-4147-A177-3AD203B41FA5}">
+                      <a16:colId xmlns:a16="http://schemas.microsoft.com/office/drawing/2014/main" val="1484286181"/>
+                    </a:ext>
+                  </a:extLst>
+                </a:gridCol>
+              </a:tblGrid>
+              <a:tr h="591955">
+                <a:tc>
+                  <a:txBody>
+                    <a:bodyPr/>
+                    <a:lstStyle/>
+                    <a:p>
+                      <a:pPr algn="ctr" fontAlgn="ctr"/>
+                      <a:r>
+                        <a:rPr lang="ja-JP" altLang="en-US" sz="1300" b="1" i="0" u="none" strike="noStrike">
+                          <a:solidFill>
+                            <a:srgbClr val="000000"/>
+                          </a:solidFill>
+                          <a:effectLst/>
+                          <a:latin typeface="游ゴシック" panose="020B0400000000000000" pitchFamily="34" charset="-128"/>
+                          <a:ea typeface="游ゴシック" panose="020B0400000000000000" pitchFamily="34" charset="-128"/>
+                        </a:rPr>
+                        <a:t>　</a:t>
+                      </a:r>
+                    </a:p>
+                  </a:txBody>
+                  <a:tcPr marL="7752" marR="7752" marT="7752" marB="0" anchor="ctr">
+                    <a:lnL w="6350" cap="flat" cmpd="sng" algn="ctr">
+                      <a:solidFill>
+                        <a:srgbClr val="000000"/>
+                      </a:solidFill>
+                      <a:prstDash val="solid"/>
+                      <a:round/>
+                      <a:headEnd type="none" w="med" len="med"/>
+                      <a:tailEnd type="none" w="med" len="med"/>
+                    </a:lnL>
+                    <a:lnR w="6350" cap="flat" cmpd="sng" algn="ctr">
+                      <a:solidFill>
+                        <a:srgbClr val="000000"/>
+                      </a:solidFill>
+                      <a:prstDash val="solid"/>
+                      <a:round/>
+                      <a:headEnd type="none" w="med" len="med"/>
+                      <a:tailEnd type="none" w="med" len="med"/>
+                    </a:lnR>
+                    <a:lnT w="6350" cap="flat" cmpd="sng" algn="ctr">
+                      <a:solidFill>
+                        <a:srgbClr val="000000"/>
+                      </a:solidFill>
+                      <a:prstDash val="solid"/>
+                      <a:round/>
+                      <a:headEnd type="none" w="med" len="med"/>
+                      <a:tailEnd type="none" w="med" len="med"/>
+                    </a:lnT>
+                    <a:lnB w="6350" cap="flat" cmpd="sng" algn="ctr">
+                      <a:solidFill>
+                        <a:srgbClr val="000000"/>
+                      </a:solidFill>
+                      <a:prstDash val="solid"/>
+                      <a:round/>
+                      <a:headEnd type="none" w="med" len="med"/>
+                      <a:tailEnd type="none" w="med" len="med"/>
+                    </a:lnB>
+                    <a:solidFill>
+                      <a:srgbClr val="AEAAAA"/>
+                    </a:solidFill>
+                  </a:tcPr>
+                </a:tc>
+                <a:tc>
+                  <a:txBody>
+                    <a:bodyPr/>
+                    <a:lstStyle/>
+                    <a:p>
+                      <a:pPr algn="ctr" fontAlgn="ctr"/>
+                      <a:r>
+                        <a:rPr lang="en" sz="1800" b="1" i="0" u="none" strike="noStrike" dirty="0">
+                          <a:solidFill>
+                            <a:srgbClr val="000000"/>
+                          </a:solidFill>
+                          <a:effectLst/>
+                          <a:latin typeface="游ゴシック" panose="020B0400000000000000" pitchFamily="34" charset="-128"/>
+                          <a:ea typeface="游ゴシック" panose="020B0400000000000000" pitchFamily="34" charset="-128"/>
+                        </a:rPr>
+                        <a:t>IPSec-VPN</a:t>
+                      </a:r>
+                    </a:p>
+                  </a:txBody>
+                  <a:tcPr marL="7752" marR="7752" marT="7752" marB="0" anchor="ctr">
+                    <a:lnL w="6350" cap="flat" cmpd="sng" algn="ctr">
+                      <a:solidFill>
+                        <a:srgbClr val="000000"/>
+                      </a:solidFill>
+                      <a:prstDash val="solid"/>
+                      <a:round/>
+                      <a:headEnd type="none" w="med" len="med"/>
+                      <a:tailEnd type="none" w="med" len="med"/>
+                    </a:lnL>
+                    <a:lnR w="6350" cap="flat" cmpd="sng" algn="ctr">
+                      <a:solidFill>
+                        <a:srgbClr val="000000"/>
+                      </a:solidFill>
+                      <a:prstDash val="solid"/>
+                      <a:round/>
+                      <a:headEnd type="none" w="med" len="med"/>
+                      <a:tailEnd type="none" w="med" len="med"/>
+                    </a:lnR>
+                    <a:lnT w="6350" cap="flat" cmpd="sng" algn="ctr">
+                      <a:solidFill>
+                        <a:srgbClr val="000000"/>
+                      </a:solidFill>
+                      <a:prstDash val="solid"/>
+                      <a:round/>
+                      <a:headEnd type="none" w="med" len="med"/>
+                      <a:tailEnd type="none" w="med" len="med"/>
+                    </a:lnT>
+                    <a:lnB w="6350" cap="flat" cmpd="sng" algn="ctr">
+                      <a:solidFill>
+                        <a:srgbClr val="000000"/>
+                      </a:solidFill>
+                      <a:prstDash val="solid"/>
+                      <a:round/>
+                      <a:headEnd type="none" w="med" len="med"/>
+                      <a:tailEnd type="none" w="med" len="med"/>
+                    </a:lnB>
+                    <a:solidFill>
+                      <a:srgbClr val="AEAAAA"/>
+                    </a:solidFill>
+                  </a:tcPr>
+                </a:tc>
+                <a:tc>
+                  <a:txBody>
+                    <a:bodyPr/>
+                    <a:lstStyle/>
+                    <a:p>
+                      <a:pPr algn="ctr" fontAlgn="ctr"/>
+                      <a:r>
+                        <a:rPr lang="en" sz="1800" b="1" i="0" u="none" strike="noStrike" dirty="0">
+                          <a:solidFill>
+                            <a:srgbClr val="000000"/>
+                          </a:solidFill>
+                          <a:effectLst/>
+                          <a:latin typeface="游ゴシック" panose="020B0400000000000000" pitchFamily="34" charset="-128"/>
+                          <a:ea typeface="游ゴシック" panose="020B0400000000000000" pitchFamily="34" charset="-128"/>
+                        </a:rPr>
+                        <a:t>SSL-VPN</a:t>
+                      </a:r>
+                    </a:p>
+                  </a:txBody>
+                  <a:tcPr marL="7752" marR="7752" marT="7752" marB="0" anchor="ctr">
+                    <a:lnL w="6350" cap="flat" cmpd="sng" algn="ctr">
+                      <a:solidFill>
+                        <a:srgbClr val="000000"/>
+                      </a:solidFill>
+                      <a:prstDash val="solid"/>
+                      <a:round/>
+                      <a:headEnd type="none" w="med" len="med"/>
+                      <a:tailEnd type="none" w="med" len="med"/>
+                    </a:lnL>
+                    <a:lnR w="6350" cap="flat" cmpd="sng" algn="ctr">
+                      <a:solidFill>
+                        <a:srgbClr val="000000"/>
+                      </a:solidFill>
+                      <a:prstDash val="solid"/>
+                      <a:round/>
+                      <a:headEnd type="none" w="med" len="med"/>
+                      <a:tailEnd type="none" w="med" len="med"/>
+                    </a:lnR>
+                    <a:lnT w="6350" cap="flat" cmpd="sng" algn="ctr">
+                      <a:solidFill>
+                        <a:srgbClr val="000000"/>
+                      </a:solidFill>
+                      <a:prstDash val="solid"/>
+                      <a:round/>
+                      <a:headEnd type="none" w="med" len="med"/>
+                      <a:tailEnd type="none" w="med" len="med"/>
+                    </a:lnT>
+                    <a:lnB w="6350" cap="flat" cmpd="sng" algn="ctr">
+                      <a:solidFill>
+                        <a:srgbClr val="000000"/>
+                      </a:solidFill>
+                      <a:prstDash val="solid"/>
+                      <a:round/>
+                      <a:headEnd type="none" w="med" len="med"/>
+                      <a:tailEnd type="none" w="med" len="med"/>
+                    </a:lnB>
+                    <a:solidFill>
+                      <a:srgbClr val="AEAAAA"/>
+                    </a:solidFill>
+                  </a:tcPr>
+                </a:tc>
+                <a:extLst>
+                  <a:ext uri="{0D108BD9-81ED-4DB2-BD59-A6C34878D82A}">
+                    <a16:rowId xmlns:a16="http://schemas.microsoft.com/office/drawing/2014/main" val="3822782031"/>
+                  </a:ext>
+                </a:extLst>
+              </a:tr>
+              <a:tr h="1343176">
+                <a:tc>
+                  <a:txBody>
+                    <a:bodyPr/>
+                    <a:lstStyle/>
+                    <a:p>
+                      <a:pPr algn="ctr" fontAlgn="ctr"/>
+                      <a:r>
+                        <a:rPr lang="ja-JP" altLang="en-US" sz="1600" b="1" i="0" u="none" strike="noStrike">
+                          <a:solidFill>
+                            <a:srgbClr val="000000"/>
+                          </a:solidFill>
+                          <a:effectLst/>
+                          <a:latin typeface="游ゴシック" panose="020B0400000000000000" pitchFamily="34" charset="-128"/>
+                          <a:ea typeface="游ゴシック" panose="020B0400000000000000" pitchFamily="34" charset="-128"/>
+                        </a:rPr>
+                        <a:t>リモートアクセス端末への</a:t>
+                      </a:r>
+                      <a:br>
+                        <a:rPr lang="ja-JP" altLang="en-US" sz="1600" b="1" i="0" u="none" strike="noStrike">
+                          <a:solidFill>
+                            <a:srgbClr val="000000"/>
+                          </a:solidFill>
+                          <a:effectLst/>
+                          <a:latin typeface="游ゴシック" panose="020B0400000000000000" pitchFamily="34" charset="-128"/>
+                          <a:ea typeface="游ゴシック" panose="020B0400000000000000" pitchFamily="34" charset="-128"/>
+                        </a:rPr>
+                      </a:br>
+                      <a:r>
+                        <a:rPr lang="ja-JP" altLang="en-US" sz="1600" b="1" i="0" u="none" strike="noStrike">
+                          <a:solidFill>
+                            <a:srgbClr val="000000"/>
+                          </a:solidFill>
+                          <a:effectLst/>
+                          <a:latin typeface="游ゴシック" panose="020B0400000000000000" pitchFamily="34" charset="-128"/>
+                          <a:ea typeface="游ゴシック" panose="020B0400000000000000" pitchFamily="34" charset="-128"/>
+                        </a:rPr>
+                        <a:t>専用ソフトインストール</a:t>
+                      </a:r>
+                      <a:r>
+                        <a:rPr lang="en-US" altLang="ja-JP" sz="1600" b="1" i="0" u="none" strike="noStrike" dirty="0">
+                          <a:solidFill>
+                            <a:srgbClr val="000000"/>
+                          </a:solidFill>
+                          <a:effectLst/>
+                          <a:latin typeface="游ゴシック" panose="020B0400000000000000" pitchFamily="34" charset="-128"/>
+                          <a:ea typeface="游ゴシック" panose="020B0400000000000000" pitchFamily="34" charset="-128"/>
+                        </a:rPr>
+                        <a:t>/</a:t>
+                      </a:r>
+                      <a:r>
+                        <a:rPr lang="ja-JP" altLang="en-US" sz="1600" b="1" i="0" u="none" strike="noStrike">
+                          <a:solidFill>
+                            <a:srgbClr val="000000"/>
+                          </a:solidFill>
+                          <a:effectLst/>
+                          <a:latin typeface="游ゴシック" panose="020B0400000000000000" pitchFamily="34" charset="-128"/>
+                          <a:ea typeface="游ゴシック" panose="020B0400000000000000" pitchFamily="34" charset="-128"/>
+                        </a:rPr>
+                        <a:t>環境設定</a:t>
+                      </a:r>
+                    </a:p>
+                  </a:txBody>
+                  <a:tcPr marL="7752" marR="7752" marT="7752" marB="0" anchor="ctr">
+                    <a:lnL w="6350" cap="flat" cmpd="sng" algn="ctr">
+                      <a:solidFill>
+                        <a:srgbClr val="000000"/>
+                      </a:solidFill>
+                      <a:prstDash val="solid"/>
+                      <a:round/>
+                      <a:headEnd type="none" w="med" len="med"/>
+                      <a:tailEnd type="none" w="med" len="med"/>
+                    </a:lnL>
+                    <a:lnR w="6350" cap="flat" cmpd="sng" algn="ctr">
+                      <a:solidFill>
+                        <a:srgbClr val="000000"/>
+                      </a:solidFill>
+                      <a:prstDash val="solid"/>
+                      <a:round/>
+                      <a:headEnd type="none" w="med" len="med"/>
+                      <a:tailEnd type="none" w="med" len="med"/>
+                    </a:lnR>
+                    <a:lnT w="6350" cap="flat" cmpd="sng" algn="ctr">
+                      <a:solidFill>
+                        <a:srgbClr val="000000"/>
+                      </a:solidFill>
+                      <a:prstDash val="solid"/>
+                      <a:round/>
+                      <a:headEnd type="none" w="med" len="med"/>
+                      <a:tailEnd type="none" w="med" len="med"/>
+                    </a:lnT>
+                    <a:lnB w="6350" cap="flat" cmpd="sng" algn="ctr">
+                      <a:solidFill>
+                        <a:srgbClr val="000000"/>
+                      </a:solidFill>
+                      <a:prstDash val="solid"/>
+                      <a:round/>
+                      <a:headEnd type="none" w="med" len="med"/>
+                      <a:tailEnd type="none" w="med" len="med"/>
+                    </a:lnB>
+                    <a:solidFill>
+                      <a:srgbClr val="E7E6E6"/>
+                    </a:solidFill>
+                  </a:tcPr>
+                </a:tc>
+                <a:tc>
+                  <a:txBody>
+                    <a:bodyPr/>
+                    <a:lstStyle/>
+                    <a:p>
+                      <a:pPr algn="ctr" fontAlgn="ctr"/>
+                      <a:r>
+                        <a:rPr lang="ja-JP" altLang="en-US" sz="1600" b="1" i="0" u="none" strike="noStrike">
+                          <a:solidFill>
+                            <a:srgbClr val="000000"/>
+                          </a:solidFill>
+                          <a:effectLst/>
+                          <a:latin typeface="游ゴシック" panose="020B0400000000000000" pitchFamily="34" charset="-128"/>
+                          <a:ea typeface="游ゴシック" panose="020B0400000000000000" pitchFamily="34" charset="-128"/>
+                        </a:rPr>
+                        <a:t>必要</a:t>
+                      </a:r>
+                      <a:br>
+                        <a:rPr lang="ja-JP" altLang="en-US" sz="1600" b="0" i="0" u="none" strike="noStrike">
+                          <a:solidFill>
+                            <a:srgbClr val="000000"/>
+                          </a:solidFill>
+                          <a:effectLst/>
+                          <a:latin typeface="游ゴシック" panose="020B0400000000000000" pitchFamily="34" charset="-128"/>
+                          <a:ea typeface="游ゴシック" panose="020B0400000000000000" pitchFamily="34" charset="-128"/>
+                        </a:rPr>
+                      </a:br>
+                      <a:r>
+                        <a:rPr lang="ja-JP" altLang="en-US" sz="1600" b="0" i="0" u="none" strike="noStrike">
+                          <a:solidFill>
+                            <a:srgbClr val="000000"/>
+                          </a:solidFill>
+                          <a:effectLst/>
+                          <a:latin typeface="游ゴシック" panose="020B0400000000000000" pitchFamily="34" charset="-128"/>
+                          <a:ea typeface="游ゴシック" panose="020B0400000000000000" pitchFamily="34" charset="-128"/>
+                        </a:rPr>
+                        <a:t>環境設定も複雑</a:t>
+                      </a:r>
+                      <a:br>
+                        <a:rPr lang="ja-JP" altLang="en-US" sz="1600" b="0" i="0" u="none" strike="noStrike">
+                          <a:solidFill>
+                            <a:srgbClr val="000000"/>
+                          </a:solidFill>
+                          <a:effectLst/>
+                          <a:latin typeface="游ゴシック" panose="020B0400000000000000" pitchFamily="34" charset="-128"/>
+                          <a:ea typeface="游ゴシック" panose="020B0400000000000000" pitchFamily="34" charset="-128"/>
+                        </a:rPr>
+                      </a:br>
+                      <a:r>
+                        <a:rPr lang="ja-JP" altLang="en-US" sz="1600" b="0" i="0" u="none" strike="noStrike">
+                          <a:solidFill>
+                            <a:srgbClr val="000000"/>
+                          </a:solidFill>
+                          <a:effectLst/>
+                          <a:latin typeface="游ゴシック" panose="020B0400000000000000" pitchFamily="34" charset="-128"/>
+                          <a:ea typeface="游ゴシック" panose="020B0400000000000000" pitchFamily="34" charset="-128"/>
+                        </a:rPr>
+                        <a:t>（専用ソフトは、</a:t>
+                      </a:r>
+                      <a:r>
+                        <a:rPr lang="en" sz="1600" b="0" i="0" u="none" strike="noStrike" dirty="0">
+                          <a:solidFill>
+                            <a:srgbClr val="000000"/>
+                          </a:solidFill>
+                          <a:effectLst/>
+                          <a:latin typeface="游ゴシック" panose="020B0400000000000000" pitchFamily="34" charset="-128"/>
+                          <a:ea typeface="游ゴシック" panose="020B0400000000000000" pitchFamily="34" charset="-128"/>
+                        </a:rPr>
+                        <a:t>IPSec-VPN</a:t>
+                      </a:r>
+                      <a:r>
+                        <a:rPr lang="ja-JP" altLang="en-US" sz="1600" b="0" i="0" u="none" strike="noStrike">
+                          <a:solidFill>
+                            <a:srgbClr val="000000"/>
+                          </a:solidFill>
+                          <a:effectLst/>
+                          <a:latin typeface="游ゴシック" panose="020B0400000000000000" pitchFamily="34" charset="-128"/>
+                          <a:ea typeface="游ゴシック" panose="020B0400000000000000" pitchFamily="34" charset="-128"/>
+                        </a:rPr>
+                        <a:t>装置と同一メーカ製品が原則）</a:t>
+                      </a:r>
+                    </a:p>
+                  </a:txBody>
+                  <a:tcPr marL="7752" marR="7752" marT="7752" marB="0" anchor="ctr">
+                    <a:lnL w="6350" cap="flat" cmpd="sng" algn="ctr">
+                      <a:solidFill>
+                        <a:srgbClr val="000000"/>
+                      </a:solidFill>
+                      <a:prstDash val="solid"/>
+                      <a:round/>
+                      <a:headEnd type="none" w="med" len="med"/>
+                      <a:tailEnd type="none" w="med" len="med"/>
+                    </a:lnL>
+                    <a:lnR w="6350" cap="flat" cmpd="sng" algn="ctr">
+                      <a:solidFill>
+                        <a:srgbClr val="000000"/>
+                      </a:solidFill>
+                      <a:prstDash val="solid"/>
+                      <a:round/>
+                      <a:headEnd type="none" w="med" len="med"/>
+                      <a:tailEnd type="none" w="med" len="med"/>
+                    </a:lnR>
+                    <a:lnT w="6350" cap="flat" cmpd="sng" algn="ctr">
+                      <a:solidFill>
+                        <a:srgbClr val="000000"/>
+                      </a:solidFill>
+                      <a:prstDash val="solid"/>
+                      <a:round/>
+                      <a:headEnd type="none" w="med" len="med"/>
+                      <a:tailEnd type="none" w="med" len="med"/>
+                    </a:lnT>
+                    <a:lnB w="6350" cap="flat" cmpd="sng" algn="ctr">
+                      <a:solidFill>
+                        <a:srgbClr val="000000"/>
+                      </a:solidFill>
+                      <a:prstDash val="solid"/>
+                      <a:round/>
+                      <a:headEnd type="none" w="med" len="med"/>
+                      <a:tailEnd type="none" w="med" len="med"/>
+                    </a:lnB>
+                  </a:tcPr>
+                </a:tc>
+                <a:tc>
+                  <a:txBody>
+                    <a:bodyPr/>
+                    <a:lstStyle/>
+                    <a:p>
+                      <a:pPr algn="ctr" fontAlgn="ctr"/>
+                      <a:r>
+                        <a:rPr lang="ja-JP" altLang="en-US" sz="1600" b="1" i="0" u="none" strike="noStrike">
+                          <a:solidFill>
+                            <a:srgbClr val="000000"/>
+                          </a:solidFill>
+                          <a:effectLst/>
+                          <a:latin typeface="游ゴシック" panose="020B0400000000000000" pitchFamily="34" charset="-128"/>
+                          <a:ea typeface="游ゴシック" panose="020B0400000000000000" pitchFamily="34" charset="-128"/>
+                        </a:rPr>
+                        <a:t>不要</a:t>
+                      </a:r>
+                      <a:br>
+                        <a:rPr lang="ja-JP" altLang="en-US" sz="1600" b="0" i="0" u="none" strike="noStrike">
+                          <a:solidFill>
+                            <a:srgbClr val="000000"/>
+                          </a:solidFill>
+                          <a:effectLst/>
+                          <a:latin typeface="游ゴシック" panose="020B0400000000000000" pitchFamily="34" charset="-128"/>
+                          <a:ea typeface="游ゴシック" panose="020B0400000000000000" pitchFamily="34" charset="-128"/>
+                        </a:rPr>
+                      </a:br>
+                      <a:r>
+                        <a:rPr lang="ja-JP" altLang="en-US" sz="1600" b="0" i="0" u="none" strike="noStrike">
+                          <a:solidFill>
+                            <a:srgbClr val="000000"/>
+                          </a:solidFill>
+                          <a:effectLst/>
+                          <a:latin typeface="游ゴシック" panose="020B0400000000000000" pitchFamily="34" charset="-128"/>
+                          <a:ea typeface="游ゴシック" panose="020B0400000000000000" pitchFamily="34" charset="-128"/>
+                        </a:rPr>
+                        <a:t>専用ソフトが必要な場合は自動インストール、自動環境設定</a:t>
+                      </a:r>
+                      <a:endParaRPr lang="en-US" altLang="ja-JP" sz="1600" b="0" i="0" u="none" strike="noStrike" dirty="0">
+                        <a:solidFill>
+                          <a:srgbClr val="000000"/>
+                        </a:solidFill>
+                        <a:effectLst/>
+                        <a:latin typeface="游ゴシック" panose="020B0400000000000000" pitchFamily="34" charset="-128"/>
+                        <a:ea typeface="游ゴシック" panose="020B0400000000000000" pitchFamily="34" charset="-128"/>
+                      </a:endParaRPr>
+                    </a:p>
+                    <a:p>
+                      <a:pPr algn="ctr" fontAlgn="ctr"/>
+                      <a:endParaRPr lang="ja-JP" altLang="en-US" sz="1600" b="0" i="0" u="none" strike="noStrike">
+                        <a:solidFill>
+                          <a:srgbClr val="000000"/>
+                        </a:solidFill>
+                        <a:effectLst/>
+                        <a:latin typeface="游ゴシック" panose="020B0400000000000000" pitchFamily="34" charset="-128"/>
+                        <a:ea typeface="游ゴシック" panose="020B0400000000000000" pitchFamily="34" charset="-128"/>
+                      </a:endParaRPr>
+                    </a:p>
+                  </a:txBody>
+                  <a:tcPr marL="7752" marR="7752" marT="7752" marB="0" anchor="ctr">
+                    <a:lnL w="6350" cap="flat" cmpd="sng" algn="ctr">
+                      <a:solidFill>
+                        <a:srgbClr val="000000"/>
+                      </a:solidFill>
+                      <a:prstDash val="solid"/>
+                      <a:round/>
+                      <a:headEnd type="none" w="med" len="med"/>
+                      <a:tailEnd type="none" w="med" len="med"/>
+                    </a:lnL>
+                    <a:lnR w="6350" cap="flat" cmpd="sng" algn="ctr">
+                      <a:solidFill>
+                        <a:srgbClr val="000000"/>
+                      </a:solidFill>
+                      <a:prstDash val="solid"/>
+                      <a:round/>
+                      <a:headEnd type="none" w="med" len="med"/>
+                      <a:tailEnd type="none" w="med" len="med"/>
+                    </a:lnR>
+                    <a:lnT w="6350" cap="flat" cmpd="sng" algn="ctr">
+                      <a:solidFill>
+                        <a:srgbClr val="000000"/>
+                      </a:solidFill>
+                      <a:prstDash val="solid"/>
+                      <a:round/>
+                      <a:headEnd type="none" w="med" len="med"/>
+                      <a:tailEnd type="none" w="med" len="med"/>
+                    </a:lnT>
+                    <a:lnB w="6350" cap="flat" cmpd="sng" algn="ctr">
+                      <a:solidFill>
+                        <a:srgbClr val="000000"/>
+                      </a:solidFill>
+                      <a:prstDash val="solid"/>
+                      <a:round/>
+                      <a:headEnd type="none" w="med" len="med"/>
+                      <a:tailEnd type="none" w="med" len="med"/>
+                    </a:lnB>
+                  </a:tcPr>
+                </a:tc>
+                <a:extLst>
+                  <a:ext uri="{0D108BD9-81ED-4DB2-BD59-A6C34878D82A}">
+                    <a16:rowId xmlns:a16="http://schemas.microsoft.com/office/drawing/2014/main" val="363449082"/>
+                  </a:ext>
+                </a:extLst>
+              </a:tr>
+              <a:tr h="1046215">
+                <a:tc>
+                  <a:txBody>
+                    <a:bodyPr/>
+                    <a:lstStyle/>
+                    <a:p>
+                      <a:pPr algn="ctr" fontAlgn="ctr"/>
+                      <a:r>
+                        <a:rPr lang="ja-JP" altLang="en-US" sz="1600" b="1" i="0" u="none" strike="noStrike">
+                          <a:solidFill>
+                            <a:srgbClr val="000000"/>
+                          </a:solidFill>
+                          <a:effectLst/>
+                          <a:latin typeface="游ゴシック" panose="020B0400000000000000" pitchFamily="34" charset="-128"/>
+                          <a:ea typeface="游ゴシック" panose="020B0400000000000000" pitchFamily="34" charset="-128"/>
+                        </a:rPr>
+                        <a:t>リモートアクセス端末機器</a:t>
+                      </a:r>
+                    </a:p>
+                  </a:txBody>
+                  <a:tcPr marL="7752" marR="7752" marT="7752" marB="0" anchor="ctr">
+                    <a:lnL w="6350" cap="flat" cmpd="sng" algn="ctr">
+                      <a:solidFill>
+                        <a:srgbClr val="000000"/>
+                      </a:solidFill>
+                      <a:prstDash val="solid"/>
+                      <a:round/>
+                      <a:headEnd type="none" w="med" len="med"/>
+                      <a:tailEnd type="none" w="med" len="med"/>
+                    </a:lnL>
+                    <a:lnR w="6350" cap="flat" cmpd="sng" algn="ctr">
+                      <a:solidFill>
+                        <a:srgbClr val="000000"/>
+                      </a:solidFill>
+                      <a:prstDash val="solid"/>
+                      <a:round/>
+                      <a:headEnd type="none" w="med" len="med"/>
+                      <a:tailEnd type="none" w="med" len="med"/>
+                    </a:lnR>
+                    <a:lnT w="6350" cap="flat" cmpd="sng" algn="ctr">
+                      <a:solidFill>
+                        <a:srgbClr val="000000"/>
+                      </a:solidFill>
+                      <a:prstDash val="solid"/>
+                      <a:round/>
+                      <a:headEnd type="none" w="med" len="med"/>
+                      <a:tailEnd type="none" w="med" len="med"/>
+                    </a:lnT>
+                    <a:lnB w="6350" cap="flat" cmpd="sng" algn="ctr">
+                      <a:solidFill>
+                        <a:srgbClr val="000000"/>
+                      </a:solidFill>
+                      <a:prstDash val="solid"/>
+                      <a:round/>
+                      <a:headEnd type="none" w="med" len="med"/>
+                      <a:tailEnd type="none" w="med" len="med"/>
+                    </a:lnB>
+                    <a:solidFill>
+                      <a:srgbClr val="E7E6E6"/>
+                    </a:solidFill>
+                  </a:tcPr>
+                </a:tc>
+                <a:tc>
+                  <a:txBody>
+                    <a:bodyPr/>
+                    <a:lstStyle/>
+                    <a:p>
+                      <a:pPr algn="ctr" fontAlgn="ctr"/>
+                      <a:r>
+                        <a:rPr lang="ja-JP" altLang="en-US" sz="1600" b="0" i="0" u="none" strike="noStrike">
+                          <a:solidFill>
+                            <a:srgbClr val="000000"/>
+                          </a:solidFill>
+                          <a:effectLst/>
+                          <a:latin typeface="游ゴシック" panose="020B0400000000000000" pitchFamily="34" charset="-128"/>
+                          <a:ea typeface="游ゴシック" panose="020B0400000000000000" pitchFamily="34" charset="-128"/>
+                        </a:rPr>
+                        <a:t>△</a:t>
+                      </a:r>
+                      <a:endParaRPr lang="en-US" altLang="ja-JP" sz="1600" b="0" i="0" u="none" strike="noStrike" dirty="0">
+                        <a:solidFill>
+                          <a:srgbClr val="000000"/>
+                        </a:solidFill>
+                        <a:effectLst/>
+                        <a:latin typeface="游ゴシック" panose="020B0400000000000000" pitchFamily="34" charset="-128"/>
+                        <a:ea typeface="游ゴシック" panose="020B0400000000000000" pitchFamily="34" charset="-128"/>
+                      </a:endParaRPr>
+                    </a:p>
+                    <a:p>
+                      <a:pPr algn="ctr" fontAlgn="ctr"/>
+                      <a:r>
+                        <a:rPr lang="ja-JP" altLang="en-US" sz="1600" b="0" i="0" u="none" strike="noStrike">
+                          <a:solidFill>
+                            <a:srgbClr val="000000"/>
+                          </a:solidFill>
+                          <a:effectLst/>
+                          <a:latin typeface="游ゴシック" panose="020B0400000000000000" pitchFamily="34" charset="-128"/>
+                          <a:ea typeface="游ゴシック" panose="020B0400000000000000" pitchFamily="34" charset="-128"/>
+                        </a:rPr>
+                        <a:t>専用ソフトが対応している装置</a:t>
+                      </a:r>
+                      <a:br>
+                        <a:rPr lang="ja-JP" altLang="en-US" sz="1600" b="0" i="0" u="none" strike="noStrike">
+                          <a:solidFill>
+                            <a:srgbClr val="000000"/>
+                          </a:solidFill>
+                          <a:effectLst/>
+                          <a:latin typeface="游ゴシック" panose="020B0400000000000000" pitchFamily="34" charset="-128"/>
+                          <a:ea typeface="游ゴシック" panose="020B0400000000000000" pitchFamily="34" charset="-128"/>
+                        </a:rPr>
+                      </a:br>
+                      <a:r>
+                        <a:rPr lang="ja-JP" altLang="en-US" sz="1600" b="0" i="0" u="none" strike="noStrike">
+                          <a:solidFill>
+                            <a:srgbClr val="000000"/>
+                          </a:solidFill>
+                          <a:effectLst/>
+                          <a:latin typeface="游ゴシック" panose="020B0400000000000000" pitchFamily="34" charset="-128"/>
+                          <a:ea typeface="游ゴシック" panose="020B0400000000000000" pitchFamily="34" charset="-128"/>
+                        </a:rPr>
+                        <a:t>（パソコンが中心）</a:t>
+                      </a:r>
+                    </a:p>
+                  </a:txBody>
+                  <a:tcPr marL="7752" marR="7752" marT="7752" marB="0" anchor="ctr">
+                    <a:lnL w="6350" cap="flat" cmpd="sng" algn="ctr">
+                      <a:solidFill>
+                        <a:srgbClr val="000000"/>
+                      </a:solidFill>
+                      <a:prstDash val="solid"/>
+                      <a:round/>
+                      <a:headEnd type="none" w="med" len="med"/>
+                      <a:tailEnd type="none" w="med" len="med"/>
+                    </a:lnL>
+                    <a:lnR w="6350" cap="flat" cmpd="sng" algn="ctr">
+                      <a:solidFill>
+                        <a:srgbClr val="000000"/>
+                      </a:solidFill>
+                      <a:prstDash val="solid"/>
+                      <a:round/>
+                      <a:headEnd type="none" w="med" len="med"/>
+                      <a:tailEnd type="none" w="med" len="med"/>
+                    </a:lnR>
+                    <a:lnT w="6350" cap="flat" cmpd="sng" algn="ctr">
+                      <a:solidFill>
+                        <a:srgbClr val="000000"/>
+                      </a:solidFill>
+                      <a:prstDash val="solid"/>
+                      <a:round/>
+                      <a:headEnd type="none" w="med" len="med"/>
+                      <a:tailEnd type="none" w="med" len="med"/>
+                    </a:lnT>
+                    <a:lnB w="6350" cap="flat" cmpd="sng" algn="ctr">
+                      <a:solidFill>
+                        <a:srgbClr val="000000"/>
+                      </a:solidFill>
+                      <a:prstDash val="solid"/>
+                      <a:round/>
+                      <a:headEnd type="none" w="med" len="med"/>
+                      <a:tailEnd type="none" w="med" len="med"/>
+                    </a:lnB>
+                  </a:tcPr>
+                </a:tc>
+                <a:tc>
+                  <a:txBody>
+                    <a:bodyPr/>
+                    <a:lstStyle/>
+                    <a:p>
+                      <a:pPr algn="ctr" fontAlgn="ctr"/>
+                      <a:r>
+                        <a:rPr lang="ja-JP" altLang="en-US" sz="1600" b="0" i="0" u="none" strike="noStrike">
+                          <a:solidFill>
+                            <a:srgbClr val="000000"/>
+                          </a:solidFill>
+                          <a:effectLst/>
+                          <a:latin typeface="游ゴシック" panose="020B0400000000000000" pitchFamily="34" charset="-128"/>
+                          <a:ea typeface="游ゴシック" panose="020B0400000000000000" pitchFamily="34" charset="-128"/>
+                        </a:rPr>
+                        <a:t>○</a:t>
+                      </a:r>
+                      <a:endParaRPr lang="en-US" altLang="ja-JP" sz="1600" b="0" i="0" u="none" strike="noStrike" dirty="0">
+                        <a:solidFill>
+                          <a:srgbClr val="000000"/>
+                        </a:solidFill>
+                        <a:effectLst/>
+                        <a:latin typeface="游ゴシック" panose="020B0400000000000000" pitchFamily="34" charset="-128"/>
+                        <a:ea typeface="游ゴシック" panose="020B0400000000000000" pitchFamily="34" charset="-128"/>
+                      </a:endParaRPr>
+                    </a:p>
+                    <a:p>
+                      <a:pPr algn="ctr" fontAlgn="ctr"/>
+                      <a:r>
+                        <a:rPr lang="ja-JP" altLang="en-US" sz="1600" b="0" i="0" u="none" strike="noStrike">
+                          <a:solidFill>
+                            <a:srgbClr val="000000"/>
+                          </a:solidFill>
+                          <a:effectLst/>
+                          <a:latin typeface="游ゴシック" panose="020B0400000000000000" pitchFamily="34" charset="-128"/>
+                          <a:ea typeface="游ゴシック" panose="020B0400000000000000" pitchFamily="34" charset="-128"/>
+                        </a:rPr>
+                        <a:t>パソコン、</a:t>
+                      </a:r>
+                      <a:endParaRPr lang="en-US" altLang="ja-JP" sz="1600" b="0" i="0" u="none" strike="noStrike">
+                        <a:solidFill>
+                          <a:srgbClr val="000000"/>
+                        </a:solidFill>
+                        <a:effectLst/>
+                        <a:latin typeface="游ゴシック" panose="020B0400000000000000" pitchFamily="34" charset="-128"/>
+                        <a:ea typeface="游ゴシック" panose="020B0400000000000000" pitchFamily="34" charset="-128"/>
+                      </a:endParaRPr>
+                    </a:p>
+                    <a:p>
+                      <a:pPr algn="ctr" fontAlgn="ctr"/>
+                      <a:r>
+                        <a:rPr lang="ja-JP" altLang="en-US" sz="1600" b="0" i="0" u="none" strike="noStrike">
+                          <a:solidFill>
+                            <a:srgbClr val="000000"/>
+                          </a:solidFill>
+                          <a:effectLst/>
+                          <a:latin typeface="游ゴシック" panose="020B0400000000000000" pitchFamily="34" charset="-128"/>
+                          <a:ea typeface="游ゴシック" panose="020B0400000000000000" pitchFamily="34" charset="-128"/>
+                        </a:rPr>
+                        <a:t>携帯電話（</a:t>
+                      </a:r>
+                      <a:r>
+                        <a:rPr lang="en" sz="1600" b="0" i="0" u="none" strike="noStrike" dirty="0">
+                          <a:solidFill>
+                            <a:srgbClr val="000000"/>
+                          </a:solidFill>
+                          <a:effectLst/>
+                          <a:latin typeface="游ゴシック" panose="020B0400000000000000" pitchFamily="34" charset="-128"/>
+                          <a:ea typeface="游ゴシック" panose="020B0400000000000000" pitchFamily="34" charset="-128"/>
+                        </a:rPr>
+                        <a:t>WEB</a:t>
+                      </a:r>
+                      <a:r>
+                        <a:rPr lang="ja-JP" altLang="en-US" sz="1600" b="0" i="0" u="none" strike="noStrike">
+                          <a:solidFill>
+                            <a:srgbClr val="000000"/>
+                          </a:solidFill>
+                          <a:effectLst/>
+                          <a:latin typeface="游ゴシック" panose="020B0400000000000000" pitchFamily="34" charset="-128"/>
+                          <a:ea typeface="游ゴシック" panose="020B0400000000000000" pitchFamily="34" charset="-128"/>
+                        </a:rPr>
+                        <a:t>ブラウザ使用）</a:t>
+                      </a:r>
+                    </a:p>
+                  </a:txBody>
+                  <a:tcPr marL="7752" marR="7752" marT="7752" marB="0" anchor="ctr">
+                    <a:lnL w="6350" cap="flat" cmpd="sng" algn="ctr">
+                      <a:solidFill>
+                        <a:srgbClr val="000000"/>
+                      </a:solidFill>
+                      <a:prstDash val="solid"/>
+                      <a:round/>
+                      <a:headEnd type="none" w="med" len="med"/>
+                      <a:tailEnd type="none" w="med" len="med"/>
+                    </a:lnL>
+                    <a:lnR w="6350" cap="flat" cmpd="sng" algn="ctr">
+                      <a:solidFill>
+                        <a:srgbClr val="000000"/>
+                      </a:solidFill>
+                      <a:prstDash val="solid"/>
+                      <a:round/>
+                      <a:headEnd type="none" w="med" len="med"/>
+                      <a:tailEnd type="none" w="med" len="med"/>
+                    </a:lnR>
+                    <a:lnT w="6350" cap="flat" cmpd="sng" algn="ctr">
+                      <a:solidFill>
+                        <a:srgbClr val="000000"/>
+                      </a:solidFill>
+                      <a:prstDash val="solid"/>
+                      <a:round/>
+                      <a:headEnd type="none" w="med" len="med"/>
+                      <a:tailEnd type="none" w="med" len="med"/>
+                    </a:lnT>
+                    <a:lnB w="6350" cap="flat" cmpd="sng" algn="ctr">
+                      <a:solidFill>
+                        <a:srgbClr val="000000"/>
+                      </a:solidFill>
+                      <a:prstDash val="solid"/>
+                      <a:round/>
+                      <a:headEnd type="none" w="med" len="med"/>
+                      <a:tailEnd type="none" w="med" len="med"/>
+                    </a:lnB>
+                  </a:tcPr>
+                </a:tc>
+                <a:extLst>
+                  <a:ext uri="{0D108BD9-81ED-4DB2-BD59-A6C34878D82A}">
+                    <a16:rowId xmlns:a16="http://schemas.microsoft.com/office/drawing/2014/main" val="1632271426"/>
+                  </a:ext>
+                </a:extLst>
+              </a:tr>
+              <a:tr h="846454">
+                <a:tc>
+                  <a:txBody>
+                    <a:bodyPr/>
+                    <a:lstStyle/>
+                    <a:p>
+                      <a:pPr algn="ctr" fontAlgn="ctr"/>
+                      <a:r>
+                        <a:rPr lang="ja-JP" altLang="en-US" sz="1600" b="1" i="0" u="none" strike="noStrike">
+                          <a:solidFill>
+                            <a:srgbClr val="000000"/>
+                          </a:solidFill>
+                          <a:effectLst/>
+                          <a:latin typeface="游ゴシック" panose="020B0400000000000000" pitchFamily="34" charset="-128"/>
+                          <a:ea typeface="游ゴシック" panose="020B0400000000000000" pitchFamily="34" charset="-128"/>
+                        </a:rPr>
+                        <a:t>コンテンツやサーバーに対する</a:t>
+                      </a:r>
+                      <a:br>
+                        <a:rPr lang="ja-JP" altLang="en-US" sz="1600" b="1" i="0" u="none" strike="noStrike">
+                          <a:solidFill>
+                            <a:srgbClr val="000000"/>
+                          </a:solidFill>
+                          <a:effectLst/>
+                          <a:latin typeface="游ゴシック" panose="020B0400000000000000" pitchFamily="34" charset="-128"/>
+                          <a:ea typeface="游ゴシック" panose="020B0400000000000000" pitchFamily="34" charset="-128"/>
+                        </a:rPr>
+                      </a:br>
+                      <a:r>
+                        <a:rPr lang="ja-JP" altLang="en-US" sz="1600" b="1" i="0" u="none" strike="noStrike">
+                          <a:solidFill>
+                            <a:srgbClr val="000000"/>
+                          </a:solidFill>
+                          <a:effectLst/>
+                          <a:latin typeface="游ゴシック" panose="020B0400000000000000" pitchFamily="34" charset="-128"/>
+                          <a:ea typeface="游ゴシック" panose="020B0400000000000000" pitchFamily="34" charset="-128"/>
+                        </a:rPr>
+                        <a:t>アクセス制御</a:t>
+                      </a:r>
+                    </a:p>
+                  </a:txBody>
+                  <a:tcPr marL="7752" marR="7752" marT="7752" marB="0" anchor="ctr">
+                    <a:lnL w="6350" cap="flat" cmpd="sng" algn="ctr">
+                      <a:solidFill>
+                        <a:srgbClr val="000000"/>
+                      </a:solidFill>
+                      <a:prstDash val="solid"/>
+                      <a:round/>
+                      <a:headEnd type="none" w="med" len="med"/>
+                      <a:tailEnd type="none" w="med" len="med"/>
+                    </a:lnL>
+                    <a:lnR w="6350" cap="flat" cmpd="sng" algn="ctr">
+                      <a:solidFill>
+                        <a:srgbClr val="000000"/>
+                      </a:solidFill>
+                      <a:prstDash val="solid"/>
+                      <a:round/>
+                      <a:headEnd type="none" w="med" len="med"/>
+                      <a:tailEnd type="none" w="med" len="med"/>
+                    </a:lnR>
+                    <a:lnT w="6350" cap="flat" cmpd="sng" algn="ctr">
+                      <a:solidFill>
+                        <a:srgbClr val="000000"/>
+                      </a:solidFill>
+                      <a:prstDash val="solid"/>
+                      <a:round/>
+                      <a:headEnd type="none" w="med" len="med"/>
+                      <a:tailEnd type="none" w="med" len="med"/>
+                    </a:lnT>
+                    <a:lnB w="6350" cap="flat" cmpd="sng" algn="ctr">
+                      <a:solidFill>
+                        <a:srgbClr val="000000"/>
+                      </a:solidFill>
+                      <a:prstDash val="solid"/>
+                      <a:round/>
+                      <a:headEnd type="none" w="med" len="med"/>
+                      <a:tailEnd type="none" w="med" len="med"/>
+                    </a:lnB>
+                    <a:solidFill>
+                      <a:srgbClr val="E7E6E6"/>
+                    </a:solidFill>
+                  </a:tcPr>
+                </a:tc>
+                <a:tc>
+                  <a:txBody>
+                    <a:bodyPr/>
+                    <a:lstStyle/>
+                    <a:p>
+                      <a:pPr algn="ctr" fontAlgn="ctr"/>
+                      <a:r>
+                        <a:rPr lang="ja-JP" altLang="en-US" sz="1600" b="0" i="0" u="none" strike="noStrike">
+                          <a:solidFill>
+                            <a:srgbClr val="000000"/>
+                          </a:solidFill>
+                          <a:effectLst/>
+                          <a:latin typeface="游ゴシック" panose="020B0400000000000000" pitchFamily="34" charset="-128"/>
+                          <a:ea typeface="游ゴシック" panose="020B0400000000000000" pitchFamily="34" charset="-128"/>
+                        </a:rPr>
+                        <a:t>△</a:t>
+                      </a:r>
+                      <a:endParaRPr lang="en-US" altLang="ja-JP" sz="1600" b="0" i="0" u="none" strike="noStrike" dirty="0">
+                        <a:solidFill>
+                          <a:srgbClr val="000000"/>
+                        </a:solidFill>
+                        <a:effectLst/>
+                        <a:latin typeface="游ゴシック" panose="020B0400000000000000" pitchFamily="34" charset="-128"/>
+                        <a:ea typeface="游ゴシック" panose="020B0400000000000000" pitchFamily="34" charset="-128"/>
+                      </a:endParaRPr>
+                    </a:p>
+                    <a:p>
+                      <a:pPr algn="ctr" fontAlgn="ctr"/>
+                      <a:r>
+                        <a:rPr lang="ja-JP" altLang="en-US" sz="1600" b="0" i="0" u="none" strike="noStrike">
+                          <a:solidFill>
+                            <a:srgbClr val="000000"/>
+                          </a:solidFill>
+                          <a:effectLst/>
+                          <a:latin typeface="游ゴシック" panose="020B0400000000000000" pitchFamily="34" charset="-128"/>
+                          <a:ea typeface="游ゴシック" panose="020B0400000000000000" pitchFamily="34" charset="-128"/>
+                        </a:rPr>
+                        <a:t>難しい</a:t>
+                      </a:r>
+                    </a:p>
+                  </a:txBody>
+                  <a:tcPr marL="7752" marR="7752" marT="7752" marB="0" anchor="ctr">
+                    <a:lnL w="6350" cap="flat" cmpd="sng" algn="ctr">
+                      <a:solidFill>
+                        <a:srgbClr val="000000"/>
+                      </a:solidFill>
+                      <a:prstDash val="solid"/>
+                      <a:round/>
+                      <a:headEnd type="none" w="med" len="med"/>
+                      <a:tailEnd type="none" w="med" len="med"/>
+                    </a:lnL>
+                    <a:lnR w="6350" cap="flat" cmpd="sng" algn="ctr">
+                      <a:solidFill>
+                        <a:srgbClr val="000000"/>
+                      </a:solidFill>
+                      <a:prstDash val="solid"/>
+                      <a:round/>
+                      <a:headEnd type="none" w="med" len="med"/>
+                      <a:tailEnd type="none" w="med" len="med"/>
+                    </a:lnR>
+                    <a:lnT w="6350" cap="flat" cmpd="sng" algn="ctr">
+                      <a:solidFill>
+                        <a:srgbClr val="000000"/>
+                      </a:solidFill>
+                      <a:prstDash val="solid"/>
+                      <a:round/>
+                      <a:headEnd type="none" w="med" len="med"/>
+                      <a:tailEnd type="none" w="med" len="med"/>
+                    </a:lnT>
+                    <a:lnB w="6350" cap="flat" cmpd="sng" algn="ctr">
+                      <a:solidFill>
+                        <a:srgbClr val="000000"/>
+                      </a:solidFill>
+                      <a:prstDash val="solid"/>
+                      <a:round/>
+                      <a:headEnd type="none" w="med" len="med"/>
+                      <a:tailEnd type="none" w="med" len="med"/>
+                    </a:lnB>
+                  </a:tcPr>
+                </a:tc>
+                <a:tc>
+                  <a:txBody>
+                    <a:bodyPr/>
+                    <a:lstStyle/>
+                    <a:p>
+                      <a:pPr algn="ctr" fontAlgn="ctr"/>
+                      <a:r>
+                        <a:rPr lang="ja-JP" altLang="en-US" sz="1600" b="0" i="0" u="none" strike="noStrike">
+                          <a:solidFill>
+                            <a:srgbClr val="000000"/>
+                          </a:solidFill>
+                          <a:effectLst/>
+                          <a:latin typeface="游ゴシック" panose="020B0400000000000000" pitchFamily="34" charset="-128"/>
+                          <a:ea typeface="游ゴシック" panose="020B0400000000000000" pitchFamily="34" charset="-128"/>
+                        </a:rPr>
+                        <a:t>○</a:t>
+                      </a:r>
+                      <a:endParaRPr lang="en-US" altLang="ja-JP" sz="1600" b="0" i="0" u="none" strike="noStrike" dirty="0">
+                        <a:solidFill>
+                          <a:srgbClr val="000000"/>
+                        </a:solidFill>
+                        <a:effectLst/>
+                        <a:latin typeface="游ゴシック" panose="020B0400000000000000" pitchFamily="34" charset="-128"/>
+                        <a:ea typeface="游ゴシック" panose="020B0400000000000000" pitchFamily="34" charset="-128"/>
+                      </a:endParaRPr>
+                    </a:p>
+                    <a:p>
+                      <a:pPr algn="ctr" fontAlgn="ctr"/>
+                      <a:r>
+                        <a:rPr lang="ja-JP" altLang="en-US" sz="1600" b="0" i="0" u="none" strike="noStrike">
+                          <a:solidFill>
+                            <a:srgbClr val="000000"/>
+                          </a:solidFill>
+                          <a:effectLst/>
+                          <a:latin typeface="游ゴシック" panose="020B0400000000000000" pitchFamily="34" charset="-128"/>
+                          <a:ea typeface="游ゴシック" panose="020B0400000000000000" pitchFamily="34" charset="-128"/>
+                        </a:rPr>
+                        <a:t>容易</a:t>
+                      </a:r>
+                    </a:p>
+                  </a:txBody>
+                  <a:tcPr marL="7752" marR="7752" marT="7752" marB="0" anchor="ctr">
+                    <a:lnL w="6350" cap="flat" cmpd="sng" algn="ctr">
+                      <a:solidFill>
+                        <a:srgbClr val="000000"/>
+                      </a:solidFill>
+                      <a:prstDash val="solid"/>
+                      <a:round/>
+                      <a:headEnd type="none" w="med" len="med"/>
+                      <a:tailEnd type="none" w="med" len="med"/>
+                    </a:lnL>
+                    <a:lnR w="6350" cap="flat" cmpd="sng" algn="ctr">
+                      <a:solidFill>
+                        <a:srgbClr val="000000"/>
+                      </a:solidFill>
+                      <a:prstDash val="solid"/>
+                      <a:round/>
+                      <a:headEnd type="none" w="med" len="med"/>
+                      <a:tailEnd type="none" w="med" len="med"/>
+                    </a:lnR>
+                    <a:lnT w="6350" cap="flat" cmpd="sng" algn="ctr">
+                      <a:solidFill>
+                        <a:srgbClr val="000000"/>
+                      </a:solidFill>
+                      <a:prstDash val="solid"/>
+                      <a:round/>
+                      <a:headEnd type="none" w="med" len="med"/>
+                      <a:tailEnd type="none" w="med" len="med"/>
+                    </a:lnT>
+                    <a:lnB w="6350" cap="flat" cmpd="sng" algn="ctr">
+                      <a:solidFill>
+                        <a:srgbClr val="000000"/>
+                      </a:solidFill>
+                      <a:prstDash val="solid"/>
+                      <a:round/>
+                      <a:headEnd type="none" w="med" len="med"/>
+                      <a:tailEnd type="none" w="med" len="med"/>
+                    </a:lnB>
+                  </a:tcPr>
+                </a:tc>
+                <a:extLst>
+                  <a:ext uri="{0D108BD9-81ED-4DB2-BD59-A6C34878D82A}">
+                    <a16:rowId xmlns:a16="http://schemas.microsoft.com/office/drawing/2014/main" val="1087830568"/>
+                  </a:ext>
+                </a:extLst>
+              </a:tr>
+              <a:tr h="542769">
+                <a:tc>
+                  <a:txBody>
+                    <a:bodyPr/>
+                    <a:lstStyle/>
+                    <a:p>
+                      <a:pPr algn="ctr" fontAlgn="ctr"/>
+                      <a:r>
+                        <a:rPr lang="ja-JP" altLang="en-US" sz="1600" b="1" i="0" u="none" strike="noStrike">
+                          <a:solidFill>
+                            <a:srgbClr val="000000"/>
+                          </a:solidFill>
+                          <a:effectLst/>
+                          <a:latin typeface="游ゴシック" panose="020B0400000000000000" pitchFamily="34" charset="-128"/>
+                          <a:ea typeface="游ゴシック" panose="020B0400000000000000" pitchFamily="34" charset="-128"/>
+                        </a:rPr>
+                        <a:t>初期導入コスト</a:t>
+                      </a:r>
+                    </a:p>
+                  </a:txBody>
+                  <a:tcPr marL="7752" marR="7752" marT="7752" marB="0" anchor="ctr">
+                    <a:lnL w="6350" cap="flat" cmpd="sng" algn="ctr">
+                      <a:solidFill>
+                        <a:srgbClr val="000000"/>
+                      </a:solidFill>
+                      <a:prstDash val="solid"/>
+                      <a:round/>
+                      <a:headEnd type="none" w="med" len="med"/>
+                      <a:tailEnd type="none" w="med" len="med"/>
+                    </a:lnL>
+                    <a:lnR w="6350" cap="flat" cmpd="sng" algn="ctr">
+                      <a:solidFill>
+                        <a:srgbClr val="000000"/>
+                      </a:solidFill>
+                      <a:prstDash val="solid"/>
+                      <a:round/>
+                      <a:headEnd type="none" w="med" len="med"/>
+                      <a:tailEnd type="none" w="med" len="med"/>
+                    </a:lnR>
+                    <a:lnT w="6350" cap="flat" cmpd="sng" algn="ctr">
+                      <a:solidFill>
+                        <a:srgbClr val="000000"/>
+                      </a:solidFill>
+                      <a:prstDash val="solid"/>
+                      <a:round/>
+                      <a:headEnd type="none" w="med" len="med"/>
+                      <a:tailEnd type="none" w="med" len="med"/>
+                    </a:lnT>
+                    <a:lnB w="6350" cap="flat" cmpd="sng" algn="ctr">
+                      <a:solidFill>
+                        <a:srgbClr val="000000"/>
+                      </a:solidFill>
+                      <a:prstDash val="solid"/>
+                      <a:round/>
+                      <a:headEnd type="none" w="med" len="med"/>
+                      <a:tailEnd type="none" w="med" len="med"/>
+                    </a:lnB>
+                    <a:solidFill>
+                      <a:srgbClr val="E7E6E6"/>
+                    </a:solidFill>
+                  </a:tcPr>
+                </a:tc>
+                <a:tc>
+                  <a:txBody>
+                    <a:bodyPr/>
+                    <a:lstStyle/>
+                    <a:p>
+                      <a:pPr algn="ctr" fontAlgn="ctr"/>
+                      <a:r>
+                        <a:rPr lang="ja-JP" altLang="en-US" sz="1600" b="0" i="0" u="none" strike="noStrike">
+                          <a:solidFill>
+                            <a:srgbClr val="000000"/>
+                          </a:solidFill>
+                          <a:effectLst/>
+                          <a:latin typeface="游ゴシック" panose="020B0400000000000000" pitchFamily="34" charset="-128"/>
+                          <a:ea typeface="游ゴシック" panose="020B0400000000000000" pitchFamily="34" charset="-128"/>
+                        </a:rPr>
+                        <a:t>○</a:t>
+                      </a:r>
+                      <a:endParaRPr lang="en-US" altLang="ja-JP" sz="1600" b="0" i="0" u="none" strike="noStrike" dirty="0">
+                        <a:solidFill>
+                          <a:srgbClr val="000000"/>
+                        </a:solidFill>
+                        <a:effectLst/>
+                        <a:latin typeface="游ゴシック" panose="020B0400000000000000" pitchFamily="34" charset="-128"/>
+                        <a:ea typeface="游ゴシック" panose="020B0400000000000000" pitchFamily="34" charset="-128"/>
+                      </a:endParaRPr>
+                    </a:p>
+                    <a:p>
+                      <a:pPr algn="ctr" fontAlgn="ctr"/>
+                      <a:r>
+                        <a:rPr lang="ja-JP" altLang="en-US" sz="1600" b="0" i="0" u="none" strike="noStrike">
+                          <a:solidFill>
+                            <a:srgbClr val="000000"/>
+                          </a:solidFill>
+                          <a:effectLst/>
+                          <a:latin typeface="游ゴシック" panose="020B0400000000000000" pitchFamily="34" charset="-128"/>
+                          <a:ea typeface="游ゴシック" panose="020B0400000000000000" pitchFamily="34" charset="-128"/>
+                        </a:rPr>
+                        <a:t>低い</a:t>
+                      </a:r>
+                    </a:p>
+                  </a:txBody>
+                  <a:tcPr marL="7752" marR="7752" marT="7752" marB="0" anchor="ctr">
+                    <a:lnL w="6350" cap="flat" cmpd="sng" algn="ctr">
+                      <a:solidFill>
+                        <a:srgbClr val="000000"/>
+                      </a:solidFill>
+                      <a:prstDash val="solid"/>
+                      <a:round/>
+                      <a:headEnd type="none" w="med" len="med"/>
+                      <a:tailEnd type="none" w="med" len="med"/>
+                    </a:lnL>
+                    <a:lnR w="6350" cap="flat" cmpd="sng" algn="ctr">
+                      <a:solidFill>
+                        <a:srgbClr val="000000"/>
+                      </a:solidFill>
+                      <a:prstDash val="solid"/>
+                      <a:round/>
+                      <a:headEnd type="none" w="med" len="med"/>
+                      <a:tailEnd type="none" w="med" len="med"/>
+                    </a:lnR>
+                    <a:lnT w="6350" cap="flat" cmpd="sng" algn="ctr">
+                      <a:solidFill>
+                        <a:srgbClr val="000000"/>
+                      </a:solidFill>
+                      <a:prstDash val="solid"/>
+                      <a:round/>
+                      <a:headEnd type="none" w="med" len="med"/>
+                      <a:tailEnd type="none" w="med" len="med"/>
+                    </a:lnT>
+                    <a:lnB w="6350" cap="flat" cmpd="sng" algn="ctr">
+                      <a:solidFill>
+                        <a:srgbClr val="000000"/>
+                      </a:solidFill>
+                      <a:prstDash val="solid"/>
+                      <a:round/>
+                      <a:headEnd type="none" w="med" len="med"/>
+                      <a:tailEnd type="none" w="med" len="med"/>
+                    </a:lnB>
+                  </a:tcPr>
+                </a:tc>
+                <a:tc>
+                  <a:txBody>
+                    <a:bodyPr/>
+                    <a:lstStyle/>
+                    <a:p>
+                      <a:pPr algn="ctr" fontAlgn="ctr"/>
+                      <a:r>
+                        <a:rPr lang="ja-JP" altLang="en-US" sz="1600" b="0" i="0" u="none" strike="noStrike">
+                          <a:solidFill>
+                            <a:srgbClr val="000000"/>
+                          </a:solidFill>
+                          <a:effectLst/>
+                          <a:latin typeface="游ゴシック" panose="020B0400000000000000" pitchFamily="34" charset="-128"/>
+                          <a:ea typeface="游ゴシック" panose="020B0400000000000000" pitchFamily="34" charset="-128"/>
+                        </a:rPr>
+                        <a:t>△</a:t>
+                      </a:r>
+                      <a:endParaRPr lang="en-US" altLang="ja-JP" sz="1600" b="0" i="0" u="none" strike="noStrike" dirty="0">
+                        <a:solidFill>
+                          <a:srgbClr val="000000"/>
+                        </a:solidFill>
+                        <a:effectLst/>
+                        <a:latin typeface="游ゴシック" panose="020B0400000000000000" pitchFamily="34" charset="-128"/>
+                        <a:ea typeface="游ゴシック" panose="020B0400000000000000" pitchFamily="34" charset="-128"/>
+                      </a:endParaRPr>
+                    </a:p>
+                    <a:p>
+                      <a:pPr algn="ctr" fontAlgn="ctr"/>
+                      <a:r>
+                        <a:rPr lang="ja-JP" altLang="en-US" sz="1600" b="0" i="0" u="none" strike="noStrike">
+                          <a:solidFill>
+                            <a:srgbClr val="000000"/>
+                          </a:solidFill>
+                          <a:effectLst/>
+                          <a:latin typeface="游ゴシック" panose="020B0400000000000000" pitchFamily="34" charset="-128"/>
+                          <a:ea typeface="游ゴシック" panose="020B0400000000000000" pitchFamily="34" charset="-128"/>
+                        </a:rPr>
+                        <a:t>高い</a:t>
+                      </a:r>
+                    </a:p>
+                  </a:txBody>
+                  <a:tcPr marL="7752" marR="7752" marT="7752" marB="0" anchor="ctr">
+                    <a:lnL w="6350" cap="flat" cmpd="sng" algn="ctr">
+                      <a:solidFill>
+                        <a:srgbClr val="000000"/>
+                      </a:solidFill>
+                      <a:prstDash val="solid"/>
+                      <a:round/>
+                      <a:headEnd type="none" w="med" len="med"/>
+                      <a:tailEnd type="none" w="med" len="med"/>
+                    </a:lnL>
+                    <a:lnR w="6350" cap="flat" cmpd="sng" algn="ctr">
+                      <a:solidFill>
+                        <a:srgbClr val="000000"/>
+                      </a:solidFill>
+                      <a:prstDash val="solid"/>
+                      <a:round/>
+                      <a:headEnd type="none" w="med" len="med"/>
+                      <a:tailEnd type="none" w="med" len="med"/>
+                    </a:lnR>
+                    <a:lnT w="6350" cap="flat" cmpd="sng" algn="ctr">
+                      <a:solidFill>
+                        <a:srgbClr val="000000"/>
+                      </a:solidFill>
+                      <a:prstDash val="solid"/>
+                      <a:round/>
+                      <a:headEnd type="none" w="med" len="med"/>
+                      <a:tailEnd type="none" w="med" len="med"/>
+                    </a:lnT>
+                    <a:lnB w="6350" cap="flat" cmpd="sng" algn="ctr">
+                      <a:solidFill>
+                        <a:srgbClr val="000000"/>
+                      </a:solidFill>
+                      <a:prstDash val="solid"/>
+                      <a:round/>
+                      <a:headEnd type="none" w="med" len="med"/>
+                      <a:tailEnd type="none" w="med" len="med"/>
+                    </a:lnB>
+                  </a:tcPr>
+                </a:tc>
+                <a:extLst>
+                  <a:ext uri="{0D108BD9-81ED-4DB2-BD59-A6C34878D82A}">
+                    <a16:rowId xmlns:a16="http://schemas.microsoft.com/office/drawing/2014/main" val="737321577"/>
+                  </a:ext>
+                </a:extLst>
+              </a:tr>
+              <a:tr h="527232">
+                <a:tc>
+                  <a:txBody>
+                    <a:bodyPr/>
+                    <a:lstStyle/>
+                    <a:p>
+                      <a:pPr algn="ctr" fontAlgn="ctr"/>
+                      <a:r>
+                        <a:rPr lang="ja-JP" altLang="en-US" sz="1600" b="1" i="0" u="none" strike="noStrike">
+                          <a:solidFill>
+                            <a:srgbClr val="000000"/>
+                          </a:solidFill>
+                          <a:effectLst/>
+                          <a:latin typeface="游ゴシック" panose="020B0400000000000000" pitchFamily="34" charset="-128"/>
+                          <a:ea typeface="游ゴシック" panose="020B0400000000000000" pitchFamily="34" charset="-128"/>
+                        </a:rPr>
+                        <a:t>運用管理コスト</a:t>
+                      </a:r>
+                    </a:p>
+                  </a:txBody>
+                  <a:tcPr marL="7752" marR="7752" marT="7752" marB="0" anchor="ctr">
+                    <a:lnL w="6350" cap="flat" cmpd="sng" algn="ctr">
+                      <a:solidFill>
+                        <a:srgbClr val="000000"/>
+                      </a:solidFill>
+                      <a:prstDash val="solid"/>
+                      <a:round/>
+                      <a:headEnd type="none" w="med" len="med"/>
+                      <a:tailEnd type="none" w="med" len="med"/>
+                    </a:lnL>
+                    <a:lnR w="6350" cap="flat" cmpd="sng" algn="ctr">
+                      <a:solidFill>
+                        <a:srgbClr val="000000"/>
+                      </a:solidFill>
+                      <a:prstDash val="solid"/>
+                      <a:round/>
+                      <a:headEnd type="none" w="med" len="med"/>
+                      <a:tailEnd type="none" w="med" len="med"/>
+                    </a:lnR>
+                    <a:lnT w="6350" cap="flat" cmpd="sng" algn="ctr">
+                      <a:solidFill>
+                        <a:srgbClr val="000000"/>
+                      </a:solidFill>
+                      <a:prstDash val="solid"/>
+                      <a:round/>
+                      <a:headEnd type="none" w="med" len="med"/>
+                      <a:tailEnd type="none" w="med" len="med"/>
+                    </a:lnT>
+                    <a:lnB w="6350" cap="flat" cmpd="sng" algn="ctr">
+                      <a:solidFill>
+                        <a:srgbClr val="000000"/>
+                      </a:solidFill>
+                      <a:prstDash val="solid"/>
+                      <a:round/>
+                      <a:headEnd type="none" w="med" len="med"/>
+                      <a:tailEnd type="none" w="med" len="med"/>
+                    </a:lnB>
+                    <a:solidFill>
+                      <a:srgbClr val="E7E6E6"/>
+                    </a:solidFill>
+                  </a:tcPr>
+                </a:tc>
+                <a:tc>
+                  <a:txBody>
+                    <a:bodyPr/>
+                    <a:lstStyle/>
+                    <a:p>
+                      <a:pPr algn="ctr" fontAlgn="ctr"/>
+                      <a:r>
+                        <a:rPr lang="ja-JP" altLang="en-US" sz="1600" b="0" i="0" u="none" strike="noStrike">
+                          <a:solidFill>
+                            <a:srgbClr val="000000"/>
+                          </a:solidFill>
+                          <a:effectLst/>
+                          <a:latin typeface="游ゴシック" panose="020B0400000000000000" pitchFamily="34" charset="-128"/>
+                          <a:ea typeface="游ゴシック" panose="020B0400000000000000" pitchFamily="34" charset="-128"/>
+                        </a:rPr>
+                        <a:t>△</a:t>
+                      </a:r>
+                      <a:endParaRPr lang="en-US" altLang="ja-JP" sz="1600" b="0" i="0" u="none" strike="noStrike" dirty="0">
+                        <a:solidFill>
+                          <a:srgbClr val="000000"/>
+                        </a:solidFill>
+                        <a:effectLst/>
+                        <a:latin typeface="游ゴシック" panose="020B0400000000000000" pitchFamily="34" charset="-128"/>
+                        <a:ea typeface="游ゴシック" panose="020B0400000000000000" pitchFamily="34" charset="-128"/>
+                      </a:endParaRPr>
+                    </a:p>
+                    <a:p>
+                      <a:pPr algn="ctr" fontAlgn="ctr"/>
+                      <a:r>
+                        <a:rPr lang="ja-JP" altLang="en-US" sz="1600" b="0" i="0" u="none" strike="noStrike">
+                          <a:solidFill>
+                            <a:srgbClr val="000000"/>
+                          </a:solidFill>
+                          <a:effectLst/>
+                          <a:latin typeface="游ゴシック" panose="020B0400000000000000" pitchFamily="34" charset="-128"/>
+                          <a:ea typeface="游ゴシック" panose="020B0400000000000000" pitchFamily="34" charset="-128"/>
+                        </a:rPr>
+                        <a:t>高い</a:t>
+                      </a:r>
+                    </a:p>
+                  </a:txBody>
+                  <a:tcPr marL="7752" marR="7752" marT="7752" marB="0" anchor="ctr">
+                    <a:lnL w="6350" cap="flat" cmpd="sng" algn="ctr">
+                      <a:solidFill>
+                        <a:srgbClr val="000000"/>
+                      </a:solidFill>
+                      <a:prstDash val="solid"/>
+                      <a:round/>
+                      <a:headEnd type="none" w="med" len="med"/>
+                      <a:tailEnd type="none" w="med" len="med"/>
+                    </a:lnL>
+                    <a:lnR w="6350" cap="flat" cmpd="sng" algn="ctr">
+                      <a:solidFill>
+                        <a:srgbClr val="000000"/>
+                      </a:solidFill>
+                      <a:prstDash val="solid"/>
+                      <a:round/>
+                      <a:headEnd type="none" w="med" len="med"/>
+                      <a:tailEnd type="none" w="med" len="med"/>
+                    </a:lnR>
+                    <a:lnT w="6350" cap="flat" cmpd="sng" algn="ctr">
+                      <a:solidFill>
+                        <a:srgbClr val="000000"/>
+                      </a:solidFill>
+                      <a:prstDash val="solid"/>
+                      <a:round/>
+                      <a:headEnd type="none" w="med" len="med"/>
+                      <a:tailEnd type="none" w="med" len="med"/>
+                    </a:lnT>
+                    <a:lnB w="6350" cap="flat" cmpd="sng" algn="ctr">
+                      <a:solidFill>
+                        <a:srgbClr val="000000"/>
+                      </a:solidFill>
+                      <a:prstDash val="solid"/>
+                      <a:round/>
+                      <a:headEnd type="none" w="med" len="med"/>
+                      <a:tailEnd type="none" w="med" len="med"/>
+                    </a:lnB>
+                  </a:tcPr>
+                </a:tc>
+                <a:tc>
+                  <a:txBody>
+                    <a:bodyPr/>
+                    <a:lstStyle/>
+                    <a:p>
+                      <a:pPr algn="ctr" fontAlgn="ctr"/>
+                      <a:r>
+                        <a:rPr lang="ja-JP" altLang="en-US" sz="1600" b="0" i="0" u="none" strike="noStrike">
+                          <a:solidFill>
+                            <a:srgbClr val="000000"/>
+                          </a:solidFill>
+                          <a:effectLst/>
+                          <a:latin typeface="游ゴシック" panose="020B0400000000000000" pitchFamily="34" charset="-128"/>
+                          <a:ea typeface="游ゴシック" panose="020B0400000000000000" pitchFamily="34" charset="-128"/>
+                        </a:rPr>
+                        <a:t>○</a:t>
+                      </a:r>
+                      <a:endParaRPr lang="en-US" altLang="ja-JP" sz="1600" b="0" i="0" u="none" strike="noStrike" dirty="0">
+                        <a:solidFill>
+                          <a:srgbClr val="000000"/>
+                        </a:solidFill>
+                        <a:effectLst/>
+                        <a:latin typeface="游ゴシック" panose="020B0400000000000000" pitchFamily="34" charset="-128"/>
+                        <a:ea typeface="游ゴシック" panose="020B0400000000000000" pitchFamily="34" charset="-128"/>
+                      </a:endParaRPr>
+                    </a:p>
+                    <a:p>
+                      <a:pPr algn="ctr" fontAlgn="ctr"/>
+                      <a:r>
+                        <a:rPr lang="ja-JP" altLang="en-US" sz="1600" b="0" i="0" u="none" strike="noStrike">
+                          <a:solidFill>
+                            <a:srgbClr val="000000"/>
+                          </a:solidFill>
+                          <a:effectLst/>
+                          <a:latin typeface="游ゴシック" panose="020B0400000000000000" pitchFamily="34" charset="-128"/>
+                          <a:ea typeface="游ゴシック" panose="020B0400000000000000" pitchFamily="34" charset="-128"/>
+                        </a:rPr>
+                        <a:t>低い</a:t>
+                      </a:r>
+                    </a:p>
+                  </a:txBody>
+                  <a:tcPr marL="7752" marR="7752" marT="7752" marB="0" anchor="ctr">
+                    <a:lnL w="6350" cap="flat" cmpd="sng" algn="ctr">
+                      <a:solidFill>
+                        <a:srgbClr val="000000"/>
+                      </a:solidFill>
+                      <a:prstDash val="solid"/>
+                      <a:round/>
+                      <a:headEnd type="none" w="med" len="med"/>
+                      <a:tailEnd type="none" w="med" len="med"/>
+                    </a:lnL>
+                    <a:lnR w="6350" cap="flat" cmpd="sng" algn="ctr">
+                      <a:solidFill>
+                        <a:srgbClr val="000000"/>
+                      </a:solidFill>
+                      <a:prstDash val="solid"/>
+                      <a:round/>
+                      <a:headEnd type="none" w="med" len="med"/>
+                      <a:tailEnd type="none" w="med" len="med"/>
+                    </a:lnR>
+                    <a:lnT w="6350" cap="flat" cmpd="sng" algn="ctr">
+                      <a:solidFill>
+                        <a:srgbClr val="000000"/>
+                      </a:solidFill>
+                      <a:prstDash val="solid"/>
+                      <a:round/>
+                      <a:headEnd type="none" w="med" len="med"/>
+                      <a:tailEnd type="none" w="med" len="med"/>
+                    </a:lnT>
+                    <a:lnB w="6350" cap="flat" cmpd="sng" algn="ctr">
+                      <a:solidFill>
+                        <a:srgbClr val="000000"/>
+                      </a:solidFill>
+                      <a:prstDash val="solid"/>
+                      <a:round/>
+                      <a:headEnd type="none" w="med" len="med"/>
+                      <a:tailEnd type="none" w="med" len="med"/>
+                    </a:lnB>
+                  </a:tcPr>
+                </a:tc>
+                <a:extLst>
+                  <a:ext uri="{0D108BD9-81ED-4DB2-BD59-A6C34878D82A}">
+                    <a16:rowId xmlns:a16="http://schemas.microsoft.com/office/drawing/2014/main" val="4144515290"/>
+                  </a:ext>
+                </a:extLst>
+              </a:tr>
+              <a:tr h="634839">
+                <a:tc>
+                  <a:txBody>
+                    <a:bodyPr/>
+                    <a:lstStyle/>
+                    <a:p>
+                      <a:pPr algn="ctr" fontAlgn="ctr"/>
+                      <a:r>
+                        <a:rPr lang="ja-JP" altLang="en-US" sz="1600" b="1" i="0" u="none" strike="noStrike">
+                          <a:solidFill>
+                            <a:srgbClr val="000000"/>
+                          </a:solidFill>
+                          <a:effectLst/>
+                          <a:latin typeface="游ゴシック" panose="020B0400000000000000" pitchFamily="34" charset="-128"/>
+                          <a:ea typeface="游ゴシック" panose="020B0400000000000000" pitchFamily="34" charset="-128"/>
+                        </a:rPr>
+                        <a:t>既存ネットワークへの適用性</a:t>
+                      </a:r>
+                    </a:p>
+                  </a:txBody>
+                  <a:tcPr marL="7752" marR="7752" marT="7752" marB="0" anchor="ctr">
+                    <a:lnL w="6350" cap="flat" cmpd="sng" algn="ctr">
+                      <a:solidFill>
+                        <a:srgbClr val="000000"/>
+                      </a:solidFill>
+                      <a:prstDash val="solid"/>
+                      <a:round/>
+                      <a:headEnd type="none" w="med" len="med"/>
+                      <a:tailEnd type="none" w="med" len="med"/>
+                    </a:lnL>
+                    <a:lnR w="6350" cap="flat" cmpd="sng" algn="ctr">
+                      <a:solidFill>
+                        <a:srgbClr val="000000"/>
+                      </a:solidFill>
+                      <a:prstDash val="solid"/>
+                      <a:round/>
+                      <a:headEnd type="none" w="med" len="med"/>
+                      <a:tailEnd type="none" w="med" len="med"/>
+                    </a:lnR>
+                    <a:lnT w="6350" cap="flat" cmpd="sng" algn="ctr">
+                      <a:solidFill>
+                        <a:srgbClr val="000000"/>
+                      </a:solidFill>
+                      <a:prstDash val="solid"/>
+                      <a:round/>
+                      <a:headEnd type="none" w="med" len="med"/>
+                      <a:tailEnd type="none" w="med" len="med"/>
+                    </a:lnT>
+                    <a:lnB w="6350" cap="flat" cmpd="sng" algn="ctr">
+                      <a:solidFill>
+                        <a:srgbClr val="000000"/>
+                      </a:solidFill>
+                      <a:prstDash val="solid"/>
+                      <a:round/>
+                      <a:headEnd type="none" w="med" len="med"/>
+                      <a:tailEnd type="none" w="med" len="med"/>
+                    </a:lnB>
+                    <a:solidFill>
+                      <a:srgbClr val="E7E6E6"/>
+                    </a:solidFill>
+                  </a:tcPr>
+                </a:tc>
+                <a:tc>
+                  <a:txBody>
+                    <a:bodyPr/>
+                    <a:lstStyle/>
+                    <a:p>
+                      <a:pPr algn="ctr" fontAlgn="ctr"/>
+                      <a:r>
+                        <a:rPr lang="ja-JP" altLang="en-US" sz="1600" b="0" i="0" u="none" strike="noStrike">
+                          <a:solidFill>
+                            <a:srgbClr val="000000"/>
+                          </a:solidFill>
+                          <a:effectLst/>
+                          <a:latin typeface="游ゴシック" panose="020B0400000000000000" pitchFamily="34" charset="-128"/>
+                          <a:ea typeface="游ゴシック" panose="020B0400000000000000" pitchFamily="34" charset="-128"/>
+                        </a:rPr>
+                        <a:t>△</a:t>
+                      </a:r>
+                      <a:endParaRPr lang="en" sz="1600" b="0" i="0" u="none" strike="noStrike" dirty="0">
+                        <a:solidFill>
+                          <a:srgbClr val="000000"/>
+                        </a:solidFill>
+                        <a:effectLst/>
+                        <a:latin typeface="游ゴシック" panose="020B0400000000000000" pitchFamily="34" charset="-128"/>
+                        <a:ea typeface="游ゴシック" panose="020B0400000000000000" pitchFamily="34" charset="-128"/>
+                      </a:endParaRPr>
+                    </a:p>
+                    <a:p>
+                      <a:pPr algn="ctr" fontAlgn="ctr"/>
+                      <a:r>
+                        <a:rPr lang="en" sz="1600" b="0" i="0" u="none" strike="noStrike" dirty="0">
+                          <a:solidFill>
+                            <a:srgbClr val="000000"/>
+                          </a:solidFill>
+                          <a:effectLst/>
+                          <a:latin typeface="游ゴシック" panose="020B0400000000000000" pitchFamily="34" charset="-128"/>
+                          <a:ea typeface="游ゴシック" panose="020B0400000000000000" pitchFamily="34" charset="-128"/>
+                        </a:rPr>
+                        <a:t>NAT（</a:t>
+                      </a:r>
+                      <a:r>
+                        <a:rPr lang="ja-JP" altLang="en-US" sz="1600" b="0" i="0" u="none" strike="noStrike">
+                          <a:solidFill>
+                            <a:srgbClr val="000000"/>
+                          </a:solidFill>
+                          <a:effectLst/>
+                          <a:latin typeface="游ゴシック" panose="020B0400000000000000" pitchFamily="34" charset="-128"/>
+                          <a:ea typeface="游ゴシック" panose="020B0400000000000000" pitchFamily="34" charset="-128"/>
+                        </a:rPr>
+                        <a:t>アドレス変換）、ファイアー</a:t>
+                      </a:r>
+                      <a:br>
+                        <a:rPr lang="ja-JP" altLang="en-US" sz="1600" b="0" i="0" u="none" strike="noStrike">
+                          <a:solidFill>
+                            <a:srgbClr val="000000"/>
+                          </a:solidFill>
+                          <a:effectLst/>
+                          <a:latin typeface="游ゴシック" panose="020B0400000000000000" pitchFamily="34" charset="-128"/>
+                          <a:ea typeface="游ゴシック" panose="020B0400000000000000" pitchFamily="34" charset="-128"/>
+                        </a:rPr>
+                      </a:br>
+                      <a:r>
+                        <a:rPr lang="ja-JP" altLang="en-US" sz="1600" b="0" i="0" u="none" strike="noStrike">
+                          <a:solidFill>
+                            <a:srgbClr val="000000"/>
+                          </a:solidFill>
+                          <a:effectLst/>
+                          <a:latin typeface="游ゴシック" panose="020B0400000000000000" pitchFamily="34" charset="-128"/>
+                          <a:ea typeface="游ゴシック" panose="020B0400000000000000" pitchFamily="34" charset="-128"/>
+                        </a:rPr>
+                        <a:t>ウォール越えなどの考慮が必要</a:t>
+                      </a:r>
+                    </a:p>
+                  </a:txBody>
+                  <a:tcPr marL="7752" marR="7752" marT="7752" marB="0" anchor="ctr">
+                    <a:lnL w="6350" cap="flat" cmpd="sng" algn="ctr">
+                      <a:solidFill>
+                        <a:srgbClr val="000000"/>
+                      </a:solidFill>
+                      <a:prstDash val="solid"/>
+                      <a:round/>
+                      <a:headEnd type="none" w="med" len="med"/>
+                      <a:tailEnd type="none" w="med" len="med"/>
+                    </a:lnL>
+                    <a:lnR w="6350" cap="flat" cmpd="sng" algn="ctr">
+                      <a:solidFill>
+                        <a:srgbClr val="000000"/>
+                      </a:solidFill>
+                      <a:prstDash val="solid"/>
+                      <a:round/>
+                      <a:headEnd type="none" w="med" len="med"/>
+                      <a:tailEnd type="none" w="med" len="med"/>
+                    </a:lnR>
+                    <a:lnT w="6350" cap="flat" cmpd="sng" algn="ctr">
+                      <a:solidFill>
+                        <a:srgbClr val="000000"/>
+                      </a:solidFill>
+                      <a:prstDash val="solid"/>
+                      <a:round/>
+                      <a:headEnd type="none" w="med" len="med"/>
+                      <a:tailEnd type="none" w="med" len="med"/>
+                    </a:lnT>
+                    <a:lnB w="6350" cap="flat" cmpd="sng" algn="ctr">
+                      <a:solidFill>
+                        <a:srgbClr val="000000"/>
+                      </a:solidFill>
+                      <a:prstDash val="solid"/>
+                      <a:round/>
+                      <a:headEnd type="none" w="med" len="med"/>
+                      <a:tailEnd type="none" w="med" len="med"/>
+                    </a:lnB>
+                  </a:tcPr>
+                </a:tc>
+                <a:tc>
+                  <a:txBody>
+                    <a:bodyPr/>
+                    <a:lstStyle/>
+                    <a:p>
+                      <a:pPr algn="ctr" fontAlgn="ctr"/>
+                      <a:r>
+                        <a:rPr lang="ja-JP" altLang="en-US" sz="1600" b="0" i="0" u="none" strike="noStrike">
+                          <a:solidFill>
+                            <a:srgbClr val="000000"/>
+                          </a:solidFill>
+                          <a:effectLst/>
+                          <a:latin typeface="游ゴシック" panose="020B0400000000000000" pitchFamily="34" charset="-128"/>
+                          <a:ea typeface="游ゴシック" panose="020B0400000000000000" pitchFamily="34" charset="-128"/>
+                        </a:rPr>
+                        <a:t>○</a:t>
+                      </a:r>
+                      <a:endParaRPr lang="en-US" altLang="ja-JP" sz="1600" b="0" i="0" u="none" strike="noStrike" dirty="0">
+                        <a:solidFill>
+                          <a:srgbClr val="000000"/>
+                        </a:solidFill>
+                        <a:effectLst/>
+                        <a:latin typeface="游ゴシック" panose="020B0400000000000000" pitchFamily="34" charset="-128"/>
+                        <a:ea typeface="游ゴシック" panose="020B0400000000000000" pitchFamily="34" charset="-128"/>
+                      </a:endParaRPr>
+                    </a:p>
+                    <a:p>
+                      <a:pPr algn="ctr" fontAlgn="ctr"/>
+                      <a:r>
+                        <a:rPr lang="ja-JP" altLang="en-US" sz="1600" b="0" i="0" u="none" strike="noStrike">
+                          <a:solidFill>
+                            <a:srgbClr val="000000"/>
+                          </a:solidFill>
+                          <a:effectLst/>
+                          <a:latin typeface="游ゴシック" panose="020B0400000000000000" pitchFamily="34" charset="-128"/>
+                          <a:ea typeface="游ゴシック" panose="020B0400000000000000" pitchFamily="34" charset="-128"/>
+                        </a:rPr>
+                        <a:t>シームレスに導入可能</a:t>
+                      </a:r>
+                    </a:p>
+                  </a:txBody>
+                  <a:tcPr marL="7752" marR="7752" marT="7752" marB="0" anchor="ctr">
+                    <a:lnL w="6350" cap="flat" cmpd="sng" algn="ctr">
+                      <a:solidFill>
+                        <a:srgbClr val="000000"/>
+                      </a:solidFill>
+                      <a:prstDash val="solid"/>
+                      <a:round/>
+                      <a:headEnd type="none" w="med" len="med"/>
+                      <a:tailEnd type="none" w="med" len="med"/>
+                    </a:lnL>
+                    <a:lnR w="6350" cap="flat" cmpd="sng" algn="ctr">
+                      <a:solidFill>
+                        <a:srgbClr val="000000"/>
+                      </a:solidFill>
+                      <a:prstDash val="solid"/>
+                      <a:round/>
+                      <a:headEnd type="none" w="med" len="med"/>
+                      <a:tailEnd type="none" w="med" len="med"/>
+                    </a:lnR>
+                    <a:lnT w="6350" cap="flat" cmpd="sng" algn="ctr">
+                      <a:solidFill>
+                        <a:srgbClr val="000000"/>
+                      </a:solidFill>
+                      <a:prstDash val="solid"/>
+                      <a:round/>
+                      <a:headEnd type="none" w="med" len="med"/>
+                      <a:tailEnd type="none" w="med" len="med"/>
+                    </a:lnT>
+                    <a:lnB w="6350" cap="flat" cmpd="sng" algn="ctr">
+                      <a:solidFill>
+                        <a:srgbClr val="000000"/>
+                      </a:solidFill>
+                      <a:prstDash val="solid"/>
+                      <a:round/>
+                      <a:headEnd type="none" w="med" len="med"/>
+                      <a:tailEnd type="none" w="med" len="med"/>
+                    </a:lnB>
+                  </a:tcPr>
+                </a:tc>
+                <a:extLst>
+                  <a:ext uri="{0D108BD9-81ED-4DB2-BD59-A6C34878D82A}">
+                    <a16:rowId xmlns:a16="http://schemas.microsoft.com/office/drawing/2014/main" val="2881677389"/>
+                  </a:ext>
+                </a:extLst>
+              </a:tr>
+              <a:tr h="649954">
+                <a:tc>
+                  <a:txBody>
+                    <a:bodyPr/>
+                    <a:lstStyle/>
+                    <a:p>
+                      <a:pPr algn="ctr" fontAlgn="ctr"/>
+                      <a:r>
+                        <a:rPr lang="ja-JP" altLang="en-US" sz="1600" b="1" i="0" u="none" strike="noStrike">
+                          <a:solidFill>
+                            <a:srgbClr val="000000"/>
+                          </a:solidFill>
+                          <a:effectLst/>
+                          <a:latin typeface="游ゴシック" panose="020B0400000000000000" pitchFamily="34" charset="-128"/>
+                          <a:ea typeface="游ゴシック" panose="020B0400000000000000" pitchFamily="34" charset="-128"/>
+                        </a:rPr>
+                        <a:t>性能（処理速度・アクセス速度）</a:t>
+                      </a:r>
+                    </a:p>
+                  </a:txBody>
+                  <a:tcPr marL="7752" marR="7752" marT="7752" marB="0" anchor="ctr">
+                    <a:lnL w="6350" cap="flat" cmpd="sng" algn="ctr">
+                      <a:solidFill>
+                        <a:srgbClr val="000000"/>
+                      </a:solidFill>
+                      <a:prstDash val="solid"/>
+                      <a:round/>
+                      <a:headEnd type="none" w="med" len="med"/>
+                      <a:tailEnd type="none" w="med" len="med"/>
+                    </a:lnL>
+                    <a:lnR w="6350" cap="flat" cmpd="sng" algn="ctr">
+                      <a:solidFill>
+                        <a:srgbClr val="000000"/>
+                      </a:solidFill>
+                      <a:prstDash val="solid"/>
+                      <a:round/>
+                      <a:headEnd type="none" w="med" len="med"/>
+                      <a:tailEnd type="none" w="med" len="med"/>
+                    </a:lnR>
+                    <a:lnT w="6350" cap="flat" cmpd="sng" algn="ctr">
+                      <a:solidFill>
+                        <a:srgbClr val="000000"/>
+                      </a:solidFill>
+                      <a:prstDash val="solid"/>
+                      <a:round/>
+                      <a:headEnd type="none" w="med" len="med"/>
+                      <a:tailEnd type="none" w="med" len="med"/>
+                    </a:lnT>
+                    <a:lnB w="6350" cap="flat" cmpd="sng" algn="ctr">
+                      <a:solidFill>
+                        <a:srgbClr val="000000"/>
+                      </a:solidFill>
+                      <a:prstDash val="solid"/>
+                      <a:round/>
+                      <a:headEnd type="none" w="med" len="med"/>
+                      <a:tailEnd type="none" w="med" len="med"/>
+                    </a:lnB>
+                    <a:solidFill>
+                      <a:srgbClr val="E7E6E6"/>
+                    </a:solidFill>
+                  </a:tcPr>
+                </a:tc>
+                <a:tc>
+                  <a:txBody>
+                    <a:bodyPr/>
+                    <a:lstStyle/>
+                    <a:p>
+                      <a:pPr algn="ctr" fontAlgn="ctr"/>
+                      <a:r>
+                        <a:rPr lang="ja-JP" altLang="en-US" sz="1600" b="0" i="0" u="none" strike="noStrike">
+                          <a:solidFill>
+                            <a:srgbClr val="000000"/>
+                          </a:solidFill>
+                          <a:effectLst/>
+                          <a:latin typeface="游ゴシック" panose="020B0400000000000000" pitchFamily="34" charset="-128"/>
+                          <a:ea typeface="游ゴシック" panose="020B0400000000000000" pitchFamily="34" charset="-128"/>
+                        </a:rPr>
+                        <a:t>○</a:t>
+                      </a:r>
+                      <a:endParaRPr lang="en" sz="1600" b="0" i="0" u="none" strike="noStrike" dirty="0">
+                        <a:solidFill>
+                          <a:srgbClr val="000000"/>
+                        </a:solidFill>
+                        <a:effectLst/>
+                        <a:latin typeface="游ゴシック" panose="020B0400000000000000" pitchFamily="34" charset="-128"/>
+                        <a:ea typeface="游ゴシック" panose="020B0400000000000000" pitchFamily="34" charset="-128"/>
+                      </a:endParaRPr>
+                    </a:p>
+                    <a:p>
+                      <a:pPr algn="ctr" fontAlgn="ctr"/>
+                      <a:r>
+                        <a:rPr lang="en" sz="1600" b="0" i="0" u="none" strike="noStrike" dirty="0">
+                          <a:solidFill>
+                            <a:srgbClr val="000000"/>
+                          </a:solidFill>
+                          <a:effectLst/>
+                          <a:latin typeface="游ゴシック" panose="020B0400000000000000" pitchFamily="34" charset="-128"/>
+                          <a:ea typeface="游ゴシック" panose="020B0400000000000000" pitchFamily="34" charset="-128"/>
+                        </a:rPr>
+                        <a:t>SSL-VPN</a:t>
+                      </a:r>
+                      <a:r>
+                        <a:rPr lang="ja-JP" altLang="en-US" sz="1600" b="0" i="0" u="none" strike="noStrike">
+                          <a:solidFill>
+                            <a:srgbClr val="000000"/>
+                          </a:solidFill>
+                          <a:effectLst/>
+                          <a:latin typeface="游ゴシック" panose="020B0400000000000000" pitchFamily="34" charset="-128"/>
+                          <a:ea typeface="游ゴシック" panose="020B0400000000000000" pitchFamily="34" charset="-128"/>
+                        </a:rPr>
+                        <a:t>より高速</a:t>
+                      </a:r>
+                    </a:p>
+                  </a:txBody>
+                  <a:tcPr marL="7752" marR="7752" marT="7752" marB="0" anchor="ctr">
+                    <a:lnL w="6350" cap="flat" cmpd="sng" algn="ctr">
+                      <a:solidFill>
+                        <a:srgbClr val="000000"/>
+                      </a:solidFill>
+                      <a:prstDash val="solid"/>
+                      <a:round/>
+                      <a:headEnd type="none" w="med" len="med"/>
+                      <a:tailEnd type="none" w="med" len="med"/>
+                    </a:lnL>
+                    <a:lnR w="6350" cap="flat" cmpd="sng" algn="ctr">
+                      <a:solidFill>
+                        <a:srgbClr val="000000"/>
+                      </a:solidFill>
+                      <a:prstDash val="solid"/>
+                      <a:round/>
+                      <a:headEnd type="none" w="med" len="med"/>
+                      <a:tailEnd type="none" w="med" len="med"/>
+                    </a:lnR>
+                    <a:lnT w="6350" cap="flat" cmpd="sng" algn="ctr">
+                      <a:solidFill>
+                        <a:srgbClr val="000000"/>
+                      </a:solidFill>
+                      <a:prstDash val="solid"/>
+                      <a:round/>
+                      <a:headEnd type="none" w="med" len="med"/>
+                      <a:tailEnd type="none" w="med" len="med"/>
+                    </a:lnT>
+                    <a:lnB w="6350" cap="flat" cmpd="sng" algn="ctr">
+                      <a:solidFill>
+                        <a:srgbClr val="000000"/>
+                      </a:solidFill>
+                      <a:prstDash val="solid"/>
+                      <a:round/>
+                      <a:headEnd type="none" w="med" len="med"/>
+                      <a:tailEnd type="none" w="med" len="med"/>
+                    </a:lnB>
+                  </a:tcPr>
+                </a:tc>
+                <a:tc>
+                  <a:txBody>
+                    <a:bodyPr/>
+                    <a:lstStyle/>
+                    <a:p>
+                      <a:pPr algn="ctr" fontAlgn="ctr"/>
+                      <a:r>
+                        <a:rPr lang="ja-JP" altLang="en-US" sz="1600" b="0" i="0" u="none" strike="noStrike">
+                          <a:solidFill>
+                            <a:srgbClr val="000000"/>
+                          </a:solidFill>
+                          <a:effectLst/>
+                          <a:latin typeface="游ゴシック" panose="020B0400000000000000" pitchFamily="34" charset="-128"/>
+                          <a:ea typeface="游ゴシック" panose="020B0400000000000000" pitchFamily="34" charset="-128"/>
+                        </a:rPr>
+                        <a:t>△</a:t>
+                      </a:r>
+                      <a:endParaRPr lang="en" sz="1600" b="0" i="0" u="none" strike="noStrike" dirty="0">
+                        <a:solidFill>
+                          <a:srgbClr val="000000"/>
+                        </a:solidFill>
+                        <a:effectLst/>
+                        <a:latin typeface="游ゴシック" panose="020B0400000000000000" pitchFamily="34" charset="-128"/>
+                        <a:ea typeface="游ゴシック" panose="020B0400000000000000" pitchFamily="34" charset="-128"/>
+                      </a:endParaRPr>
+                    </a:p>
+                    <a:p>
+                      <a:pPr algn="ctr" fontAlgn="ctr"/>
+                      <a:r>
+                        <a:rPr lang="en" sz="1600" b="0" i="0" u="none" strike="noStrike" dirty="0">
+                          <a:solidFill>
+                            <a:srgbClr val="000000"/>
+                          </a:solidFill>
+                          <a:effectLst/>
+                          <a:latin typeface="游ゴシック" panose="020B0400000000000000" pitchFamily="34" charset="-128"/>
+                          <a:ea typeface="游ゴシック" panose="020B0400000000000000" pitchFamily="34" charset="-128"/>
+                        </a:rPr>
+                        <a:t>IPSec-VPN</a:t>
+                      </a:r>
+                      <a:r>
+                        <a:rPr lang="ja-JP" altLang="en-US" sz="1600" b="0" i="0" u="none" strike="noStrike">
+                          <a:solidFill>
+                            <a:srgbClr val="000000"/>
+                          </a:solidFill>
+                          <a:effectLst/>
+                          <a:latin typeface="游ゴシック" panose="020B0400000000000000" pitchFamily="34" charset="-128"/>
+                          <a:ea typeface="游ゴシック" panose="020B0400000000000000" pitchFamily="34" charset="-128"/>
+                        </a:rPr>
+                        <a:t>より低速</a:t>
+                      </a:r>
+                    </a:p>
+                  </a:txBody>
+                  <a:tcPr marL="7752" marR="7752" marT="7752" marB="0" anchor="ctr">
+                    <a:lnL w="6350" cap="flat" cmpd="sng" algn="ctr">
+                      <a:solidFill>
+                        <a:srgbClr val="000000"/>
+                      </a:solidFill>
+                      <a:prstDash val="solid"/>
+                      <a:round/>
+                      <a:headEnd type="none" w="med" len="med"/>
+                      <a:tailEnd type="none" w="med" len="med"/>
+                    </a:lnL>
+                    <a:lnR w="6350" cap="flat" cmpd="sng" algn="ctr">
+                      <a:solidFill>
+                        <a:srgbClr val="000000"/>
+                      </a:solidFill>
+                      <a:prstDash val="solid"/>
+                      <a:round/>
+                      <a:headEnd type="none" w="med" len="med"/>
+                      <a:tailEnd type="none" w="med" len="med"/>
+                    </a:lnR>
+                    <a:lnT w="6350" cap="flat" cmpd="sng" algn="ctr">
+                      <a:solidFill>
+                        <a:srgbClr val="000000"/>
+                      </a:solidFill>
+                      <a:prstDash val="solid"/>
+                      <a:round/>
+                      <a:headEnd type="none" w="med" len="med"/>
+                      <a:tailEnd type="none" w="med" len="med"/>
+                    </a:lnT>
+                    <a:lnB w="6350" cap="flat" cmpd="sng" algn="ctr">
+                      <a:solidFill>
+                        <a:srgbClr val="000000"/>
+                      </a:solidFill>
+                      <a:prstDash val="solid"/>
+                      <a:round/>
+                      <a:headEnd type="none" w="med" len="med"/>
+                      <a:tailEnd type="none" w="med" len="med"/>
+                    </a:lnB>
+                  </a:tcPr>
+                </a:tc>
+                <a:extLst>
+                  <a:ext uri="{0D108BD9-81ED-4DB2-BD59-A6C34878D82A}">
+                    <a16:rowId xmlns:a16="http://schemas.microsoft.com/office/drawing/2014/main" val="1759396271"/>
+                  </a:ext>
+                </a:extLst>
+              </a:tr>
+            </a:tbl>
+          </a:graphicData>
+        </a:graphic>
+      </p:graphicFrame>
+    </p:spTree>
+    <p:extLst>
+      <p:ext uri="{BB962C8B-B14F-4D97-AF65-F5344CB8AC3E}">
+        <p14:creationId xmlns:p14="http://schemas.microsoft.com/office/powerpoint/2010/main" val="8404821"/>
+      </p:ext>
+    </p:extLst>
+  </p:cSld>
+  <p:clrMapOvr>
+    <a:masterClrMapping/>
+  </p:clrMapOvr>
+</p:sld>
+</file>
+
 <file path=ppt/theme/theme1.xml><?xml version="1.0" encoding="utf-8"?>
 <a:theme xmlns:a="http://schemas.openxmlformats.org/drawingml/2006/main" name="Office テーマ">
   <a:themeElements>

--- a/SUBTHEME/graphs/telework_list.pptx
+++ b/SUBTHEME/graphs/telework_list.pptx
@@ -7,6 +7,7 @@
   <p:sldIdLst>
     <p:sldId id="257" r:id="rId2"/>
     <p:sldId id="258" r:id="rId3"/>
+    <p:sldId id="259" r:id="rId4"/>
   </p:sldIdLst>
   <p:sldSz cx="12192000" cy="6858000"/>
   <p:notesSz cx="6858000" cy="9144000"/>
@@ -260,7 +261,7 @@
           <a:p>
             <a:fld id="{4CD497F8-9430-BC49-8D3A-D071BC4586DD}" type="datetimeFigureOut">
               <a:rPr kumimoji="1" lang="ja-JP" altLang="en-US" smtClean="0"/>
-              <a:t>2020/9/8</a:t>
+              <a:t>2020/9/9</a:t>
             </a:fld>
             <a:endParaRPr kumimoji="1" lang="ja-JP" altLang="en-US"/>
           </a:p>
@@ -465,7 +466,7 @@
           <a:p>
             <a:fld id="{4CD497F8-9430-BC49-8D3A-D071BC4586DD}" type="datetimeFigureOut">
               <a:rPr kumimoji="1" lang="ja-JP" altLang="en-US" smtClean="0"/>
-              <a:t>2020/9/8</a:t>
+              <a:t>2020/9/9</a:t>
             </a:fld>
             <a:endParaRPr kumimoji="1" lang="ja-JP" altLang="en-US"/>
           </a:p>
@@ -680,7 +681,7 @@
           <a:p>
             <a:fld id="{4CD497F8-9430-BC49-8D3A-D071BC4586DD}" type="datetimeFigureOut">
               <a:rPr kumimoji="1" lang="ja-JP" altLang="en-US" smtClean="0"/>
-              <a:t>2020/9/8</a:t>
+              <a:t>2020/9/9</a:t>
             </a:fld>
             <a:endParaRPr kumimoji="1" lang="ja-JP" altLang="en-US"/>
           </a:p>
@@ -885,7 +886,7 @@
           <a:p>
             <a:fld id="{4CD497F8-9430-BC49-8D3A-D071BC4586DD}" type="datetimeFigureOut">
               <a:rPr kumimoji="1" lang="ja-JP" altLang="en-US" smtClean="0"/>
-              <a:t>2020/9/8</a:t>
+              <a:t>2020/9/9</a:t>
             </a:fld>
             <a:endParaRPr kumimoji="1" lang="ja-JP" altLang="en-US"/>
           </a:p>
@@ -1195,7 +1196,7 @@
           <a:p>
             <a:fld id="{4CD497F8-9430-BC49-8D3A-D071BC4586DD}" type="datetimeFigureOut">
               <a:rPr kumimoji="1" lang="ja-JP" altLang="en-US" smtClean="0"/>
-              <a:t>2020/9/8</a:t>
+              <a:t>2020/9/9</a:t>
             </a:fld>
             <a:endParaRPr kumimoji="1" lang="ja-JP" altLang="en-US"/>
           </a:p>
@@ -1474,7 +1475,7 @@
           <a:p>
             <a:fld id="{4CD497F8-9430-BC49-8D3A-D071BC4586DD}" type="datetimeFigureOut">
               <a:rPr kumimoji="1" lang="ja-JP" altLang="en-US" smtClean="0"/>
-              <a:t>2020/9/8</a:t>
+              <a:t>2020/9/9</a:t>
             </a:fld>
             <a:endParaRPr kumimoji="1" lang="ja-JP" altLang="en-US"/>
           </a:p>
@@ -1970,7 +1971,7 @@
           <a:p>
             <a:fld id="{4CD497F8-9430-BC49-8D3A-D071BC4586DD}" type="datetimeFigureOut">
               <a:rPr kumimoji="1" lang="ja-JP" altLang="en-US" smtClean="0"/>
-              <a:t>2020/9/8</a:t>
+              <a:t>2020/9/9</a:t>
             </a:fld>
             <a:endParaRPr kumimoji="1" lang="ja-JP" altLang="en-US"/>
           </a:p>
@@ -2111,7 +2112,7 @@
           <a:p>
             <a:fld id="{4CD497F8-9430-BC49-8D3A-D071BC4586DD}" type="datetimeFigureOut">
               <a:rPr kumimoji="1" lang="ja-JP" altLang="en-US" smtClean="0"/>
-              <a:t>2020/9/8</a:t>
+              <a:t>2020/9/9</a:t>
             </a:fld>
             <a:endParaRPr kumimoji="1" lang="ja-JP" altLang="en-US"/>
           </a:p>
@@ -2224,7 +2225,7 @@
           <a:p>
             <a:fld id="{4CD497F8-9430-BC49-8D3A-D071BC4586DD}" type="datetimeFigureOut">
               <a:rPr kumimoji="1" lang="ja-JP" altLang="en-US" smtClean="0"/>
-              <a:t>2020/9/8</a:t>
+              <a:t>2020/9/9</a:t>
             </a:fld>
             <a:endParaRPr kumimoji="1" lang="ja-JP" altLang="en-US"/>
           </a:p>
@@ -2577,7 +2578,7 @@
           <a:p>
             <a:fld id="{4CD497F8-9430-BC49-8D3A-D071BC4586DD}" type="datetimeFigureOut">
               <a:rPr kumimoji="1" lang="ja-JP" altLang="en-US" smtClean="0"/>
-              <a:t>2020/9/8</a:t>
+              <a:t>2020/9/9</a:t>
             </a:fld>
             <a:endParaRPr kumimoji="1" lang="ja-JP" altLang="en-US"/>
           </a:p>
@@ -2900,7 +2901,7 @@
           <a:p>
             <a:fld id="{4CD497F8-9430-BC49-8D3A-D071BC4586DD}" type="datetimeFigureOut">
               <a:rPr kumimoji="1" lang="ja-JP" altLang="en-US" smtClean="0"/>
-              <a:t>2020/9/8</a:t>
+              <a:t>2020/9/9</a:t>
             </a:fld>
             <a:endParaRPr kumimoji="1" lang="ja-JP" altLang="en-US"/>
           </a:p>
@@ -3148,7 +3149,7 @@
           <a:p>
             <a:fld id="{4CD497F8-9430-BC49-8D3A-D071BC4586DD}" type="datetimeFigureOut">
               <a:rPr kumimoji="1" lang="ja-JP" altLang="en-US" smtClean="0"/>
-              <a:t>2020/9/8</a:t>
+              <a:t>2020/9/9</a:t>
             </a:fld>
             <a:endParaRPr kumimoji="1" lang="ja-JP" altLang="en-US"/>
           </a:p>
@@ -9388,6 +9389,1764 @@
 </p:sld>
 </file>
 
+<file path=ppt/slides/slide3.xml><?xml version="1.0" encoding="utf-8"?>
+<p:sld xmlns:a="http://schemas.openxmlformats.org/drawingml/2006/main" xmlns:r="http://schemas.openxmlformats.org/officeDocument/2006/relationships" xmlns:p="http://schemas.openxmlformats.org/presentationml/2006/main">
+  <p:cSld>
+    <p:spTree>
+      <p:nvGrpSpPr>
+        <p:cNvPr id="1" name=""/>
+        <p:cNvGrpSpPr/>
+        <p:nvPr/>
+      </p:nvGrpSpPr>
+      <p:grpSpPr>
+        <a:xfrm>
+          <a:off x="0" y="0"/>
+          <a:ext cx="0" cy="0"/>
+          <a:chOff x="0" y="0"/>
+          <a:chExt cx="0" cy="0"/>
+        </a:xfrm>
+      </p:grpSpPr>
+      <p:graphicFrame>
+        <p:nvGraphicFramePr>
+          <p:cNvPr id="4" name="表 3">
+            <a:extLst>
+              <a:ext uri="{FF2B5EF4-FFF2-40B4-BE49-F238E27FC236}">
+                <a16:creationId xmlns:a16="http://schemas.microsoft.com/office/drawing/2014/main" id="{C4928173-71C7-5C44-A263-AFD44AB65735}"/>
+              </a:ext>
+            </a:extLst>
+          </p:cNvPr>
+          <p:cNvGraphicFramePr>
+            <a:graphicFrameLocks noGrp="1"/>
+          </p:cNvGraphicFramePr>
+          <p:nvPr>
+            <p:extLst>
+              <p:ext uri="{D42A27DB-BD31-4B8C-83A1-F6EECF244321}">
+                <p14:modId xmlns:p14="http://schemas.microsoft.com/office/powerpoint/2010/main" val="2621402708"/>
+              </p:ext>
+            </p:extLst>
+          </p:nvPr>
+        </p:nvGraphicFramePr>
+        <p:xfrm>
+          <a:off x="421240" y="339047"/>
+          <a:ext cx="11517330" cy="5998943"/>
+        </p:xfrm>
+        <a:graphic>
+          <a:graphicData uri="http://schemas.openxmlformats.org/drawingml/2006/table">
+            <a:tbl>
+              <a:tblPr/>
+              <a:tblGrid>
+                <a:gridCol w="2517169">
+                  <a:extLst>
+                    <a:ext uri="{9D8B030D-6E8A-4147-A177-3AD203B41FA5}">
+                      <a16:colId xmlns:a16="http://schemas.microsoft.com/office/drawing/2014/main" val="2067368830"/>
+                    </a:ext>
+                  </a:extLst>
+                </a:gridCol>
+                <a:gridCol w="3033977">
+                  <a:extLst>
+                    <a:ext uri="{9D8B030D-6E8A-4147-A177-3AD203B41FA5}">
+                      <a16:colId xmlns:a16="http://schemas.microsoft.com/office/drawing/2014/main" val="1221623990"/>
+                    </a:ext>
+                  </a:extLst>
+                </a:gridCol>
+                <a:gridCol w="2962969">
+                  <a:extLst>
+                    <a:ext uri="{9D8B030D-6E8A-4147-A177-3AD203B41FA5}">
+                      <a16:colId xmlns:a16="http://schemas.microsoft.com/office/drawing/2014/main" val="2011437720"/>
+                    </a:ext>
+                  </a:extLst>
+                </a:gridCol>
+                <a:gridCol w="3003215">
+                  <a:extLst>
+                    <a:ext uri="{9D8B030D-6E8A-4147-A177-3AD203B41FA5}">
+                      <a16:colId xmlns:a16="http://schemas.microsoft.com/office/drawing/2014/main" val="2453905515"/>
+                    </a:ext>
+                  </a:extLst>
+                </a:gridCol>
+              </a:tblGrid>
+              <a:tr h="1155110">
+                <a:tc>
+                  <a:txBody>
+                    <a:bodyPr/>
+                    <a:lstStyle/>
+                    <a:p>
+                      <a:pPr algn="ctr" fontAlgn="ctr"/>
+                      <a:r>
+                        <a:rPr lang="ja-JP" altLang="en-US" sz="1800" b="1" i="0" u="none" strike="noStrike">
+                          <a:ln>
+                            <a:solidFill>
+                              <a:sysClr val="windowText" lastClr="000000"/>
+                            </a:solidFill>
+                          </a:ln>
+                          <a:solidFill>
+                            <a:srgbClr val="000000"/>
+                          </a:solidFill>
+                          <a:effectLst/>
+                          <a:latin typeface="游ゴシック" panose="020B0400000000000000" pitchFamily="34" charset="-128"/>
+                          <a:ea typeface="游ゴシック" panose="020B0400000000000000" pitchFamily="34" charset="-128"/>
+                        </a:rPr>
+                        <a:t>　</a:t>
+                      </a:r>
+                    </a:p>
+                  </a:txBody>
+                  <a:tcPr marL="8232" marR="8232" marT="8232" marB="0" anchor="ctr">
+                    <a:lnL w="6350" cap="flat" cmpd="sng" algn="ctr">
+                      <a:solidFill>
+                        <a:srgbClr val="000000"/>
+                      </a:solidFill>
+                      <a:prstDash val="solid"/>
+                      <a:round/>
+                      <a:headEnd type="none" w="med" len="med"/>
+                      <a:tailEnd type="none" w="med" len="med"/>
+                    </a:lnL>
+                    <a:lnR w="6350" cap="flat" cmpd="sng" algn="ctr">
+                      <a:solidFill>
+                        <a:srgbClr val="000000"/>
+                      </a:solidFill>
+                      <a:prstDash val="solid"/>
+                      <a:round/>
+                      <a:headEnd type="none" w="med" len="med"/>
+                      <a:tailEnd type="none" w="med" len="med"/>
+                    </a:lnR>
+                    <a:lnT w="6350" cap="flat" cmpd="sng" algn="ctr">
+                      <a:solidFill>
+                        <a:srgbClr val="000000"/>
+                      </a:solidFill>
+                      <a:prstDash val="solid"/>
+                      <a:round/>
+                      <a:headEnd type="none" w="med" len="med"/>
+                      <a:tailEnd type="none" w="med" len="med"/>
+                    </a:lnT>
+                    <a:lnB w="6350" cap="flat" cmpd="sng" algn="ctr">
+                      <a:solidFill>
+                        <a:srgbClr val="000000"/>
+                      </a:solidFill>
+                      <a:prstDash val="solid"/>
+                      <a:round/>
+                      <a:headEnd type="none" w="med" len="med"/>
+                      <a:tailEnd type="none" w="med" len="med"/>
+                    </a:lnB>
+                    <a:solidFill>
+                      <a:schemeClr val="bg2">
+                        <a:lumMod val="75000"/>
+                      </a:schemeClr>
+                    </a:solidFill>
+                  </a:tcPr>
+                </a:tc>
+                <a:tc>
+                  <a:txBody>
+                    <a:bodyPr/>
+                    <a:lstStyle/>
+                    <a:p>
+                      <a:pPr algn="ctr" fontAlgn="ctr"/>
+                      <a:r>
+                        <a:rPr lang="ja-JP" altLang="en-US" sz="1800" b="1" i="0" u="none" strike="noStrike">
+                          <a:ln>
+                            <a:solidFill>
+                              <a:sysClr val="windowText" lastClr="000000"/>
+                            </a:solidFill>
+                          </a:ln>
+                          <a:solidFill>
+                            <a:srgbClr val="000000"/>
+                          </a:solidFill>
+                          <a:effectLst/>
+                          <a:latin typeface="游ゴシック" panose="020B0400000000000000" pitchFamily="34" charset="-128"/>
+                          <a:ea typeface="游ゴシック" panose="020B0400000000000000" pitchFamily="34" charset="-128"/>
+                        </a:rPr>
+                        <a:t>リバースプロキシ方式</a:t>
+                      </a:r>
+                    </a:p>
+                  </a:txBody>
+                  <a:tcPr marL="8232" marR="8232" marT="8232" marB="0" anchor="ctr">
+                    <a:lnL w="6350" cap="flat" cmpd="sng" algn="ctr">
+                      <a:solidFill>
+                        <a:srgbClr val="000000"/>
+                      </a:solidFill>
+                      <a:prstDash val="solid"/>
+                      <a:round/>
+                      <a:headEnd type="none" w="med" len="med"/>
+                      <a:tailEnd type="none" w="med" len="med"/>
+                    </a:lnL>
+                    <a:lnR w="6350" cap="flat" cmpd="sng" algn="ctr">
+                      <a:solidFill>
+                        <a:srgbClr val="000000"/>
+                      </a:solidFill>
+                      <a:prstDash val="solid"/>
+                      <a:round/>
+                      <a:headEnd type="none" w="med" len="med"/>
+                      <a:tailEnd type="none" w="med" len="med"/>
+                    </a:lnR>
+                    <a:lnT w="6350" cap="flat" cmpd="sng" algn="ctr">
+                      <a:solidFill>
+                        <a:srgbClr val="000000"/>
+                      </a:solidFill>
+                      <a:prstDash val="solid"/>
+                      <a:round/>
+                      <a:headEnd type="none" w="med" len="med"/>
+                      <a:tailEnd type="none" w="med" len="med"/>
+                    </a:lnT>
+                    <a:lnB w="6350" cap="flat" cmpd="sng" algn="ctr">
+                      <a:solidFill>
+                        <a:srgbClr val="000000"/>
+                      </a:solidFill>
+                      <a:prstDash val="solid"/>
+                      <a:round/>
+                      <a:headEnd type="none" w="med" len="med"/>
+                      <a:tailEnd type="none" w="med" len="med"/>
+                    </a:lnB>
+                    <a:solidFill>
+                      <a:schemeClr val="bg2">
+                        <a:lumMod val="75000"/>
+                      </a:schemeClr>
+                    </a:solidFill>
+                  </a:tcPr>
+                </a:tc>
+                <a:tc>
+                  <a:txBody>
+                    <a:bodyPr/>
+                    <a:lstStyle/>
+                    <a:p>
+                      <a:pPr algn="ctr" fontAlgn="ctr"/>
+                      <a:r>
+                        <a:rPr lang="ja-JP" altLang="en-US" sz="1800" b="1" i="0" u="none" strike="noStrike">
+                          <a:ln>
+                            <a:solidFill>
+                              <a:sysClr val="windowText" lastClr="000000"/>
+                            </a:solidFill>
+                          </a:ln>
+                          <a:solidFill>
+                            <a:srgbClr val="000000"/>
+                          </a:solidFill>
+                          <a:effectLst/>
+                          <a:latin typeface="游ゴシック" panose="020B0400000000000000" pitchFamily="34" charset="-128"/>
+                          <a:ea typeface="游ゴシック" panose="020B0400000000000000" pitchFamily="34" charset="-128"/>
+                        </a:rPr>
+                        <a:t>ポートフォワーディング方式</a:t>
+                      </a:r>
+                    </a:p>
+                  </a:txBody>
+                  <a:tcPr marL="8232" marR="8232" marT="8232" marB="0" anchor="ctr">
+                    <a:lnL w="6350" cap="flat" cmpd="sng" algn="ctr">
+                      <a:solidFill>
+                        <a:srgbClr val="000000"/>
+                      </a:solidFill>
+                      <a:prstDash val="solid"/>
+                      <a:round/>
+                      <a:headEnd type="none" w="med" len="med"/>
+                      <a:tailEnd type="none" w="med" len="med"/>
+                    </a:lnL>
+                    <a:lnR w="6350" cap="flat" cmpd="sng" algn="ctr">
+                      <a:solidFill>
+                        <a:srgbClr val="000000"/>
+                      </a:solidFill>
+                      <a:prstDash val="solid"/>
+                      <a:round/>
+                      <a:headEnd type="none" w="med" len="med"/>
+                      <a:tailEnd type="none" w="med" len="med"/>
+                    </a:lnR>
+                    <a:lnT w="6350" cap="flat" cmpd="sng" algn="ctr">
+                      <a:solidFill>
+                        <a:srgbClr val="000000"/>
+                      </a:solidFill>
+                      <a:prstDash val="solid"/>
+                      <a:round/>
+                      <a:headEnd type="none" w="med" len="med"/>
+                      <a:tailEnd type="none" w="med" len="med"/>
+                    </a:lnT>
+                    <a:lnB w="6350" cap="flat" cmpd="sng" algn="ctr">
+                      <a:solidFill>
+                        <a:srgbClr val="000000"/>
+                      </a:solidFill>
+                      <a:prstDash val="solid"/>
+                      <a:round/>
+                      <a:headEnd type="none" w="med" len="med"/>
+                      <a:tailEnd type="none" w="med" len="med"/>
+                    </a:lnB>
+                    <a:solidFill>
+                      <a:schemeClr val="bg2">
+                        <a:lumMod val="75000"/>
+                      </a:schemeClr>
+                    </a:solidFill>
+                  </a:tcPr>
+                </a:tc>
+                <a:tc>
+                  <a:txBody>
+                    <a:bodyPr/>
+                    <a:lstStyle/>
+                    <a:p>
+                      <a:pPr algn="ctr" fontAlgn="ctr"/>
+                      <a:r>
+                        <a:rPr lang="en" sz="1800" b="1" i="0" u="none" strike="noStrike" dirty="0">
+                          <a:ln>
+                            <a:solidFill>
+                              <a:sysClr val="windowText" lastClr="000000"/>
+                            </a:solidFill>
+                          </a:ln>
+                          <a:solidFill>
+                            <a:srgbClr val="000000"/>
+                          </a:solidFill>
+                          <a:effectLst/>
+                          <a:latin typeface="游ゴシック" panose="020B0400000000000000" pitchFamily="34" charset="-128"/>
+                          <a:ea typeface="游ゴシック" panose="020B0400000000000000" pitchFamily="34" charset="-128"/>
+                        </a:rPr>
+                        <a:t>L2</a:t>
+                      </a:r>
+                      <a:r>
+                        <a:rPr lang="ja-JP" altLang="en-US" sz="1800" b="1" i="0" u="none" strike="noStrike">
+                          <a:ln>
+                            <a:solidFill>
+                              <a:sysClr val="windowText" lastClr="000000"/>
+                            </a:solidFill>
+                          </a:ln>
+                          <a:solidFill>
+                            <a:srgbClr val="000000"/>
+                          </a:solidFill>
+                          <a:effectLst/>
+                          <a:latin typeface="游ゴシック" panose="020B0400000000000000" pitchFamily="34" charset="-128"/>
+                          <a:ea typeface="游ゴシック" panose="020B0400000000000000" pitchFamily="34" charset="-128"/>
+                        </a:rPr>
+                        <a:t>フォワーディング方式</a:t>
+                      </a:r>
+                    </a:p>
+                  </a:txBody>
+                  <a:tcPr marL="8232" marR="8232" marT="8232" marB="0" anchor="ctr">
+                    <a:lnL w="6350" cap="flat" cmpd="sng" algn="ctr">
+                      <a:solidFill>
+                        <a:srgbClr val="000000"/>
+                      </a:solidFill>
+                      <a:prstDash val="solid"/>
+                      <a:round/>
+                      <a:headEnd type="none" w="med" len="med"/>
+                      <a:tailEnd type="none" w="med" len="med"/>
+                    </a:lnL>
+                    <a:lnR w="6350" cap="flat" cmpd="sng" algn="ctr">
+                      <a:solidFill>
+                        <a:srgbClr val="000000"/>
+                      </a:solidFill>
+                      <a:prstDash val="solid"/>
+                      <a:round/>
+                      <a:headEnd type="none" w="med" len="med"/>
+                      <a:tailEnd type="none" w="med" len="med"/>
+                    </a:lnR>
+                    <a:lnT w="6350" cap="flat" cmpd="sng" algn="ctr">
+                      <a:solidFill>
+                        <a:srgbClr val="000000"/>
+                      </a:solidFill>
+                      <a:prstDash val="solid"/>
+                      <a:round/>
+                      <a:headEnd type="none" w="med" len="med"/>
+                      <a:tailEnd type="none" w="med" len="med"/>
+                    </a:lnT>
+                    <a:lnB w="6350" cap="flat" cmpd="sng" algn="ctr">
+                      <a:solidFill>
+                        <a:srgbClr val="000000"/>
+                      </a:solidFill>
+                      <a:prstDash val="solid"/>
+                      <a:round/>
+                      <a:headEnd type="none" w="med" len="med"/>
+                      <a:tailEnd type="none" w="med" len="med"/>
+                    </a:lnB>
+                    <a:solidFill>
+                      <a:schemeClr val="bg2">
+                        <a:lumMod val="75000"/>
+                      </a:schemeClr>
+                    </a:solidFill>
+                  </a:tcPr>
+                </a:tc>
+                <a:extLst>
+                  <a:ext uri="{0D108BD9-81ED-4DB2-BD59-A6C34878D82A}">
+                    <a16:rowId xmlns:a16="http://schemas.microsoft.com/office/drawing/2014/main" val="40015844"/>
+                  </a:ext>
+                </a:extLst>
+              </a:tr>
+              <a:tr h="1284669">
+                <a:tc>
+                  <a:txBody>
+                    <a:bodyPr/>
+                    <a:lstStyle/>
+                    <a:p>
+                      <a:pPr algn="ctr" fontAlgn="ctr"/>
+                      <a:r>
+                        <a:rPr lang="ja-JP" altLang="en-US" sz="1600" b="1" i="0" u="none" strike="noStrike">
+                          <a:solidFill>
+                            <a:srgbClr val="000000"/>
+                          </a:solidFill>
+                          <a:effectLst/>
+                          <a:latin typeface="游ゴシック" panose="020B0400000000000000" pitchFamily="34" charset="-128"/>
+                          <a:ea typeface="游ゴシック" panose="020B0400000000000000" pitchFamily="34" charset="-128"/>
+                        </a:rPr>
+                        <a:t>リモートアクセス端末側構成要素</a:t>
+                      </a:r>
+                    </a:p>
+                  </a:txBody>
+                  <a:tcPr marL="8232" marR="8232" marT="8232" marB="0" anchor="ctr">
+                    <a:lnL w="6350" cap="flat" cmpd="sng" algn="ctr">
+                      <a:solidFill>
+                        <a:srgbClr val="000000"/>
+                      </a:solidFill>
+                      <a:prstDash val="solid"/>
+                      <a:round/>
+                      <a:headEnd type="none" w="med" len="med"/>
+                      <a:tailEnd type="none" w="med" len="med"/>
+                    </a:lnL>
+                    <a:lnR w="6350" cap="flat" cmpd="sng" algn="ctr">
+                      <a:solidFill>
+                        <a:srgbClr val="000000"/>
+                      </a:solidFill>
+                      <a:prstDash val="solid"/>
+                      <a:round/>
+                      <a:headEnd type="none" w="med" len="med"/>
+                      <a:tailEnd type="none" w="med" len="med"/>
+                    </a:lnR>
+                    <a:lnT w="6350" cap="flat" cmpd="sng" algn="ctr">
+                      <a:solidFill>
+                        <a:srgbClr val="000000"/>
+                      </a:solidFill>
+                      <a:prstDash val="solid"/>
+                      <a:round/>
+                      <a:headEnd type="none" w="med" len="med"/>
+                      <a:tailEnd type="none" w="med" len="med"/>
+                    </a:lnT>
+                    <a:lnB w="6350" cap="flat" cmpd="sng" algn="ctr">
+                      <a:solidFill>
+                        <a:srgbClr val="000000"/>
+                      </a:solidFill>
+                      <a:prstDash val="solid"/>
+                      <a:round/>
+                      <a:headEnd type="none" w="med" len="med"/>
+                      <a:tailEnd type="none" w="med" len="med"/>
+                    </a:lnB>
+                    <a:solidFill>
+                      <a:schemeClr val="bg2">
+                        <a:lumMod val="90000"/>
+                      </a:schemeClr>
+                    </a:solidFill>
+                  </a:tcPr>
+                </a:tc>
+                <a:tc>
+                  <a:txBody>
+                    <a:bodyPr/>
+                    <a:lstStyle/>
+                    <a:p>
+                      <a:pPr algn="ctr" fontAlgn="ctr"/>
+                      <a:r>
+                        <a:rPr lang="en" sz="1600" b="0" i="0" u="none" strike="noStrike" dirty="0">
+                          <a:solidFill>
+                            <a:srgbClr val="000000"/>
+                          </a:solidFill>
+                          <a:effectLst/>
+                          <a:latin typeface="游ゴシック" panose="020B0400000000000000" pitchFamily="34" charset="-128"/>
+                          <a:ea typeface="游ゴシック" panose="020B0400000000000000" pitchFamily="34" charset="-128"/>
+                        </a:rPr>
+                        <a:t>WEB</a:t>
+                      </a:r>
+                      <a:r>
+                        <a:rPr lang="ja-JP" altLang="en-US" sz="1600" b="0" i="0" u="none" strike="noStrike">
+                          <a:solidFill>
+                            <a:srgbClr val="000000"/>
+                          </a:solidFill>
+                          <a:effectLst/>
+                          <a:latin typeface="游ゴシック" panose="020B0400000000000000" pitchFamily="34" charset="-128"/>
+                          <a:ea typeface="游ゴシック" panose="020B0400000000000000" pitchFamily="34" charset="-128"/>
+                        </a:rPr>
+                        <a:t>ブラウザ</a:t>
+                      </a:r>
+                    </a:p>
+                  </a:txBody>
+                  <a:tcPr marL="8232" marR="8232" marT="8232" marB="0" anchor="ctr">
+                    <a:lnL w="6350" cap="flat" cmpd="sng" algn="ctr">
+                      <a:solidFill>
+                        <a:srgbClr val="000000"/>
+                      </a:solidFill>
+                      <a:prstDash val="solid"/>
+                      <a:round/>
+                      <a:headEnd type="none" w="med" len="med"/>
+                      <a:tailEnd type="none" w="med" len="med"/>
+                    </a:lnL>
+                    <a:lnR w="6350" cap="flat" cmpd="sng" algn="ctr">
+                      <a:solidFill>
+                        <a:srgbClr val="000000"/>
+                      </a:solidFill>
+                      <a:prstDash val="solid"/>
+                      <a:round/>
+                      <a:headEnd type="none" w="med" len="med"/>
+                      <a:tailEnd type="none" w="med" len="med"/>
+                    </a:lnR>
+                    <a:lnT w="6350" cap="flat" cmpd="sng" algn="ctr">
+                      <a:solidFill>
+                        <a:srgbClr val="000000"/>
+                      </a:solidFill>
+                      <a:prstDash val="solid"/>
+                      <a:round/>
+                      <a:headEnd type="none" w="med" len="med"/>
+                      <a:tailEnd type="none" w="med" len="med"/>
+                    </a:lnT>
+                    <a:lnB w="6350" cap="flat" cmpd="sng" algn="ctr">
+                      <a:solidFill>
+                        <a:srgbClr val="000000"/>
+                      </a:solidFill>
+                      <a:prstDash val="solid"/>
+                      <a:round/>
+                      <a:headEnd type="none" w="med" len="med"/>
+                      <a:tailEnd type="none" w="med" len="med"/>
+                    </a:lnB>
+                  </a:tcPr>
+                </a:tc>
+                <a:tc>
+                  <a:txBody>
+                    <a:bodyPr/>
+                    <a:lstStyle/>
+                    <a:p>
+                      <a:pPr algn="ctr" fontAlgn="ctr"/>
+                      <a:r>
+                        <a:rPr lang="en" sz="1600" b="0" i="0" u="none" strike="noStrike" dirty="0">
+                          <a:solidFill>
+                            <a:srgbClr val="000000"/>
+                          </a:solidFill>
+                          <a:effectLst/>
+                          <a:latin typeface="游ゴシック" panose="020B0400000000000000" pitchFamily="34" charset="-128"/>
+                          <a:ea typeface="游ゴシック" panose="020B0400000000000000" pitchFamily="34" charset="-128"/>
+                        </a:rPr>
+                        <a:t>WEB</a:t>
+                      </a:r>
+                      <a:r>
+                        <a:rPr lang="ja-JP" altLang="en-US" sz="1600" b="0" i="0" u="none" strike="noStrike">
+                          <a:solidFill>
+                            <a:srgbClr val="000000"/>
+                          </a:solidFill>
+                          <a:effectLst/>
+                          <a:latin typeface="游ゴシック" panose="020B0400000000000000" pitchFamily="34" charset="-128"/>
+                          <a:ea typeface="游ゴシック" panose="020B0400000000000000" pitchFamily="34" charset="-128"/>
+                        </a:rPr>
+                        <a:t>ブラウザ＋モジュール（</a:t>
+                      </a:r>
+                      <a:r>
+                        <a:rPr lang="en" sz="1600" b="0" i="0" u="none" strike="noStrike" dirty="0">
+                          <a:solidFill>
+                            <a:srgbClr val="000000"/>
+                          </a:solidFill>
+                          <a:effectLst/>
+                          <a:latin typeface="游ゴシック" panose="020B0400000000000000" pitchFamily="34" charset="-128"/>
+                          <a:ea typeface="游ゴシック" panose="020B0400000000000000" pitchFamily="34" charset="-128"/>
+                        </a:rPr>
+                        <a:t>WEB</a:t>
+                      </a:r>
+                      <a:r>
+                        <a:rPr lang="ja-JP" altLang="en-US" sz="1600" b="0" i="0" u="none" strike="noStrike">
+                          <a:solidFill>
+                            <a:srgbClr val="000000"/>
+                          </a:solidFill>
+                          <a:effectLst/>
+                          <a:latin typeface="游ゴシック" panose="020B0400000000000000" pitchFamily="34" charset="-128"/>
+                          <a:ea typeface="游ゴシック" panose="020B0400000000000000" pitchFamily="34" charset="-128"/>
+                        </a:rPr>
+                        <a:t>からダウンロード、自動インストール）</a:t>
+                      </a:r>
+                    </a:p>
+                  </a:txBody>
+                  <a:tcPr marL="8232" marR="8232" marT="8232" marB="0" anchor="ctr">
+                    <a:lnL w="6350" cap="flat" cmpd="sng" algn="ctr">
+                      <a:solidFill>
+                        <a:srgbClr val="000000"/>
+                      </a:solidFill>
+                      <a:prstDash val="solid"/>
+                      <a:round/>
+                      <a:headEnd type="none" w="med" len="med"/>
+                      <a:tailEnd type="none" w="med" len="med"/>
+                    </a:lnL>
+                    <a:lnR w="6350" cap="flat" cmpd="sng" algn="ctr">
+                      <a:solidFill>
+                        <a:srgbClr val="000000"/>
+                      </a:solidFill>
+                      <a:prstDash val="solid"/>
+                      <a:round/>
+                      <a:headEnd type="none" w="med" len="med"/>
+                      <a:tailEnd type="none" w="med" len="med"/>
+                    </a:lnR>
+                    <a:lnT w="6350" cap="flat" cmpd="sng" algn="ctr">
+                      <a:solidFill>
+                        <a:srgbClr val="000000"/>
+                      </a:solidFill>
+                      <a:prstDash val="solid"/>
+                      <a:round/>
+                      <a:headEnd type="none" w="med" len="med"/>
+                      <a:tailEnd type="none" w="med" len="med"/>
+                    </a:lnT>
+                    <a:lnB w="6350" cap="flat" cmpd="sng" algn="ctr">
+                      <a:solidFill>
+                        <a:srgbClr val="000000"/>
+                      </a:solidFill>
+                      <a:prstDash val="solid"/>
+                      <a:round/>
+                      <a:headEnd type="none" w="med" len="med"/>
+                      <a:tailEnd type="none" w="med" len="med"/>
+                    </a:lnB>
+                  </a:tcPr>
+                </a:tc>
+                <a:tc>
+                  <a:txBody>
+                    <a:bodyPr/>
+                    <a:lstStyle/>
+                    <a:p>
+                      <a:pPr algn="ctr" fontAlgn="ctr"/>
+                      <a:r>
+                        <a:rPr lang="en" sz="1600" b="0" i="0" u="none" strike="noStrike" dirty="0">
+                          <a:solidFill>
+                            <a:srgbClr val="000000"/>
+                          </a:solidFill>
+                          <a:effectLst/>
+                          <a:latin typeface="游ゴシック" panose="020B0400000000000000" pitchFamily="34" charset="-128"/>
+                          <a:ea typeface="游ゴシック" panose="020B0400000000000000" pitchFamily="34" charset="-128"/>
+                        </a:rPr>
+                        <a:t>WEB</a:t>
+                      </a:r>
+                      <a:r>
+                        <a:rPr lang="ja-JP" altLang="en-US" sz="1600" b="0" i="0" u="none" strike="noStrike">
+                          <a:solidFill>
+                            <a:srgbClr val="000000"/>
+                          </a:solidFill>
+                          <a:effectLst/>
+                          <a:latin typeface="游ゴシック" panose="020B0400000000000000" pitchFamily="34" charset="-128"/>
+                          <a:ea typeface="游ゴシック" panose="020B0400000000000000" pitchFamily="34" charset="-128"/>
+                        </a:rPr>
+                        <a:t>ブラウザ＋モジュール（</a:t>
+                      </a:r>
+                      <a:r>
+                        <a:rPr lang="en" sz="1600" b="0" i="0" u="none" strike="noStrike" dirty="0">
+                          <a:solidFill>
+                            <a:srgbClr val="000000"/>
+                          </a:solidFill>
+                          <a:effectLst/>
+                          <a:latin typeface="游ゴシック" panose="020B0400000000000000" pitchFamily="34" charset="-128"/>
+                          <a:ea typeface="游ゴシック" panose="020B0400000000000000" pitchFamily="34" charset="-128"/>
+                        </a:rPr>
+                        <a:t>WEB</a:t>
+                      </a:r>
+                      <a:r>
+                        <a:rPr lang="ja-JP" altLang="en-US" sz="1600" b="0" i="0" u="none" strike="noStrike">
+                          <a:solidFill>
+                            <a:srgbClr val="000000"/>
+                          </a:solidFill>
+                          <a:effectLst/>
+                          <a:latin typeface="游ゴシック" panose="020B0400000000000000" pitchFamily="34" charset="-128"/>
+                          <a:ea typeface="游ゴシック" panose="020B0400000000000000" pitchFamily="34" charset="-128"/>
+                        </a:rPr>
+                        <a:t>からダウンロード、自動インストール）</a:t>
+                      </a:r>
+                    </a:p>
+                  </a:txBody>
+                  <a:tcPr marL="8232" marR="8232" marT="8232" marB="0" anchor="ctr">
+                    <a:lnL w="6350" cap="flat" cmpd="sng" algn="ctr">
+                      <a:solidFill>
+                        <a:srgbClr val="000000"/>
+                      </a:solidFill>
+                      <a:prstDash val="solid"/>
+                      <a:round/>
+                      <a:headEnd type="none" w="med" len="med"/>
+                      <a:tailEnd type="none" w="med" len="med"/>
+                    </a:lnL>
+                    <a:lnR w="6350" cap="flat" cmpd="sng" algn="ctr">
+                      <a:solidFill>
+                        <a:srgbClr val="000000"/>
+                      </a:solidFill>
+                      <a:prstDash val="solid"/>
+                      <a:round/>
+                      <a:headEnd type="none" w="med" len="med"/>
+                      <a:tailEnd type="none" w="med" len="med"/>
+                    </a:lnR>
+                    <a:lnT w="6350" cap="flat" cmpd="sng" algn="ctr">
+                      <a:solidFill>
+                        <a:srgbClr val="000000"/>
+                      </a:solidFill>
+                      <a:prstDash val="solid"/>
+                      <a:round/>
+                      <a:headEnd type="none" w="med" len="med"/>
+                      <a:tailEnd type="none" w="med" len="med"/>
+                    </a:lnT>
+                    <a:lnB w="6350" cap="flat" cmpd="sng" algn="ctr">
+                      <a:solidFill>
+                        <a:srgbClr val="000000"/>
+                      </a:solidFill>
+                      <a:prstDash val="solid"/>
+                      <a:round/>
+                      <a:headEnd type="none" w="med" len="med"/>
+                      <a:tailEnd type="none" w="med" len="med"/>
+                    </a:lnB>
+                  </a:tcPr>
+                </a:tc>
+                <a:extLst>
+                  <a:ext uri="{0D108BD9-81ED-4DB2-BD59-A6C34878D82A}">
+                    <a16:rowId xmlns:a16="http://schemas.microsoft.com/office/drawing/2014/main" val="2778604496"/>
+                  </a:ext>
+                </a:extLst>
+              </a:tr>
+              <a:tr h="884526">
+                <a:tc>
+                  <a:txBody>
+                    <a:bodyPr/>
+                    <a:lstStyle/>
+                    <a:p>
+                      <a:pPr algn="ctr" fontAlgn="ctr"/>
+                      <a:r>
+                        <a:rPr lang="ja-JP" altLang="en-US" sz="1600" b="1" i="0" u="none" strike="noStrike">
+                          <a:solidFill>
+                            <a:srgbClr val="000000"/>
+                          </a:solidFill>
+                          <a:effectLst/>
+                          <a:latin typeface="游ゴシック" panose="020B0400000000000000" pitchFamily="34" charset="-128"/>
+                          <a:ea typeface="游ゴシック" panose="020B0400000000000000" pitchFamily="34" charset="-128"/>
+                        </a:rPr>
+                        <a:t>使用可能アプリケーション</a:t>
+                      </a:r>
+                    </a:p>
+                  </a:txBody>
+                  <a:tcPr marL="8232" marR="8232" marT="8232" marB="0" anchor="ctr">
+                    <a:lnL w="6350" cap="flat" cmpd="sng" algn="ctr">
+                      <a:solidFill>
+                        <a:srgbClr val="000000"/>
+                      </a:solidFill>
+                      <a:prstDash val="solid"/>
+                      <a:round/>
+                      <a:headEnd type="none" w="med" len="med"/>
+                      <a:tailEnd type="none" w="med" len="med"/>
+                    </a:lnL>
+                    <a:lnR w="6350" cap="flat" cmpd="sng" algn="ctr">
+                      <a:solidFill>
+                        <a:srgbClr val="000000"/>
+                      </a:solidFill>
+                      <a:prstDash val="solid"/>
+                      <a:round/>
+                      <a:headEnd type="none" w="med" len="med"/>
+                      <a:tailEnd type="none" w="med" len="med"/>
+                    </a:lnR>
+                    <a:lnT w="6350" cap="flat" cmpd="sng" algn="ctr">
+                      <a:solidFill>
+                        <a:srgbClr val="000000"/>
+                      </a:solidFill>
+                      <a:prstDash val="solid"/>
+                      <a:round/>
+                      <a:headEnd type="none" w="med" len="med"/>
+                      <a:tailEnd type="none" w="med" len="med"/>
+                    </a:lnT>
+                    <a:lnB w="6350" cap="flat" cmpd="sng" algn="ctr">
+                      <a:solidFill>
+                        <a:srgbClr val="000000"/>
+                      </a:solidFill>
+                      <a:prstDash val="solid"/>
+                      <a:round/>
+                      <a:headEnd type="none" w="med" len="med"/>
+                      <a:tailEnd type="none" w="med" len="med"/>
+                    </a:lnB>
+                    <a:solidFill>
+                      <a:schemeClr val="bg2">
+                        <a:lumMod val="90000"/>
+                      </a:schemeClr>
+                    </a:solidFill>
+                  </a:tcPr>
+                </a:tc>
+                <a:tc>
+                  <a:txBody>
+                    <a:bodyPr/>
+                    <a:lstStyle/>
+                    <a:p>
+                      <a:pPr algn="ctr" fontAlgn="ctr"/>
+                      <a:r>
+                        <a:rPr lang="ja-JP" altLang="en-US" sz="1600" b="0" i="0" u="none" strike="noStrike">
+                          <a:solidFill>
+                            <a:srgbClr val="000000"/>
+                          </a:solidFill>
+                          <a:effectLst/>
+                          <a:latin typeface="游ゴシック" panose="020B0400000000000000" pitchFamily="34" charset="-128"/>
+                          <a:ea typeface="游ゴシック" panose="020B0400000000000000" pitchFamily="34" charset="-128"/>
+                        </a:rPr>
+                        <a:t>△</a:t>
+                      </a:r>
+                      <a:endParaRPr lang="en" sz="1600" b="0" i="0" u="none" strike="noStrike" dirty="0">
+                        <a:solidFill>
+                          <a:srgbClr val="000000"/>
+                        </a:solidFill>
+                        <a:effectLst/>
+                        <a:latin typeface="游ゴシック" panose="020B0400000000000000" pitchFamily="34" charset="-128"/>
+                        <a:ea typeface="游ゴシック" panose="020B0400000000000000" pitchFamily="34" charset="-128"/>
+                      </a:endParaRPr>
+                    </a:p>
+                    <a:p>
+                      <a:pPr algn="ctr" fontAlgn="ctr"/>
+                      <a:r>
+                        <a:rPr lang="en" sz="1600" b="0" i="0" u="none" strike="noStrike" dirty="0">
+                          <a:solidFill>
+                            <a:srgbClr val="000000"/>
+                          </a:solidFill>
+                          <a:effectLst/>
+                          <a:latin typeface="游ゴシック" panose="020B0400000000000000" pitchFamily="34" charset="-128"/>
+                          <a:ea typeface="游ゴシック" panose="020B0400000000000000" pitchFamily="34" charset="-128"/>
+                        </a:rPr>
+                        <a:t>WEB</a:t>
+                      </a:r>
+                      <a:r>
+                        <a:rPr lang="ja-JP" altLang="en-US" sz="1600" b="0" i="0" u="none" strike="noStrike">
+                          <a:solidFill>
+                            <a:srgbClr val="000000"/>
+                          </a:solidFill>
+                          <a:effectLst/>
+                          <a:latin typeface="游ゴシック" panose="020B0400000000000000" pitchFamily="34" charset="-128"/>
+                          <a:ea typeface="游ゴシック" panose="020B0400000000000000" pitchFamily="34" charset="-128"/>
+                        </a:rPr>
+                        <a:t>アプリケーション</a:t>
+                      </a:r>
+                    </a:p>
+                  </a:txBody>
+                  <a:tcPr marL="8232" marR="8232" marT="8232" marB="0" anchor="ctr">
+                    <a:lnL w="6350" cap="flat" cmpd="sng" algn="ctr">
+                      <a:solidFill>
+                        <a:srgbClr val="000000"/>
+                      </a:solidFill>
+                      <a:prstDash val="solid"/>
+                      <a:round/>
+                      <a:headEnd type="none" w="med" len="med"/>
+                      <a:tailEnd type="none" w="med" len="med"/>
+                    </a:lnL>
+                    <a:lnR w="6350" cap="flat" cmpd="sng" algn="ctr">
+                      <a:solidFill>
+                        <a:srgbClr val="000000"/>
+                      </a:solidFill>
+                      <a:prstDash val="solid"/>
+                      <a:round/>
+                      <a:headEnd type="none" w="med" len="med"/>
+                      <a:tailEnd type="none" w="med" len="med"/>
+                    </a:lnR>
+                    <a:lnT w="6350" cap="flat" cmpd="sng" algn="ctr">
+                      <a:solidFill>
+                        <a:srgbClr val="000000"/>
+                      </a:solidFill>
+                      <a:prstDash val="solid"/>
+                      <a:round/>
+                      <a:headEnd type="none" w="med" len="med"/>
+                      <a:tailEnd type="none" w="med" len="med"/>
+                    </a:lnT>
+                    <a:lnB w="6350" cap="flat" cmpd="sng" algn="ctr">
+                      <a:solidFill>
+                        <a:srgbClr val="000000"/>
+                      </a:solidFill>
+                      <a:prstDash val="solid"/>
+                      <a:round/>
+                      <a:headEnd type="none" w="med" len="med"/>
+                      <a:tailEnd type="none" w="med" len="med"/>
+                    </a:lnB>
+                  </a:tcPr>
+                </a:tc>
+                <a:tc>
+                  <a:txBody>
+                    <a:bodyPr/>
+                    <a:lstStyle/>
+                    <a:p>
+                      <a:pPr algn="ctr" fontAlgn="ctr"/>
+                      <a:r>
+                        <a:rPr lang="ja-JP" altLang="en-US" sz="1600" b="0" i="0" u="none" strike="noStrike">
+                          <a:solidFill>
+                            <a:srgbClr val="000000"/>
+                          </a:solidFill>
+                          <a:effectLst/>
+                          <a:latin typeface="游ゴシック" panose="020B0400000000000000" pitchFamily="34" charset="-128"/>
+                          <a:ea typeface="游ゴシック" panose="020B0400000000000000" pitchFamily="34" charset="-128"/>
+                        </a:rPr>
+                        <a:t>○</a:t>
+                      </a:r>
+                      <a:endParaRPr lang="en-US" altLang="ja-JP" sz="1600" b="0" i="0" u="none" strike="noStrike" dirty="0">
+                        <a:solidFill>
+                          <a:srgbClr val="000000"/>
+                        </a:solidFill>
+                        <a:effectLst/>
+                        <a:latin typeface="游ゴシック" panose="020B0400000000000000" pitchFamily="34" charset="-128"/>
+                        <a:ea typeface="游ゴシック" panose="020B0400000000000000" pitchFamily="34" charset="-128"/>
+                      </a:endParaRPr>
+                    </a:p>
+                    <a:p>
+                      <a:pPr algn="ctr" fontAlgn="ctr"/>
+                      <a:r>
+                        <a:rPr lang="ja-JP" altLang="en-US" sz="1600" b="0" i="0" u="none" strike="noStrike">
+                          <a:solidFill>
+                            <a:srgbClr val="000000"/>
+                          </a:solidFill>
+                          <a:effectLst/>
+                          <a:latin typeface="游ゴシック" panose="020B0400000000000000" pitchFamily="34" charset="-128"/>
+                          <a:ea typeface="游ゴシック" panose="020B0400000000000000" pitchFamily="34" charset="-128"/>
+                        </a:rPr>
+                        <a:t>通信中ポート番号が変わるものは使用できない場合あり</a:t>
+                      </a:r>
+                    </a:p>
+                  </a:txBody>
+                  <a:tcPr marL="8232" marR="8232" marT="8232" marB="0" anchor="ctr">
+                    <a:lnL w="6350" cap="flat" cmpd="sng" algn="ctr">
+                      <a:solidFill>
+                        <a:srgbClr val="000000"/>
+                      </a:solidFill>
+                      <a:prstDash val="solid"/>
+                      <a:round/>
+                      <a:headEnd type="none" w="med" len="med"/>
+                      <a:tailEnd type="none" w="med" len="med"/>
+                    </a:lnL>
+                    <a:lnR w="6350" cap="flat" cmpd="sng" algn="ctr">
+                      <a:solidFill>
+                        <a:srgbClr val="000000"/>
+                      </a:solidFill>
+                      <a:prstDash val="solid"/>
+                      <a:round/>
+                      <a:headEnd type="none" w="med" len="med"/>
+                      <a:tailEnd type="none" w="med" len="med"/>
+                    </a:lnR>
+                    <a:lnT w="6350" cap="flat" cmpd="sng" algn="ctr">
+                      <a:solidFill>
+                        <a:srgbClr val="000000"/>
+                      </a:solidFill>
+                      <a:prstDash val="solid"/>
+                      <a:round/>
+                      <a:headEnd type="none" w="med" len="med"/>
+                      <a:tailEnd type="none" w="med" len="med"/>
+                    </a:lnT>
+                    <a:lnB w="6350" cap="flat" cmpd="sng" algn="ctr">
+                      <a:solidFill>
+                        <a:srgbClr val="000000"/>
+                      </a:solidFill>
+                      <a:prstDash val="solid"/>
+                      <a:round/>
+                      <a:headEnd type="none" w="med" len="med"/>
+                      <a:tailEnd type="none" w="med" len="med"/>
+                    </a:lnB>
+                  </a:tcPr>
+                </a:tc>
+                <a:tc>
+                  <a:txBody>
+                    <a:bodyPr/>
+                    <a:lstStyle/>
+                    <a:p>
+                      <a:pPr algn="ctr" fontAlgn="ctr"/>
+                      <a:r>
+                        <a:rPr lang="en-US" altLang="ja-JP" sz="1600" b="0" i="0" u="none" strike="noStrike" dirty="0">
+                          <a:solidFill>
+                            <a:srgbClr val="000000"/>
+                          </a:solidFill>
+                          <a:effectLst/>
+                          <a:latin typeface="游ゴシック" panose="020B0400000000000000" pitchFamily="34" charset="-128"/>
+                          <a:ea typeface="游ゴシック" panose="020B0400000000000000" pitchFamily="34" charset="-128"/>
+                        </a:rPr>
+                        <a:t>◎</a:t>
+                      </a:r>
+                    </a:p>
+                    <a:p>
+                      <a:pPr algn="ctr" fontAlgn="ctr"/>
+                      <a:r>
+                        <a:rPr lang="ja-JP" altLang="en-US" sz="1600" b="0" i="0" u="none" strike="noStrike">
+                          <a:solidFill>
+                            <a:srgbClr val="000000"/>
+                          </a:solidFill>
+                          <a:effectLst/>
+                          <a:latin typeface="游ゴシック" panose="020B0400000000000000" pitchFamily="34" charset="-128"/>
+                          <a:ea typeface="游ゴシック" panose="020B0400000000000000" pitchFamily="34" charset="-128"/>
+                        </a:rPr>
+                        <a:t>ほとんどのアプリケーションで使用可能</a:t>
+                      </a:r>
+                    </a:p>
+                  </a:txBody>
+                  <a:tcPr marL="8232" marR="8232" marT="8232" marB="0" anchor="ctr">
+                    <a:lnL w="6350" cap="flat" cmpd="sng" algn="ctr">
+                      <a:solidFill>
+                        <a:srgbClr val="000000"/>
+                      </a:solidFill>
+                      <a:prstDash val="solid"/>
+                      <a:round/>
+                      <a:headEnd type="none" w="med" len="med"/>
+                      <a:tailEnd type="none" w="med" len="med"/>
+                    </a:lnL>
+                    <a:lnR w="6350" cap="flat" cmpd="sng" algn="ctr">
+                      <a:solidFill>
+                        <a:srgbClr val="000000"/>
+                      </a:solidFill>
+                      <a:prstDash val="solid"/>
+                      <a:round/>
+                      <a:headEnd type="none" w="med" len="med"/>
+                      <a:tailEnd type="none" w="med" len="med"/>
+                    </a:lnR>
+                    <a:lnT w="6350" cap="flat" cmpd="sng" algn="ctr">
+                      <a:solidFill>
+                        <a:srgbClr val="000000"/>
+                      </a:solidFill>
+                      <a:prstDash val="solid"/>
+                      <a:round/>
+                      <a:headEnd type="none" w="med" len="med"/>
+                      <a:tailEnd type="none" w="med" len="med"/>
+                    </a:lnT>
+                    <a:lnB w="6350" cap="flat" cmpd="sng" algn="ctr">
+                      <a:solidFill>
+                        <a:srgbClr val="000000"/>
+                      </a:solidFill>
+                      <a:prstDash val="solid"/>
+                      <a:round/>
+                      <a:headEnd type="none" w="med" len="med"/>
+                      <a:tailEnd type="none" w="med" len="med"/>
+                    </a:lnB>
+                  </a:tcPr>
+                </a:tc>
+                <a:extLst>
+                  <a:ext uri="{0D108BD9-81ED-4DB2-BD59-A6C34878D82A}">
+                    <a16:rowId xmlns:a16="http://schemas.microsoft.com/office/drawing/2014/main" val="4031809330"/>
+                  </a:ext>
+                </a:extLst>
+              </a:tr>
+              <a:tr h="884526">
+                <a:tc>
+                  <a:txBody>
+                    <a:bodyPr/>
+                    <a:lstStyle/>
+                    <a:p>
+                      <a:pPr algn="ctr" fontAlgn="ctr"/>
+                      <a:r>
+                        <a:rPr lang="ja-JP" altLang="en-US" sz="1600" b="1" i="0" u="none" strike="noStrike">
+                          <a:solidFill>
+                            <a:srgbClr val="000000"/>
+                          </a:solidFill>
+                          <a:effectLst/>
+                          <a:latin typeface="游ゴシック" panose="020B0400000000000000" pitchFamily="34" charset="-128"/>
+                          <a:ea typeface="游ゴシック" panose="020B0400000000000000" pitchFamily="34" charset="-128"/>
+                        </a:rPr>
+                        <a:t>リモートアクセス端末機器</a:t>
+                      </a:r>
+                    </a:p>
+                  </a:txBody>
+                  <a:tcPr marL="8232" marR="8232" marT="8232" marB="0" anchor="ctr">
+                    <a:lnL w="6350" cap="flat" cmpd="sng" algn="ctr">
+                      <a:solidFill>
+                        <a:srgbClr val="000000"/>
+                      </a:solidFill>
+                      <a:prstDash val="solid"/>
+                      <a:round/>
+                      <a:headEnd type="none" w="med" len="med"/>
+                      <a:tailEnd type="none" w="med" len="med"/>
+                    </a:lnL>
+                    <a:lnR w="6350" cap="flat" cmpd="sng" algn="ctr">
+                      <a:solidFill>
+                        <a:srgbClr val="000000"/>
+                      </a:solidFill>
+                      <a:prstDash val="solid"/>
+                      <a:round/>
+                      <a:headEnd type="none" w="med" len="med"/>
+                      <a:tailEnd type="none" w="med" len="med"/>
+                    </a:lnR>
+                    <a:lnT w="6350" cap="flat" cmpd="sng" algn="ctr">
+                      <a:solidFill>
+                        <a:srgbClr val="000000"/>
+                      </a:solidFill>
+                      <a:prstDash val="solid"/>
+                      <a:round/>
+                      <a:headEnd type="none" w="med" len="med"/>
+                      <a:tailEnd type="none" w="med" len="med"/>
+                    </a:lnT>
+                    <a:lnB w="6350" cap="flat" cmpd="sng" algn="ctr">
+                      <a:solidFill>
+                        <a:srgbClr val="000000"/>
+                      </a:solidFill>
+                      <a:prstDash val="solid"/>
+                      <a:round/>
+                      <a:headEnd type="none" w="med" len="med"/>
+                      <a:tailEnd type="none" w="med" len="med"/>
+                    </a:lnB>
+                    <a:solidFill>
+                      <a:schemeClr val="bg2">
+                        <a:lumMod val="90000"/>
+                      </a:schemeClr>
+                    </a:solidFill>
+                  </a:tcPr>
+                </a:tc>
+                <a:tc>
+                  <a:txBody>
+                    <a:bodyPr/>
+                    <a:lstStyle/>
+                    <a:p>
+                      <a:pPr algn="ctr" fontAlgn="ctr"/>
+                      <a:r>
+                        <a:rPr lang="ja-JP" altLang="en-US" sz="1600" b="0" i="0" u="none" strike="noStrike">
+                          <a:solidFill>
+                            <a:srgbClr val="000000"/>
+                          </a:solidFill>
+                          <a:effectLst/>
+                          <a:latin typeface="游ゴシック" panose="020B0400000000000000" pitchFamily="34" charset="-128"/>
+                          <a:ea typeface="游ゴシック" panose="020B0400000000000000" pitchFamily="34" charset="-128"/>
+                        </a:rPr>
+                        <a:t>○</a:t>
+                      </a:r>
+                      <a:endParaRPr lang="en" sz="1600" b="0" i="0" u="none" strike="noStrike" dirty="0">
+                        <a:solidFill>
+                          <a:srgbClr val="000000"/>
+                        </a:solidFill>
+                        <a:effectLst/>
+                        <a:latin typeface="游ゴシック" panose="020B0400000000000000" pitchFamily="34" charset="-128"/>
+                        <a:ea typeface="游ゴシック" panose="020B0400000000000000" pitchFamily="34" charset="-128"/>
+                      </a:endParaRPr>
+                    </a:p>
+                    <a:p>
+                      <a:pPr algn="ctr" fontAlgn="ctr"/>
+                      <a:r>
+                        <a:rPr lang="en" sz="1600" b="0" i="0" u="none" strike="noStrike" dirty="0">
+                          <a:solidFill>
+                            <a:srgbClr val="000000"/>
+                          </a:solidFill>
+                          <a:effectLst/>
+                          <a:latin typeface="游ゴシック" panose="020B0400000000000000" pitchFamily="34" charset="-128"/>
+                          <a:ea typeface="游ゴシック" panose="020B0400000000000000" pitchFamily="34" charset="-128"/>
+                        </a:rPr>
+                        <a:t>WEB</a:t>
+                      </a:r>
+                      <a:r>
+                        <a:rPr lang="ja-JP" altLang="en-US" sz="1600" b="0" i="0" u="none" strike="noStrike">
+                          <a:solidFill>
+                            <a:srgbClr val="000000"/>
+                          </a:solidFill>
+                          <a:effectLst/>
+                          <a:latin typeface="游ゴシック" panose="020B0400000000000000" pitchFamily="34" charset="-128"/>
+                          <a:ea typeface="游ゴシック" panose="020B0400000000000000" pitchFamily="34" charset="-128"/>
+                        </a:rPr>
+                        <a:t>ブラウザが動く端末</a:t>
+                      </a:r>
+                    </a:p>
+                  </a:txBody>
+                  <a:tcPr marL="8232" marR="8232" marT="8232" marB="0" anchor="ctr">
+                    <a:lnL w="6350" cap="flat" cmpd="sng" algn="ctr">
+                      <a:solidFill>
+                        <a:srgbClr val="000000"/>
+                      </a:solidFill>
+                      <a:prstDash val="solid"/>
+                      <a:round/>
+                      <a:headEnd type="none" w="med" len="med"/>
+                      <a:tailEnd type="none" w="med" len="med"/>
+                    </a:lnL>
+                    <a:lnR w="6350" cap="flat" cmpd="sng" algn="ctr">
+                      <a:solidFill>
+                        <a:srgbClr val="000000"/>
+                      </a:solidFill>
+                      <a:prstDash val="solid"/>
+                      <a:round/>
+                      <a:headEnd type="none" w="med" len="med"/>
+                      <a:tailEnd type="none" w="med" len="med"/>
+                    </a:lnR>
+                    <a:lnT w="6350" cap="flat" cmpd="sng" algn="ctr">
+                      <a:solidFill>
+                        <a:srgbClr val="000000"/>
+                      </a:solidFill>
+                      <a:prstDash val="solid"/>
+                      <a:round/>
+                      <a:headEnd type="none" w="med" len="med"/>
+                      <a:tailEnd type="none" w="med" len="med"/>
+                    </a:lnT>
+                    <a:lnB w="6350" cap="flat" cmpd="sng" algn="ctr">
+                      <a:solidFill>
+                        <a:srgbClr val="000000"/>
+                      </a:solidFill>
+                      <a:prstDash val="solid"/>
+                      <a:round/>
+                      <a:headEnd type="none" w="med" len="med"/>
+                      <a:tailEnd type="none" w="med" len="med"/>
+                    </a:lnB>
+                  </a:tcPr>
+                </a:tc>
+                <a:tc>
+                  <a:txBody>
+                    <a:bodyPr/>
+                    <a:lstStyle/>
+                    <a:p>
+                      <a:pPr algn="ctr" fontAlgn="ctr"/>
+                      <a:r>
+                        <a:rPr lang="ja-JP" altLang="en-US" sz="1600" b="0" i="0" u="none" strike="noStrike">
+                          <a:solidFill>
+                            <a:srgbClr val="000000"/>
+                          </a:solidFill>
+                          <a:effectLst/>
+                          <a:latin typeface="游ゴシック" panose="020B0400000000000000" pitchFamily="34" charset="-128"/>
+                          <a:ea typeface="游ゴシック" panose="020B0400000000000000" pitchFamily="34" charset="-128"/>
+                        </a:rPr>
+                        <a:t>△</a:t>
+                      </a:r>
+                      <a:endParaRPr lang="en-US" altLang="ja-JP" sz="1600" b="0" i="0" u="none" strike="noStrike" dirty="0">
+                        <a:solidFill>
+                          <a:srgbClr val="000000"/>
+                        </a:solidFill>
+                        <a:effectLst/>
+                        <a:latin typeface="游ゴシック" panose="020B0400000000000000" pitchFamily="34" charset="-128"/>
+                        <a:ea typeface="游ゴシック" panose="020B0400000000000000" pitchFamily="34" charset="-128"/>
+                      </a:endParaRPr>
+                    </a:p>
+                    <a:p>
+                      <a:pPr algn="ctr" fontAlgn="ctr"/>
+                      <a:r>
+                        <a:rPr lang="ja-JP" altLang="en-US" sz="1600" b="0" i="0" u="none" strike="noStrike">
+                          <a:solidFill>
+                            <a:srgbClr val="000000"/>
+                          </a:solidFill>
+                          <a:effectLst/>
+                          <a:latin typeface="游ゴシック" panose="020B0400000000000000" pitchFamily="34" charset="-128"/>
+                          <a:ea typeface="游ゴシック" panose="020B0400000000000000" pitchFamily="34" charset="-128"/>
+                        </a:rPr>
+                        <a:t>モジュールの仕様によって制限</a:t>
+                      </a:r>
+                      <a:br>
+                        <a:rPr lang="ja-JP" altLang="en-US" sz="1600" b="0" i="0" u="none" strike="noStrike">
+                          <a:solidFill>
+                            <a:srgbClr val="000000"/>
+                          </a:solidFill>
+                          <a:effectLst/>
+                          <a:latin typeface="游ゴシック" panose="020B0400000000000000" pitchFamily="34" charset="-128"/>
+                          <a:ea typeface="游ゴシック" panose="020B0400000000000000" pitchFamily="34" charset="-128"/>
+                        </a:rPr>
+                      </a:br>
+                      <a:r>
+                        <a:rPr lang="ja-JP" altLang="en-US" sz="1600" b="0" i="0" u="none" strike="noStrike">
+                          <a:solidFill>
+                            <a:srgbClr val="000000"/>
+                          </a:solidFill>
+                          <a:effectLst/>
+                          <a:latin typeface="游ゴシック" panose="020B0400000000000000" pitchFamily="34" charset="-128"/>
+                          <a:ea typeface="游ゴシック" panose="020B0400000000000000" pitchFamily="34" charset="-128"/>
+                        </a:rPr>
+                        <a:t>利用時に管理者権限が必要</a:t>
+                      </a:r>
+                    </a:p>
+                  </a:txBody>
+                  <a:tcPr marL="8232" marR="8232" marT="8232" marB="0" anchor="ctr">
+                    <a:lnL w="6350" cap="flat" cmpd="sng" algn="ctr">
+                      <a:solidFill>
+                        <a:srgbClr val="000000"/>
+                      </a:solidFill>
+                      <a:prstDash val="solid"/>
+                      <a:round/>
+                      <a:headEnd type="none" w="med" len="med"/>
+                      <a:tailEnd type="none" w="med" len="med"/>
+                    </a:lnL>
+                    <a:lnR w="6350" cap="flat" cmpd="sng" algn="ctr">
+                      <a:solidFill>
+                        <a:srgbClr val="000000"/>
+                      </a:solidFill>
+                      <a:prstDash val="solid"/>
+                      <a:round/>
+                      <a:headEnd type="none" w="med" len="med"/>
+                      <a:tailEnd type="none" w="med" len="med"/>
+                    </a:lnR>
+                    <a:lnT w="6350" cap="flat" cmpd="sng" algn="ctr">
+                      <a:solidFill>
+                        <a:srgbClr val="000000"/>
+                      </a:solidFill>
+                      <a:prstDash val="solid"/>
+                      <a:round/>
+                      <a:headEnd type="none" w="med" len="med"/>
+                      <a:tailEnd type="none" w="med" len="med"/>
+                    </a:lnT>
+                    <a:lnB w="6350" cap="flat" cmpd="sng" algn="ctr">
+                      <a:solidFill>
+                        <a:srgbClr val="000000"/>
+                      </a:solidFill>
+                      <a:prstDash val="solid"/>
+                      <a:round/>
+                      <a:headEnd type="none" w="med" len="med"/>
+                      <a:tailEnd type="none" w="med" len="med"/>
+                    </a:lnB>
+                  </a:tcPr>
+                </a:tc>
+                <a:tc>
+                  <a:txBody>
+                    <a:bodyPr/>
+                    <a:lstStyle/>
+                    <a:p>
+                      <a:pPr algn="ctr" fontAlgn="ctr"/>
+                      <a:r>
+                        <a:rPr lang="ja-JP" altLang="en-US" sz="1600" b="0" i="0" u="none" strike="noStrike">
+                          <a:solidFill>
+                            <a:srgbClr val="000000"/>
+                          </a:solidFill>
+                          <a:effectLst/>
+                          <a:latin typeface="游ゴシック" panose="020B0400000000000000" pitchFamily="34" charset="-128"/>
+                          <a:ea typeface="游ゴシック" panose="020B0400000000000000" pitchFamily="34" charset="-128"/>
+                        </a:rPr>
+                        <a:t>△</a:t>
+                      </a:r>
+                      <a:endParaRPr lang="en-US" altLang="ja-JP" sz="1600" b="0" i="0" u="none" strike="noStrike" dirty="0">
+                        <a:solidFill>
+                          <a:srgbClr val="000000"/>
+                        </a:solidFill>
+                        <a:effectLst/>
+                        <a:latin typeface="游ゴシック" panose="020B0400000000000000" pitchFamily="34" charset="-128"/>
+                        <a:ea typeface="游ゴシック" panose="020B0400000000000000" pitchFamily="34" charset="-128"/>
+                      </a:endParaRPr>
+                    </a:p>
+                    <a:p>
+                      <a:pPr algn="ctr" fontAlgn="ctr"/>
+                      <a:r>
+                        <a:rPr lang="ja-JP" altLang="en-US" sz="1600" b="0" i="0" u="none" strike="noStrike">
+                          <a:solidFill>
+                            <a:srgbClr val="000000"/>
+                          </a:solidFill>
+                          <a:effectLst/>
+                          <a:latin typeface="游ゴシック" panose="020B0400000000000000" pitchFamily="34" charset="-128"/>
+                          <a:ea typeface="游ゴシック" panose="020B0400000000000000" pitchFamily="34" charset="-128"/>
+                        </a:rPr>
+                        <a:t>モジュールの仕様によって制限</a:t>
+                      </a:r>
+                    </a:p>
+                  </a:txBody>
+                  <a:tcPr marL="8232" marR="8232" marT="8232" marB="0" anchor="ctr">
+                    <a:lnL w="6350" cap="flat" cmpd="sng" algn="ctr">
+                      <a:solidFill>
+                        <a:srgbClr val="000000"/>
+                      </a:solidFill>
+                      <a:prstDash val="solid"/>
+                      <a:round/>
+                      <a:headEnd type="none" w="med" len="med"/>
+                      <a:tailEnd type="none" w="med" len="med"/>
+                    </a:lnL>
+                    <a:lnR w="6350" cap="flat" cmpd="sng" algn="ctr">
+                      <a:solidFill>
+                        <a:srgbClr val="000000"/>
+                      </a:solidFill>
+                      <a:prstDash val="solid"/>
+                      <a:round/>
+                      <a:headEnd type="none" w="med" len="med"/>
+                      <a:tailEnd type="none" w="med" len="med"/>
+                    </a:lnR>
+                    <a:lnT w="6350" cap="flat" cmpd="sng" algn="ctr">
+                      <a:solidFill>
+                        <a:srgbClr val="000000"/>
+                      </a:solidFill>
+                      <a:prstDash val="solid"/>
+                      <a:round/>
+                      <a:headEnd type="none" w="med" len="med"/>
+                      <a:tailEnd type="none" w="med" len="med"/>
+                    </a:lnT>
+                    <a:lnB w="6350" cap="flat" cmpd="sng" algn="ctr">
+                      <a:solidFill>
+                        <a:srgbClr val="000000"/>
+                      </a:solidFill>
+                      <a:prstDash val="solid"/>
+                      <a:round/>
+                      <a:headEnd type="none" w="med" len="med"/>
+                      <a:tailEnd type="none" w="med" len="med"/>
+                    </a:lnB>
+                  </a:tcPr>
+                </a:tc>
+                <a:extLst>
+                  <a:ext uri="{0D108BD9-81ED-4DB2-BD59-A6C34878D82A}">
+                    <a16:rowId xmlns:a16="http://schemas.microsoft.com/office/drawing/2014/main" val="3206595297"/>
+                  </a:ext>
+                </a:extLst>
+              </a:tr>
+              <a:tr h="1790112">
+                <a:tc>
+                  <a:txBody>
+                    <a:bodyPr/>
+                    <a:lstStyle/>
+                    <a:p>
+                      <a:pPr algn="ctr" fontAlgn="ctr"/>
+                      <a:r>
+                        <a:rPr lang="ja-JP" altLang="en-US" sz="1600" b="1" i="0" u="none" strike="noStrike">
+                          <a:solidFill>
+                            <a:srgbClr val="000000"/>
+                          </a:solidFill>
+                          <a:effectLst/>
+                          <a:latin typeface="游ゴシック" panose="020B0400000000000000" pitchFamily="34" charset="-128"/>
+                          <a:ea typeface="游ゴシック" panose="020B0400000000000000" pitchFamily="34" charset="-128"/>
+                        </a:rPr>
+                        <a:t>用途</a:t>
+                      </a:r>
+                    </a:p>
+                  </a:txBody>
+                  <a:tcPr marL="8232" marR="8232" marT="8232" marB="0" anchor="ctr">
+                    <a:lnL w="6350" cap="flat" cmpd="sng" algn="ctr">
+                      <a:solidFill>
+                        <a:srgbClr val="000000"/>
+                      </a:solidFill>
+                      <a:prstDash val="solid"/>
+                      <a:round/>
+                      <a:headEnd type="none" w="med" len="med"/>
+                      <a:tailEnd type="none" w="med" len="med"/>
+                    </a:lnL>
+                    <a:lnR w="6350" cap="flat" cmpd="sng" algn="ctr">
+                      <a:solidFill>
+                        <a:srgbClr val="000000"/>
+                      </a:solidFill>
+                      <a:prstDash val="solid"/>
+                      <a:round/>
+                      <a:headEnd type="none" w="med" len="med"/>
+                      <a:tailEnd type="none" w="med" len="med"/>
+                    </a:lnR>
+                    <a:lnT w="6350" cap="flat" cmpd="sng" algn="ctr">
+                      <a:solidFill>
+                        <a:srgbClr val="000000"/>
+                      </a:solidFill>
+                      <a:prstDash val="solid"/>
+                      <a:round/>
+                      <a:headEnd type="none" w="med" len="med"/>
+                      <a:tailEnd type="none" w="med" len="med"/>
+                    </a:lnT>
+                    <a:lnB w="6350" cap="flat" cmpd="sng" algn="ctr">
+                      <a:solidFill>
+                        <a:srgbClr val="000000"/>
+                      </a:solidFill>
+                      <a:prstDash val="solid"/>
+                      <a:round/>
+                      <a:headEnd type="none" w="med" len="med"/>
+                      <a:tailEnd type="none" w="med" len="med"/>
+                    </a:lnB>
+                    <a:solidFill>
+                      <a:schemeClr val="bg2">
+                        <a:lumMod val="90000"/>
+                      </a:schemeClr>
+                    </a:solidFill>
+                  </a:tcPr>
+                </a:tc>
+                <a:tc>
+                  <a:txBody>
+                    <a:bodyPr/>
+                    <a:lstStyle/>
+                    <a:p>
+                      <a:pPr algn="ctr" fontAlgn="ctr"/>
+                      <a:r>
+                        <a:rPr lang="ja-JP" altLang="en-US" sz="1600" b="0" i="0" u="none" strike="noStrike">
+                          <a:solidFill>
+                            <a:srgbClr val="000000"/>
+                          </a:solidFill>
+                          <a:effectLst/>
+                          <a:latin typeface="游ゴシック" panose="020B0400000000000000" pitchFamily="34" charset="-128"/>
+                          <a:ea typeface="游ゴシック" panose="020B0400000000000000" pitchFamily="34" charset="-128"/>
+                        </a:rPr>
+                        <a:t>出張先の端末などから簡単に使いたい。</a:t>
+                      </a:r>
+                      <a:br>
+                        <a:rPr lang="ja-JP" altLang="en-US" sz="1600" b="0" i="0" u="none" strike="noStrike">
+                          <a:solidFill>
+                            <a:srgbClr val="000000"/>
+                          </a:solidFill>
+                          <a:effectLst/>
+                          <a:latin typeface="游ゴシック" panose="020B0400000000000000" pitchFamily="34" charset="-128"/>
+                          <a:ea typeface="游ゴシック" panose="020B0400000000000000" pitchFamily="34" charset="-128"/>
+                        </a:rPr>
+                      </a:br>
+                      <a:r>
+                        <a:rPr lang="ja-JP" altLang="en-US" sz="1600" b="0" i="0" u="none" strike="noStrike">
+                          <a:solidFill>
+                            <a:srgbClr val="000000"/>
+                          </a:solidFill>
+                          <a:effectLst/>
+                          <a:latin typeface="游ゴシック" panose="020B0400000000000000" pitchFamily="34" charset="-128"/>
+                          <a:ea typeface="游ゴシック" panose="020B0400000000000000" pitchFamily="34" charset="-128"/>
+                        </a:rPr>
+                        <a:t>仕様アプリケーションは</a:t>
+                      </a:r>
+                      <a:r>
+                        <a:rPr lang="en" sz="1600" b="0" i="0" u="none" strike="noStrike" dirty="0">
+                          <a:solidFill>
+                            <a:srgbClr val="000000"/>
+                          </a:solidFill>
+                          <a:effectLst/>
+                          <a:latin typeface="游ゴシック" panose="020B0400000000000000" pitchFamily="34" charset="-128"/>
+                          <a:ea typeface="游ゴシック" panose="020B0400000000000000" pitchFamily="34" charset="-128"/>
+                        </a:rPr>
+                        <a:t>WEB</a:t>
+                      </a:r>
+                      <a:r>
+                        <a:rPr lang="ja-JP" altLang="en-US" sz="1600" b="0" i="0" u="none" strike="noStrike">
+                          <a:solidFill>
+                            <a:srgbClr val="000000"/>
+                          </a:solidFill>
+                          <a:effectLst/>
+                          <a:latin typeface="游ゴシック" panose="020B0400000000000000" pitchFamily="34" charset="-128"/>
+                          <a:ea typeface="游ゴシック" panose="020B0400000000000000" pitchFamily="34" charset="-128"/>
+                        </a:rPr>
+                        <a:t>メールや</a:t>
+                      </a:r>
+                      <a:r>
+                        <a:rPr lang="en" sz="1600" b="0" i="0" u="none" strike="noStrike" dirty="0">
+                          <a:solidFill>
+                            <a:srgbClr val="000000"/>
+                          </a:solidFill>
+                          <a:effectLst/>
+                          <a:latin typeface="游ゴシック" panose="020B0400000000000000" pitchFamily="34" charset="-128"/>
+                          <a:ea typeface="游ゴシック" panose="020B0400000000000000" pitchFamily="34" charset="-128"/>
+                        </a:rPr>
+                        <a:t>WEB</a:t>
+                      </a:r>
+                      <a:r>
+                        <a:rPr lang="ja-JP" altLang="en-US" sz="1600" b="0" i="0" u="none" strike="noStrike">
+                          <a:solidFill>
+                            <a:srgbClr val="000000"/>
+                          </a:solidFill>
+                          <a:effectLst/>
+                          <a:latin typeface="游ゴシック" panose="020B0400000000000000" pitchFamily="34" charset="-128"/>
+                          <a:ea typeface="游ゴシック" panose="020B0400000000000000" pitchFamily="34" charset="-128"/>
+                        </a:rPr>
+                        <a:t>型グループウェアなど</a:t>
+                      </a:r>
+                      <a:r>
+                        <a:rPr lang="en" sz="1600" b="0" i="0" u="none" strike="noStrike" dirty="0">
+                          <a:solidFill>
+                            <a:srgbClr val="000000"/>
+                          </a:solidFill>
+                          <a:effectLst/>
+                          <a:latin typeface="游ゴシック" panose="020B0400000000000000" pitchFamily="34" charset="-128"/>
+                          <a:ea typeface="游ゴシック" panose="020B0400000000000000" pitchFamily="34" charset="-128"/>
+                        </a:rPr>
+                        <a:t>WEB</a:t>
+                      </a:r>
+                      <a:r>
+                        <a:rPr lang="ja-JP" altLang="en-US" sz="1600" b="0" i="0" u="none" strike="noStrike">
+                          <a:solidFill>
+                            <a:srgbClr val="000000"/>
+                          </a:solidFill>
+                          <a:effectLst/>
+                          <a:latin typeface="游ゴシック" panose="020B0400000000000000" pitchFamily="34" charset="-128"/>
+                          <a:ea typeface="游ゴシック" panose="020B0400000000000000" pitchFamily="34" charset="-128"/>
+                        </a:rPr>
+                        <a:t>ページ中心</a:t>
+                      </a:r>
+                    </a:p>
+                  </a:txBody>
+                  <a:tcPr marL="8232" marR="8232" marT="8232" marB="0" anchor="ctr">
+                    <a:lnL w="6350" cap="flat" cmpd="sng" algn="ctr">
+                      <a:solidFill>
+                        <a:srgbClr val="000000"/>
+                      </a:solidFill>
+                      <a:prstDash val="solid"/>
+                      <a:round/>
+                      <a:headEnd type="none" w="med" len="med"/>
+                      <a:tailEnd type="none" w="med" len="med"/>
+                    </a:lnL>
+                    <a:lnR w="6350" cap="flat" cmpd="sng" algn="ctr">
+                      <a:solidFill>
+                        <a:srgbClr val="000000"/>
+                      </a:solidFill>
+                      <a:prstDash val="solid"/>
+                      <a:round/>
+                      <a:headEnd type="none" w="med" len="med"/>
+                      <a:tailEnd type="none" w="med" len="med"/>
+                    </a:lnR>
+                    <a:lnT w="6350" cap="flat" cmpd="sng" algn="ctr">
+                      <a:solidFill>
+                        <a:srgbClr val="000000"/>
+                      </a:solidFill>
+                      <a:prstDash val="solid"/>
+                      <a:round/>
+                      <a:headEnd type="none" w="med" len="med"/>
+                      <a:tailEnd type="none" w="med" len="med"/>
+                    </a:lnT>
+                    <a:lnB w="6350" cap="flat" cmpd="sng" algn="ctr">
+                      <a:solidFill>
+                        <a:srgbClr val="000000"/>
+                      </a:solidFill>
+                      <a:prstDash val="solid"/>
+                      <a:round/>
+                      <a:headEnd type="none" w="med" len="med"/>
+                      <a:tailEnd type="none" w="med" len="med"/>
+                    </a:lnB>
+                  </a:tcPr>
+                </a:tc>
+                <a:tc>
+                  <a:txBody>
+                    <a:bodyPr/>
+                    <a:lstStyle/>
+                    <a:p>
+                      <a:pPr algn="ctr" fontAlgn="ctr"/>
+                      <a:r>
+                        <a:rPr lang="ja-JP" altLang="en-US" sz="1600" b="0" i="0" u="none" strike="noStrike">
+                          <a:solidFill>
+                            <a:srgbClr val="000000"/>
+                          </a:solidFill>
+                          <a:effectLst/>
+                          <a:latin typeface="游ゴシック" panose="020B0400000000000000" pitchFamily="34" charset="-128"/>
+                          <a:ea typeface="游ゴシック" panose="020B0400000000000000" pitchFamily="34" charset="-128"/>
+                        </a:rPr>
+                        <a:t>クライアント端末の</a:t>
+                      </a:r>
+                      <a:r>
+                        <a:rPr lang="en" sz="1600" b="0" i="0" u="none" strike="noStrike" dirty="0">
+                          <a:solidFill>
+                            <a:srgbClr val="000000"/>
+                          </a:solidFill>
+                          <a:effectLst/>
+                          <a:latin typeface="游ゴシック" panose="020B0400000000000000" pitchFamily="34" charset="-128"/>
+                          <a:ea typeface="游ゴシック" panose="020B0400000000000000" pitchFamily="34" charset="-128"/>
+                        </a:rPr>
+                        <a:t>OS</a:t>
+                      </a:r>
+                      <a:r>
+                        <a:rPr lang="ja-JP" altLang="en-US" sz="1600" b="0" i="0" u="none" strike="noStrike">
+                          <a:solidFill>
+                            <a:srgbClr val="000000"/>
+                          </a:solidFill>
+                          <a:effectLst/>
+                          <a:latin typeface="游ゴシック" panose="020B0400000000000000" pitchFamily="34" charset="-128"/>
+                          <a:ea typeface="游ゴシック" panose="020B0400000000000000" pitchFamily="34" charset="-128"/>
+                        </a:rPr>
+                        <a:t>が様々である。</a:t>
+                      </a:r>
+                      <a:br>
+                        <a:rPr lang="ja-JP" altLang="en-US" sz="1600" b="0" i="0" u="none" strike="noStrike">
+                          <a:solidFill>
+                            <a:srgbClr val="000000"/>
+                          </a:solidFill>
+                          <a:effectLst/>
+                          <a:latin typeface="游ゴシック" panose="020B0400000000000000" pitchFamily="34" charset="-128"/>
+                          <a:ea typeface="游ゴシック" panose="020B0400000000000000" pitchFamily="34" charset="-128"/>
+                        </a:rPr>
+                      </a:br>
+                      <a:r>
+                        <a:rPr lang="ja-JP" altLang="en-US" sz="1600" b="0" i="0" u="none" strike="noStrike">
+                          <a:solidFill>
+                            <a:srgbClr val="000000"/>
+                          </a:solidFill>
+                          <a:effectLst/>
+                          <a:latin typeface="游ゴシック" panose="020B0400000000000000" pitchFamily="34" charset="-128"/>
+                          <a:ea typeface="游ゴシック" panose="020B0400000000000000" pitchFamily="34" charset="-128"/>
+                        </a:rPr>
+                        <a:t>ある程度の種類のアプリケーションを使いたい</a:t>
+                      </a:r>
+                    </a:p>
+                  </a:txBody>
+                  <a:tcPr marL="8232" marR="8232" marT="8232" marB="0" anchor="ctr">
+                    <a:lnL w="6350" cap="flat" cmpd="sng" algn="ctr">
+                      <a:solidFill>
+                        <a:srgbClr val="000000"/>
+                      </a:solidFill>
+                      <a:prstDash val="solid"/>
+                      <a:round/>
+                      <a:headEnd type="none" w="med" len="med"/>
+                      <a:tailEnd type="none" w="med" len="med"/>
+                    </a:lnL>
+                    <a:lnR w="6350" cap="flat" cmpd="sng" algn="ctr">
+                      <a:solidFill>
+                        <a:srgbClr val="000000"/>
+                      </a:solidFill>
+                      <a:prstDash val="solid"/>
+                      <a:round/>
+                      <a:headEnd type="none" w="med" len="med"/>
+                      <a:tailEnd type="none" w="med" len="med"/>
+                    </a:lnR>
+                    <a:lnT w="6350" cap="flat" cmpd="sng" algn="ctr">
+                      <a:solidFill>
+                        <a:srgbClr val="000000"/>
+                      </a:solidFill>
+                      <a:prstDash val="solid"/>
+                      <a:round/>
+                      <a:headEnd type="none" w="med" len="med"/>
+                      <a:tailEnd type="none" w="med" len="med"/>
+                    </a:lnT>
+                    <a:lnB w="6350" cap="flat" cmpd="sng" algn="ctr">
+                      <a:solidFill>
+                        <a:srgbClr val="000000"/>
+                      </a:solidFill>
+                      <a:prstDash val="solid"/>
+                      <a:round/>
+                      <a:headEnd type="none" w="med" len="med"/>
+                      <a:tailEnd type="none" w="med" len="med"/>
+                    </a:lnB>
+                  </a:tcPr>
+                </a:tc>
+                <a:tc>
+                  <a:txBody>
+                    <a:bodyPr/>
+                    <a:lstStyle/>
+                    <a:p>
+                      <a:pPr algn="ctr" fontAlgn="ctr"/>
+                      <a:r>
+                        <a:rPr lang="ja-JP" altLang="en-US" sz="1600" b="0" i="0" u="none" strike="noStrike">
+                          <a:solidFill>
+                            <a:srgbClr val="000000"/>
+                          </a:solidFill>
+                          <a:effectLst/>
+                          <a:latin typeface="游ゴシック" panose="020B0400000000000000" pitchFamily="34" charset="-128"/>
+                          <a:ea typeface="游ゴシック" panose="020B0400000000000000" pitchFamily="34" charset="-128"/>
+                        </a:rPr>
+                        <a:t>アプリケーションを制限なく使いたい。</a:t>
+                      </a:r>
+                      <a:br>
+                        <a:rPr lang="ja-JP" altLang="en-US" sz="1600" b="0" i="0" u="none" strike="noStrike">
+                          <a:solidFill>
+                            <a:srgbClr val="000000"/>
+                          </a:solidFill>
+                          <a:effectLst/>
+                          <a:latin typeface="游ゴシック" panose="020B0400000000000000" pitchFamily="34" charset="-128"/>
+                          <a:ea typeface="游ゴシック" panose="020B0400000000000000" pitchFamily="34" charset="-128"/>
+                        </a:rPr>
+                      </a:br>
+                      <a:r>
+                        <a:rPr lang="ja-JP" altLang="en-US" sz="1600" b="0" i="0" u="none" strike="noStrike">
+                          <a:solidFill>
+                            <a:srgbClr val="000000"/>
+                          </a:solidFill>
+                          <a:effectLst/>
+                          <a:latin typeface="游ゴシック" panose="020B0400000000000000" pitchFamily="34" charset="-128"/>
+                          <a:ea typeface="游ゴシック" panose="020B0400000000000000" pitchFamily="34" charset="-128"/>
+                        </a:rPr>
+                        <a:t>使用されるクライアント端末の種類は限られている。</a:t>
+                      </a:r>
+                    </a:p>
+                  </a:txBody>
+                  <a:tcPr marL="8232" marR="8232" marT="8232" marB="0" anchor="ctr">
+                    <a:lnL w="6350" cap="flat" cmpd="sng" algn="ctr">
+                      <a:solidFill>
+                        <a:srgbClr val="000000"/>
+                      </a:solidFill>
+                      <a:prstDash val="solid"/>
+                      <a:round/>
+                      <a:headEnd type="none" w="med" len="med"/>
+                      <a:tailEnd type="none" w="med" len="med"/>
+                    </a:lnL>
+                    <a:lnR w="6350" cap="flat" cmpd="sng" algn="ctr">
+                      <a:solidFill>
+                        <a:srgbClr val="000000"/>
+                      </a:solidFill>
+                      <a:prstDash val="solid"/>
+                      <a:round/>
+                      <a:headEnd type="none" w="med" len="med"/>
+                      <a:tailEnd type="none" w="med" len="med"/>
+                    </a:lnR>
+                    <a:lnT w="6350" cap="flat" cmpd="sng" algn="ctr">
+                      <a:solidFill>
+                        <a:srgbClr val="000000"/>
+                      </a:solidFill>
+                      <a:prstDash val="solid"/>
+                      <a:round/>
+                      <a:headEnd type="none" w="med" len="med"/>
+                      <a:tailEnd type="none" w="med" len="med"/>
+                    </a:lnT>
+                    <a:lnB w="6350" cap="flat" cmpd="sng" algn="ctr">
+                      <a:solidFill>
+                        <a:srgbClr val="000000"/>
+                      </a:solidFill>
+                      <a:prstDash val="solid"/>
+                      <a:round/>
+                      <a:headEnd type="none" w="med" len="med"/>
+                      <a:tailEnd type="none" w="med" len="med"/>
+                    </a:lnB>
+                  </a:tcPr>
+                </a:tc>
+                <a:extLst>
+                  <a:ext uri="{0D108BD9-81ED-4DB2-BD59-A6C34878D82A}">
+                    <a16:rowId xmlns:a16="http://schemas.microsoft.com/office/drawing/2014/main" val="1285638226"/>
+                  </a:ext>
+                </a:extLst>
+              </a:tr>
+            </a:tbl>
+          </a:graphicData>
+        </a:graphic>
+      </p:graphicFrame>
+    </p:spTree>
+    <p:extLst>
+      <p:ext uri="{BB962C8B-B14F-4D97-AF65-F5344CB8AC3E}">
+        <p14:creationId xmlns:p14="http://schemas.microsoft.com/office/powerpoint/2010/main" val="769644226"/>
+      </p:ext>
+    </p:extLst>
+  </p:cSld>
+  <p:clrMapOvr>
+    <a:masterClrMapping/>
+  </p:clrMapOvr>
+</p:sld>
+</file>
+
 <file path=ppt/theme/theme1.xml><?xml version="1.0" encoding="utf-8"?>
 <a:theme xmlns:a="http://schemas.openxmlformats.org/drawingml/2006/main" name="Office テーマ">
   <a:themeElements>

--- a/SUBTHEME/graphs/telework_list.pptx
+++ b/SUBTHEME/graphs/telework_list.pptx
@@ -8,6 +8,8 @@
     <p:sldId id="257" r:id="rId2"/>
     <p:sldId id="258" r:id="rId3"/>
     <p:sldId id="259" r:id="rId4"/>
+    <p:sldId id="260" r:id="rId5"/>
+    <p:sldId id="261" r:id="rId6"/>
   </p:sldIdLst>
   <p:sldSz cx="12192000" cy="6858000"/>
   <p:notesSz cx="6858000" cy="9144000"/>
@@ -261,7 +263,7 @@
           <a:p>
             <a:fld id="{4CD497F8-9430-BC49-8D3A-D071BC4586DD}" type="datetimeFigureOut">
               <a:rPr kumimoji="1" lang="ja-JP" altLang="en-US" smtClean="0"/>
-              <a:t>2020/9/9</a:t>
+              <a:t>2020/9/15</a:t>
             </a:fld>
             <a:endParaRPr kumimoji="1" lang="ja-JP" altLang="en-US"/>
           </a:p>
@@ -466,7 +468,7 @@
           <a:p>
             <a:fld id="{4CD497F8-9430-BC49-8D3A-D071BC4586DD}" type="datetimeFigureOut">
               <a:rPr kumimoji="1" lang="ja-JP" altLang="en-US" smtClean="0"/>
-              <a:t>2020/9/9</a:t>
+              <a:t>2020/9/15</a:t>
             </a:fld>
             <a:endParaRPr kumimoji="1" lang="ja-JP" altLang="en-US"/>
           </a:p>
@@ -681,7 +683,7 @@
           <a:p>
             <a:fld id="{4CD497F8-9430-BC49-8D3A-D071BC4586DD}" type="datetimeFigureOut">
               <a:rPr kumimoji="1" lang="ja-JP" altLang="en-US" smtClean="0"/>
-              <a:t>2020/9/9</a:t>
+              <a:t>2020/9/15</a:t>
             </a:fld>
             <a:endParaRPr kumimoji="1" lang="ja-JP" altLang="en-US"/>
           </a:p>
@@ -886,7 +888,7 @@
           <a:p>
             <a:fld id="{4CD497F8-9430-BC49-8D3A-D071BC4586DD}" type="datetimeFigureOut">
               <a:rPr kumimoji="1" lang="ja-JP" altLang="en-US" smtClean="0"/>
-              <a:t>2020/9/9</a:t>
+              <a:t>2020/9/15</a:t>
             </a:fld>
             <a:endParaRPr kumimoji="1" lang="ja-JP" altLang="en-US"/>
           </a:p>
@@ -1196,7 +1198,7 @@
           <a:p>
             <a:fld id="{4CD497F8-9430-BC49-8D3A-D071BC4586DD}" type="datetimeFigureOut">
               <a:rPr kumimoji="1" lang="ja-JP" altLang="en-US" smtClean="0"/>
-              <a:t>2020/9/9</a:t>
+              <a:t>2020/9/15</a:t>
             </a:fld>
             <a:endParaRPr kumimoji="1" lang="ja-JP" altLang="en-US"/>
           </a:p>
@@ -1475,7 +1477,7 @@
           <a:p>
             <a:fld id="{4CD497F8-9430-BC49-8D3A-D071BC4586DD}" type="datetimeFigureOut">
               <a:rPr kumimoji="1" lang="ja-JP" altLang="en-US" smtClean="0"/>
-              <a:t>2020/9/9</a:t>
+              <a:t>2020/9/15</a:t>
             </a:fld>
             <a:endParaRPr kumimoji="1" lang="ja-JP" altLang="en-US"/>
           </a:p>
@@ -1971,7 +1973,7 @@
           <a:p>
             <a:fld id="{4CD497F8-9430-BC49-8D3A-D071BC4586DD}" type="datetimeFigureOut">
               <a:rPr kumimoji="1" lang="ja-JP" altLang="en-US" smtClean="0"/>
-              <a:t>2020/9/9</a:t>
+              <a:t>2020/9/15</a:t>
             </a:fld>
             <a:endParaRPr kumimoji="1" lang="ja-JP" altLang="en-US"/>
           </a:p>
@@ -2112,7 +2114,7 @@
           <a:p>
             <a:fld id="{4CD497F8-9430-BC49-8D3A-D071BC4586DD}" type="datetimeFigureOut">
               <a:rPr kumimoji="1" lang="ja-JP" altLang="en-US" smtClean="0"/>
-              <a:t>2020/9/9</a:t>
+              <a:t>2020/9/15</a:t>
             </a:fld>
             <a:endParaRPr kumimoji="1" lang="ja-JP" altLang="en-US"/>
           </a:p>
@@ -2225,7 +2227,7 @@
           <a:p>
             <a:fld id="{4CD497F8-9430-BC49-8D3A-D071BC4586DD}" type="datetimeFigureOut">
               <a:rPr kumimoji="1" lang="ja-JP" altLang="en-US" smtClean="0"/>
-              <a:t>2020/9/9</a:t>
+              <a:t>2020/9/15</a:t>
             </a:fld>
             <a:endParaRPr kumimoji="1" lang="ja-JP" altLang="en-US"/>
           </a:p>
@@ -2578,7 +2580,7 @@
           <a:p>
             <a:fld id="{4CD497F8-9430-BC49-8D3A-D071BC4586DD}" type="datetimeFigureOut">
               <a:rPr kumimoji="1" lang="ja-JP" altLang="en-US" smtClean="0"/>
-              <a:t>2020/9/9</a:t>
+              <a:t>2020/9/15</a:t>
             </a:fld>
             <a:endParaRPr kumimoji="1" lang="ja-JP" altLang="en-US"/>
           </a:p>
@@ -2901,7 +2903,7 @@
           <a:p>
             <a:fld id="{4CD497F8-9430-BC49-8D3A-D071BC4586DD}" type="datetimeFigureOut">
               <a:rPr kumimoji="1" lang="ja-JP" altLang="en-US" smtClean="0"/>
-              <a:t>2020/9/9</a:t>
+              <a:t>2020/9/15</a:t>
             </a:fld>
             <a:endParaRPr kumimoji="1" lang="ja-JP" altLang="en-US"/>
           </a:p>
@@ -3149,7 +3151,7 @@
           <a:p>
             <a:fld id="{4CD497F8-9430-BC49-8D3A-D071BC4586DD}" type="datetimeFigureOut">
               <a:rPr kumimoji="1" lang="ja-JP" altLang="en-US" smtClean="0"/>
-              <a:t>2020/9/9</a:t>
+              <a:t>2020/9/15</a:t>
             </a:fld>
             <a:endParaRPr kumimoji="1" lang="ja-JP" altLang="en-US"/>
           </a:p>
@@ -3581,63 +3583,63 @@
           <p:nvPr>
             <p:extLst>
               <p:ext uri="{D42A27DB-BD31-4B8C-83A1-F6EECF244321}">
-                <p14:modId xmlns:p14="http://schemas.microsoft.com/office/powerpoint/2010/main" val="3093063561"/>
+                <p14:modId xmlns:p14="http://schemas.microsoft.com/office/powerpoint/2010/main" val="3912763870"/>
               </p:ext>
             </p:extLst>
           </p:nvPr>
         </p:nvGraphicFramePr>
         <p:xfrm>
-          <a:off x="851338" y="472963"/>
-          <a:ext cx="10573407" cy="5791200"/>
+          <a:off x="92467" y="113016"/>
+          <a:ext cx="12010491" cy="6667929"/>
         </p:xfrm>
         <a:graphic>
           <a:graphicData uri="http://schemas.openxmlformats.org/drawingml/2006/table">
             <a:tbl>
               <a:tblPr/>
               <a:tblGrid>
-                <a:gridCol w="1186302">
+                <a:gridCol w="1347538">
                   <a:extLst>
                     <a:ext uri="{9D8B030D-6E8A-4147-A177-3AD203B41FA5}">
                       <a16:colId xmlns:a16="http://schemas.microsoft.com/office/drawing/2014/main" val="869121236"/>
                     </a:ext>
                   </a:extLst>
                 </a:gridCol>
-                <a:gridCol w="1442798">
+                <a:gridCol w="1638895">
                   <a:extLst>
                     <a:ext uri="{9D8B030D-6E8A-4147-A177-3AD203B41FA5}">
                       <a16:colId xmlns:a16="http://schemas.microsoft.com/office/drawing/2014/main" val="1181199596"/>
                     </a:ext>
                   </a:extLst>
                 </a:gridCol>
-                <a:gridCol w="1595986">
+                <a:gridCol w="1812905">
                   <a:extLst>
                     <a:ext uri="{9D8B030D-6E8A-4147-A177-3AD203B41FA5}">
                       <a16:colId xmlns:a16="http://schemas.microsoft.com/office/drawing/2014/main" val="1916446423"/>
                     </a:ext>
                   </a:extLst>
                 </a:gridCol>
-                <a:gridCol w="1624486">
+                <a:gridCol w="1845278">
                   <a:extLst>
                     <a:ext uri="{9D8B030D-6E8A-4147-A177-3AD203B41FA5}">
                       <a16:colId xmlns:a16="http://schemas.microsoft.com/office/drawing/2014/main" val="3589644436"/>
                     </a:ext>
                   </a:extLst>
                 </a:gridCol>
-                <a:gridCol w="1453488">
+                <a:gridCol w="1651038">
                   <a:extLst>
                     <a:ext uri="{9D8B030D-6E8A-4147-A177-3AD203B41FA5}">
                       <a16:colId xmlns:a16="http://schemas.microsoft.com/office/drawing/2014/main" val="3694364212"/>
                     </a:ext>
                   </a:extLst>
                 </a:gridCol>
-                <a:gridCol w="1699298">
+                <a:gridCol w="1930258">
                   <a:extLst>
                     <a:ext uri="{9D8B030D-6E8A-4147-A177-3AD203B41FA5}">
                       <a16:colId xmlns:a16="http://schemas.microsoft.com/office/drawing/2014/main" val="3335787609"/>
                     </a:ext>
                   </a:extLst>
                 </a:gridCol>
-                <a:gridCol w="1571049">
+                <a:gridCol w="1784579">
                   <a:extLst>
                     <a:ext uri="{9D8B030D-6E8A-4147-A177-3AD203B41FA5}">
                       <a16:colId xmlns:a16="http://schemas.microsoft.com/office/drawing/2014/main" val="1875025151"/>
@@ -3645,7 +3647,7 @@
                   </a:extLst>
                 </a:gridCol>
               </a:tblGrid>
-              <a:tr h="267863">
+              <a:tr h="454742">
                 <a:tc>
                   <a:txBody>
                     <a:bodyPr/>
@@ -3653,7 +3655,7 @@
                     <a:p>
                       <a:pPr algn="l" fontAlgn="ctr"/>
                       <a:r>
-                        <a:rPr lang="ja-JP" altLang="en-US" sz="1000" b="1" i="0" u="none" strike="noStrike">
+                        <a:rPr lang="ja-JP" altLang="en-US" sz="1050" b="1" i="0" u="none" strike="noStrike">
                           <a:solidFill>
                             <a:srgbClr val="000000"/>
                           </a:solidFill>
@@ -3710,7 +3712,7 @@
                     <a:p>
                       <a:pPr algn="ctr" fontAlgn="ctr"/>
                       <a:r>
-                        <a:rPr lang="ja-JP" altLang="en-US" sz="1400" b="1" i="0" u="none" strike="noStrike">
+                        <a:rPr lang="ja-JP" altLang="en-US" sz="1600" b="1" i="0" u="none" strike="noStrike">
                           <a:solidFill>
                             <a:srgbClr val="000000"/>
                           </a:solidFill>
@@ -3721,7 +3723,7 @@
                         <a:t>パターン</a:t>
                       </a:r>
                       <a:r>
-                        <a:rPr lang="en-US" altLang="ja-JP" sz="1400" b="1" i="0" u="none" strike="noStrike" dirty="0">
+                        <a:rPr lang="en-US" altLang="ja-JP" sz="1600" b="1" i="0" u="none" strike="noStrike" dirty="0">
                           <a:solidFill>
                             <a:srgbClr val="000000"/>
                           </a:solidFill>
@@ -3785,7 +3787,7 @@
                     <a:p>
                       <a:pPr algn="ctr" fontAlgn="ctr"/>
                       <a:r>
-                        <a:rPr lang="ja-JP" altLang="en-US" sz="1400" b="1" i="0" u="none" strike="noStrike">
+                        <a:rPr lang="ja-JP" altLang="en-US" sz="1600" b="1" i="0" u="none" strike="noStrike">
                           <a:solidFill>
                             <a:srgbClr val="000000"/>
                           </a:solidFill>
@@ -3796,7 +3798,7 @@
                         <a:t>パターン</a:t>
                       </a:r>
                       <a:r>
-                        <a:rPr lang="en-US" altLang="ja-JP" sz="1400" b="1" i="0" u="none" strike="noStrike">
+                        <a:rPr lang="en-US" altLang="ja-JP" sz="1600" b="1" i="0" u="none" strike="noStrike">
                           <a:solidFill>
                             <a:srgbClr val="000000"/>
                           </a:solidFill>
@@ -3860,7 +3862,7 @@
                     <a:p>
                       <a:pPr algn="ctr" fontAlgn="ctr"/>
                       <a:r>
-                        <a:rPr lang="ja-JP" altLang="en-US" sz="1400" b="1" i="0" u="none" strike="noStrike">
+                        <a:rPr lang="ja-JP" altLang="en-US" sz="1600" b="1" i="0" u="none" strike="noStrike">
                           <a:solidFill>
                             <a:srgbClr val="000000"/>
                           </a:solidFill>
@@ -3871,7 +3873,7 @@
                         <a:t>パターン</a:t>
                       </a:r>
                       <a:r>
-                        <a:rPr lang="en-US" altLang="ja-JP" sz="1400" b="1" i="0" u="none" strike="noStrike" dirty="0">
+                        <a:rPr lang="en-US" altLang="ja-JP" sz="1600" b="1" i="0" u="none" strike="noStrike" dirty="0">
                           <a:solidFill>
                             <a:srgbClr val="000000"/>
                           </a:solidFill>
@@ -3935,7 +3937,7 @@
                     <a:p>
                       <a:pPr algn="ctr" fontAlgn="ctr"/>
                       <a:r>
-                        <a:rPr lang="ja-JP" altLang="en-US" sz="1400" b="1" i="0" u="none" strike="noStrike">
+                        <a:rPr lang="ja-JP" altLang="en-US" sz="1600" b="1" i="0" u="none" strike="noStrike">
                           <a:solidFill>
                             <a:srgbClr val="000000"/>
                           </a:solidFill>
@@ -3946,7 +3948,7 @@
                         <a:t>パターン</a:t>
                       </a:r>
                       <a:r>
-                        <a:rPr lang="en-US" altLang="ja-JP" sz="1400" b="1" i="0" u="none" strike="noStrike" dirty="0">
+                        <a:rPr lang="en-US" altLang="ja-JP" sz="1600" b="1" i="0" u="none" strike="noStrike" dirty="0">
                           <a:solidFill>
                             <a:srgbClr val="000000"/>
                           </a:solidFill>
@@ -4010,7 +4012,7 @@
                     <a:p>
                       <a:pPr algn="ctr" fontAlgn="ctr"/>
                       <a:r>
-                        <a:rPr lang="ja-JP" altLang="en-US" sz="1400" b="1" i="0" u="none" strike="noStrike">
+                        <a:rPr lang="ja-JP" altLang="en-US" sz="1600" b="1" i="0" u="none" strike="noStrike">
                           <a:solidFill>
                             <a:srgbClr val="000000"/>
                           </a:solidFill>
@@ -4021,7 +4023,7 @@
                         <a:t>パターン</a:t>
                       </a:r>
                       <a:r>
-                        <a:rPr lang="en-US" altLang="ja-JP" sz="1400" b="1" i="0" u="none" strike="noStrike" dirty="0">
+                        <a:rPr lang="en-US" altLang="ja-JP" sz="1600" b="1" i="0" u="none" strike="noStrike" dirty="0">
                           <a:solidFill>
                             <a:srgbClr val="000000"/>
                           </a:solidFill>
@@ -4085,7 +4087,7 @@
                     <a:p>
                       <a:pPr algn="ctr" fontAlgn="ctr"/>
                       <a:r>
-                        <a:rPr lang="ja-JP" altLang="en-US" sz="1400" b="1" i="0" u="none" strike="noStrike">
+                        <a:rPr lang="ja-JP" altLang="en-US" sz="1600" b="1" i="0" u="none" strike="noStrike">
                           <a:solidFill>
                             <a:srgbClr val="000000"/>
                           </a:solidFill>
@@ -4096,7 +4098,7 @@
                         <a:t>パターン</a:t>
                       </a:r>
                       <a:r>
-                        <a:rPr lang="en-US" altLang="ja-JP" sz="1400" b="1" i="0" u="none" strike="noStrike" dirty="0">
+                        <a:rPr lang="en-US" altLang="ja-JP" sz="1600" b="1" i="0" u="none" strike="noStrike" dirty="0">
                           <a:solidFill>
                             <a:srgbClr val="000000"/>
                           </a:solidFill>
@@ -4159,7 +4161,7 @@
                   </a:ext>
                 </a:extLst>
               </a:tr>
-              <a:tr h="616082">
+              <a:tr h="681670">
                 <a:tc>
                   <a:txBody>
                     <a:bodyPr/>
@@ -4167,7 +4169,7 @@
                     <a:p>
                       <a:pPr algn="l" fontAlgn="ctr"/>
                       <a:r>
-                        <a:rPr lang="ja-JP" altLang="en-US" sz="1000" b="1" i="0" u="none" strike="noStrike">
+                        <a:rPr lang="ja-JP" altLang="en-US" sz="1050" b="1" i="0" u="none" strike="noStrike">
                           <a:solidFill>
                             <a:srgbClr val="000000"/>
                           </a:solidFill>
@@ -4224,7 +4226,7 @@
                     <a:p>
                       <a:pPr algn="ctr" fontAlgn="ctr"/>
                       <a:r>
-                        <a:rPr lang="ja-JP" altLang="en-US" sz="1400" b="1" i="0" u="none" strike="noStrike">
+                        <a:rPr lang="ja-JP" altLang="en-US" sz="1600" b="1" i="0" u="none" strike="noStrike">
                           <a:solidFill>
                             <a:srgbClr val="000000"/>
                           </a:solidFill>
@@ -4288,7 +4290,7 @@
                     <a:p>
                       <a:pPr algn="ctr" fontAlgn="ctr"/>
                       <a:r>
-                        <a:rPr lang="ja-JP" altLang="en-US" sz="1400" b="1" i="0" u="none" strike="noStrike">
+                        <a:rPr lang="ja-JP" altLang="en-US" sz="1600" b="1" i="0" u="none" strike="noStrike">
                           <a:solidFill>
                             <a:srgbClr val="000000"/>
                           </a:solidFill>
@@ -4299,7 +4301,7 @@
                         <a:t>仮想デスク</a:t>
                       </a:r>
                       <a:br>
-                        <a:rPr lang="ja-JP" altLang="en-US" sz="1400" b="1" i="0" u="none" strike="noStrike">
+                        <a:rPr lang="ja-JP" altLang="en-US" sz="1600" b="1" i="0" u="none" strike="noStrike">
                           <a:solidFill>
                             <a:srgbClr val="000000"/>
                           </a:solidFill>
@@ -4309,7 +4311,7 @@
                         </a:rPr>
                       </a:br>
                       <a:r>
-                        <a:rPr lang="ja-JP" altLang="en-US" sz="1400" b="1" i="0" u="none" strike="noStrike">
+                        <a:rPr lang="ja-JP" altLang="en-US" sz="1600" b="1" i="0" u="none" strike="noStrike">
                           <a:solidFill>
                             <a:srgbClr val="000000"/>
                           </a:solidFill>
@@ -4373,7 +4375,7 @@
                     <a:p>
                       <a:pPr algn="ctr" fontAlgn="ctr"/>
                       <a:r>
-                        <a:rPr lang="ja-JP" altLang="en-US" sz="1400" b="1" i="0" u="none" strike="noStrike">
+                        <a:rPr lang="ja-JP" altLang="en-US" sz="1600" b="1" i="0" u="none" strike="noStrike">
                           <a:solidFill>
                             <a:srgbClr val="000000"/>
                           </a:solidFill>
@@ -4384,7 +4386,7 @@
                         <a:t>クラウド型</a:t>
                       </a:r>
                       <a:br>
-                        <a:rPr lang="ja-JP" altLang="en-US" sz="1400" b="1" i="0" u="none" strike="noStrike">
+                        <a:rPr lang="ja-JP" altLang="en-US" sz="1600" b="1" i="0" u="none" strike="noStrike">
                           <a:solidFill>
                             <a:srgbClr val="000000"/>
                           </a:solidFill>
@@ -4394,7 +4396,7 @@
                         </a:rPr>
                       </a:br>
                       <a:r>
-                        <a:rPr lang="ja-JP" altLang="en-US" sz="1400" b="1" i="0" u="none" strike="noStrike">
+                        <a:rPr lang="ja-JP" altLang="en-US" sz="1600" b="1" i="0" u="none" strike="noStrike">
                           <a:solidFill>
                             <a:srgbClr val="000000"/>
                           </a:solidFill>
@@ -4458,7 +4460,7 @@
                     <a:p>
                       <a:pPr algn="ctr" fontAlgn="ctr"/>
                       <a:r>
-                        <a:rPr lang="ja-JP" altLang="en-US" sz="1400" b="1" i="0" u="none" strike="noStrike">
+                        <a:rPr lang="ja-JP" altLang="en-US" sz="1600" b="1" i="0" u="none" strike="noStrike">
                           <a:solidFill>
                             <a:srgbClr val="000000"/>
                           </a:solidFill>
@@ -4522,7 +4524,7 @@
                     <a:p>
                       <a:pPr algn="ctr" fontAlgn="ctr"/>
                       <a:r>
-                        <a:rPr lang="ja-JP" altLang="en-US" sz="1400" b="1" i="0" u="none" strike="noStrike">
+                        <a:rPr lang="ja-JP" altLang="en-US" sz="1600" b="1" i="0" u="none" strike="noStrike">
                           <a:solidFill>
                             <a:srgbClr val="000000"/>
                           </a:solidFill>
@@ -4586,7 +4588,7 @@
                     <a:p>
                       <a:pPr algn="ctr" fontAlgn="ctr"/>
                       <a:r>
-                        <a:rPr lang="ja-JP" altLang="en-US" sz="1400" b="1" i="0" u="none" strike="noStrike">
+                        <a:rPr lang="ja-JP" altLang="en-US" sz="1600" b="1" i="0" u="none" strike="noStrike">
                           <a:solidFill>
                             <a:srgbClr val="000000"/>
                           </a:solidFill>
@@ -4597,7 +4599,7 @@
                         <a:t>会社</a:t>
                       </a:r>
                       <a:r>
-                        <a:rPr lang="en" sz="1400" b="1" i="0" u="none" strike="noStrike" dirty="0">
+                        <a:rPr lang="en" sz="1600" b="1" i="0" u="none" strike="noStrike" dirty="0">
                           <a:solidFill>
                             <a:srgbClr val="000000"/>
                           </a:solidFill>
@@ -4608,7 +4610,7 @@
                         <a:t>PC</a:t>
                       </a:r>
                       <a:r>
-                        <a:rPr lang="ja-JP" altLang="en-US" sz="1400" b="1" i="0" u="none" strike="noStrike">
+                        <a:rPr lang="ja-JP" altLang="en-US" sz="1600" b="1" i="0" u="none" strike="noStrike">
                           <a:solidFill>
                             <a:srgbClr val="000000"/>
                           </a:solidFill>
@@ -4671,7 +4673,7 @@
                   </a:ext>
                 </a:extLst>
               </a:tr>
-              <a:tr h="1023249">
+              <a:tr h="1234024">
                 <a:tc>
                   <a:txBody>
                     <a:bodyPr/>
@@ -4679,7 +4681,7 @@
                     <a:p>
                       <a:pPr algn="ctr" fontAlgn="ctr"/>
                       <a:r>
-                        <a:rPr lang="ja-JP" altLang="en-US" sz="1400" b="1" i="0" u="none" strike="noStrike">
+                        <a:rPr lang="ja-JP" altLang="en-US" sz="1600" b="1" i="0" u="none" strike="noStrike">
                           <a:solidFill>
                             <a:srgbClr val="000000"/>
                           </a:solidFill>
@@ -4742,7 +4744,7 @@
                     <a:p>
                       <a:pPr algn="ctr" fontAlgn="ctr"/>
                       <a:r>
-                        <a:rPr lang="ja-JP" altLang="en-US" sz="1400" b="1" i="0" u="none" strike="noStrike">
+                        <a:rPr lang="ja-JP" altLang="en-US" sz="1600" b="1" i="0" u="none" strike="noStrike">
                           <a:solidFill>
                             <a:srgbClr val="000000"/>
                           </a:solidFill>
@@ -4753,7 +4755,7 @@
                         <a:t>オフィスにある</a:t>
                       </a:r>
                       <a:br>
-                        <a:rPr lang="ja-JP" altLang="en-US" sz="1400" b="1" i="0" u="none" strike="noStrike">
+                        <a:rPr lang="ja-JP" altLang="en-US" sz="1600" b="1" i="0" u="none" strike="noStrike">
                           <a:solidFill>
                             <a:srgbClr val="000000"/>
                           </a:solidFill>
@@ -4763,7 +4765,7 @@
                         </a:rPr>
                       </a:br>
                       <a:r>
-                        <a:rPr lang="ja-JP" altLang="en-US" sz="1400" b="1" i="0" u="none" strike="noStrike">
+                        <a:rPr lang="ja-JP" altLang="en-US" sz="1600" b="1" i="0" u="none" strike="noStrike">
                           <a:solidFill>
                             <a:srgbClr val="000000"/>
                           </a:solidFill>
@@ -4827,7 +4829,7 @@
                     <a:p>
                       <a:pPr algn="ctr" fontAlgn="ctr"/>
                       <a:r>
-                        <a:rPr lang="ja-JP" altLang="en-US" sz="1400" b="1" i="0" u="none" strike="noStrike">
+                        <a:rPr lang="ja-JP" altLang="en-US" sz="1600" b="1" i="0" u="none" strike="noStrike">
                           <a:solidFill>
                             <a:srgbClr val="000000"/>
                           </a:solidFill>
@@ -4891,7 +4893,7 @@
                     <a:p>
                       <a:pPr algn="ctr" fontAlgn="ctr"/>
                       <a:r>
-                        <a:rPr lang="ja-JP" altLang="en-US" sz="1400" b="1" i="0" u="none" strike="noStrike">
+                        <a:rPr lang="ja-JP" altLang="en-US" sz="1600" b="1" i="0" u="none" strike="noStrike">
                           <a:solidFill>
                             <a:srgbClr val="000000"/>
                           </a:solidFill>
@@ -4902,7 +4904,7 @@
                         <a:t>クラウド上のアプリ</a:t>
                       </a:r>
                       <a:br>
-                        <a:rPr lang="ja-JP" altLang="en-US" sz="1400" b="1" i="0" u="none" strike="noStrike">
+                        <a:rPr lang="ja-JP" altLang="en-US" sz="1600" b="1" i="0" u="none" strike="noStrike">
                           <a:solidFill>
                             <a:srgbClr val="000000"/>
                           </a:solidFill>
@@ -4912,7 +4914,7 @@
                         </a:rPr>
                       </a:br>
                       <a:r>
-                        <a:rPr lang="ja-JP" altLang="en-US" sz="1400" b="1" i="0" u="none" strike="noStrike">
+                        <a:rPr lang="ja-JP" altLang="en-US" sz="1600" b="1" i="0" u="none" strike="noStrike">
                           <a:solidFill>
                             <a:srgbClr val="000000"/>
                           </a:solidFill>
@@ -4976,7 +4978,7 @@
                     <a:p>
                       <a:pPr algn="ctr" fontAlgn="ctr"/>
                       <a:r>
-                        <a:rPr lang="ja-JP" altLang="en-US" sz="1400" b="1" i="0" u="none" strike="noStrike">
+                        <a:rPr lang="ja-JP" altLang="en-US" sz="1600" b="1" i="0" u="none" strike="noStrike">
                           <a:solidFill>
                             <a:srgbClr val="000000"/>
                           </a:solidFill>
@@ -4987,7 +4989,7 @@
                         <a:t>特別なブラウザを</a:t>
                       </a:r>
                       <a:br>
-                        <a:rPr lang="ja-JP" altLang="en-US" sz="1400" b="1" i="0" u="none" strike="noStrike">
+                        <a:rPr lang="ja-JP" altLang="en-US" sz="1600" b="1" i="0" u="none" strike="noStrike">
                           <a:solidFill>
                             <a:srgbClr val="000000"/>
                           </a:solidFill>
@@ -4997,7 +4999,7 @@
                         </a:rPr>
                       </a:br>
                       <a:r>
-                        <a:rPr lang="ja-JP" altLang="en-US" sz="1400" b="1" i="0" u="none" strike="noStrike">
+                        <a:rPr lang="ja-JP" altLang="en-US" sz="1600" b="1" i="0" u="none" strike="noStrike">
                           <a:solidFill>
                             <a:srgbClr val="000000"/>
                           </a:solidFill>
@@ -5061,7 +5063,7 @@
                     <a:p>
                       <a:pPr algn="ctr" fontAlgn="ctr"/>
                       <a:r>
-                        <a:rPr lang="ja-JP" altLang="en-US" sz="1400" b="1" i="0" u="none" strike="noStrike">
+                        <a:rPr lang="ja-JP" altLang="en-US" sz="1600" b="1" i="0" u="none" strike="noStrike">
                           <a:solidFill>
                             <a:srgbClr val="000000"/>
                           </a:solidFill>
@@ -5072,7 +5074,7 @@
                         <a:t>テレワーク端末内へ</a:t>
                       </a:r>
                       <a:br>
-                        <a:rPr lang="ja-JP" altLang="en-US" sz="1400" b="1" i="0" u="none" strike="noStrike">
+                        <a:rPr lang="ja-JP" altLang="en-US" sz="1600" b="1" i="0" u="none" strike="noStrike">
                           <a:solidFill>
                             <a:srgbClr val="000000"/>
                           </a:solidFill>
@@ -5082,7 +5084,7 @@
                         </a:rPr>
                       </a:br>
                       <a:r>
-                        <a:rPr lang="ja-JP" altLang="en-US" sz="1400" b="1" i="0" u="none" strike="noStrike">
+                        <a:rPr lang="ja-JP" altLang="en-US" sz="1600" b="1" i="0" u="none" strike="noStrike">
                           <a:solidFill>
                             <a:srgbClr val="000000"/>
                           </a:solidFill>
@@ -5146,7 +5148,7 @@
                     <a:p>
                       <a:pPr algn="ctr" fontAlgn="ctr"/>
                       <a:r>
-                        <a:rPr lang="ja-JP" altLang="en-US" sz="1400" b="1" i="0" u="none" strike="noStrike">
+                        <a:rPr lang="ja-JP" altLang="en-US" sz="1600" b="1" i="0" u="none" strike="noStrike">
                           <a:solidFill>
                             <a:srgbClr val="000000"/>
                           </a:solidFill>
@@ -5157,7 +5159,7 @@
                         <a:t>オフィスの端末を</a:t>
                       </a:r>
                       <a:br>
-                        <a:rPr lang="ja-JP" altLang="en-US" sz="1400" b="1" i="0" u="none" strike="noStrike">
+                        <a:rPr lang="ja-JP" altLang="en-US" sz="1600" b="1" i="0" u="none" strike="noStrike">
                           <a:solidFill>
                             <a:srgbClr val="000000"/>
                           </a:solidFill>
@@ -5167,7 +5169,7 @@
                         </a:rPr>
                       </a:br>
                       <a:r>
-                        <a:rPr lang="ja-JP" altLang="en-US" sz="1400" b="1" i="0" u="none" strike="noStrike">
+                        <a:rPr lang="ja-JP" altLang="en-US" sz="1600" b="1" i="0" u="none" strike="noStrike">
                           <a:solidFill>
                             <a:srgbClr val="000000"/>
                           </a:solidFill>
@@ -5230,7 +5232,7 @@
                   </a:ext>
                 </a:extLst>
               </a:tr>
-              <a:tr h="1044663">
+              <a:tr h="1155876">
                 <a:tc>
                   <a:txBody>
                     <a:bodyPr/>
@@ -5238,7 +5240,7 @@
                     <a:p>
                       <a:pPr algn="ctr" fontAlgn="ctr"/>
                       <a:r>
-                        <a:rPr lang="ja-JP" altLang="en-US" sz="1400" b="1" i="0" u="none" strike="noStrike">
+                        <a:rPr lang="ja-JP" altLang="en-US" sz="1600" b="1" i="0" u="none" strike="noStrike">
                           <a:solidFill>
                             <a:srgbClr val="000000"/>
                           </a:solidFill>
@@ -5249,7 +5251,7 @@
                         <a:t>テレワーク</a:t>
                       </a:r>
                       <a:br>
-                        <a:rPr lang="ja-JP" altLang="en-US" sz="1400" b="1" i="0" u="none" strike="noStrike">
+                        <a:rPr lang="ja-JP" altLang="en-US" sz="1600" b="1" i="0" u="none" strike="noStrike">
                           <a:solidFill>
                             <a:srgbClr val="000000"/>
                           </a:solidFill>
@@ -5259,7 +5261,7 @@
                         </a:rPr>
                       </a:br>
                       <a:r>
-                        <a:rPr lang="ja-JP" altLang="en-US" sz="1400" b="1" i="0" u="none" strike="noStrike">
+                        <a:rPr lang="ja-JP" altLang="en-US" sz="1600" b="1" i="0" u="none" strike="noStrike">
                           <a:solidFill>
                             <a:srgbClr val="000000"/>
                           </a:solidFill>
@@ -5322,7 +5324,7 @@
                     <a:p>
                       <a:pPr algn="ctr" fontAlgn="ctr"/>
                       <a:r>
-                        <a:rPr lang="ja-JP" altLang="en-US" sz="1400" b="1" i="0" u="none" strike="noStrike">
+                        <a:rPr lang="ja-JP" altLang="en-US" sz="1600" b="1" i="0" u="none" strike="noStrike">
                           <a:solidFill>
                             <a:srgbClr val="000000"/>
                           </a:solidFill>
@@ -5386,7 +5388,7 @@
                     <a:p>
                       <a:pPr algn="ctr" fontAlgn="ctr"/>
                       <a:r>
-                        <a:rPr lang="ja-JP" altLang="en-US" sz="1400" b="1" i="0" u="none" strike="noStrike">
+                        <a:rPr lang="ja-JP" altLang="en-US" sz="1600" b="1" i="0" u="none" strike="noStrike">
                           <a:solidFill>
                             <a:srgbClr val="000000"/>
                           </a:solidFill>
@@ -5450,7 +5452,7 @@
                     <a:p>
                       <a:pPr algn="ctr" fontAlgn="ctr"/>
                       <a:r>
-                        <a:rPr lang="ja-JP" altLang="en-US" sz="1400" b="1" i="0" u="none" strike="noStrike">
+                        <a:rPr lang="ja-JP" altLang="en-US" sz="1600" b="1" i="0" u="none" strike="noStrike">
                           <a:solidFill>
                             <a:srgbClr val="000000"/>
                           </a:solidFill>
@@ -5514,7 +5516,7 @@
                     <a:p>
                       <a:pPr algn="ctr" fontAlgn="ctr"/>
                       <a:r>
-                        <a:rPr lang="ja-JP" altLang="en-US" sz="1400" b="1" i="0" u="none" strike="noStrike">
+                        <a:rPr lang="ja-JP" altLang="en-US" sz="1600" b="1" i="0" u="none" strike="noStrike">
                           <a:solidFill>
                             <a:srgbClr val="000000"/>
                           </a:solidFill>
@@ -5578,7 +5580,7 @@
                     <a:p>
                       <a:pPr algn="ctr" fontAlgn="ctr"/>
                       <a:r>
-                        <a:rPr lang="ja-JP" altLang="en-US" sz="1400" b="1" i="0" u="none" strike="noStrike">
+                        <a:rPr lang="ja-JP" altLang="en-US" sz="1600" b="1" i="0" u="none" strike="noStrike">
                           <a:solidFill>
                             <a:srgbClr val="000000"/>
                           </a:solidFill>
@@ -5642,7 +5644,7 @@
                     <a:p>
                       <a:pPr algn="ctr" fontAlgn="ctr"/>
                       <a:r>
-                        <a:rPr lang="ja-JP" altLang="en-US" sz="1400" b="1" i="0" u="none" strike="noStrike">
+                        <a:rPr lang="ja-JP" altLang="en-US" sz="1600" b="1" i="0" u="none" strike="noStrike">
                           <a:solidFill>
                             <a:srgbClr val="000000"/>
                           </a:solidFill>
@@ -5705,7 +5707,7 @@
                   </a:ext>
                 </a:extLst>
               </a:tr>
-              <a:tr h="1017878">
+              <a:tr h="1126241">
                 <a:tc>
                   <a:txBody>
                     <a:bodyPr/>
@@ -5713,7 +5715,7 @@
                     <a:p>
                       <a:pPr algn="ctr" fontAlgn="ctr"/>
                       <a:r>
-                        <a:rPr lang="ja-JP" altLang="en-US" sz="1400" b="1" i="0" u="none" strike="noStrike">
+                        <a:rPr lang="ja-JP" altLang="en-US" sz="1600" b="1" i="0" u="none" strike="noStrike">
                           <a:solidFill>
                             <a:srgbClr val="000000"/>
                           </a:solidFill>
@@ -5724,7 +5726,7 @@
                         <a:t>オフィスの</a:t>
                       </a:r>
                       <a:br>
-                        <a:rPr lang="ja-JP" altLang="en-US" sz="1400" b="1" i="0" u="none" strike="noStrike">
+                        <a:rPr lang="ja-JP" altLang="en-US" sz="1600" b="1" i="0" u="none" strike="noStrike">
                           <a:solidFill>
                             <a:srgbClr val="000000"/>
                           </a:solidFill>
@@ -5734,7 +5736,7 @@
                         </a:rPr>
                       </a:br>
                       <a:r>
-                        <a:rPr lang="ja-JP" altLang="en-US" sz="1400" b="1" i="0" u="none" strike="noStrike">
+                        <a:rPr lang="ja-JP" altLang="en-US" sz="1600" b="1" i="0" u="none" strike="noStrike">
                           <a:solidFill>
                             <a:srgbClr val="000000"/>
                           </a:solidFill>
@@ -5797,7 +5799,7 @@
                     <a:p>
                       <a:pPr algn="ctr" fontAlgn="ctr"/>
                       <a:r>
-                        <a:rPr lang="ja-JP" altLang="en-US" sz="1400" b="1" i="0" u="none" strike="noStrike">
+                        <a:rPr lang="ja-JP" altLang="en-US" sz="1600" b="1" i="0" u="none" strike="noStrike">
                           <a:solidFill>
                             <a:srgbClr val="000000"/>
                           </a:solidFill>
@@ -5861,7 +5863,7 @@
                     <a:p>
                       <a:pPr algn="ctr" fontAlgn="ctr"/>
                       <a:r>
-                        <a:rPr lang="ja-JP" altLang="en-US" sz="1400" b="1" i="0" u="none" strike="noStrike">
+                        <a:rPr lang="ja-JP" altLang="en-US" sz="1600" b="1" i="0" u="none" strike="noStrike">
                           <a:solidFill>
                             <a:srgbClr val="000000"/>
                           </a:solidFill>
@@ -5872,7 +5874,7 @@
                         <a:t>テレワーク専用の</a:t>
                       </a:r>
                       <a:br>
-                        <a:rPr lang="ja-JP" altLang="en-US" sz="1400" b="1" i="0" u="none" strike="noStrike">
+                        <a:rPr lang="ja-JP" altLang="en-US" sz="1600" b="1" i="0" u="none" strike="noStrike">
                           <a:solidFill>
                             <a:srgbClr val="000000"/>
                           </a:solidFill>
@@ -5882,7 +5884,7 @@
                         </a:rPr>
                       </a:br>
                       <a:r>
-                        <a:rPr lang="ja-JP" altLang="en-US" sz="1400" b="1" i="0" u="none" strike="noStrike">
+                        <a:rPr lang="ja-JP" altLang="en-US" sz="1600" b="1" i="0" u="none" strike="noStrike">
                           <a:solidFill>
                             <a:srgbClr val="000000"/>
                           </a:solidFill>
@@ -5946,7 +5948,7 @@
                     <a:p>
                       <a:pPr algn="ctr" fontAlgn="ctr"/>
                       <a:r>
-                        <a:rPr lang="ja-JP" altLang="en-US" sz="1400" b="1" i="0" u="none" strike="noStrike">
+                        <a:rPr lang="ja-JP" altLang="en-US" sz="1600" b="1" i="0" u="none" strike="noStrike">
                           <a:solidFill>
                             <a:srgbClr val="000000"/>
                           </a:solidFill>
@@ -5957,7 +5959,7 @@
                         <a:t>クラウド型アプリ</a:t>
                       </a:r>
                       <a:br>
-                        <a:rPr lang="ja-JP" altLang="en-US" sz="1400" b="1" i="0" u="none" strike="noStrike">
+                        <a:rPr lang="ja-JP" altLang="en-US" sz="1600" b="1" i="0" u="none" strike="noStrike">
                           <a:solidFill>
                             <a:srgbClr val="000000"/>
                           </a:solidFill>
@@ -5967,7 +5969,7 @@
                         </a:rPr>
                       </a:br>
                       <a:r>
-                        <a:rPr lang="ja-JP" altLang="en-US" sz="1400" b="1" i="0" u="none" strike="noStrike">
+                        <a:rPr lang="ja-JP" altLang="en-US" sz="1600" b="1" i="0" u="none" strike="noStrike">
                           <a:solidFill>
                             <a:srgbClr val="000000"/>
                           </a:solidFill>
@@ -6031,7 +6033,7 @@
                     <a:p>
                       <a:pPr algn="ctr" fontAlgn="ctr"/>
                       <a:r>
-                        <a:rPr lang="ja-JP" altLang="en-US" sz="1400" b="1" i="0" u="none" strike="noStrike">
+                        <a:rPr lang="ja-JP" altLang="en-US" sz="1600" b="1" i="0" u="none" strike="noStrike">
                           <a:solidFill>
                             <a:srgbClr val="000000"/>
                           </a:solidFill>
@@ -6042,7 +6044,7 @@
                         <a:t>ブラウザ経由で</a:t>
                       </a:r>
                       <a:br>
-                        <a:rPr lang="ja-JP" altLang="en-US" sz="1400" b="1" i="0" u="none" strike="noStrike">
+                        <a:rPr lang="ja-JP" altLang="en-US" sz="1600" b="1" i="0" u="none" strike="noStrike">
                           <a:solidFill>
                             <a:srgbClr val="000000"/>
                           </a:solidFill>
@@ -6052,7 +6054,7 @@
                         </a:rPr>
                       </a:br>
                       <a:r>
-                        <a:rPr lang="ja-JP" altLang="en-US" sz="1400" b="1" i="0" u="none" strike="noStrike">
+                        <a:rPr lang="ja-JP" altLang="en-US" sz="1600" b="1" i="0" u="none" strike="noStrike">
                           <a:solidFill>
                             <a:srgbClr val="000000"/>
                           </a:solidFill>
@@ -6116,7 +6118,7 @@
                     <a:p>
                       <a:pPr algn="ctr" fontAlgn="ctr"/>
                       <a:r>
-                        <a:rPr lang="ja-JP" altLang="en-US" sz="1400" b="1" i="0" u="none" strike="noStrike">
+                        <a:rPr lang="ja-JP" altLang="en-US" sz="1600" b="1" i="0" u="none" strike="noStrike">
                           <a:solidFill>
                             <a:srgbClr val="000000"/>
                           </a:solidFill>
@@ -6180,7 +6182,7 @@
                     <a:p>
                       <a:pPr algn="ctr" fontAlgn="ctr"/>
                       <a:r>
-                        <a:rPr lang="ja-JP" altLang="en-US" sz="1400" b="1" i="0" u="none" strike="noStrike">
+                        <a:rPr lang="ja-JP" altLang="en-US" sz="1600" b="1" i="0" u="none" strike="noStrike">
                           <a:solidFill>
                             <a:srgbClr val="000000"/>
                           </a:solidFill>
@@ -6243,7 +6245,7 @@
                   </a:ext>
                 </a:extLst>
               </a:tr>
-              <a:tr h="977698">
+              <a:tr h="1081783">
                 <a:tc>
                   <a:txBody>
                     <a:bodyPr/>
@@ -6251,7 +6253,7 @@
                     <a:p>
                       <a:pPr algn="ctr" fontAlgn="ctr"/>
                       <a:r>
-                        <a:rPr lang="ja-JP" altLang="en-US" sz="1400" b="1" i="0" u="none" strike="noStrike">
+                        <a:rPr lang="ja-JP" altLang="en-US" sz="1600" b="1" i="0" u="none" strike="noStrike">
                           <a:solidFill>
                             <a:srgbClr val="000000"/>
                           </a:solidFill>
@@ -6314,7 +6316,7 @@
                     <a:p>
                       <a:pPr algn="ctr" fontAlgn="ctr"/>
                       <a:r>
-                        <a:rPr lang="ja-JP" altLang="en-US" sz="1400" b="1" i="0" u="none" strike="noStrike">
+                        <a:rPr lang="ja-JP" altLang="en-US" sz="1600" b="1" i="0" u="none" strike="noStrike">
                           <a:solidFill>
                             <a:srgbClr val="000000"/>
                           </a:solidFill>
@@ -6378,7 +6380,7 @@
                     <a:p>
                       <a:pPr algn="ctr" fontAlgn="ctr"/>
                       <a:r>
-                        <a:rPr lang="ja-JP" altLang="en-US" sz="1400" b="1" i="0" u="none" strike="noStrike">
+                        <a:rPr lang="ja-JP" altLang="en-US" sz="1600" b="1" i="0" u="none" strike="noStrike">
                           <a:solidFill>
                             <a:srgbClr val="000000"/>
                           </a:solidFill>
@@ -6442,7 +6444,7 @@
                     <a:p>
                       <a:pPr algn="ctr" fontAlgn="ctr"/>
                       <a:r>
-                        <a:rPr lang="ja-JP" altLang="en-US" sz="1400" b="1" i="0" u="none" strike="noStrike">
+                        <a:rPr lang="ja-JP" altLang="en-US" sz="1600" b="1" i="0" u="none" strike="noStrike">
                           <a:solidFill>
                             <a:srgbClr val="000000"/>
                           </a:solidFill>
@@ -6506,7 +6508,7 @@
                     <a:p>
                       <a:pPr algn="ctr" fontAlgn="ctr"/>
                       <a:r>
-                        <a:rPr lang="ja-JP" altLang="en-US" sz="1400" b="1" i="0" u="none" strike="noStrike">
+                        <a:rPr lang="ja-JP" altLang="en-US" sz="1600" b="1" i="0" u="none" strike="noStrike">
                           <a:solidFill>
                             <a:srgbClr val="000000"/>
                           </a:solidFill>
@@ -6570,7 +6572,7 @@
                     <a:p>
                       <a:pPr algn="ctr" fontAlgn="ctr"/>
                       <a:r>
-                        <a:rPr lang="ja-JP" altLang="en-US" sz="1400" b="1" i="0" u="none" strike="noStrike">
+                        <a:rPr lang="ja-JP" altLang="en-US" sz="1600" b="1" i="0" u="none" strike="noStrike">
                           <a:solidFill>
                             <a:srgbClr val="000000"/>
                           </a:solidFill>
@@ -6581,7 +6583,7 @@
                         <a:t>する</a:t>
                       </a:r>
                       <a:r>
-                        <a:rPr lang="en-US" altLang="ja-JP" sz="1400" b="1" i="0" u="none" strike="noStrike" dirty="0">
+                        <a:rPr lang="en-US" altLang="ja-JP" sz="1600" b="1" i="0" u="none" strike="noStrike" dirty="0">
                           <a:solidFill>
                             <a:srgbClr val="000000"/>
                           </a:solidFill>
@@ -6592,7 +6594,7 @@
                         <a:t>/</a:t>
                       </a:r>
                       <a:r>
-                        <a:rPr lang="ja-JP" altLang="en-US" sz="1400" b="1" i="0" u="none" strike="noStrike">
+                        <a:rPr lang="ja-JP" altLang="en-US" sz="1600" b="1" i="0" u="none" strike="noStrike">
                           <a:solidFill>
                             <a:srgbClr val="000000"/>
                           </a:solidFill>
@@ -6603,7 +6605,7 @@
                         <a:t>しない</a:t>
                       </a:r>
                       <a:br>
-                        <a:rPr lang="ja-JP" altLang="en-US" sz="1400" b="1" i="0" u="none" strike="noStrike">
+                        <a:rPr lang="ja-JP" altLang="en-US" sz="1600" b="1" i="0" u="none" strike="noStrike">
                           <a:solidFill>
                             <a:srgbClr val="000000"/>
                           </a:solidFill>
@@ -6613,7 +6615,7 @@
                         </a:rPr>
                       </a:br>
                       <a:r>
-                        <a:rPr lang="ja-JP" altLang="en-US" sz="1400" b="1" i="0" u="none" strike="noStrike">
+                        <a:rPr lang="ja-JP" altLang="en-US" sz="1600" b="1" i="0" u="none" strike="noStrike">
                           <a:solidFill>
                             <a:srgbClr val="000000"/>
                           </a:solidFill>
@@ -6677,7 +6679,7 @@
                     <a:p>
                       <a:pPr algn="ctr" fontAlgn="ctr"/>
                       <a:r>
-                        <a:rPr lang="ja-JP" altLang="en-US" sz="1400" b="1" i="0" u="none" strike="noStrike">
+                        <a:rPr lang="ja-JP" altLang="en-US" sz="1600" b="1" i="0" u="none" strike="noStrike">
                           <a:solidFill>
                             <a:srgbClr val="000000"/>
                           </a:solidFill>
@@ -6688,7 +6690,7 @@
                         <a:t>する</a:t>
                       </a:r>
                       <a:r>
-                        <a:rPr lang="en-US" altLang="ja-JP" sz="1400" b="1" i="0" u="none" strike="noStrike" dirty="0">
+                        <a:rPr lang="en-US" altLang="ja-JP" sz="1600" b="1" i="0" u="none" strike="noStrike" dirty="0">
                           <a:solidFill>
                             <a:srgbClr val="000000"/>
                           </a:solidFill>
@@ -6699,7 +6701,7 @@
                         <a:t>/</a:t>
                       </a:r>
                       <a:r>
-                        <a:rPr lang="ja-JP" altLang="en-US" sz="1400" b="1" i="0" u="none" strike="noStrike">
+                        <a:rPr lang="ja-JP" altLang="en-US" sz="1600" b="1" i="0" u="none" strike="noStrike">
                           <a:solidFill>
                             <a:srgbClr val="000000"/>
                           </a:solidFill>
@@ -6710,7 +6712,7 @@
                         <a:t>しない</a:t>
                       </a:r>
                       <a:br>
-                        <a:rPr lang="ja-JP" altLang="en-US" sz="1400" b="1" i="0" u="none" strike="noStrike">
+                        <a:rPr lang="ja-JP" altLang="en-US" sz="1600" b="1" i="0" u="none" strike="noStrike">
                           <a:solidFill>
                             <a:srgbClr val="000000"/>
                           </a:solidFill>
@@ -6720,7 +6722,7 @@
                         </a:rPr>
                       </a:br>
                       <a:r>
-                        <a:rPr lang="ja-JP" altLang="en-US" sz="1400" b="1" i="0" u="none" strike="noStrike">
+                        <a:rPr lang="ja-JP" altLang="en-US" sz="1600" b="1" i="0" u="none" strike="noStrike">
                           <a:solidFill>
                             <a:srgbClr val="000000"/>
                           </a:solidFill>
@@ -6783,7 +6785,7 @@
                   </a:ext>
                 </a:extLst>
               </a:tr>
-              <a:tr h="843767">
+              <a:tr h="933593">
                 <a:tc>
                   <a:txBody>
                     <a:bodyPr/>
@@ -6791,7 +6793,7 @@
                     <a:p>
                       <a:pPr algn="l" fontAlgn="ctr"/>
                       <a:r>
-                        <a:rPr lang="ja-JP" altLang="en-US" sz="1400" b="1" i="0" u="none" strike="noStrike">
+                        <a:rPr lang="ja-JP" altLang="en-US" sz="1600" b="1" i="0" u="none" strike="noStrike">
                           <a:solidFill>
                             <a:srgbClr val="000000"/>
                           </a:solidFill>
@@ -6802,7 +6804,7 @@
                         <a:t>高速インター</a:t>
                       </a:r>
                       <a:br>
-                        <a:rPr lang="ja-JP" altLang="en-US" sz="1400" b="1" i="0" u="none" strike="noStrike">
+                        <a:rPr lang="ja-JP" altLang="en-US" sz="1600" b="1" i="0" u="none" strike="noStrike">
                           <a:solidFill>
                             <a:srgbClr val="000000"/>
                           </a:solidFill>
@@ -6812,7 +6814,7 @@
                         </a:rPr>
                       </a:br>
                       <a:r>
-                        <a:rPr lang="ja-JP" altLang="en-US" sz="1400" b="1" i="0" u="none" strike="noStrike">
+                        <a:rPr lang="ja-JP" altLang="en-US" sz="1600" b="1" i="0" u="none" strike="noStrike">
                           <a:solidFill>
                             <a:srgbClr val="000000"/>
                           </a:solidFill>
@@ -6875,7 +6877,7 @@
                     <a:p>
                       <a:pPr algn="ctr" fontAlgn="ctr"/>
                       <a:r>
-                        <a:rPr lang="ja-JP" altLang="en-US" sz="1400" b="1" i="0" u="none" strike="noStrike">
+                        <a:rPr lang="ja-JP" altLang="en-US" sz="1600" b="1" i="0" u="none" strike="noStrike">
                           <a:solidFill>
                             <a:srgbClr val="000000"/>
                           </a:solidFill>
@@ -6939,7 +6941,7 @@
                     <a:p>
                       <a:pPr algn="ctr" fontAlgn="ctr"/>
                       <a:r>
-                        <a:rPr lang="ja-JP" altLang="en-US" sz="1400" b="1" i="0" u="none" strike="noStrike">
+                        <a:rPr lang="ja-JP" altLang="en-US" sz="1600" b="1" i="0" u="none" strike="noStrike">
                           <a:solidFill>
                             <a:srgbClr val="000000"/>
                           </a:solidFill>
@@ -7003,7 +7005,7 @@
                     <a:p>
                       <a:pPr algn="ctr" fontAlgn="ctr"/>
                       <a:r>
-                        <a:rPr lang="ja-JP" altLang="en-US" sz="1400" b="1" i="0" u="none" strike="noStrike">
+                        <a:rPr lang="ja-JP" altLang="en-US" sz="1600" b="1" i="0" u="none" strike="noStrike">
                           <a:solidFill>
                             <a:srgbClr val="000000"/>
                           </a:solidFill>
@@ -7067,7 +7069,7 @@
                     <a:p>
                       <a:pPr algn="ctr" fontAlgn="ctr"/>
                       <a:r>
-                        <a:rPr lang="ja-JP" altLang="en-US" sz="1400" b="1" i="0" u="none" strike="noStrike">
+                        <a:rPr lang="ja-JP" altLang="en-US" sz="1600" b="1" i="0" u="none" strike="noStrike">
                           <a:solidFill>
                             <a:srgbClr val="000000"/>
                           </a:solidFill>
@@ -7131,7 +7133,7 @@
                     <a:p>
                       <a:pPr algn="ctr" fontAlgn="ctr"/>
                       <a:r>
-                        <a:rPr lang="ja-JP" altLang="en-US" sz="1400" b="1" i="0" u="none" strike="noStrike">
+                        <a:rPr lang="ja-JP" altLang="en-US" sz="1600" b="1" i="0" u="none" strike="noStrike">
                           <a:solidFill>
                             <a:srgbClr val="000000"/>
                           </a:solidFill>
@@ -7195,7 +7197,7 @@
                     <a:p>
                       <a:pPr algn="ctr" fontAlgn="ctr"/>
                       <a:r>
-                        <a:rPr lang="ja-JP" altLang="en-US" sz="1400" b="1" i="0" u="none" strike="noStrike">
+                        <a:rPr lang="ja-JP" altLang="en-US" sz="1600" b="1" i="0" u="none" strike="noStrike">
                           <a:solidFill>
                             <a:srgbClr val="000000"/>
                           </a:solidFill>
@@ -7307,35 +7309,35 @@
           <p:nvPr>
             <p:extLst>
               <p:ext uri="{D42A27DB-BD31-4B8C-83A1-F6EECF244321}">
-                <p14:modId xmlns:p14="http://schemas.microsoft.com/office/powerpoint/2010/main" val="229499500"/>
+                <p14:modId xmlns:p14="http://schemas.microsoft.com/office/powerpoint/2010/main" val="3972008958"/>
               </p:ext>
             </p:extLst>
           </p:nvPr>
         </p:nvGraphicFramePr>
         <p:xfrm>
-          <a:off x="675409" y="187032"/>
-          <a:ext cx="11055927" cy="6287027"/>
+          <a:off x="246581" y="205483"/>
+          <a:ext cx="11702265" cy="6408110"/>
         </p:xfrm>
         <a:graphic>
           <a:graphicData uri="http://schemas.openxmlformats.org/drawingml/2006/table">
             <a:tbl>
               <a:tblPr/>
               <a:tblGrid>
-                <a:gridCol w="3314700">
+                <a:gridCol w="3508480">
                   <a:extLst>
                     <a:ext uri="{9D8B030D-6E8A-4147-A177-3AD203B41FA5}">
                       <a16:colId xmlns:a16="http://schemas.microsoft.com/office/drawing/2014/main" val="3003885136"/>
                     </a:ext>
                   </a:extLst>
                 </a:gridCol>
-                <a:gridCol w="4230725">
+                <a:gridCol w="4478056">
                   <a:extLst>
                     <a:ext uri="{9D8B030D-6E8A-4147-A177-3AD203B41FA5}">
                       <a16:colId xmlns:a16="http://schemas.microsoft.com/office/drawing/2014/main" val="2776643123"/>
                     </a:ext>
                   </a:extLst>
                 </a:gridCol>
-                <a:gridCol w="3510502">
+                <a:gridCol w="3715729">
                   <a:extLst>
                     <a:ext uri="{9D8B030D-6E8A-4147-A177-3AD203B41FA5}">
                       <a16:colId xmlns:a16="http://schemas.microsoft.com/office/drawing/2014/main" val="1484286181"/>
@@ -7343,7 +7345,7 @@
                   </a:extLst>
                 </a:gridCol>
               </a:tblGrid>
-              <a:tr h="591955">
+              <a:tr h="590218">
                 <a:tc>
                   <a:txBody>
                     <a:bodyPr/>
@@ -7351,7 +7353,7 @@
                     <a:p>
                       <a:pPr algn="ctr" fontAlgn="ctr"/>
                       <a:r>
-                        <a:rPr lang="ja-JP" altLang="en-US" sz="1300" b="1" i="0" u="none" strike="noStrike">
+                        <a:rPr lang="ja-JP" altLang="en-US" sz="1400" b="1" i="0" u="none" strike="noStrike">
                           <a:solidFill>
                             <a:srgbClr val="000000"/>
                           </a:solidFill>
@@ -7412,7 +7414,7 @@
                     <a:p>
                       <a:pPr algn="ctr" fontAlgn="ctr"/>
                       <a:r>
-                        <a:rPr lang="en" sz="1800" b="1" i="0" u="none" strike="noStrike" dirty="0">
+                        <a:rPr lang="en" sz="2000" b="1" i="0" u="none" strike="noStrike" dirty="0">
                           <a:solidFill>
                             <a:srgbClr val="000000"/>
                           </a:solidFill>
@@ -7473,7 +7475,7 @@
                     <a:p>
                       <a:pPr algn="ctr" fontAlgn="ctr"/>
                       <a:r>
-                        <a:rPr lang="en" sz="1800" b="1" i="0" u="none" strike="noStrike" dirty="0">
+                        <a:rPr lang="en" sz="2000" b="1" i="0" u="none" strike="noStrike" dirty="0">
                           <a:solidFill>
                             <a:srgbClr val="000000"/>
                           </a:solidFill>
@@ -7533,7 +7535,7 @@
                   </a:ext>
                 </a:extLst>
               </a:tr>
-              <a:tr h="1343176">
+              <a:tr h="1339234">
                 <a:tc>
                   <a:txBody>
                     <a:bodyPr/>
@@ -7541,7 +7543,7 @@
                     <a:p>
                       <a:pPr algn="ctr" fontAlgn="ctr"/>
                       <a:r>
-                        <a:rPr lang="ja-JP" altLang="en-US" sz="1600" b="1" i="0" u="none" strike="noStrike">
+                        <a:rPr lang="ja-JP" altLang="en-US" sz="1800" b="1" i="0" u="none" strike="noStrike">
                           <a:solidFill>
                             <a:srgbClr val="000000"/>
                           </a:solidFill>
@@ -7552,7 +7554,7 @@
                         <a:t>リモートアクセス端末への</a:t>
                       </a:r>
                       <a:br>
-                        <a:rPr lang="ja-JP" altLang="en-US" sz="1600" b="1" i="0" u="none" strike="noStrike">
+                        <a:rPr lang="ja-JP" altLang="en-US" sz="1800" b="1" i="0" u="none" strike="noStrike">
                           <a:solidFill>
                             <a:srgbClr val="000000"/>
                           </a:solidFill>
@@ -7562,7 +7564,7 @@
                         </a:rPr>
                       </a:br>
                       <a:r>
-                        <a:rPr lang="ja-JP" altLang="en-US" sz="1600" b="1" i="0" u="none" strike="noStrike">
+                        <a:rPr lang="ja-JP" altLang="en-US" sz="1800" b="1" i="0" u="none" strike="noStrike">
                           <a:solidFill>
                             <a:srgbClr val="000000"/>
                           </a:solidFill>
@@ -7573,7 +7575,7 @@
                         <a:t>専用ソフトインストール</a:t>
                       </a:r>
                       <a:r>
-                        <a:rPr lang="en-US" altLang="ja-JP" sz="1600" b="1" i="0" u="none" strike="noStrike" dirty="0">
+                        <a:rPr lang="en-US" altLang="ja-JP" sz="1800" b="1" i="0" u="none" strike="noStrike" dirty="0">
                           <a:solidFill>
                             <a:srgbClr val="000000"/>
                           </a:solidFill>
@@ -7584,7 +7586,7 @@
                         <a:t>/</a:t>
                       </a:r>
                       <a:r>
-                        <a:rPr lang="ja-JP" altLang="en-US" sz="1600" b="1" i="0" u="none" strike="noStrike">
+                        <a:rPr lang="ja-JP" altLang="en-US" sz="1800" b="1" i="0" u="none" strike="noStrike">
                           <a:solidFill>
                             <a:srgbClr val="000000"/>
                           </a:solidFill>
@@ -7645,7 +7647,7 @@
                     <a:p>
                       <a:pPr algn="ctr" fontAlgn="ctr"/>
                       <a:r>
-                        <a:rPr lang="ja-JP" altLang="en-US" sz="1600" b="1" i="0" u="none" strike="noStrike">
+                        <a:rPr lang="ja-JP" altLang="en-US" sz="1800" b="1" i="0" u="none" strike="noStrike">
                           <a:solidFill>
                             <a:srgbClr val="000000"/>
                           </a:solidFill>
@@ -7656,7 +7658,7 @@
                         <a:t>必要</a:t>
                       </a:r>
                       <a:br>
-                        <a:rPr lang="ja-JP" altLang="en-US" sz="1600" b="0" i="0" u="none" strike="noStrike">
+                        <a:rPr lang="ja-JP" altLang="en-US" sz="1800" b="0" i="0" u="none" strike="noStrike">
                           <a:solidFill>
                             <a:srgbClr val="000000"/>
                           </a:solidFill>
@@ -7666,7 +7668,7 @@
                         </a:rPr>
                       </a:br>
                       <a:r>
-                        <a:rPr lang="ja-JP" altLang="en-US" sz="1600" b="0" i="0" u="none" strike="noStrike">
+                        <a:rPr lang="ja-JP" altLang="en-US" sz="1800" b="0" i="0" u="none" strike="noStrike">
                           <a:solidFill>
                             <a:srgbClr val="000000"/>
                           </a:solidFill>
@@ -7677,7 +7679,7 @@
                         <a:t>環境設定も複雑</a:t>
                       </a:r>
                       <a:br>
-                        <a:rPr lang="ja-JP" altLang="en-US" sz="1600" b="0" i="0" u="none" strike="noStrike">
+                        <a:rPr lang="ja-JP" altLang="en-US" sz="1800" b="0" i="0" u="none" strike="noStrike">
                           <a:solidFill>
                             <a:srgbClr val="000000"/>
                           </a:solidFill>
@@ -7687,7 +7689,7 @@
                         </a:rPr>
                       </a:br>
                       <a:r>
-                        <a:rPr lang="ja-JP" altLang="en-US" sz="1600" b="0" i="0" u="none" strike="noStrike">
+                        <a:rPr lang="ja-JP" altLang="en-US" sz="1800" b="0" i="0" u="none" strike="noStrike">
                           <a:solidFill>
                             <a:srgbClr val="000000"/>
                           </a:solidFill>
@@ -7698,7 +7700,7 @@
                         <a:t>（専用ソフトは、</a:t>
                       </a:r>
                       <a:r>
-                        <a:rPr lang="en" sz="1600" b="0" i="0" u="none" strike="noStrike" dirty="0">
+                        <a:rPr lang="en" sz="1800" b="0" i="0" u="none" strike="noStrike" dirty="0">
                           <a:solidFill>
                             <a:srgbClr val="000000"/>
                           </a:solidFill>
@@ -7709,7 +7711,7 @@
                         <a:t>IPSec-VPN</a:t>
                       </a:r>
                       <a:r>
-                        <a:rPr lang="ja-JP" altLang="en-US" sz="1600" b="0" i="0" u="none" strike="noStrike">
+                        <a:rPr lang="ja-JP" altLang="en-US" sz="1800" b="0" i="0" u="none" strike="noStrike">
                           <a:solidFill>
                             <a:srgbClr val="000000"/>
                           </a:solidFill>
@@ -7767,7 +7769,7 @@
                     <a:p>
                       <a:pPr algn="ctr" fontAlgn="ctr"/>
                       <a:r>
-                        <a:rPr lang="ja-JP" altLang="en-US" sz="1600" b="1" i="0" u="none" strike="noStrike">
+                        <a:rPr lang="ja-JP" altLang="en-US" sz="1800" b="1" i="0" u="none" strike="noStrike">
                           <a:solidFill>
                             <a:srgbClr val="000000"/>
                           </a:solidFill>
@@ -7778,7 +7780,7 @@
                         <a:t>不要</a:t>
                       </a:r>
                       <a:br>
-                        <a:rPr lang="ja-JP" altLang="en-US" sz="1600" b="0" i="0" u="none" strike="noStrike">
+                        <a:rPr lang="ja-JP" altLang="en-US" sz="1800" b="0" i="0" u="none" strike="noStrike">
                           <a:solidFill>
                             <a:srgbClr val="000000"/>
                           </a:solidFill>
@@ -7788,7 +7790,7 @@
                         </a:rPr>
                       </a:br>
                       <a:r>
-                        <a:rPr lang="ja-JP" altLang="en-US" sz="1600" b="0" i="0" u="none" strike="noStrike">
+                        <a:rPr lang="ja-JP" altLang="en-US" sz="1800" b="0" i="0" u="none" strike="noStrike">
                           <a:solidFill>
                             <a:srgbClr val="000000"/>
                           </a:solidFill>
@@ -7798,7 +7800,7 @@
                         </a:rPr>
                         <a:t>専用ソフトが必要な場合は自動インストール、自動環境設定</a:t>
                       </a:r>
-                      <a:endParaRPr lang="en-US" altLang="ja-JP" sz="1600" b="0" i="0" u="none" strike="noStrike" dirty="0">
+                      <a:endParaRPr lang="en-US" altLang="ja-JP" sz="1800" b="0" i="0" u="none" strike="noStrike" dirty="0">
                         <a:solidFill>
                           <a:srgbClr val="000000"/>
                         </a:solidFill>
@@ -7809,7 +7811,7 @@
                     </a:p>
                     <a:p>
                       <a:pPr algn="ctr" fontAlgn="ctr"/>
-                      <a:endParaRPr lang="ja-JP" altLang="en-US" sz="1600" b="0" i="0" u="none" strike="noStrike">
+                      <a:endParaRPr lang="ja-JP" altLang="en-US" sz="1800" b="0" i="0" u="none" strike="noStrike">
                         <a:solidFill>
                           <a:srgbClr val="000000"/>
                         </a:solidFill>
@@ -7864,7 +7866,7 @@
                   </a:ext>
                 </a:extLst>
               </a:tr>
-              <a:tr h="1046215">
+              <a:tr h="1043145">
                 <a:tc>
                   <a:txBody>
                     <a:bodyPr/>
@@ -7872,7 +7874,7 @@
                     <a:p>
                       <a:pPr algn="ctr" fontAlgn="ctr"/>
                       <a:r>
-                        <a:rPr lang="ja-JP" altLang="en-US" sz="1600" b="1" i="0" u="none" strike="noStrike">
+                        <a:rPr lang="ja-JP" altLang="en-US" sz="1800" b="1" i="0" u="none" strike="noStrike">
                           <a:solidFill>
                             <a:srgbClr val="000000"/>
                           </a:solidFill>
@@ -7933,7 +7935,7 @@
                     <a:p>
                       <a:pPr algn="ctr" fontAlgn="ctr"/>
                       <a:r>
-                        <a:rPr lang="ja-JP" altLang="en-US" sz="1600" b="0" i="0" u="none" strike="noStrike">
+                        <a:rPr lang="ja-JP" altLang="en-US" sz="1800" b="0" i="0" u="none" strike="noStrike">
                           <a:solidFill>
                             <a:srgbClr val="000000"/>
                           </a:solidFill>
@@ -7943,7 +7945,7 @@
                         </a:rPr>
                         <a:t>△</a:t>
                       </a:r>
-                      <a:endParaRPr lang="en-US" altLang="ja-JP" sz="1600" b="0" i="0" u="none" strike="noStrike" dirty="0">
+                      <a:endParaRPr lang="en-US" altLang="ja-JP" sz="1800" b="0" i="0" u="none" strike="noStrike" dirty="0">
                         <a:solidFill>
                           <a:srgbClr val="000000"/>
                         </a:solidFill>
@@ -7955,7 +7957,7 @@
                     <a:p>
                       <a:pPr algn="ctr" fontAlgn="ctr"/>
                       <a:r>
-                        <a:rPr lang="ja-JP" altLang="en-US" sz="1600" b="0" i="0" u="none" strike="noStrike">
+                        <a:rPr lang="ja-JP" altLang="en-US" sz="1800" b="0" i="0" u="none" strike="noStrike">
                           <a:solidFill>
                             <a:srgbClr val="000000"/>
                           </a:solidFill>
@@ -7966,7 +7968,7 @@
                         <a:t>専用ソフトが対応している装置</a:t>
                       </a:r>
                       <a:br>
-                        <a:rPr lang="ja-JP" altLang="en-US" sz="1600" b="0" i="0" u="none" strike="noStrike">
+                        <a:rPr lang="ja-JP" altLang="en-US" sz="1800" b="0" i="0" u="none" strike="noStrike">
                           <a:solidFill>
                             <a:srgbClr val="000000"/>
                           </a:solidFill>
@@ -7976,7 +7978,7 @@
                         </a:rPr>
                       </a:br>
                       <a:r>
-                        <a:rPr lang="ja-JP" altLang="en-US" sz="1600" b="0" i="0" u="none" strike="noStrike">
+                        <a:rPr lang="ja-JP" altLang="en-US" sz="1800" b="0" i="0" u="none" strike="noStrike">
                           <a:solidFill>
                             <a:srgbClr val="000000"/>
                           </a:solidFill>
@@ -8034,7 +8036,7 @@
                     <a:p>
                       <a:pPr algn="ctr" fontAlgn="ctr"/>
                       <a:r>
-                        <a:rPr lang="ja-JP" altLang="en-US" sz="1600" b="0" i="0" u="none" strike="noStrike">
+                        <a:rPr lang="ja-JP" altLang="en-US" sz="1800" b="0" i="0" u="none" strike="noStrike">
                           <a:solidFill>
                             <a:srgbClr val="000000"/>
                           </a:solidFill>
@@ -8044,7 +8046,7 @@
                         </a:rPr>
                         <a:t>○</a:t>
                       </a:r>
-                      <a:endParaRPr lang="en-US" altLang="ja-JP" sz="1600" b="0" i="0" u="none" strike="noStrike" dirty="0">
+                      <a:endParaRPr lang="en-US" altLang="ja-JP" sz="1800" b="0" i="0" u="none" strike="noStrike" dirty="0">
                         <a:solidFill>
                           <a:srgbClr val="000000"/>
                         </a:solidFill>
@@ -8056,7 +8058,7 @@
                     <a:p>
                       <a:pPr algn="ctr" fontAlgn="ctr"/>
                       <a:r>
-                        <a:rPr lang="ja-JP" altLang="en-US" sz="1600" b="0" i="0" u="none" strike="noStrike">
+                        <a:rPr lang="ja-JP" altLang="en-US" sz="1800" b="0" i="0" u="none" strike="noStrike">
                           <a:solidFill>
                             <a:srgbClr val="000000"/>
                           </a:solidFill>
@@ -8066,7 +8068,7 @@
                         </a:rPr>
                         <a:t>パソコン、</a:t>
                       </a:r>
-                      <a:endParaRPr lang="en-US" altLang="ja-JP" sz="1600" b="0" i="0" u="none" strike="noStrike">
+                      <a:endParaRPr lang="en-US" altLang="ja-JP" sz="1800" b="0" i="0" u="none" strike="noStrike">
                         <a:solidFill>
                           <a:srgbClr val="000000"/>
                         </a:solidFill>
@@ -8078,7 +8080,7 @@
                     <a:p>
                       <a:pPr algn="ctr" fontAlgn="ctr"/>
                       <a:r>
-                        <a:rPr lang="ja-JP" altLang="en-US" sz="1600" b="0" i="0" u="none" strike="noStrike">
+                        <a:rPr lang="ja-JP" altLang="en-US" sz="1800" b="0" i="0" u="none" strike="noStrike">
                           <a:solidFill>
                             <a:srgbClr val="000000"/>
                           </a:solidFill>
@@ -8089,7 +8091,7 @@
                         <a:t>携帯電話（</a:t>
                       </a:r>
                       <a:r>
-                        <a:rPr lang="en" sz="1600" b="0" i="0" u="none" strike="noStrike" dirty="0">
+                        <a:rPr lang="en" sz="1800" b="0" i="0" u="none" strike="noStrike" dirty="0">
                           <a:solidFill>
                             <a:srgbClr val="000000"/>
                           </a:solidFill>
@@ -8100,7 +8102,7 @@
                         <a:t>WEB</a:t>
                       </a:r>
                       <a:r>
-                        <a:rPr lang="ja-JP" altLang="en-US" sz="1600" b="0" i="0" u="none" strike="noStrike">
+                        <a:rPr lang="ja-JP" altLang="en-US" sz="1800" b="0" i="0" u="none" strike="noStrike">
                           <a:solidFill>
                             <a:srgbClr val="000000"/>
                           </a:solidFill>
@@ -8157,7 +8159,7 @@
                   </a:ext>
                 </a:extLst>
               </a:tr>
-              <a:tr h="846454">
+              <a:tr h="843970">
                 <a:tc>
                   <a:txBody>
                     <a:bodyPr/>
@@ -8165,7 +8167,7 @@
                     <a:p>
                       <a:pPr algn="ctr" fontAlgn="ctr"/>
                       <a:r>
-                        <a:rPr lang="ja-JP" altLang="en-US" sz="1600" b="1" i="0" u="none" strike="noStrike">
+                        <a:rPr lang="ja-JP" altLang="en-US" sz="1800" b="1" i="0" u="none" strike="noStrike">
                           <a:solidFill>
                             <a:srgbClr val="000000"/>
                           </a:solidFill>
@@ -8176,7 +8178,7 @@
                         <a:t>コンテンツやサーバーに対する</a:t>
                       </a:r>
                       <a:br>
-                        <a:rPr lang="ja-JP" altLang="en-US" sz="1600" b="1" i="0" u="none" strike="noStrike">
+                        <a:rPr lang="ja-JP" altLang="en-US" sz="1800" b="1" i="0" u="none" strike="noStrike">
                           <a:solidFill>
                             <a:srgbClr val="000000"/>
                           </a:solidFill>
@@ -8186,7 +8188,7 @@
                         </a:rPr>
                       </a:br>
                       <a:r>
-                        <a:rPr lang="ja-JP" altLang="en-US" sz="1600" b="1" i="0" u="none" strike="noStrike">
+                        <a:rPr lang="ja-JP" altLang="en-US" sz="1800" b="1" i="0" u="none" strike="noStrike">
                           <a:solidFill>
                             <a:srgbClr val="000000"/>
                           </a:solidFill>
@@ -8247,7 +8249,7 @@
                     <a:p>
                       <a:pPr algn="ctr" fontAlgn="ctr"/>
                       <a:r>
-                        <a:rPr lang="ja-JP" altLang="en-US" sz="1600" b="0" i="0" u="none" strike="noStrike">
+                        <a:rPr lang="ja-JP" altLang="en-US" sz="1800" b="0" i="0" u="none" strike="noStrike">
                           <a:solidFill>
                             <a:srgbClr val="000000"/>
                           </a:solidFill>
@@ -8257,7 +8259,7 @@
                         </a:rPr>
                         <a:t>△</a:t>
                       </a:r>
-                      <a:endParaRPr lang="en-US" altLang="ja-JP" sz="1600" b="0" i="0" u="none" strike="noStrike" dirty="0">
+                      <a:endParaRPr lang="en-US" altLang="ja-JP" sz="1800" b="0" i="0" u="none" strike="noStrike" dirty="0">
                         <a:solidFill>
                           <a:srgbClr val="000000"/>
                         </a:solidFill>
@@ -8269,7 +8271,7 @@
                     <a:p>
                       <a:pPr algn="ctr" fontAlgn="ctr"/>
                       <a:r>
-                        <a:rPr lang="ja-JP" altLang="en-US" sz="1600" b="0" i="0" u="none" strike="noStrike">
+                        <a:rPr lang="ja-JP" altLang="en-US" sz="1800" b="0" i="0" u="none" strike="noStrike">
                           <a:solidFill>
                             <a:srgbClr val="000000"/>
                           </a:solidFill>
@@ -8327,7 +8329,7 @@
                     <a:p>
                       <a:pPr algn="ctr" fontAlgn="ctr"/>
                       <a:r>
-                        <a:rPr lang="ja-JP" altLang="en-US" sz="1600" b="0" i="0" u="none" strike="noStrike">
+                        <a:rPr lang="ja-JP" altLang="en-US" sz="1800" b="0" i="0" u="none" strike="noStrike">
                           <a:solidFill>
                             <a:srgbClr val="000000"/>
                           </a:solidFill>
@@ -8337,7 +8339,7 @@
                         </a:rPr>
                         <a:t>○</a:t>
                       </a:r>
-                      <a:endParaRPr lang="en-US" altLang="ja-JP" sz="1600" b="0" i="0" u="none" strike="noStrike" dirty="0">
+                      <a:endParaRPr lang="en-US" altLang="ja-JP" sz="1800" b="0" i="0" u="none" strike="noStrike" dirty="0">
                         <a:solidFill>
                           <a:srgbClr val="000000"/>
                         </a:solidFill>
@@ -8349,7 +8351,7 @@
                     <a:p>
                       <a:pPr algn="ctr" fontAlgn="ctr"/>
                       <a:r>
-                        <a:rPr lang="ja-JP" altLang="en-US" sz="1600" b="0" i="0" u="none" strike="noStrike">
+                        <a:rPr lang="ja-JP" altLang="en-US" sz="1800" b="0" i="0" u="none" strike="noStrike">
                           <a:solidFill>
                             <a:srgbClr val="000000"/>
                           </a:solidFill>
@@ -8406,7 +8408,7 @@
                   </a:ext>
                 </a:extLst>
               </a:tr>
-              <a:tr h="542769">
+              <a:tr h="541176">
                 <a:tc>
                   <a:txBody>
                     <a:bodyPr/>
@@ -8414,7 +8416,7 @@
                     <a:p>
                       <a:pPr algn="ctr" fontAlgn="ctr"/>
                       <a:r>
-                        <a:rPr lang="ja-JP" altLang="en-US" sz="1600" b="1" i="0" u="none" strike="noStrike">
+                        <a:rPr lang="ja-JP" altLang="en-US" sz="1800" b="1" i="0" u="none" strike="noStrike">
                           <a:solidFill>
                             <a:srgbClr val="000000"/>
                           </a:solidFill>
@@ -8475,7 +8477,7 @@
                     <a:p>
                       <a:pPr algn="ctr" fontAlgn="ctr"/>
                       <a:r>
-                        <a:rPr lang="ja-JP" altLang="en-US" sz="1600" b="0" i="0" u="none" strike="noStrike">
+                        <a:rPr lang="ja-JP" altLang="en-US" sz="1800" b="0" i="0" u="none" strike="noStrike">
                           <a:solidFill>
                             <a:srgbClr val="000000"/>
                           </a:solidFill>
@@ -8485,7 +8487,7 @@
                         </a:rPr>
                         <a:t>○</a:t>
                       </a:r>
-                      <a:endParaRPr lang="en-US" altLang="ja-JP" sz="1600" b="0" i="0" u="none" strike="noStrike" dirty="0">
+                      <a:endParaRPr lang="en-US" altLang="ja-JP" sz="1800" b="0" i="0" u="none" strike="noStrike" dirty="0">
                         <a:solidFill>
                           <a:srgbClr val="000000"/>
                         </a:solidFill>
@@ -8497,7 +8499,7 @@
                     <a:p>
                       <a:pPr algn="ctr" fontAlgn="ctr"/>
                       <a:r>
-                        <a:rPr lang="ja-JP" altLang="en-US" sz="1600" b="0" i="0" u="none" strike="noStrike">
+                        <a:rPr lang="ja-JP" altLang="en-US" sz="1800" b="0" i="0" u="none" strike="noStrike">
                           <a:solidFill>
                             <a:srgbClr val="000000"/>
                           </a:solidFill>
@@ -8555,7 +8557,7 @@
                     <a:p>
                       <a:pPr algn="ctr" fontAlgn="ctr"/>
                       <a:r>
-                        <a:rPr lang="ja-JP" altLang="en-US" sz="1600" b="0" i="0" u="none" strike="noStrike">
+                        <a:rPr lang="ja-JP" altLang="en-US" sz="1800" b="0" i="0" u="none" strike="noStrike">
                           <a:solidFill>
                             <a:srgbClr val="000000"/>
                           </a:solidFill>
@@ -8565,7 +8567,7 @@
                         </a:rPr>
                         <a:t>△</a:t>
                       </a:r>
-                      <a:endParaRPr lang="en-US" altLang="ja-JP" sz="1600" b="0" i="0" u="none" strike="noStrike" dirty="0">
+                      <a:endParaRPr lang="en-US" altLang="ja-JP" sz="1800" b="0" i="0" u="none" strike="noStrike" dirty="0">
                         <a:solidFill>
                           <a:srgbClr val="000000"/>
                         </a:solidFill>
@@ -8577,7 +8579,7 @@
                     <a:p>
                       <a:pPr algn="ctr" fontAlgn="ctr"/>
                       <a:r>
-                        <a:rPr lang="ja-JP" altLang="en-US" sz="1600" b="0" i="0" u="none" strike="noStrike">
+                        <a:rPr lang="ja-JP" altLang="en-US" sz="1800" b="0" i="0" u="none" strike="noStrike">
                           <a:solidFill>
                             <a:srgbClr val="000000"/>
                           </a:solidFill>
@@ -8634,7 +8636,7 @@
                   </a:ext>
                 </a:extLst>
               </a:tr>
-              <a:tr h="527232">
+              <a:tr h="525684">
                 <a:tc>
                   <a:txBody>
                     <a:bodyPr/>
@@ -8642,7 +8644,7 @@
                     <a:p>
                       <a:pPr algn="ctr" fontAlgn="ctr"/>
                       <a:r>
-                        <a:rPr lang="ja-JP" altLang="en-US" sz="1600" b="1" i="0" u="none" strike="noStrike">
+                        <a:rPr lang="ja-JP" altLang="en-US" sz="1800" b="1" i="0" u="none" strike="noStrike">
                           <a:solidFill>
                             <a:srgbClr val="000000"/>
                           </a:solidFill>
@@ -8703,7 +8705,7 @@
                     <a:p>
                       <a:pPr algn="ctr" fontAlgn="ctr"/>
                       <a:r>
-                        <a:rPr lang="ja-JP" altLang="en-US" sz="1600" b="0" i="0" u="none" strike="noStrike">
+                        <a:rPr lang="ja-JP" altLang="en-US" sz="1800" b="0" i="0" u="none" strike="noStrike">
                           <a:solidFill>
                             <a:srgbClr val="000000"/>
                           </a:solidFill>
@@ -8713,7 +8715,7 @@
                         </a:rPr>
                         <a:t>△</a:t>
                       </a:r>
-                      <a:endParaRPr lang="en-US" altLang="ja-JP" sz="1600" b="0" i="0" u="none" strike="noStrike" dirty="0">
+                      <a:endParaRPr lang="en-US" altLang="ja-JP" sz="1800" b="0" i="0" u="none" strike="noStrike" dirty="0">
                         <a:solidFill>
                           <a:srgbClr val="000000"/>
                         </a:solidFill>
@@ -8725,7 +8727,7 @@
                     <a:p>
                       <a:pPr algn="ctr" fontAlgn="ctr"/>
                       <a:r>
-                        <a:rPr lang="ja-JP" altLang="en-US" sz="1600" b="0" i="0" u="none" strike="noStrike">
+                        <a:rPr lang="ja-JP" altLang="en-US" sz="1800" b="0" i="0" u="none" strike="noStrike">
                           <a:solidFill>
                             <a:srgbClr val="000000"/>
                           </a:solidFill>
@@ -8783,7 +8785,7 @@
                     <a:p>
                       <a:pPr algn="ctr" fontAlgn="ctr"/>
                       <a:r>
-                        <a:rPr lang="ja-JP" altLang="en-US" sz="1600" b="0" i="0" u="none" strike="noStrike">
+                        <a:rPr lang="ja-JP" altLang="en-US" sz="1800" b="0" i="0" u="none" strike="noStrike">
                           <a:solidFill>
                             <a:srgbClr val="000000"/>
                           </a:solidFill>
@@ -8793,7 +8795,7 @@
                         </a:rPr>
                         <a:t>○</a:t>
                       </a:r>
-                      <a:endParaRPr lang="en-US" altLang="ja-JP" sz="1600" b="0" i="0" u="none" strike="noStrike" dirty="0">
+                      <a:endParaRPr lang="en-US" altLang="ja-JP" sz="1800" b="0" i="0" u="none" strike="noStrike" dirty="0">
                         <a:solidFill>
                           <a:srgbClr val="000000"/>
                         </a:solidFill>
@@ -8805,7 +8807,7 @@
                     <a:p>
                       <a:pPr algn="ctr" fontAlgn="ctr"/>
                       <a:r>
-                        <a:rPr lang="ja-JP" altLang="en-US" sz="1600" b="0" i="0" u="none" strike="noStrike">
+                        <a:rPr lang="ja-JP" altLang="en-US" sz="1800" b="0" i="0" u="none" strike="noStrike">
                           <a:solidFill>
                             <a:srgbClr val="000000"/>
                           </a:solidFill>
@@ -8862,7 +8864,7 @@
                   </a:ext>
                 </a:extLst>
               </a:tr>
-              <a:tr h="634839">
+              <a:tr h="737103">
                 <a:tc>
                   <a:txBody>
                     <a:bodyPr/>
@@ -8870,7 +8872,7 @@
                     <a:p>
                       <a:pPr algn="ctr" fontAlgn="ctr"/>
                       <a:r>
-                        <a:rPr lang="ja-JP" altLang="en-US" sz="1600" b="1" i="0" u="none" strike="noStrike">
+                        <a:rPr lang="ja-JP" altLang="en-US" sz="1800" b="1" i="0" u="none" strike="noStrike">
                           <a:solidFill>
                             <a:srgbClr val="000000"/>
                           </a:solidFill>
@@ -8931,7 +8933,7 @@
                     <a:p>
                       <a:pPr algn="ctr" fontAlgn="ctr"/>
                       <a:r>
-                        <a:rPr lang="ja-JP" altLang="en-US" sz="1600" b="0" i="0" u="none" strike="noStrike">
+                        <a:rPr lang="ja-JP" altLang="en-US" sz="1800" b="0" i="0" u="none" strike="noStrike">
                           <a:solidFill>
                             <a:srgbClr val="000000"/>
                           </a:solidFill>
@@ -8941,7 +8943,7 @@
                         </a:rPr>
                         <a:t>△</a:t>
                       </a:r>
-                      <a:endParaRPr lang="en" sz="1600" b="0" i="0" u="none" strike="noStrike" dirty="0">
+                      <a:endParaRPr lang="en" sz="1800" b="0" i="0" u="none" strike="noStrike" dirty="0">
                         <a:solidFill>
                           <a:srgbClr val="000000"/>
                         </a:solidFill>
@@ -8953,7 +8955,7 @@
                     <a:p>
                       <a:pPr algn="ctr" fontAlgn="ctr"/>
                       <a:r>
-                        <a:rPr lang="en" sz="1600" b="0" i="0" u="none" strike="noStrike" dirty="0">
+                        <a:rPr lang="en" sz="1800" b="0" i="0" u="none" strike="noStrike" dirty="0">
                           <a:solidFill>
                             <a:srgbClr val="000000"/>
                           </a:solidFill>
@@ -8964,7 +8966,7 @@
                         <a:t>NAT（</a:t>
                       </a:r>
                       <a:r>
-                        <a:rPr lang="ja-JP" altLang="en-US" sz="1600" b="0" i="0" u="none" strike="noStrike">
+                        <a:rPr lang="ja-JP" altLang="en-US" sz="1800" b="0" i="0" u="none" strike="noStrike">
                           <a:solidFill>
                             <a:srgbClr val="000000"/>
                           </a:solidFill>
@@ -8975,7 +8977,7 @@
                         <a:t>アドレス変換）、ファイアー</a:t>
                       </a:r>
                       <a:br>
-                        <a:rPr lang="ja-JP" altLang="en-US" sz="1600" b="0" i="0" u="none" strike="noStrike">
+                        <a:rPr lang="ja-JP" altLang="en-US" sz="1800" b="0" i="0" u="none" strike="noStrike">
                           <a:solidFill>
                             <a:srgbClr val="000000"/>
                           </a:solidFill>
@@ -8985,7 +8987,7 @@
                         </a:rPr>
                       </a:br>
                       <a:r>
-                        <a:rPr lang="ja-JP" altLang="en-US" sz="1600" b="0" i="0" u="none" strike="noStrike">
+                        <a:rPr lang="ja-JP" altLang="en-US" sz="1800" b="0" i="0" u="none" strike="noStrike">
                           <a:solidFill>
                             <a:srgbClr val="000000"/>
                           </a:solidFill>
@@ -9043,7 +9045,7 @@
                     <a:p>
                       <a:pPr algn="ctr" fontAlgn="ctr"/>
                       <a:r>
-                        <a:rPr lang="ja-JP" altLang="en-US" sz="1600" b="0" i="0" u="none" strike="noStrike">
+                        <a:rPr lang="ja-JP" altLang="en-US" sz="1800" b="0" i="0" u="none" strike="noStrike">
                           <a:solidFill>
                             <a:srgbClr val="000000"/>
                           </a:solidFill>
@@ -9053,7 +9055,7 @@
                         </a:rPr>
                         <a:t>○</a:t>
                       </a:r>
-                      <a:endParaRPr lang="en-US" altLang="ja-JP" sz="1600" b="0" i="0" u="none" strike="noStrike" dirty="0">
+                      <a:endParaRPr lang="en-US" altLang="ja-JP" sz="1800" b="0" i="0" u="none" strike="noStrike" dirty="0">
                         <a:solidFill>
                           <a:srgbClr val="000000"/>
                         </a:solidFill>
@@ -9065,7 +9067,7 @@
                     <a:p>
                       <a:pPr algn="ctr" fontAlgn="ctr"/>
                       <a:r>
-                        <a:rPr lang="ja-JP" altLang="en-US" sz="1600" b="0" i="0" u="none" strike="noStrike">
+                        <a:rPr lang="ja-JP" altLang="en-US" sz="1800" b="0" i="0" u="none" strike="noStrike">
                           <a:solidFill>
                             <a:srgbClr val="000000"/>
                           </a:solidFill>
@@ -9122,7 +9124,7 @@
                   </a:ext>
                 </a:extLst>
               </a:tr>
-              <a:tr h="649954">
+              <a:tr h="648047">
                 <a:tc>
                   <a:txBody>
                     <a:bodyPr/>
@@ -9130,7 +9132,7 @@
                     <a:p>
                       <a:pPr algn="ctr" fontAlgn="ctr"/>
                       <a:r>
-                        <a:rPr lang="ja-JP" altLang="en-US" sz="1600" b="1" i="0" u="none" strike="noStrike">
+                        <a:rPr lang="ja-JP" altLang="en-US" sz="1800" b="1" i="0" u="none" strike="noStrike">
                           <a:solidFill>
                             <a:srgbClr val="000000"/>
                           </a:solidFill>
@@ -9191,7 +9193,7 @@
                     <a:p>
                       <a:pPr algn="ctr" fontAlgn="ctr"/>
                       <a:r>
-                        <a:rPr lang="ja-JP" altLang="en-US" sz="1600" b="0" i="0" u="none" strike="noStrike">
+                        <a:rPr lang="ja-JP" altLang="en-US" sz="1800" b="0" i="0" u="none" strike="noStrike">
                           <a:solidFill>
                             <a:srgbClr val="000000"/>
                           </a:solidFill>
@@ -9201,7 +9203,7 @@
                         </a:rPr>
                         <a:t>○</a:t>
                       </a:r>
-                      <a:endParaRPr lang="en" sz="1600" b="0" i="0" u="none" strike="noStrike" dirty="0">
+                      <a:endParaRPr lang="en" sz="1800" b="0" i="0" u="none" strike="noStrike" dirty="0">
                         <a:solidFill>
                           <a:srgbClr val="000000"/>
                         </a:solidFill>
@@ -9213,7 +9215,7 @@
                     <a:p>
                       <a:pPr algn="ctr" fontAlgn="ctr"/>
                       <a:r>
-                        <a:rPr lang="en" sz="1600" b="0" i="0" u="none" strike="noStrike" dirty="0">
+                        <a:rPr lang="en" sz="1800" b="0" i="0" u="none" strike="noStrike" dirty="0">
                           <a:solidFill>
                             <a:srgbClr val="000000"/>
                           </a:solidFill>
@@ -9224,7 +9226,7 @@
                         <a:t>SSL-VPN</a:t>
                       </a:r>
                       <a:r>
-                        <a:rPr lang="ja-JP" altLang="en-US" sz="1600" b="0" i="0" u="none" strike="noStrike">
+                        <a:rPr lang="ja-JP" altLang="en-US" sz="1800" b="0" i="0" u="none" strike="noStrike">
                           <a:solidFill>
                             <a:srgbClr val="000000"/>
                           </a:solidFill>
@@ -9282,7 +9284,7 @@
                     <a:p>
                       <a:pPr algn="ctr" fontAlgn="ctr"/>
                       <a:r>
-                        <a:rPr lang="ja-JP" altLang="en-US" sz="1600" b="0" i="0" u="none" strike="noStrike">
+                        <a:rPr lang="ja-JP" altLang="en-US" sz="1800" b="0" i="0" u="none" strike="noStrike">
                           <a:solidFill>
                             <a:srgbClr val="000000"/>
                           </a:solidFill>
@@ -9292,7 +9294,7 @@
                         </a:rPr>
                         <a:t>△</a:t>
                       </a:r>
-                      <a:endParaRPr lang="en" sz="1600" b="0" i="0" u="none" strike="noStrike" dirty="0">
+                      <a:endParaRPr lang="en" sz="1800" b="0" i="0" u="none" strike="noStrike" dirty="0">
                         <a:solidFill>
                           <a:srgbClr val="000000"/>
                         </a:solidFill>
@@ -9304,7 +9306,7 @@
                     <a:p>
                       <a:pPr algn="ctr" fontAlgn="ctr"/>
                       <a:r>
-                        <a:rPr lang="en" sz="1600" b="0" i="0" u="none" strike="noStrike" dirty="0">
+                        <a:rPr lang="en" sz="1800" b="0" i="0" u="none" strike="noStrike" dirty="0">
                           <a:solidFill>
                             <a:srgbClr val="000000"/>
                           </a:solidFill>
@@ -9315,7 +9317,7 @@
                         <a:t>IPSec-VPN</a:t>
                       </a:r>
                       <a:r>
-                        <a:rPr lang="ja-JP" altLang="en-US" sz="1600" b="0" i="0" u="none" strike="noStrike">
+                        <a:rPr lang="ja-JP" altLang="en-US" sz="1800" b="0" i="0" u="none" strike="noStrike">
                           <a:solidFill>
                             <a:srgbClr val="000000"/>
                           </a:solidFill>
@@ -9421,42 +9423,42 @@
           <p:nvPr>
             <p:extLst>
               <p:ext uri="{D42A27DB-BD31-4B8C-83A1-F6EECF244321}">
-                <p14:modId xmlns:p14="http://schemas.microsoft.com/office/powerpoint/2010/main" val="2621402708"/>
+                <p14:modId xmlns:p14="http://schemas.microsoft.com/office/powerpoint/2010/main" val="759610164"/>
               </p:ext>
             </p:extLst>
           </p:nvPr>
         </p:nvGraphicFramePr>
         <p:xfrm>
-          <a:off x="421240" y="339047"/>
-          <a:ext cx="11517330" cy="5998943"/>
+          <a:off x="102742" y="205483"/>
+          <a:ext cx="11989940" cy="6462445"/>
         </p:xfrm>
         <a:graphic>
           <a:graphicData uri="http://schemas.openxmlformats.org/drawingml/2006/table">
             <a:tbl>
               <a:tblPr/>
               <a:tblGrid>
-                <a:gridCol w="2517169">
+                <a:gridCol w="1941815">
                   <a:extLst>
                     <a:ext uri="{9D8B030D-6E8A-4147-A177-3AD203B41FA5}">
                       <a16:colId xmlns:a16="http://schemas.microsoft.com/office/drawing/2014/main" val="2067368830"/>
                     </a:ext>
                   </a:extLst>
                 </a:gridCol>
-                <a:gridCol w="3033977">
+                <a:gridCol w="3246634">
                   <a:extLst>
                     <a:ext uri="{9D8B030D-6E8A-4147-A177-3AD203B41FA5}">
                       <a16:colId xmlns:a16="http://schemas.microsoft.com/office/drawing/2014/main" val="1221623990"/>
                     </a:ext>
                   </a:extLst>
                 </a:gridCol>
-                <a:gridCol w="2962969">
+                <a:gridCol w="3482939">
                   <a:extLst>
                     <a:ext uri="{9D8B030D-6E8A-4147-A177-3AD203B41FA5}">
                       <a16:colId xmlns:a16="http://schemas.microsoft.com/office/drawing/2014/main" val="2011437720"/>
                     </a:ext>
                   </a:extLst>
                 </a:gridCol>
-                <a:gridCol w="3003215">
+                <a:gridCol w="3318552">
                   <a:extLst>
                     <a:ext uri="{9D8B030D-6E8A-4147-A177-3AD203B41FA5}">
                       <a16:colId xmlns:a16="http://schemas.microsoft.com/office/drawing/2014/main" val="2453905515"/>
@@ -9464,7 +9466,7 @@
                   </a:extLst>
                 </a:gridCol>
               </a:tblGrid>
-              <a:tr h="1155110">
+              <a:tr h="905028">
                 <a:tc>
                   <a:txBody>
                     <a:bodyPr/>
@@ -9472,7 +9474,7 @@
                     <a:p>
                       <a:pPr algn="ctr" fontAlgn="ctr"/>
                       <a:r>
-                        <a:rPr lang="ja-JP" altLang="en-US" sz="1800" b="1" i="0" u="none" strike="noStrike">
+                        <a:rPr lang="ja-JP" altLang="en-US" sz="2000" b="1" i="0" u="none" strike="noStrike">
                           <a:ln>
                             <a:solidFill>
                               <a:sysClr val="windowText" lastClr="000000"/>
@@ -9540,7 +9542,7 @@
                     <a:p>
                       <a:pPr algn="ctr" fontAlgn="ctr"/>
                       <a:r>
-                        <a:rPr lang="ja-JP" altLang="en-US" sz="1800" b="1" i="0" u="none" strike="noStrike">
+                        <a:rPr lang="ja-JP" altLang="en-US" sz="2000" b="1" i="0" u="none" strike="noStrike">
                           <a:ln>
                             <a:solidFill>
                               <a:sysClr val="windowText" lastClr="000000"/>
@@ -9608,7 +9610,7 @@
                     <a:p>
                       <a:pPr algn="ctr" fontAlgn="ctr"/>
                       <a:r>
-                        <a:rPr lang="ja-JP" altLang="en-US" sz="1800" b="1" i="0" u="none" strike="noStrike">
+                        <a:rPr lang="ja-JP" altLang="en-US" sz="2000" b="1" i="0" u="none" strike="noStrike">
                           <a:ln>
                             <a:solidFill>
                               <a:sysClr val="windowText" lastClr="000000"/>
@@ -9676,7 +9678,7 @@
                     <a:p>
                       <a:pPr algn="ctr" fontAlgn="ctr"/>
                       <a:r>
-                        <a:rPr lang="en" sz="1800" b="1" i="0" u="none" strike="noStrike" dirty="0">
+                        <a:rPr lang="en" sz="2000" b="1" i="0" u="none" strike="noStrike" dirty="0">
                           <a:ln>
                             <a:solidFill>
                               <a:sysClr val="windowText" lastClr="000000"/>
@@ -9692,7 +9694,7 @@
                         <a:t>L2</a:t>
                       </a:r>
                       <a:r>
-                        <a:rPr lang="ja-JP" altLang="en-US" sz="1800" b="1" i="0" u="none" strike="noStrike">
+                        <a:rPr lang="ja-JP" altLang="en-US" sz="2000" b="1" i="0" u="none" strike="noStrike">
                           <a:ln>
                             <a:solidFill>
                               <a:sysClr val="windowText" lastClr="000000"/>
@@ -9759,7 +9761,7 @@
                   </a:ext>
                 </a:extLst>
               </a:tr>
-              <a:tr h="1284669">
+              <a:tr h="1473924">
                 <a:tc>
                   <a:txBody>
                     <a:bodyPr/>
@@ -9767,7 +9769,7 @@
                     <a:p>
                       <a:pPr algn="ctr" fontAlgn="ctr"/>
                       <a:r>
-                        <a:rPr lang="ja-JP" altLang="en-US" sz="1600" b="1" i="0" u="none" strike="noStrike">
+                        <a:rPr lang="ja-JP" altLang="en-US" sz="1800" b="1" i="0" u="none" strike="noStrike">
                           <a:solidFill>
                             <a:srgbClr val="000000"/>
                           </a:solidFill>
@@ -9830,7 +9832,7 @@
                     <a:p>
                       <a:pPr algn="ctr" fontAlgn="ctr"/>
                       <a:r>
-                        <a:rPr lang="en" sz="1600" b="0" i="0" u="none" strike="noStrike" dirty="0">
+                        <a:rPr lang="en" sz="1800" b="0" i="0" u="none" strike="noStrike" dirty="0">
                           <a:solidFill>
                             <a:srgbClr val="000000"/>
                           </a:solidFill>
@@ -9841,7 +9843,7 @@
                         <a:t>WEB</a:t>
                       </a:r>
                       <a:r>
-                        <a:rPr lang="ja-JP" altLang="en-US" sz="1600" b="0" i="0" u="none" strike="noStrike">
+                        <a:rPr lang="ja-JP" altLang="en-US" sz="1800" b="0" i="0" u="none" strike="noStrike">
                           <a:solidFill>
                             <a:srgbClr val="000000"/>
                           </a:solidFill>
@@ -9899,7 +9901,7 @@
                     <a:p>
                       <a:pPr algn="ctr" fontAlgn="ctr"/>
                       <a:r>
-                        <a:rPr lang="en" sz="1600" b="0" i="0" u="none" strike="noStrike" dirty="0">
+                        <a:rPr lang="en" sz="1800" b="0" i="0" u="none" strike="noStrike" dirty="0">
                           <a:solidFill>
                             <a:srgbClr val="000000"/>
                           </a:solidFill>
@@ -9910,7 +9912,7 @@
                         <a:t>WEB</a:t>
                       </a:r>
                       <a:r>
-                        <a:rPr lang="ja-JP" altLang="en-US" sz="1600" b="0" i="0" u="none" strike="noStrike">
+                        <a:rPr lang="ja-JP" altLang="en-US" sz="1800" b="0" i="0" u="none" strike="noStrike">
                           <a:solidFill>
                             <a:srgbClr val="000000"/>
                           </a:solidFill>
@@ -9921,7 +9923,7 @@
                         <a:t>ブラウザ＋モジュール（</a:t>
                       </a:r>
                       <a:r>
-                        <a:rPr lang="en" sz="1600" b="0" i="0" u="none" strike="noStrike" dirty="0">
+                        <a:rPr lang="en" sz="1800" b="0" i="0" u="none" strike="noStrike" dirty="0">
                           <a:solidFill>
                             <a:srgbClr val="000000"/>
                           </a:solidFill>
@@ -9932,7 +9934,7 @@
                         <a:t>WEB</a:t>
                       </a:r>
                       <a:r>
-                        <a:rPr lang="ja-JP" altLang="en-US" sz="1600" b="0" i="0" u="none" strike="noStrike">
+                        <a:rPr lang="ja-JP" altLang="en-US" sz="1800" b="0" i="0" u="none" strike="noStrike">
                           <a:solidFill>
                             <a:srgbClr val="000000"/>
                           </a:solidFill>
@@ -9990,7 +9992,7 @@
                     <a:p>
                       <a:pPr algn="ctr" fontAlgn="ctr"/>
                       <a:r>
-                        <a:rPr lang="en" sz="1600" b="0" i="0" u="none" strike="noStrike" dirty="0">
+                        <a:rPr lang="en" sz="1800" b="0" i="0" u="none" strike="noStrike" dirty="0">
                           <a:solidFill>
                             <a:srgbClr val="000000"/>
                           </a:solidFill>
@@ -10001,7 +10003,7 @@
                         <a:t>WEB</a:t>
                       </a:r>
                       <a:r>
-                        <a:rPr lang="ja-JP" altLang="en-US" sz="1600" b="0" i="0" u="none" strike="noStrike">
+                        <a:rPr lang="ja-JP" altLang="en-US" sz="1800" b="0" i="0" u="none" strike="noStrike">
                           <a:solidFill>
                             <a:srgbClr val="000000"/>
                           </a:solidFill>
@@ -10012,7 +10014,7 @@
                         <a:t>ブラウザ＋モジュール（</a:t>
                       </a:r>
                       <a:r>
-                        <a:rPr lang="en" sz="1600" b="0" i="0" u="none" strike="noStrike" dirty="0">
+                        <a:rPr lang="en" sz="1800" b="0" i="0" u="none" strike="noStrike" dirty="0">
                           <a:solidFill>
                             <a:srgbClr val="000000"/>
                           </a:solidFill>
@@ -10023,7 +10025,7 @@
                         <a:t>WEB</a:t>
                       </a:r>
                       <a:r>
-                        <a:rPr lang="ja-JP" altLang="en-US" sz="1600" b="0" i="0" u="none" strike="noStrike">
+                        <a:rPr lang="ja-JP" altLang="en-US" sz="1800" b="0" i="0" u="none" strike="noStrike">
                           <a:solidFill>
                             <a:srgbClr val="000000"/>
                           </a:solidFill>
@@ -10080,7 +10082,7 @@
                   </a:ext>
                 </a:extLst>
               </a:tr>
-              <a:tr h="884526">
+              <a:tr h="1014833">
                 <a:tc>
                   <a:txBody>
                     <a:bodyPr/>
@@ -10088,7 +10090,7 @@
                     <a:p>
                       <a:pPr algn="ctr" fontAlgn="ctr"/>
                       <a:r>
-                        <a:rPr lang="ja-JP" altLang="en-US" sz="1600" b="1" i="0" u="none" strike="noStrike">
+                        <a:rPr lang="ja-JP" altLang="en-US" sz="1800" b="1" i="0" u="none" strike="noStrike">
                           <a:solidFill>
                             <a:srgbClr val="000000"/>
                           </a:solidFill>
@@ -10151,7 +10153,7 @@
                     <a:p>
                       <a:pPr algn="ctr" fontAlgn="ctr"/>
                       <a:r>
-                        <a:rPr lang="ja-JP" altLang="en-US" sz="1600" b="0" i="0" u="none" strike="noStrike">
+                        <a:rPr lang="ja-JP" altLang="en-US" sz="1800" b="0" i="0" u="none" strike="noStrike">
                           <a:solidFill>
                             <a:srgbClr val="000000"/>
                           </a:solidFill>
@@ -10161,7 +10163,7 @@
                         </a:rPr>
                         <a:t>△</a:t>
                       </a:r>
-                      <a:endParaRPr lang="en" sz="1600" b="0" i="0" u="none" strike="noStrike" dirty="0">
+                      <a:endParaRPr lang="en" sz="1800" b="0" i="0" u="none" strike="noStrike" dirty="0">
                         <a:solidFill>
                           <a:srgbClr val="000000"/>
                         </a:solidFill>
@@ -10173,7 +10175,7 @@
                     <a:p>
                       <a:pPr algn="ctr" fontAlgn="ctr"/>
                       <a:r>
-                        <a:rPr lang="en" sz="1600" b="0" i="0" u="none" strike="noStrike" dirty="0">
+                        <a:rPr lang="en" sz="1800" b="0" i="0" u="none" strike="noStrike" dirty="0">
                           <a:solidFill>
                             <a:srgbClr val="000000"/>
                           </a:solidFill>
@@ -10184,7 +10186,7 @@
                         <a:t>WEB</a:t>
                       </a:r>
                       <a:r>
-                        <a:rPr lang="ja-JP" altLang="en-US" sz="1600" b="0" i="0" u="none" strike="noStrike">
+                        <a:rPr lang="ja-JP" altLang="en-US" sz="1800" b="0" i="0" u="none" strike="noStrike">
                           <a:solidFill>
                             <a:srgbClr val="000000"/>
                           </a:solidFill>
@@ -10242,7 +10244,7 @@
                     <a:p>
                       <a:pPr algn="ctr" fontAlgn="ctr"/>
                       <a:r>
-                        <a:rPr lang="ja-JP" altLang="en-US" sz="1600" b="0" i="0" u="none" strike="noStrike">
+                        <a:rPr lang="ja-JP" altLang="en-US" sz="1800" b="0" i="0" u="none" strike="noStrike">
                           <a:solidFill>
                             <a:srgbClr val="000000"/>
                           </a:solidFill>
@@ -10252,7 +10254,7 @@
                         </a:rPr>
                         <a:t>○</a:t>
                       </a:r>
-                      <a:endParaRPr lang="en-US" altLang="ja-JP" sz="1600" b="0" i="0" u="none" strike="noStrike" dirty="0">
+                      <a:endParaRPr lang="en-US" altLang="ja-JP" sz="1800" b="0" i="0" u="none" strike="noStrike" dirty="0">
                         <a:solidFill>
                           <a:srgbClr val="000000"/>
                         </a:solidFill>
@@ -10264,7 +10266,7 @@
                     <a:p>
                       <a:pPr algn="ctr" fontAlgn="ctr"/>
                       <a:r>
-                        <a:rPr lang="ja-JP" altLang="en-US" sz="1600" b="0" i="0" u="none" strike="noStrike">
+                        <a:rPr lang="ja-JP" altLang="en-US" sz="1800" b="0" i="0" u="none" strike="noStrike">
                           <a:solidFill>
                             <a:srgbClr val="000000"/>
                           </a:solidFill>
@@ -10322,7 +10324,7 @@
                     <a:p>
                       <a:pPr algn="ctr" fontAlgn="ctr"/>
                       <a:r>
-                        <a:rPr lang="en-US" altLang="ja-JP" sz="1600" b="0" i="0" u="none" strike="noStrike" dirty="0">
+                        <a:rPr lang="en-US" altLang="ja-JP" sz="1800" b="0" i="0" u="none" strike="noStrike" dirty="0">
                           <a:solidFill>
                             <a:srgbClr val="000000"/>
                           </a:solidFill>
@@ -10336,7 +10338,7 @@
                     <a:p>
                       <a:pPr algn="ctr" fontAlgn="ctr"/>
                       <a:r>
-                        <a:rPr lang="ja-JP" altLang="en-US" sz="1600" b="0" i="0" u="none" strike="noStrike">
+                        <a:rPr lang="ja-JP" altLang="en-US" sz="1800" b="0" i="0" u="none" strike="noStrike">
                           <a:solidFill>
                             <a:srgbClr val="000000"/>
                           </a:solidFill>
@@ -10393,7 +10395,7 @@
                   </a:ext>
                 </a:extLst>
               </a:tr>
-              <a:tr h="884526">
+              <a:tr h="1014833">
                 <a:tc>
                   <a:txBody>
                     <a:bodyPr/>
@@ -10401,7 +10403,7 @@
                     <a:p>
                       <a:pPr algn="ctr" fontAlgn="ctr"/>
                       <a:r>
-                        <a:rPr lang="ja-JP" altLang="en-US" sz="1600" b="1" i="0" u="none" strike="noStrike">
+                        <a:rPr lang="ja-JP" altLang="en-US" sz="1800" b="1" i="0" u="none" strike="noStrike">
                           <a:solidFill>
                             <a:srgbClr val="000000"/>
                           </a:solidFill>
@@ -10464,7 +10466,7 @@
                     <a:p>
                       <a:pPr algn="ctr" fontAlgn="ctr"/>
                       <a:r>
-                        <a:rPr lang="ja-JP" altLang="en-US" sz="1600" b="0" i="0" u="none" strike="noStrike">
+                        <a:rPr lang="ja-JP" altLang="en-US" sz="1800" b="0" i="0" u="none" strike="noStrike">
                           <a:solidFill>
                             <a:srgbClr val="000000"/>
                           </a:solidFill>
@@ -10474,7 +10476,7 @@
                         </a:rPr>
                         <a:t>○</a:t>
                       </a:r>
-                      <a:endParaRPr lang="en" sz="1600" b="0" i="0" u="none" strike="noStrike" dirty="0">
+                      <a:endParaRPr lang="en" sz="1800" b="0" i="0" u="none" strike="noStrike" dirty="0">
                         <a:solidFill>
                           <a:srgbClr val="000000"/>
                         </a:solidFill>
@@ -10486,7 +10488,7 @@
                     <a:p>
                       <a:pPr algn="ctr" fontAlgn="ctr"/>
                       <a:r>
-                        <a:rPr lang="en" sz="1600" b="0" i="0" u="none" strike="noStrike" dirty="0">
+                        <a:rPr lang="en" sz="1800" b="0" i="0" u="none" strike="noStrike" dirty="0">
                           <a:solidFill>
                             <a:srgbClr val="000000"/>
                           </a:solidFill>
@@ -10497,7 +10499,7 @@
                         <a:t>WEB</a:t>
                       </a:r>
                       <a:r>
-                        <a:rPr lang="ja-JP" altLang="en-US" sz="1600" b="0" i="0" u="none" strike="noStrike">
+                        <a:rPr lang="ja-JP" altLang="en-US" sz="1800" b="0" i="0" u="none" strike="noStrike">
                           <a:solidFill>
                             <a:srgbClr val="000000"/>
                           </a:solidFill>
@@ -10555,7 +10557,7 @@
                     <a:p>
                       <a:pPr algn="ctr" fontAlgn="ctr"/>
                       <a:r>
-                        <a:rPr lang="ja-JP" altLang="en-US" sz="1600" b="0" i="0" u="none" strike="noStrike">
+                        <a:rPr lang="ja-JP" altLang="en-US" sz="1800" b="0" i="0" u="none" strike="noStrike">
                           <a:solidFill>
                             <a:srgbClr val="000000"/>
                           </a:solidFill>
@@ -10565,7 +10567,7 @@
                         </a:rPr>
                         <a:t>△</a:t>
                       </a:r>
-                      <a:endParaRPr lang="en-US" altLang="ja-JP" sz="1600" b="0" i="0" u="none" strike="noStrike" dirty="0">
+                      <a:endParaRPr lang="en-US" altLang="ja-JP" sz="1800" b="0" i="0" u="none" strike="noStrike" dirty="0">
                         <a:solidFill>
                           <a:srgbClr val="000000"/>
                         </a:solidFill>
@@ -10577,7 +10579,7 @@
                     <a:p>
                       <a:pPr algn="ctr" fontAlgn="ctr"/>
                       <a:r>
-                        <a:rPr lang="ja-JP" altLang="en-US" sz="1600" b="0" i="0" u="none" strike="noStrike">
+                        <a:rPr lang="ja-JP" altLang="en-US" sz="1800" b="0" i="0" u="none" strike="noStrike">
                           <a:solidFill>
                             <a:srgbClr val="000000"/>
                           </a:solidFill>
@@ -10588,7 +10590,7 @@
                         <a:t>モジュールの仕様によって制限</a:t>
                       </a:r>
                       <a:br>
-                        <a:rPr lang="ja-JP" altLang="en-US" sz="1600" b="0" i="0" u="none" strike="noStrike">
+                        <a:rPr lang="ja-JP" altLang="en-US" sz="1800" b="0" i="0" u="none" strike="noStrike">
                           <a:solidFill>
                             <a:srgbClr val="000000"/>
                           </a:solidFill>
@@ -10598,7 +10600,7 @@
                         </a:rPr>
                       </a:br>
                       <a:r>
-                        <a:rPr lang="ja-JP" altLang="en-US" sz="1600" b="0" i="0" u="none" strike="noStrike">
+                        <a:rPr lang="ja-JP" altLang="en-US" sz="1800" b="0" i="0" u="none" strike="noStrike">
                           <a:solidFill>
                             <a:srgbClr val="000000"/>
                           </a:solidFill>
@@ -10656,7 +10658,7 @@
                     <a:p>
                       <a:pPr algn="ctr" fontAlgn="ctr"/>
                       <a:r>
-                        <a:rPr lang="ja-JP" altLang="en-US" sz="1600" b="0" i="0" u="none" strike="noStrike">
+                        <a:rPr lang="ja-JP" altLang="en-US" sz="1800" b="0" i="0" u="none" strike="noStrike">
                           <a:solidFill>
                             <a:srgbClr val="000000"/>
                           </a:solidFill>
@@ -10666,7 +10668,7 @@
                         </a:rPr>
                         <a:t>△</a:t>
                       </a:r>
-                      <a:endParaRPr lang="en-US" altLang="ja-JP" sz="1600" b="0" i="0" u="none" strike="noStrike" dirty="0">
+                      <a:endParaRPr lang="en-US" altLang="ja-JP" sz="1800" b="0" i="0" u="none" strike="noStrike" dirty="0">
                         <a:solidFill>
                           <a:srgbClr val="000000"/>
                         </a:solidFill>
@@ -10678,7 +10680,7 @@
                     <a:p>
                       <a:pPr algn="ctr" fontAlgn="ctr"/>
                       <a:r>
-                        <a:rPr lang="ja-JP" altLang="en-US" sz="1600" b="0" i="0" u="none" strike="noStrike">
+                        <a:rPr lang="ja-JP" altLang="en-US" sz="1800" b="0" i="0" u="none" strike="noStrike">
                           <a:solidFill>
                             <a:srgbClr val="000000"/>
                           </a:solidFill>
@@ -10735,7 +10737,7 @@
                   </a:ext>
                 </a:extLst>
               </a:tr>
-              <a:tr h="1790112">
+              <a:tr h="2053827">
                 <a:tc>
                   <a:txBody>
                     <a:bodyPr/>
@@ -10743,7 +10745,7 @@
                     <a:p>
                       <a:pPr algn="ctr" fontAlgn="ctr"/>
                       <a:r>
-                        <a:rPr lang="ja-JP" altLang="en-US" sz="1600" b="1" i="0" u="none" strike="noStrike">
+                        <a:rPr lang="ja-JP" altLang="en-US" sz="1800" b="1" i="0" u="none" strike="noStrike">
                           <a:solidFill>
                             <a:srgbClr val="000000"/>
                           </a:solidFill>
@@ -10806,7 +10808,7 @@
                     <a:p>
                       <a:pPr algn="ctr" fontAlgn="ctr"/>
                       <a:r>
-                        <a:rPr lang="ja-JP" altLang="en-US" sz="1600" b="0" i="0" u="none" strike="noStrike">
+                        <a:rPr lang="ja-JP" altLang="en-US" sz="1800" b="0" i="0" u="none" strike="noStrike">
                           <a:solidFill>
                             <a:srgbClr val="000000"/>
                           </a:solidFill>
@@ -10817,7 +10819,7 @@
                         <a:t>出張先の端末などから簡単に使いたい。</a:t>
                       </a:r>
                       <a:br>
-                        <a:rPr lang="ja-JP" altLang="en-US" sz="1600" b="0" i="0" u="none" strike="noStrike">
+                        <a:rPr lang="ja-JP" altLang="en-US" sz="1800" b="0" i="0" u="none" strike="noStrike">
                           <a:solidFill>
                             <a:srgbClr val="000000"/>
                           </a:solidFill>
@@ -10827,7 +10829,7 @@
                         </a:rPr>
                       </a:br>
                       <a:r>
-                        <a:rPr lang="ja-JP" altLang="en-US" sz="1600" b="0" i="0" u="none" strike="noStrike">
+                        <a:rPr lang="ja-JP" altLang="en-US" sz="1800" b="0" i="0" u="none" strike="noStrike">
                           <a:solidFill>
                             <a:srgbClr val="000000"/>
                           </a:solidFill>
@@ -10838,7 +10840,7 @@
                         <a:t>仕様アプリケーションは</a:t>
                       </a:r>
                       <a:r>
-                        <a:rPr lang="en" sz="1600" b="0" i="0" u="none" strike="noStrike" dirty="0">
+                        <a:rPr lang="en" sz="1800" b="0" i="0" u="none" strike="noStrike" dirty="0">
                           <a:solidFill>
                             <a:srgbClr val="000000"/>
                           </a:solidFill>
@@ -10849,7 +10851,7 @@
                         <a:t>WEB</a:t>
                       </a:r>
                       <a:r>
-                        <a:rPr lang="ja-JP" altLang="en-US" sz="1600" b="0" i="0" u="none" strike="noStrike">
+                        <a:rPr lang="ja-JP" altLang="en-US" sz="1800" b="0" i="0" u="none" strike="noStrike">
                           <a:solidFill>
                             <a:srgbClr val="000000"/>
                           </a:solidFill>
@@ -10860,7 +10862,7 @@
                         <a:t>メールや</a:t>
                       </a:r>
                       <a:r>
-                        <a:rPr lang="en" sz="1600" b="0" i="0" u="none" strike="noStrike" dirty="0">
+                        <a:rPr lang="en" sz="1800" b="0" i="0" u="none" strike="noStrike" dirty="0">
                           <a:solidFill>
                             <a:srgbClr val="000000"/>
                           </a:solidFill>
@@ -10871,7 +10873,7 @@
                         <a:t>WEB</a:t>
                       </a:r>
                       <a:r>
-                        <a:rPr lang="ja-JP" altLang="en-US" sz="1600" b="0" i="0" u="none" strike="noStrike">
+                        <a:rPr lang="ja-JP" altLang="en-US" sz="1800" b="0" i="0" u="none" strike="noStrike">
                           <a:solidFill>
                             <a:srgbClr val="000000"/>
                           </a:solidFill>
@@ -10882,7 +10884,7 @@
                         <a:t>型グループウェアなど</a:t>
                       </a:r>
                       <a:r>
-                        <a:rPr lang="en" sz="1600" b="0" i="0" u="none" strike="noStrike" dirty="0">
+                        <a:rPr lang="en" sz="1800" b="0" i="0" u="none" strike="noStrike" dirty="0">
                           <a:solidFill>
                             <a:srgbClr val="000000"/>
                           </a:solidFill>
@@ -10893,7 +10895,7 @@
                         <a:t>WEB</a:t>
                       </a:r>
                       <a:r>
-                        <a:rPr lang="ja-JP" altLang="en-US" sz="1600" b="0" i="0" u="none" strike="noStrike">
+                        <a:rPr lang="ja-JP" altLang="en-US" sz="1800" b="0" i="0" u="none" strike="noStrike">
                           <a:solidFill>
                             <a:srgbClr val="000000"/>
                           </a:solidFill>
@@ -10951,7 +10953,7 @@
                     <a:p>
                       <a:pPr algn="ctr" fontAlgn="ctr"/>
                       <a:r>
-                        <a:rPr lang="ja-JP" altLang="en-US" sz="1600" b="0" i="0" u="none" strike="noStrike">
+                        <a:rPr lang="ja-JP" altLang="en-US" sz="1800" b="0" i="0" u="none" strike="noStrike">
                           <a:solidFill>
                             <a:srgbClr val="000000"/>
                           </a:solidFill>
@@ -10962,7 +10964,7 @@
                         <a:t>クライアント端末の</a:t>
                       </a:r>
                       <a:r>
-                        <a:rPr lang="en" sz="1600" b="0" i="0" u="none" strike="noStrike" dirty="0">
+                        <a:rPr lang="en" sz="1800" b="0" i="0" u="none" strike="noStrike" dirty="0">
                           <a:solidFill>
                             <a:srgbClr val="000000"/>
                           </a:solidFill>
@@ -10973,7 +10975,7 @@
                         <a:t>OS</a:t>
                       </a:r>
                       <a:r>
-                        <a:rPr lang="ja-JP" altLang="en-US" sz="1600" b="0" i="0" u="none" strike="noStrike">
+                        <a:rPr lang="ja-JP" altLang="en-US" sz="1800" b="0" i="0" u="none" strike="noStrike">
                           <a:solidFill>
                             <a:srgbClr val="000000"/>
                           </a:solidFill>
@@ -10984,7 +10986,7 @@
                         <a:t>が様々である。</a:t>
                       </a:r>
                       <a:br>
-                        <a:rPr lang="ja-JP" altLang="en-US" sz="1600" b="0" i="0" u="none" strike="noStrike">
+                        <a:rPr lang="ja-JP" altLang="en-US" sz="1800" b="0" i="0" u="none" strike="noStrike">
                           <a:solidFill>
                             <a:srgbClr val="000000"/>
                           </a:solidFill>
@@ -10994,7 +10996,7 @@
                         </a:rPr>
                       </a:br>
                       <a:r>
-                        <a:rPr lang="ja-JP" altLang="en-US" sz="1600" b="0" i="0" u="none" strike="noStrike">
+                        <a:rPr lang="ja-JP" altLang="en-US" sz="1800" b="0" i="0" u="none" strike="noStrike">
                           <a:solidFill>
                             <a:srgbClr val="000000"/>
                           </a:solidFill>
@@ -11052,7 +11054,7 @@
                     <a:p>
                       <a:pPr algn="ctr" fontAlgn="ctr"/>
                       <a:r>
-                        <a:rPr lang="ja-JP" altLang="en-US" sz="1600" b="0" i="0" u="none" strike="noStrike">
+                        <a:rPr lang="ja-JP" altLang="en-US" sz="1800" b="0" i="0" u="none" strike="noStrike">
                           <a:solidFill>
                             <a:srgbClr val="000000"/>
                           </a:solidFill>
@@ -11063,7 +11065,7 @@
                         <a:t>アプリケーションを制限なく使いたい。</a:t>
                       </a:r>
                       <a:br>
-                        <a:rPr lang="ja-JP" altLang="en-US" sz="1600" b="0" i="0" u="none" strike="noStrike">
+                        <a:rPr lang="ja-JP" altLang="en-US" sz="1800" b="0" i="0" u="none" strike="noStrike">
                           <a:solidFill>
                             <a:srgbClr val="000000"/>
                           </a:solidFill>
@@ -11073,7 +11075,7 @@
                         </a:rPr>
                       </a:br>
                       <a:r>
-                        <a:rPr lang="ja-JP" altLang="en-US" sz="1600" b="0" i="0" u="none" strike="noStrike">
+                        <a:rPr lang="ja-JP" altLang="en-US" sz="1800" b="0" i="0" u="none" strike="noStrike">
                           <a:solidFill>
                             <a:srgbClr val="000000"/>
                           </a:solidFill>
@@ -11138,6 +11140,4790 @@
     <p:extLst>
       <p:ext uri="{BB962C8B-B14F-4D97-AF65-F5344CB8AC3E}">
         <p14:creationId xmlns:p14="http://schemas.microsoft.com/office/powerpoint/2010/main" val="769644226"/>
+      </p:ext>
+    </p:extLst>
+  </p:cSld>
+  <p:clrMapOvr>
+    <a:masterClrMapping/>
+  </p:clrMapOvr>
+</p:sld>
+</file>
+
+<file path=ppt/slides/slide4.xml><?xml version="1.0" encoding="utf-8"?>
+<p:sld xmlns:a="http://schemas.openxmlformats.org/drawingml/2006/main" xmlns:r="http://schemas.openxmlformats.org/officeDocument/2006/relationships" xmlns:p="http://schemas.openxmlformats.org/presentationml/2006/main">
+  <p:cSld>
+    <p:spTree>
+      <p:nvGrpSpPr>
+        <p:cNvPr id="1" name=""/>
+        <p:cNvGrpSpPr/>
+        <p:nvPr/>
+      </p:nvGrpSpPr>
+      <p:grpSpPr>
+        <a:xfrm>
+          <a:off x="0" y="0"/>
+          <a:ext cx="0" cy="0"/>
+          <a:chOff x="0" y="0"/>
+          <a:chExt cx="0" cy="0"/>
+        </a:xfrm>
+      </p:grpSpPr>
+      <p:graphicFrame>
+        <p:nvGraphicFramePr>
+          <p:cNvPr id="2" name="表 1">
+            <a:extLst>
+              <a:ext uri="{FF2B5EF4-FFF2-40B4-BE49-F238E27FC236}">
+                <a16:creationId xmlns:a16="http://schemas.microsoft.com/office/drawing/2014/main" id="{71C2DE9D-D7ED-4B4C-8B0C-A6D1FAF557AD}"/>
+              </a:ext>
+            </a:extLst>
+          </p:cNvPr>
+          <p:cNvGraphicFramePr>
+            <a:graphicFrameLocks noGrp="1"/>
+          </p:cNvGraphicFramePr>
+          <p:nvPr>
+            <p:extLst>
+              <p:ext uri="{D42A27DB-BD31-4B8C-83A1-F6EECF244321}">
+                <p14:modId xmlns:p14="http://schemas.microsoft.com/office/powerpoint/2010/main" val="41976254"/>
+              </p:ext>
+            </p:extLst>
+          </p:nvPr>
+        </p:nvGraphicFramePr>
+        <p:xfrm>
+          <a:off x="159027" y="159027"/>
+          <a:ext cx="11887200" cy="6549887"/>
+        </p:xfrm>
+        <a:graphic>
+          <a:graphicData uri="http://schemas.openxmlformats.org/drawingml/2006/table">
+            <a:tbl>
+              <a:tblPr>
+                <a:tableStyleId>{5C22544A-7EE6-4342-B048-85BDC9FD1C3A}</a:tableStyleId>
+              </a:tblPr>
+              <a:tblGrid>
+                <a:gridCol w="1539291">
+                  <a:extLst>
+                    <a:ext uri="{9D8B030D-6E8A-4147-A177-3AD203B41FA5}">
+                      <a16:colId xmlns:a16="http://schemas.microsoft.com/office/drawing/2014/main" val="329282240"/>
+                    </a:ext>
+                  </a:extLst>
+                </a:gridCol>
+                <a:gridCol w="3073815">
+                  <a:extLst>
+                    <a:ext uri="{9D8B030D-6E8A-4147-A177-3AD203B41FA5}">
+                      <a16:colId xmlns:a16="http://schemas.microsoft.com/office/drawing/2014/main" val="2517006003"/>
+                    </a:ext>
+                  </a:extLst>
+                </a:gridCol>
+                <a:gridCol w="1062137">
+                  <a:extLst>
+                    <a:ext uri="{9D8B030D-6E8A-4147-A177-3AD203B41FA5}">
+                      <a16:colId xmlns:a16="http://schemas.microsoft.com/office/drawing/2014/main" val="22439650"/>
+                    </a:ext>
+                  </a:extLst>
+                </a:gridCol>
+                <a:gridCol w="944217">
+                  <a:extLst>
+                    <a:ext uri="{9D8B030D-6E8A-4147-A177-3AD203B41FA5}">
+                      <a16:colId xmlns:a16="http://schemas.microsoft.com/office/drawing/2014/main" val="4267114608"/>
+                    </a:ext>
+                  </a:extLst>
+                </a:gridCol>
+                <a:gridCol w="924339">
+                  <a:extLst>
+                    <a:ext uri="{9D8B030D-6E8A-4147-A177-3AD203B41FA5}">
+                      <a16:colId xmlns:a16="http://schemas.microsoft.com/office/drawing/2014/main" val="2745333754"/>
+                    </a:ext>
+                  </a:extLst>
+                </a:gridCol>
+                <a:gridCol w="1292087">
+                  <a:extLst>
+                    <a:ext uri="{9D8B030D-6E8A-4147-A177-3AD203B41FA5}">
+                      <a16:colId xmlns:a16="http://schemas.microsoft.com/office/drawing/2014/main" val="3867531369"/>
+                    </a:ext>
+                  </a:extLst>
+                </a:gridCol>
+                <a:gridCol w="1103244">
+                  <a:extLst>
+                    <a:ext uri="{9D8B030D-6E8A-4147-A177-3AD203B41FA5}">
+                      <a16:colId xmlns:a16="http://schemas.microsoft.com/office/drawing/2014/main" val="3646735341"/>
+                    </a:ext>
+                  </a:extLst>
+                </a:gridCol>
+                <a:gridCol w="1948070">
+                  <a:extLst>
+                    <a:ext uri="{9D8B030D-6E8A-4147-A177-3AD203B41FA5}">
+                      <a16:colId xmlns:a16="http://schemas.microsoft.com/office/drawing/2014/main" val="3100217526"/>
+                    </a:ext>
+                  </a:extLst>
+                </a:gridCol>
+              </a:tblGrid>
+              <a:tr h="1297010">
+                <a:tc>
+                  <a:txBody>
+                    <a:bodyPr/>
+                    <a:lstStyle/>
+                    <a:p>
+                      <a:pPr algn="ctr" fontAlgn="ctr"/>
+                      <a:r>
+                        <a:rPr lang="ja-JP" altLang="en-US" sz="1800" b="1" i="0" u="none" strike="noStrike">
+                          <a:solidFill>
+                            <a:srgbClr val="000000"/>
+                          </a:solidFill>
+                          <a:effectLst/>
+                          <a:latin typeface="游ゴシック" panose="020B0400000000000000" pitchFamily="34" charset="-128"/>
+                          <a:ea typeface="游ゴシック" panose="020B0400000000000000" pitchFamily="34" charset="-128"/>
+                        </a:rPr>
+                        <a:t>名前</a:t>
+                      </a:r>
+                    </a:p>
+                  </a:txBody>
+                  <a:tcPr marL="6330" marR="6330" marT="6330" marB="0" anchor="ctr">
+                    <a:lnL w="12700" cap="flat" cmpd="sng" algn="ctr">
+                      <a:solidFill>
+                        <a:schemeClr val="tx1"/>
+                      </a:solidFill>
+                      <a:prstDash val="solid"/>
+                      <a:round/>
+                      <a:headEnd type="none" w="med" len="med"/>
+                      <a:tailEnd type="none" w="med" len="med"/>
+                    </a:lnL>
+                    <a:lnR w="12700" cap="flat" cmpd="sng" algn="ctr">
+                      <a:solidFill>
+                        <a:schemeClr val="tx1"/>
+                      </a:solidFill>
+                      <a:prstDash val="solid"/>
+                      <a:round/>
+                      <a:headEnd type="none" w="med" len="med"/>
+                      <a:tailEnd type="none" w="med" len="med"/>
+                    </a:lnR>
+                    <a:lnT w="12700" cap="flat" cmpd="sng" algn="ctr">
+                      <a:solidFill>
+                        <a:schemeClr val="tx1"/>
+                      </a:solidFill>
+                      <a:prstDash val="solid"/>
+                      <a:round/>
+                      <a:headEnd type="none" w="med" len="med"/>
+                      <a:tailEnd type="none" w="med" len="med"/>
+                    </a:lnT>
+                    <a:lnB w="12700" cap="flat" cmpd="sng" algn="ctr">
+                      <a:solidFill>
+                        <a:schemeClr val="tx1"/>
+                      </a:solidFill>
+                      <a:prstDash val="solid"/>
+                      <a:round/>
+                      <a:headEnd type="none" w="med" len="med"/>
+                      <a:tailEnd type="none" w="med" len="med"/>
+                    </a:lnB>
+                    <a:solidFill>
+                      <a:schemeClr val="bg2">
+                        <a:lumMod val="90000"/>
+                      </a:schemeClr>
+                    </a:solidFill>
+                  </a:tcPr>
+                </a:tc>
+                <a:tc>
+                  <a:txBody>
+                    <a:bodyPr/>
+                    <a:lstStyle/>
+                    <a:p>
+                      <a:pPr algn="ctr" fontAlgn="ctr"/>
+                      <a:r>
+                        <a:rPr lang="ja-JP" altLang="en-US" sz="1800" b="1" i="0" u="none" strike="noStrike">
+                          <a:solidFill>
+                            <a:srgbClr val="000000"/>
+                          </a:solidFill>
+                          <a:effectLst/>
+                          <a:latin typeface="游ゴシック" panose="020B0400000000000000" pitchFamily="34" charset="-128"/>
+                          <a:ea typeface="游ゴシック" panose="020B0400000000000000" pitchFamily="34" charset="-128"/>
+                        </a:rPr>
+                        <a:t>概要</a:t>
+                      </a:r>
+                    </a:p>
+                  </a:txBody>
+                  <a:tcPr marL="6330" marR="6330" marT="6330" marB="0" anchor="ctr">
+                    <a:lnL w="12700" cap="flat" cmpd="sng" algn="ctr">
+                      <a:solidFill>
+                        <a:schemeClr val="tx1"/>
+                      </a:solidFill>
+                      <a:prstDash val="solid"/>
+                      <a:round/>
+                      <a:headEnd type="none" w="med" len="med"/>
+                      <a:tailEnd type="none" w="med" len="med"/>
+                    </a:lnL>
+                    <a:lnR w="12700" cap="flat" cmpd="sng" algn="ctr">
+                      <a:solidFill>
+                        <a:schemeClr val="tx1"/>
+                      </a:solidFill>
+                      <a:prstDash val="solid"/>
+                      <a:round/>
+                      <a:headEnd type="none" w="med" len="med"/>
+                      <a:tailEnd type="none" w="med" len="med"/>
+                    </a:lnR>
+                    <a:lnT w="12700" cap="flat" cmpd="sng" algn="ctr">
+                      <a:solidFill>
+                        <a:schemeClr val="tx1"/>
+                      </a:solidFill>
+                      <a:prstDash val="solid"/>
+                      <a:round/>
+                      <a:headEnd type="none" w="med" len="med"/>
+                      <a:tailEnd type="none" w="med" len="med"/>
+                    </a:lnT>
+                    <a:lnB w="12700" cap="flat" cmpd="sng" algn="ctr">
+                      <a:solidFill>
+                        <a:schemeClr val="tx1"/>
+                      </a:solidFill>
+                      <a:prstDash val="solid"/>
+                      <a:round/>
+                      <a:headEnd type="none" w="med" len="med"/>
+                      <a:tailEnd type="none" w="med" len="med"/>
+                    </a:lnB>
+                    <a:solidFill>
+                      <a:schemeClr val="bg2">
+                        <a:lumMod val="75000"/>
+                      </a:schemeClr>
+                    </a:solidFill>
+                  </a:tcPr>
+                </a:tc>
+                <a:tc>
+                  <a:txBody>
+                    <a:bodyPr/>
+                    <a:lstStyle/>
+                    <a:p>
+                      <a:pPr algn="ctr" fontAlgn="ctr"/>
+                      <a:r>
+                        <a:rPr lang="ja-JP" altLang="en-US" sz="1800" b="1" u="none" strike="noStrike">
+                          <a:effectLst/>
+                        </a:rPr>
+                        <a:t>ログ能力</a:t>
+                      </a:r>
+                      <a:endParaRPr lang="ja-JP" altLang="en-US" sz="1800" b="1" i="0" u="none" strike="noStrike">
+                        <a:solidFill>
+                          <a:srgbClr val="000000"/>
+                        </a:solidFill>
+                        <a:effectLst/>
+                        <a:latin typeface="游ゴシック" panose="020B0400000000000000" pitchFamily="34" charset="-128"/>
+                        <a:ea typeface="游ゴシック" panose="020B0400000000000000" pitchFamily="34" charset="-128"/>
+                      </a:endParaRPr>
+                    </a:p>
+                  </a:txBody>
+                  <a:tcPr marL="6330" marR="6330" marT="6330" marB="0" anchor="ctr">
+                    <a:lnL w="12700" cap="flat" cmpd="sng" algn="ctr">
+                      <a:solidFill>
+                        <a:schemeClr val="tx1"/>
+                      </a:solidFill>
+                      <a:prstDash val="solid"/>
+                      <a:round/>
+                      <a:headEnd type="none" w="med" len="med"/>
+                      <a:tailEnd type="none" w="med" len="med"/>
+                    </a:lnL>
+                    <a:lnR w="12700" cap="flat" cmpd="sng" algn="ctr">
+                      <a:solidFill>
+                        <a:schemeClr val="tx1"/>
+                      </a:solidFill>
+                      <a:prstDash val="solid"/>
+                      <a:round/>
+                      <a:headEnd type="none" w="med" len="med"/>
+                      <a:tailEnd type="none" w="med" len="med"/>
+                    </a:lnR>
+                    <a:lnT w="12700" cap="flat" cmpd="sng" algn="ctr">
+                      <a:solidFill>
+                        <a:schemeClr val="tx1"/>
+                      </a:solidFill>
+                      <a:prstDash val="solid"/>
+                      <a:round/>
+                      <a:headEnd type="none" w="med" len="med"/>
+                      <a:tailEnd type="none" w="med" len="med"/>
+                    </a:lnT>
+                    <a:lnB w="12700" cap="flat" cmpd="sng" algn="ctr">
+                      <a:solidFill>
+                        <a:schemeClr val="tx1"/>
+                      </a:solidFill>
+                      <a:prstDash val="solid"/>
+                      <a:round/>
+                      <a:headEnd type="none" w="med" len="med"/>
+                      <a:tailEnd type="none" w="med" len="med"/>
+                    </a:lnB>
+                    <a:solidFill>
+                      <a:schemeClr val="bg2">
+                        <a:lumMod val="75000"/>
+                      </a:schemeClr>
+                    </a:solidFill>
+                  </a:tcPr>
+                </a:tc>
+                <a:tc>
+                  <a:txBody>
+                    <a:bodyPr/>
+                    <a:lstStyle/>
+                    <a:p>
+                      <a:pPr algn="ctr" fontAlgn="ctr"/>
+                      <a:r>
+                        <a:rPr lang="ja-JP" altLang="en-US" sz="1800" b="1" i="0" u="none" strike="noStrike">
+                          <a:solidFill>
+                            <a:srgbClr val="000000"/>
+                          </a:solidFill>
+                          <a:effectLst/>
+                          <a:latin typeface="游ゴシック" panose="020B0400000000000000" pitchFamily="34" charset="-128"/>
+                          <a:ea typeface="游ゴシック" panose="020B0400000000000000" pitchFamily="34" charset="-128"/>
+                        </a:rPr>
+                        <a:t>鍵交換</a:t>
+                      </a:r>
+                      <a:endParaRPr lang="en" sz="1800" b="1" i="0" u="none" strike="noStrike" dirty="0">
+                        <a:solidFill>
+                          <a:srgbClr val="000000"/>
+                        </a:solidFill>
+                        <a:effectLst/>
+                        <a:latin typeface="游ゴシック" panose="020B0400000000000000" pitchFamily="34" charset="-128"/>
+                        <a:ea typeface="游ゴシック" panose="020B0400000000000000" pitchFamily="34" charset="-128"/>
+                      </a:endParaRPr>
+                    </a:p>
+                  </a:txBody>
+                  <a:tcPr marL="6330" marR="6330" marT="6330" marB="0" anchor="ctr">
+                    <a:lnL w="12700" cap="flat" cmpd="sng" algn="ctr">
+                      <a:solidFill>
+                        <a:schemeClr val="tx1"/>
+                      </a:solidFill>
+                      <a:prstDash val="solid"/>
+                      <a:round/>
+                      <a:headEnd type="none" w="med" len="med"/>
+                      <a:tailEnd type="none" w="med" len="med"/>
+                    </a:lnL>
+                    <a:lnR w="12700" cap="flat" cmpd="sng" algn="ctr">
+                      <a:solidFill>
+                        <a:schemeClr val="tx1"/>
+                      </a:solidFill>
+                      <a:prstDash val="solid"/>
+                      <a:round/>
+                      <a:headEnd type="none" w="med" len="med"/>
+                      <a:tailEnd type="none" w="med" len="med"/>
+                    </a:lnR>
+                    <a:lnT w="12700" cap="flat" cmpd="sng" algn="ctr">
+                      <a:solidFill>
+                        <a:schemeClr val="tx1"/>
+                      </a:solidFill>
+                      <a:prstDash val="solid"/>
+                      <a:round/>
+                      <a:headEnd type="none" w="med" len="med"/>
+                      <a:tailEnd type="none" w="med" len="med"/>
+                    </a:lnT>
+                    <a:lnB w="12700" cap="flat" cmpd="sng" algn="ctr">
+                      <a:solidFill>
+                        <a:schemeClr val="tx1"/>
+                      </a:solidFill>
+                      <a:prstDash val="solid"/>
+                      <a:round/>
+                      <a:headEnd type="none" w="med" len="med"/>
+                      <a:tailEnd type="none" w="med" len="med"/>
+                    </a:lnB>
+                    <a:solidFill>
+                      <a:schemeClr val="bg2">
+                        <a:lumMod val="75000"/>
+                      </a:schemeClr>
+                    </a:solidFill>
+                  </a:tcPr>
+                </a:tc>
+                <a:tc>
+                  <a:txBody>
+                    <a:bodyPr/>
+                    <a:lstStyle/>
+                    <a:p>
+                      <a:pPr algn="ctr" fontAlgn="ctr"/>
+                      <a:r>
+                        <a:rPr lang="en" sz="1800" b="1" u="none" strike="noStrike" dirty="0" err="1">
+                          <a:effectLst/>
+                        </a:rPr>
+                        <a:t>webUI</a:t>
+                      </a:r>
+                      <a:endParaRPr lang="en" sz="1800" b="1" i="0" u="none" strike="noStrike" dirty="0">
+                        <a:solidFill>
+                          <a:srgbClr val="000000"/>
+                        </a:solidFill>
+                        <a:effectLst/>
+                        <a:latin typeface="游ゴシック" panose="020B0400000000000000" pitchFamily="34" charset="-128"/>
+                        <a:ea typeface="游ゴシック" panose="020B0400000000000000" pitchFamily="34" charset="-128"/>
+                      </a:endParaRPr>
+                    </a:p>
+                  </a:txBody>
+                  <a:tcPr marL="6330" marR="6330" marT="6330" marB="0" anchor="ctr">
+                    <a:lnL w="12700" cap="flat" cmpd="sng" algn="ctr">
+                      <a:solidFill>
+                        <a:schemeClr val="tx1"/>
+                      </a:solidFill>
+                      <a:prstDash val="solid"/>
+                      <a:round/>
+                      <a:headEnd type="none" w="med" len="med"/>
+                      <a:tailEnd type="none" w="med" len="med"/>
+                    </a:lnL>
+                    <a:lnR w="12700" cap="flat" cmpd="sng" algn="ctr">
+                      <a:solidFill>
+                        <a:schemeClr val="tx1"/>
+                      </a:solidFill>
+                      <a:prstDash val="solid"/>
+                      <a:round/>
+                      <a:headEnd type="none" w="med" len="med"/>
+                      <a:tailEnd type="none" w="med" len="med"/>
+                    </a:lnR>
+                    <a:lnT w="12700" cap="flat" cmpd="sng" algn="ctr">
+                      <a:solidFill>
+                        <a:schemeClr val="tx1"/>
+                      </a:solidFill>
+                      <a:prstDash val="solid"/>
+                      <a:round/>
+                      <a:headEnd type="none" w="med" len="med"/>
+                      <a:tailEnd type="none" w="med" len="med"/>
+                    </a:lnT>
+                    <a:lnB w="12700" cap="flat" cmpd="sng" algn="ctr">
+                      <a:solidFill>
+                        <a:schemeClr val="tx1"/>
+                      </a:solidFill>
+                      <a:prstDash val="solid"/>
+                      <a:round/>
+                      <a:headEnd type="none" w="med" len="med"/>
+                      <a:tailEnd type="none" w="med" len="med"/>
+                    </a:lnB>
+                    <a:solidFill>
+                      <a:schemeClr val="bg2">
+                        <a:lumMod val="75000"/>
+                      </a:schemeClr>
+                    </a:solidFill>
+                  </a:tcPr>
+                </a:tc>
+                <a:tc>
+                  <a:txBody>
+                    <a:bodyPr/>
+                    <a:lstStyle/>
+                    <a:p>
+                      <a:pPr algn="ctr" fontAlgn="ctr"/>
+                      <a:r>
+                        <a:rPr lang="ja-JP" altLang="en-US" sz="1800" b="1" u="none" strike="noStrike">
+                          <a:effectLst/>
+                        </a:rPr>
+                        <a:t>適用先</a:t>
+                      </a:r>
+                      <a:endParaRPr lang="ja-JP" altLang="en-US" sz="1800" b="1" i="0" u="none" strike="noStrike">
+                        <a:solidFill>
+                          <a:srgbClr val="000000"/>
+                        </a:solidFill>
+                        <a:effectLst/>
+                        <a:latin typeface="游ゴシック" panose="020B0400000000000000" pitchFamily="34" charset="-128"/>
+                        <a:ea typeface="游ゴシック" panose="020B0400000000000000" pitchFamily="34" charset="-128"/>
+                      </a:endParaRPr>
+                    </a:p>
+                  </a:txBody>
+                  <a:tcPr marL="6330" marR="6330" marT="6330" marB="0" anchor="ctr">
+                    <a:lnL w="12700" cap="flat" cmpd="sng" algn="ctr">
+                      <a:solidFill>
+                        <a:schemeClr val="tx1"/>
+                      </a:solidFill>
+                      <a:prstDash val="solid"/>
+                      <a:round/>
+                      <a:headEnd type="none" w="med" len="med"/>
+                      <a:tailEnd type="none" w="med" len="med"/>
+                    </a:lnL>
+                    <a:lnR w="12700" cap="flat" cmpd="sng" algn="ctr">
+                      <a:solidFill>
+                        <a:schemeClr val="tx1"/>
+                      </a:solidFill>
+                      <a:prstDash val="solid"/>
+                      <a:round/>
+                      <a:headEnd type="none" w="med" len="med"/>
+                      <a:tailEnd type="none" w="med" len="med"/>
+                    </a:lnR>
+                    <a:lnT w="12700" cap="flat" cmpd="sng" algn="ctr">
+                      <a:solidFill>
+                        <a:schemeClr val="tx1"/>
+                      </a:solidFill>
+                      <a:prstDash val="solid"/>
+                      <a:round/>
+                      <a:headEnd type="none" w="med" len="med"/>
+                      <a:tailEnd type="none" w="med" len="med"/>
+                    </a:lnT>
+                    <a:lnB w="12700" cap="flat" cmpd="sng" algn="ctr">
+                      <a:solidFill>
+                        <a:schemeClr val="tx1"/>
+                      </a:solidFill>
+                      <a:prstDash val="solid"/>
+                      <a:round/>
+                      <a:headEnd type="none" w="med" len="med"/>
+                      <a:tailEnd type="none" w="med" len="med"/>
+                    </a:lnB>
+                    <a:solidFill>
+                      <a:schemeClr val="bg2">
+                        <a:lumMod val="75000"/>
+                      </a:schemeClr>
+                    </a:solidFill>
+                  </a:tcPr>
+                </a:tc>
+                <a:tc gridSpan="2">
+                  <a:txBody>
+                    <a:bodyPr/>
+                    <a:lstStyle/>
+                    <a:p>
+                      <a:pPr algn="ctr" fontAlgn="ctr"/>
+                      <a:r>
+                        <a:rPr lang="ja-JP" altLang="en-US" sz="1800" b="1" u="none" strike="noStrike">
+                          <a:effectLst/>
+                        </a:rPr>
+                        <a:t>適用難易度</a:t>
+                      </a:r>
+                      <a:endParaRPr lang="ja-JP" altLang="en-US" sz="1800" b="1" i="0" u="none" strike="noStrike">
+                        <a:solidFill>
+                          <a:srgbClr val="000000"/>
+                        </a:solidFill>
+                        <a:effectLst/>
+                        <a:latin typeface="游ゴシック" panose="020B0400000000000000" pitchFamily="34" charset="-128"/>
+                        <a:ea typeface="游ゴシック" panose="020B0400000000000000" pitchFamily="34" charset="-128"/>
+                      </a:endParaRPr>
+                    </a:p>
+                  </a:txBody>
+                  <a:tcPr marL="6330" marR="6330" marT="6330" marB="0" anchor="ctr">
+                    <a:lnL w="12700" cap="flat" cmpd="sng" algn="ctr">
+                      <a:solidFill>
+                        <a:schemeClr val="tx1"/>
+                      </a:solidFill>
+                      <a:prstDash val="solid"/>
+                      <a:round/>
+                      <a:headEnd type="none" w="med" len="med"/>
+                      <a:tailEnd type="none" w="med" len="med"/>
+                    </a:lnL>
+                    <a:lnR w="12700" cap="flat" cmpd="sng" algn="ctr">
+                      <a:solidFill>
+                        <a:schemeClr val="tx1"/>
+                      </a:solidFill>
+                      <a:prstDash val="solid"/>
+                      <a:round/>
+                      <a:headEnd type="none" w="med" len="med"/>
+                      <a:tailEnd type="none" w="med" len="med"/>
+                    </a:lnR>
+                    <a:lnT w="12700" cap="flat" cmpd="sng" algn="ctr">
+                      <a:solidFill>
+                        <a:schemeClr val="tx1"/>
+                      </a:solidFill>
+                      <a:prstDash val="solid"/>
+                      <a:round/>
+                      <a:headEnd type="none" w="med" len="med"/>
+                      <a:tailEnd type="none" w="med" len="med"/>
+                    </a:lnT>
+                    <a:lnB w="12700" cap="flat" cmpd="sng" algn="ctr">
+                      <a:solidFill>
+                        <a:schemeClr val="tx1"/>
+                      </a:solidFill>
+                      <a:prstDash val="solid"/>
+                      <a:round/>
+                      <a:headEnd type="none" w="med" len="med"/>
+                      <a:tailEnd type="none" w="med" len="med"/>
+                    </a:lnB>
+                    <a:solidFill>
+                      <a:schemeClr val="bg2">
+                        <a:lumMod val="75000"/>
+                      </a:schemeClr>
+                    </a:solidFill>
+                  </a:tcPr>
+                </a:tc>
+                <a:tc hMerge="1">
+                  <a:txBody>
+                    <a:bodyPr/>
+                    <a:lstStyle/>
+                    <a:p>
+                      <a:endParaRPr kumimoji="1" lang="ja-JP" altLang="en-US"/>
+                    </a:p>
+                  </a:txBody>
+                  <a:tcPr/>
+                </a:tc>
+                <a:extLst>
+                  <a:ext uri="{0D108BD9-81ED-4DB2-BD59-A6C34878D82A}">
+                    <a16:rowId xmlns:a16="http://schemas.microsoft.com/office/drawing/2014/main" val="2152793163"/>
+                  </a:ext>
+                </a:extLst>
+              </a:tr>
+              <a:tr h="1750959">
+                <a:tc>
+                  <a:txBody>
+                    <a:bodyPr/>
+                    <a:lstStyle/>
+                    <a:p>
+                      <a:pPr algn="ctr" fontAlgn="ctr"/>
+                      <a:r>
+                        <a:rPr lang="en" sz="2000" b="1" u="none" strike="noStrike" dirty="0" err="1">
+                          <a:effectLst/>
+                        </a:rPr>
+                        <a:t>sshportal</a:t>
+                      </a:r>
+                      <a:endParaRPr lang="en" sz="2000" b="1" i="0" u="none" strike="noStrike" dirty="0">
+                        <a:solidFill>
+                          <a:srgbClr val="000000"/>
+                        </a:solidFill>
+                        <a:effectLst/>
+                        <a:latin typeface="游ゴシック" panose="020B0400000000000000" pitchFamily="34" charset="-128"/>
+                        <a:ea typeface="游ゴシック" panose="020B0400000000000000" pitchFamily="34" charset="-128"/>
+                      </a:endParaRPr>
+                    </a:p>
+                  </a:txBody>
+                  <a:tcPr marL="6330" marR="6330" marT="6330" marB="0" anchor="ctr">
+                    <a:lnL w="12700" cap="flat" cmpd="sng" algn="ctr">
+                      <a:solidFill>
+                        <a:schemeClr val="tx1"/>
+                      </a:solidFill>
+                      <a:prstDash val="solid"/>
+                      <a:round/>
+                      <a:headEnd type="none" w="med" len="med"/>
+                      <a:tailEnd type="none" w="med" len="med"/>
+                    </a:lnL>
+                    <a:lnR w="12700" cap="flat" cmpd="sng" algn="ctr">
+                      <a:solidFill>
+                        <a:schemeClr val="tx1"/>
+                      </a:solidFill>
+                      <a:prstDash val="solid"/>
+                      <a:round/>
+                      <a:headEnd type="none" w="med" len="med"/>
+                      <a:tailEnd type="none" w="med" len="med"/>
+                    </a:lnR>
+                    <a:lnT w="12700" cap="flat" cmpd="sng" algn="ctr">
+                      <a:solidFill>
+                        <a:schemeClr val="tx1"/>
+                      </a:solidFill>
+                      <a:prstDash val="solid"/>
+                      <a:round/>
+                      <a:headEnd type="none" w="med" len="med"/>
+                      <a:tailEnd type="none" w="med" len="med"/>
+                    </a:lnT>
+                    <a:lnB w="12700" cap="flat" cmpd="sng" algn="ctr">
+                      <a:solidFill>
+                        <a:schemeClr val="tx1"/>
+                      </a:solidFill>
+                      <a:prstDash val="solid"/>
+                      <a:round/>
+                      <a:headEnd type="none" w="med" len="med"/>
+                      <a:tailEnd type="none" w="med" len="med"/>
+                    </a:lnB>
+                    <a:solidFill>
+                      <a:schemeClr val="bg2">
+                        <a:lumMod val="90000"/>
+                      </a:schemeClr>
+                    </a:solidFill>
+                  </a:tcPr>
+                </a:tc>
+                <a:tc>
+                  <a:txBody>
+                    <a:bodyPr/>
+                    <a:lstStyle/>
+                    <a:p>
+                      <a:pPr algn="ctr" fontAlgn="ctr"/>
+                      <a:r>
+                        <a:rPr lang="ja-JP" altLang="en-US" sz="2000" u="none" strike="noStrike">
+                          <a:effectLst/>
+                        </a:rPr>
+                        <a:t>動的にユーザとホストを</a:t>
+                      </a:r>
+                      <a:endParaRPr lang="en-US" altLang="ja-JP" sz="2000" u="none" strike="noStrike" dirty="0">
+                        <a:effectLst/>
+                      </a:endParaRPr>
+                    </a:p>
+                    <a:p>
+                      <a:pPr algn="ctr" fontAlgn="ctr"/>
+                      <a:r>
+                        <a:rPr lang="ja-JP" altLang="en-US" sz="2000" u="none" strike="noStrike">
+                          <a:effectLst/>
+                        </a:rPr>
+                        <a:t>構成する</a:t>
+                      </a:r>
+                      <a:r>
+                        <a:rPr lang="en" sz="2000" u="none" strike="noStrike" dirty="0">
+                          <a:effectLst/>
+                        </a:rPr>
+                        <a:t>Bastion</a:t>
+                      </a:r>
+                    </a:p>
+                    <a:p>
+                      <a:pPr algn="ctr" fontAlgn="ctr"/>
+                      <a:r>
+                        <a:rPr lang="ja-JP" altLang="en-US" sz="2000" u="none" strike="noStrike">
+                          <a:effectLst/>
+                        </a:rPr>
+                        <a:t>サーバーツール</a:t>
+                      </a:r>
+                      <a:endParaRPr lang="ja-JP" altLang="en-US" sz="2000" b="0" i="0" u="none" strike="noStrike">
+                        <a:solidFill>
+                          <a:srgbClr val="000000"/>
+                        </a:solidFill>
+                        <a:effectLst/>
+                        <a:latin typeface="游ゴシック" panose="020B0400000000000000" pitchFamily="34" charset="-128"/>
+                        <a:ea typeface="游ゴシック" panose="020B0400000000000000" pitchFamily="34" charset="-128"/>
+                      </a:endParaRPr>
+                    </a:p>
+                  </a:txBody>
+                  <a:tcPr marL="6330" marR="6330" marT="6330" marB="0" anchor="ctr">
+                    <a:lnL w="12700" cap="flat" cmpd="sng" algn="ctr">
+                      <a:solidFill>
+                        <a:schemeClr val="tx1"/>
+                      </a:solidFill>
+                      <a:prstDash val="solid"/>
+                      <a:round/>
+                      <a:headEnd type="none" w="med" len="med"/>
+                      <a:tailEnd type="none" w="med" len="med"/>
+                    </a:lnL>
+                    <a:lnR w="12700" cap="flat" cmpd="sng" algn="ctr">
+                      <a:solidFill>
+                        <a:schemeClr val="tx1"/>
+                      </a:solidFill>
+                      <a:prstDash val="solid"/>
+                      <a:round/>
+                      <a:headEnd type="none" w="med" len="med"/>
+                      <a:tailEnd type="none" w="med" len="med"/>
+                    </a:lnR>
+                    <a:lnT w="12700" cap="flat" cmpd="sng" algn="ctr">
+                      <a:solidFill>
+                        <a:schemeClr val="tx1"/>
+                      </a:solidFill>
+                      <a:prstDash val="solid"/>
+                      <a:round/>
+                      <a:headEnd type="none" w="med" len="med"/>
+                      <a:tailEnd type="none" w="med" len="med"/>
+                    </a:lnT>
+                    <a:lnB w="12700" cap="flat" cmpd="sng" algn="ctr">
+                      <a:solidFill>
+                        <a:schemeClr val="tx1"/>
+                      </a:solidFill>
+                      <a:prstDash val="solid"/>
+                      <a:round/>
+                      <a:headEnd type="none" w="med" len="med"/>
+                      <a:tailEnd type="none" w="med" len="med"/>
+                    </a:lnB>
+                    <a:solidFill>
+                      <a:schemeClr val="bg1"/>
+                    </a:solidFill>
+                  </a:tcPr>
+                </a:tc>
+                <a:tc>
+                  <a:txBody>
+                    <a:bodyPr/>
+                    <a:lstStyle/>
+                    <a:p>
+                      <a:pPr algn="ctr" fontAlgn="ctr"/>
+                      <a:r>
+                        <a:rPr lang="ja-JP" altLang="en-US" sz="2000" u="none" strike="noStrike">
+                          <a:effectLst/>
+                        </a:rPr>
+                        <a:t>あり</a:t>
+                      </a:r>
+                      <a:endParaRPr lang="ja-JP" altLang="en-US" sz="2000" b="0" i="0" u="none" strike="noStrike">
+                        <a:solidFill>
+                          <a:srgbClr val="000000"/>
+                        </a:solidFill>
+                        <a:effectLst/>
+                        <a:latin typeface="游ゴシック" panose="020B0400000000000000" pitchFamily="34" charset="-128"/>
+                        <a:ea typeface="游ゴシック" panose="020B0400000000000000" pitchFamily="34" charset="-128"/>
+                      </a:endParaRPr>
+                    </a:p>
+                  </a:txBody>
+                  <a:tcPr marL="6330" marR="6330" marT="6330" marB="0" anchor="ctr">
+                    <a:lnL w="12700" cap="flat" cmpd="sng" algn="ctr">
+                      <a:solidFill>
+                        <a:schemeClr val="tx1"/>
+                      </a:solidFill>
+                      <a:prstDash val="solid"/>
+                      <a:round/>
+                      <a:headEnd type="none" w="med" len="med"/>
+                      <a:tailEnd type="none" w="med" len="med"/>
+                    </a:lnL>
+                    <a:lnR w="12700" cap="flat" cmpd="sng" algn="ctr">
+                      <a:solidFill>
+                        <a:schemeClr val="tx1"/>
+                      </a:solidFill>
+                      <a:prstDash val="solid"/>
+                      <a:round/>
+                      <a:headEnd type="none" w="med" len="med"/>
+                      <a:tailEnd type="none" w="med" len="med"/>
+                    </a:lnR>
+                    <a:lnT w="12700" cap="flat" cmpd="sng" algn="ctr">
+                      <a:solidFill>
+                        <a:schemeClr val="tx1"/>
+                      </a:solidFill>
+                      <a:prstDash val="solid"/>
+                      <a:round/>
+                      <a:headEnd type="none" w="med" len="med"/>
+                      <a:tailEnd type="none" w="med" len="med"/>
+                    </a:lnT>
+                    <a:lnB w="12700" cap="flat" cmpd="sng" algn="ctr">
+                      <a:solidFill>
+                        <a:schemeClr val="tx1"/>
+                      </a:solidFill>
+                      <a:prstDash val="solid"/>
+                      <a:round/>
+                      <a:headEnd type="none" w="med" len="med"/>
+                      <a:tailEnd type="none" w="med" len="med"/>
+                    </a:lnB>
+                    <a:solidFill>
+                      <a:schemeClr val="bg1"/>
+                    </a:solidFill>
+                  </a:tcPr>
+                </a:tc>
+                <a:tc>
+                  <a:txBody>
+                    <a:bodyPr/>
+                    <a:lstStyle/>
+                    <a:p>
+                      <a:pPr algn="ctr" fontAlgn="ctr"/>
+                      <a:r>
+                        <a:rPr lang="en" sz="2000" u="none" strike="noStrike" dirty="0">
+                          <a:effectLst/>
+                        </a:rPr>
+                        <a:t>RSA</a:t>
+                      </a:r>
+                      <a:endParaRPr lang="en" sz="2000" b="0" i="0" u="none" strike="noStrike" dirty="0">
+                        <a:solidFill>
+                          <a:srgbClr val="000000"/>
+                        </a:solidFill>
+                        <a:effectLst/>
+                        <a:latin typeface="游ゴシック" panose="020B0400000000000000" pitchFamily="34" charset="-128"/>
+                        <a:ea typeface="游ゴシック" panose="020B0400000000000000" pitchFamily="34" charset="-128"/>
+                      </a:endParaRPr>
+                    </a:p>
+                  </a:txBody>
+                  <a:tcPr marL="6330" marR="6330" marT="6330" marB="0" anchor="ctr">
+                    <a:lnL w="12700" cap="flat" cmpd="sng" algn="ctr">
+                      <a:solidFill>
+                        <a:schemeClr val="tx1"/>
+                      </a:solidFill>
+                      <a:prstDash val="solid"/>
+                      <a:round/>
+                      <a:headEnd type="none" w="med" len="med"/>
+                      <a:tailEnd type="none" w="med" len="med"/>
+                    </a:lnL>
+                    <a:lnR w="12700" cap="flat" cmpd="sng" algn="ctr">
+                      <a:solidFill>
+                        <a:schemeClr val="tx1"/>
+                      </a:solidFill>
+                      <a:prstDash val="solid"/>
+                      <a:round/>
+                      <a:headEnd type="none" w="med" len="med"/>
+                      <a:tailEnd type="none" w="med" len="med"/>
+                    </a:lnR>
+                    <a:lnT w="12700" cap="flat" cmpd="sng" algn="ctr">
+                      <a:solidFill>
+                        <a:schemeClr val="tx1"/>
+                      </a:solidFill>
+                      <a:prstDash val="solid"/>
+                      <a:round/>
+                      <a:headEnd type="none" w="med" len="med"/>
+                      <a:tailEnd type="none" w="med" len="med"/>
+                    </a:lnT>
+                    <a:lnB w="12700" cap="flat" cmpd="sng" algn="ctr">
+                      <a:solidFill>
+                        <a:schemeClr val="tx1"/>
+                      </a:solidFill>
+                      <a:prstDash val="solid"/>
+                      <a:round/>
+                      <a:headEnd type="none" w="med" len="med"/>
+                      <a:tailEnd type="none" w="med" len="med"/>
+                    </a:lnB>
+                    <a:solidFill>
+                      <a:schemeClr val="bg1"/>
+                    </a:solidFill>
+                  </a:tcPr>
+                </a:tc>
+                <a:tc>
+                  <a:txBody>
+                    <a:bodyPr/>
+                    <a:lstStyle/>
+                    <a:p>
+                      <a:pPr algn="ctr" fontAlgn="ctr"/>
+                      <a:r>
+                        <a:rPr lang="ja-JP" altLang="en-US" sz="2000" u="none" strike="noStrike">
+                          <a:effectLst/>
+                        </a:rPr>
+                        <a:t>なし</a:t>
+                      </a:r>
+                      <a:endParaRPr lang="ja-JP" altLang="en-US" sz="2000" b="0" i="0" u="none" strike="noStrike">
+                        <a:solidFill>
+                          <a:srgbClr val="000000"/>
+                        </a:solidFill>
+                        <a:effectLst/>
+                        <a:latin typeface="游ゴシック" panose="020B0400000000000000" pitchFamily="34" charset="-128"/>
+                        <a:ea typeface="游ゴシック" panose="020B0400000000000000" pitchFamily="34" charset="-128"/>
+                      </a:endParaRPr>
+                    </a:p>
+                  </a:txBody>
+                  <a:tcPr marL="6330" marR="6330" marT="6330" marB="0" anchor="ctr">
+                    <a:lnL w="12700" cap="flat" cmpd="sng" algn="ctr">
+                      <a:solidFill>
+                        <a:schemeClr val="tx1"/>
+                      </a:solidFill>
+                      <a:prstDash val="solid"/>
+                      <a:round/>
+                      <a:headEnd type="none" w="med" len="med"/>
+                      <a:tailEnd type="none" w="med" len="med"/>
+                    </a:lnL>
+                    <a:lnR w="12700" cap="flat" cmpd="sng" algn="ctr">
+                      <a:solidFill>
+                        <a:schemeClr val="tx1"/>
+                      </a:solidFill>
+                      <a:prstDash val="solid"/>
+                      <a:round/>
+                      <a:headEnd type="none" w="med" len="med"/>
+                      <a:tailEnd type="none" w="med" len="med"/>
+                    </a:lnR>
+                    <a:lnT w="12700" cap="flat" cmpd="sng" algn="ctr">
+                      <a:solidFill>
+                        <a:schemeClr val="tx1"/>
+                      </a:solidFill>
+                      <a:prstDash val="solid"/>
+                      <a:round/>
+                      <a:headEnd type="none" w="med" len="med"/>
+                      <a:tailEnd type="none" w="med" len="med"/>
+                    </a:lnT>
+                    <a:lnB w="12700" cap="flat" cmpd="sng" algn="ctr">
+                      <a:solidFill>
+                        <a:schemeClr val="tx1"/>
+                      </a:solidFill>
+                      <a:prstDash val="solid"/>
+                      <a:round/>
+                      <a:headEnd type="none" w="med" len="med"/>
+                      <a:tailEnd type="none" w="med" len="med"/>
+                    </a:lnB>
+                    <a:solidFill>
+                      <a:schemeClr val="bg1"/>
+                    </a:solidFill>
+                  </a:tcPr>
+                </a:tc>
+                <a:tc>
+                  <a:txBody>
+                    <a:bodyPr/>
+                    <a:lstStyle/>
+                    <a:p>
+                      <a:pPr algn="ctr" fontAlgn="ctr"/>
+                      <a:r>
+                        <a:rPr lang="en" sz="2000" u="none" strike="noStrike" dirty="0">
+                          <a:effectLst/>
+                        </a:rPr>
+                        <a:t>Gateway Server</a:t>
+                      </a:r>
+                      <a:endParaRPr lang="en" sz="2000" b="0" i="0" u="none" strike="noStrike" dirty="0">
+                        <a:solidFill>
+                          <a:srgbClr val="000000"/>
+                        </a:solidFill>
+                        <a:effectLst/>
+                        <a:latin typeface="游ゴシック" panose="020B0400000000000000" pitchFamily="34" charset="-128"/>
+                        <a:ea typeface="游ゴシック" panose="020B0400000000000000" pitchFamily="34" charset="-128"/>
+                      </a:endParaRPr>
+                    </a:p>
+                  </a:txBody>
+                  <a:tcPr marL="6330" marR="6330" marT="6330" marB="0" anchor="ctr">
+                    <a:lnL w="12700" cap="flat" cmpd="sng" algn="ctr">
+                      <a:solidFill>
+                        <a:schemeClr val="tx1"/>
+                      </a:solidFill>
+                      <a:prstDash val="solid"/>
+                      <a:round/>
+                      <a:headEnd type="none" w="med" len="med"/>
+                      <a:tailEnd type="none" w="med" len="med"/>
+                    </a:lnL>
+                    <a:lnR w="12700" cap="flat" cmpd="sng" algn="ctr">
+                      <a:solidFill>
+                        <a:schemeClr val="tx1"/>
+                      </a:solidFill>
+                      <a:prstDash val="solid"/>
+                      <a:round/>
+                      <a:headEnd type="none" w="med" len="med"/>
+                      <a:tailEnd type="none" w="med" len="med"/>
+                    </a:lnR>
+                    <a:lnT w="12700" cap="flat" cmpd="sng" algn="ctr">
+                      <a:solidFill>
+                        <a:schemeClr val="tx1"/>
+                      </a:solidFill>
+                      <a:prstDash val="solid"/>
+                      <a:round/>
+                      <a:headEnd type="none" w="med" len="med"/>
+                      <a:tailEnd type="none" w="med" len="med"/>
+                    </a:lnT>
+                    <a:lnB w="12700" cap="flat" cmpd="sng" algn="ctr">
+                      <a:solidFill>
+                        <a:schemeClr val="tx1"/>
+                      </a:solidFill>
+                      <a:prstDash val="solid"/>
+                      <a:round/>
+                      <a:headEnd type="none" w="med" len="med"/>
+                      <a:tailEnd type="none" w="med" len="med"/>
+                    </a:lnB>
+                    <a:solidFill>
+                      <a:schemeClr val="bg1"/>
+                    </a:solidFill>
+                  </a:tcPr>
+                </a:tc>
+                <a:tc>
+                  <a:txBody>
+                    <a:bodyPr/>
+                    <a:lstStyle/>
+                    <a:p>
+                      <a:pPr algn="ctr" fontAlgn="ctr"/>
+                      <a:r>
+                        <a:rPr lang="ja-JP" altLang="en-US" sz="2000" b="0" i="0" u="none" strike="noStrike">
+                          <a:solidFill>
+                            <a:srgbClr val="000000"/>
+                          </a:solidFill>
+                          <a:effectLst/>
+                          <a:latin typeface="游ゴシック" panose="020B0400000000000000" pitchFamily="34" charset="-128"/>
+                          <a:ea typeface="游ゴシック" panose="020B0400000000000000" pitchFamily="34" charset="-128"/>
+                        </a:rPr>
+                        <a:t>少し</a:t>
+                      </a:r>
+                      <a:endParaRPr lang="en-US" altLang="ja-JP" sz="2000" b="0" i="0" u="none" strike="noStrike" dirty="0">
+                        <a:solidFill>
+                          <a:srgbClr val="000000"/>
+                        </a:solidFill>
+                        <a:effectLst/>
+                        <a:latin typeface="游ゴシック" panose="020B0400000000000000" pitchFamily="34" charset="-128"/>
+                        <a:ea typeface="游ゴシック" panose="020B0400000000000000" pitchFamily="34" charset="-128"/>
+                      </a:endParaRPr>
+                    </a:p>
+                    <a:p>
+                      <a:pPr algn="ctr" fontAlgn="ctr"/>
+                      <a:r>
+                        <a:rPr lang="ja-JP" altLang="en-US" sz="2000" b="0" i="0" u="none" strike="noStrike">
+                          <a:solidFill>
+                            <a:srgbClr val="000000"/>
+                          </a:solidFill>
+                          <a:effectLst/>
+                          <a:latin typeface="游ゴシック" panose="020B0400000000000000" pitchFamily="34" charset="-128"/>
+                          <a:ea typeface="游ゴシック" panose="020B0400000000000000" pitchFamily="34" charset="-128"/>
+                        </a:rPr>
+                        <a:t>難しい</a:t>
+                      </a:r>
+                    </a:p>
+                  </a:txBody>
+                  <a:tcPr marL="6330" marR="6330" marT="6330" marB="0" anchor="ctr">
+                    <a:lnL w="12700" cap="flat" cmpd="sng" algn="ctr">
+                      <a:solidFill>
+                        <a:schemeClr val="tx1"/>
+                      </a:solidFill>
+                      <a:prstDash val="solid"/>
+                      <a:round/>
+                      <a:headEnd type="none" w="med" len="med"/>
+                      <a:tailEnd type="none" w="med" len="med"/>
+                    </a:lnL>
+                    <a:lnR w="12700" cap="flat" cmpd="sng" algn="ctr">
+                      <a:solidFill>
+                        <a:schemeClr val="tx1"/>
+                      </a:solidFill>
+                      <a:prstDash val="solid"/>
+                      <a:round/>
+                      <a:headEnd type="none" w="med" len="med"/>
+                      <a:tailEnd type="none" w="med" len="med"/>
+                    </a:lnR>
+                    <a:lnT w="12700" cap="flat" cmpd="sng" algn="ctr">
+                      <a:solidFill>
+                        <a:schemeClr val="tx1"/>
+                      </a:solidFill>
+                      <a:prstDash val="solid"/>
+                      <a:round/>
+                      <a:headEnd type="none" w="med" len="med"/>
+                      <a:tailEnd type="none" w="med" len="med"/>
+                    </a:lnT>
+                    <a:lnB w="12700" cap="flat" cmpd="sng" algn="ctr">
+                      <a:solidFill>
+                        <a:schemeClr val="tx1"/>
+                      </a:solidFill>
+                      <a:prstDash val="solid"/>
+                      <a:round/>
+                      <a:headEnd type="none" w="med" len="med"/>
+                      <a:tailEnd type="none" w="med" len="med"/>
+                    </a:lnB>
+                    <a:solidFill>
+                      <a:schemeClr val="bg1"/>
+                    </a:solidFill>
+                  </a:tcPr>
+                </a:tc>
+                <a:tc>
+                  <a:txBody>
+                    <a:bodyPr/>
+                    <a:lstStyle/>
+                    <a:p>
+                      <a:pPr algn="ctr" fontAlgn="ctr"/>
+                      <a:r>
+                        <a:rPr lang="ja-JP" altLang="en-US" sz="2000" b="0" i="0" u="none" strike="noStrike">
+                          <a:solidFill>
+                            <a:srgbClr val="000000"/>
+                          </a:solidFill>
+                          <a:effectLst/>
+                          <a:latin typeface="游ゴシック" panose="020B0400000000000000" pitchFamily="34" charset="-128"/>
+                          <a:ea typeface="游ゴシック" panose="020B0400000000000000" pitchFamily="34" charset="-128"/>
+                        </a:rPr>
+                        <a:t>導入や使用法などがあまり詳細に記されていない。</a:t>
+                      </a:r>
+                      <a:endParaRPr lang="en-US" altLang="ja-JP" sz="2000" b="0" i="0" u="none" strike="noStrike" dirty="0">
+                        <a:solidFill>
+                          <a:srgbClr val="000000"/>
+                        </a:solidFill>
+                        <a:effectLst/>
+                        <a:latin typeface="游ゴシック" panose="020B0400000000000000" pitchFamily="34" charset="-128"/>
+                        <a:ea typeface="游ゴシック" panose="020B0400000000000000" pitchFamily="34" charset="-128"/>
+                      </a:endParaRPr>
+                    </a:p>
+                  </a:txBody>
+                  <a:tcPr marL="6330" marR="6330" marT="6330" marB="0" anchor="ctr">
+                    <a:lnL w="12700" cap="flat" cmpd="sng" algn="ctr">
+                      <a:solidFill>
+                        <a:schemeClr val="tx1"/>
+                      </a:solidFill>
+                      <a:prstDash val="solid"/>
+                      <a:round/>
+                      <a:headEnd type="none" w="med" len="med"/>
+                      <a:tailEnd type="none" w="med" len="med"/>
+                    </a:lnL>
+                    <a:lnR w="12700" cap="flat" cmpd="sng" algn="ctr">
+                      <a:solidFill>
+                        <a:schemeClr val="tx1"/>
+                      </a:solidFill>
+                      <a:prstDash val="solid"/>
+                      <a:round/>
+                      <a:headEnd type="none" w="med" len="med"/>
+                      <a:tailEnd type="none" w="med" len="med"/>
+                    </a:lnR>
+                    <a:lnT w="12700" cap="flat" cmpd="sng" algn="ctr">
+                      <a:solidFill>
+                        <a:schemeClr val="tx1"/>
+                      </a:solidFill>
+                      <a:prstDash val="solid"/>
+                      <a:round/>
+                      <a:headEnd type="none" w="med" len="med"/>
+                      <a:tailEnd type="none" w="med" len="med"/>
+                    </a:lnT>
+                    <a:lnB w="12700" cap="flat" cmpd="sng" algn="ctr">
+                      <a:solidFill>
+                        <a:schemeClr val="tx1"/>
+                      </a:solidFill>
+                      <a:prstDash val="solid"/>
+                      <a:round/>
+                      <a:headEnd type="none" w="med" len="med"/>
+                      <a:tailEnd type="none" w="med" len="med"/>
+                    </a:lnB>
+                    <a:solidFill>
+                      <a:schemeClr val="bg1"/>
+                    </a:solidFill>
+                  </a:tcPr>
+                </a:tc>
+                <a:extLst>
+                  <a:ext uri="{0D108BD9-81ED-4DB2-BD59-A6C34878D82A}">
+                    <a16:rowId xmlns:a16="http://schemas.microsoft.com/office/drawing/2014/main" val="1660647023"/>
+                  </a:ext>
+                </a:extLst>
+              </a:tr>
+              <a:tr h="1750959">
+                <a:tc>
+                  <a:txBody>
+                    <a:bodyPr/>
+                    <a:lstStyle/>
+                    <a:p>
+                      <a:pPr algn="ctr" fontAlgn="ctr"/>
+                      <a:r>
+                        <a:rPr lang="en" sz="2000" b="1" u="none" strike="noStrike" dirty="0" err="1">
+                          <a:effectLst/>
+                        </a:rPr>
+                        <a:t>sshuttle</a:t>
+                      </a:r>
+                      <a:endParaRPr lang="en" sz="2000" b="1" i="0" u="none" strike="noStrike" dirty="0">
+                        <a:solidFill>
+                          <a:srgbClr val="000000"/>
+                        </a:solidFill>
+                        <a:effectLst/>
+                        <a:latin typeface="游ゴシック" panose="020B0400000000000000" pitchFamily="34" charset="-128"/>
+                        <a:ea typeface="游ゴシック" panose="020B0400000000000000" pitchFamily="34" charset="-128"/>
+                      </a:endParaRPr>
+                    </a:p>
+                  </a:txBody>
+                  <a:tcPr marL="6330" marR="6330" marT="6330" marB="0" anchor="ctr">
+                    <a:lnL w="12700" cap="flat" cmpd="sng" algn="ctr">
+                      <a:solidFill>
+                        <a:schemeClr val="tx1"/>
+                      </a:solidFill>
+                      <a:prstDash val="solid"/>
+                      <a:round/>
+                      <a:headEnd type="none" w="med" len="med"/>
+                      <a:tailEnd type="none" w="med" len="med"/>
+                    </a:lnL>
+                    <a:lnR w="12700" cap="flat" cmpd="sng" algn="ctr">
+                      <a:solidFill>
+                        <a:schemeClr val="tx1"/>
+                      </a:solidFill>
+                      <a:prstDash val="solid"/>
+                      <a:round/>
+                      <a:headEnd type="none" w="med" len="med"/>
+                      <a:tailEnd type="none" w="med" len="med"/>
+                    </a:lnR>
+                    <a:lnT w="12700" cap="flat" cmpd="sng" algn="ctr">
+                      <a:solidFill>
+                        <a:schemeClr val="tx1"/>
+                      </a:solidFill>
+                      <a:prstDash val="solid"/>
+                      <a:round/>
+                      <a:headEnd type="none" w="med" len="med"/>
+                      <a:tailEnd type="none" w="med" len="med"/>
+                    </a:lnT>
+                    <a:lnB w="12700" cap="flat" cmpd="sng" algn="ctr">
+                      <a:solidFill>
+                        <a:schemeClr val="tx1"/>
+                      </a:solidFill>
+                      <a:prstDash val="solid"/>
+                      <a:round/>
+                      <a:headEnd type="none" w="med" len="med"/>
+                      <a:tailEnd type="none" w="med" len="med"/>
+                    </a:lnB>
+                    <a:solidFill>
+                      <a:schemeClr val="bg2">
+                        <a:lumMod val="90000"/>
+                      </a:schemeClr>
+                    </a:solidFill>
+                  </a:tcPr>
+                </a:tc>
+                <a:tc>
+                  <a:txBody>
+                    <a:bodyPr/>
+                    <a:lstStyle/>
+                    <a:p>
+                      <a:pPr algn="ctr" fontAlgn="ctr"/>
+                      <a:r>
+                        <a:rPr lang="ja-JP" altLang="en-US" sz="2000" u="none" strike="noStrike">
+                          <a:effectLst/>
+                        </a:rPr>
+                        <a:t>擬似的な簡易</a:t>
+                      </a:r>
+                      <a:r>
+                        <a:rPr lang="en" sz="2000" u="none" strike="noStrike" dirty="0">
+                          <a:effectLst/>
+                        </a:rPr>
+                        <a:t>VPN</a:t>
+                      </a:r>
+                      <a:endParaRPr lang="en" sz="2000" b="0" i="0" u="none" strike="noStrike" dirty="0">
+                        <a:solidFill>
+                          <a:srgbClr val="000000"/>
+                        </a:solidFill>
+                        <a:effectLst/>
+                        <a:latin typeface="游ゴシック" panose="020B0400000000000000" pitchFamily="34" charset="-128"/>
+                        <a:ea typeface="游ゴシック" panose="020B0400000000000000" pitchFamily="34" charset="-128"/>
+                      </a:endParaRPr>
+                    </a:p>
+                  </a:txBody>
+                  <a:tcPr marL="6330" marR="6330" marT="6330" marB="0" anchor="ctr">
+                    <a:lnL w="12700" cap="flat" cmpd="sng" algn="ctr">
+                      <a:solidFill>
+                        <a:schemeClr val="tx1"/>
+                      </a:solidFill>
+                      <a:prstDash val="solid"/>
+                      <a:round/>
+                      <a:headEnd type="none" w="med" len="med"/>
+                      <a:tailEnd type="none" w="med" len="med"/>
+                    </a:lnL>
+                    <a:lnR w="12700" cap="flat" cmpd="sng" algn="ctr">
+                      <a:solidFill>
+                        <a:schemeClr val="tx1"/>
+                      </a:solidFill>
+                      <a:prstDash val="solid"/>
+                      <a:round/>
+                      <a:headEnd type="none" w="med" len="med"/>
+                      <a:tailEnd type="none" w="med" len="med"/>
+                    </a:lnR>
+                    <a:lnT w="12700" cap="flat" cmpd="sng" algn="ctr">
+                      <a:solidFill>
+                        <a:schemeClr val="tx1"/>
+                      </a:solidFill>
+                      <a:prstDash val="solid"/>
+                      <a:round/>
+                      <a:headEnd type="none" w="med" len="med"/>
+                      <a:tailEnd type="none" w="med" len="med"/>
+                    </a:lnT>
+                    <a:lnB w="12700" cap="flat" cmpd="sng" algn="ctr">
+                      <a:solidFill>
+                        <a:schemeClr val="tx1"/>
+                      </a:solidFill>
+                      <a:prstDash val="solid"/>
+                      <a:round/>
+                      <a:headEnd type="none" w="med" len="med"/>
+                      <a:tailEnd type="none" w="med" len="med"/>
+                    </a:lnB>
+                    <a:solidFill>
+                      <a:schemeClr val="bg1"/>
+                    </a:solidFill>
+                  </a:tcPr>
+                </a:tc>
+                <a:tc>
+                  <a:txBody>
+                    <a:bodyPr/>
+                    <a:lstStyle/>
+                    <a:p>
+                      <a:pPr algn="ctr" fontAlgn="ctr"/>
+                      <a:r>
+                        <a:rPr lang="ja-JP" altLang="en-US" sz="2000" u="none" strike="noStrike">
+                          <a:effectLst/>
+                        </a:rPr>
+                        <a:t>あり</a:t>
+                      </a:r>
+                      <a:endParaRPr lang="ja-JP" altLang="en-US" sz="2000" b="0" i="0" u="none" strike="noStrike">
+                        <a:solidFill>
+                          <a:srgbClr val="000000"/>
+                        </a:solidFill>
+                        <a:effectLst/>
+                        <a:latin typeface="游ゴシック" panose="020B0400000000000000" pitchFamily="34" charset="-128"/>
+                        <a:ea typeface="游ゴシック" panose="020B0400000000000000" pitchFamily="34" charset="-128"/>
+                      </a:endParaRPr>
+                    </a:p>
+                  </a:txBody>
+                  <a:tcPr marL="6330" marR="6330" marT="6330" marB="0" anchor="ctr">
+                    <a:lnL w="12700" cap="flat" cmpd="sng" algn="ctr">
+                      <a:solidFill>
+                        <a:schemeClr val="tx1"/>
+                      </a:solidFill>
+                      <a:prstDash val="solid"/>
+                      <a:round/>
+                      <a:headEnd type="none" w="med" len="med"/>
+                      <a:tailEnd type="none" w="med" len="med"/>
+                    </a:lnL>
+                    <a:lnR w="12700" cap="flat" cmpd="sng" algn="ctr">
+                      <a:solidFill>
+                        <a:schemeClr val="tx1"/>
+                      </a:solidFill>
+                      <a:prstDash val="solid"/>
+                      <a:round/>
+                      <a:headEnd type="none" w="med" len="med"/>
+                      <a:tailEnd type="none" w="med" len="med"/>
+                    </a:lnR>
+                    <a:lnT w="12700" cap="flat" cmpd="sng" algn="ctr">
+                      <a:solidFill>
+                        <a:schemeClr val="tx1"/>
+                      </a:solidFill>
+                      <a:prstDash val="solid"/>
+                      <a:round/>
+                      <a:headEnd type="none" w="med" len="med"/>
+                      <a:tailEnd type="none" w="med" len="med"/>
+                    </a:lnT>
+                    <a:lnB w="12700" cap="flat" cmpd="sng" algn="ctr">
+                      <a:solidFill>
+                        <a:schemeClr val="tx1"/>
+                      </a:solidFill>
+                      <a:prstDash val="solid"/>
+                      <a:round/>
+                      <a:headEnd type="none" w="med" len="med"/>
+                      <a:tailEnd type="none" w="med" len="med"/>
+                    </a:lnB>
+                    <a:solidFill>
+                      <a:schemeClr val="bg1"/>
+                    </a:solidFill>
+                  </a:tcPr>
+                </a:tc>
+                <a:tc>
+                  <a:txBody>
+                    <a:bodyPr/>
+                    <a:lstStyle/>
+                    <a:p>
+                      <a:pPr algn="ctr" fontAlgn="ctr"/>
+                      <a:r>
+                        <a:rPr lang="en" sz="2000" u="none" strike="noStrike" dirty="0">
+                          <a:effectLst/>
+                        </a:rPr>
+                        <a:t>※VPN</a:t>
+                      </a:r>
+                      <a:endParaRPr lang="en" sz="2000" b="0" i="0" u="none" strike="noStrike" dirty="0">
+                        <a:solidFill>
+                          <a:srgbClr val="000000"/>
+                        </a:solidFill>
+                        <a:effectLst/>
+                        <a:latin typeface="游ゴシック" panose="020B0400000000000000" pitchFamily="34" charset="-128"/>
+                        <a:ea typeface="游ゴシック" panose="020B0400000000000000" pitchFamily="34" charset="-128"/>
+                      </a:endParaRPr>
+                    </a:p>
+                  </a:txBody>
+                  <a:tcPr marL="6330" marR="6330" marT="6330" marB="0" anchor="ctr">
+                    <a:lnL w="12700" cap="flat" cmpd="sng" algn="ctr">
+                      <a:solidFill>
+                        <a:schemeClr val="tx1"/>
+                      </a:solidFill>
+                      <a:prstDash val="solid"/>
+                      <a:round/>
+                      <a:headEnd type="none" w="med" len="med"/>
+                      <a:tailEnd type="none" w="med" len="med"/>
+                    </a:lnL>
+                    <a:lnR w="12700" cap="flat" cmpd="sng" algn="ctr">
+                      <a:solidFill>
+                        <a:schemeClr val="tx1"/>
+                      </a:solidFill>
+                      <a:prstDash val="solid"/>
+                      <a:round/>
+                      <a:headEnd type="none" w="med" len="med"/>
+                      <a:tailEnd type="none" w="med" len="med"/>
+                    </a:lnR>
+                    <a:lnT w="12700" cap="flat" cmpd="sng" algn="ctr">
+                      <a:solidFill>
+                        <a:schemeClr val="tx1"/>
+                      </a:solidFill>
+                      <a:prstDash val="solid"/>
+                      <a:round/>
+                      <a:headEnd type="none" w="med" len="med"/>
+                      <a:tailEnd type="none" w="med" len="med"/>
+                    </a:lnT>
+                    <a:lnB w="12700" cap="flat" cmpd="sng" algn="ctr">
+                      <a:solidFill>
+                        <a:schemeClr val="tx1"/>
+                      </a:solidFill>
+                      <a:prstDash val="solid"/>
+                      <a:round/>
+                      <a:headEnd type="none" w="med" len="med"/>
+                      <a:tailEnd type="none" w="med" len="med"/>
+                    </a:lnB>
+                    <a:solidFill>
+                      <a:schemeClr val="bg1"/>
+                    </a:solidFill>
+                  </a:tcPr>
+                </a:tc>
+                <a:tc>
+                  <a:txBody>
+                    <a:bodyPr/>
+                    <a:lstStyle/>
+                    <a:p>
+                      <a:pPr algn="ctr" fontAlgn="ctr"/>
+                      <a:r>
+                        <a:rPr lang="ja-JP" altLang="en-US" sz="2000" u="none" strike="noStrike">
+                          <a:effectLst/>
+                        </a:rPr>
+                        <a:t>なし</a:t>
+                      </a:r>
+                      <a:endParaRPr lang="ja-JP" altLang="en-US" sz="2000" b="0" i="0" u="none" strike="noStrike">
+                        <a:solidFill>
+                          <a:srgbClr val="000000"/>
+                        </a:solidFill>
+                        <a:effectLst/>
+                        <a:latin typeface="游ゴシック" panose="020B0400000000000000" pitchFamily="34" charset="-128"/>
+                        <a:ea typeface="游ゴシック" panose="020B0400000000000000" pitchFamily="34" charset="-128"/>
+                      </a:endParaRPr>
+                    </a:p>
+                  </a:txBody>
+                  <a:tcPr marL="6330" marR="6330" marT="6330" marB="0" anchor="ctr">
+                    <a:lnL w="12700" cap="flat" cmpd="sng" algn="ctr">
+                      <a:solidFill>
+                        <a:schemeClr val="tx1"/>
+                      </a:solidFill>
+                      <a:prstDash val="solid"/>
+                      <a:round/>
+                      <a:headEnd type="none" w="med" len="med"/>
+                      <a:tailEnd type="none" w="med" len="med"/>
+                    </a:lnL>
+                    <a:lnR w="12700" cap="flat" cmpd="sng" algn="ctr">
+                      <a:solidFill>
+                        <a:schemeClr val="tx1"/>
+                      </a:solidFill>
+                      <a:prstDash val="solid"/>
+                      <a:round/>
+                      <a:headEnd type="none" w="med" len="med"/>
+                      <a:tailEnd type="none" w="med" len="med"/>
+                    </a:lnR>
+                    <a:lnT w="12700" cap="flat" cmpd="sng" algn="ctr">
+                      <a:solidFill>
+                        <a:schemeClr val="tx1"/>
+                      </a:solidFill>
+                      <a:prstDash val="solid"/>
+                      <a:round/>
+                      <a:headEnd type="none" w="med" len="med"/>
+                      <a:tailEnd type="none" w="med" len="med"/>
+                    </a:lnT>
+                    <a:lnB w="12700" cap="flat" cmpd="sng" algn="ctr">
+                      <a:solidFill>
+                        <a:schemeClr val="tx1"/>
+                      </a:solidFill>
+                      <a:prstDash val="solid"/>
+                      <a:round/>
+                      <a:headEnd type="none" w="med" len="med"/>
+                      <a:tailEnd type="none" w="med" len="med"/>
+                    </a:lnB>
+                    <a:solidFill>
+                      <a:schemeClr val="bg1"/>
+                    </a:solidFill>
+                  </a:tcPr>
+                </a:tc>
+                <a:tc>
+                  <a:txBody>
+                    <a:bodyPr/>
+                    <a:lstStyle/>
+                    <a:p>
+                      <a:pPr algn="ctr" fontAlgn="ctr"/>
+                      <a:r>
+                        <a:rPr lang="ja-JP" altLang="en-US" sz="2000" u="none" strike="noStrike">
+                          <a:effectLst/>
+                        </a:rPr>
+                        <a:t>クライアント</a:t>
+                      </a:r>
+                      <a:endParaRPr lang="ja-JP" altLang="en-US" sz="2000" b="0" i="0" u="none" strike="noStrike">
+                        <a:solidFill>
+                          <a:srgbClr val="000000"/>
+                        </a:solidFill>
+                        <a:effectLst/>
+                        <a:latin typeface="游ゴシック" panose="020B0400000000000000" pitchFamily="34" charset="-128"/>
+                        <a:ea typeface="游ゴシック" panose="020B0400000000000000" pitchFamily="34" charset="-128"/>
+                      </a:endParaRPr>
+                    </a:p>
+                  </a:txBody>
+                  <a:tcPr marL="6330" marR="6330" marT="6330" marB="0" anchor="ctr">
+                    <a:lnL w="12700" cap="flat" cmpd="sng" algn="ctr">
+                      <a:solidFill>
+                        <a:schemeClr val="tx1"/>
+                      </a:solidFill>
+                      <a:prstDash val="solid"/>
+                      <a:round/>
+                      <a:headEnd type="none" w="med" len="med"/>
+                      <a:tailEnd type="none" w="med" len="med"/>
+                    </a:lnL>
+                    <a:lnR w="12700" cap="flat" cmpd="sng" algn="ctr">
+                      <a:solidFill>
+                        <a:schemeClr val="tx1"/>
+                      </a:solidFill>
+                      <a:prstDash val="solid"/>
+                      <a:round/>
+                      <a:headEnd type="none" w="med" len="med"/>
+                      <a:tailEnd type="none" w="med" len="med"/>
+                    </a:lnR>
+                    <a:lnT w="12700" cap="flat" cmpd="sng" algn="ctr">
+                      <a:solidFill>
+                        <a:schemeClr val="tx1"/>
+                      </a:solidFill>
+                      <a:prstDash val="solid"/>
+                      <a:round/>
+                      <a:headEnd type="none" w="med" len="med"/>
+                      <a:tailEnd type="none" w="med" len="med"/>
+                    </a:lnT>
+                    <a:lnB w="12700" cap="flat" cmpd="sng" algn="ctr">
+                      <a:solidFill>
+                        <a:schemeClr val="tx1"/>
+                      </a:solidFill>
+                      <a:prstDash val="solid"/>
+                      <a:round/>
+                      <a:headEnd type="none" w="med" len="med"/>
+                      <a:tailEnd type="none" w="med" len="med"/>
+                    </a:lnB>
+                    <a:solidFill>
+                      <a:schemeClr val="bg1"/>
+                    </a:solidFill>
+                  </a:tcPr>
+                </a:tc>
+                <a:tc>
+                  <a:txBody>
+                    <a:bodyPr/>
+                    <a:lstStyle/>
+                    <a:p>
+                      <a:pPr algn="ctr" fontAlgn="ctr"/>
+                      <a:r>
+                        <a:rPr lang="ja-JP" altLang="en-US" sz="2000" u="none" strike="noStrike">
+                          <a:effectLst/>
+                        </a:rPr>
+                        <a:t>易しい</a:t>
+                      </a:r>
+                      <a:endParaRPr lang="ja-JP" altLang="en-US" sz="2000" b="0" i="0" u="none" strike="noStrike">
+                        <a:solidFill>
+                          <a:srgbClr val="000000"/>
+                        </a:solidFill>
+                        <a:effectLst/>
+                        <a:latin typeface="游ゴシック" panose="020B0400000000000000" pitchFamily="34" charset="-128"/>
+                        <a:ea typeface="游ゴシック" panose="020B0400000000000000" pitchFamily="34" charset="-128"/>
+                      </a:endParaRPr>
+                    </a:p>
+                  </a:txBody>
+                  <a:tcPr marL="6330" marR="6330" marT="6330" marB="0" anchor="ctr">
+                    <a:lnL w="12700" cap="flat" cmpd="sng" algn="ctr">
+                      <a:solidFill>
+                        <a:schemeClr val="tx1"/>
+                      </a:solidFill>
+                      <a:prstDash val="solid"/>
+                      <a:round/>
+                      <a:headEnd type="none" w="med" len="med"/>
+                      <a:tailEnd type="none" w="med" len="med"/>
+                    </a:lnL>
+                    <a:lnR w="12700" cap="flat" cmpd="sng" algn="ctr">
+                      <a:solidFill>
+                        <a:schemeClr val="tx1"/>
+                      </a:solidFill>
+                      <a:prstDash val="solid"/>
+                      <a:round/>
+                      <a:headEnd type="none" w="med" len="med"/>
+                      <a:tailEnd type="none" w="med" len="med"/>
+                    </a:lnR>
+                    <a:lnT w="12700" cap="flat" cmpd="sng" algn="ctr">
+                      <a:solidFill>
+                        <a:schemeClr val="tx1"/>
+                      </a:solidFill>
+                      <a:prstDash val="solid"/>
+                      <a:round/>
+                      <a:headEnd type="none" w="med" len="med"/>
+                      <a:tailEnd type="none" w="med" len="med"/>
+                    </a:lnT>
+                    <a:lnB w="12700" cap="flat" cmpd="sng" algn="ctr">
+                      <a:solidFill>
+                        <a:schemeClr val="tx1"/>
+                      </a:solidFill>
+                      <a:prstDash val="solid"/>
+                      <a:round/>
+                      <a:headEnd type="none" w="med" len="med"/>
+                      <a:tailEnd type="none" w="med" len="med"/>
+                    </a:lnB>
+                    <a:solidFill>
+                      <a:schemeClr val="bg1"/>
+                    </a:solidFill>
+                  </a:tcPr>
+                </a:tc>
+                <a:tc>
+                  <a:txBody>
+                    <a:bodyPr/>
+                    <a:lstStyle/>
+                    <a:p>
+                      <a:pPr marL="0" marR="0" lvl="0" indent="0" algn="ctr" defTabSz="914400" rtl="0" eaLnBrk="1" fontAlgn="ctr" latinLnBrk="0" hangingPunct="1">
+                        <a:lnSpc>
+                          <a:spcPct val="100000"/>
+                        </a:lnSpc>
+                        <a:spcBef>
+                          <a:spcPts val="0"/>
+                        </a:spcBef>
+                        <a:spcAft>
+                          <a:spcPts val="0"/>
+                        </a:spcAft>
+                        <a:buClrTx/>
+                        <a:buSzTx/>
+                        <a:buFontTx/>
+                        <a:buNone/>
+                        <a:tabLst/>
+                        <a:defRPr/>
+                      </a:pPr>
+                      <a:r>
+                        <a:rPr lang="ja-JP" altLang="en-US" sz="2000" b="0" i="0" u="none" strike="noStrike">
+                          <a:solidFill>
+                            <a:srgbClr val="000000"/>
+                          </a:solidFill>
+                          <a:effectLst/>
+                          <a:latin typeface="游ゴシック" panose="020B0400000000000000" pitchFamily="34" charset="-128"/>
+                          <a:ea typeface="+mn-ea"/>
+                        </a:rPr>
+                        <a:t>専用のサイトが用意されている上に、導入手順が詳細に記されている。</a:t>
+                      </a:r>
+                      <a:endParaRPr lang="en-US" altLang="ja-JP" sz="2000" b="0" i="0" u="none" strike="noStrike" dirty="0">
+                        <a:solidFill>
+                          <a:srgbClr val="000000"/>
+                        </a:solidFill>
+                        <a:effectLst/>
+                        <a:latin typeface="游ゴシック" panose="020B0400000000000000" pitchFamily="34" charset="-128"/>
+                        <a:ea typeface="+mn-ea"/>
+                      </a:endParaRPr>
+                    </a:p>
+                  </a:txBody>
+                  <a:tcPr marL="6330" marR="6330" marT="6330" marB="0" anchor="ctr">
+                    <a:lnL w="12700" cap="flat" cmpd="sng" algn="ctr">
+                      <a:solidFill>
+                        <a:schemeClr val="tx1"/>
+                      </a:solidFill>
+                      <a:prstDash val="solid"/>
+                      <a:round/>
+                      <a:headEnd type="none" w="med" len="med"/>
+                      <a:tailEnd type="none" w="med" len="med"/>
+                    </a:lnL>
+                    <a:lnR w="12700" cap="flat" cmpd="sng" algn="ctr">
+                      <a:solidFill>
+                        <a:schemeClr val="tx1"/>
+                      </a:solidFill>
+                      <a:prstDash val="solid"/>
+                      <a:round/>
+                      <a:headEnd type="none" w="med" len="med"/>
+                      <a:tailEnd type="none" w="med" len="med"/>
+                    </a:lnR>
+                    <a:lnT w="12700" cap="flat" cmpd="sng" algn="ctr">
+                      <a:solidFill>
+                        <a:schemeClr val="tx1"/>
+                      </a:solidFill>
+                      <a:prstDash val="solid"/>
+                      <a:round/>
+                      <a:headEnd type="none" w="med" len="med"/>
+                      <a:tailEnd type="none" w="med" len="med"/>
+                    </a:lnT>
+                    <a:lnB w="12700" cap="flat" cmpd="sng" algn="ctr">
+                      <a:solidFill>
+                        <a:schemeClr val="tx1"/>
+                      </a:solidFill>
+                      <a:prstDash val="solid"/>
+                      <a:round/>
+                      <a:headEnd type="none" w="med" len="med"/>
+                      <a:tailEnd type="none" w="med" len="med"/>
+                    </a:lnB>
+                    <a:solidFill>
+                      <a:schemeClr val="bg1"/>
+                    </a:solidFill>
+                  </a:tcPr>
+                </a:tc>
+                <a:extLst>
+                  <a:ext uri="{0D108BD9-81ED-4DB2-BD59-A6C34878D82A}">
+                    <a16:rowId xmlns:a16="http://schemas.microsoft.com/office/drawing/2014/main" val="3492699583"/>
+                  </a:ext>
+                </a:extLst>
+              </a:tr>
+              <a:tr h="1750959">
+                <a:tc>
+                  <a:txBody>
+                    <a:bodyPr/>
+                    <a:lstStyle/>
+                    <a:p>
+                      <a:pPr algn="ctr" fontAlgn="ctr"/>
+                      <a:r>
+                        <a:rPr lang="en" sz="2000" b="1" u="none" strike="noStrike" dirty="0" err="1">
+                          <a:effectLst/>
+                        </a:rPr>
+                        <a:t>sshpiper</a:t>
+                      </a:r>
+                      <a:endParaRPr lang="en" sz="2000" b="1" i="0" u="none" strike="noStrike" dirty="0">
+                        <a:solidFill>
+                          <a:srgbClr val="000000"/>
+                        </a:solidFill>
+                        <a:effectLst/>
+                        <a:latin typeface="游ゴシック" panose="020B0400000000000000" pitchFamily="34" charset="-128"/>
+                        <a:ea typeface="游ゴシック" panose="020B0400000000000000" pitchFamily="34" charset="-128"/>
+                      </a:endParaRPr>
+                    </a:p>
+                  </a:txBody>
+                  <a:tcPr marL="6330" marR="6330" marT="6330" marB="0" anchor="ctr">
+                    <a:lnL w="12700" cap="flat" cmpd="sng" algn="ctr">
+                      <a:solidFill>
+                        <a:schemeClr val="tx1"/>
+                      </a:solidFill>
+                      <a:prstDash val="solid"/>
+                      <a:round/>
+                      <a:headEnd type="none" w="med" len="med"/>
+                      <a:tailEnd type="none" w="med" len="med"/>
+                    </a:lnL>
+                    <a:lnR w="12700" cap="flat" cmpd="sng" algn="ctr">
+                      <a:solidFill>
+                        <a:schemeClr val="tx1"/>
+                      </a:solidFill>
+                      <a:prstDash val="solid"/>
+                      <a:round/>
+                      <a:headEnd type="none" w="med" len="med"/>
+                      <a:tailEnd type="none" w="med" len="med"/>
+                    </a:lnR>
+                    <a:lnT w="12700" cap="flat" cmpd="sng" algn="ctr">
+                      <a:solidFill>
+                        <a:schemeClr val="tx1"/>
+                      </a:solidFill>
+                      <a:prstDash val="solid"/>
+                      <a:round/>
+                      <a:headEnd type="none" w="med" len="med"/>
+                      <a:tailEnd type="none" w="med" len="med"/>
+                    </a:lnT>
+                    <a:lnB w="12700" cap="flat" cmpd="sng" algn="ctr">
+                      <a:solidFill>
+                        <a:schemeClr val="tx1"/>
+                      </a:solidFill>
+                      <a:prstDash val="solid"/>
+                      <a:round/>
+                      <a:headEnd type="none" w="med" len="med"/>
+                      <a:tailEnd type="none" w="med" len="med"/>
+                    </a:lnB>
+                    <a:solidFill>
+                      <a:schemeClr val="bg2">
+                        <a:lumMod val="90000"/>
+                      </a:schemeClr>
+                    </a:solidFill>
+                  </a:tcPr>
+                </a:tc>
+                <a:tc>
+                  <a:txBody>
+                    <a:bodyPr/>
+                    <a:lstStyle/>
+                    <a:p>
+                      <a:pPr algn="ctr" fontAlgn="ctr"/>
+                      <a:r>
+                        <a:rPr lang="ja-JP" altLang="en-US" sz="2000" u="none" strike="noStrike">
+                          <a:effectLst/>
+                        </a:rPr>
+                        <a:t>プロキシーのような</a:t>
+                      </a:r>
+                      <a:endParaRPr lang="en-US" altLang="ja-JP" sz="2000" u="none" strike="noStrike" dirty="0">
+                        <a:effectLst/>
+                      </a:endParaRPr>
+                    </a:p>
+                    <a:p>
+                      <a:pPr algn="ctr" fontAlgn="ctr"/>
+                      <a:r>
+                        <a:rPr lang="ja-JP" altLang="en-US" sz="2000" u="none" strike="noStrike">
+                          <a:effectLst/>
+                        </a:rPr>
+                        <a:t>ソフトウェア</a:t>
+                      </a:r>
+                      <a:endParaRPr lang="ja-JP" altLang="en-US" sz="2000" b="0" i="0" u="none" strike="noStrike">
+                        <a:solidFill>
+                          <a:srgbClr val="000000"/>
+                        </a:solidFill>
+                        <a:effectLst/>
+                        <a:latin typeface="游ゴシック" panose="020B0400000000000000" pitchFamily="34" charset="-128"/>
+                        <a:ea typeface="游ゴシック" panose="020B0400000000000000" pitchFamily="34" charset="-128"/>
+                      </a:endParaRPr>
+                    </a:p>
+                  </a:txBody>
+                  <a:tcPr marL="6330" marR="6330" marT="6330" marB="0" anchor="ctr">
+                    <a:lnL w="12700" cap="flat" cmpd="sng" algn="ctr">
+                      <a:solidFill>
+                        <a:schemeClr val="tx1"/>
+                      </a:solidFill>
+                      <a:prstDash val="solid"/>
+                      <a:round/>
+                      <a:headEnd type="none" w="med" len="med"/>
+                      <a:tailEnd type="none" w="med" len="med"/>
+                    </a:lnL>
+                    <a:lnR w="12700" cap="flat" cmpd="sng" algn="ctr">
+                      <a:solidFill>
+                        <a:schemeClr val="tx1"/>
+                      </a:solidFill>
+                      <a:prstDash val="solid"/>
+                      <a:round/>
+                      <a:headEnd type="none" w="med" len="med"/>
+                      <a:tailEnd type="none" w="med" len="med"/>
+                    </a:lnR>
+                    <a:lnT w="12700" cap="flat" cmpd="sng" algn="ctr">
+                      <a:solidFill>
+                        <a:schemeClr val="tx1"/>
+                      </a:solidFill>
+                      <a:prstDash val="solid"/>
+                      <a:round/>
+                      <a:headEnd type="none" w="med" len="med"/>
+                      <a:tailEnd type="none" w="med" len="med"/>
+                    </a:lnT>
+                    <a:lnB w="12700" cap="flat" cmpd="sng" algn="ctr">
+                      <a:solidFill>
+                        <a:schemeClr val="tx1"/>
+                      </a:solidFill>
+                      <a:prstDash val="solid"/>
+                      <a:round/>
+                      <a:headEnd type="none" w="med" len="med"/>
+                      <a:tailEnd type="none" w="med" len="med"/>
+                    </a:lnB>
+                    <a:solidFill>
+                      <a:schemeClr val="bg1"/>
+                    </a:solidFill>
+                  </a:tcPr>
+                </a:tc>
+                <a:tc>
+                  <a:txBody>
+                    <a:bodyPr/>
+                    <a:lstStyle/>
+                    <a:p>
+                      <a:pPr algn="ctr" fontAlgn="ctr"/>
+                      <a:r>
+                        <a:rPr lang="ja-JP" altLang="en-US" sz="2000" u="none" strike="noStrike">
+                          <a:effectLst/>
+                        </a:rPr>
+                        <a:t>あり</a:t>
+                      </a:r>
+                      <a:endParaRPr lang="ja-JP" altLang="en-US" sz="2000" b="0" i="0" u="none" strike="noStrike">
+                        <a:solidFill>
+                          <a:srgbClr val="000000"/>
+                        </a:solidFill>
+                        <a:effectLst/>
+                        <a:latin typeface="游ゴシック" panose="020B0400000000000000" pitchFamily="34" charset="-128"/>
+                        <a:ea typeface="游ゴシック" panose="020B0400000000000000" pitchFamily="34" charset="-128"/>
+                      </a:endParaRPr>
+                    </a:p>
+                  </a:txBody>
+                  <a:tcPr marL="6330" marR="6330" marT="6330" marB="0" anchor="ctr">
+                    <a:lnL w="12700" cap="flat" cmpd="sng" algn="ctr">
+                      <a:solidFill>
+                        <a:schemeClr val="tx1"/>
+                      </a:solidFill>
+                      <a:prstDash val="solid"/>
+                      <a:round/>
+                      <a:headEnd type="none" w="med" len="med"/>
+                      <a:tailEnd type="none" w="med" len="med"/>
+                    </a:lnL>
+                    <a:lnR w="12700" cap="flat" cmpd="sng" algn="ctr">
+                      <a:solidFill>
+                        <a:schemeClr val="tx1"/>
+                      </a:solidFill>
+                      <a:prstDash val="solid"/>
+                      <a:round/>
+                      <a:headEnd type="none" w="med" len="med"/>
+                      <a:tailEnd type="none" w="med" len="med"/>
+                    </a:lnR>
+                    <a:lnT w="12700" cap="flat" cmpd="sng" algn="ctr">
+                      <a:solidFill>
+                        <a:schemeClr val="tx1"/>
+                      </a:solidFill>
+                      <a:prstDash val="solid"/>
+                      <a:round/>
+                      <a:headEnd type="none" w="med" len="med"/>
+                      <a:tailEnd type="none" w="med" len="med"/>
+                    </a:lnT>
+                    <a:lnB w="12700" cap="flat" cmpd="sng" algn="ctr">
+                      <a:solidFill>
+                        <a:schemeClr val="tx1"/>
+                      </a:solidFill>
+                      <a:prstDash val="solid"/>
+                      <a:round/>
+                      <a:headEnd type="none" w="med" len="med"/>
+                      <a:tailEnd type="none" w="med" len="med"/>
+                    </a:lnB>
+                    <a:solidFill>
+                      <a:schemeClr val="bg1"/>
+                    </a:solidFill>
+                  </a:tcPr>
+                </a:tc>
+                <a:tc>
+                  <a:txBody>
+                    <a:bodyPr/>
+                    <a:lstStyle/>
+                    <a:p>
+                      <a:pPr algn="ctr" fontAlgn="ctr"/>
+                      <a:r>
+                        <a:rPr lang="en" sz="2000" u="none" strike="noStrike" dirty="0">
+                          <a:effectLst/>
+                        </a:rPr>
+                        <a:t>RSA</a:t>
+                      </a:r>
+                      <a:endParaRPr lang="en" sz="2000" b="0" i="0" u="none" strike="noStrike" dirty="0">
+                        <a:solidFill>
+                          <a:srgbClr val="000000"/>
+                        </a:solidFill>
+                        <a:effectLst/>
+                        <a:latin typeface="游ゴシック" panose="020B0400000000000000" pitchFamily="34" charset="-128"/>
+                        <a:ea typeface="游ゴシック" panose="020B0400000000000000" pitchFamily="34" charset="-128"/>
+                      </a:endParaRPr>
+                    </a:p>
+                  </a:txBody>
+                  <a:tcPr marL="6330" marR="6330" marT="6330" marB="0" anchor="ctr">
+                    <a:lnL w="12700" cap="flat" cmpd="sng" algn="ctr">
+                      <a:solidFill>
+                        <a:schemeClr val="tx1"/>
+                      </a:solidFill>
+                      <a:prstDash val="solid"/>
+                      <a:round/>
+                      <a:headEnd type="none" w="med" len="med"/>
+                      <a:tailEnd type="none" w="med" len="med"/>
+                    </a:lnL>
+                    <a:lnR w="12700" cap="flat" cmpd="sng" algn="ctr">
+                      <a:solidFill>
+                        <a:schemeClr val="tx1"/>
+                      </a:solidFill>
+                      <a:prstDash val="solid"/>
+                      <a:round/>
+                      <a:headEnd type="none" w="med" len="med"/>
+                      <a:tailEnd type="none" w="med" len="med"/>
+                    </a:lnR>
+                    <a:lnT w="12700" cap="flat" cmpd="sng" algn="ctr">
+                      <a:solidFill>
+                        <a:schemeClr val="tx1"/>
+                      </a:solidFill>
+                      <a:prstDash val="solid"/>
+                      <a:round/>
+                      <a:headEnd type="none" w="med" len="med"/>
+                      <a:tailEnd type="none" w="med" len="med"/>
+                    </a:lnT>
+                    <a:lnB w="12700" cap="flat" cmpd="sng" algn="ctr">
+                      <a:solidFill>
+                        <a:schemeClr val="tx1"/>
+                      </a:solidFill>
+                      <a:prstDash val="solid"/>
+                      <a:round/>
+                      <a:headEnd type="none" w="med" len="med"/>
+                      <a:tailEnd type="none" w="med" len="med"/>
+                    </a:lnB>
+                    <a:solidFill>
+                      <a:schemeClr val="bg1"/>
+                    </a:solidFill>
+                  </a:tcPr>
+                </a:tc>
+                <a:tc>
+                  <a:txBody>
+                    <a:bodyPr/>
+                    <a:lstStyle/>
+                    <a:p>
+                      <a:pPr algn="ctr" fontAlgn="ctr"/>
+                      <a:r>
+                        <a:rPr lang="ja-JP" altLang="en-US" sz="2000" b="0" i="0" u="none" strike="noStrike">
+                          <a:solidFill>
+                            <a:srgbClr val="000000"/>
+                          </a:solidFill>
+                          <a:effectLst/>
+                          <a:latin typeface="游ゴシック" panose="020B0400000000000000" pitchFamily="34" charset="-128"/>
+                          <a:ea typeface="游ゴシック" panose="020B0400000000000000" pitchFamily="34" charset="-128"/>
+                        </a:rPr>
+                        <a:t>あり</a:t>
+                      </a:r>
+                    </a:p>
+                  </a:txBody>
+                  <a:tcPr marL="6330" marR="6330" marT="6330" marB="0" anchor="ctr">
+                    <a:lnL w="12700" cap="flat" cmpd="sng" algn="ctr">
+                      <a:solidFill>
+                        <a:schemeClr val="tx1"/>
+                      </a:solidFill>
+                      <a:prstDash val="solid"/>
+                      <a:round/>
+                      <a:headEnd type="none" w="med" len="med"/>
+                      <a:tailEnd type="none" w="med" len="med"/>
+                    </a:lnL>
+                    <a:lnR w="12700" cap="flat" cmpd="sng" algn="ctr">
+                      <a:solidFill>
+                        <a:schemeClr val="tx1"/>
+                      </a:solidFill>
+                      <a:prstDash val="solid"/>
+                      <a:round/>
+                      <a:headEnd type="none" w="med" len="med"/>
+                      <a:tailEnd type="none" w="med" len="med"/>
+                    </a:lnR>
+                    <a:lnT w="12700" cap="flat" cmpd="sng" algn="ctr">
+                      <a:solidFill>
+                        <a:schemeClr val="tx1"/>
+                      </a:solidFill>
+                      <a:prstDash val="solid"/>
+                      <a:round/>
+                      <a:headEnd type="none" w="med" len="med"/>
+                      <a:tailEnd type="none" w="med" len="med"/>
+                    </a:lnT>
+                    <a:lnB w="12700" cap="flat" cmpd="sng" algn="ctr">
+                      <a:solidFill>
+                        <a:schemeClr val="tx1"/>
+                      </a:solidFill>
+                      <a:prstDash val="solid"/>
+                      <a:round/>
+                      <a:headEnd type="none" w="med" len="med"/>
+                      <a:tailEnd type="none" w="med" len="med"/>
+                    </a:lnB>
+                    <a:solidFill>
+                      <a:schemeClr val="bg1"/>
+                    </a:solidFill>
+                  </a:tcPr>
+                </a:tc>
+                <a:tc>
+                  <a:txBody>
+                    <a:bodyPr/>
+                    <a:lstStyle/>
+                    <a:p>
+                      <a:pPr algn="ctr" fontAlgn="ctr"/>
+                      <a:r>
+                        <a:rPr lang="ja-JP" altLang="en-US" sz="2000" u="none" strike="noStrike">
+                          <a:effectLst/>
+                        </a:rPr>
+                        <a:t>クライアント</a:t>
+                      </a:r>
+                      <a:endParaRPr lang="ja-JP" altLang="en-US" sz="2000" b="0" i="0" u="none" strike="noStrike">
+                        <a:solidFill>
+                          <a:srgbClr val="000000"/>
+                        </a:solidFill>
+                        <a:effectLst/>
+                        <a:latin typeface="游ゴシック" panose="020B0400000000000000" pitchFamily="34" charset="-128"/>
+                        <a:ea typeface="游ゴシック" panose="020B0400000000000000" pitchFamily="34" charset="-128"/>
+                      </a:endParaRPr>
+                    </a:p>
+                  </a:txBody>
+                  <a:tcPr marL="6330" marR="6330" marT="6330" marB="0" anchor="ctr">
+                    <a:lnL w="12700" cap="flat" cmpd="sng" algn="ctr">
+                      <a:solidFill>
+                        <a:schemeClr val="tx1"/>
+                      </a:solidFill>
+                      <a:prstDash val="solid"/>
+                      <a:round/>
+                      <a:headEnd type="none" w="med" len="med"/>
+                      <a:tailEnd type="none" w="med" len="med"/>
+                    </a:lnL>
+                    <a:lnR w="12700" cap="flat" cmpd="sng" algn="ctr">
+                      <a:solidFill>
+                        <a:schemeClr val="tx1"/>
+                      </a:solidFill>
+                      <a:prstDash val="solid"/>
+                      <a:round/>
+                      <a:headEnd type="none" w="med" len="med"/>
+                      <a:tailEnd type="none" w="med" len="med"/>
+                    </a:lnR>
+                    <a:lnT w="12700" cap="flat" cmpd="sng" algn="ctr">
+                      <a:solidFill>
+                        <a:schemeClr val="tx1"/>
+                      </a:solidFill>
+                      <a:prstDash val="solid"/>
+                      <a:round/>
+                      <a:headEnd type="none" w="med" len="med"/>
+                      <a:tailEnd type="none" w="med" len="med"/>
+                    </a:lnT>
+                    <a:lnB w="12700" cap="flat" cmpd="sng" algn="ctr">
+                      <a:solidFill>
+                        <a:schemeClr val="tx1"/>
+                      </a:solidFill>
+                      <a:prstDash val="solid"/>
+                      <a:round/>
+                      <a:headEnd type="none" w="med" len="med"/>
+                      <a:tailEnd type="none" w="med" len="med"/>
+                    </a:lnB>
+                    <a:solidFill>
+                      <a:schemeClr val="bg1"/>
+                    </a:solidFill>
+                  </a:tcPr>
+                </a:tc>
+                <a:tc>
+                  <a:txBody>
+                    <a:bodyPr/>
+                    <a:lstStyle/>
+                    <a:p>
+                      <a:pPr algn="ctr" fontAlgn="ctr"/>
+                      <a:r>
+                        <a:rPr lang="ja-JP" altLang="en-US" sz="2000" b="0" i="0" u="none" strike="noStrike">
+                          <a:solidFill>
+                            <a:srgbClr val="000000"/>
+                          </a:solidFill>
+                          <a:effectLst/>
+                          <a:latin typeface="游ゴシック" panose="020B0400000000000000" pitchFamily="34" charset="-128"/>
+                          <a:ea typeface="游ゴシック" panose="020B0400000000000000" pitchFamily="34" charset="-128"/>
+                        </a:rPr>
+                        <a:t>すこし</a:t>
+                      </a:r>
+                      <a:endParaRPr lang="en-US" altLang="ja-JP" sz="2000" b="0" i="0" u="none" strike="noStrike" dirty="0">
+                        <a:solidFill>
+                          <a:srgbClr val="000000"/>
+                        </a:solidFill>
+                        <a:effectLst/>
+                        <a:latin typeface="游ゴシック" panose="020B0400000000000000" pitchFamily="34" charset="-128"/>
+                        <a:ea typeface="游ゴシック" panose="020B0400000000000000" pitchFamily="34" charset="-128"/>
+                      </a:endParaRPr>
+                    </a:p>
+                    <a:p>
+                      <a:pPr algn="ctr" fontAlgn="ctr"/>
+                      <a:r>
+                        <a:rPr lang="ja-JP" altLang="en-US" sz="2000" b="0" i="0" u="none" strike="noStrike">
+                          <a:solidFill>
+                            <a:srgbClr val="000000"/>
+                          </a:solidFill>
+                          <a:effectLst/>
+                          <a:latin typeface="游ゴシック" panose="020B0400000000000000" pitchFamily="34" charset="-128"/>
+                          <a:ea typeface="游ゴシック" panose="020B0400000000000000" pitchFamily="34" charset="-128"/>
+                        </a:rPr>
+                        <a:t>難しい</a:t>
+                      </a:r>
+                    </a:p>
+                  </a:txBody>
+                  <a:tcPr marL="6330" marR="6330" marT="6330" marB="0" anchor="ctr">
+                    <a:lnL w="12700" cap="flat" cmpd="sng" algn="ctr">
+                      <a:solidFill>
+                        <a:schemeClr val="tx1"/>
+                      </a:solidFill>
+                      <a:prstDash val="solid"/>
+                      <a:round/>
+                      <a:headEnd type="none" w="med" len="med"/>
+                      <a:tailEnd type="none" w="med" len="med"/>
+                    </a:lnL>
+                    <a:lnR w="12700" cap="flat" cmpd="sng" algn="ctr">
+                      <a:solidFill>
+                        <a:schemeClr val="tx1"/>
+                      </a:solidFill>
+                      <a:prstDash val="solid"/>
+                      <a:round/>
+                      <a:headEnd type="none" w="med" len="med"/>
+                      <a:tailEnd type="none" w="med" len="med"/>
+                    </a:lnR>
+                    <a:lnT w="12700" cap="flat" cmpd="sng" algn="ctr">
+                      <a:solidFill>
+                        <a:schemeClr val="tx1"/>
+                      </a:solidFill>
+                      <a:prstDash val="solid"/>
+                      <a:round/>
+                      <a:headEnd type="none" w="med" len="med"/>
+                      <a:tailEnd type="none" w="med" len="med"/>
+                    </a:lnT>
+                    <a:lnB w="12700" cap="flat" cmpd="sng" algn="ctr">
+                      <a:solidFill>
+                        <a:schemeClr val="tx1"/>
+                      </a:solidFill>
+                      <a:prstDash val="solid"/>
+                      <a:round/>
+                      <a:headEnd type="none" w="med" len="med"/>
+                      <a:tailEnd type="none" w="med" len="med"/>
+                    </a:lnB>
+                    <a:solidFill>
+                      <a:schemeClr val="bg1"/>
+                    </a:solidFill>
+                  </a:tcPr>
+                </a:tc>
+                <a:tc>
+                  <a:txBody>
+                    <a:bodyPr/>
+                    <a:lstStyle/>
+                    <a:p>
+                      <a:pPr marL="0" marR="0" lvl="0" indent="0" algn="l" defTabSz="914400" rtl="0" eaLnBrk="1" fontAlgn="auto" latinLnBrk="0" hangingPunct="1">
+                        <a:lnSpc>
+                          <a:spcPct val="100000"/>
+                        </a:lnSpc>
+                        <a:spcBef>
+                          <a:spcPts val="0"/>
+                        </a:spcBef>
+                        <a:spcAft>
+                          <a:spcPts val="0"/>
+                        </a:spcAft>
+                        <a:buClrTx/>
+                        <a:buSzTx/>
+                        <a:buFontTx/>
+                        <a:buNone/>
+                        <a:tabLst/>
+                        <a:defRPr/>
+                      </a:pPr>
+                      <a:r>
+                        <a:rPr lang="ja-JP" altLang="en-US" sz="2000" b="0" i="0" u="none" strike="noStrike">
+                          <a:solidFill>
+                            <a:srgbClr val="000000"/>
+                          </a:solidFill>
+                          <a:effectLst/>
+                          <a:latin typeface="游ゴシック" panose="020B0400000000000000" pitchFamily="34" charset="-128"/>
+                          <a:ea typeface="+mn-ea"/>
+                        </a:rPr>
+                        <a:t>導入や使用法などがあまり詳細に記されていない。</a:t>
+                      </a:r>
+                      <a:endParaRPr lang="en-US" altLang="ja-JP" sz="2000" b="0" i="0" u="none" strike="noStrike" dirty="0">
+                        <a:solidFill>
+                          <a:srgbClr val="000000"/>
+                        </a:solidFill>
+                        <a:effectLst/>
+                        <a:latin typeface="游ゴシック" panose="020B0400000000000000" pitchFamily="34" charset="-128"/>
+                        <a:ea typeface="+mn-ea"/>
+                      </a:endParaRPr>
+                    </a:p>
+                  </a:txBody>
+                  <a:tcPr marL="6330" marR="6330" marT="6330" marB="0" anchor="ctr">
+                    <a:lnL w="12700" cap="flat" cmpd="sng" algn="ctr">
+                      <a:solidFill>
+                        <a:schemeClr val="tx1"/>
+                      </a:solidFill>
+                      <a:prstDash val="solid"/>
+                      <a:round/>
+                      <a:headEnd type="none" w="med" len="med"/>
+                      <a:tailEnd type="none" w="med" len="med"/>
+                    </a:lnL>
+                    <a:lnR w="12700" cap="flat" cmpd="sng" algn="ctr">
+                      <a:solidFill>
+                        <a:schemeClr val="tx1"/>
+                      </a:solidFill>
+                      <a:prstDash val="solid"/>
+                      <a:round/>
+                      <a:headEnd type="none" w="med" len="med"/>
+                      <a:tailEnd type="none" w="med" len="med"/>
+                    </a:lnR>
+                    <a:lnT w="12700" cap="flat" cmpd="sng" algn="ctr">
+                      <a:solidFill>
+                        <a:schemeClr val="tx1"/>
+                      </a:solidFill>
+                      <a:prstDash val="solid"/>
+                      <a:round/>
+                      <a:headEnd type="none" w="med" len="med"/>
+                      <a:tailEnd type="none" w="med" len="med"/>
+                    </a:lnT>
+                    <a:lnB w="12700" cap="flat" cmpd="sng" algn="ctr">
+                      <a:solidFill>
+                        <a:schemeClr val="tx1"/>
+                      </a:solidFill>
+                      <a:prstDash val="solid"/>
+                      <a:round/>
+                      <a:headEnd type="none" w="med" len="med"/>
+                      <a:tailEnd type="none" w="med" len="med"/>
+                    </a:lnB>
+                    <a:solidFill>
+                      <a:schemeClr val="bg1"/>
+                    </a:solidFill>
+                  </a:tcPr>
+                </a:tc>
+                <a:extLst>
+                  <a:ext uri="{0D108BD9-81ED-4DB2-BD59-A6C34878D82A}">
+                    <a16:rowId xmlns:a16="http://schemas.microsoft.com/office/drawing/2014/main" val="3892050173"/>
+                  </a:ext>
+                </a:extLst>
+              </a:tr>
+            </a:tbl>
+          </a:graphicData>
+        </a:graphic>
+      </p:graphicFrame>
+    </p:spTree>
+    <p:extLst>
+      <p:ext uri="{BB962C8B-B14F-4D97-AF65-F5344CB8AC3E}">
+        <p14:creationId xmlns:p14="http://schemas.microsoft.com/office/powerpoint/2010/main" val="2361796553"/>
+      </p:ext>
+    </p:extLst>
+  </p:cSld>
+  <p:clrMapOvr>
+    <a:masterClrMapping/>
+  </p:clrMapOvr>
+</p:sld>
+</file>
+
+<file path=ppt/slides/slide5.xml><?xml version="1.0" encoding="utf-8"?>
+<p:sld xmlns:a="http://schemas.openxmlformats.org/drawingml/2006/main" xmlns:r="http://schemas.openxmlformats.org/officeDocument/2006/relationships" xmlns:p="http://schemas.openxmlformats.org/presentationml/2006/main">
+  <p:cSld>
+    <p:spTree>
+      <p:nvGrpSpPr>
+        <p:cNvPr id="1" name=""/>
+        <p:cNvGrpSpPr/>
+        <p:nvPr/>
+      </p:nvGrpSpPr>
+      <p:grpSpPr>
+        <a:xfrm>
+          <a:off x="0" y="0"/>
+          <a:ext cx="0" cy="0"/>
+          <a:chOff x="0" y="0"/>
+          <a:chExt cx="0" cy="0"/>
+        </a:xfrm>
+      </p:grpSpPr>
+      <p:graphicFrame>
+        <p:nvGraphicFramePr>
+          <p:cNvPr id="2" name="表 1">
+            <a:extLst>
+              <a:ext uri="{FF2B5EF4-FFF2-40B4-BE49-F238E27FC236}">
+                <a16:creationId xmlns:a16="http://schemas.microsoft.com/office/drawing/2014/main" id="{061A0D96-8D85-3A43-AFE4-4BA56BC3980D}"/>
+              </a:ext>
+            </a:extLst>
+          </p:cNvPr>
+          <p:cNvGraphicFramePr>
+            <a:graphicFrameLocks noGrp="1"/>
+          </p:cNvGraphicFramePr>
+          <p:nvPr>
+            <p:extLst>
+              <p:ext uri="{D42A27DB-BD31-4B8C-83A1-F6EECF244321}">
+                <p14:modId xmlns:p14="http://schemas.microsoft.com/office/powerpoint/2010/main" val="1215168745"/>
+              </p:ext>
+            </p:extLst>
+          </p:nvPr>
+        </p:nvGraphicFramePr>
+        <p:xfrm>
+          <a:off x="69574" y="109330"/>
+          <a:ext cx="11936894" cy="6594391"/>
+        </p:xfrm>
+        <a:graphic>
+          <a:graphicData uri="http://schemas.openxmlformats.org/drawingml/2006/table">
+            <a:tbl>
+              <a:tblPr>
+                <a:tableStyleId>{5C22544A-7EE6-4342-B048-85BDC9FD1C3A}</a:tableStyleId>
+              </a:tblPr>
+              <a:tblGrid>
+                <a:gridCol w="1222513">
+                  <a:extLst>
+                    <a:ext uri="{9D8B030D-6E8A-4147-A177-3AD203B41FA5}">
+                      <a16:colId xmlns:a16="http://schemas.microsoft.com/office/drawing/2014/main" val="1071551737"/>
+                    </a:ext>
+                  </a:extLst>
+                </a:gridCol>
+                <a:gridCol w="2464904">
+                  <a:extLst>
+                    <a:ext uri="{9D8B030D-6E8A-4147-A177-3AD203B41FA5}">
+                      <a16:colId xmlns:a16="http://schemas.microsoft.com/office/drawing/2014/main" val="3964152360"/>
+                    </a:ext>
+                  </a:extLst>
+                </a:gridCol>
+                <a:gridCol w="1033670">
+                  <a:extLst>
+                    <a:ext uri="{9D8B030D-6E8A-4147-A177-3AD203B41FA5}">
+                      <a16:colId xmlns:a16="http://schemas.microsoft.com/office/drawing/2014/main" val="375753627"/>
+                    </a:ext>
+                  </a:extLst>
+                </a:gridCol>
+                <a:gridCol w="1401417">
+                  <a:extLst>
+                    <a:ext uri="{9D8B030D-6E8A-4147-A177-3AD203B41FA5}">
+                      <a16:colId xmlns:a16="http://schemas.microsoft.com/office/drawing/2014/main" val="1669783534"/>
+                    </a:ext>
+                  </a:extLst>
+                </a:gridCol>
+                <a:gridCol w="892687">
+                  <a:extLst>
+                    <a:ext uri="{9D8B030D-6E8A-4147-A177-3AD203B41FA5}">
+                      <a16:colId xmlns:a16="http://schemas.microsoft.com/office/drawing/2014/main" val="757197614"/>
+                    </a:ext>
+                  </a:extLst>
+                </a:gridCol>
+                <a:gridCol w="1751281">
+                  <a:extLst>
+                    <a:ext uri="{9D8B030D-6E8A-4147-A177-3AD203B41FA5}">
+                      <a16:colId xmlns:a16="http://schemas.microsoft.com/office/drawing/2014/main" val="4180918969"/>
+                    </a:ext>
+                  </a:extLst>
+                </a:gridCol>
+                <a:gridCol w="895771">
+                  <a:extLst>
+                    <a:ext uri="{9D8B030D-6E8A-4147-A177-3AD203B41FA5}">
+                      <a16:colId xmlns:a16="http://schemas.microsoft.com/office/drawing/2014/main" val="4272599042"/>
+                    </a:ext>
+                  </a:extLst>
+                </a:gridCol>
+                <a:gridCol w="2274651">
+                  <a:extLst>
+                    <a:ext uri="{9D8B030D-6E8A-4147-A177-3AD203B41FA5}">
+                      <a16:colId xmlns:a16="http://schemas.microsoft.com/office/drawing/2014/main" val="1192092085"/>
+                    </a:ext>
+                  </a:extLst>
+                </a:gridCol>
+              </a:tblGrid>
+              <a:tr h="914402">
+                <a:tc>
+                  <a:txBody>
+                    <a:bodyPr/>
+                    <a:lstStyle/>
+                    <a:p>
+                      <a:pPr algn="ctr" fontAlgn="ctr"/>
+                      <a:r>
+                        <a:rPr lang="ja-JP" altLang="en-US" sz="1800" b="1" i="0" u="none" strike="noStrike">
+                          <a:solidFill>
+                            <a:srgbClr val="000000"/>
+                          </a:solidFill>
+                          <a:effectLst/>
+                          <a:latin typeface="游ゴシック" panose="020B0400000000000000" pitchFamily="34" charset="-128"/>
+                          <a:ea typeface="游ゴシック" panose="020B0400000000000000" pitchFamily="34" charset="-128"/>
+                        </a:rPr>
+                        <a:t>名前</a:t>
+                      </a:r>
+                    </a:p>
+                  </a:txBody>
+                  <a:tcPr marL="6330" marR="6330" marT="6330" marB="0" anchor="ctr">
+                    <a:lnL w="12700" cap="flat" cmpd="sng" algn="ctr">
+                      <a:solidFill>
+                        <a:schemeClr val="tx1"/>
+                      </a:solidFill>
+                      <a:prstDash val="solid"/>
+                      <a:round/>
+                      <a:headEnd type="none" w="med" len="med"/>
+                      <a:tailEnd type="none" w="med" len="med"/>
+                    </a:lnL>
+                    <a:lnR w="12700" cap="flat" cmpd="sng" algn="ctr">
+                      <a:solidFill>
+                        <a:schemeClr val="tx1"/>
+                      </a:solidFill>
+                      <a:prstDash val="solid"/>
+                      <a:round/>
+                      <a:headEnd type="none" w="med" len="med"/>
+                      <a:tailEnd type="none" w="med" len="med"/>
+                    </a:lnR>
+                    <a:lnT w="12700" cap="flat" cmpd="sng" algn="ctr">
+                      <a:solidFill>
+                        <a:schemeClr val="tx1"/>
+                      </a:solidFill>
+                      <a:prstDash val="solid"/>
+                      <a:round/>
+                      <a:headEnd type="none" w="med" len="med"/>
+                      <a:tailEnd type="none" w="med" len="med"/>
+                    </a:lnT>
+                    <a:lnB w="12700" cap="flat" cmpd="sng" algn="ctr">
+                      <a:solidFill>
+                        <a:schemeClr val="tx1"/>
+                      </a:solidFill>
+                      <a:prstDash val="solid"/>
+                      <a:round/>
+                      <a:headEnd type="none" w="med" len="med"/>
+                      <a:tailEnd type="none" w="med" len="med"/>
+                    </a:lnB>
+                    <a:solidFill>
+                      <a:schemeClr val="bg2">
+                        <a:lumMod val="75000"/>
+                      </a:schemeClr>
+                    </a:solidFill>
+                  </a:tcPr>
+                </a:tc>
+                <a:tc>
+                  <a:txBody>
+                    <a:bodyPr/>
+                    <a:lstStyle/>
+                    <a:p>
+                      <a:pPr algn="ctr" fontAlgn="ctr"/>
+                      <a:r>
+                        <a:rPr lang="ja-JP" altLang="en-US" sz="1800" b="1" i="0" u="none" strike="noStrike">
+                          <a:solidFill>
+                            <a:srgbClr val="000000"/>
+                          </a:solidFill>
+                          <a:effectLst/>
+                          <a:latin typeface="游ゴシック" panose="020B0400000000000000" pitchFamily="34" charset="-128"/>
+                          <a:ea typeface="游ゴシック" panose="020B0400000000000000" pitchFamily="34" charset="-128"/>
+                        </a:rPr>
+                        <a:t>概要　</a:t>
+                      </a:r>
+                    </a:p>
+                  </a:txBody>
+                  <a:tcPr marL="6330" marR="6330" marT="6330" marB="0" anchor="ctr">
+                    <a:lnL w="12700" cap="flat" cmpd="sng" algn="ctr">
+                      <a:solidFill>
+                        <a:schemeClr val="tx1"/>
+                      </a:solidFill>
+                      <a:prstDash val="solid"/>
+                      <a:round/>
+                      <a:headEnd type="none" w="med" len="med"/>
+                      <a:tailEnd type="none" w="med" len="med"/>
+                    </a:lnL>
+                    <a:lnR w="12700" cap="flat" cmpd="sng" algn="ctr">
+                      <a:solidFill>
+                        <a:schemeClr val="tx1"/>
+                      </a:solidFill>
+                      <a:prstDash val="solid"/>
+                      <a:round/>
+                      <a:headEnd type="none" w="med" len="med"/>
+                      <a:tailEnd type="none" w="med" len="med"/>
+                    </a:lnR>
+                    <a:lnT w="12700" cap="flat" cmpd="sng" algn="ctr">
+                      <a:solidFill>
+                        <a:schemeClr val="tx1"/>
+                      </a:solidFill>
+                      <a:prstDash val="solid"/>
+                      <a:round/>
+                      <a:headEnd type="none" w="med" len="med"/>
+                      <a:tailEnd type="none" w="med" len="med"/>
+                    </a:lnT>
+                    <a:lnB w="12700" cap="flat" cmpd="sng" algn="ctr">
+                      <a:solidFill>
+                        <a:schemeClr val="tx1"/>
+                      </a:solidFill>
+                      <a:prstDash val="solid"/>
+                      <a:round/>
+                      <a:headEnd type="none" w="med" len="med"/>
+                      <a:tailEnd type="none" w="med" len="med"/>
+                    </a:lnB>
+                    <a:solidFill>
+                      <a:schemeClr val="bg2">
+                        <a:lumMod val="75000"/>
+                      </a:schemeClr>
+                    </a:solidFill>
+                  </a:tcPr>
+                </a:tc>
+                <a:tc>
+                  <a:txBody>
+                    <a:bodyPr/>
+                    <a:lstStyle/>
+                    <a:p>
+                      <a:pPr algn="ctr" fontAlgn="ctr"/>
+                      <a:r>
+                        <a:rPr lang="ja-JP" altLang="en-US" sz="2000" b="1" u="none" strike="noStrike">
+                          <a:effectLst/>
+                        </a:rPr>
+                        <a:t>ログ能力</a:t>
+                      </a:r>
+                      <a:endParaRPr lang="ja-JP" altLang="en-US" sz="2000" b="1" i="0" u="none" strike="noStrike">
+                        <a:solidFill>
+                          <a:srgbClr val="000000"/>
+                        </a:solidFill>
+                        <a:effectLst/>
+                        <a:latin typeface="游ゴシック" panose="020B0400000000000000" pitchFamily="34" charset="-128"/>
+                        <a:ea typeface="游ゴシック" panose="020B0400000000000000" pitchFamily="34" charset="-128"/>
+                      </a:endParaRPr>
+                    </a:p>
+                  </a:txBody>
+                  <a:tcPr marL="6330" marR="6330" marT="6330" marB="0" anchor="ctr">
+                    <a:lnL w="12700" cap="flat" cmpd="sng" algn="ctr">
+                      <a:solidFill>
+                        <a:schemeClr val="tx1"/>
+                      </a:solidFill>
+                      <a:prstDash val="solid"/>
+                      <a:round/>
+                      <a:headEnd type="none" w="med" len="med"/>
+                      <a:tailEnd type="none" w="med" len="med"/>
+                    </a:lnL>
+                    <a:lnR w="12700" cap="flat" cmpd="sng" algn="ctr">
+                      <a:solidFill>
+                        <a:schemeClr val="tx1"/>
+                      </a:solidFill>
+                      <a:prstDash val="solid"/>
+                      <a:round/>
+                      <a:headEnd type="none" w="med" len="med"/>
+                      <a:tailEnd type="none" w="med" len="med"/>
+                    </a:lnR>
+                    <a:lnT w="12700" cap="flat" cmpd="sng" algn="ctr">
+                      <a:solidFill>
+                        <a:schemeClr val="tx1"/>
+                      </a:solidFill>
+                      <a:prstDash val="solid"/>
+                      <a:round/>
+                      <a:headEnd type="none" w="med" len="med"/>
+                      <a:tailEnd type="none" w="med" len="med"/>
+                    </a:lnT>
+                    <a:lnB w="12700" cap="flat" cmpd="sng" algn="ctr">
+                      <a:solidFill>
+                        <a:schemeClr val="tx1"/>
+                      </a:solidFill>
+                      <a:prstDash val="solid"/>
+                      <a:round/>
+                      <a:headEnd type="none" w="med" len="med"/>
+                      <a:tailEnd type="none" w="med" len="med"/>
+                    </a:lnB>
+                    <a:solidFill>
+                      <a:schemeClr val="bg2">
+                        <a:lumMod val="75000"/>
+                      </a:schemeClr>
+                    </a:solidFill>
+                  </a:tcPr>
+                </a:tc>
+                <a:tc>
+                  <a:txBody>
+                    <a:bodyPr/>
+                    <a:lstStyle/>
+                    <a:p>
+                      <a:pPr algn="ctr" fontAlgn="ctr"/>
+                      <a:r>
+                        <a:rPr lang="en" sz="2000" b="1" u="none" strike="noStrike" dirty="0">
+                          <a:effectLst/>
+                        </a:rPr>
+                        <a:t>key exchange</a:t>
+                      </a:r>
+                      <a:endParaRPr lang="en" sz="2000" b="1" i="0" u="none" strike="noStrike" dirty="0">
+                        <a:solidFill>
+                          <a:srgbClr val="000000"/>
+                        </a:solidFill>
+                        <a:effectLst/>
+                        <a:latin typeface="游ゴシック" panose="020B0400000000000000" pitchFamily="34" charset="-128"/>
+                        <a:ea typeface="游ゴシック" panose="020B0400000000000000" pitchFamily="34" charset="-128"/>
+                      </a:endParaRPr>
+                    </a:p>
+                  </a:txBody>
+                  <a:tcPr marL="6330" marR="6330" marT="6330" marB="0" anchor="ctr">
+                    <a:lnL w="12700" cap="flat" cmpd="sng" algn="ctr">
+                      <a:solidFill>
+                        <a:schemeClr val="tx1"/>
+                      </a:solidFill>
+                      <a:prstDash val="solid"/>
+                      <a:round/>
+                      <a:headEnd type="none" w="med" len="med"/>
+                      <a:tailEnd type="none" w="med" len="med"/>
+                    </a:lnL>
+                    <a:lnR w="12700" cap="flat" cmpd="sng" algn="ctr">
+                      <a:solidFill>
+                        <a:schemeClr val="tx1"/>
+                      </a:solidFill>
+                      <a:prstDash val="solid"/>
+                      <a:round/>
+                      <a:headEnd type="none" w="med" len="med"/>
+                      <a:tailEnd type="none" w="med" len="med"/>
+                    </a:lnR>
+                    <a:lnT w="12700" cap="flat" cmpd="sng" algn="ctr">
+                      <a:solidFill>
+                        <a:schemeClr val="tx1"/>
+                      </a:solidFill>
+                      <a:prstDash val="solid"/>
+                      <a:round/>
+                      <a:headEnd type="none" w="med" len="med"/>
+                      <a:tailEnd type="none" w="med" len="med"/>
+                    </a:lnT>
+                    <a:lnB w="12700" cap="flat" cmpd="sng" algn="ctr">
+                      <a:solidFill>
+                        <a:schemeClr val="tx1"/>
+                      </a:solidFill>
+                      <a:prstDash val="solid"/>
+                      <a:round/>
+                      <a:headEnd type="none" w="med" len="med"/>
+                      <a:tailEnd type="none" w="med" len="med"/>
+                    </a:lnB>
+                    <a:solidFill>
+                      <a:schemeClr val="bg2">
+                        <a:lumMod val="75000"/>
+                      </a:schemeClr>
+                    </a:solidFill>
+                  </a:tcPr>
+                </a:tc>
+                <a:tc>
+                  <a:txBody>
+                    <a:bodyPr/>
+                    <a:lstStyle/>
+                    <a:p>
+                      <a:pPr algn="ctr" fontAlgn="ctr"/>
+                      <a:r>
+                        <a:rPr lang="en" sz="2000" b="1" u="none" strike="noStrike" dirty="0" err="1">
+                          <a:effectLst/>
+                        </a:rPr>
+                        <a:t>webUI</a:t>
+                      </a:r>
+                      <a:endParaRPr lang="en" sz="2000" b="1" i="0" u="none" strike="noStrike" dirty="0">
+                        <a:solidFill>
+                          <a:srgbClr val="000000"/>
+                        </a:solidFill>
+                        <a:effectLst/>
+                        <a:latin typeface="游ゴシック" panose="020B0400000000000000" pitchFamily="34" charset="-128"/>
+                        <a:ea typeface="游ゴシック" panose="020B0400000000000000" pitchFamily="34" charset="-128"/>
+                      </a:endParaRPr>
+                    </a:p>
+                  </a:txBody>
+                  <a:tcPr marL="6330" marR="6330" marT="6330" marB="0" anchor="ctr">
+                    <a:lnL w="12700" cap="flat" cmpd="sng" algn="ctr">
+                      <a:solidFill>
+                        <a:schemeClr val="tx1"/>
+                      </a:solidFill>
+                      <a:prstDash val="solid"/>
+                      <a:round/>
+                      <a:headEnd type="none" w="med" len="med"/>
+                      <a:tailEnd type="none" w="med" len="med"/>
+                    </a:lnL>
+                    <a:lnR w="12700" cap="flat" cmpd="sng" algn="ctr">
+                      <a:solidFill>
+                        <a:schemeClr val="tx1"/>
+                      </a:solidFill>
+                      <a:prstDash val="solid"/>
+                      <a:round/>
+                      <a:headEnd type="none" w="med" len="med"/>
+                      <a:tailEnd type="none" w="med" len="med"/>
+                    </a:lnR>
+                    <a:lnT w="12700" cap="flat" cmpd="sng" algn="ctr">
+                      <a:solidFill>
+                        <a:schemeClr val="tx1"/>
+                      </a:solidFill>
+                      <a:prstDash val="solid"/>
+                      <a:round/>
+                      <a:headEnd type="none" w="med" len="med"/>
+                      <a:tailEnd type="none" w="med" len="med"/>
+                    </a:lnT>
+                    <a:lnB w="12700" cap="flat" cmpd="sng" algn="ctr">
+                      <a:solidFill>
+                        <a:schemeClr val="tx1"/>
+                      </a:solidFill>
+                      <a:prstDash val="solid"/>
+                      <a:round/>
+                      <a:headEnd type="none" w="med" len="med"/>
+                      <a:tailEnd type="none" w="med" len="med"/>
+                    </a:lnB>
+                    <a:solidFill>
+                      <a:schemeClr val="bg2">
+                        <a:lumMod val="75000"/>
+                      </a:schemeClr>
+                    </a:solidFill>
+                  </a:tcPr>
+                </a:tc>
+                <a:tc>
+                  <a:txBody>
+                    <a:bodyPr/>
+                    <a:lstStyle/>
+                    <a:p>
+                      <a:pPr algn="ctr" fontAlgn="ctr"/>
+                      <a:r>
+                        <a:rPr lang="ja-JP" altLang="en-US" sz="2000" b="1" u="none" strike="noStrike">
+                          <a:effectLst/>
+                        </a:rPr>
+                        <a:t>適用先</a:t>
+                      </a:r>
+                      <a:endParaRPr lang="ja-JP" altLang="en-US" sz="2000" b="1" i="0" u="none" strike="noStrike">
+                        <a:solidFill>
+                          <a:srgbClr val="000000"/>
+                        </a:solidFill>
+                        <a:effectLst/>
+                        <a:latin typeface="游ゴシック" panose="020B0400000000000000" pitchFamily="34" charset="-128"/>
+                        <a:ea typeface="游ゴシック" panose="020B0400000000000000" pitchFamily="34" charset="-128"/>
+                      </a:endParaRPr>
+                    </a:p>
+                  </a:txBody>
+                  <a:tcPr marL="6330" marR="6330" marT="6330" marB="0" anchor="ctr">
+                    <a:lnL w="12700" cap="flat" cmpd="sng" algn="ctr">
+                      <a:solidFill>
+                        <a:schemeClr val="tx1"/>
+                      </a:solidFill>
+                      <a:prstDash val="solid"/>
+                      <a:round/>
+                      <a:headEnd type="none" w="med" len="med"/>
+                      <a:tailEnd type="none" w="med" len="med"/>
+                    </a:lnL>
+                    <a:lnR w="12700" cap="flat" cmpd="sng" algn="ctr">
+                      <a:solidFill>
+                        <a:schemeClr val="tx1"/>
+                      </a:solidFill>
+                      <a:prstDash val="solid"/>
+                      <a:round/>
+                      <a:headEnd type="none" w="med" len="med"/>
+                      <a:tailEnd type="none" w="med" len="med"/>
+                    </a:lnR>
+                    <a:lnT w="12700" cap="flat" cmpd="sng" algn="ctr">
+                      <a:solidFill>
+                        <a:schemeClr val="tx1"/>
+                      </a:solidFill>
+                      <a:prstDash val="solid"/>
+                      <a:round/>
+                      <a:headEnd type="none" w="med" len="med"/>
+                      <a:tailEnd type="none" w="med" len="med"/>
+                    </a:lnT>
+                    <a:lnB w="12700" cap="flat" cmpd="sng" algn="ctr">
+                      <a:solidFill>
+                        <a:schemeClr val="tx1"/>
+                      </a:solidFill>
+                      <a:prstDash val="solid"/>
+                      <a:round/>
+                      <a:headEnd type="none" w="med" len="med"/>
+                      <a:tailEnd type="none" w="med" len="med"/>
+                    </a:lnB>
+                    <a:solidFill>
+                      <a:schemeClr val="bg2">
+                        <a:lumMod val="75000"/>
+                      </a:schemeClr>
+                    </a:solidFill>
+                  </a:tcPr>
+                </a:tc>
+                <a:tc gridSpan="2">
+                  <a:txBody>
+                    <a:bodyPr/>
+                    <a:lstStyle/>
+                    <a:p>
+                      <a:pPr algn="ctr" fontAlgn="ctr"/>
+                      <a:r>
+                        <a:rPr lang="ja-JP" altLang="en-US" sz="2000" b="1" u="none" strike="noStrike">
+                          <a:effectLst/>
+                        </a:rPr>
+                        <a:t>適用難易度</a:t>
+                      </a:r>
+                      <a:endParaRPr lang="ja-JP" altLang="en-US" sz="2000" b="1" i="0" u="none" strike="noStrike">
+                        <a:solidFill>
+                          <a:srgbClr val="000000"/>
+                        </a:solidFill>
+                        <a:effectLst/>
+                        <a:latin typeface="游ゴシック" panose="020B0400000000000000" pitchFamily="34" charset="-128"/>
+                        <a:ea typeface="游ゴシック" panose="020B0400000000000000" pitchFamily="34" charset="-128"/>
+                      </a:endParaRPr>
+                    </a:p>
+                  </a:txBody>
+                  <a:tcPr marL="6330" marR="6330" marT="6330" marB="0" anchor="ctr">
+                    <a:lnL w="12700" cap="flat" cmpd="sng" algn="ctr">
+                      <a:solidFill>
+                        <a:schemeClr val="tx1"/>
+                      </a:solidFill>
+                      <a:prstDash val="solid"/>
+                      <a:round/>
+                      <a:headEnd type="none" w="med" len="med"/>
+                      <a:tailEnd type="none" w="med" len="med"/>
+                    </a:lnL>
+                    <a:lnR w="12700" cap="flat" cmpd="sng" algn="ctr">
+                      <a:solidFill>
+                        <a:schemeClr val="tx1"/>
+                      </a:solidFill>
+                      <a:prstDash val="solid"/>
+                      <a:round/>
+                      <a:headEnd type="none" w="med" len="med"/>
+                      <a:tailEnd type="none" w="med" len="med"/>
+                    </a:lnR>
+                    <a:lnT w="12700" cap="flat" cmpd="sng" algn="ctr">
+                      <a:solidFill>
+                        <a:schemeClr val="tx1"/>
+                      </a:solidFill>
+                      <a:prstDash val="solid"/>
+                      <a:round/>
+                      <a:headEnd type="none" w="med" len="med"/>
+                      <a:tailEnd type="none" w="med" len="med"/>
+                    </a:lnT>
+                    <a:lnB w="12700" cap="flat" cmpd="sng" algn="ctr">
+                      <a:solidFill>
+                        <a:schemeClr val="tx1"/>
+                      </a:solidFill>
+                      <a:prstDash val="solid"/>
+                      <a:round/>
+                      <a:headEnd type="none" w="med" len="med"/>
+                      <a:tailEnd type="none" w="med" len="med"/>
+                    </a:lnB>
+                    <a:solidFill>
+                      <a:schemeClr val="bg2">
+                        <a:lumMod val="75000"/>
+                      </a:schemeClr>
+                    </a:solidFill>
+                  </a:tcPr>
+                </a:tc>
+                <a:tc hMerge="1">
+                  <a:txBody>
+                    <a:bodyPr/>
+                    <a:lstStyle/>
+                    <a:p>
+                      <a:pPr algn="l" fontAlgn="ctr"/>
+                      <a:endParaRPr lang="ja-JP" altLang="en-US" sz="1400" b="0" i="0" u="none" strike="noStrike">
+                        <a:solidFill>
+                          <a:srgbClr val="000000"/>
+                        </a:solidFill>
+                        <a:effectLst/>
+                        <a:latin typeface="游ゴシック" panose="020B0400000000000000" pitchFamily="34" charset="-128"/>
+                        <a:ea typeface="游ゴシック" panose="020B0400000000000000" pitchFamily="34" charset="-128"/>
+                      </a:endParaRPr>
+                    </a:p>
+                  </a:txBody>
+                  <a:tcPr marL="6330" marR="6330" marT="6330" marB="0" anchor="ctr"/>
+                </a:tc>
+                <a:extLst>
+                  <a:ext uri="{0D108BD9-81ED-4DB2-BD59-A6C34878D82A}">
+                    <a16:rowId xmlns:a16="http://schemas.microsoft.com/office/drawing/2014/main" val="1397213480"/>
+                  </a:ext>
+                </a:extLst>
+              </a:tr>
+              <a:tr h="1913264">
+                <a:tc>
+                  <a:txBody>
+                    <a:bodyPr/>
+                    <a:lstStyle/>
+                    <a:p>
+                      <a:pPr algn="ctr" fontAlgn="ctr"/>
+                      <a:r>
+                        <a:rPr lang="en" sz="2000" b="1" u="none" strike="noStrike" dirty="0">
+                          <a:effectLst/>
+                        </a:rPr>
+                        <a:t>Aker</a:t>
+                      </a:r>
+                      <a:endParaRPr lang="en" sz="2000" b="1" i="0" u="none" strike="noStrike" dirty="0">
+                        <a:solidFill>
+                          <a:srgbClr val="000000"/>
+                        </a:solidFill>
+                        <a:effectLst/>
+                        <a:latin typeface="游ゴシック" panose="020B0400000000000000" pitchFamily="34" charset="-128"/>
+                        <a:ea typeface="游ゴシック" panose="020B0400000000000000" pitchFamily="34" charset="-128"/>
+                      </a:endParaRPr>
+                    </a:p>
+                  </a:txBody>
+                  <a:tcPr marL="6330" marR="6330" marT="6330" marB="0" anchor="ctr">
+                    <a:lnL w="12700" cap="flat" cmpd="sng" algn="ctr">
+                      <a:solidFill>
+                        <a:schemeClr val="tx1"/>
+                      </a:solidFill>
+                      <a:prstDash val="solid"/>
+                      <a:round/>
+                      <a:headEnd type="none" w="med" len="med"/>
+                      <a:tailEnd type="none" w="med" len="med"/>
+                    </a:lnL>
+                    <a:lnR w="12700" cap="flat" cmpd="sng" algn="ctr">
+                      <a:solidFill>
+                        <a:schemeClr val="tx1"/>
+                      </a:solidFill>
+                      <a:prstDash val="solid"/>
+                      <a:round/>
+                      <a:headEnd type="none" w="med" len="med"/>
+                      <a:tailEnd type="none" w="med" len="med"/>
+                    </a:lnR>
+                    <a:lnT w="12700" cap="flat" cmpd="sng" algn="ctr">
+                      <a:solidFill>
+                        <a:schemeClr val="tx1"/>
+                      </a:solidFill>
+                      <a:prstDash val="solid"/>
+                      <a:round/>
+                      <a:headEnd type="none" w="med" len="med"/>
+                      <a:tailEnd type="none" w="med" len="med"/>
+                    </a:lnT>
+                    <a:lnB w="12700" cap="flat" cmpd="sng" algn="ctr">
+                      <a:solidFill>
+                        <a:schemeClr val="tx1"/>
+                      </a:solidFill>
+                      <a:prstDash val="solid"/>
+                      <a:round/>
+                      <a:headEnd type="none" w="med" len="med"/>
+                      <a:tailEnd type="none" w="med" len="med"/>
+                    </a:lnB>
+                    <a:solidFill>
+                      <a:schemeClr val="bg2">
+                        <a:lumMod val="90000"/>
+                      </a:schemeClr>
+                    </a:solidFill>
+                  </a:tcPr>
+                </a:tc>
+                <a:tc>
+                  <a:txBody>
+                    <a:bodyPr/>
+                    <a:lstStyle/>
+                    <a:p>
+                      <a:pPr algn="ctr" fontAlgn="ctr"/>
+                      <a:r>
+                        <a:rPr lang="en" sz="1800" u="none" strike="noStrike" dirty="0">
+                          <a:effectLst/>
+                        </a:rPr>
+                        <a:t>FreeIPA</a:t>
+                      </a:r>
+                      <a:r>
+                        <a:rPr lang="ja-JP" altLang="en-US" sz="1800" u="none" strike="noStrike">
+                          <a:effectLst/>
+                        </a:rPr>
+                        <a:t>を利用した</a:t>
+                      </a:r>
+                      <a:r>
+                        <a:rPr lang="en" sz="1800" u="none" strike="noStrike" dirty="0">
+                          <a:effectLst/>
+                        </a:rPr>
+                        <a:t>Bastion</a:t>
+                      </a:r>
+                      <a:r>
+                        <a:rPr lang="ja-JP" altLang="en-US" sz="1800" u="none" strike="noStrike">
+                          <a:effectLst/>
+                        </a:rPr>
+                        <a:t>サーバーツール</a:t>
+                      </a:r>
+                      <a:endParaRPr lang="ja-JP" altLang="en-US" sz="1800" b="0" i="0" u="none" strike="noStrike">
+                        <a:solidFill>
+                          <a:srgbClr val="000000"/>
+                        </a:solidFill>
+                        <a:effectLst/>
+                        <a:latin typeface="游ゴシック" panose="020B0400000000000000" pitchFamily="34" charset="-128"/>
+                        <a:ea typeface="游ゴシック" panose="020B0400000000000000" pitchFamily="34" charset="-128"/>
+                      </a:endParaRPr>
+                    </a:p>
+                  </a:txBody>
+                  <a:tcPr marL="6330" marR="6330" marT="6330" marB="0" anchor="ctr">
+                    <a:lnL w="12700" cap="flat" cmpd="sng" algn="ctr">
+                      <a:solidFill>
+                        <a:schemeClr val="tx1"/>
+                      </a:solidFill>
+                      <a:prstDash val="solid"/>
+                      <a:round/>
+                      <a:headEnd type="none" w="med" len="med"/>
+                      <a:tailEnd type="none" w="med" len="med"/>
+                    </a:lnL>
+                    <a:lnR w="12700" cap="flat" cmpd="sng" algn="ctr">
+                      <a:solidFill>
+                        <a:schemeClr val="tx1"/>
+                      </a:solidFill>
+                      <a:prstDash val="solid"/>
+                      <a:round/>
+                      <a:headEnd type="none" w="med" len="med"/>
+                      <a:tailEnd type="none" w="med" len="med"/>
+                    </a:lnR>
+                    <a:lnT w="12700" cap="flat" cmpd="sng" algn="ctr">
+                      <a:solidFill>
+                        <a:schemeClr val="tx1"/>
+                      </a:solidFill>
+                      <a:prstDash val="solid"/>
+                      <a:round/>
+                      <a:headEnd type="none" w="med" len="med"/>
+                      <a:tailEnd type="none" w="med" len="med"/>
+                    </a:lnT>
+                    <a:lnB w="12700" cap="flat" cmpd="sng" algn="ctr">
+                      <a:solidFill>
+                        <a:schemeClr val="tx1"/>
+                      </a:solidFill>
+                      <a:prstDash val="solid"/>
+                      <a:round/>
+                      <a:headEnd type="none" w="med" len="med"/>
+                      <a:tailEnd type="none" w="med" len="med"/>
+                    </a:lnB>
+                    <a:solidFill>
+                      <a:schemeClr val="bg1"/>
+                    </a:solidFill>
+                  </a:tcPr>
+                </a:tc>
+                <a:tc>
+                  <a:txBody>
+                    <a:bodyPr/>
+                    <a:lstStyle/>
+                    <a:p>
+                      <a:pPr algn="ctr" fontAlgn="ctr"/>
+                      <a:r>
+                        <a:rPr lang="ja-JP" altLang="en-US" sz="1800" u="none" strike="noStrike">
+                          <a:effectLst/>
+                        </a:rPr>
+                        <a:t>あり</a:t>
+                      </a:r>
+                      <a:endParaRPr lang="ja-JP" altLang="en-US" sz="1800" b="0" i="0" u="none" strike="noStrike">
+                        <a:solidFill>
+                          <a:srgbClr val="000000"/>
+                        </a:solidFill>
+                        <a:effectLst/>
+                        <a:latin typeface="游ゴシック" panose="020B0400000000000000" pitchFamily="34" charset="-128"/>
+                        <a:ea typeface="游ゴシック" panose="020B0400000000000000" pitchFamily="34" charset="-128"/>
+                      </a:endParaRPr>
+                    </a:p>
+                  </a:txBody>
+                  <a:tcPr marL="6330" marR="6330" marT="6330" marB="0" anchor="ctr">
+                    <a:lnL w="12700" cap="flat" cmpd="sng" algn="ctr">
+                      <a:solidFill>
+                        <a:schemeClr val="tx1"/>
+                      </a:solidFill>
+                      <a:prstDash val="solid"/>
+                      <a:round/>
+                      <a:headEnd type="none" w="med" len="med"/>
+                      <a:tailEnd type="none" w="med" len="med"/>
+                    </a:lnL>
+                    <a:lnR w="12700" cap="flat" cmpd="sng" algn="ctr">
+                      <a:solidFill>
+                        <a:schemeClr val="tx1"/>
+                      </a:solidFill>
+                      <a:prstDash val="solid"/>
+                      <a:round/>
+                      <a:headEnd type="none" w="med" len="med"/>
+                      <a:tailEnd type="none" w="med" len="med"/>
+                    </a:lnR>
+                    <a:lnT w="12700" cap="flat" cmpd="sng" algn="ctr">
+                      <a:solidFill>
+                        <a:schemeClr val="tx1"/>
+                      </a:solidFill>
+                      <a:prstDash val="solid"/>
+                      <a:round/>
+                      <a:headEnd type="none" w="med" len="med"/>
+                      <a:tailEnd type="none" w="med" len="med"/>
+                    </a:lnT>
+                    <a:lnB w="12700" cap="flat" cmpd="sng" algn="ctr">
+                      <a:solidFill>
+                        <a:schemeClr val="tx1"/>
+                      </a:solidFill>
+                      <a:prstDash val="solid"/>
+                      <a:round/>
+                      <a:headEnd type="none" w="med" len="med"/>
+                      <a:tailEnd type="none" w="med" len="med"/>
+                    </a:lnB>
+                    <a:solidFill>
+                      <a:schemeClr val="bg1"/>
+                    </a:solidFill>
+                  </a:tcPr>
+                </a:tc>
+                <a:tc>
+                  <a:txBody>
+                    <a:bodyPr/>
+                    <a:lstStyle/>
+                    <a:p>
+                      <a:pPr algn="ctr" fontAlgn="ctr"/>
+                      <a:r>
+                        <a:rPr lang="en" sz="1800" u="none" strike="noStrike" dirty="0">
+                          <a:effectLst/>
+                        </a:rPr>
+                        <a:t>Kerberos</a:t>
+                      </a:r>
+                    </a:p>
+                    <a:p>
+                      <a:pPr algn="ctr" fontAlgn="ctr"/>
+                      <a:r>
+                        <a:rPr lang="ja-JP" altLang="en-US" sz="1800" u="none" strike="noStrike">
+                          <a:effectLst/>
+                        </a:rPr>
+                        <a:t>チケット</a:t>
+                      </a:r>
+                      <a:endParaRPr lang="ja-JP" altLang="en-US" sz="1800" b="0" i="0" u="none" strike="noStrike">
+                        <a:solidFill>
+                          <a:srgbClr val="000000"/>
+                        </a:solidFill>
+                        <a:effectLst/>
+                        <a:latin typeface="游ゴシック" panose="020B0400000000000000" pitchFamily="34" charset="-128"/>
+                        <a:ea typeface="游ゴシック" panose="020B0400000000000000" pitchFamily="34" charset="-128"/>
+                      </a:endParaRPr>
+                    </a:p>
+                  </a:txBody>
+                  <a:tcPr marL="6330" marR="6330" marT="6330" marB="0" anchor="ctr">
+                    <a:lnL w="12700" cap="flat" cmpd="sng" algn="ctr">
+                      <a:solidFill>
+                        <a:schemeClr val="tx1"/>
+                      </a:solidFill>
+                      <a:prstDash val="solid"/>
+                      <a:round/>
+                      <a:headEnd type="none" w="med" len="med"/>
+                      <a:tailEnd type="none" w="med" len="med"/>
+                    </a:lnL>
+                    <a:lnR w="12700" cap="flat" cmpd="sng" algn="ctr">
+                      <a:solidFill>
+                        <a:schemeClr val="tx1"/>
+                      </a:solidFill>
+                      <a:prstDash val="solid"/>
+                      <a:round/>
+                      <a:headEnd type="none" w="med" len="med"/>
+                      <a:tailEnd type="none" w="med" len="med"/>
+                    </a:lnR>
+                    <a:lnT w="12700" cap="flat" cmpd="sng" algn="ctr">
+                      <a:solidFill>
+                        <a:schemeClr val="tx1"/>
+                      </a:solidFill>
+                      <a:prstDash val="solid"/>
+                      <a:round/>
+                      <a:headEnd type="none" w="med" len="med"/>
+                      <a:tailEnd type="none" w="med" len="med"/>
+                    </a:lnT>
+                    <a:lnB w="12700" cap="flat" cmpd="sng" algn="ctr">
+                      <a:solidFill>
+                        <a:schemeClr val="tx1"/>
+                      </a:solidFill>
+                      <a:prstDash val="solid"/>
+                      <a:round/>
+                      <a:headEnd type="none" w="med" len="med"/>
+                      <a:tailEnd type="none" w="med" len="med"/>
+                    </a:lnB>
+                    <a:solidFill>
+                      <a:schemeClr val="bg1"/>
+                    </a:solidFill>
+                  </a:tcPr>
+                </a:tc>
+                <a:tc>
+                  <a:txBody>
+                    <a:bodyPr/>
+                    <a:lstStyle/>
+                    <a:p>
+                      <a:pPr algn="ctr" fontAlgn="ctr"/>
+                      <a:r>
+                        <a:rPr lang="ja-JP" altLang="en-US" sz="1800" u="none" strike="noStrike">
+                          <a:effectLst/>
+                        </a:rPr>
+                        <a:t>なし</a:t>
+                      </a:r>
+                      <a:endParaRPr lang="ja-JP" altLang="en-US" sz="1800" b="0" i="0" u="none" strike="noStrike">
+                        <a:solidFill>
+                          <a:srgbClr val="000000"/>
+                        </a:solidFill>
+                        <a:effectLst/>
+                        <a:latin typeface="游ゴシック" panose="020B0400000000000000" pitchFamily="34" charset="-128"/>
+                        <a:ea typeface="游ゴシック" panose="020B0400000000000000" pitchFamily="34" charset="-128"/>
+                      </a:endParaRPr>
+                    </a:p>
+                  </a:txBody>
+                  <a:tcPr marL="6330" marR="6330" marT="6330" marB="0" anchor="ctr">
+                    <a:lnL w="12700" cap="flat" cmpd="sng" algn="ctr">
+                      <a:solidFill>
+                        <a:schemeClr val="tx1"/>
+                      </a:solidFill>
+                      <a:prstDash val="solid"/>
+                      <a:round/>
+                      <a:headEnd type="none" w="med" len="med"/>
+                      <a:tailEnd type="none" w="med" len="med"/>
+                    </a:lnL>
+                    <a:lnR w="12700" cap="flat" cmpd="sng" algn="ctr">
+                      <a:solidFill>
+                        <a:schemeClr val="tx1"/>
+                      </a:solidFill>
+                      <a:prstDash val="solid"/>
+                      <a:round/>
+                      <a:headEnd type="none" w="med" len="med"/>
+                      <a:tailEnd type="none" w="med" len="med"/>
+                    </a:lnR>
+                    <a:lnT w="12700" cap="flat" cmpd="sng" algn="ctr">
+                      <a:solidFill>
+                        <a:schemeClr val="tx1"/>
+                      </a:solidFill>
+                      <a:prstDash val="solid"/>
+                      <a:round/>
+                      <a:headEnd type="none" w="med" len="med"/>
+                      <a:tailEnd type="none" w="med" len="med"/>
+                    </a:lnT>
+                    <a:lnB w="12700" cap="flat" cmpd="sng" algn="ctr">
+                      <a:solidFill>
+                        <a:schemeClr val="tx1"/>
+                      </a:solidFill>
+                      <a:prstDash val="solid"/>
+                      <a:round/>
+                      <a:headEnd type="none" w="med" len="med"/>
+                      <a:tailEnd type="none" w="med" len="med"/>
+                    </a:lnB>
+                    <a:solidFill>
+                      <a:schemeClr val="bg1"/>
+                    </a:solidFill>
+                  </a:tcPr>
+                </a:tc>
+                <a:tc>
+                  <a:txBody>
+                    <a:bodyPr/>
+                    <a:lstStyle/>
+                    <a:p>
+                      <a:pPr algn="ctr" fontAlgn="ctr"/>
+                      <a:r>
+                        <a:rPr lang="en" sz="1800" u="none" strike="noStrike" dirty="0">
+                          <a:effectLst/>
+                        </a:rPr>
+                        <a:t>Gateway Server,</a:t>
+                      </a:r>
+                    </a:p>
+                    <a:p>
+                      <a:pPr algn="ctr" fontAlgn="ctr"/>
+                      <a:r>
+                        <a:rPr lang="en" sz="1800" u="none" strike="noStrike" dirty="0" err="1">
+                          <a:effectLst/>
+                        </a:rPr>
+                        <a:t>HostServer</a:t>
+                      </a:r>
+                      <a:r>
+                        <a:rPr lang="en" sz="1800" u="none" strike="noStrike" dirty="0">
+                          <a:effectLst/>
+                        </a:rPr>
+                        <a:t>,</a:t>
+                      </a:r>
+                    </a:p>
+                    <a:p>
+                      <a:pPr algn="ctr" fontAlgn="ctr"/>
+                      <a:r>
+                        <a:rPr lang="ja-JP" altLang="en-US" sz="1800" u="none" strike="noStrike">
+                          <a:effectLst/>
+                        </a:rPr>
+                        <a:t>クライアント</a:t>
+                      </a:r>
+                      <a:endParaRPr lang="en" sz="1800" b="0" i="0" u="none" strike="noStrike" dirty="0">
+                        <a:solidFill>
+                          <a:srgbClr val="000000"/>
+                        </a:solidFill>
+                        <a:effectLst/>
+                        <a:latin typeface="游ゴシック" panose="020B0400000000000000" pitchFamily="34" charset="-128"/>
+                        <a:ea typeface="游ゴシック" panose="020B0400000000000000" pitchFamily="34" charset="-128"/>
+                      </a:endParaRPr>
+                    </a:p>
+                  </a:txBody>
+                  <a:tcPr marL="6330" marR="6330" marT="6330" marB="0" anchor="ctr">
+                    <a:lnL w="12700" cap="flat" cmpd="sng" algn="ctr">
+                      <a:solidFill>
+                        <a:schemeClr val="tx1"/>
+                      </a:solidFill>
+                      <a:prstDash val="solid"/>
+                      <a:round/>
+                      <a:headEnd type="none" w="med" len="med"/>
+                      <a:tailEnd type="none" w="med" len="med"/>
+                    </a:lnL>
+                    <a:lnR w="12700" cap="flat" cmpd="sng" algn="ctr">
+                      <a:solidFill>
+                        <a:schemeClr val="tx1"/>
+                      </a:solidFill>
+                      <a:prstDash val="solid"/>
+                      <a:round/>
+                      <a:headEnd type="none" w="med" len="med"/>
+                      <a:tailEnd type="none" w="med" len="med"/>
+                    </a:lnR>
+                    <a:lnT w="12700" cap="flat" cmpd="sng" algn="ctr">
+                      <a:solidFill>
+                        <a:schemeClr val="tx1"/>
+                      </a:solidFill>
+                      <a:prstDash val="solid"/>
+                      <a:round/>
+                      <a:headEnd type="none" w="med" len="med"/>
+                      <a:tailEnd type="none" w="med" len="med"/>
+                    </a:lnT>
+                    <a:lnB w="12700" cap="flat" cmpd="sng" algn="ctr">
+                      <a:solidFill>
+                        <a:schemeClr val="tx1"/>
+                      </a:solidFill>
+                      <a:prstDash val="solid"/>
+                      <a:round/>
+                      <a:headEnd type="none" w="med" len="med"/>
+                      <a:tailEnd type="none" w="med" len="med"/>
+                    </a:lnB>
+                    <a:solidFill>
+                      <a:schemeClr val="bg1"/>
+                    </a:solidFill>
+                  </a:tcPr>
+                </a:tc>
+                <a:tc>
+                  <a:txBody>
+                    <a:bodyPr/>
+                    <a:lstStyle/>
+                    <a:p>
+                      <a:pPr algn="ctr" fontAlgn="ctr"/>
+                      <a:r>
+                        <a:rPr lang="ja-JP" altLang="en-US" sz="1800" u="none" strike="noStrike">
+                          <a:effectLst/>
+                        </a:rPr>
+                        <a:t>難しい</a:t>
+                      </a:r>
+                      <a:endParaRPr lang="ja-JP" altLang="en-US" sz="1800" b="0" i="0" u="none" strike="noStrike">
+                        <a:solidFill>
+                          <a:srgbClr val="000000"/>
+                        </a:solidFill>
+                        <a:effectLst/>
+                        <a:latin typeface="游ゴシック" panose="020B0400000000000000" pitchFamily="34" charset="-128"/>
+                        <a:ea typeface="游ゴシック" panose="020B0400000000000000" pitchFamily="34" charset="-128"/>
+                      </a:endParaRPr>
+                    </a:p>
+                  </a:txBody>
+                  <a:tcPr marL="6330" marR="6330" marT="6330" marB="0" anchor="ctr">
+                    <a:lnL w="12700" cap="flat" cmpd="sng" algn="ctr">
+                      <a:solidFill>
+                        <a:schemeClr val="tx1"/>
+                      </a:solidFill>
+                      <a:prstDash val="solid"/>
+                      <a:round/>
+                      <a:headEnd type="none" w="med" len="med"/>
+                      <a:tailEnd type="none" w="med" len="med"/>
+                    </a:lnL>
+                    <a:lnR w="12700" cap="flat" cmpd="sng" algn="ctr">
+                      <a:solidFill>
+                        <a:schemeClr val="tx1"/>
+                      </a:solidFill>
+                      <a:prstDash val="solid"/>
+                      <a:round/>
+                      <a:headEnd type="none" w="med" len="med"/>
+                      <a:tailEnd type="none" w="med" len="med"/>
+                    </a:lnR>
+                    <a:lnT w="12700" cap="flat" cmpd="sng" algn="ctr">
+                      <a:solidFill>
+                        <a:schemeClr val="tx1"/>
+                      </a:solidFill>
+                      <a:prstDash val="solid"/>
+                      <a:round/>
+                      <a:headEnd type="none" w="med" len="med"/>
+                      <a:tailEnd type="none" w="med" len="med"/>
+                    </a:lnT>
+                    <a:lnB w="12700" cap="flat" cmpd="sng" algn="ctr">
+                      <a:solidFill>
+                        <a:schemeClr val="tx1"/>
+                      </a:solidFill>
+                      <a:prstDash val="solid"/>
+                      <a:round/>
+                      <a:headEnd type="none" w="med" len="med"/>
+                      <a:tailEnd type="none" w="med" len="med"/>
+                    </a:lnB>
+                    <a:solidFill>
+                      <a:schemeClr val="bg1"/>
+                    </a:solidFill>
+                  </a:tcPr>
+                </a:tc>
+                <a:tc>
+                  <a:txBody>
+                    <a:bodyPr/>
+                    <a:lstStyle/>
+                    <a:p>
+                      <a:pPr marL="285750" indent="-285750">
+                        <a:buFont typeface="Arial" panose="020B0604020202020204" pitchFamily="34" charset="0"/>
+                        <a:buChar char="•"/>
+                      </a:pPr>
+                      <a:r>
+                        <a:rPr lang="en" altLang="ja-JP" sz="1800" u="none" strike="noStrike" dirty="0">
+                          <a:effectLst/>
+                        </a:rPr>
+                        <a:t>python2</a:t>
+                      </a:r>
+                      <a:r>
+                        <a:rPr lang="ja-JP" altLang="en-US" sz="1800" u="none" strike="noStrike">
+                          <a:effectLst/>
+                        </a:rPr>
+                        <a:t>と</a:t>
+                      </a:r>
+                      <a:r>
+                        <a:rPr lang="en" altLang="ja-JP" sz="1800" u="none" strike="noStrike" dirty="0">
+                          <a:effectLst/>
+                        </a:rPr>
+                        <a:t>python3</a:t>
+                      </a:r>
+                      <a:r>
+                        <a:rPr lang="ja-JP" altLang="en-US" sz="1800" u="none" strike="noStrike">
+                          <a:effectLst/>
+                        </a:rPr>
+                        <a:t>の依存関係の問題あり。</a:t>
+                      </a:r>
+                      <a:endParaRPr lang="en-US" altLang="ja-JP" sz="1800" u="none" strike="noStrike" dirty="0">
+                        <a:effectLst/>
+                      </a:endParaRPr>
+                    </a:p>
+                    <a:p>
+                      <a:pPr marL="285750" indent="-285750">
+                        <a:buFont typeface="Arial" panose="020B0604020202020204" pitchFamily="34" charset="0"/>
+                        <a:buChar char="•"/>
+                      </a:pPr>
+                      <a:r>
+                        <a:rPr lang="ja-JP" altLang="en-US" sz="1800" u="none" strike="noStrike">
+                          <a:effectLst/>
+                        </a:rPr>
+                        <a:t>インストールまでの説明が少ない。</a:t>
+                      </a:r>
+                      <a:endParaRPr kumimoji="1" lang="ja-JP" altLang="en-US" sz="1800"/>
+                    </a:p>
+                  </a:txBody>
+                  <a:tcPr marL="6330" marR="6330" marT="6330" marB="0" anchor="ctr">
+                    <a:lnL w="12700" cap="flat" cmpd="sng" algn="ctr">
+                      <a:solidFill>
+                        <a:schemeClr val="tx1"/>
+                      </a:solidFill>
+                      <a:prstDash val="solid"/>
+                      <a:round/>
+                      <a:headEnd type="none" w="med" len="med"/>
+                      <a:tailEnd type="none" w="med" len="med"/>
+                    </a:lnL>
+                    <a:lnR w="12700" cap="flat" cmpd="sng" algn="ctr">
+                      <a:solidFill>
+                        <a:schemeClr val="tx1"/>
+                      </a:solidFill>
+                      <a:prstDash val="solid"/>
+                      <a:round/>
+                      <a:headEnd type="none" w="med" len="med"/>
+                      <a:tailEnd type="none" w="med" len="med"/>
+                    </a:lnR>
+                    <a:lnT w="12700" cap="flat" cmpd="sng" algn="ctr">
+                      <a:solidFill>
+                        <a:schemeClr val="tx1"/>
+                      </a:solidFill>
+                      <a:prstDash val="solid"/>
+                      <a:round/>
+                      <a:headEnd type="none" w="med" len="med"/>
+                      <a:tailEnd type="none" w="med" len="med"/>
+                    </a:lnT>
+                    <a:lnB w="12700" cap="flat" cmpd="sng" algn="ctr">
+                      <a:solidFill>
+                        <a:schemeClr val="tx1"/>
+                      </a:solidFill>
+                      <a:prstDash val="solid"/>
+                      <a:round/>
+                      <a:headEnd type="none" w="med" len="med"/>
+                      <a:tailEnd type="none" w="med" len="med"/>
+                    </a:lnB>
+                    <a:solidFill>
+                      <a:schemeClr val="bg1"/>
+                    </a:solidFill>
+                  </a:tcPr>
+                </a:tc>
+                <a:extLst>
+                  <a:ext uri="{0D108BD9-81ED-4DB2-BD59-A6C34878D82A}">
+                    <a16:rowId xmlns:a16="http://schemas.microsoft.com/office/drawing/2014/main" val="1451940608"/>
+                  </a:ext>
+                </a:extLst>
+              </a:tr>
+              <a:tr h="1670731">
+                <a:tc>
+                  <a:txBody>
+                    <a:bodyPr/>
+                    <a:lstStyle/>
+                    <a:p>
+                      <a:pPr algn="ctr" fontAlgn="ctr"/>
+                      <a:r>
+                        <a:rPr lang="en" sz="2000" b="1" u="none" strike="noStrike" dirty="0">
+                          <a:effectLst/>
+                        </a:rPr>
+                        <a:t>teleport</a:t>
+                      </a:r>
+                      <a:endParaRPr lang="en" sz="2000" b="1" i="0" u="none" strike="noStrike" dirty="0">
+                        <a:solidFill>
+                          <a:srgbClr val="000000"/>
+                        </a:solidFill>
+                        <a:effectLst/>
+                        <a:latin typeface="游ゴシック" panose="020B0400000000000000" pitchFamily="34" charset="-128"/>
+                        <a:ea typeface="游ゴシック" panose="020B0400000000000000" pitchFamily="34" charset="-128"/>
+                      </a:endParaRPr>
+                    </a:p>
+                  </a:txBody>
+                  <a:tcPr marL="6330" marR="6330" marT="6330" marB="0" anchor="ctr">
+                    <a:lnL w="12700" cap="flat" cmpd="sng" algn="ctr">
+                      <a:solidFill>
+                        <a:schemeClr val="tx1"/>
+                      </a:solidFill>
+                      <a:prstDash val="solid"/>
+                      <a:round/>
+                      <a:headEnd type="none" w="med" len="med"/>
+                      <a:tailEnd type="none" w="med" len="med"/>
+                    </a:lnL>
+                    <a:lnR w="12700" cap="flat" cmpd="sng" algn="ctr">
+                      <a:solidFill>
+                        <a:schemeClr val="tx1"/>
+                      </a:solidFill>
+                      <a:prstDash val="solid"/>
+                      <a:round/>
+                      <a:headEnd type="none" w="med" len="med"/>
+                      <a:tailEnd type="none" w="med" len="med"/>
+                    </a:lnR>
+                    <a:lnT w="12700" cap="flat" cmpd="sng" algn="ctr">
+                      <a:solidFill>
+                        <a:schemeClr val="tx1"/>
+                      </a:solidFill>
+                      <a:prstDash val="solid"/>
+                      <a:round/>
+                      <a:headEnd type="none" w="med" len="med"/>
+                      <a:tailEnd type="none" w="med" len="med"/>
+                    </a:lnT>
+                    <a:lnB w="12700" cap="flat" cmpd="sng" algn="ctr">
+                      <a:solidFill>
+                        <a:schemeClr val="tx1"/>
+                      </a:solidFill>
+                      <a:prstDash val="solid"/>
+                      <a:round/>
+                      <a:headEnd type="none" w="med" len="med"/>
+                      <a:tailEnd type="none" w="med" len="med"/>
+                    </a:lnB>
+                    <a:solidFill>
+                      <a:schemeClr val="bg2">
+                        <a:lumMod val="90000"/>
+                      </a:schemeClr>
+                    </a:solidFill>
+                  </a:tcPr>
+                </a:tc>
+                <a:tc>
+                  <a:txBody>
+                    <a:bodyPr/>
+                    <a:lstStyle/>
+                    <a:p>
+                      <a:pPr algn="ctr" fontAlgn="ctr"/>
+                      <a:r>
+                        <a:rPr lang="ja-JP" altLang="en-US" sz="1800" u="none" strike="noStrike">
+                          <a:effectLst/>
+                        </a:rPr>
+                        <a:t>リモートアクセスする</a:t>
+                      </a:r>
+                      <a:endParaRPr lang="en-US" altLang="ja-JP" sz="1800" u="none" strike="noStrike" dirty="0">
+                        <a:effectLst/>
+                      </a:endParaRPr>
+                    </a:p>
+                    <a:p>
+                      <a:pPr algn="ctr" fontAlgn="ctr"/>
+                      <a:r>
+                        <a:rPr lang="ja-JP" altLang="en-US" sz="1800" u="none" strike="noStrike">
+                          <a:effectLst/>
+                        </a:rPr>
+                        <a:t>ためのセキュリティ</a:t>
+                      </a:r>
+                      <a:endParaRPr lang="en-US" altLang="ja-JP" sz="1800" u="none" strike="noStrike" dirty="0">
+                        <a:effectLst/>
+                      </a:endParaRPr>
+                    </a:p>
+                    <a:p>
+                      <a:pPr algn="ctr" fontAlgn="ctr"/>
+                      <a:r>
+                        <a:rPr lang="ja-JP" altLang="en-US" sz="1800" u="none" strike="noStrike">
+                          <a:effectLst/>
+                        </a:rPr>
+                        <a:t>ゲートウェイ</a:t>
+                      </a:r>
+                      <a:endParaRPr lang="ja-JP" altLang="en-US" sz="1800" b="0" i="0" u="none" strike="noStrike">
+                        <a:solidFill>
+                          <a:srgbClr val="000000"/>
+                        </a:solidFill>
+                        <a:effectLst/>
+                        <a:latin typeface="游ゴシック" panose="020B0400000000000000" pitchFamily="34" charset="-128"/>
+                        <a:ea typeface="游ゴシック" panose="020B0400000000000000" pitchFamily="34" charset="-128"/>
+                      </a:endParaRPr>
+                    </a:p>
+                  </a:txBody>
+                  <a:tcPr marL="6330" marR="6330" marT="6330" marB="0" anchor="ctr">
+                    <a:lnL w="12700" cap="flat" cmpd="sng" algn="ctr">
+                      <a:solidFill>
+                        <a:schemeClr val="tx1"/>
+                      </a:solidFill>
+                      <a:prstDash val="solid"/>
+                      <a:round/>
+                      <a:headEnd type="none" w="med" len="med"/>
+                      <a:tailEnd type="none" w="med" len="med"/>
+                    </a:lnL>
+                    <a:lnR w="12700" cap="flat" cmpd="sng" algn="ctr">
+                      <a:solidFill>
+                        <a:schemeClr val="tx1"/>
+                      </a:solidFill>
+                      <a:prstDash val="solid"/>
+                      <a:round/>
+                      <a:headEnd type="none" w="med" len="med"/>
+                      <a:tailEnd type="none" w="med" len="med"/>
+                    </a:lnR>
+                    <a:lnT w="12700" cap="flat" cmpd="sng" algn="ctr">
+                      <a:solidFill>
+                        <a:schemeClr val="tx1"/>
+                      </a:solidFill>
+                      <a:prstDash val="solid"/>
+                      <a:round/>
+                      <a:headEnd type="none" w="med" len="med"/>
+                      <a:tailEnd type="none" w="med" len="med"/>
+                    </a:lnT>
+                    <a:lnB w="12700" cap="flat" cmpd="sng" algn="ctr">
+                      <a:solidFill>
+                        <a:schemeClr val="tx1"/>
+                      </a:solidFill>
+                      <a:prstDash val="solid"/>
+                      <a:round/>
+                      <a:headEnd type="none" w="med" len="med"/>
+                      <a:tailEnd type="none" w="med" len="med"/>
+                    </a:lnB>
+                    <a:solidFill>
+                      <a:schemeClr val="bg1"/>
+                    </a:solidFill>
+                  </a:tcPr>
+                </a:tc>
+                <a:tc>
+                  <a:txBody>
+                    <a:bodyPr/>
+                    <a:lstStyle/>
+                    <a:p>
+                      <a:pPr algn="ctr" fontAlgn="ctr"/>
+                      <a:r>
+                        <a:rPr lang="ja-JP" altLang="en-US" sz="1800" u="none" strike="noStrike">
+                          <a:effectLst/>
+                        </a:rPr>
+                        <a:t>あり</a:t>
+                      </a:r>
+                      <a:endParaRPr lang="ja-JP" altLang="en-US" sz="1800" b="0" i="0" u="none" strike="noStrike">
+                        <a:solidFill>
+                          <a:srgbClr val="000000"/>
+                        </a:solidFill>
+                        <a:effectLst/>
+                        <a:latin typeface="游ゴシック" panose="020B0400000000000000" pitchFamily="34" charset="-128"/>
+                        <a:ea typeface="游ゴシック" panose="020B0400000000000000" pitchFamily="34" charset="-128"/>
+                      </a:endParaRPr>
+                    </a:p>
+                  </a:txBody>
+                  <a:tcPr marL="6330" marR="6330" marT="6330" marB="0" anchor="ctr">
+                    <a:lnL w="12700" cap="flat" cmpd="sng" algn="ctr">
+                      <a:solidFill>
+                        <a:schemeClr val="tx1"/>
+                      </a:solidFill>
+                      <a:prstDash val="solid"/>
+                      <a:round/>
+                      <a:headEnd type="none" w="med" len="med"/>
+                      <a:tailEnd type="none" w="med" len="med"/>
+                    </a:lnL>
+                    <a:lnR w="12700" cap="flat" cmpd="sng" algn="ctr">
+                      <a:solidFill>
+                        <a:schemeClr val="tx1"/>
+                      </a:solidFill>
+                      <a:prstDash val="solid"/>
+                      <a:round/>
+                      <a:headEnd type="none" w="med" len="med"/>
+                      <a:tailEnd type="none" w="med" len="med"/>
+                    </a:lnR>
+                    <a:lnT w="12700" cap="flat" cmpd="sng" algn="ctr">
+                      <a:solidFill>
+                        <a:schemeClr val="tx1"/>
+                      </a:solidFill>
+                      <a:prstDash val="solid"/>
+                      <a:round/>
+                      <a:headEnd type="none" w="med" len="med"/>
+                      <a:tailEnd type="none" w="med" len="med"/>
+                    </a:lnT>
+                    <a:lnB w="12700" cap="flat" cmpd="sng" algn="ctr">
+                      <a:solidFill>
+                        <a:schemeClr val="tx1"/>
+                      </a:solidFill>
+                      <a:prstDash val="solid"/>
+                      <a:round/>
+                      <a:headEnd type="none" w="med" len="med"/>
+                      <a:tailEnd type="none" w="med" len="med"/>
+                    </a:lnB>
+                    <a:solidFill>
+                      <a:schemeClr val="bg1"/>
+                    </a:solidFill>
+                  </a:tcPr>
+                </a:tc>
+                <a:tc>
+                  <a:txBody>
+                    <a:bodyPr/>
+                    <a:lstStyle/>
+                    <a:p>
+                      <a:pPr algn="ctr" fontAlgn="ctr"/>
+                      <a:r>
+                        <a:rPr lang="en-US" altLang="ja-JP" sz="1800" u="none" strike="noStrike" dirty="0">
+                          <a:effectLst/>
+                        </a:rPr>
+                        <a:t>SSL</a:t>
+                      </a:r>
+                      <a:r>
+                        <a:rPr lang="ja-JP" altLang="en-US" sz="1800" u="none" strike="noStrike">
+                          <a:effectLst/>
+                        </a:rPr>
+                        <a:t>証明書</a:t>
+                      </a:r>
+                      <a:endParaRPr lang="ja-JP" altLang="en-US" sz="1800" b="0" i="0" u="none" strike="noStrike">
+                        <a:solidFill>
+                          <a:srgbClr val="000000"/>
+                        </a:solidFill>
+                        <a:effectLst/>
+                        <a:latin typeface="游ゴシック" panose="020B0400000000000000" pitchFamily="34" charset="-128"/>
+                        <a:ea typeface="游ゴシック" panose="020B0400000000000000" pitchFamily="34" charset="-128"/>
+                      </a:endParaRPr>
+                    </a:p>
+                  </a:txBody>
+                  <a:tcPr marL="6330" marR="6330" marT="6330" marB="0" anchor="ctr">
+                    <a:lnL w="12700" cap="flat" cmpd="sng" algn="ctr">
+                      <a:solidFill>
+                        <a:schemeClr val="tx1"/>
+                      </a:solidFill>
+                      <a:prstDash val="solid"/>
+                      <a:round/>
+                      <a:headEnd type="none" w="med" len="med"/>
+                      <a:tailEnd type="none" w="med" len="med"/>
+                    </a:lnL>
+                    <a:lnR w="12700" cap="flat" cmpd="sng" algn="ctr">
+                      <a:solidFill>
+                        <a:schemeClr val="tx1"/>
+                      </a:solidFill>
+                      <a:prstDash val="solid"/>
+                      <a:round/>
+                      <a:headEnd type="none" w="med" len="med"/>
+                      <a:tailEnd type="none" w="med" len="med"/>
+                    </a:lnR>
+                    <a:lnT w="12700" cap="flat" cmpd="sng" algn="ctr">
+                      <a:solidFill>
+                        <a:schemeClr val="tx1"/>
+                      </a:solidFill>
+                      <a:prstDash val="solid"/>
+                      <a:round/>
+                      <a:headEnd type="none" w="med" len="med"/>
+                      <a:tailEnd type="none" w="med" len="med"/>
+                    </a:lnT>
+                    <a:lnB w="12700" cap="flat" cmpd="sng" algn="ctr">
+                      <a:solidFill>
+                        <a:schemeClr val="tx1"/>
+                      </a:solidFill>
+                      <a:prstDash val="solid"/>
+                      <a:round/>
+                      <a:headEnd type="none" w="med" len="med"/>
+                      <a:tailEnd type="none" w="med" len="med"/>
+                    </a:lnB>
+                    <a:solidFill>
+                      <a:schemeClr val="bg1"/>
+                    </a:solidFill>
+                  </a:tcPr>
+                </a:tc>
+                <a:tc>
+                  <a:txBody>
+                    <a:bodyPr/>
+                    <a:lstStyle/>
+                    <a:p>
+                      <a:pPr algn="ctr" fontAlgn="ctr"/>
+                      <a:r>
+                        <a:rPr lang="ja-JP" altLang="en-US" sz="1800" u="none" strike="noStrike">
+                          <a:effectLst/>
+                        </a:rPr>
+                        <a:t>あり</a:t>
+                      </a:r>
+                      <a:endParaRPr lang="ja-JP" altLang="en-US" sz="1800" b="0" i="0" u="none" strike="noStrike">
+                        <a:solidFill>
+                          <a:srgbClr val="000000"/>
+                        </a:solidFill>
+                        <a:effectLst/>
+                        <a:latin typeface="游ゴシック" panose="020B0400000000000000" pitchFamily="34" charset="-128"/>
+                        <a:ea typeface="游ゴシック" panose="020B0400000000000000" pitchFamily="34" charset="-128"/>
+                      </a:endParaRPr>
+                    </a:p>
+                  </a:txBody>
+                  <a:tcPr marL="6330" marR="6330" marT="6330" marB="0" anchor="ctr">
+                    <a:lnL w="12700" cap="flat" cmpd="sng" algn="ctr">
+                      <a:solidFill>
+                        <a:schemeClr val="tx1"/>
+                      </a:solidFill>
+                      <a:prstDash val="solid"/>
+                      <a:round/>
+                      <a:headEnd type="none" w="med" len="med"/>
+                      <a:tailEnd type="none" w="med" len="med"/>
+                    </a:lnL>
+                    <a:lnR w="12700" cap="flat" cmpd="sng" algn="ctr">
+                      <a:solidFill>
+                        <a:schemeClr val="tx1"/>
+                      </a:solidFill>
+                      <a:prstDash val="solid"/>
+                      <a:round/>
+                      <a:headEnd type="none" w="med" len="med"/>
+                      <a:tailEnd type="none" w="med" len="med"/>
+                    </a:lnR>
+                    <a:lnT w="12700" cap="flat" cmpd="sng" algn="ctr">
+                      <a:solidFill>
+                        <a:schemeClr val="tx1"/>
+                      </a:solidFill>
+                      <a:prstDash val="solid"/>
+                      <a:round/>
+                      <a:headEnd type="none" w="med" len="med"/>
+                      <a:tailEnd type="none" w="med" len="med"/>
+                    </a:lnT>
+                    <a:lnB w="12700" cap="flat" cmpd="sng" algn="ctr">
+                      <a:solidFill>
+                        <a:schemeClr val="tx1"/>
+                      </a:solidFill>
+                      <a:prstDash val="solid"/>
+                      <a:round/>
+                      <a:headEnd type="none" w="med" len="med"/>
+                      <a:tailEnd type="none" w="med" len="med"/>
+                    </a:lnB>
+                    <a:solidFill>
+                      <a:schemeClr val="bg1"/>
+                    </a:solidFill>
+                  </a:tcPr>
+                </a:tc>
+                <a:tc>
+                  <a:txBody>
+                    <a:bodyPr/>
+                    <a:lstStyle/>
+                    <a:p>
+                      <a:pPr algn="ctr" fontAlgn="ctr"/>
+                      <a:r>
+                        <a:rPr lang="en" altLang="ja-JP" sz="1800" u="none" strike="noStrike" dirty="0">
+                          <a:effectLst/>
+                        </a:rPr>
+                        <a:t>Gateway Server, </a:t>
+                      </a:r>
+                      <a:r>
+                        <a:rPr lang="en" altLang="ja-JP" sz="1800" u="none" strike="noStrike" dirty="0" err="1">
+                          <a:effectLst/>
+                        </a:rPr>
+                        <a:t>HostServer</a:t>
+                      </a:r>
+                      <a:r>
+                        <a:rPr lang="en" altLang="ja-JP" sz="1800" u="none" strike="noStrike" dirty="0">
+                          <a:effectLst/>
+                        </a:rPr>
+                        <a:t>,</a:t>
+                      </a:r>
+                    </a:p>
+                    <a:p>
+                      <a:pPr algn="ctr" fontAlgn="ctr"/>
+                      <a:r>
+                        <a:rPr lang="ja-JP" altLang="en-US" sz="1800" u="none" strike="noStrike">
+                          <a:effectLst/>
+                        </a:rPr>
+                        <a:t>クライアント</a:t>
+                      </a:r>
+                      <a:endParaRPr lang="ja-JP" altLang="en-US" sz="1800" b="0" i="0" u="none" strike="noStrike">
+                        <a:solidFill>
+                          <a:srgbClr val="000000"/>
+                        </a:solidFill>
+                        <a:effectLst/>
+                        <a:latin typeface="游ゴシック" panose="020B0400000000000000" pitchFamily="34" charset="-128"/>
+                        <a:ea typeface="+mn-ea"/>
+                      </a:endParaRPr>
+                    </a:p>
+                  </a:txBody>
+                  <a:tcPr marL="6330" marR="6330" marT="6330" marB="0" anchor="ctr">
+                    <a:lnL w="12700" cap="flat" cmpd="sng" algn="ctr">
+                      <a:solidFill>
+                        <a:schemeClr val="tx1"/>
+                      </a:solidFill>
+                      <a:prstDash val="solid"/>
+                      <a:round/>
+                      <a:headEnd type="none" w="med" len="med"/>
+                      <a:tailEnd type="none" w="med" len="med"/>
+                    </a:lnL>
+                    <a:lnR w="12700" cap="flat" cmpd="sng" algn="ctr">
+                      <a:solidFill>
+                        <a:schemeClr val="tx1"/>
+                      </a:solidFill>
+                      <a:prstDash val="solid"/>
+                      <a:round/>
+                      <a:headEnd type="none" w="med" len="med"/>
+                      <a:tailEnd type="none" w="med" len="med"/>
+                    </a:lnR>
+                    <a:lnT w="12700" cap="flat" cmpd="sng" algn="ctr">
+                      <a:solidFill>
+                        <a:schemeClr val="tx1"/>
+                      </a:solidFill>
+                      <a:prstDash val="solid"/>
+                      <a:round/>
+                      <a:headEnd type="none" w="med" len="med"/>
+                      <a:tailEnd type="none" w="med" len="med"/>
+                    </a:lnT>
+                    <a:lnB w="12700" cap="flat" cmpd="sng" algn="ctr">
+                      <a:solidFill>
+                        <a:schemeClr val="tx1"/>
+                      </a:solidFill>
+                      <a:prstDash val="solid"/>
+                      <a:round/>
+                      <a:headEnd type="none" w="med" len="med"/>
+                      <a:tailEnd type="none" w="med" len="med"/>
+                    </a:lnB>
+                    <a:solidFill>
+                      <a:schemeClr val="bg1"/>
+                    </a:solidFill>
+                  </a:tcPr>
+                </a:tc>
+                <a:tc>
+                  <a:txBody>
+                    <a:bodyPr/>
+                    <a:lstStyle/>
+                    <a:p>
+                      <a:pPr algn="ctr" fontAlgn="ctr"/>
+                      <a:r>
+                        <a:rPr lang="ja-JP" altLang="en-US" sz="1800" u="none" strike="noStrike">
+                          <a:effectLst/>
+                        </a:rPr>
+                        <a:t>すこし</a:t>
+                      </a:r>
+                      <a:endParaRPr lang="en-US" altLang="ja-JP" sz="1800" u="none" strike="noStrike" dirty="0">
+                        <a:effectLst/>
+                      </a:endParaRPr>
+                    </a:p>
+                    <a:p>
+                      <a:pPr algn="ctr" fontAlgn="ctr"/>
+                      <a:r>
+                        <a:rPr lang="ja-JP" altLang="en-US" sz="1800" b="0" i="0" u="none" strike="noStrike">
+                          <a:solidFill>
+                            <a:srgbClr val="000000"/>
+                          </a:solidFill>
+                          <a:effectLst/>
+                          <a:latin typeface="游ゴシック" panose="020B0400000000000000" pitchFamily="34" charset="-128"/>
+                          <a:ea typeface="游ゴシック" panose="020B0400000000000000" pitchFamily="34" charset="-128"/>
+                        </a:rPr>
+                        <a:t>難しい</a:t>
+                      </a:r>
+                    </a:p>
+                  </a:txBody>
+                  <a:tcPr marL="6330" marR="6330" marT="6330" marB="0" anchor="ctr">
+                    <a:lnL w="12700" cap="flat" cmpd="sng" algn="ctr">
+                      <a:solidFill>
+                        <a:schemeClr val="tx1"/>
+                      </a:solidFill>
+                      <a:prstDash val="solid"/>
+                      <a:round/>
+                      <a:headEnd type="none" w="med" len="med"/>
+                      <a:tailEnd type="none" w="med" len="med"/>
+                    </a:lnL>
+                    <a:lnR w="12700" cap="flat" cmpd="sng" algn="ctr">
+                      <a:solidFill>
+                        <a:schemeClr val="tx1"/>
+                      </a:solidFill>
+                      <a:prstDash val="solid"/>
+                      <a:round/>
+                      <a:headEnd type="none" w="med" len="med"/>
+                      <a:tailEnd type="none" w="med" len="med"/>
+                    </a:lnR>
+                    <a:lnT w="12700" cap="flat" cmpd="sng" algn="ctr">
+                      <a:solidFill>
+                        <a:schemeClr val="tx1"/>
+                      </a:solidFill>
+                      <a:prstDash val="solid"/>
+                      <a:round/>
+                      <a:headEnd type="none" w="med" len="med"/>
+                      <a:tailEnd type="none" w="med" len="med"/>
+                    </a:lnT>
+                    <a:lnB w="12700" cap="flat" cmpd="sng" algn="ctr">
+                      <a:solidFill>
+                        <a:schemeClr val="tx1"/>
+                      </a:solidFill>
+                      <a:prstDash val="solid"/>
+                      <a:round/>
+                      <a:headEnd type="none" w="med" len="med"/>
+                      <a:tailEnd type="none" w="med" len="med"/>
+                    </a:lnB>
+                    <a:solidFill>
+                      <a:schemeClr val="bg1"/>
+                    </a:solidFill>
+                  </a:tcPr>
+                </a:tc>
+                <a:tc>
+                  <a:txBody>
+                    <a:bodyPr/>
+                    <a:lstStyle/>
+                    <a:p>
+                      <a:pPr marL="285750" indent="-285750" algn="l" fontAlgn="ctr">
+                        <a:buFont typeface="Arial" panose="020B0604020202020204" pitchFamily="34" charset="0"/>
+                        <a:buChar char="•"/>
+                      </a:pPr>
+                      <a:r>
+                        <a:rPr lang="ja-JP" altLang="en-US" sz="1800" u="none" strike="noStrike">
+                          <a:effectLst/>
+                        </a:rPr>
+                        <a:t>管理者専用のサイトが用意されており、導入まで丁寧に記載されている</a:t>
+                      </a:r>
+                      <a:endParaRPr lang="ja-JP" altLang="en-US" sz="1800" b="0" i="0" u="none" strike="noStrike">
+                        <a:solidFill>
+                          <a:srgbClr val="000000"/>
+                        </a:solidFill>
+                        <a:effectLst/>
+                        <a:latin typeface="游ゴシック" panose="020B0400000000000000" pitchFamily="34" charset="-128"/>
+                        <a:ea typeface="游ゴシック" panose="020B0400000000000000" pitchFamily="34" charset="-128"/>
+                      </a:endParaRPr>
+                    </a:p>
+                  </a:txBody>
+                  <a:tcPr marL="6330" marR="6330" marT="6330" marB="0" anchor="ctr">
+                    <a:lnL w="12700" cap="flat" cmpd="sng" algn="ctr">
+                      <a:solidFill>
+                        <a:schemeClr val="tx1"/>
+                      </a:solidFill>
+                      <a:prstDash val="solid"/>
+                      <a:round/>
+                      <a:headEnd type="none" w="med" len="med"/>
+                      <a:tailEnd type="none" w="med" len="med"/>
+                    </a:lnL>
+                    <a:lnR w="12700" cap="flat" cmpd="sng" algn="ctr">
+                      <a:solidFill>
+                        <a:schemeClr val="tx1"/>
+                      </a:solidFill>
+                      <a:prstDash val="solid"/>
+                      <a:round/>
+                      <a:headEnd type="none" w="med" len="med"/>
+                      <a:tailEnd type="none" w="med" len="med"/>
+                    </a:lnR>
+                    <a:lnT w="12700" cap="flat" cmpd="sng" algn="ctr">
+                      <a:solidFill>
+                        <a:schemeClr val="tx1"/>
+                      </a:solidFill>
+                      <a:prstDash val="solid"/>
+                      <a:round/>
+                      <a:headEnd type="none" w="med" len="med"/>
+                      <a:tailEnd type="none" w="med" len="med"/>
+                    </a:lnT>
+                    <a:lnB w="12700" cap="flat" cmpd="sng" algn="ctr">
+                      <a:solidFill>
+                        <a:schemeClr val="tx1"/>
+                      </a:solidFill>
+                      <a:prstDash val="solid"/>
+                      <a:round/>
+                      <a:headEnd type="none" w="med" len="med"/>
+                      <a:tailEnd type="none" w="med" len="med"/>
+                    </a:lnB>
+                    <a:solidFill>
+                      <a:schemeClr val="bg1"/>
+                    </a:solidFill>
+                  </a:tcPr>
+                </a:tc>
+                <a:extLst>
+                  <a:ext uri="{0D108BD9-81ED-4DB2-BD59-A6C34878D82A}">
+                    <a16:rowId xmlns:a16="http://schemas.microsoft.com/office/drawing/2014/main" val="1058985901"/>
+                  </a:ext>
+                </a:extLst>
+              </a:tr>
+              <a:tr h="2095994">
+                <a:tc>
+                  <a:txBody>
+                    <a:bodyPr/>
+                    <a:lstStyle/>
+                    <a:p>
+                      <a:pPr algn="ctr" fontAlgn="ctr"/>
+                      <a:r>
+                        <a:rPr lang="en" sz="2000" b="1" i="0" u="none" strike="noStrike" dirty="0" err="1">
+                          <a:solidFill>
+                            <a:srgbClr val="000000"/>
+                          </a:solidFill>
+                          <a:effectLst/>
+                          <a:latin typeface="游ゴシック" panose="020B0400000000000000" pitchFamily="34" charset="-128"/>
+                          <a:ea typeface="游ゴシック" panose="020B0400000000000000" pitchFamily="34" charset="-128"/>
+                        </a:rPr>
+                        <a:t>SoftEther</a:t>
+                      </a:r>
+                      <a:r>
+                        <a:rPr lang="en" sz="2000" b="1" i="0" u="none" strike="noStrike" dirty="0">
+                          <a:solidFill>
+                            <a:srgbClr val="000000"/>
+                          </a:solidFill>
+                          <a:effectLst/>
+                          <a:latin typeface="游ゴシック" panose="020B0400000000000000" pitchFamily="34" charset="-128"/>
+                          <a:ea typeface="游ゴシック" panose="020B0400000000000000" pitchFamily="34" charset="-128"/>
+                        </a:rPr>
+                        <a:t> VPN</a:t>
+                      </a:r>
+                    </a:p>
+                  </a:txBody>
+                  <a:tcPr marL="6330" marR="6330" marT="6330" marB="0" anchor="ctr">
+                    <a:lnL w="12700" cap="flat" cmpd="sng" algn="ctr">
+                      <a:solidFill>
+                        <a:schemeClr val="tx1"/>
+                      </a:solidFill>
+                      <a:prstDash val="solid"/>
+                      <a:round/>
+                      <a:headEnd type="none" w="med" len="med"/>
+                      <a:tailEnd type="none" w="med" len="med"/>
+                    </a:lnL>
+                    <a:lnR w="12700" cap="flat" cmpd="sng" algn="ctr">
+                      <a:solidFill>
+                        <a:schemeClr val="tx1"/>
+                      </a:solidFill>
+                      <a:prstDash val="solid"/>
+                      <a:round/>
+                      <a:headEnd type="none" w="med" len="med"/>
+                      <a:tailEnd type="none" w="med" len="med"/>
+                    </a:lnR>
+                    <a:lnT w="12700" cap="flat" cmpd="sng" algn="ctr">
+                      <a:solidFill>
+                        <a:schemeClr val="tx1"/>
+                      </a:solidFill>
+                      <a:prstDash val="solid"/>
+                      <a:round/>
+                      <a:headEnd type="none" w="med" len="med"/>
+                      <a:tailEnd type="none" w="med" len="med"/>
+                    </a:lnT>
+                    <a:lnB w="12700" cap="flat" cmpd="sng" algn="ctr">
+                      <a:solidFill>
+                        <a:schemeClr val="tx1"/>
+                      </a:solidFill>
+                      <a:prstDash val="solid"/>
+                      <a:round/>
+                      <a:headEnd type="none" w="med" len="med"/>
+                      <a:tailEnd type="none" w="med" len="med"/>
+                    </a:lnB>
+                    <a:solidFill>
+                      <a:schemeClr val="bg2">
+                        <a:lumMod val="90000"/>
+                      </a:schemeClr>
+                    </a:solidFill>
+                  </a:tcPr>
+                </a:tc>
+                <a:tc>
+                  <a:txBody>
+                    <a:bodyPr/>
+                    <a:lstStyle/>
+                    <a:p>
+                      <a:pPr algn="ctr" fontAlgn="ctr"/>
+                      <a:r>
+                        <a:rPr lang="ja-JP" altLang="en-US" sz="1800" b="0" i="0" u="none" strike="noStrike">
+                          <a:solidFill>
+                            <a:srgbClr val="000000"/>
+                          </a:solidFill>
+                          <a:effectLst/>
+                          <a:latin typeface="游ゴシック" panose="020B0400000000000000" pitchFamily="34" charset="-128"/>
+                          <a:ea typeface="游ゴシック" panose="020B0400000000000000" pitchFamily="34" charset="-128"/>
+                        </a:rPr>
+                        <a:t>レイヤ２でカプセル化やトンネリングを行う、</a:t>
+                      </a:r>
+                      <a:r>
+                        <a:rPr lang="en-US" altLang="ja-JP" sz="1800" b="0" i="0" u="none" strike="noStrike" dirty="0">
+                          <a:solidFill>
+                            <a:srgbClr val="000000"/>
+                          </a:solidFill>
+                          <a:effectLst/>
+                          <a:latin typeface="游ゴシック" panose="020B0400000000000000" pitchFamily="34" charset="-128"/>
+                          <a:ea typeface="游ゴシック" panose="020B0400000000000000" pitchFamily="34" charset="-128"/>
+                        </a:rPr>
+                        <a:t>VPN</a:t>
+                      </a:r>
+                      <a:r>
+                        <a:rPr lang="ja-JP" altLang="en-US" sz="1800" b="0" i="0" u="none" strike="noStrike">
+                          <a:solidFill>
+                            <a:srgbClr val="000000"/>
+                          </a:solidFill>
+                          <a:effectLst/>
+                          <a:latin typeface="游ゴシック" panose="020B0400000000000000" pitchFamily="34" charset="-128"/>
+                          <a:ea typeface="游ゴシック" panose="020B0400000000000000" pitchFamily="34" charset="-128"/>
+                        </a:rPr>
+                        <a:t>構築ソフトウェア</a:t>
+                      </a:r>
+                    </a:p>
+                  </a:txBody>
+                  <a:tcPr marL="6330" marR="6330" marT="6330" marB="0" anchor="ctr">
+                    <a:lnL w="12700" cap="flat" cmpd="sng" algn="ctr">
+                      <a:solidFill>
+                        <a:schemeClr val="tx1"/>
+                      </a:solidFill>
+                      <a:prstDash val="solid"/>
+                      <a:round/>
+                      <a:headEnd type="none" w="med" len="med"/>
+                      <a:tailEnd type="none" w="med" len="med"/>
+                    </a:lnL>
+                    <a:lnR w="12700" cap="flat" cmpd="sng" algn="ctr">
+                      <a:solidFill>
+                        <a:schemeClr val="tx1"/>
+                      </a:solidFill>
+                      <a:prstDash val="solid"/>
+                      <a:round/>
+                      <a:headEnd type="none" w="med" len="med"/>
+                      <a:tailEnd type="none" w="med" len="med"/>
+                    </a:lnR>
+                    <a:lnT w="12700" cap="flat" cmpd="sng" algn="ctr">
+                      <a:solidFill>
+                        <a:schemeClr val="tx1"/>
+                      </a:solidFill>
+                      <a:prstDash val="solid"/>
+                      <a:round/>
+                      <a:headEnd type="none" w="med" len="med"/>
+                      <a:tailEnd type="none" w="med" len="med"/>
+                    </a:lnT>
+                    <a:lnB w="12700" cap="flat" cmpd="sng" algn="ctr">
+                      <a:solidFill>
+                        <a:schemeClr val="tx1"/>
+                      </a:solidFill>
+                      <a:prstDash val="solid"/>
+                      <a:round/>
+                      <a:headEnd type="none" w="med" len="med"/>
+                      <a:tailEnd type="none" w="med" len="med"/>
+                    </a:lnB>
+                    <a:solidFill>
+                      <a:schemeClr val="bg1"/>
+                    </a:solidFill>
+                  </a:tcPr>
+                </a:tc>
+                <a:tc>
+                  <a:txBody>
+                    <a:bodyPr/>
+                    <a:lstStyle/>
+                    <a:p>
+                      <a:pPr algn="ctr" fontAlgn="ctr"/>
+                      <a:r>
+                        <a:rPr lang="ja-JP" altLang="en-US" sz="1800" b="0" i="0" u="none" strike="noStrike">
+                          <a:solidFill>
+                            <a:srgbClr val="000000"/>
+                          </a:solidFill>
+                          <a:effectLst/>
+                          <a:latin typeface="游ゴシック" panose="020B0400000000000000" pitchFamily="34" charset="-128"/>
+                          <a:ea typeface="游ゴシック" panose="020B0400000000000000" pitchFamily="34" charset="-128"/>
+                        </a:rPr>
+                        <a:t>あり</a:t>
+                      </a:r>
+                    </a:p>
+                  </a:txBody>
+                  <a:tcPr marL="6330" marR="6330" marT="6330" marB="0" anchor="ctr">
+                    <a:lnL w="12700" cap="flat" cmpd="sng" algn="ctr">
+                      <a:solidFill>
+                        <a:schemeClr val="tx1"/>
+                      </a:solidFill>
+                      <a:prstDash val="solid"/>
+                      <a:round/>
+                      <a:headEnd type="none" w="med" len="med"/>
+                      <a:tailEnd type="none" w="med" len="med"/>
+                    </a:lnL>
+                    <a:lnR w="12700" cap="flat" cmpd="sng" algn="ctr">
+                      <a:solidFill>
+                        <a:schemeClr val="tx1"/>
+                      </a:solidFill>
+                      <a:prstDash val="solid"/>
+                      <a:round/>
+                      <a:headEnd type="none" w="med" len="med"/>
+                      <a:tailEnd type="none" w="med" len="med"/>
+                    </a:lnR>
+                    <a:lnT w="12700" cap="flat" cmpd="sng" algn="ctr">
+                      <a:solidFill>
+                        <a:schemeClr val="tx1"/>
+                      </a:solidFill>
+                      <a:prstDash val="solid"/>
+                      <a:round/>
+                      <a:headEnd type="none" w="med" len="med"/>
+                      <a:tailEnd type="none" w="med" len="med"/>
+                    </a:lnT>
+                    <a:lnB w="12700" cap="flat" cmpd="sng" algn="ctr">
+                      <a:solidFill>
+                        <a:schemeClr val="tx1"/>
+                      </a:solidFill>
+                      <a:prstDash val="solid"/>
+                      <a:round/>
+                      <a:headEnd type="none" w="med" len="med"/>
+                      <a:tailEnd type="none" w="med" len="med"/>
+                    </a:lnB>
+                    <a:solidFill>
+                      <a:schemeClr val="bg1"/>
+                    </a:solidFill>
+                  </a:tcPr>
+                </a:tc>
+                <a:tc>
+                  <a:txBody>
+                    <a:bodyPr/>
+                    <a:lstStyle/>
+                    <a:p>
+                      <a:pPr algn="ctr" fontAlgn="ctr"/>
+                      <a:r>
+                        <a:rPr lang="ja-JP" altLang="en-US" sz="1800" b="1" i="0" u="none" strike="noStrike">
+                          <a:solidFill>
+                            <a:srgbClr val="000000"/>
+                          </a:solidFill>
+                          <a:effectLst/>
+                          <a:latin typeface="游ゴシック" panose="020B0400000000000000" pitchFamily="34" charset="-128"/>
+                          <a:ea typeface="游ゴシック" panose="020B0400000000000000" pitchFamily="34" charset="-128"/>
+                        </a:rPr>
+                        <a:t>認証</a:t>
+                      </a:r>
+                      <a:endParaRPr lang="en-US" altLang="ja-JP" sz="1800" b="1" i="0" u="none" strike="noStrike" dirty="0">
+                        <a:solidFill>
+                          <a:srgbClr val="000000"/>
+                        </a:solidFill>
+                        <a:effectLst/>
+                        <a:latin typeface="游ゴシック" panose="020B0400000000000000" pitchFamily="34" charset="-128"/>
+                        <a:ea typeface="游ゴシック" panose="020B0400000000000000" pitchFamily="34" charset="-128"/>
+                      </a:endParaRPr>
+                    </a:p>
+                    <a:p>
+                      <a:pPr algn="ctr" fontAlgn="ctr"/>
+                      <a:r>
+                        <a:rPr lang="en-US" altLang="ja-JP" sz="1800" b="0" i="0" u="none" strike="noStrike" dirty="0">
+                          <a:solidFill>
+                            <a:srgbClr val="000000"/>
+                          </a:solidFill>
+                          <a:effectLst/>
+                          <a:latin typeface="游ゴシック" panose="020B0400000000000000" pitchFamily="34" charset="-128"/>
+                          <a:ea typeface="游ゴシック" panose="020B0400000000000000" pitchFamily="34" charset="-128"/>
+                        </a:rPr>
+                        <a:t>RSA</a:t>
+                      </a:r>
+                    </a:p>
+                    <a:p>
+                      <a:pPr algn="ctr" fontAlgn="ctr"/>
+                      <a:endParaRPr lang="en-US" altLang="ja-JP" sz="1800" b="0" i="0" u="none" strike="noStrike" dirty="0">
+                        <a:solidFill>
+                          <a:srgbClr val="000000"/>
+                        </a:solidFill>
+                        <a:effectLst/>
+                        <a:latin typeface="游ゴシック" panose="020B0400000000000000" pitchFamily="34" charset="-128"/>
+                        <a:ea typeface="游ゴシック" panose="020B0400000000000000" pitchFamily="34" charset="-128"/>
+                      </a:endParaRPr>
+                    </a:p>
+                    <a:p>
+                      <a:pPr algn="ctr" fontAlgn="ctr"/>
+                      <a:r>
+                        <a:rPr lang="ja-JP" altLang="en-US" sz="1800" b="1" i="0" u="none" strike="noStrike">
+                          <a:solidFill>
+                            <a:srgbClr val="000000"/>
+                          </a:solidFill>
+                          <a:effectLst/>
+                          <a:latin typeface="游ゴシック" panose="020B0400000000000000" pitchFamily="34" charset="-128"/>
+                          <a:ea typeface="游ゴシック" panose="020B0400000000000000" pitchFamily="34" charset="-128"/>
+                        </a:rPr>
+                        <a:t>暗号化</a:t>
+                      </a:r>
+                      <a:endParaRPr lang="en-US" altLang="ja-JP" sz="1800" b="1" i="0" u="none" strike="noStrike" dirty="0">
+                        <a:solidFill>
+                          <a:srgbClr val="000000"/>
+                        </a:solidFill>
+                        <a:effectLst/>
+                        <a:latin typeface="游ゴシック" panose="020B0400000000000000" pitchFamily="34" charset="-128"/>
+                        <a:ea typeface="游ゴシック" panose="020B0400000000000000" pitchFamily="34" charset="-128"/>
+                      </a:endParaRPr>
+                    </a:p>
+                    <a:p>
+                      <a:pPr algn="ctr" fontAlgn="ctr"/>
+                      <a:r>
+                        <a:rPr lang="en-US" altLang="ja-JP" sz="1800" b="0" i="0" u="none" strike="noStrike" dirty="0">
+                          <a:solidFill>
+                            <a:srgbClr val="000000"/>
+                          </a:solidFill>
+                          <a:effectLst/>
+                          <a:latin typeface="游ゴシック" panose="020B0400000000000000" pitchFamily="34" charset="-128"/>
+                          <a:ea typeface="游ゴシック" panose="020B0400000000000000" pitchFamily="34" charset="-128"/>
+                        </a:rPr>
+                        <a:t>AES</a:t>
+                      </a:r>
+                      <a:r>
+                        <a:rPr lang="ja-JP" altLang="en-US" sz="1800" b="0" i="0" u="none" strike="noStrike">
+                          <a:solidFill>
+                            <a:srgbClr val="000000"/>
+                          </a:solidFill>
+                          <a:effectLst/>
+                          <a:latin typeface="游ゴシック" panose="020B0400000000000000" pitchFamily="34" charset="-128"/>
+                          <a:ea typeface="游ゴシック" panose="020B0400000000000000" pitchFamily="34" charset="-128"/>
+                        </a:rPr>
+                        <a:t>、</a:t>
+                      </a:r>
+                      <a:r>
+                        <a:rPr lang="en-US" altLang="ja-JP" sz="1800" b="0" i="0" u="none" strike="noStrike" dirty="0">
+                          <a:solidFill>
+                            <a:srgbClr val="000000"/>
+                          </a:solidFill>
+                          <a:effectLst/>
+                          <a:latin typeface="游ゴシック" panose="020B0400000000000000" pitchFamily="34" charset="-128"/>
+                          <a:ea typeface="游ゴシック" panose="020B0400000000000000" pitchFamily="34" charset="-128"/>
+                        </a:rPr>
+                        <a:t>DES</a:t>
+                      </a:r>
+                      <a:r>
+                        <a:rPr lang="ja-JP" altLang="en-US" sz="1800" b="0" i="0" u="none" strike="noStrike">
+                          <a:solidFill>
+                            <a:srgbClr val="000000"/>
+                          </a:solidFill>
+                          <a:effectLst/>
+                          <a:latin typeface="游ゴシック" panose="020B0400000000000000" pitchFamily="34" charset="-128"/>
+                          <a:ea typeface="游ゴシック" panose="020B0400000000000000" pitchFamily="34" charset="-128"/>
+                        </a:rPr>
+                        <a:t>など</a:t>
+                      </a:r>
+                    </a:p>
+                  </a:txBody>
+                  <a:tcPr marL="6330" marR="6330" marT="6330" marB="0" anchor="ctr">
+                    <a:lnL w="12700" cap="flat" cmpd="sng" algn="ctr">
+                      <a:solidFill>
+                        <a:schemeClr val="tx1"/>
+                      </a:solidFill>
+                      <a:prstDash val="solid"/>
+                      <a:round/>
+                      <a:headEnd type="none" w="med" len="med"/>
+                      <a:tailEnd type="none" w="med" len="med"/>
+                    </a:lnL>
+                    <a:lnR w="12700" cap="flat" cmpd="sng" algn="ctr">
+                      <a:solidFill>
+                        <a:schemeClr val="tx1"/>
+                      </a:solidFill>
+                      <a:prstDash val="solid"/>
+                      <a:round/>
+                      <a:headEnd type="none" w="med" len="med"/>
+                      <a:tailEnd type="none" w="med" len="med"/>
+                    </a:lnR>
+                    <a:lnT w="12700" cap="flat" cmpd="sng" algn="ctr">
+                      <a:solidFill>
+                        <a:schemeClr val="tx1"/>
+                      </a:solidFill>
+                      <a:prstDash val="solid"/>
+                      <a:round/>
+                      <a:headEnd type="none" w="med" len="med"/>
+                      <a:tailEnd type="none" w="med" len="med"/>
+                    </a:lnT>
+                    <a:lnB w="12700" cap="flat" cmpd="sng" algn="ctr">
+                      <a:solidFill>
+                        <a:schemeClr val="tx1"/>
+                      </a:solidFill>
+                      <a:prstDash val="solid"/>
+                      <a:round/>
+                      <a:headEnd type="none" w="med" len="med"/>
+                      <a:tailEnd type="none" w="med" len="med"/>
+                    </a:lnB>
+                    <a:solidFill>
+                      <a:schemeClr val="bg1"/>
+                    </a:solidFill>
+                  </a:tcPr>
+                </a:tc>
+                <a:tc>
+                  <a:txBody>
+                    <a:bodyPr/>
+                    <a:lstStyle/>
+                    <a:p>
+                      <a:pPr algn="ctr" fontAlgn="ctr"/>
+                      <a:r>
+                        <a:rPr lang="ja-JP" altLang="en-US" sz="1800" b="0" i="0" u="none" strike="noStrike">
+                          <a:solidFill>
+                            <a:srgbClr val="000000"/>
+                          </a:solidFill>
+                          <a:effectLst/>
+                          <a:latin typeface="游ゴシック" panose="020B0400000000000000" pitchFamily="34" charset="-128"/>
+                          <a:ea typeface="游ゴシック" panose="020B0400000000000000" pitchFamily="34" charset="-128"/>
+                        </a:rPr>
+                        <a:t>なし</a:t>
+                      </a:r>
+                    </a:p>
+                  </a:txBody>
+                  <a:tcPr marL="6330" marR="6330" marT="6330" marB="0" anchor="ctr">
+                    <a:lnL w="12700" cap="flat" cmpd="sng" algn="ctr">
+                      <a:solidFill>
+                        <a:schemeClr val="tx1"/>
+                      </a:solidFill>
+                      <a:prstDash val="solid"/>
+                      <a:round/>
+                      <a:headEnd type="none" w="med" len="med"/>
+                      <a:tailEnd type="none" w="med" len="med"/>
+                    </a:lnL>
+                    <a:lnR w="12700" cap="flat" cmpd="sng" algn="ctr">
+                      <a:solidFill>
+                        <a:schemeClr val="tx1"/>
+                      </a:solidFill>
+                      <a:prstDash val="solid"/>
+                      <a:round/>
+                      <a:headEnd type="none" w="med" len="med"/>
+                      <a:tailEnd type="none" w="med" len="med"/>
+                    </a:lnR>
+                    <a:lnT w="12700" cap="flat" cmpd="sng" algn="ctr">
+                      <a:solidFill>
+                        <a:schemeClr val="tx1"/>
+                      </a:solidFill>
+                      <a:prstDash val="solid"/>
+                      <a:round/>
+                      <a:headEnd type="none" w="med" len="med"/>
+                      <a:tailEnd type="none" w="med" len="med"/>
+                    </a:lnT>
+                    <a:lnB w="12700" cap="flat" cmpd="sng" algn="ctr">
+                      <a:solidFill>
+                        <a:schemeClr val="tx1"/>
+                      </a:solidFill>
+                      <a:prstDash val="solid"/>
+                      <a:round/>
+                      <a:headEnd type="none" w="med" len="med"/>
+                      <a:tailEnd type="none" w="med" len="med"/>
+                    </a:lnB>
+                    <a:solidFill>
+                      <a:schemeClr val="bg1"/>
+                    </a:solidFill>
+                  </a:tcPr>
+                </a:tc>
+                <a:tc>
+                  <a:txBody>
+                    <a:bodyPr/>
+                    <a:lstStyle/>
+                    <a:p>
+                      <a:pPr algn="ctr" fontAlgn="ctr"/>
+                      <a:r>
+                        <a:rPr lang="en" altLang="ja-JP" sz="1800" u="none" strike="noStrike" dirty="0">
+                          <a:effectLst/>
+                        </a:rPr>
+                        <a:t>Gateway Server, </a:t>
+                      </a:r>
+                      <a:r>
+                        <a:rPr lang="en" altLang="ja-JP" sz="1800" u="none" strike="noStrike" dirty="0" err="1">
+                          <a:effectLst/>
+                        </a:rPr>
+                        <a:t>HostServer</a:t>
+                      </a:r>
+                      <a:r>
+                        <a:rPr lang="en" altLang="ja-JP" sz="1800" u="none" strike="noStrike" dirty="0">
+                          <a:effectLst/>
+                        </a:rPr>
+                        <a:t>,</a:t>
+                      </a:r>
+                    </a:p>
+                    <a:p>
+                      <a:pPr algn="ctr" fontAlgn="ctr"/>
+                      <a:r>
+                        <a:rPr lang="ja-JP" altLang="en-US" sz="1800" u="none" strike="noStrike">
+                          <a:effectLst/>
+                        </a:rPr>
+                        <a:t>クライアント</a:t>
+                      </a:r>
+                      <a:endParaRPr lang="ja-JP" altLang="en-US" sz="1800" b="0" i="0" u="none" strike="noStrike">
+                        <a:solidFill>
+                          <a:srgbClr val="000000"/>
+                        </a:solidFill>
+                        <a:effectLst/>
+                        <a:latin typeface="游ゴシック" panose="020B0400000000000000" pitchFamily="34" charset="-128"/>
+                        <a:ea typeface="+mn-ea"/>
+                      </a:endParaRPr>
+                    </a:p>
+                  </a:txBody>
+                  <a:tcPr marL="6330" marR="6330" marT="6330" marB="0" anchor="ctr">
+                    <a:lnL w="12700" cap="flat" cmpd="sng" algn="ctr">
+                      <a:solidFill>
+                        <a:schemeClr val="tx1"/>
+                      </a:solidFill>
+                      <a:prstDash val="solid"/>
+                      <a:round/>
+                      <a:headEnd type="none" w="med" len="med"/>
+                      <a:tailEnd type="none" w="med" len="med"/>
+                    </a:lnL>
+                    <a:lnR w="12700" cap="flat" cmpd="sng" algn="ctr">
+                      <a:solidFill>
+                        <a:schemeClr val="tx1"/>
+                      </a:solidFill>
+                      <a:prstDash val="solid"/>
+                      <a:round/>
+                      <a:headEnd type="none" w="med" len="med"/>
+                      <a:tailEnd type="none" w="med" len="med"/>
+                    </a:lnR>
+                    <a:lnT w="12700" cap="flat" cmpd="sng" algn="ctr">
+                      <a:solidFill>
+                        <a:schemeClr val="tx1"/>
+                      </a:solidFill>
+                      <a:prstDash val="solid"/>
+                      <a:round/>
+                      <a:headEnd type="none" w="med" len="med"/>
+                      <a:tailEnd type="none" w="med" len="med"/>
+                    </a:lnT>
+                    <a:lnB w="12700" cap="flat" cmpd="sng" algn="ctr">
+                      <a:solidFill>
+                        <a:schemeClr val="tx1"/>
+                      </a:solidFill>
+                      <a:prstDash val="solid"/>
+                      <a:round/>
+                      <a:headEnd type="none" w="med" len="med"/>
+                      <a:tailEnd type="none" w="med" len="med"/>
+                    </a:lnB>
+                    <a:solidFill>
+                      <a:schemeClr val="bg1"/>
+                    </a:solidFill>
+                  </a:tcPr>
+                </a:tc>
+                <a:tc>
+                  <a:txBody>
+                    <a:bodyPr/>
+                    <a:lstStyle/>
+                    <a:p>
+                      <a:pPr algn="ctr" fontAlgn="ctr"/>
+                      <a:r>
+                        <a:rPr lang="ja-JP" altLang="en-US" sz="1800" b="0" i="0" u="none" strike="noStrike">
+                          <a:solidFill>
+                            <a:srgbClr val="000000"/>
+                          </a:solidFill>
+                          <a:effectLst/>
+                          <a:latin typeface="游ゴシック" panose="020B0400000000000000" pitchFamily="34" charset="-128"/>
+                          <a:ea typeface="游ゴシック" panose="020B0400000000000000" pitchFamily="34" charset="-128"/>
+                        </a:rPr>
+                        <a:t>すこし</a:t>
+                      </a:r>
+                      <a:endParaRPr lang="en-US" altLang="ja-JP" sz="1800" b="0" i="0" u="none" strike="noStrike" dirty="0">
+                        <a:solidFill>
+                          <a:srgbClr val="000000"/>
+                        </a:solidFill>
+                        <a:effectLst/>
+                        <a:latin typeface="游ゴシック" panose="020B0400000000000000" pitchFamily="34" charset="-128"/>
+                        <a:ea typeface="游ゴシック" panose="020B0400000000000000" pitchFamily="34" charset="-128"/>
+                      </a:endParaRPr>
+                    </a:p>
+                    <a:p>
+                      <a:pPr algn="ctr" fontAlgn="ctr"/>
+                      <a:r>
+                        <a:rPr lang="ja-JP" altLang="en-US" sz="1800" b="0" i="0" u="none" strike="noStrike">
+                          <a:solidFill>
+                            <a:srgbClr val="000000"/>
+                          </a:solidFill>
+                          <a:effectLst/>
+                          <a:latin typeface="游ゴシック" panose="020B0400000000000000" pitchFamily="34" charset="-128"/>
+                          <a:ea typeface="游ゴシック" panose="020B0400000000000000" pitchFamily="34" charset="-128"/>
+                        </a:rPr>
+                        <a:t>難しい</a:t>
+                      </a:r>
+                    </a:p>
+                  </a:txBody>
+                  <a:tcPr marL="6330" marR="6330" marT="6330" marB="0" anchor="ctr">
+                    <a:lnL w="12700" cap="flat" cmpd="sng" algn="ctr">
+                      <a:solidFill>
+                        <a:schemeClr val="tx1"/>
+                      </a:solidFill>
+                      <a:prstDash val="solid"/>
+                      <a:round/>
+                      <a:headEnd type="none" w="med" len="med"/>
+                      <a:tailEnd type="none" w="med" len="med"/>
+                    </a:lnL>
+                    <a:lnR w="12700" cap="flat" cmpd="sng" algn="ctr">
+                      <a:solidFill>
+                        <a:schemeClr val="tx1"/>
+                      </a:solidFill>
+                      <a:prstDash val="solid"/>
+                      <a:round/>
+                      <a:headEnd type="none" w="med" len="med"/>
+                      <a:tailEnd type="none" w="med" len="med"/>
+                    </a:lnR>
+                    <a:lnT w="12700" cap="flat" cmpd="sng" algn="ctr">
+                      <a:solidFill>
+                        <a:schemeClr val="tx1"/>
+                      </a:solidFill>
+                      <a:prstDash val="solid"/>
+                      <a:round/>
+                      <a:headEnd type="none" w="med" len="med"/>
+                      <a:tailEnd type="none" w="med" len="med"/>
+                    </a:lnT>
+                    <a:lnB w="12700" cap="flat" cmpd="sng" algn="ctr">
+                      <a:solidFill>
+                        <a:schemeClr val="tx1"/>
+                      </a:solidFill>
+                      <a:prstDash val="solid"/>
+                      <a:round/>
+                      <a:headEnd type="none" w="med" len="med"/>
+                      <a:tailEnd type="none" w="med" len="med"/>
+                    </a:lnB>
+                    <a:solidFill>
+                      <a:schemeClr val="bg1"/>
+                    </a:solidFill>
+                  </a:tcPr>
+                </a:tc>
+                <a:tc>
+                  <a:txBody>
+                    <a:bodyPr/>
+                    <a:lstStyle/>
+                    <a:p>
+                      <a:pPr marL="285750" indent="-285750" algn="l" fontAlgn="ctr">
+                        <a:buFont typeface="Arial" panose="020B0604020202020204" pitchFamily="34" charset="0"/>
+                        <a:buChar char="•"/>
+                      </a:pPr>
+                      <a:r>
+                        <a:rPr lang="ja-JP" altLang="en-US" sz="1800" b="0" i="0" u="none" strike="noStrike">
+                          <a:solidFill>
+                            <a:srgbClr val="000000"/>
+                          </a:solidFill>
+                          <a:effectLst/>
+                          <a:latin typeface="游ゴシック" panose="020B0400000000000000" pitchFamily="34" charset="-128"/>
+                          <a:ea typeface="游ゴシック" panose="020B0400000000000000" pitchFamily="34" charset="-128"/>
+                        </a:rPr>
+                        <a:t>インストールまでのロードマップが用意されている</a:t>
+                      </a:r>
+                      <a:endParaRPr lang="en-US" altLang="ja-JP" sz="1800" b="0" i="0" u="none" strike="noStrike" dirty="0">
+                        <a:solidFill>
+                          <a:srgbClr val="000000"/>
+                        </a:solidFill>
+                        <a:effectLst/>
+                        <a:latin typeface="游ゴシック" panose="020B0400000000000000" pitchFamily="34" charset="-128"/>
+                        <a:ea typeface="游ゴシック" panose="020B0400000000000000" pitchFamily="34" charset="-128"/>
+                      </a:endParaRPr>
+                    </a:p>
+                    <a:p>
+                      <a:pPr marL="285750" indent="-285750" algn="l" fontAlgn="ctr">
+                        <a:buFont typeface="Arial" panose="020B0604020202020204" pitchFamily="34" charset="0"/>
+                        <a:buChar char="•"/>
+                      </a:pPr>
+                      <a:r>
+                        <a:rPr lang="ja-JP" altLang="en-US" sz="1800" b="0" i="0" u="none" strike="noStrike">
+                          <a:solidFill>
+                            <a:srgbClr val="000000"/>
+                          </a:solidFill>
+                          <a:effectLst/>
+                          <a:latin typeface="游ゴシック" panose="020B0400000000000000" pitchFamily="34" charset="-128"/>
+                          <a:ea typeface="游ゴシック" panose="020B0400000000000000" pitchFamily="34" charset="-128"/>
+                        </a:rPr>
+                        <a:t>コンピュータネットワークへの深い知識が必要</a:t>
+                      </a:r>
+                    </a:p>
+                  </a:txBody>
+                  <a:tcPr marL="6330" marR="6330" marT="6330" marB="0" anchor="ctr">
+                    <a:lnL w="12700" cap="flat" cmpd="sng" algn="ctr">
+                      <a:solidFill>
+                        <a:schemeClr val="tx1"/>
+                      </a:solidFill>
+                      <a:prstDash val="solid"/>
+                      <a:round/>
+                      <a:headEnd type="none" w="med" len="med"/>
+                      <a:tailEnd type="none" w="med" len="med"/>
+                    </a:lnL>
+                    <a:lnR w="12700" cap="flat" cmpd="sng" algn="ctr">
+                      <a:solidFill>
+                        <a:schemeClr val="tx1"/>
+                      </a:solidFill>
+                      <a:prstDash val="solid"/>
+                      <a:round/>
+                      <a:headEnd type="none" w="med" len="med"/>
+                      <a:tailEnd type="none" w="med" len="med"/>
+                    </a:lnR>
+                    <a:lnT w="12700" cap="flat" cmpd="sng" algn="ctr">
+                      <a:solidFill>
+                        <a:schemeClr val="tx1"/>
+                      </a:solidFill>
+                      <a:prstDash val="solid"/>
+                      <a:round/>
+                      <a:headEnd type="none" w="med" len="med"/>
+                      <a:tailEnd type="none" w="med" len="med"/>
+                    </a:lnT>
+                    <a:lnB w="12700" cap="flat" cmpd="sng" algn="ctr">
+                      <a:solidFill>
+                        <a:schemeClr val="tx1"/>
+                      </a:solidFill>
+                      <a:prstDash val="solid"/>
+                      <a:round/>
+                      <a:headEnd type="none" w="med" len="med"/>
+                      <a:tailEnd type="none" w="med" len="med"/>
+                    </a:lnB>
+                    <a:solidFill>
+                      <a:schemeClr val="bg1"/>
+                    </a:solidFill>
+                  </a:tcPr>
+                </a:tc>
+                <a:extLst>
+                  <a:ext uri="{0D108BD9-81ED-4DB2-BD59-A6C34878D82A}">
+                    <a16:rowId xmlns:a16="http://schemas.microsoft.com/office/drawing/2014/main" val="1654051813"/>
+                  </a:ext>
+                </a:extLst>
+              </a:tr>
+            </a:tbl>
+          </a:graphicData>
+        </a:graphic>
+      </p:graphicFrame>
+    </p:spTree>
+    <p:extLst>
+      <p:ext uri="{BB962C8B-B14F-4D97-AF65-F5344CB8AC3E}">
+        <p14:creationId xmlns:p14="http://schemas.microsoft.com/office/powerpoint/2010/main" val="1832691056"/>
       </p:ext>
     </p:extLst>
   </p:cSld>

--- a/SUBTHEME/graphs/telework_list.pptx
+++ b/SUBTHEME/graphs/telework_list.pptx
@@ -10,6 +10,8 @@
     <p:sldId id="259" r:id="rId4"/>
     <p:sldId id="260" r:id="rId5"/>
     <p:sldId id="261" r:id="rId6"/>
+    <p:sldId id="262" r:id="rId7"/>
+    <p:sldId id="263" r:id="rId8"/>
   </p:sldIdLst>
   <p:sldSz cx="12192000" cy="6858000"/>
   <p:notesSz cx="6858000" cy="9144000"/>
@@ -263,7 +265,7 @@
           <a:p>
             <a:fld id="{4CD497F8-9430-BC49-8D3A-D071BC4586DD}" type="datetimeFigureOut">
               <a:rPr kumimoji="1" lang="ja-JP" altLang="en-US" smtClean="0"/>
-              <a:t>2020/9/15</a:t>
+              <a:t>2020/9/17</a:t>
             </a:fld>
             <a:endParaRPr kumimoji="1" lang="ja-JP" altLang="en-US"/>
           </a:p>
@@ -468,7 +470,7 @@
           <a:p>
             <a:fld id="{4CD497F8-9430-BC49-8D3A-D071BC4586DD}" type="datetimeFigureOut">
               <a:rPr kumimoji="1" lang="ja-JP" altLang="en-US" smtClean="0"/>
-              <a:t>2020/9/15</a:t>
+              <a:t>2020/9/17</a:t>
             </a:fld>
             <a:endParaRPr kumimoji="1" lang="ja-JP" altLang="en-US"/>
           </a:p>
@@ -683,7 +685,7 @@
           <a:p>
             <a:fld id="{4CD497F8-9430-BC49-8D3A-D071BC4586DD}" type="datetimeFigureOut">
               <a:rPr kumimoji="1" lang="ja-JP" altLang="en-US" smtClean="0"/>
-              <a:t>2020/9/15</a:t>
+              <a:t>2020/9/17</a:t>
             </a:fld>
             <a:endParaRPr kumimoji="1" lang="ja-JP" altLang="en-US"/>
           </a:p>
@@ -888,7 +890,7 @@
           <a:p>
             <a:fld id="{4CD497F8-9430-BC49-8D3A-D071BC4586DD}" type="datetimeFigureOut">
               <a:rPr kumimoji="1" lang="ja-JP" altLang="en-US" smtClean="0"/>
-              <a:t>2020/9/15</a:t>
+              <a:t>2020/9/17</a:t>
             </a:fld>
             <a:endParaRPr kumimoji="1" lang="ja-JP" altLang="en-US"/>
           </a:p>
@@ -1198,7 +1200,7 @@
           <a:p>
             <a:fld id="{4CD497F8-9430-BC49-8D3A-D071BC4586DD}" type="datetimeFigureOut">
               <a:rPr kumimoji="1" lang="ja-JP" altLang="en-US" smtClean="0"/>
-              <a:t>2020/9/15</a:t>
+              <a:t>2020/9/17</a:t>
             </a:fld>
             <a:endParaRPr kumimoji="1" lang="ja-JP" altLang="en-US"/>
           </a:p>
@@ -1477,7 +1479,7 @@
           <a:p>
             <a:fld id="{4CD497F8-9430-BC49-8D3A-D071BC4586DD}" type="datetimeFigureOut">
               <a:rPr kumimoji="1" lang="ja-JP" altLang="en-US" smtClean="0"/>
-              <a:t>2020/9/15</a:t>
+              <a:t>2020/9/17</a:t>
             </a:fld>
             <a:endParaRPr kumimoji="1" lang="ja-JP" altLang="en-US"/>
           </a:p>
@@ -1973,7 +1975,7 @@
           <a:p>
             <a:fld id="{4CD497F8-9430-BC49-8D3A-D071BC4586DD}" type="datetimeFigureOut">
               <a:rPr kumimoji="1" lang="ja-JP" altLang="en-US" smtClean="0"/>
-              <a:t>2020/9/15</a:t>
+              <a:t>2020/9/17</a:t>
             </a:fld>
             <a:endParaRPr kumimoji="1" lang="ja-JP" altLang="en-US"/>
           </a:p>
@@ -2114,7 +2116,7 @@
           <a:p>
             <a:fld id="{4CD497F8-9430-BC49-8D3A-D071BC4586DD}" type="datetimeFigureOut">
               <a:rPr kumimoji="1" lang="ja-JP" altLang="en-US" smtClean="0"/>
-              <a:t>2020/9/15</a:t>
+              <a:t>2020/9/17</a:t>
             </a:fld>
             <a:endParaRPr kumimoji="1" lang="ja-JP" altLang="en-US"/>
           </a:p>
@@ -2227,7 +2229,7 @@
           <a:p>
             <a:fld id="{4CD497F8-9430-BC49-8D3A-D071BC4586DD}" type="datetimeFigureOut">
               <a:rPr kumimoji="1" lang="ja-JP" altLang="en-US" smtClean="0"/>
-              <a:t>2020/9/15</a:t>
+              <a:t>2020/9/17</a:t>
             </a:fld>
             <a:endParaRPr kumimoji="1" lang="ja-JP" altLang="en-US"/>
           </a:p>
@@ -2580,7 +2582,7 @@
           <a:p>
             <a:fld id="{4CD497F8-9430-BC49-8D3A-D071BC4586DD}" type="datetimeFigureOut">
               <a:rPr kumimoji="1" lang="ja-JP" altLang="en-US" smtClean="0"/>
-              <a:t>2020/9/15</a:t>
+              <a:t>2020/9/17</a:t>
             </a:fld>
             <a:endParaRPr kumimoji="1" lang="ja-JP" altLang="en-US"/>
           </a:p>
@@ -2903,7 +2905,7 @@
           <a:p>
             <a:fld id="{4CD497F8-9430-BC49-8D3A-D071BC4586DD}" type="datetimeFigureOut">
               <a:rPr kumimoji="1" lang="ja-JP" altLang="en-US" smtClean="0"/>
-              <a:t>2020/9/15</a:t>
+              <a:t>2020/9/17</a:t>
             </a:fld>
             <a:endParaRPr kumimoji="1" lang="ja-JP" altLang="en-US"/>
           </a:p>
@@ -3151,7 +3153,7 @@
           <a:p>
             <a:fld id="{4CD497F8-9430-BC49-8D3A-D071BC4586DD}" type="datetimeFigureOut">
               <a:rPr kumimoji="1" lang="ja-JP" altLang="en-US" smtClean="0"/>
-              <a:t>2020/9/15</a:t>
+              <a:t>2020/9/17</a:t>
             </a:fld>
             <a:endParaRPr kumimoji="1" lang="ja-JP" altLang="en-US"/>
           </a:p>
@@ -13471,7 +13473,7 @@
           <p:nvPr>
             <p:extLst>
               <p:ext uri="{D42A27DB-BD31-4B8C-83A1-F6EECF244321}">
-                <p14:modId xmlns:p14="http://schemas.microsoft.com/office/powerpoint/2010/main" val="1215168745"/>
+                <p14:modId xmlns:p14="http://schemas.microsoft.com/office/powerpoint/2010/main" val="1710690159"/>
               </p:ext>
             </p:extLst>
           </p:nvPr>
@@ -14532,9 +14534,9 @@
                     <a:bodyPr/>
                     <a:lstStyle/>
                     <a:p>
-                      <a:pPr marL="285750" indent="-285750">
-                        <a:buFont typeface="Arial" panose="020B0604020202020204" pitchFamily="34" charset="0"/>
-                        <a:buChar char="•"/>
+                      <a:pPr marL="0" indent="0">
+                        <a:buFontTx/>
+                        <a:buNone/>
                       </a:pPr>
                       <a:r>
                         <a:rPr lang="en" altLang="ja-JP" sz="1800" u="none" strike="noStrike" dirty="0">
@@ -14565,9 +14567,18 @@
                       </a:endParaRPr>
                     </a:p>
                     <a:p>
-                      <a:pPr marL="285750" indent="-285750">
-                        <a:buFont typeface="Arial" panose="020B0604020202020204" pitchFamily="34" charset="0"/>
-                        <a:buChar char="•"/>
+                      <a:pPr marL="0" indent="0">
+                        <a:buFontTx/>
+                        <a:buNone/>
+                      </a:pPr>
+                      <a:endParaRPr lang="en-US" altLang="ja-JP" sz="1800" u="none" strike="noStrike" dirty="0">
+                        <a:effectLst/>
+                      </a:endParaRPr>
+                    </a:p>
+                    <a:p>
+                      <a:pPr marL="0" indent="0">
+                        <a:buFontTx/>
+                        <a:buNone/>
                       </a:pPr>
                       <a:r>
                         <a:rPr lang="ja-JP" altLang="en-US" sz="1800" u="none" strike="noStrike">
@@ -15142,9 +15153,9 @@
                     <a:bodyPr/>
                     <a:lstStyle/>
                     <a:p>
-                      <a:pPr marL="285750" indent="-285750" algn="l" fontAlgn="ctr">
-                        <a:buFont typeface="Arial" panose="020B0604020202020204" pitchFamily="34" charset="0"/>
-                        <a:buChar char="•"/>
+                      <a:pPr marL="0" indent="0" algn="l" fontAlgn="ctr">
+                        <a:buFontTx/>
+                        <a:buNone/>
                       </a:pPr>
                       <a:r>
                         <a:rPr lang="ja-JP" altLang="en-US" sz="1800" u="none" strike="noStrike">
@@ -15826,9 +15837,9 @@
                     <a:bodyPr/>
                     <a:lstStyle/>
                     <a:p>
-                      <a:pPr marL="285750" indent="-285750" algn="l" fontAlgn="ctr">
-                        <a:buFont typeface="Arial" panose="020B0604020202020204" pitchFamily="34" charset="0"/>
-                        <a:buChar char="•"/>
+                      <a:pPr marL="0" indent="0" algn="l" fontAlgn="ctr">
+                        <a:buFontTx/>
+                        <a:buNone/>
                       </a:pPr>
                       <a:r>
                         <a:rPr lang="ja-JP" altLang="en-US" sz="1800" b="0" i="0" u="none" strike="noStrike">
@@ -15851,9 +15862,23 @@
                       </a:endParaRPr>
                     </a:p>
                     <a:p>
-                      <a:pPr marL="285750" indent="-285750" algn="l" fontAlgn="ctr">
-                        <a:buFont typeface="Arial" panose="020B0604020202020204" pitchFamily="34" charset="0"/>
-                        <a:buChar char="•"/>
+                      <a:pPr marL="0" indent="0" algn="l" fontAlgn="ctr">
+                        <a:buFontTx/>
+                        <a:buNone/>
+                      </a:pPr>
+                      <a:endParaRPr lang="en-US" altLang="ja-JP" sz="1800" b="0" i="0" u="none" strike="noStrike">
+                        <a:solidFill>
+                          <a:srgbClr val="000000"/>
+                        </a:solidFill>
+                        <a:effectLst/>
+                        <a:latin typeface="游ゴシック" panose="020B0400000000000000" pitchFamily="34" charset="-128"/>
+                        <a:ea typeface="游ゴシック" panose="020B0400000000000000" pitchFamily="34" charset="-128"/>
+                      </a:endParaRPr>
+                    </a:p>
+                    <a:p>
+                      <a:pPr marL="0" indent="0" algn="l" fontAlgn="ctr">
+                        <a:buFontTx/>
+                        <a:buNone/>
                       </a:pPr>
                       <a:r>
                         <a:rPr lang="ja-JP" altLang="en-US" sz="1800" b="0" i="0" u="none" strike="noStrike">
@@ -15924,6 +15949,2719 @@
     <p:extLst>
       <p:ext uri="{BB962C8B-B14F-4D97-AF65-F5344CB8AC3E}">
         <p14:creationId xmlns:p14="http://schemas.microsoft.com/office/powerpoint/2010/main" val="1832691056"/>
+      </p:ext>
+    </p:extLst>
+  </p:cSld>
+  <p:clrMapOvr>
+    <a:masterClrMapping/>
+  </p:clrMapOvr>
+</p:sld>
+</file>
+
+<file path=ppt/slides/slide6.xml><?xml version="1.0" encoding="utf-8"?>
+<p:sld xmlns:a="http://schemas.openxmlformats.org/drawingml/2006/main" xmlns:r="http://schemas.openxmlformats.org/officeDocument/2006/relationships" xmlns:p="http://schemas.openxmlformats.org/presentationml/2006/main">
+  <p:cSld>
+    <p:spTree>
+      <p:nvGrpSpPr>
+        <p:cNvPr id="1" name=""/>
+        <p:cNvGrpSpPr/>
+        <p:nvPr/>
+      </p:nvGrpSpPr>
+      <p:grpSpPr>
+        <a:xfrm>
+          <a:off x="0" y="0"/>
+          <a:ext cx="0" cy="0"/>
+          <a:chOff x="0" y="0"/>
+          <a:chExt cx="0" cy="0"/>
+        </a:xfrm>
+      </p:grpSpPr>
+      <p:graphicFrame>
+        <p:nvGraphicFramePr>
+          <p:cNvPr id="2" name="表 1">
+            <a:extLst>
+              <a:ext uri="{FF2B5EF4-FFF2-40B4-BE49-F238E27FC236}">
+                <a16:creationId xmlns:a16="http://schemas.microsoft.com/office/drawing/2014/main" id="{74FAAF81-9621-5D43-ADDA-0996D763AE81}"/>
+              </a:ext>
+            </a:extLst>
+          </p:cNvPr>
+          <p:cNvGraphicFramePr>
+            <a:graphicFrameLocks noGrp="1"/>
+          </p:cNvGraphicFramePr>
+          <p:nvPr>
+            <p:extLst>
+              <p:ext uri="{D42A27DB-BD31-4B8C-83A1-F6EECF244321}">
+                <p14:modId xmlns:p14="http://schemas.microsoft.com/office/powerpoint/2010/main" val="2246312163"/>
+              </p:ext>
+            </p:extLst>
+          </p:nvPr>
+        </p:nvGraphicFramePr>
+        <p:xfrm>
+          <a:off x="129209" y="79304"/>
+          <a:ext cx="11728173" cy="6649487"/>
+        </p:xfrm>
+        <a:graphic>
+          <a:graphicData uri="http://schemas.openxmlformats.org/drawingml/2006/table">
+            <a:tbl>
+              <a:tblPr>
+                <a:tableStyleId>{5C22544A-7EE6-4342-B048-85BDC9FD1C3A}</a:tableStyleId>
+              </a:tblPr>
+              <a:tblGrid>
+                <a:gridCol w="3468756">
+                  <a:extLst>
+                    <a:ext uri="{9D8B030D-6E8A-4147-A177-3AD203B41FA5}">
+                      <a16:colId xmlns:a16="http://schemas.microsoft.com/office/drawing/2014/main" val="2636257918"/>
+                    </a:ext>
+                  </a:extLst>
+                </a:gridCol>
+                <a:gridCol w="8259417">
+                  <a:extLst>
+                    <a:ext uri="{9D8B030D-6E8A-4147-A177-3AD203B41FA5}">
+                      <a16:colId xmlns:a16="http://schemas.microsoft.com/office/drawing/2014/main" val="3758699880"/>
+                    </a:ext>
+                  </a:extLst>
+                </a:gridCol>
+              </a:tblGrid>
+              <a:tr h="537765">
+                <a:tc>
+                  <a:txBody>
+                    <a:bodyPr/>
+                    <a:lstStyle/>
+                    <a:p>
+                      <a:pPr algn="ctr" fontAlgn="ctr"/>
+                      <a:r>
+                        <a:rPr lang="en" sz="2000" b="1" u="none" strike="noStrike" dirty="0">
+                          <a:effectLst/>
+                        </a:rPr>
+                        <a:t>Server</a:t>
+                      </a:r>
+                      <a:r>
+                        <a:rPr lang="ja-JP" altLang="en-US" sz="2000" b="1" u="none" strike="noStrike">
+                          <a:effectLst/>
+                        </a:rPr>
+                        <a:t>のメーカー</a:t>
+                      </a:r>
+                      <a:endParaRPr lang="ja-JP" altLang="en-US" sz="2000" b="1" i="0" u="none" strike="noStrike">
+                        <a:solidFill>
+                          <a:srgbClr val="000000"/>
+                        </a:solidFill>
+                        <a:effectLst/>
+                        <a:latin typeface="游ゴシック" panose="020B0400000000000000" pitchFamily="34" charset="-128"/>
+                        <a:ea typeface="游ゴシック" panose="020B0400000000000000" pitchFamily="34" charset="-128"/>
+                      </a:endParaRPr>
+                    </a:p>
+                  </a:txBody>
+                  <a:tcPr marL="6856" marR="6856" marT="6856" marB="0" anchor="ctr">
+                    <a:lnL w="12700" cap="flat" cmpd="sng" algn="ctr">
+                      <a:solidFill>
+                        <a:schemeClr val="tx1"/>
+                      </a:solidFill>
+                      <a:prstDash val="solid"/>
+                      <a:round/>
+                      <a:headEnd type="none" w="med" len="med"/>
+                      <a:tailEnd type="none" w="med" len="med"/>
+                    </a:lnL>
+                    <a:lnR w="12700" cap="flat" cmpd="sng" algn="ctr">
+                      <a:solidFill>
+                        <a:schemeClr val="tx1"/>
+                      </a:solidFill>
+                      <a:prstDash val="solid"/>
+                      <a:round/>
+                      <a:headEnd type="none" w="med" len="med"/>
+                      <a:tailEnd type="none" w="med" len="med"/>
+                    </a:lnR>
+                    <a:lnT w="12700" cap="flat" cmpd="sng" algn="ctr">
+                      <a:solidFill>
+                        <a:schemeClr val="tx1"/>
+                      </a:solidFill>
+                      <a:prstDash val="solid"/>
+                      <a:round/>
+                      <a:headEnd type="none" w="med" len="med"/>
+                      <a:tailEnd type="none" w="med" len="med"/>
+                    </a:lnT>
+                    <a:lnB w="12700" cap="flat" cmpd="sng" algn="ctr">
+                      <a:solidFill>
+                        <a:schemeClr val="tx1"/>
+                      </a:solidFill>
+                      <a:prstDash val="solid"/>
+                      <a:round/>
+                      <a:headEnd type="none" w="med" len="med"/>
+                      <a:tailEnd type="none" w="med" len="med"/>
+                    </a:lnB>
+                    <a:lnTlToBr w="12700" cmpd="sng">
+                      <a:noFill/>
+                      <a:prstDash val="solid"/>
+                    </a:lnTlToBr>
+                    <a:lnBlToTr w="12700" cmpd="sng">
+                      <a:noFill/>
+                      <a:prstDash val="solid"/>
+                    </a:lnBlToTr>
+                    <a:solidFill>
+                      <a:schemeClr val="bg2">
+                        <a:lumMod val="90000"/>
+                      </a:schemeClr>
+                    </a:solidFill>
+                  </a:tcPr>
+                </a:tc>
+                <a:tc>
+                  <a:txBody>
+                    <a:bodyPr/>
+                    <a:lstStyle/>
+                    <a:p>
+                      <a:pPr algn="ctr" fontAlgn="ctr"/>
+                      <a:r>
+                        <a:rPr lang="en" sz="2000" u="none" strike="noStrike" dirty="0">
+                          <a:effectLst/>
+                          <a:latin typeface="+mn-ea"/>
+                          <a:ea typeface="+mn-ea"/>
+                        </a:rPr>
+                        <a:t>Supermicro</a:t>
+                      </a:r>
+                      <a:endParaRPr lang="en" sz="2000" b="0" i="0" u="none" strike="noStrike" dirty="0">
+                        <a:solidFill>
+                          <a:srgbClr val="000000"/>
+                        </a:solidFill>
+                        <a:effectLst/>
+                        <a:latin typeface="+mn-ea"/>
+                        <a:ea typeface="+mn-ea"/>
+                      </a:endParaRPr>
+                    </a:p>
+                  </a:txBody>
+                  <a:tcPr marL="6856" marR="6856" marT="6856" marB="0" anchor="ctr">
+                    <a:lnL w="12700" cap="flat" cmpd="sng" algn="ctr">
+                      <a:solidFill>
+                        <a:schemeClr val="tx1"/>
+                      </a:solidFill>
+                      <a:prstDash val="solid"/>
+                      <a:round/>
+                      <a:headEnd type="none" w="med" len="med"/>
+                      <a:tailEnd type="none" w="med" len="med"/>
+                    </a:lnL>
+                    <a:lnR w="12700" cap="flat" cmpd="sng" algn="ctr">
+                      <a:solidFill>
+                        <a:schemeClr val="tx1"/>
+                      </a:solidFill>
+                      <a:prstDash val="solid"/>
+                      <a:round/>
+                      <a:headEnd type="none" w="med" len="med"/>
+                      <a:tailEnd type="none" w="med" len="med"/>
+                    </a:lnR>
+                    <a:lnT w="12700" cap="flat" cmpd="sng" algn="ctr">
+                      <a:solidFill>
+                        <a:schemeClr val="tx1"/>
+                      </a:solidFill>
+                      <a:prstDash val="solid"/>
+                      <a:round/>
+                      <a:headEnd type="none" w="med" len="med"/>
+                      <a:tailEnd type="none" w="med" len="med"/>
+                    </a:lnT>
+                    <a:lnB w="12700" cap="flat" cmpd="sng" algn="ctr">
+                      <a:solidFill>
+                        <a:schemeClr val="tx1"/>
+                      </a:solidFill>
+                      <a:prstDash val="solid"/>
+                      <a:round/>
+                      <a:headEnd type="none" w="med" len="med"/>
+                      <a:tailEnd type="none" w="med" len="med"/>
+                    </a:lnB>
+                    <a:lnTlToBr w="12700" cmpd="sng">
+                      <a:noFill/>
+                      <a:prstDash val="solid"/>
+                    </a:lnTlToBr>
+                    <a:lnBlToTr w="12700" cmpd="sng">
+                      <a:noFill/>
+                      <a:prstDash val="solid"/>
+                    </a:lnBlToTr>
+                    <a:solidFill>
+                      <a:schemeClr val="bg1"/>
+                    </a:solidFill>
+                  </a:tcPr>
+                </a:tc>
+                <a:extLst>
+                  <a:ext uri="{0D108BD9-81ED-4DB2-BD59-A6C34878D82A}">
+                    <a16:rowId xmlns:a16="http://schemas.microsoft.com/office/drawing/2014/main" val="268770898"/>
+                  </a:ext>
+                </a:extLst>
+              </a:tr>
+              <a:tr h="752788">
+                <a:tc>
+                  <a:txBody>
+                    <a:bodyPr/>
+                    <a:lstStyle/>
+                    <a:p>
+                      <a:pPr algn="ctr" fontAlgn="ctr"/>
+                      <a:r>
+                        <a:rPr lang="en" sz="2000" b="1" u="none" strike="noStrike" dirty="0">
+                          <a:effectLst/>
+                        </a:rPr>
+                        <a:t>Server</a:t>
+                      </a:r>
+                      <a:r>
+                        <a:rPr lang="ja-JP" altLang="en-US" sz="2000" b="1" u="none" strike="noStrike">
+                          <a:effectLst/>
+                        </a:rPr>
+                        <a:t>のモデル</a:t>
+                      </a:r>
+                      <a:endParaRPr lang="ja-JP" altLang="en-US" sz="2000" b="1" i="0" u="none" strike="noStrike">
+                        <a:solidFill>
+                          <a:srgbClr val="000000"/>
+                        </a:solidFill>
+                        <a:effectLst/>
+                        <a:latin typeface="游ゴシック" panose="020B0400000000000000" pitchFamily="34" charset="-128"/>
+                        <a:ea typeface="游ゴシック" panose="020B0400000000000000" pitchFamily="34" charset="-128"/>
+                      </a:endParaRPr>
+                    </a:p>
+                  </a:txBody>
+                  <a:tcPr marL="6856" marR="6856" marT="6856" marB="0" anchor="ctr">
+                    <a:lnL w="12700" cap="flat" cmpd="sng" algn="ctr">
+                      <a:solidFill>
+                        <a:schemeClr val="tx1"/>
+                      </a:solidFill>
+                      <a:prstDash val="solid"/>
+                      <a:round/>
+                      <a:headEnd type="none" w="med" len="med"/>
+                      <a:tailEnd type="none" w="med" len="med"/>
+                    </a:lnL>
+                    <a:lnR w="12700" cap="flat" cmpd="sng" algn="ctr">
+                      <a:solidFill>
+                        <a:schemeClr val="tx1"/>
+                      </a:solidFill>
+                      <a:prstDash val="solid"/>
+                      <a:round/>
+                      <a:headEnd type="none" w="med" len="med"/>
+                      <a:tailEnd type="none" w="med" len="med"/>
+                    </a:lnR>
+                    <a:lnT w="12700" cap="flat" cmpd="sng" algn="ctr">
+                      <a:solidFill>
+                        <a:schemeClr val="tx1"/>
+                      </a:solidFill>
+                      <a:prstDash val="solid"/>
+                      <a:round/>
+                      <a:headEnd type="none" w="med" len="med"/>
+                      <a:tailEnd type="none" w="med" len="med"/>
+                    </a:lnT>
+                    <a:lnB w="12700" cap="flat" cmpd="sng" algn="ctr">
+                      <a:solidFill>
+                        <a:schemeClr val="tx1"/>
+                      </a:solidFill>
+                      <a:prstDash val="solid"/>
+                      <a:round/>
+                      <a:headEnd type="none" w="med" len="med"/>
+                      <a:tailEnd type="none" w="med" len="med"/>
+                    </a:lnB>
+                    <a:lnTlToBr w="12700" cmpd="sng">
+                      <a:noFill/>
+                      <a:prstDash val="solid"/>
+                    </a:lnTlToBr>
+                    <a:lnBlToTr w="12700" cmpd="sng">
+                      <a:noFill/>
+                      <a:prstDash val="solid"/>
+                    </a:lnBlToTr>
+                    <a:solidFill>
+                      <a:schemeClr val="bg2">
+                        <a:lumMod val="90000"/>
+                      </a:schemeClr>
+                    </a:solidFill>
+                  </a:tcPr>
+                </a:tc>
+                <a:tc>
+                  <a:txBody>
+                    <a:bodyPr/>
+                    <a:lstStyle/>
+                    <a:p>
+                      <a:pPr algn="ctr" fontAlgn="ctr"/>
+                      <a:r>
+                        <a:rPr lang="en" sz="2000" u="none" strike="noStrike" dirty="0">
+                          <a:effectLst/>
+                          <a:latin typeface="+mn-ea"/>
+                          <a:ea typeface="+mn-ea"/>
+                        </a:rPr>
+                        <a:t>SYS-5018D-FN4T</a:t>
+                      </a:r>
+                      <a:endParaRPr lang="en" sz="2000" b="0" i="0" u="none" strike="noStrike" dirty="0">
+                        <a:solidFill>
+                          <a:srgbClr val="000000"/>
+                        </a:solidFill>
+                        <a:effectLst/>
+                        <a:latin typeface="+mn-ea"/>
+                        <a:ea typeface="+mn-ea"/>
+                      </a:endParaRPr>
+                    </a:p>
+                  </a:txBody>
+                  <a:tcPr marL="6856" marR="6856" marT="6856" marB="0" anchor="ctr">
+                    <a:lnL w="12700" cap="flat" cmpd="sng" algn="ctr">
+                      <a:solidFill>
+                        <a:schemeClr val="tx1"/>
+                      </a:solidFill>
+                      <a:prstDash val="solid"/>
+                      <a:round/>
+                      <a:headEnd type="none" w="med" len="med"/>
+                      <a:tailEnd type="none" w="med" len="med"/>
+                    </a:lnL>
+                    <a:lnR w="12700" cap="flat" cmpd="sng" algn="ctr">
+                      <a:solidFill>
+                        <a:schemeClr val="tx1"/>
+                      </a:solidFill>
+                      <a:prstDash val="solid"/>
+                      <a:round/>
+                      <a:headEnd type="none" w="med" len="med"/>
+                      <a:tailEnd type="none" w="med" len="med"/>
+                    </a:lnR>
+                    <a:lnT w="12700" cap="flat" cmpd="sng" algn="ctr">
+                      <a:solidFill>
+                        <a:schemeClr val="tx1"/>
+                      </a:solidFill>
+                      <a:prstDash val="solid"/>
+                      <a:round/>
+                      <a:headEnd type="none" w="med" len="med"/>
+                      <a:tailEnd type="none" w="med" len="med"/>
+                    </a:lnT>
+                    <a:lnB w="12700" cap="flat" cmpd="sng" algn="ctr">
+                      <a:solidFill>
+                        <a:schemeClr val="tx1"/>
+                      </a:solidFill>
+                      <a:prstDash val="solid"/>
+                      <a:round/>
+                      <a:headEnd type="none" w="med" len="med"/>
+                      <a:tailEnd type="none" w="med" len="med"/>
+                    </a:lnB>
+                    <a:lnTlToBr w="12700" cmpd="sng">
+                      <a:noFill/>
+                      <a:prstDash val="solid"/>
+                    </a:lnTlToBr>
+                    <a:lnBlToTr w="12700" cmpd="sng">
+                      <a:noFill/>
+                      <a:prstDash val="solid"/>
+                    </a:lnBlToTr>
+                    <a:solidFill>
+                      <a:schemeClr val="bg1"/>
+                    </a:solidFill>
+                  </a:tcPr>
+                </a:tc>
+                <a:extLst>
+                  <a:ext uri="{0D108BD9-81ED-4DB2-BD59-A6C34878D82A}">
+                    <a16:rowId xmlns:a16="http://schemas.microsoft.com/office/drawing/2014/main" val="3198433363"/>
+                  </a:ext>
+                </a:extLst>
+              </a:tr>
+              <a:tr h="547128">
+                <a:tc>
+                  <a:txBody>
+                    <a:bodyPr/>
+                    <a:lstStyle/>
+                    <a:p>
+                      <a:pPr algn="ctr" fontAlgn="ctr"/>
+                      <a:r>
+                        <a:rPr lang="en" sz="2000" b="1" u="none" strike="noStrike" dirty="0">
+                          <a:effectLst/>
+                        </a:rPr>
+                        <a:t>CPU</a:t>
+                      </a:r>
+                      <a:endParaRPr lang="en" sz="2000" b="1" i="0" u="none" strike="noStrike" dirty="0">
+                        <a:solidFill>
+                          <a:srgbClr val="000000"/>
+                        </a:solidFill>
+                        <a:effectLst/>
+                        <a:latin typeface="游ゴシック" panose="020B0400000000000000" pitchFamily="34" charset="-128"/>
+                        <a:ea typeface="游ゴシック" panose="020B0400000000000000" pitchFamily="34" charset="-128"/>
+                      </a:endParaRPr>
+                    </a:p>
+                  </a:txBody>
+                  <a:tcPr marL="6856" marR="6856" marT="6856" marB="0" anchor="ctr">
+                    <a:lnL w="12700" cap="flat" cmpd="sng" algn="ctr">
+                      <a:solidFill>
+                        <a:schemeClr val="tx1"/>
+                      </a:solidFill>
+                      <a:prstDash val="solid"/>
+                      <a:round/>
+                      <a:headEnd type="none" w="med" len="med"/>
+                      <a:tailEnd type="none" w="med" len="med"/>
+                    </a:lnL>
+                    <a:lnR w="12700" cap="flat" cmpd="sng" algn="ctr">
+                      <a:solidFill>
+                        <a:schemeClr val="tx1"/>
+                      </a:solidFill>
+                      <a:prstDash val="solid"/>
+                      <a:round/>
+                      <a:headEnd type="none" w="med" len="med"/>
+                      <a:tailEnd type="none" w="med" len="med"/>
+                    </a:lnR>
+                    <a:lnT w="12700" cap="flat" cmpd="sng" algn="ctr">
+                      <a:solidFill>
+                        <a:schemeClr val="tx1"/>
+                      </a:solidFill>
+                      <a:prstDash val="solid"/>
+                      <a:round/>
+                      <a:headEnd type="none" w="med" len="med"/>
+                      <a:tailEnd type="none" w="med" len="med"/>
+                    </a:lnT>
+                    <a:lnB w="12700" cap="flat" cmpd="sng" algn="ctr">
+                      <a:solidFill>
+                        <a:schemeClr val="tx1"/>
+                      </a:solidFill>
+                      <a:prstDash val="solid"/>
+                      <a:round/>
+                      <a:headEnd type="none" w="med" len="med"/>
+                      <a:tailEnd type="none" w="med" len="med"/>
+                    </a:lnB>
+                    <a:lnTlToBr w="12700" cmpd="sng">
+                      <a:noFill/>
+                      <a:prstDash val="solid"/>
+                    </a:lnTlToBr>
+                    <a:lnBlToTr w="12700" cmpd="sng">
+                      <a:noFill/>
+                      <a:prstDash val="solid"/>
+                    </a:lnBlToTr>
+                    <a:solidFill>
+                      <a:schemeClr val="bg2">
+                        <a:lumMod val="90000"/>
+                      </a:schemeClr>
+                    </a:solidFill>
+                  </a:tcPr>
+                </a:tc>
+                <a:tc>
+                  <a:txBody>
+                    <a:bodyPr/>
+                    <a:lstStyle/>
+                    <a:p>
+                      <a:pPr algn="ctr" fontAlgn="ctr"/>
+                      <a:r>
+                        <a:rPr lang="en" sz="2000" u="none" strike="noStrike" dirty="0">
+                          <a:effectLst/>
+                          <a:latin typeface="+mn-ea"/>
+                          <a:ea typeface="+mn-ea"/>
+                        </a:rPr>
+                        <a:t>Intel(R) Xeon(R) CPU D-1541 @ 2.10GHz</a:t>
+                      </a:r>
+                      <a:endParaRPr lang="en" sz="2000" b="0" i="0" u="none" strike="noStrike" dirty="0">
+                        <a:solidFill>
+                          <a:srgbClr val="000000"/>
+                        </a:solidFill>
+                        <a:effectLst/>
+                        <a:latin typeface="+mn-ea"/>
+                        <a:ea typeface="+mn-ea"/>
+                      </a:endParaRPr>
+                    </a:p>
+                  </a:txBody>
+                  <a:tcPr marL="6856" marR="6856" marT="6856" marB="0" anchor="ctr">
+                    <a:lnL w="12700" cap="flat" cmpd="sng" algn="ctr">
+                      <a:solidFill>
+                        <a:schemeClr val="tx1"/>
+                      </a:solidFill>
+                      <a:prstDash val="solid"/>
+                      <a:round/>
+                      <a:headEnd type="none" w="med" len="med"/>
+                      <a:tailEnd type="none" w="med" len="med"/>
+                    </a:lnL>
+                    <a:lnR w="12700" cap="flat" cmpd="sng" algn="ctr">
+                      <a:solidFill>
+                        <a:schemeClr val="tx1"/>
+                      </a:solidFill>
+                      <a:prstDash val="solid"/>
+                      <a:round/>
+                      <a:headEnd type="none" w="med" len="med"/>
+                      <a:tailEnd type="none" w="med" len="med"/>
+                    </a:lnR>
+                    <a:lnT w="12700" cap="flat" cmpd="sng" algn="ctr">
+                      <a:solidFill>
+                        <a:schemeClr val="tx1"/>
+                      </a:solidFill>
+                      <a:prstDash val="solid"/>
+                      <a:round/>
+                      <a:headEnd type="none" w="med" len="med"/>
+                      <a:tailEnd type="none" w="med" len="med"/>
+                    </a:lnT>
+                    <a:lnB w="12700" cap="flat" cmpd="sng" algn="ctr">
+                      <a:solidFill>
+                        <a:schemeClr val="tx1"/>
+                      </a:solidFill>
+                      <a:prstDash val="solid"/>
+                      <a:round/>
+                      <a:headEnd type="none" w="med" len="med"/>
+                      <a:tailEnd type="none" w="med" len="med"/>
+                    </a:lnB>
+                    <a:lnTlToBr w="12700" cmpd="sng">
+                      <a:noFill/>
+                      <a:prstDash val="solid"/>
+                    </a:lnTlToBr>
+                    <a:lnBlToTr w="12700" cmpd="sng">
+                      <a:noFill/>
+                      <a:prstDash val="solid"/>
+                    </a:lnBlToTr>
+                    <a:solidFill>
+                      <a:schemeClr val="bg1"/>
+                    </a:solidFill>
+                  </a:tcPr>
+                </a:tc>
+                <a:extLst>
+                  <a:ext uri="{0D108BD9-81ED-4DB2-BD59-A6C34878D82A}">
+                    <a16:rowId xmlns:a16="http://schemas.microsoft.com/office/drawing/2014/main" val="3505944506"/>
+                  </a:ext>
+                </a:extLst>
+              </a:tr>
+              <a:tr h="713487">
+                <a:tc>
+                  <a:txBody>
+                    <a:bodyPr/>
+                    <a:lstStyle/>
+                    <a:p>
+                      <a:pPr algn="ctr" fontAlgn="ctr"/>
+                      <a:r>
+                        <a:rPr lang="ja-JP" altLang="en-US" sz="2000" b="1" u="none" strike="noStrike">
+                          <a:effectLst/>
+                        </a:rPr>
+                        <a:t>マザーボード</a:t>
+                      </a:r>
+                      <a:endParaRPr lang="ja-JP" altLang="en-US" sz="2000" b="1" i="0" u="none" strike="noStrike">
+                        <a:solidFill>
+                          <a:srgbClr val="000000"/>
+                        </a:solidFill>
+                        <a:effectLst/>
+                        <a:latin typeface="游ゴシック" panose="020B0400000000000000" pitchFamily="34" charset="-128"/>
+                        <a:ea typeface="游ゴシック" panose="020B0400000000000000" pitchFamily="34" charset="-128"/>
+                      </a:endParaRPr>
+                    </a:p>
+                  </a:txBody>
+                  <a:tcPr marL="6856" marR="6856" marT="6856" marB="0" anchor="ctr">
+                    <a:lnL w="12700" cap="flat" cmpd="sng" algn="ctr">
+                      <a:solidFill>
+                        <a:schemeClr val="tx1"/>
+                      </a:solidFill>
+                      <a:prstDash val="solid"/>
+                      <a:round/>
+                      <a:headEnd type="none" w="med" len="med"/>
+                      <a:tailEnd type="none" w="med" len="med"/>
+                    </a:lnL>
+                    <a:lnR w="12700" cap="flat" cmpd="sng" algn="ctr">
+                      <a:solidFill>
+                        <a:schemeClr val="tx1"/>
+                      </a:solidFill>
+                      <a:prstDash val="solid"/>
+                      <a:round/>
+                      <a:headEnd type="none" w="med" len="med"/>
+                      <a:tailEnd type="none" w="med" len="med"/>
+                    </a:lnR>
+                    <a:lnT w="12700" cap="flat" cmpd="sng" algn="ctr">
+                      <a:solidFill>
+                        <a:schemeClr val="tx1"/>
+                      </a:solidFill>
+                      <a:prstDash val="solid"/>
+                      <a:round/>
+                      <a:headEnd type="none" w="med" len="med"/>
+                      <a:tailEnd type="none" w="med" len="med"/>
+                    </a:lnT>
+                    <a:lnB w="12700" cap="flat" cmpd="sng" algn="ctr">
+                      <a:solidFill>
+                        <a:schemeClr val="tx1"/>
+                      </a:solidFill>
+                      <a:prstDash val="solid"/>
+                      <a:round/>
+                      <a:headEnd type="none" w="med" len="med"/>
+                      <a:tailEnd type="none" w="med" len="med"/>
+                    </a:lnB>
+                    <a:lnTlToBr w="12700" cmpd="sng">
+                      <a:noFill/>
+                      <a:prstDash val="solid"/>
+                    </a:lnTlToBr>
+                    <a:lnBlToTr w="12700" cmpd="sng">
+                      <a:noFill/>
+                      <a:prstDash val="solid"/>
+                    </a:lnBlToTr>
+                    <a:solidFill>
+                      <a:schemeClr val="bg2">
+                        <a:lumMod val="90000"/>
+                      </a:schemeClr>
+                    </a:solidFill>
+                  </a:tcPr>
+                </a:tc>
+                <a:tc>
+                  <a:txBody>
+                    <a:bodyPr/>
+                    <a:lstStyle/>
+                    <a:p>
+                      <a:pPr algn="ctr" fontAlgn="ctr"/>
+                      <a:r>
+                        <a:rPr lang="ja-JP" altLang="en-US" sz="2000" u="none" strike="noStrike">
+                          <a:effectLst/>
+                          <a:latin typeface="+mn-ea"/>
+                          <a:ea typeface="+mn-ea"/>
+                        </a:rPr>
+                        <a:t>メーカー：</a:t>
+                      </a:r>
+                      <a:r>
+                        <a:rPr lang="en" sz="2000" u="none" strike="noStrike" dirty="0">
+                          <a:effectLst/>
+                          <a:latin typeface="+mn-ea"/>
+                          <a:ea typeface="+mn-ea"/>
+                        </a:rPr>
+                        <a:t>Supermicro</a:t>
+                      </a:r>
+                      <a:br>
+                        <a:rPr lang="en" sz="2000" u="none" strike="noStrike" dirty="0">
+                          <a:effectLst/>
+                          <a:latin typeface="+mn-ea"/>
+                          <a:ea typeface="+mn-ea"/>
+                        </a:rPr>
+                      </a:br>
+                      <a:r>
+                        <a:rPr lang="ja-JP" altLang="en-US" sz="2000" u="none" strike="noStrike">
+                          <a:effectLst/>
+                          <a:latin typeface="+mn-ea"/>
+                          <a:ea typeface="+mn-ea"/>
+                        </a:rPr>
+                        <a:t>型番：</a:t>
+                      </a:r>
+                      <a:r>
+                        <a:rPr lang="en" sz="2000" u="none" strike="noStrike" dirty="0">
+                          <a:effectLst/>
+                          <a:latin typeface="+mn-ea"/>
+                          <a:ea typeface="+mn-ea"/>
+                        </a:rPr>
+                        <a:t>X10SDV-8C-TLN4F</a:t>
+                      </a:r>
+                      <a:endParaRPr lang="en" sz="2000" b="0" i="0" u="none" strike="noStrike" dirty="0">
+                        <a:solidFill>
+                          <a:srgbClr val="000000"/>
+                        </a:solidFill>
+                        <a:effectLst/>
+                        <a:latin typeface="+mn-ea"/>
+                        <a:ea typeface="+mn-ea"/>
+                      </a:endParaRPr>
+                    </a:p>
+                  </a:txBody>
+                  <a:tcPr marL="6856" marR="6856" marT="6856" marB="0" anchor="ctr">
+                    <a:lnL w="12700" cap="flat" cmpd="sng" algn="ctr">
+                      <a:solidFill>
+                        <a:schemeClr val="tx1"/>
+                      </a:solidFill>
+                      <a:prstDash val="solid"/>
+                      <a:round/>
+                      <a:headEnd type="none" w="med" len="med"/>
+                      <a:tailEnd type="none" w="med" len="med"/>
+                    </a:lnL>
+                    <a:lnR w="12700" cap="flat" cmpd="sng" algn="ctr">
+                      <a:solidFill>
+                        <a:schemeClr val="tx1"/>
+                      </a:solidFill>
+                      <a:prstDash val="solid"/>
+                      <a:round/>
+                      <a:headEnd type="none" w="med" len="med"/>
+                      <a:tailEnd type="none" w="med" len="med"/>
+                    </a:lnR>
+                    <a:lnT w="12700" cap="flat" cmpd="sng" algn="ctr">
+                      <a:solidFill>
+                        <a:schemeClr val="tx1"/>
+                      </a:solidFill>
+                      <a:prstDash val="solid"/>
+                      <a:round/>
+                      <a:headEnd type="none" w="med" len="med"/>
+                      <a:tailEnd type="none" w="med" len="med"/>
+                    </a:lnT>
+                    <a:lnB w="12700" cap="flat" cmpd="sng" algn="ctr">
+                      <a:solidFill>
+                        <a:schemeClr val="tx1"/>
+                      </a:solidFill>
+                      <a:prstDash val="solid"/>
+                      <a:round/>
+                      <a:headEnd type="none" w="med" len="med"/>
+                      <a:tailEnd type="none" w="med" len="med"/>
+                    </a:lnB>
+                    <a:lnTlToBr w="12700" cmpd="sng">
+                      <a:noFill/>
+                      <a:prstDash val="solid"/>
+                    </a:lnTlToBr>
+                    <a:lnBlToTr w="12700" cmpd="sng">
+                      <a:noFill/>
+                      <a:prstDash val="solid"/>
+                    </a:lnBlToTr>
+                    <a:solidFill>
+                      <a:schemeClr val="bg1"/>
+                    </a:solidFill>
+                  </a:tcPr>
+                </a:tc>
+                <a:extLst>
+                  <a:ext uri="{0D108BD9-81ED-4DB2-BD59-A6C34878D82A}">
+                    <a16:rowId xmlns:a16="http://schemas.microsoft.com/office/drawing/2014/main" val="1034411028"/>
+                  </a:ext>
+                </a:extLst>
+              </a:tr>
+              <a:tr h="469142">
+                <a:tc>
+                  <a:txBody>
+                    <a:bodyPr/>
+                    <a:lstStyle/>
+                    <a:p>
+                      <a:pPr algn="ctr" fontAlgn="ctr"/>
+                      <a:r>
+                        <a:rPr lang="ja-JP" altLang="en-US" sz="2000" b="1" u="none" strike="noStrike">
+                          <a:effectLst/>
+                        </a:rPr>
+                        <a:t>メモリ</a:t>
+                      </a:r>
+                      <a:endParaRPr lang="ja-JP" altLang="en-US" sz="2000" b="1" i="0" u="none" strike="noStrike">
+                        <a:solidFill>
+                          <a:srgbClr val="000000"/>
+                        </a:solidFill>
+                        <a:effectLst/>
+                        <a:latin typeface="游ゴシック" panose="020B0400000000000000" pitchFamily="34" charset="-128"/>
+                        <a:ea typeface="游ゴシック" panose="020B0400000000000000" pitchFamily="34" charset="-128"/>
+                      </a:endParaRPr>
+                    </a:p>
+                  </a:txBody>
+                  <a:tcPr marL="6856" marR="6856" marT="6856" marB="0" anchor="ctr">
+                    <a:lnL w="12700" cap="flat" cmpd="sng" algn="ctr">
+                      <a:solidFill>
+                        <a:schemeClr val="tx1"/>
+                      </a:solidFill>
+                      <a:prstDash val="solid"/>
+                      <a:round/>
+                      <a:headEnd type="none" w="med" len="med"/>
+                      <a:tailEnd type="none" w="med" len="med"/>
+                    </a:lnL>
+                    <a:lnR w="12700" cap="flat" cmpd="sng" algn="ctr">
+                      <a:solidFill>
+                        <a:schemeClr val="tx1"/>
+                      </a:solidFill>
+                      <a:prstDash val="solid"/>
+                      <a:round/>
+                      <a:headEnd type="none" w="med" len="med"/>
+                      <a:tailEnd type="none" w="med" len="med"/>
+                    </a:lnR>
+                    <a:lnT w="12700" cap="flat" cmpd="sng" algn="ctr">
+                      <a:solidFill>
+                        <a:schemeClr val="tx1"/>
+                      </a:solidFill>
+                      <a:prstDash val="solid"/>
+                      <a:round/>
+                      <a:headEnd type="none" w="med" len="med"/>
+                      <a:tailEnd type="none" w="med" len="med"/>
+                    </a:lnT>
+                    <a:lnB w="12700" cap="flat" cmpd="sng" algn="ctr">
+                      <a:solidFill>
+                        <a:schemeClr val="tx1"/>
+                      </a:solidFill>
+                      <a:prstDash val="solid"/>
+                      <a:round/>
+                      <a:headEnd type="none" w="med" len="med"/>
+                      <a:tailEnd type="none" w="med" len="med"/>
+                    </a:lnB>
+                    <a:lnTlToBr w="12700" cmpd="sng">
+                      <a:noFill/>
+                      <a:prstDash val="solid"/>
+                    </a:lnTlToBr>
+                    <a:lnBlToTr w="12700" cmpd="sng">
+                      <a:noFill/>
+                      <a:prstDash val="solid"/>
+                    </a:lnBlToTr>
+                    <a:solidFill>
+                      <a:schemeClr val="bg2">
+                        <a:lumMod val="90000"/>
+                      </a:schemeClr>
+                    </a:solidFill>
+                  </a:tcPr>
+                </a:tc>
+                <a:tc>
+                  <a:txBody>
+                    <a:bodyPr/>
+                    <a:lstStyle/>
+                    <a:p>
+                      <a:pPr algn="ctr" fontAlgn="ctr"/>
+                      <a:r>
+                        <a:rPr lang="en" sz="2000" u="none" strike="noStrike" dirty="0">
+                          <a:effectLst/>
+                          <a:latin typeface="+mn-ea"/>
+                          <a:ea typeface="+mn-ea"/>
+                        </a:rPr>
+                        <a:t>128GB</a:t>
+                      </a:r>
+                      <a:endParaRPr lang="en" sz="2000" b="0" i="0" u="none" strike="noStrike" dirty="0">
+                        <a:solidFill>
+                          <a:srgbClr val="000000"/>
+                        </a:solidFill>
+                        <a:effectLst/>
+                        <a:latin typeface="+mn-ea"/>
+                        <a:ea typeface="+mn-ea"/>
+                      </a:endParaRPr>
+                    </a:p>
+                  </a:txBody>
+                  <a:tcPr marL="6856" marR="6856" marT="6856" marB="0" anchor="ctr">
+                    <a:lnL w="12700" cap="flat" cmpd="sng" algn="ctr">
+                      <a:solidFill>
+                        <a:schemeClr val="tx1"/>
+                      </a:solidFill>
+                      <a:prstDash val="solid"/>
+                      <a:round/>
+                      <a:headEnd type="none" w="med" len="med"/>
+                      <a:tailEnd type="none" w="med" len="med"/>
+                    </a:lnL>
+                    <a:lnR w="12700" cap="flat" cmpd="sng" algn="ctr">
+                      <a:solidFill>
+                        <a:schemeClr val="tx1"/>
+                      </a:solidFill>
+                      <a:prstDash val="solid"/>
+                      <a:round/>
+                      <a:headEnd type="none" w="med" len="med"/>
+                      <a:tailEnd type="none" w="med" len="med"/>
+                    </a:lnR>
+                    <a:lnT w="12700" cap="flat" cmpd="sng" algn="ctr">
+                      <a:solidFill>
+                        <a:schemeClr val="tx1"/>
+                      </a:solidFill>
+                      <a:prstDash val="solid"/>
+                      <a:round/>
+                      <a:headEnd type="none" w="med" len="med"/>
+                      <a:tailEnd type="none" w="med" len="med"/>
+                    </a:lnT>
+                    <a:lnB w="12700" cap="flat" cmpd="sng" algn="ctr">
+                      <a:solidFill>
+                        <a:schemeClr val="tx1"/>
+                      </a:solidFill>
+                      <a:prstDash val="solid"/>
+                      <a:round/>
+                      <a:headEnd type="none" w="med" len="med"/>
+                      <a:tailEnd type="none" w="med" len="med"/>
+                    </a:lnB>
+                    <a:lnTlToBr w="12700" cmpd="sng">
+                      <a:noFill/>
+                      <a:prstDash val="solid"/>
+                    </a:lnTlToBr>
+                    <a:lnBlToTr w="12700" cmpd="sng">
+                      <a:noFill/>
+                      <a:prstDash val="solid"/>
+                    </a:lnBlToTr>
+                    <a:solidFill>
+                      <a:schemeClr val="bg1"/>
+                    </a:solidFill>
+                  </a:tcPr>
+                </a:tc>
+                <a:extLst>
+                  <a:ext uri="{0D108BD9-81ED-4DB2-BD59-A6C34878D82A}">
+                    <a16:rowId xmlns:a16="http://schemas.microsoft.com/office/drawing/2014/main" val="3928579759"/>
+                  </a:ext>
+                </a:extLst>
+              </a:tr>
+              <a:tr h="2277297">
+                <a:tc>
+                  <a:txBody>
+                    <a:bodyPr/>
+                    <a:lstStyle/>
+                    <a:p>
+                      <a:pPr algn="ctr" fontAlgn="ctr"/>
+                      <a:r>
+                        <a:rPr lang="ja-JP" altLang="en-US" sz="2000" b="1" u="none" strike="noStrike">
+                          <a:effectLst/>
+                        </a:rPr>
+                        <a:t>ストレージ</a:t>
+                      </a:r>
+                      <a:endParaRPr lang="ja-JP" altLang="en-US" sz="2000" b="1" i="0" u="none" strike="noStrike">
+                        <a:solidFill>
+                          <a:srgbClr val="000000"/>
+                        </a:solidFill>
+                        <a:effectLst/>
+                        <a:latin typeface="游ゴシック" panose="020B0400000000000000" pitchFamily="34" charset="-128"/>
+                        <a:ea typeface="游ゴシック" panose="020B0400000000000000" pitchFamily="34" charset="-128"/>
+                      </a:endParaRPr>
+                    </a:p>
+                  </a:txBody>
+                  <a:tcPr marL="6856" marR="6856" marT="6856" marB="0" anchor="ctr">
+                    <a:lnL w="12700" cap="flat" cmpd="sng" algn="ctr">
+                      <a:solidFill>
+                        <a:schemeClr val="tx1"/>
+                      </a:solidFill>
+                      <a:prstDash val="solid"/>
+                      <a:round/>
+                      <a:headEnd type="none" w="med" len="med"/>
+                      <a:tailEnd type="none" w="med" len="med"/>
+                    </a:lnL>
+                    <a:lnR w="12700" cap="flat" cmpd="sng" algn="ctr">
+                      <a:solidFill>
+                        <a:schemeClr val="tx1"/>
+                      </a:solidFill>
+                      <a:prstDash val="solid"/>
+                      <a:round/>
+                      <a:headEnd type="none" w="med" len="med"/>
+                      <a:tailEnd type="none" w="med" len="med"/>
+                    </a:lnR>
+                    <a:lnT w="12700" cap="flat" cmpd="sng" algn="ctr">
+                      <a:solidFill>
+                        <a:schemeClr val="tx1"/>
+                      </a:solidFill>
+                      <a:prstDash val="solid"/>
+                      <a:round/>
+                      <a:headEnd type="none" w="med" len="med"/>
+                      <a:tailEnd type="none" w="med" len="med"/>
+                    </a:lnT>
+                    <a:lnB w="12700" cap="flat" cmpd="sng" algn="ctr">
+                      <a:solidFill>
+                        <a:schemeClr val="tx1"/>
+                      </a:solidFill>
+                      <a:prstDash val="solid"/>
+                      <a:round/>
+                      <a:headEnd type="none" w="med" len="med"/>
+                      <a:tailEnd type="none" w="med" len="med"/>
+                    </a:lnB>
+                    <a:lnTlToBr w="12700" cmpd="sng">
+                      <a:noFill/>
+                      <a:prstDash val="solid"/>
+                    </a:lnTlToBr>
+                    <a:lnBlToTr w="12700" cmpd="sng">
+                      <a:noFill/>
+                      <a:prstDash val="solid"/>
+                    </a:lnBlToTr>
+                    <a:solidFill>
+                      <a:schemeClr val="bg2">
+                        <a:lumMod val="90000"/>
+                      </a:schemeClr>
+                    </a:solidFill>
+                  </a:tcPr>
+                </a:tc>
+                <a:tc>
+                  <a:txBody>
+                    <a:bodyPr/>
+                    <a:lstStyle/>
+                    <a:p>
+                      <a:pPr algn="ctr" fontAlgn="ctr"/>
+                      <a:r>
+                        <a:rPr lang="ja-JP" altLang="en-US" sz="2000" u="none" strike="noStrike">
+                          <a:effectLst/>
+                          <a:latin typeface="+mn-ea"/>
+                          <a:ea typeface="+mn-ea"/>
+                        </a:rPr>
+                        <a:t>モデル：</a:t>
+                      </a:r>
+                      <a:r>
+                        <a:rPr lang="en" sz="2000" u="none" strike="noStrike" dirty="0">
+                          <a:effectLst/>
+                          <a:latin typeface="+mn-ea"/>
+                          <a:ea typeface="+mn-ea"/>
+                        </a:rPr>
+                        <a:t>ATA SAMSUNG MZ7LM240 (</a:t>
+                      </a:r>
+                      <a:r>
+                        <a:rPr lang="en" sz="2000" u="none" strike="noStrike" dirty="0" err="1">
+                          <a:effectLst/>
+                          <a:latin typeface="+mn-ea"/>
+                          <a:ea typeface="+mn-ea"/>
+                        </a:rPr>
+                        <a:t>scsi</a:t>
+                      </a:r>
+                      <a:r>
+                        <a:rPr lang="en" sz="2000" u="none" strike="noStrike" dirty="0">
+                          <a:effectLst/>
+                          <a:latin typeface="+mn-ea"/>
+                          <a:ea typeface="+mn-ea"/>
+                        </a:rPr>
+                        <a:t>)</a:t>
+                      </a:r>
+                      <a:br>
+                        <a:rPr lang="en" sz="2000" u="none" strike="noStrike" dirty="0">
+                          <a:effectLst/>
+                          <a:latin typeface="+mn-ea"/>
+                          <a:ea typeface="+mn-ea"/>
+                        </a:rPr>
+                      </a:br>
+                      <a:r>
+                        <a:rPr lang="ja-JP" altLang="en-US" sz="2000" u="none" strike="noStrike">
+                          <a:effectLst/>
+                          <a:latin typeface="+mn-ea"/>
+                          <a:ea typeface="+mn-ea"/>
+                        </a:rPr>
+                        <a:t>ハードディスク </a:t>
+                      </a:r>
+                      <a:r>
+                        <a:rPr lang="en-US" altLang="ja-JP" sz="2000" u="none" strike="noStrike" dirty="0">
+                          <a:effectLst/>
+                          <a:latin typeface="+mn-ea"/>
+                          <a:ea typeface="+mn-ea"/>
+                        </a:rPr>
+                        <a:t>/</a:t>
+                      </a:r>
+                      <a:r>
+                        <a:rPr lang="en" sz="2000" u="none" strike="noStrike" dirty="0">
+                          <a:effectLst/>
+                          <a:latin typeface="+mn-ea"/>
+                          <a:ea typeface="+mn-ea"/>
+                        </a:rPr>
+                        <a:t>dev/</a:t>
+                      </a:r>
+                      <a:r>
+                        <a:rPr lang="en" sz="2000" u="none" strike="noStrike" dirty="0" err="1">
+                          <a:effectLst/>
+                          <a:latin typeface="+mn-ea"/>
+                          <a:ea typeface="+mn-ea"/>
+                        </a:rPr>
+                        <a:t>sda</a:t>
+                      </a:r>
+                      <a:r>
+                        <a:rPr lang="en" sz="2000" u="none" strike="noStrike" dirty="0">
+                          <a:effectLst/>
+                          <a:latin typeface="+mn-ea"/>
+                          <a:ea typeface="+mn-ea"/>
+                        </a:rPr>
+                        <a:t>: 240GB</a:t>
+                      </a:r>
+                      <a:br>
+                        <a:rPr lang="en" sz="2000" u="none" strike="noStrike" dirty="0">
+                          <a:effectLst/>
+                          <a:latin typeface="+mn-ea"/>
+                          <a:ea typeface="+mn-ea"/>
+                        </a:rPr>
+                      </a:br>
+                      <a:r>
+                        <a:rPr lang="ja-JP" altLang="en-US" sz="2000" u="none" strike="noStrike">
+                          <a:effectLst/>
+                          <a:latin typeface="+mn-ea"/>
+                          <a:ea typeface="+mn-ea"/>
+                        </a:rPr>
+                        <a:t>セクタサイズ </a:t>
+                      </a:r>
+                      <a:r>
+                        <a:rPr lang="en-US" altLang="ja-JP" sz="2000" u="none" strike="noStrike" dirty="0">
+                          <a:effectLst/>
+                          <a:latin typeface="+mn-ea"/>
+                          <a:ea typeface="+mn-ea"/>
+                        </a:rPr>
+                        <a:t>(</a:t>
+                      </a:r>
+                      <a:r>
+                        <a:rPr lang="ja-JP" altLang="en-US" sz="2000" u="none" strike="noStrike">
+                          <a:effectLst/>
+                          <a:latin typeface="+mn-ea"/>
+                          <a:ea typeface="+mn-ea"/>
+                        </a:rPr>
+                        <a:t>論理</a:t>
+                      </a:r>
+                      <a:r>
+                        <a:rPr lang="en-US" altLang="ja-JP" sz="2000" u="none" strike="noStrike" dirty="0">
+                          <a:effectLst/>
+                          <a:latin typeface="+mn-ea"/>
+                          <a:ea typeface="+mn-ea"/>
+                        </a:rPr>
+                        <a:t>/</a:t>
+                      </a:r>
+                      <a:r>
+                        <a:rPr lang="ja-JP" altLang="en-US" sz="2000" u="none" strike="noStrike">
+                          <a:effectLst/>
+                          <a:latin typeface="+mn-ea"/>
+                          <a:ea typeface="+mn-ea"/>
+                        </a:rPr>
+                        <a:t>物理</a:t>
+                      </a:r>
+                      <a:r>
+                        <a:rPr lang="en-US" altLang="ja-JP" sz="2000" u="none" strike="noStrike" dirty="0">
+                          <a:effectLst/>
+                          <a:latin typeface="+mn-ea"/>
+                          <a:ea typeface="+mn-ea"/>
+                        </a:rPr>
+                        <a:t>): 512</a:t>
+                      </a:r>
+                      <a:r>
+                        <a:rPr lang="en" sz="2000" u="none" strike="noStrike" dirty="0">
+                          <a:effectLst/>
+                          <a:latin typeface="+mn-ea"/>
+                          <a:ea typeface="+mn-ea"/>
+                        </a:rPr>
+                        <a:t>B/512B</a:t>
+                      </a:r>
+                    </a:p>
+                    <a:p>
+                      <a:pPr algn="ctr" fontAlgn="ctr"/>
+                      <a:br>
+                        <a:rPr lang="en" sz="2000" u="none" strike="noStrike" dirty="0">
+                          <a:effectLst/>
+                          <a:latin typeface="+mn-ea"/>
+                          <a:ea typeface="+mn-ea"/>
+                        </a:rPr>
+                      </a:br>
+                      <a:r>
+                        <a:rPr lang="ja-JP" altLang="en-US" sz="2000" u="none" strike="noStrike">
+                          <a:effectLst/>
+                          <a:latin typeface="+mn-ea"/>
+                          <a:ea typeface="+mn-ea"/>
+                        </a:rPr>
+                        <a:t>モデル</a:t>
+                      </a:r>
+                      <a:r>
+                        <a:rPr lang="en-US" altLang="ja-JP" sz="2000" u="none" strike="noStrike" dirty="0">
+                          <a:effectLst/>
+                          <a:latin typeface="+mn-ea"/>
+                          <a:ea typeface="+mn-ea"/>
+                        </a:rPr>
+                        <a:t>: </a:t>
+                      </a:r>
+                      <a:r>
+                        <a:rPr lang="en" sz="2000" u="none" strike="noStrike" dirty="0">
+                          <a:effectLst/>
+                          <a:latin typeface="+mn-ea"/>
+                          <a:ea typeface="+mn-ea"/>
+                        </a:rPr>
+                        <a:t>ATA SAMSUNG MZ7LM240 (</a:t>
+                      </a:r>
+                      <a:r>
+                        <a:rPr lang="en" sz="2000" u="none" strike="noStrike" dirty="0" err="1">
+                          <a:effectLst/>
+                          <a:latin typeface="+mn-ea"/>
+                          <a:ea typeface="+mn-ea"/>
+                        </a:rPr>
+                        <a:t>scsi</a:t>
+                      </a:r>
+                      <a:r>
+                        <a:rPr lang="en" sz="2000" u="none" strike="noStrike" dirty="0">
+                          <a:effectLst/>
+                          <a:latin typeface="+mn-ea"/>
+                          <a:ea typeface="+mn-ea"/>
+                        </a:rPr>
+                        <a:t>)</a:t>
+                      </a:r>
+                      <a:br>
+                        <a:rPr lang="en" sz="2000" u="none" strike="noStrike" dirty="0">
+                          <a:effectLst/>
+                          <a:latin typeface="+mn-ea"/>
+                          <a:ea typeface="+mn-ea"/>
+                        </a:rPr>
+                      </a:br>
+                      <a:r>
+                        <a:rPr lang="ja-JP" altLang="en-US" sz="2000" u="none" strike="noStrike">
+                          <a:effectLst/>
+                          <a:latin typeface="+mn-ea"/>
+                          <a:ea typeface="+mn-ea"/>
+                        </a:rPr>
+                        <a:t>ディスク </a:t>
+                      </a:r>
+                      <a:r>
+                        <a:rPr lang="en-US" altLang="ja-JP" sz="2000" u="none" strike="noStrike" dirty="0">
+                          <a:effectLst/>
+                          <a:latin typeface="+mn-ea"/>
+                          <a:ea typeface="+mn-ea"/>
+                        </a:rPr>
+                        <a:t>/</a:t>
+                      </a:r>
+                      <a:r>
+                        <a:rPr lang="en" sz="2000" u="none" strike="noStrike" dirty="0">
+                          <a:effectLst/>
+                          <a:latin typeface="+mn-ea"/>
+                          <a:ea typeface="+mn-ea"/>
+                        </a:rPr>
+                        <a:t>dev/</a:t>
+                      </a:r>
+                      <a:r>
+                        <a:rPr lang="en" sz="2000" u="none" strike="noStrike" dirty="0" err="1">
+                          <a:effectLst/>
+                          <a:latin typeface="+mn-ea"/>
+                          <a:ea typeface="+mn-ea"/>
+                        </a:rPr>
+                        <a:t>sdb</a:t>
+                      </a:r>
+                      <a:r>
+                        <a:rPr lang="en" sz="2000" u="none" strike="noStrike" dirty="0">
+                          <a:effectLst/>
+                          <a:latin typeface="+mn-ea"/>
+                          <a:ea typeface="+mn-ea"/>
+                        </a:rPr>
+                        <a:t>: 240GB</a:t>
+                      </a:r>
+                      <a:br>
+                        <a:rPr lang="en" sz="2000" u="none" strike="noStrike" dirty="0">
+                          <a:effectLst/>
+                          <a:latin typeface="+mn-ea"/>
+                          <a:ea typeface="+mn-ea"/>
+                        </a:rPr>
+                      </a:br>
+                      <a:r>
+                        <a:rPr lang="ja-JP" altLang="en-US" sz="2000" u="none" strike="noStrike">
+                          <a:effectLst/>
+                          <a:latin typeface="+mn-ea"/>
+                          <a:ea typeface="+mn-ea"/>
+                        </a:rPr>
+                        <a:t>セクタサイズ </a:t>
+                      </a:r>
+                      <a:r>
+                        <a:rPr lang="en-US" altLang="ja-JP" sz="2000" u="none" strike="noStrike" dirty="0">
+                          <a:effectLst/>
+                          <a:latin typeface="+mn-ea"/>
+                          <a:ea typeface="+mn-ea"/>
+                        </a:rPr>
+                        <a:t>(</a:t>
+                      </a:r>
+                      <a:r>
+                        <a:rPr lang="ja-JP" altLang="en-US" sz="2000" u="none" strike="noStrike">
+                          <a:effectLst/>
+                          <a:latin typeface="+mn-ea"/>
+                          <a:ea typeface="+mn-ea"/>
+                        </a:rPr>
+                        <a:t>論理</a:t>
+                      </a:r>
+                      <a:r>
+                        <a:rPr lang="en-US" altLang="ja-JP" sz="2000" u="none" strike="noStrike" dirty="0">
+                          <a:effectLst/>
+                          <a:latin typeface="+mn-ea"/>
+                          <a:ea typeface="+mn-ea"/>
+                        </a:rPr>
+                        <a:t>/</a:t>
+                      </a:r>
+                      <a:r>
+                        <a:rPr lang="ja-JP" altLang="en-US" sz="2000" u="none" strike="noStrike">
+                          <a:effectLst/>
+                          <a:latin typeface="+mn-ea"/>
+                          <a:ea typeface="+mn-ea"/>
+                        </a:rPr>
+                        <a:t>物理</a:t>
+                      </a:r>
+                      <a:r>
+                        <a:rPr lang="en-US" altLang="ja-JP" sz="2000" u="none" strike="noStrike" dirty="0">
+                          <a:effectLst/>
+                          <a:latin typeface="+mn-ea"/>
+                          <a:ea typeface="+mn-ea"/>
+                        </a:rPr>
+                        <a:t>): 512</a:t>
+                      </a:r>
+                      <a:r>
+                        <a:rPr lang="en" sz="2000" u="none" strike="noStrike" dirty="0">
+                          <a:effectLst/>
+                          <a:latin typeface="+mn-ea"/>
+                          <a:ea typeface="+mn-ea"/>
+                        </a:rPr>
+                        <a:t>B/512B</a:t>
+                      </a:r>
+                      <a:endParaRPr lang="en" sz="2000" b="0" i="0" u="none" strike="noStrike" dirty="0">
+                        <a:solidFill>
+                          <a:srgbClr val="000000"/>
+                        </a:solidFill>
+                        <a:effectLst/>
+                        <a:latin typeface="+mn-ea"/>
+                        <a:ea typeface="+mn-ea"/>
+                      </a:endParaRPr>
+                    </a:p>
+                  </a:txBody>
+                  <a:tcPr marL="6856" marR="6856" marT="6856" marB="0" anchor="ctr">
+                    <a:lnL w="12700" cap="flat" cmpd="sng" algn="ctr">
+                      <a:solidFill>
+                        <a:schemeClr val="tx1"/>
+                      </a:solidFill>
+                      <a:prstDash val="solid"/>
+                      <a:round/>
+                      <a:headEnd type="none" w="med" len="med"/>
+                      <a:tailEnd type="none" w="med" len="med"/>
+                    </a:lnL>
+                    <a:lnR w="12700" cap="flat" cmpd="sng" algn="ctr">
+                      <a:solidFill>
+                        <a:schemeClr val="tx1"/>
+                      </a:solidFill>
+                      <a:prstDash val="solid"/>
+                      <a:round/>
+                      <a:headEnd type="none" w="med" len="med"/>
+                      <a:tailEnd type="none" w="med" len="med"/>
+                    </a:lnR>
+                    <a:lnT w="12700" cap="flat" cmpd="sng" algn="ctr">
+                      <a:solidFill>
+                        <a:schemeClr val="tx1"/>
+                      </a:solidFill>
+                      <a:prstDash val="solid"/>
+                      <a:round/>
+                      <a:headEnd type="none" w="med" len="med"/>
+                      <a:tailEnd type="none" w="med" len="med"/>
+                    </a:lnT>
+                    <a:lnB w="12700" cap="flat" cmpd="sng" algn="ctr">
+                      <a:solidFill>
+                        <a:schemeClr val="tx1"/>
+                      </a:solidFill>
+                      <a:prstDash val="solid"/>
+                      <a:round/>
+                      <a:headEnd type="none" w="med" len="med"/>
+                      <a:tailEnd type="none" w="med" len="med"/>
+                    </a:lnB>
+                    <a:lnTlToBr w="12700" cmpd="sng">
+                      <a:noFill/>
+                      <a:prstDash val="solid"/>
+                    </a:lnTlToBr>
+                    <a:lnBlToTr w="12700" cmpd="sng">
+                      <a:noFill/>
+                      <a:prstDash val="solid"/>
+                    </a:lnBlToTr>
+                    <a:solidFill>
+                      <a:schemeClr val="bg1"/>
+                    </a:solidFill>
+                  </a:tcPr>
+                </a:tc>
+                <a:extLst>
+                  <a:ext uri="{0D108BD9-81ED-4DB2-BD59-A6C34878D82A}">
+                    <a16:rowId xmlns:a16="http://schemas.microsoft.com/office/drawing/2014/main" val="655924048"/>
+                  </a:ext>
+                </a:extLst>
+              </a:tr>
+              <a:tr h="1351880">
+                <a:tc>
+                  <a:txBody>
+                    <a:bodyPr/>
+                    <a:lstStyle/>
+                    <a:p>
+                      <a:pPr algn="ctr" fontAlgn="ctr"/>
+                      <a:r>
+                        <a:rPr lang="ja-JP" altLang="en-US" sz="2000" b="1" u="none" strike="noStrike">
+                          <a:effectLst/>
+                        </a:rPr>
+                        <a:t>ネットワーク</a:t>
+                      </a:r>
+                      <a:endParaRPr lang="ja-JP" altLang="en-US" sz="2000" b="1" i="0" u="none" strike="noStrike">
+                        <a:solidFill>
+                          <a:srgbClr val="000000"/>
+                        </a:solidFill>
+                        <a:effectLst/>
+                        <a:latin typeface="游ゴシック" panose="020B0400000000000000" pitchFamily="34" charset="-128"/>
+                        <a:ea typeface="游ゴシック" panose="020B0400000000000000" pitchFamily="34" charset="-128"/>
+                      </a:endParaRPr>
+                    </a:p>
+                  </a:txBody>
+                  <a:tcPr marL="6856" marR="6856" marT="6856" marB="0" anchor="ctr">
+                    <a:lnL w="12700" cap="flat" cmpd="sng" algn="ctr">
+                      <a:solidFill>
+                        <a:schemeClr val="tx1"/>
+                      </a:solidFill>
+                      <a:prstDash val="solid"/>
+                      <a:round/>
+                      <a:headEnd type="none" w="med" len="med"/>
+                      <a:tailEnd type="none" w="med" len="med"/>
+                    </a:lnL>
+                    <a:lnR w="12700" cap="flat" cmpd="sng" algn="ctr">
+                      <a:solidFill>
+                        <a:schemeClr val="tx1"/>
+                      </a:solidFill>
+                      <a:prstDash val="solid"/>
+                      <a:round/>
+                      <a:headEnd type="none" w="med" len="med"/>
+                      <a:tailEnd type="none" w="med" len="med"/>
+                    </a:lnR>
+                    <a:lnT w="12700" cap="flat" cmpd="sng" algn="ctr">
+                      <a:solidFill>
+                        <a:schemeClr val="tx1"/>
+                      </a:solidFill>
+                      <a:prstDash val="solid"/>
+                      <a:round/>
+                      <a:headEnd type="none" w="med" len="med"/>
+                      <a:tailEnd type="none" w="med" len="med"/>
+                    </a:lnT>
+                    <a:lnB w="12700" cap="flat" cmpd="sng" algn="ctr">
+                      <a:solidFill>
+                        <a:schemeClr val="tx1"/>
+                      </a:solidFill>
+                      <a:prstDash val="solid"/>
+                      <a:round/>
+                      <a:headEnd type="none" w="med" len="med"/>
+                      <a:tailEnd type="none" w="med" len="med"/>
+                    </a:lnB>
+                    <a:lnTlToBr w="12700" cmpd="sng">
+                      <a:noFill/>
+                      <a:prstDash val="solid"/>
+                    </a:lnTlToBr>
+                    <a:lnBlToTr w="12700" cmpd="sng">
+                      <a:noFill/>
+                      <a:prstDash val="solid"/>
+                    </a:lnBlToTr>
+                    <a:solidFill>
+                      <a:schemeClr val="bg2">
+                        <a:lumMod val="90000"/>
+                      </a:schemeClr>
+                    </a:solidFill>
+                  </a:tcPr>
+                </a:tc>
+                <a:tc>
+                  <a:txBody>
+                    <a:bodyPr/>
+                    <a:lstStyle/>
+                    <a:p>
+                      <a:pPr algn="ctr" fontAlgn="ctr"/>
+                      <a:r>
+                        <a:rPr lang="en" sz="2000" u="none" strike="noStrike" dirty="0">
+                          <a:effectLst/>
+                          <a:latin typeface="+mn-ea"/>
+                          <a:ea typeface="+mn-ea"/>
+                        </a:rPr>
+                        <a:t>Dual LAN </a:t>
+                      </a:r>
+                      <a:br>
+                        <a:rPr lang="en" sz="2000" u="none" strike="noStrike" dirty="0">
+                          <a:effectLst/>
+                          <a:latin typeface="+mn-ea"/>
+                          <a:ea typeface="+mn-ea"/>
+                        </a:rPr>
+                      </a:br>
+                      <a:r>
+                        <a:rPr lang="ja-JP" altLang="en-US" sz="2000" u="none" strike="noStrike">
+                          <a:effectLst/>
+                          <a:latin typeface="+mn-ea"/>
+                          <a:ea typeface="+mn-ea"/>
+                        </a:rPr>
+                        <a:t>メーカー：</a:t>
+                      </a:r>
+                      <a:r>
+                        <a:rPr lang="en" sz="2000" u="none" strike="noStrike" dirty="0">
+                          <a:effectLst/>
+                          <a:latin typeface="+mn-ea"/>
+                          <a:ea typeface="+mn-ea"/>
+                        </a:rPr>
+                        <a:t>Intel Corporation</a:t>
+                      </a:r>
+                      <a:br>
+                        <a:rPr lang="en" sz="2000" u="none" strike="noStrike" dirty="0">
+                          <a:effectLst/>
+                          <a:latin typeface="+mn-ea"/>
+                          <a:ea typeface="+mn-ea"/>
+                        </a:rPr>
+                      </a:br>
+                      <a:r>
+                        <a:rPr lang="ja-JP" altLang="en-US" sz="2000" u="none" strike="noStrike">
+                          <a:effectLst/>
+                          <a:latin typeface="+mn-ea"/>
+                          <a:ea typeface="+mn-ea"/>
+                        </a:rPr>
+                        <a:t>型番：</a:t>
+                      </a:r>
+                      <a:r>
+                        <a:rPr lang="en" sz="2000" u="none" strike="noStrike" dirty="0">
+                          <a:effectLst/>
+                          <a:latin typeface="+mn-ea"/>
+                          <a:ea typeface="+mn-ea"/>
+                        </a:rPr>
+                        <a:t>X552/X557-AT</a:t>
+                      </a:r>
+                      <a:br>
+                        <a:rPr lang="en" sz="2000" u="none" strike="noStrike" dirty="0">
+                          <a:effectLst/>
+                          <a:latin typeface="+mn-ea"/>
+                          <a:ea typeface="+mn-ea"/>
+                        </a:rPr>
+                      </a:br>
+                      <a:r>
+                        <a:rPr lang="ja-JP" altLang="en-US" sz="2000" u="none" strike="noStrike">
+                          <a:effectLst/>
+                          <a:latin typeface="+mn-ea"/>
+                          <a:ea typeface="+mn-ea"/>
+                        </a:rPr>
+                        <a:t>規格：</a:t>
+                      </a:r>
+                      <a:r>
+                        <a:rPr lang="en-US" altLang="ja-JP" sz="2000" u="none" strike="noStrike" dirty="0">
+                          <a:effectLst/>
+                          <a:latin typeface="+mn-ea"/>
+                          <a:ea typeface="+mn-ea"/>
+                        </a:rPr>
+                        <a:t>10</a:t>
+                      </a:r>
+                      <a:r>
+                        <a:rPr lang="en" sz="2000" u="none" strike="noStrike" dirty="0">
+                          <a:effectLst/>
+                          <a:latin typeface="+mn-ea"/>
+                          <a:ea typeface="+mn-ea"/>
+                        </a:rPr>
+                        <a:t>GBASE-T</a:t>
+                      </a:r>
+                      <a:endParaRPr lang="en" sz="2000" b="0" i="0" u="none" strike="noStrike" dirty="0">
+                        <a:solidFill>
+                          <a:srgbClr val="000000"/>
+                        </a:solidFill>
+                        <a:effectLst/>
+                        <a:latin typeface="+mn-ea"/>
+                        <a:ea typeface="+mn-ea"/>
+                      </a:endParaRPr>
+                    </a:p>
+                  </a:txBody>
+                  <a:tcPr marL="6856" marR="6856" marT="6856" marB="0" anchor="ctr">
+                    <a:lnL w="12700" cap="flat" cmpd="sng" algn="ctr">
+                      <a:solidFill>
+                        <a:schemeClr val="tx1"/>
+                      </a:solidFill>
+                      <a:prstDash val="solid"/>
+                      <a:round/>
+                      <a:headEnd type="none" w="med" len="med"/>
+                      <a:tailEnd type="none" w="med" len="med"/>
+                    </a:lnL>
+                    <a:lnR w="12700" cap="flat" cmpd="sng" algn="ctr">
+                      <a:solidFill>
+                        <a:schemeClr val="tx1"/>
+                      </a:solidFill>
+                      <a:prstDash val="solid"/>
+                      <a:round/>
+                      <a:headEnd type="none" w="med" len="med"/>
+                      <a:tailEnd type="none" w="med" len="med"/>
+                    </a:lnR>
+                    <a:lnT w="12700" cap="flat" cmpd="sng" algn="ctr">
+                      <a:solidFill>
+                        <a:schemeClr val="tx1"/>
+                      </a:solidFill>
+                      <a:prstDash val="solid"/>
+                      <a:round/>
+                      <a:headEnd type="none" w="med" len="med"/>
+                      <a:tailEnd type="none" w="med" len="med"/>
+                    </a:lnT>
+                    <a:lnB w="12700" cap="flat" cmpd="sng" algn="ctr">
+                      <a:solidFill>
+                        <a:schemeClr val="tx1"/>
+                      </a:solidFill>
+                      <a:prstDash val="solid"/>
+                      <a:round/>
+                      <a:headEnd type="none" w="med" len="med"/>
+                      <a:tailEnd type="none" w="med" len="med"/>
+                    </a:lnB>
+                    <a:lnTlToBr w="12700" cmpd="sng">
+                      <a:noFill/>
+                      <a:prstDash val="solid"/>
+                    </a:lnTlToBr>
+                    <a:lnBlToTr w="12700" cmpd="sng">
+                      <a:noFill/>
+                      <a:prstDash val="solid"/>
+                    </a:lnBlToTr>
+                    <a:solidFill>
+                      <a:schemeClr val="bg1"/>
+                    </a:solidFill>
+                  </a:tcPr>
+                </a:tc>
+                <a:extLst>
+                  <a:ext uri="{0D108BD9-81ED-4DB2-BD59-A6C34878D82A}">
+                    <a16:rowId xmlns:a16="http://schemas.microsoft.com/office/drawing/2014/main" val="3275695540"/>
+                  </a:ext>
+                </a:extLst>
+              </a:tr>
+            </a:tbl>
+          </a:graphicData>
+        </a:graphic>
+      </p:graphicFrame>
+    </p:spTree>
+    <p:extLst>
+      <p:ext uri="{BB962C8B-B14F-4D97-AF65-F5344CB8AC3E}">
+        <p14:creationId xmlns:p14="http://schemas.microsoft.com/office/powerpoint/2010/main" val="801645088"/>
+      </p:ext>
+    </p:extLst>
+  </p:cSld>
+  <p:clrMapOvr>
+    <a:masterClrMapping/>
+  </p:clrMapOvr>
+</p:sld>
+</file>
+
+<file path=ppt/slides/slide7.xml><?xml version="1.0" encoding="utf-8"?>
+<p:sld xmlns:a="http://schemas.openxmlformats.org/drawingml/2006/main" xmlns:r="http://schemas.openxmlformats.org/officeDocument/2006/relationships" xmlns:p="http://schemas.openxmlformats.org/presentationml/2006/main">
+  <p:cSld>
+    <p:spTree>
+      <p:nvGrpSpPr>
+        <p:cNvPr id="1" name=""/>
+        <p:cNvGrpSpPr/>
+        <p:nvPr/>
+      </p:nvGrpSpPr>
+      <p:grpSpPr>
+        <a:xfrm>
+          <a:off x="0" y="0"/>
+          <a:ext cx="0" cy="0"/>
+          <a:chOff x="0" y="0"/>
+          <a:chExt cx="0" cy="0"/>
+        </a:xfrm>
+      </p:grpSpPr>
+      <p:graphicFrame>
+        <p:nvGraphicFramePr>
+          <p:cNvPr id="2" name="表 1">
+            <a:extLst>
+              <a:ext uri="{FF2B5EF4-FFF2-40B4-BE49-F238E27FC236}">
+                <a16:creationId xmlns:a16="http://schemas.microsoft.com/office/drawing/2014/main" id="{1600DFFA-E5CB-6D46-972D-22383C2CFCA8}"/>
+              </a:ext>
+            </a:extLst>
+          </p:cNvPr>
+          <p:cNvGraphicFramePr>
+            <a:graphicFrameLocks noGrp="1"/>
+          </p:cNvGraphicFramePr>
+          <p:nvPr>
+            <p:extLst>
+              <p:ext uri="{D42A27DB-BD31-4B8C-83A1-F6EECF244321}">
+                <p14:modId xmlns:p14="http://schemas.microsoft.com/office/powerpoint/2010/main" val="2091255626"/>
+              </p:ext>
+            </p:extLst>
+          </p:nvPr>
+        </p:nvGraphicFramePr>
+        <p:xfrm>
+          <a:off x="129209" y="159026"/>
+          <a:ext cx="11797748" cy="6153962"/>
+        </p:xfrm>
+        <a:graphic>
+          <a:graphicData uri="http://schemas.openxmlformats.org/drawingml/2006/table">
+            <a:tbl>
+              <a:tblPr>
+                <a:tableStyleId>{5C22544A-7EE6-4342-B048-85BDC9FD1C3A}</a:tableStyleId>
+              </a:tblPr>
+              <a:tblGrid>
+                <a:gridCol w="5973542">
+                  <a:extLst>
+                    <a:ext uri="{9D8B030D-6E8A-4147-A177-3AD203B41FA5}">
+                      <a16:colId xmlns:a16="http://schemas.microsoft.com/office/drawing/2014/main" val="3846216585"/>
+                    </a:ext>
+                  </a:extLst>
+                </a:gridCol>
+                <a:gridCol w="5824206">
+                  <a:extLst>
+                    <a:ext uri="{9D8B030D-6E8A-4147-A177-3AD203B41FA5}">
+                      <a16:colId xmlns:a16="http://schemas.microsoft.com/office/drawing/2014/main" val="3219667578"/>
+                    </a:ext>
+                  </a:extLst>
+                </a:gridCol>
+              </a:tblGrid>
+              <a:tr h="954157">
+                <a:tc>
+                  <a:txBody>
+                    <a:bodyPr/>
+                    <a:lstStyle/>
+                    <a:p>
+                      <a:pPr algn="ctr" fontAlgn="ctr"/>
+                      <a:r>
+                        <a:rPr lang="ja-JP" altLang="en-US" sz="2000" b="1" i="0" u="none" strike="noStrike">
+                          <a:solidFill>
+                            <a:srgbClr val="000000"/>
+                          </a:solidFill>
+                          <a:effectLst/>
+                          <a:latin typeface="+mn-ea"/>
+                          <a:ea typeface="+mn-ea"/>
+                        </a:rPr>
+                        <a:t>メーカー</a:t>
+                      </a:r>
+                    </a:p>
+                  </a:txBody>
+                  <a:tcPr marL="9525" marR="9525" marT="9525" marB="0" anchor="ctr">
+                    <a:lnL w="12700" cap="flat" cmpd="sng" algn="ctr">
+                      <a:solidFill>
+                        <a:schemeClr val="tx1"/>
+                      </a:solidFill>
+                      <a:prstDash val="solid"/>
+                      <a:round/>
+                      <a:headEnd type="none" w="med" len="med"/>
+                      <a:tailEnd type="none" w="med" len="med"/>
+                    </a:lnL>
+                    <a:lnR w="12700" cap="flat" cmpd="sng" algn="ctr">
+                      <a:solidFill>
+                        <a:schemeClr val="tx1"/>
+                      </a:solidFill>
+                      <a:prstDash val="solid"/>
+                      <a:round/>
+                      <a:headEnd type="none" w="med" len="med"/>
+                      <a:tailEnd type="none" w="med" len="med"/>
+                    </a:lnR>
+                    <a:lnT w="12700" cap="flat" cmpd="sng" algn="ctr">
+                      <a:solidFill>
+                        <a:schemeClr val="tx1"/>
+                      </a:solidFill>
+                      <a:prstDash val="solid"/>
+                      <a:round/>
+                      <a:headEnd type="none" w="med" len="med"/>
+                      <a:tailEnd type="none" w="med" len="med"/>
+                    </a:lnT>
+                    <a:lnB w="12700" cap="flat" cmpd="sng" algn="ctr">
+                      <a:solidFill>
+                        <a:schemeClr val="tx1"/>
+                      </a:solidFill>
+                      <a:prstDash val="solid"/>
+                      <a:round/>
+                      <a:headEnd type="none" w="med" len="med"/>
+                      <a:tailEnd type="none" w="med" len="med"/>
+                    </a:lnB>
+                    <a:solidFill>
+                      <a:schemeClr val="bg2">
+                        <a:lumMod val="90000"/>
+                      </a:schemeClr>
+                    </a:solidFill>
+                  </a:tcPr>
+                </a:tc>
+                <a:tc>
+                  <a:txBody>
+                    <a:bodyPr/>
+                    <a:lstStyle/>
+                    <a:p>
+                      <a:pPr algn="ctr" fontAlgn="ctr"/>
+                      <a:r>
+                        <a:rPr lang="en" sz="2000" b="0" i="0" u="none" strike="noStrike" dirty="0">
+                          <a:solidFill>
+                            <a:srgbClr val="000000"/>
+                          </a:solidFill>
+                          <a:effectLst/>
+                          <a:latin typeface="+mn-ea"/>
+                          <a:ea typeface="+mn-ea"/>
+                        </a:rPr>
+                        <a:t>FX</a:t>
+                      </a:r>
+                      <a:r>
+                        <a:rPr lang="en-US" altLang="ja-JP" sz="2000" b="0" i="0" u="none" strike="noStrike" dirty="0">
+                          <a:solidFill>
+                            <a:srgbClr val="000000"/>
+                          </a:solidFill>
+                          <a:effectLst/>
+                          <a:latin typeface="+mn-ea"/>
+                          <a:ea typeface="+mn-ea"/>
+                        </a:rPr>
+                        <a:t>C</a:t>
+                      </a:r>
+                      <a:r>
+                        <a:rPr lang="ja-JP" altLang="en-US" sz="2000" b="0" i="0" u="none" strike="noStrike">
+                          <a:solidFill>
+                            <a:srgbClr val="000000"/>
+                          </a:solidFill>
+                          <a:effectLst/>
+                          <a:latin typeface="+mn-ea"/>
+                          <a:ea typeface="+mn-ea"/>
+                        </a:rPr>
+                        <a:t>株式会社</a:t>
+                      </a:r>
+                      <a:endParaRPr lang="en" sz="2000" b="0" i="0" u="none" strike="noStrike" dirty="0">
+                        <a:solidFill>
+                          <a:srgbClr val="000000"/>
+                        </a:solidFill>
+                        <a:effectLst/>
+                        <a:latin typeface="+mn-ea"/>
+                        <a:ea typeface="+mn-ea"/>
+                      </a:endParaRPr>
+                    </a:p>
+                  </a:txBody>
+                  <a:tcPr marL="9525" marR="9525" marT="9525" marB="0" anchor="ctr">
+                    <a:lnL w="12700" cap="flat" cmpd="sng" algn="ctr">
+                      <a:solidFill>
+                        <a:schemeClr val="tx1"/>
+                      </a:solidFill>
+                      <a:prstDash val="solid"/>
+                      <a:round/>
+                      <a:headEnd type="none" w="med" len="med"/>
+                      <a:tailEnd type="none" w="med" len="med"/>
+                    </a:lnL>
+                    <a:lnR w="12700" cap="flat" cmpd="sng" algn="ctr">
+                      <a:solidFill>
+                        <a:schemeClr val="tx1"/>
+                      </a:solidFill>
+                      <a:prstDash val="solid"/>
+                      <a:round/>
+                      <a:headEnd type="none" w="med" len="med"/>
+                      <a:tailEnd type="none" w="med" len="med"/>
+                    </a:lnR>
+                    <a:lnT w="12700" cap="flat" cmpd="sng" algn="ctr">
+                      <a:solidFill>
+                        <a:schemeClr val="tx1"/>
+                      </a:solidFill>
+                      <a:prstDash val="solid"/>
+                      <a:round/>
+                      <a:headEnd type="none" w="med" len="med"/>
+                      <a:tailEnd type="none" w="med" len="med"/>
+                    </a:lnT>
+                    <a:lnB w="12700" cap="flat" cmpd="sng" algn="ctr">
+                      <a:solidFill>
+                        <a:schemeClr val="tx1"/>
+                      </a:solidFill>
+                      <a:prstDash val="solid"/>
+                      <a:round/>
+                      <a:headEnd type="none" w="med" len="med"/>
+                      <a:tailEnd type="none" w="med" len="med"/>
+                    </a:lnB>
+                    <a:solidFill>
+                      <a:schemeClr val="bg1"/>
+                    </a:solidFill>
+                  </a:tcPr>
+                </a:tc>
+                <a:extLst>
+                  <a:ext uri="{0D108BD9-81ED-4DB2-BD59-A6C34878D82A}">
+                    <a16:rowId xmlns:a16="http://schemas.microsoft.com/office/drawing/2014/main" val="3887275458"/>
+                  </a:ext>
+                </a:extLst>
+              </a:tr>
+              <a:tr h="1176945">
+                <a:tc>
+                  <a:txBody>
+                    <a:bodyPr/>
+                    <a:lstStyle/>
+                    <a:p>
+                      <a:pPr algn="ctr" fontAlgn="ctr"/>
+                      <a:r>
+                        <a:rPr lang="ja-JP" altLang="en-US" sz="2000" b="1" u="none" strike="noStrike">
+                          <a:effectLst/>
+                          <a:latin typeface="+mn-ea"/>
+                          <a:ea typeface="+mn-ea"/>
+                        </a:rPr>
+                        <a:t>製品型番</a:t>
+                      </a:r>
+                      <a:endParaRPr lang="ja-JP" altLang="en-US" sz="2000" b="1" i="0" u="none" strike="noStrike">
+                        <a:solidFill>
+                          <a:srgbClr val="000000"/>
+                        </a:solidFill>
+                        <a:effectLst/>
+                        <a:latin typeface="+mn-ea"/>
+                        <a:ea typeface="+mn-ea"/>
+                      </a:endParaRPr>
+                    </a:p>
+                  </a:txBody>
+                  <a:tcPr marL="9525" marR="9525" marT="9525" marB="0" anchor="ctr">
+                    <a:lnL w="12700" cap="flat" cmpd="sng" algn="ctr">
+                      <a:solidFill>
+                        <a:schemeClr val="tx1"/>
+                      </a:solidFill>
+                      <a:prstDash val="solid"/>
+                      <a:round/>
+                      <a:headEnd type="none" w="med" len="med"/>
+                      <a:tailEnd type="none" w="med" len="med"/>
+                    </a:lnL>
+                    <a:lnR w="12700" cap="flat" cmpd="sng" algn="ctr">
+                      <a:solidFill>
+                        <a:schemeClr val="tx1"/>
+                      </a:solidFill>
+                      <a:prstDash val="solid"/>
+                      <a:round/>
+                      <a:headEnd type="none" w="med" len="med"/>
+                      <a:tailEnd type="none" w="med" len="med"/>
+                    </a:lnR>
+                    <a:lnT w="12700" cap="flat" cmpd="sng" algn="ctr">
+                      <a:solidFill>
+                        <a:schemeClr val="tx1"/>
+                      </a:solidFill>
+                      <a:prstDash val="solid"/>
+                      <a:round/>
+                      <a:headEnd type="none" w="med" len="med"/>
+                      <a:tailEnd type="none" w="med" len="med"/>
+                    </a:lnT>
+                    <a:lnB w="12700" cap="flat" cmpd="sng" algn="ctr">
+                      <a:solidFill>
+                        <a:schemeClr val="tx1"/>
+                      </a:solidFill>
+                      <a:prstDash val="solid"/>
+                      <a:round/>
+                      <a:headEnd type="none" w="med" len="med"/>
+                      <a:tailEnd type="none" w="med" len="med"/>
+                    </a:lnB>
+                    <a:solidFill>
+                      <a:schemeClr val="bg2">
+                        <a:lumMod val="90000"/>
+                      </a:schemeClr>
+                    </a:solidFill>
+                  </a:tcPr>
+                </a:tc>
+                <a:tc>
+                  <a:txBody>
+                    <a:bodyPr/>
+                    <a:lstStyle/>
+                    <a:p>
+                      <a:pPr algn="ctr" fontAlgn="ctr"/>
+                      <a:r>
+                        <a:rPr lang="en" sz="2000" u="none" strike="noStrike" dirty="0">
+                          <a:effectLst/>
+                          <a:latin typeface="+mn-ea"/>
+                          <a:ea typeface="+mn-ea"/>
+                        </a:rPr>
+                        <a:t>FXC5210</a:t>
+                      </a:r>
+                      <a:endParaRPr lang="en" sz="2000" b="0" i="0" u="none" strike="noStrike" dirty="0">
+                        <a:solidFill>
+                          <a:srgbClr val="000000"/>
+                        </a:solidFill>
+                        <a:effectLst/>
+                        <a:latin typeface="+mn-ea"/>
+                        <a:ea typeface="+mn-ea"/>
+                      </a:endParaRPr>
+                    </a:p>
+                  </a:txBody>
+                  <a:tcPr marL="9525" marR="9525" marT="9525" marB="0" anchor="ctr">
+                    <a:lnL w="12700" cap="flat" cmpd="sng" algn="ctr">
+                      <a:solidFill>
+                        <a:schemeClr val="tx1"/>
+                      </a:solidFill>
+                      <a:prstDash val="solid"/>
+                      <a:round/>
+                      <a:headEnd type="none" w="med" len="med"/>
+                      <a:tailEnd type="none" w="med" len="med"/>
+                    </a:lnL>
+                    <a:lnR w="12700" cap="flat" cmpd="sng" algn="ctr">
+                      <a:solidFill>
+                        <a:schemeClr val="tx1"/>
+                      </a:solidFill>
+                      <a:prstDash val="solid"/>
+                      <a:round/>
+                      <a:headEnd type="none" w="med" len="med"/>
+                      <a:tailEnd type="none" w="med" len="med"/>
+                    </a:lnR>
+                    <a:lnT w="12700" cap="flat" cmpd="sng" algn="ctr">
+                      <a:solidFill>
+                        <a:schemeClr val="tx1"/>
+                      </a:solidFill>
+                      <a:prstDash val="solid"/>
+                      <a:round/>
+                      <a:headEnd type="none" w="med" len="med"/>
+                      <a:tailEnd type="none" w="med" len="med"/>
+                    </a:lnT>
+                    <a:lnB w="12700" cap="flat" cmpd="sng" algn="ctr">
+                      <a:solidFill>
+                        <a:schemeClr val="tx1"/>
+                      </a:solidFill>
+                      <a:prstDash val="solid"/>
+                      <a:round/>
+                      <a:headEnd type="none" w="med" len="med"/>
+                      <a:tailEnd type="none" w="med" len="med"/>
+                    </a:lnB>
+                    <a:solidFill>
+                      <a:schemeClr val="bg1"/>
+                    </a:solidFill>
+                  </a:tcPr>
+                </a:tc>
+                <a:extLst>
+                  <a:ext uri="{0D108BD9-81ED-4DB2-BD59-A6C34878D82A}">
+                    <a16:rowId xmlns:a16="http://schemas.microsoft.com/office/drawing/2014/main" val="3725376571"/>
+                  </a:ext>
+                </a:extLst>
+              </a:tr>
+              <a:tr h="1101591">
+                <a:tc>
+                  <a:txBody>
+                    <a:bodyPr/>
+                    <a:lstStyle/>
+                    <a:p>
+                      <a:pPr algn="ctr" fontAlgn="ctr"/>
+                      <a:r>
+                        <a:rPr lang="ja-JP" altLang="en-US" sz="2000" b="1" u="none" strike="noStrike">
+                          <a:effectLst/>
+                          <a:latin typeface="+mn-ea"/>
+                          <a:ea typeface="+mn-ea"/>
+                        </a:rPr>
+                        <a:t>データ転送速度</a:t>
+                      </a:r>
+                      <a:endParaRPr lang="ja-JP" altLang="en-US" sz="2000" b="1" i="0" u="none" strike="noStrike">
+                        <a:solidFill>
+                          <a:srgbClr val="000000"/>
+                        </a:solidFill>
+                        <a:effectLst/>
+                        <a:latin typeface="+mn-ea"/>
+                        <a:ea typeface="+mn-ea"/>
+                      </a:endParaRPr>
+                    </a:p>
+                  </a:txBody>
+                  <a:tcPr marL="9525" marR="9525" marT="9525" marB="0" anchor="ctr">
+                    <a:lnL w="12700" cap="flat" cmpd="sng" algn="ctr">
+                      <a:solidFill>
+                        <a:schemeClr val="tx1"/>
+                      </a:solidFill>
+                      <a:prstDash val="solid"/>
+                      <a:round/>
+                      <a:headEnd type="none" w="med" len="med"/>
+                      <a:tailEnd type="none" w="med" len="med"/>
+                    </a:lnL>
+                    <a:lnR w="12700" cap="flat" cmpd="sng" algn="ctr">
+                      <a:solidFill>
+                        <a:schemeClr val="tx1"/>
+                      </a:solidFill>
+                      <a:prstDash val="solid"/>
+                      <a:round/>
+                      <a:headEnd type="none" w="med" len="med"/>
+                      <a:tailEnd type="none" w="med" len="med"/>
+                    </a:lnR>
+                    <a:lnT w="12700" cap="flat" cmpd="sng" algn="ctr">
+                      <a:solidFill>
+                        <a:schemeClr val="tx1"/>
+                      </a:solidFill>
+                      <a:prstDash val="solid"/>
+                      <a:round/>
+                      <a:headEnd type="none" w="med" len="med"/>
+                      <a:tailEnd type="none" w="med" len="med"/>
+                    </a:lnT>
+                    <a:lnB w="12700" cap="flat" cmpd="sng" algn="ctr">
+                      <a:solidFill>
+                        <a:schemeClr val="tx1"/>
+                      </a:solidFill>
+                      <a:prstDash val="solid"/>
+                      <a:round/>
+                      <a:headEnd type="none" w="med" len="med"/>
+                      <a:tailEnd type="none" w="med" len="med"/>
+                    </a:lnB>
+                    <a:solidFill>
+                      <a:schemeClr val="bg2">
+                        <a:lumMod val="90000"/>
+                      </a:schemeClr>
+                    </a:solidFill>
+                  </a:tcPr>
+                </a:tc>
+                <a:tc>
+                  <a:txBody>
+                    <a:bodyPr/>
+                    <a:lstStyle/>
+                    <a:p>
+                      <a:pPr algn="ctr" fontAlgn="ctr"/>
+                      <a:r>
+                        <a:rPr lang="en" sz="2000" u="none" strike="noStrike" dirty="0">
+                          <a:effectLst/>
+                          <a:latin typeface="+mn-ea"/>
+                          <a:ea typeface="+mn-ea"/>
+                        </a:rPr>
+                        <a:t>10/100/100Mbps(CSMA/CD)</a:t>
+                      </a:r>
+                      <a:endParaRPr lang="en" sz="2000" b="0" i="0" u="none" strike="noStrike" dirty="0">
+                        <a:solidFill>
+                          <a:srgbClr val="000000"/>
+                        </a:solidFill>
+                        <a:effectLst/>
+                        <a:latin typeface="+mn-ea"/>
+                        <a:ea typeface="+mn-ea"/>
+                      </a:endParaRPr>
+                    </a:p>
+                  </a:txBody>
+                  <a:tcPr marL="9525" marR="9525" marT="9525" marB="0" anchor="ctr">
+                    <a:lnL w="12700" cap="flat" cmpd="sng" algn="ctr">
+                      <a:solidFill>
+                        <a:schemeClr val="tx1"/>
+                      </a:solidFill>
+                      <a:prstDash val="solid"/>
+                      <a:round/>
+                      <a:headEnd type="none" w="med" len="med"/>
+                      <a:tailEnd type="none" w="med" len="med"/>
+                    </a:lnL>
+                    <a:lnR w="12700" cap="flat" cmpd="sng" algn="ctr">
+                      <a:solidFill>
+                        <a:schemeClr val="tx1"/>
+                      </a:solidFill>
+                      <a:prstDash val="solid"/>
+                      <a:round/>
+                      <a:headEnd type="none" w="med" len="med"/>
+                      <a:tailEnd type="none" w="med" len="med"/>
+                    </a:lnR>
+                    <a:lnT w="12700" cap="flat" cmpd="sng" algn="ctr">
+                      <a:solidFill>
+                        <a:schemeClr val="tx1"/>
+                      </a:solidFill>
+                      <a:prstDash val="solid"/>
+                      <a:round/>
+                      <a:headEnd type="none" w="med" len="med"/>
+                      <a:tailEnd type="none" w="med" len="med"/>
+                    </a:lnT>
+                    <a:lnB w="12700" cap="flat" cmpd="sng" algn="ctr">
+                      <a:solidFill>
+                        <a:schemeClr val="tx1"/>
+                      </a:solidFill>
+                      <a:prstDash val="solid"/>
+                      <a:round/>
+                      <a:headEnd type="none" w="med" len="med"/>
+                      <a:tailEnd type="none" w="med" len="med"/>
+                    </a:lnB>
+                    <a:solidFill>
+                      <a:schemeClr val="bg1"/>
+                    </a:solidFill>
+                  </a:tcPr>
+                </a:tc>
+                <a:extLst>
+                  <a:ext uri="{0D108BD9-81ED-4DB2-BD59-A6C34878D82A}">
+                    <a16:rowId xmlns:a16="http://schemas.microsoft.com/office/drawing/2014/main" val="4069835675"/>
+                  </a:ext>
+                </a:extLst>
+              </a:tr>
+              <a:tr h="1239916">
+                <a:tc>
+                  <a:txBody>
+                    <a:bodyPr/>
+                    <a:lstStyle/>
+                    <a:p>
+                      <a:pPr algn="ctr" fontAlgn="ctr"/>
+                      <a:r>
+                        <a:rPr lang="ja-JP" altLang="en-US" sz="2000" b="1" u="none" strike="noStrike">
+                          <a:effectLst/>
+                          <a:latin typeface="+mn-ea"/>
+                          <a:ea typeface="+mn-ea"/>
+                        </a:rPr>
+                        <a:t>イーサネットポート</a:t>
+                      </a:r>
+                      <a:br>
+                        <a:rPr lang="ja-JP" altLang="en-US" sz="2000" b="1" u="none" strike="noStrike">
+                          <a:effectLst/>
+                          <a:latin typeface="+mn-ea"/>
+                          <a:ea typeface="+mn-ea"/>
+                        </a:rPr>
+                      </a:br>
+                      <a:r>
+                        <a:rPr lang="en-US" altLang="ja-JP" sz="2000" b="1" u="none" strike="noStrike" dirty="0">
+                          <a:effectLst/>
+                          <a:latin typeface="+mn-ea"/>
+                          <a:ea typeface="+mn-ea"/>
+                        </a:rPr>
+                        <a:t>10</a:t>
+                      </a:r>
+                      <a:r>
+                        <a:rPr lang="en" sz="2000" b="1" u="none" strike="noStrike" dirty="0">
+                          <a:effectLst/>
+                          <a:latin typeface="+mn-ea"/>
+                          <a:ea typeface="+mn-ea"/>
+                        </a:rPr>
+                        <a:t>BASE-T / 100BASE-TX /1000BASE-T</a:t>
+                      </a:r>
+                      <a:endParaRPr lang="en" sz="2000" b="1" i="0" u="none" strike="noStrike" dirty="0">
+                        <a:solidFill>
+                          <a:srgbClr val="000000"/>
+                        </a:solidFill>
+                        <a:effectLst/>
+                        <a:latin typeface="+mn-ea"/>
+                        <a:ea typeface="+mn-ea"/>
+                      </a:endParaRPr>
+                    </a:p>
+                  </a:txBody>
+                  <a:tcPr marL="9525" marR="9525" marT="9525" marB="0" anchor="ctr">
+                    <a:lnL w="12700" cap="flat" cmpd="sng" algn="ctr">
+                      <a:solidFill>
+                        <a:schemeClr val="tx1"/>
+                      </a:solidFill>
+                      <a:prstDash val="solid"/>
+                      <a:round/>
+                      <a:headEnd type="none" w="med" len="med"/>
+                      <a:tailEnd type="none" w="med" len="med"/>
+                    </a:lnL>
+                    <a:lnR w="12700" cap="flat" cmpd="sng" algn="ctr">
+                      <a:solidFill>
+                        <a:schemeClr val="tx1"/>
+                      </a:solidFill>
+                      <a:prstDash val="solid"/>
+                      <a:round/>
+                      <a:headEnd type="none" w="med" len="med"/>
+                      <a:tailEnd type="none" w="med" len="med"/>
+                    </a:lnR>
+                    <a:lnT w="12700" cap="flat" cmpd="sng" algn="ctr">
+                      <a:solidFill>
+                        <a:schemeClr val="tx1"/>
+                      </a:solidFill>
+                      <a:prstDash val="solid"/>
+                      <a:round/>
+                      <a:headEnd type="none" w="med" len="med"/>
+                      <a:tailEnd type="none" w="med" len="med"/>
+                    </a:lnT>
+                    <a:lnB w="12700" cap="flat" cmpd="sng" algn="ctr">
+                      <a:solidFill>
+                        <a:schemeClr val="tx1"/>
+                      </a:solidFill>
+                      <a:prstDash val="solid"/>
+                      <a:round/>
+                      <a:headEnd type="none" w="med" len="med"/>
+                      <a:tailEnd type="none" w="med" len="med"/>
+                    </a:lnB>
+                    <a:solidFill>
+                      <a:schemeClr val="bg2">
+                        <a:lumMod val="90000"/>
+                      </a:schemeClr>
+                    </a:solidFill>
+                  </a:tcPr>
+                </a:tc>
+                <a:tc>
+                  <a:txBody>
+                    <a:bodyPr/>
+                    <a:lstStyle/>
+                    <a:p>
+                      <a:pPr algn="ctr" fontAlgn="ctr"/>
+                      <a:r>
+                        <a:rPr lang="en-US" altLang="ja-JP" sz="2000" u="none" strike="noStrike" dirty="0">
+                          <a:effectLst/>
+                          <a:latin typeface="+mn-ea"/>
+                          <a:ea typeface="+mn-ea"/>
+                        </a:rPr>
+                        <a:t>8</a:t>
+                      </a:r>
+                      <a:r>
+                        <a:rPr lang="ja-JP" altLang="en-US" sz="2000" u="none" strike="noStrike">
+                          <a:effectLst/>
+                          <a:latin typeface="+mn-ea"/>
+                          <a:ea typeface="+mn-ea"/>
+                        </a:rPr>
+                        <a:t>ポート</a:t>
+                      </a:r>
+                      <a:endParaRPr lang="ja-JP" altLang="en-US" sz="2000" b="0" i="0" u="none" strike="noStrike">
+                        <a:solidFill>
+                          <a:srgbClr val="000000"/>
+                        </a:solidFill>
+                        <a:effectLst/>
+                        <a:latin typeface="+mn-ea"/>
+                        <a:ea typeface="+mn-ea"/>
+                      </a:endParaRPr>
+                    </a:p>
+                  </a:txBody>
+                  <a:tcPr marL="9525" marR="9525" marT="9525" marB="0" anchor="ctr">
+                    <a:lnL w="12700" cap="flat" cmpd="sng" algn="ctr">
+                      <a:solidFill>
+                        <a:schemeClr val="tx1"/>
+                      </a:solidFill>
+                      <a:prstDash val="solid"/>
+                      <a:round/>
+                      <a:headEnd type="none" w="med" len="med"/>
+                      <a:tailEnd type="none" w="med" len="med"/>
+                    </a:lnL>
+                    <a:lnR w="12700" cap="flat" cmpd="sng" algn="ctr">
+                      <a:solidFill>
+                        <a:schemeClr val="tx1"/>
+                      </a:solidFill>
+                      <a:prstDash val="solid"/>
+                      <a:round/>
+                      <a:headEnd type="none" w="med" len="med"/>
+                      <a:tailEnd type="none" w="med" len="med"/>
+                    </a:lnR>
+                    <a:lnT w="12700" cap="flat" cmpd="sng" algn="ctr">
+                      <a:solidFill>
+                        <a:schemeClr val="tx1"/>
+                      </a:solidFill>
+                      <a:prstDash val="solid"/>
+                      <a:round/>
+                      <a:headEnd type="none" w="med" len="med"/>
+                      <a:tailEnd type="none" w="med" len="med"/>
+                    </a:lnT>
+                    <a:lnB w="12700" cap="flat" cmpd="sng" algn="ctr">
+                      <a:solidFill>
+                        <a:schemeClr val="tx1"/>
+                      </a:solidFill>
+                      <a:prstDash val="solid"/>
+                      <a:round/>
+                      <a:headEnd type="none" w="med" len="med"/>
+                      <a:tailEnd type="none" w="med" len="med"/>
+                    </a:lnB>
+                    <a:solidFill>
+                      <a:schemeClr val="bg1"/>
+                    </a:solidFill>
+                  </a:tcPr>
+                </a:tc>
+                <a:extLst>
+                  <a:ext uri="{0D108BD9-81ED-4DB2-BD59-A6C34878D82A}">
+                    <a16:rowId xmlns:a16="http://schemas.microsoft.com/office/drawing/2014/main" val="2331766862"/>
+                  </a:ext>
+                </a:extLst>
+              </a:tr>
+              <a:tr h="560451">
+                <a:tc>
+                  <a:txBody>
+                    <a:bodyPr/>
+                    <a:lstStyle/>
+                    <a:p>
+                      <a:pPr algn="ctr" fontAlgn="ctr"/>
+                      <a:r>
+                        <a:rPr lang="ja-JP" altLang="en-US" sz="2000" b="1" u="none" strike="noStrike">
+                          <a:effectLst/>
+                          <a:latin typeface="+mn-ea"/>
+                          <a:ea typeface="+mn-ea"/>
+                        </a:rPr>
+                        <a:t>総スループット</a:t>
+                      </a:r>
+                      <a:endParaRPr lang="ja-JP" altLang="en-US" sz="2000" b="1" i="0" u="none" strike="noStrike">
+                        <a:solidFill>
+                          <a:srgbClr val="000000"/>
+                        </a:solidFill>
+                        <a:effectLst/>
+                        <a:latin typeface="+mn-ea"/>
+                        <a:ea typeface="+mn-ea"/>
+                      </a:endParaRPr>
+                    </a:p>
+                  </a:txBody>
+                  <a:tcPr marL="9525" marR="9525" marT="9525" marB="0" anchor="ctr">
+                    <a:lnL w="12700" cap="flat" cmpd="sng" algn="ctr">
+                      <a:solidFill>
+                        <a:schemeClr val="tx1"/>
+                      </a:solidFill>
+                      <a:prstDash val="solid"/>
+                      <a:round/>
+                      <a:headEnd type="none" w="med" len="med"/>
+                      <a:tailEnd type="none" w="med" len="med"/>
+                    </a:lnL>
+                    <a:lnR w="12700" cap="flat" cmpd="sng" algn="ctr">
+                      <a:solidFill>
+                        <a:schemeClr val="tx1"/>
+                      </a:solidFill>
+                      <a:prstDash val="solid"/>
+                      <a:round/>
+                      <a:headEnd type="none" w="med" len="med"/>
+                      <a:tailEnd type="none" w="med" len="med"/>
+                    </a:lnR>
+                    <a:lnT w="12700" cap="flat" cmpd="sng" algn="ctr">
+                      <a:solidFill>
+                        <a:schemeClr val="tx1"/>
+                      </a:solidFill>
+                      <a:prstDash val="solid"/>
+                      <a:round/>
+                      <a:headEnd type="none" w="med" len="med"/>
+                      <a:tailEnd type="none" w="med" len="med"/>
+                    </a:lnT>
+                    <a:lnB w="12700" cap="flat" cmpd="sng" algn="ctr">
+                      <a:solidFill>
+                        <a:schemeClr val="tx1"/>
+                      </a:solidFill>
+                      <a:prstDash val="solid"/>
+                      <a:round/>
+                      <a:headEnd type="none" w="med" len="med"/>
+                      <a:tailEnd type="none" w="med" len="med"/>
+                    </a:lnB>
+                    <a:solidFill>
+                      <a:schemeClr val="bg2">
+                        <a:lumMod val="90000"/>
+                      </a:schemeClr>
+                    </a:solidFill>
+                  </a:tcPr>
+                </a:tc>
+                <a:tc>
+                  <a:txBody>
+                    <a:bodyPr/>
+                    <a:lstStyle/>
+                    <a:p>
+                      <a:pPr algn="ctr" fontAlgn="ctr"/>
+                      <a:r>
+                        <a:rPr lang="en" sz="2000" u="none" strike="noStrike" dirty="0">
+                          <a:effectLst/>
+                          <a:latin typeface="+mn-ea"/>
+                          <a:ea typeface="+mn-ea"/>
+                        </a:rPr>
+                        <a:t>14.8Mpps(64byte)</a:t>
+                      </a:r>
+                      <a:endParaRPr lang="en" sz="2000" b="0" i="0" u="none" strike="noStrike" dirty="0">
+                        <a:solidFill>
+                          <a:srgbClr val="000000"/>
+                        </a:solidFill>
+                        <a:effectLst/>
+                        <a:latin typeface="+mn-ea"/>
+                        <a:ea typeface="+mn-ea"/>
+                      </a:endParaRPr>
+                    </a:p>
+                  </a:txBody>
+                  <a:tcPr marL="9525" marR="9525" marT="9525" marB="0" anchor="ctr">
+                    <a:lnL w="12700" cap="flat" cmpd="sng" algn="ctr">
+                      <a:solidFill>
+                        <a:schemeClr val="tx1"/>
+                      </a:solidFill>
+                      <a:prstDash val="solid"/>
+                      <a:round/>
+                      <a:headEnd type="none" w="med" len="med"/>
+                      <a:tailEnd type="none" w="med" len="med"/>
+                    </a:lnL>
+                    <a:lnR w="12700" cap="flat" cmpd="sng" algn="ctr">
+                      <a:solidFill>
+                        <a:schemeClr val="tx1"/>
+                      </a:solidFill>
+                      <a:prstDash val="solid"/>
+                      <a:round/>
+                      <a:headEnd type="none" w="med" len="med"/>
+                      <a:tailEnd type="none" w="med" len="med"/>
+                    </a:lnR>
+                    <a:lnT w="12700" cap="flat" cmpd="sng" algn="ctr">
+                      <a:solidFill>
+                        <a:schemeClr val="tx1"/>
+                      </a:solidFill>
+                      <a:prstDash val="solid"/>
+                      <a:round/>
+                      <a:headEnd type="none" w="med" len="med"/>
+                      <a:tailEnd type="none" w="med" len="med"/>
+                    </a:lnT>
+                    <a:lnB w="12700" cap="flat" cmpd="sng" algn="ctr">
+                      <a:solidFill>
+                        <a:schemeClr val="tx1"/>
+                      </a:solidFill>
+                      <a:prstDash val="solid"/>
+                      <a:round/>
+                      <a:headEnd type="none" w="med" len="med"/>
+                      <a:tailEnd type="none" w="med" len="med"/>
+                    </a:lnB>
+                    <a:solidFill>
+                      <a:schemeClr val="bg1"/>
+                    </a:solidFill>
+                  </a:tcPr>
+                </a:tc>
+                <a:extLst>
+                  <a:ext uri="{0D108BD9-81ED-4DB2-BD59-A6C34878D82A}">
+                    <a16:rowId xmlns:a16="http://schemas.microsoft.com/office/drawing/2014/main" val="95168082"/>
+                  </a:ext>
+                </a:extLst>
+              </a:tr>
+              <a:tr h="560451">
+                <a:tc>
+                  <a:txBody>
+                    <a:bodyPr/>
+                    <a:lstStyle/>
+                    <a:p>
+                      <a:pPr algn="ctr" fontAlgn="ctr"/>
+                      <a:r>
+                        <a:rPr lang="ja-JP" altLang="en-US" sz="2000" b="1" u="none" strike="noStrike">
+                          <a:effectLst/>
+                          <a:latin typeface="+mn-ea"/>
+                          <a:ea typeface="+mn-ea"/>
+                        </a:rPr>
+                        <a:t>総帯域幅</a:t>
+                      </a:r>
+                      <a:endParaRPr lang="ja-JP" altLang="en-US" sz="2000" b="1" i="0" u="none" strike="noStrike">
+                        <a:solidFill>
+                          <a:srgbClr val="000000"/>
+                        </a:solidFill>
+                        <a:effectLst/>
+                        <a:latin typeface="+mn-ea"/>
+                        <a:ea typeface="+mn-ea"/>
+                      </a:endParaRPr>
+                    </a:p>
+                  </a:txBody>
+                  <a:tcPr marL="9525" marR="9525" marT="9525" marB="0" anchor="ctr">
+                    <a:lnL w="12700" cap="flat" cmpd="sng" algn="ctr">
+                      <a:solidFill>
+                        <a:schemeClr val="tx1"/>
+                      </a:solidFill>
+                      <a:prstDash val="solid"/>
+                      <a:round/>
+                      <a:headEnd type="none" w="med" len="med"/>
+                      <a:tailEnd type="none" w="med" len="med"/>
+                    </a:lnL>
+                    <a:lnR w="12700" cap="flat" cmpd="sng" algn="ctr">
+                      <a:solidFill>
+                        <a:schemeClr val="tx1"/>
+                      </a:solidFill>
+                      <a:prstDash val="solid"/>
+                      <a:round/>
+                      <a:headEnd type="none" w="med" len="med"/>
+                      <a:tailEnd type="none" w="med" len="med"/>
+                    </a:lnR>
+                    <a:lnT w="12700" cap="flat" cmpd="sng" algn="ctr">
+                      <a:solidFill>
+                        <a:schemeClr val="tx1"/>
+                      </a:solidFill>
+                      <a:prstDash val="solid"/>
+                      <a:round/>
+                      <a:headEnd type="none" w="med" len="med"/>
+                      <a:tailEnd type="none" w="med" len="med"/>
+                    </a:lnT>
+                    <a:lnB w="12700" cap="flat" cmpd="sng" algn="ctr">
+                      <a:solidFill>
+                        <a:schemeClr val="tx1"/>
+                      </a:solidFill>
+                      <a:prstDash val="solid"/>
+                      <a:round/>
+                      <a:headEnd type="none" w="med" len="med"/>
+                      <a:tailEnd type="none" w="med" len="med"/>
+                    </a:lnB>
+                    <a:solidFill>
+                      <a:schemeClr val="bg2">
+                        <a:lumMod val="90000"/>
+                      </a:schemeClr>
+                    </a:solidFill>
+                  </a:tcPr>
+                </a:tc>
+                <a:tc>
+                  <a:txBody>
+                    <a:bodyPr/>
+                    <a:lstStyle/>
+                    <a:p>
+                      <a:pPr algn="ctr" fontAlgn="ctr"/>
+                      <a:r>
+                        <a:rPr lang="en" sz="2000" u="none" strike="noStrike" dirty="0">
+                          <a:effectLst/>
+                          <a:latin typeface="+mn-ea"/>
+                          <a:ea typeface="+mn-ea"/>
+                        </a:rPr>
+                        <a:t>20Gbps</a:t>
+                      </a:r>
+                      <a:endParaRPr lang="en" sz="2000" b="0" i="0" u="none" strike="noStrike" dirty="0">
+                        <a:solidFill>
+                          <a:srgbClr val="000000"/>
+                        </a:solidFill>
+                        <a:effectLst/>
+                        <a:latin typeface="+mn-ea"/>
+                        <a:ea typeface="+mn-ea"/>
+                      </a:endParaRPr>
+                    </a:p>
+                  </a:txBody>
+                  <a:tcPr marL="9525" marR="9525" marT="9525" marB="0" anchor="ctr">
+                    <a:lnL w="12700" cap="flat" cmpd="sng" algn="ctr">
+                      <a:solidFill>
+                        <a:schemeClr val="tx1"/>
+                      </a:solidFill>
+                      <a:prstDash val="solid"/>
+                      <a:round/>
+                      <a:headEnd type="none" w="med" len="med"/>
+                      <a:tailEnd type="none" w="med" len="med"/>
+                    </a:lnL>
+                    <a:lnR w="12700" cap="flat" cmpd="sng" algn="ctr">
+                      <a:solidFill>
+                        <a:schemeClr val="tx1"/>
+                      </a:solidFill>
+                      <a:prstDash val="solid"/>
+                      <a:round/>
+                      <a:headEnd type="none" w="med" len="med"/>
+                      <a:tailEnd type="none" w="med" len="med"/>
+                    </a:lnR>
+                    <a:lnT w="12700" cap="flat" cmpd="sng" algn="ctr">
+                      <a:solidFill>
+                        <a:schemeClr val="tx1"/>
+                      </a:solidFill>
+                      <a:prstDash val="solid"/>
+                      <a:round/>
+                      <a:headEnd type="none" w="med" len="med"/>
+                      <a:tailEnd type="none" w="med" len="med"/>
+                    </a:lnT>
+                    <a:lnB w="12700" cap="flat" cmpd="sng" algn="ctr">
+                      <a:solidFill>
+                        <a:schemeClr val="tx1"/>
+                      </a:solidFill>
+                      <a:prstDash val="solid"/>
+                      <a:round/>
+                      <a:headEnd type="none" w="med" len="med"/>
+                      <a:tailEnd type="none" w="med" len="med"/>
+                    </a:lnB>
+                    <a:solidFill>
+                      <a:schemeClr val="bg1"/>
+                    </a:solidFill>
+                  </a:tcPr>
+                </a:tc>
+                <a:extLst>
+                  <a:ext uri="{0D108BD9-81ED-4DB2-BD59-A6C34878D82A}">
+                    <a16:rowId xmlns:a16="http://schemas.microsoft.com/office/drawing/2014/main" val="3413802736"/>
+                  </a:ext>
+                </a:extLst>
+              </a:tr>
+              <a:tr h="560451">
+                <a:tc>
+                  <a:txBody>
+                    <a:bodyPr/>
+                    <a:lstStyle/>
+                    <a:p>
+                      <a:pPr algn="ctr" fontAlgn="ctr"/>
+                      <a:r>
+                        <a:rPr lang="en" sz="2000" b="1" u="none" strike="noStrike" dirty="0">
+                          <a:effectLst/>
+                          <a:latin typeface="+mn-ea"/>
+                          <a:ea typeface="+mn-ea"/>
+                        </a:rPr>
+                        <a:t>MAC</a:t>
+                      </a:r>
+                      <a:r>
+                        <a:rPr lang="ja-JP" altLang="en-US" sz="2000" b="1" u="none" strike="noStrike">
+                          <a:effectLst/>
+                          <a:latin typeface="+mn-ea"/>
+                          <a:ea typeface="+mn-ea"/>
+                        </a:rPr>
+                        <a:t>アドレス登録数</a:t>
+                      </a:r>
+                      <a:endParaRPr lang="ja-JP" altLang="en-US" sz="2000" b="1" i="0" u="none" strike="noStrike">
+                        <a:solidFill>
+                          <a:srgbClr val="000000"/>
+                        </a:solidFill>
+                        <a:effectLst/>
+                        <a:latin typeface="+mn-ea"/>
+                        <a:ea typeface="+mn-ea"/>
+                      </a:endParaRPr>
+                    </a:p>
+                  </a:txBody>
+                  <a:tcPr marL="9525" marR="9525" marT="9525" marB="0" anchor="ctr">
+                    <a:lnL w="12700" cap="flat" cmpd="sng" algn="ctr">
+                      <a:solidFill>
+                        <a:schemeClr val="tx1"/>
+                      </a:solidFill>
+                      <a:prstDash val="solid"/>
+                      <a:round/>
+                      <a:headEnd type="none" w="med" len="med"/>
+                      <a:tailEnd type="none" w="med" len="med"/>
+                    </a:lnL>
+                    <a:lnR w="12700" cap="flat" cmpd="sng" algn="ctr">
+                      <a:solidFill>
+                        <a:schemeClr val="tx1"/>
+                      </a:solidFill>
+                      <a:prstDash val="solid"/>
+                      <a:round/>
+                      <a:headEnd type="none" w="med" len="med"/>
+                      <a:tailEnd type="none" w="med" len="med"/>
+                    </a:lnR>
+                    <a:lnT w="12700" cap="flat" cmpd="sng" algn="ctr">
+                      <a:solidFill>
+                        <a:schemeClr val="tx1"/>
+                      </a:solidFill>
+                      <a:prstDash val="solid"/>
+                      <a:round/>
+                      <a:headEnd type="none" w="med" len="med"/>
+                      <a:tailEnd type="none" w="med" len="med"/>
+                    </a:lnT>
+                    <a:lnB w="12700" cap="flat" cmpd="sng" algn="ctr">
+                      <a:solidFill>
+                        <a:schemeClr val="tx1"/>
+                      </a:solidFill>
+                      <a:prstDash val="solid"/>
+                      <a:round/>
+                      <a:headEnd type="none" w="med" len="med"/>
+                      <a:tailEnd type="none" w="med" len="med"/>
+                    </a:lnB>
+                    <a:solidFill>
+                      <a:schemeClr val="bg2">
+                        <a:lumMod val="90000"/>
+                      </a:schemeClr>
+                    </a:solidFill>
+                  </a:tcPr>
+                </a:tc>
+                <a:tc>
+                  <a:txBody>
+                    <a:bodyPr/>
+                    <a:lstStyle/>
+                    <a:p>
+                      <a:pPr algn="ctr" fontAlgn="ctr"/>
+                      <a:r>
+                        <a:rPr lang="en-US" altLang="ja-JP" sz="2000" u="none" strike="noStrike" dirty="0">
+                          <a:effectLst/>
+                          <a:latin typeface="+mn-ea"/>
+                          <a:ea typeface="+mn-ea"/>
+                        </a:rPr>
+                        <a:t>8,000</a:t>
+                      </a:r>
+                      <a:r>
+                        <a:rPr lang="ja-JP" altLang="en-US" sz="2000" u="none" strike="noStrike">
+                          <a:effectLst/>
+                          <a:latin typeface="+mn-ea"/>
+                          <a:ea typeface="+mn-ea"/>
+                        </a:rPr>
+                        <a:t>個</a:t>
+                      </a:r>
+                      <a:endParaRPr lang="ja-JP" altLang="en-US" sz="2000" b="0" i="0" u="none" strike="noStrike">
+                        <a:solidFill>
+                          <a:srgbClr val="000000"/>
+                        </a:solidFill>
+                        <a:effectLst/>
+                        <a:latin typeface="+mn-ea"/>
+                        <a:ea typeface="+mn-ea"/>
+                      </a:endParaRPr>
+                    </a:p>
+                  </a:txBody>
+                  <a:tcPr marL="9525" marR="9525" marT="9525" marB="0" anchor="ctr">
+                    <a:lnL w="12700" cap="flat" cmpd="sng" algn="ctr">
+                      <a:solidFill>
+                        <a:schemeClr val="tx1"/>
+                      </a:solidFill>
+                      <a:prstDash val="solid"/>
+                      <a:round/>
+                      <a:headEnd type="none" w="med" len="med"/>
+                      <a:tailEnd type="none" w="med" len="med"/>
+                    </a:lnL>
+                    <a:lnR w="12700" cap="flat" cmpd="sng" algn="ctr">
+                      <a:solidFill>
+                        <a:schemeClr val="tx1"/>
+                      </a:solidFill>
+                      <a:prstDash val="solid"/>
+                      <a:round/>
+                      <a:headEnd type="none" w="med" len="med"/>
+                      <a:tailEnd type="none" w="med" len="med"/>
+                    </a:lnR>
+                    <a:lnT w="12700" cap="flat" cmpd="sng" algn="ctr">
+                      <a:solidFill>
+                        <a:schemeClr val="tx1"/>
+                      </a:solidFill>
+                      <a:prstDash val="solid"/>
+                      <a:round/>
+                      <a:headEnd type="none" w="med" len="med"/>
+                      <a:tailEnd type="none" w="med" len="med"/>
+                    </a:lnT>
+                    <a:lnB w="12700" cap="flat" cmpd="sng" algn="ctr">
+                      <a:solidFill>
+                        <a:schemeClr val="tx1"/>
+                      </a:solidFill>
+                      <a:prstDash val="solid"/>
+                      <a:round/>
+                      <a:headEnd type="none" w="med" len="med"/>
+                      <a:tailEnd type="none" w="med" len="med"/>
+                    </a:lnB>
+                    <a:solidFill>
+                      <a:schemeClr val="bg1"/>
+                    </a:solidFill>
+                  </a:tcPr>
+                </a:tc>
+                <a:extLst>
+                  <a:ext uri="{0D108BD9-81ED-4DB2-BD59-A6C34878D82A}">
+                    <a16:rowId xmlns:a16="http://schemas.microsoft.com/office/drawing/2014/main" val="4195953825"/>
+                  </a:ext>
+                </a:extLst>
+              </a:tr>
+            </a:tbl>
+          </a:graphicData>
+        </a:graphic>
+      </p:graphicFrame>
+    </p:spTree>
+    <p:extLst>
+      <p:ext uri="{BB962C8B-B14F-4D97-AF65-F5344CB8AC3E}">
+        <p14:creationId xmlns:p14="http://schemas.microsoft.com/office/powerpoint/2010/main" val="4131840843"/>
       </p:ext>
     </p:extLst>
   </p:cSld>

--- a/SUBTHEME/graphs/telework_list.pptx
+++ b/SUBTHEME/graphs/telework_list.pptx
@@ -265,7 +265,7 @@
           <a:p>
             <a:fld id="{4CD497F8-9430-BC49-8D3A-D071BC4586DD}" type="datetimeFigureOut">
               <a:rPr kumimoji="1" lang="ja-JP" altLang="en-US" smtClean="0"/>
-              <a:t>2020/9/17</a:t>
+              <a:t>2020/9/23</a:t>
             </a:fld>
             <a:endParaRPr kumimoji="1" lang="ja-JP" altLang="en-US"/>
           </a:p>
@@ -470,7 +470,7 @@
           <a:p>
             <a:fld id="{4CD497F8-9430-BC49-8D3A-D071BC4586DD}" type="datetimeFigureOut">
               <a:rPr kumimoji="1" lang="ja-JP" altLang="en-US" smtClean="0"/>
-              <a:t>2020/9/17</a:t>
+              <a:t>2020/9/23</a:t>
             </a:fld>
             <a:endParaRPr kumimoji="1" lang="ja-JP" altLang="en-US"/>
           </a:p>
@@ -685,7 +685,7 @@
           <a:p>
             <a:fld id="{4CD497F8-9430-BC49-8D3A-D071BC4586DD}" type="datetimeFigureOut">
               <a:rPr kumimoji="1" lang="ja-JP" altLang="en-US" smtClean="0"/>
-              <a:t>2020/9/17</a:t>
+              <a:t>2020/9/23</a:t>
             </a:fld>
             <a:endParaRPr kumimoji="1" lang="ja-JP" altLang="en-US"/>
           </a:p>
@@ -890,7 +890,7 @@
           <a:p>
             <a:fld id="{4CD497F8-9430-BC49-8D3A-D071BC4586DD}" type="datetimeFigureOut">
               <a:rPr kumimoji="1" lang="ja-JP" altLang="en-US" smtClean="0"/>
-              <a:t>2020/9/17</a:t>
+              <a:t>2020/9/23</a:t>
             </a:fld>
             <a:endParaRPr kumimoji="1" lang="ja-JP" altLang="en-US"/>
           </a:p>
@@ -1200,7 +1200,7 @@
           <a:p>
             <a:fld id="{4CD497F8-9430-BC49-8D3A-D071BC4586DD}" type="datetimeFigureOut">
               <a:rPr kumimoji="1" lang="ja-JP" altLang="en-US" smtClean="0"/>
-              <a:t>2020/9/17</a:t>
+              <a:t>2020/9/23</a:t>
             </a:fld>
             <a:endParaRPr kumimoji="1" lang="ja-JP" altLang="en-US"/>
           </a:p>
@@ -1479,7 +1479,7 @@
           <a:p>
             <a:fld id="{4CD497F8-9430-BC49-8D3A-D071BC4586DD}" type="datetimeFigureOut">
               <a:rPr kumimoji="1" lang="ja-JP" altLang="en-US" smtClean="0"/>
-              <a:t>2020/9/17</a:t>
+              <a:t>2020/9/23</a:t>
             </a:fld>
             <a:endParaRPr kumimoji="1" lang="ja-JP" altLang="en-US"/>
           </a:p>
@@ -1975,7 +1975,7 @@
           <a:p>
             <a:fld id="{4CD497F8-9430-BC49-8D3A-D071BC4586DD}" type="datetimeFigureOut">
               <a:rPr kumimoji="1" lang="ja-JP" altLang="en-US" smtClean="0"/>
-              <a:t>2020/9/17</a:t>
+              <a:t>2020/9/23</a:t>
             </a:fld>
             <a:endParaRPr kumimoji="1" lang="ja-JP" altLang="en-US"/>
           </a:p>
@@ -2116,7 +2116,7 @@
           <a:p>
             <a:fld id="{4CD497F8-9430-BC49-8D3A-D071BC4586DD}" type="datetimeFigureOut">
               <a:rPr kumimoji="1" lang="ja-JP" altLang="en-US" smtClean="0"/>
-              <a:t>2020/9/17</a:t>
+              <a:t>2020/9/23</a:t>
             </a:fld>
             <a:endParaRPr kumimoji="1" lang="ja-JP" altLang="en-US"/>
           </a:p>
@@ -2229,7 +2229,7 @@
           <a:p>
             <a:fld id="{4CD497F8-9430-BC49-8D3A-D071BC4586DD}" type="datetimeFigureOut">
               <a:rPr kumimoji="1" lang="ja-JP" altLang="en-US" smtClean="0"/>
-              <a:t>2020/9/17</a:t>
+              <a:t>2020/9/23</a:t>
             </a:fld>
             <a:endParaRPr kumimoji="1" lang="ja-JP" altLang="en-US"/>
           </a:p>
@@ -2582,7 +2582,7 @@
           <a:p>
             <a:fld id="{4CD497F8-9430-BC49-8D3A-D071BC4586DD}" type="datetimeFigureOut">
               <a:rPr kumimoji="1" lang="ja-JP" altLang="en-US" smtClean="0"/>
-              <a:t>2020/9/17</a:t>
+              <a:t>2020/9/23</a:t>
             </a:fld>
             <a:endParaRPr kumimoji="1" lang="ja-JP" altLang="en-US"/>
           </a:p>
@@ -2905,7 +2905,7 @@
           <a:p>
             <a:fld id="{4CD497F8-9430-BC49-8D3A-D071BC4586DD}" type="datetimeFigureOut">
               <a:rPr kumimoji="1" lang="ja-JP" altLang="en-US" smtClean="0"/>
-              <a:t>2020/9/17</a:t>
+              <a:t>2020/9/23</a:t>
             </a:fld>
             <a:endParaRPr kumimoji="1" lang="ja-JP" altLang="en-US"/>
           </a:p>
@@ -3153,7 +3153,7 @@
           <a:p>
             <a:fld id="{4CD497F8-9430-BC49-8D3A-D071BC4586DD}" type="datetimeFigureOut">
               <a:rPr kumimoji="1" lang="ja-JP" altLang="en-US" smtClean="0"/>
-              <a:t>2020/9/17</a:t>
+              <a:t>2020/9/23</a:t>
             </a:fld>
             <a:endParaRPr kumimoji="1" lang="ja-JP" altLang="en-US"/>
           </a:p>
@@ -13473,14 +13473,14 @@
           <p:nvPr>
             <p:extLst>
               <p:ext uri="{D42A27DB-BD31-4B8C-83A1-F6EECF244321}">
-                <p14:modId xmlns:p14="http://schemas.microsoft.com/office/powerpoint/2010/main" val="1710690159"/>
+                <p14:modId xmlns:p14="http://schemas.microsoft.com/office/powerpoint/2010/main" val="829110118"/>
               </p:ext>
             </p:extLst>
           </p:nvPr>
         </p:nvGraphicFramePr>
         <p:xfrm>
-          <a:off x="69574" y="109330"/>
-          <a:ext cx="11936894" cy="6594391"/>
+          <a:off x="115294" y="97900"/>
+          <a:ext cx="11936894" cy="6638327"/>
         </p:xfrm>
         <a:graphic>
           <a:graphicData uri="http://schemas.openxmlformats.org/drawingml/2006/table">
@@ -13554,7 +13554,7 @@
                     <a:p>
                       <a:pPr algn="ctr" fontAlgn="ctr"/>
                       <a:r>
-                        <a:rPr lang="ja-JP" altLang="en-US" sz="1800" b="1" i="0" u="none" strike="noStrike">
+                        <a:rPr lang="ja-JP" altLang="en-US" sz="2000" b="1" i="0" u="none" strike="noStrike">
                           <a:solidFill>
                             <a:srgbClr val="000000"/>
                           </a:solidFill>
@@ -13617,7 +13617,7 @@
                     <a:p>
                       <a:pPr algn="ctr" fontAlgn="ctr"/>
                       <a:r>
-                        <a:rPr lang="ja-JP" altLang="en-US" sz="1800" b="1" i="0" u="none" strike="noStrike">
+                        <a:rPr lang="ja-JP" altLang="en-US" sz="2000" b="1" i="0" u="none" strike="noStrike">
                           <a:solidFill>
                             <a:srgbClr val="000000"/>
                           </a:solidFill>
@@ -14101,30 +14101,30 @@
                     <a:p>
                       <a:pPr algn="ctr" fontAlgn="ctr"/>
                       <a:r>
-                        <a:rPr lang="en" sz="1800" u="none" strike="noStrike" dirty="0">
+                        <a:rPr lang="en" sz="2000" u="none" strike="noStrike" dirty="0">
                           <a:effectLst/>
                         </a:rPr>
                         <a:t>FreeIPA</a:t>
                       </a:r>
                       <a:r>
-                        <a:rPr lang="ja-JP" altLang="en-US" sz="1800" u="none" strike="noStrike">
+                        <a:rPr lang="ja-JP" altLang="en-US" sz="2000" u="none" strike="noStrike">
                           <a:effectLst/>
                         </a:rPr>
                         <a:t>を利用した</a:t>
                       </a:r>
                       <a:r>
-                        <a:rPr lang="en" sz="1800" u="none" strike="noStrike" dirty="0">
+                        <a:rPr lang="en" sz="2000" u="none" strike="noStrike" dirty="0">
                           <a:effectLst/>
                         </a:rPr>
                         <a:t>Bastion</a:t>
                       </a:r>
                       <a:r>
-                        <a:rPr lang="ja-JP" altLang="en-US" sz="1800" u="none" strike="noStrike">
+                        <a:rPr lang="ja-JP" altLang="en-US" sz="2000" u="none" strike="noStrike">
                           <a:effectLst/>
                         </a:rPr>
                         <a:t>サーバーツール</a:t>
                       </a:r>
-                      <a:endParaRPr lang="ja-JP" altLang="en-US" sz="1800" b="0" i="0" u="none" strike="noStrike">
+                      <a:endParaRPr lang="ja-JP" altLang="en-US" sz="2000" b="0" i="0" u="none" strike="noStrike">
                         <a:solidFill>
                           <a:srgbClr val="000000"/>
                         </a:solidFill>
@@ -14183,12 +14183,12 @@
                     <a:p>
                       <a:pPr algn="ctr" fontAlgn="ctr"/>
                       <a:r>
-                        <a:rPr lang="ja-JP" altLang="en-US" sz="1800" u="none" strike="noStrike">
+                        <a:rPr lang="ja-JP" altLang="en-US" sz="2000" u="none" strike="noStrike">
                           <a:effectLst/>
                         </a:rPr>
                         <a:t>あり</a:t>
                       </a:r>
-                      <a:endParaRPr lang="ja-JP" altLang="en-US" sz="1800" b="0" i="0" u="none" strike="noStrike">
+                      <a:endParaRPr lang="ja-JP" altLang="en-US" sz="2000" b="0" i="0" u="none" strike="noStrike">
                         <a:solidFill>
                           <a:srgbClr val="000000"/>
                         </a:solidFill>
@@ -14247,7 +14247,7 @@
                     <a:p>
                       <a:pPr algn="ctr" fontAlgn="ctr"/>
                       <a:r>
-                        <a:rPr lang="en" sz="1800" u="none" strike="noStrike" dirty="0">
+                        <a:rPr lang="en" sz="2000" u="none" strike="noStrike" dirty="0">
                           <a:effectLst/>
                         </a:rPr>
                         <a:t>Kerberos</a:t>
@@ -14256,12 +14256,12 @@
                     <a:p>
                       <a:pPr algn="ctr" fontAlgn="ctr"/>
                       <a:r>
-                        <a:rPr lang="ja-JP" altLang="en-US" sz="1800" u="none" strike="noStrike">
+                        <a:rPr lang="ja-JP" altLang="en-US" sz="2000" u="none" strike="noStrike">
                           <a:effectLst/>
                         </a:rPr>
                         <a:t>チケット</a:t>
                       </a:r>
-                      <a:endParaRPr lang="ja-JP" altLang="en-US" sz="1800" b="0" i="0" u="none" strike="noStrike">
+                      <a:endParaRPr lang="ja-JP" altLang="en-US" sz="2000" b="0" i="0" u="none" strike="noStrike">
                         <a:solidFill>
                           <a:srgbClr val="000000"/>
                         </a:solidFill>
@@ -14320,12 +14320,12 @@
                     <a:p>
                       <a:pPr algn="ctr" fontAlgn="ctr"/>
                       <a:r>
-                        <a:rPr lang="ja-JP" altLang="en-US" sz="1800" u="none" strike="noStrike">
+                        <a:rPr lang="ja-JP" altLang="en-US" sz="2000" u="none" strike="noStrike">
                           <a:effectLst/>
                         </a:rPr>
                         <a:t>なし</a:t>
                       </a:r>
-                      <a:endParaRPr lang="ja-JP" altLang="en-US" sz="1800" b="0" i="0" u="none" strike="noStrike">
+                      <a:endParaRPr lang="ja-JP" altLang="en-US" sz="2000" b="0" i="0" u="none" strike="noStrike">
                         <a:solidFill>
                           <a:srgbClr val="000000"/>
                         </a:solidFill>
@@ -14384,7 +14384,7 @@
                     <a:p>
                       <a:pPr algn="ctr" fontAlgn="ctr"/>
                       <a:r>
-                        <a:rPr lang="en" sz="1800" u="none" strike="noStrike" dirty="0">
+                        <a:rPr lang="en" sz="2000" u="none" strike="noStrike" dirty="0">
                           <a:effectLst/>
                         </a:rPr>
                         <a:t>Gateway Server,</a:t>
@@ -14393,13 +14393,13 @@
                     <a:p>
                       <a:pPr algn="ctr" fontAlgn="ctr"/>
                       <a:r>
-                        <a:rPr lang="en" sz="1800" u="none" strike="noStrike" dirty="0" err="1">
+                        <a:rPr lang="en" sz="2000" u="none" strike="noStrike" dirty="0" err="1">
                           <a:effectLst/>
                         </a:rPr>
                         <a:t>HostServer</a:t>
                       </a:r>
                       <a:r>
-                        <a:rPr lang="en" sz="1800" u="none" strike="noStrike" dirty="0">
+                        <a:rPr lang="en" sz="2000" u="none" strike="noStrike" dirty="0">
                           <a:effectLst/>
                         </a:rPr>
                         <a:t>,</a:t>
@@ -14408,12 +14408,12 @@
                     <a:p>
                       <a:pPr algn="ctr" fontAlgn="ctr"/>
                       <a:r>
-                        <a:rPr lang="ja-JP" altLang="en-US" sz="1800" u="none" strike="noStrike">
+                        <a:rPr lang="ja-JP" altLang="en-US" sz="2000" u="none" strike="noStrike">
                           <a:effectLst/>
                         </a:rPr>
                         <a:t>クライアント</a:t>
                       </a:r>
-                      <a:endParaRPr lang="en" sz="1800" b="0" i="0" u="none" strike="noStrike" dirty="0">
+                      <a:endParaRPr lang="en" sz="2000" b="0" i="0" u="none" strike="noStrike" dirty="0">
                         <a:solidFill>
                           <a:srgbClr val="000000"/>
                         </a:solidFill>
@@ -14472,12 +14472,12 @@
                     <a:p>
                       <a:pPr algn="ctr" fontAlgn="ctr"/>
                       <a:r>
-                        <a:rPr lang="ja-JP" altLang="en-US" sz="1800" u="none" strike="noStrike">
+                        <a:rPr lang="ja-JP" altLang="en-US" sz="2000" u="none" strike="noStrike">
                           <a:effectLst/>
                         </a:rPr>
                         <a:t>難しい</a:t>
                       </a:r>
-                      <a:endParaRPr lang="ja-JP" altLang="en-US" sz="1800" b="0" i="0" u="none" strike="noStrike">
+                      <a:endParaRPr lang="ja-JP" altLang="en-US" sz="2000" b="0" i="0" u="none" strike="noStrike">
                         <a:solidFill>
                           <a:srgbClr val="000000"/>
                         </a:solidFill>
@@ -14539,30 +14539,30 @@
                         <a:buNone/>
                       </a:pPr>
                       <a:r>
-                        <a:rPr lang="en" altLang="ja-JP" sz="1800" u="none" strike="noStrike" dirty="0">
+                        <a:rPr lang="en" altLang="ja-JP" sz="2000" u="none" strike="noStrike" dirty="0">
                           <a:effectLst/>
                         </a:rPr>
                         <a:t>python2</a:t>
                       </a:r>
                       <a:r>
-                        <a:rPr lang="ja-JP" altLang="en-US" sz="1800" u="none" strike="noStrike">
+                        <a:rPr lang="ja-JP" altLang="en-US" sz="2000" u="none" strike="noStrike">
                           <a:effectLst/>
                         </a:rPr>
                         <a:t>と</a:t>
                       </a:r>
                       <a:r>
-                        <a:rPr lang="en" altLang="ja-JP" sz="1800" u="none" strike="noStrike" dirty="0">
+                        <a:rPr lang="en" altLang="ja-JP" sz="2000" u="none" strike="noStrike" dirty="0">
                           <a:effectLst/>
                         </a:rPr>
                         <a:t>python3</a:t>
                       </a:r>
                       <a:r>
-                        <a:rPr lang="ja-JP" altLang="en-US" sz="1800" u="none" strike="noStrike">
+                        <a:rPr lang="ja-JP" altLang="en-US" sz="2000" u="none" strike="noStrike">
                           <a:effectLst/>
                         </a:rPr>
                         <a:t>の依存関係の問題あり。</a:t>
                       </a:r>
-                      <a:endParaRPr lang="en-US" altLang="ja-JP" sz="1800" u="none" strike="noStrike" dirty="0">
+                      <a:endParaRPr lang="en-US" altLang="ja-JP" sz="2000" u="none" strike="noStrike" dirty="0">
                         <a:effectLst/>
                       </a:endParaRPr>
                     </a:p>
@@ -14571,7 +14571,7 @@
                         <a:buFontTx/>
                         <a:buNone/>
                       </a:pPr>
-                      <a:endParaRPr lang="en-US" altLang="ja-JP" sz="1800" u="none" strike="noStrike" dirty="0">
+                      <a:endParaRPr lang="en-US" altLang="ja-JP" sz="2000" u="none" strike="noStrike" dirty="0">
                         <a:effectLst/>
                       </a:endParaRPr>
                     </a:p>
@@ -14581,12 +14581,12 @@
                         <a:buNone/>
                       </a:pPr>
                       <a:r>
-                        <a:rPr lang="ja-JP" altLang="en-US" sz="1800" u="none" strike="noStrike">
+                        <a:rPr lang="ja-JP" altLang="en-US" sz="2000" u="none" strike="noStrike">
                           <a:effectLst/>
                         </a:rPr>
                         <a:t>インストールまでの説明が少ない。</a:t>
                       </a:r>
-                      <a:endParaRPr kumimoji="1" lang="ja-JP" altLang="en-US" sz="1800"/>
+                      <a:endParaRPr kumimoji="1" lang="ja-JP" altLang="en-US" sz="2000"/>
                     </a:p>
                   </a:txBody>
                   <a:tcPr marL="6330" marR="6330" marT="6330" marB="0" anchor="ctr">
@@ -14711,36 +14711,12 @@
                     <a:p>
                       <a:pPr algn="ctr" fontAlgn="ctr"/>
                       <a:r>
-                        <a:rPr lang="ja-JP" altLang="en-US" sz="1800" u="none" strike="noStrike">
-                          <a:effectLst/>
-                        </a:rPr>
-                        <a:t>リモートアクセスする</a:t>
-                      </a:r>
-                      <a:endParaRPr lang="en-US" altLang="ja-JP" sz="1800" u="none" strike="noStrike" dirty="0">
-                        <a:effectLst/>
-                      </a:endParaRPr>
-                    </a:p>
-                    <a:p>
-                      <a:pPr algn="ctr" fontAlgn="ctr"/>
-                      <a:r>
-                        <a:rPr lang="ja-JP" altLang="en-US" sz="1800" u="none" strike="noStrike">
-                          <a:effectLst/>
-                        </a:rPr>
-                        <a:t>ためのセキュリティ</a:t>
-                      </a:r>
-                      <a:endParaRPr lang="en-US" altLang="ja-JP" sz="1800" u="none" strike="noStrike" dirty="0">
-                        <a:effectLst/>
-                      </a:endParaRPr>
-                    </a:p>
-                    <a:p>
-                      <a:pPr algn="ctr" fontAlgn="ctr"/>
-                      <a:r>
-                        <a:rPr lang="ja-JP" altLang="en-US" sz="1800" u="none" strike="noStrike">
-                          <a:effectLst/>
-                        </a:rPr>
-                        <a:t>ゲートウェイ</a:t>
-                      </a:r>
-                      <a:endParaRPr lang="ja-JP" altLang="en-US" sz="1800" b="0" i="0" u="none" strike="noStrike">
+                        <a:rPr lang="ja-JP" altLang="en-US" sz="2000" u="none" strike="noStrike">
+                          <a:effectLst/>
+                        </a:rPr>
+                        <a:t>リモートアクセスするためのセキュリティゲートウェイ</a:t>
+                      </a:r>
+                      <a:endParaRPr lang="ja-JP" altLang="en-US" sz="2000" b="0" i="0" u="none" strike="noStrike">
                         <a:solidFill>
                           <a:srgbClr val="000000"/>
                         </a:solidFill>
@@ -14799,12 +14775,12 @@
                     <a:p>
                       <a:pPr algn="ctr" fontAlgn="ctr"/>
                       <a:r>
-                        <a:rPr lang="ja-JP" altLang="en-US" sz="1800" u="none" strike="noStrike">
+                        <a:rPr lang="ja-JP" altLang="en-US" sz="2000" u="none" strike="noStrike">
                           <a:effectLst/>
                         </a:rPr>
                         <a:t>あり</a:t>
                       </a:r>
-                      <a:endParaRPr lang="ja-JP" altLang="en-US" sz="1800" b="0" i="0" u="none" strike="noStrike">
+                      <a:endParaRPr lang="ja-JP" altLang="en-US" sz="2000" b="0" i="0" u="none" strike="noStrike">
                         <a:solidFill>
                           <a:srgbClr val="000000"/>
                         </a:solidFill>
@@ -14863,18 +14839,18 @@
                     <a:p>
                       <a:pPr algn="ctr" fontAlgn="ctr"/>
                       <a:r>
-                        <a:rPr lang="en-US" altLang="ja-JP" sz="1800" u="none" strike="noStrike" dirty="0">
+                        <a:rPr lang="en-US" altLang="ja-JP" sz="2000" u="none" strike="noStrike" dirty="0">
                           <a:effectLst/>
                         </a:rPr>
                         <a:t>SSL</a:t>
                       </a:r>
                       <a:r>
-                        <a:rPr lang="ja-JP" altLang="en-US" sz="1800" u="none" strike="noStrike">
+                        <a:rPr lang="ja-JP" altLang="en-US" sz="2000" u="none" strike="noStrike">
                           <a:effectLst/>
                         </a:rPr>
                         <a:t>証明書</a:t>
                       </a:r>
-                      <a:endParaRPr lang="ja-JP" altLang="en-US" sz="1800" b="0" i="0" u="none" strike="noStrike">
+                      <a:endParaRPr lang="ja-JP" altLang="en-US" sz="2000" b="0" i="0" u="none" strike="noStrike">
                         <a:solidFill>
                           <a:srgbClr val="000000"/>
                         </a:solidFill>
@@ -14933,12 +14909,12 @@
                     <a:p>
                       <a:pPr algn="ctr" fontAlgn="ctr"/>
                       <a:r>
-                        <a:rPr lang="ja-JP" altLang="en-US" sz="1800" u="none" strike="noStrike">
+                        <a:rPr lang="ja-JP" altLang="en-US" sz="2000" u="none" strike="noStrike">
                           <a:effectLst/>
                         </a:rPr>
                         <a:t>あり</a:t>
                       </a:r>
-                      <a:endParaRPr lang="ja-JP" altLang="en-US" sz="1800" b="0" i="0" u="none" strike="noStrike">
+                      <a:endParaRPr lang="ja-JP" altLang="en-US" sz="2000" b="0" i="0" u="none" strike="noStrike">
                         <a:solidFill>
                           <a:srgbClr val="000000"/>
                         </a:solidFill>
@@ -14997,19 +14973,19 @@
                     <a:p>
                       <a:pPr algn="ctr" fontAlgn="ctr"/>
                       <a:r>
-                        <a:rPr lang="en" altLang="ja-JP" sz="1800" u="none" strike="noStrike" dirty="0">
+                        <a:rPr lang="en" altLang="ja-JP" sz="2000" u="none" strike="noStrike" dirty="0">
                           <a:effectLst/>
                         </a:rPr>
                         <a:t>Gateway Server, </a:t>
                       </a:r>
                       <a:r>
-                        <a:rPr lang="en" altLang="ja-JP" sz="1800" u="none" strike="noStrike" dirty="0" err="1">
+                        <a:rPr lang="en" altLang="ja-JP" sz="2000" u="none" strike="noStrike" dirty="0" err="1">
                           <a:effectLst/>
                         </a:rPr>
                         <a:t>HostServer</a:t>
                       </a:r>
                       <a:r>
-                        <a:rPr lang="en" altLang="ja-JP" sz="1800" u="none" strike="noStrike" dirty="0">
+                        <a:rPr lang="en" altLang="ja-JP" sz="2000" u="none" strike="noStrike" dirty="0">
                           <a:effectLst/>
                         </a:rPr>
                         <a:t>,</a:t>
@@ -15018,12 +14994,12 @@
                     <a:p>
                       <a:pPr algn="ctr" fontAlgn="ctr"/>
                       <a:r>
-                        <a:rPr lang="ja-JP" altLang="en-US" sz="1800" u="none" strike="noStrike">
+                        <a:rPr lang="ja-JP" altLang="en-US" sz="2000" u="none" strike="noStrike">
                           <a:effectLst/>
                         </a:rPr>
                         <a:t>クライアント</a:t>
                       </a:r>
-                      <a:endParaRPr lang="ja-JP" altLang="en-US" sz="1800" b="0" i="0" u="none" strike="noStrike">
+                      <a:endParaRPr lang="ja-JP" altLang="en-US" sz="2000" b="0" i="0" u="none" strike="noStrike">
                         <a:solidFill>
                           <a:srgbClr val="000000"/>
                         </a:solidFill>
@@ -15082,19 +15058,19 @@
                     <a:p>
                       <a:pPr algn="ctr" fontAlgn="ctr"/>
                       <a:r>
-                        <a:rPr lang="ja-JP" altLang="en-US" sz="1800" u="none" strike="noStrike">
+                        <a:rPr lang="ja-JP" altLang="en-US" sz="2000" u="none" strike="noStrike">
                           <a:effectLst/>
                         </a:rPr>
                         <a:t>すこし</a:t>
                       </a:r>
-                      <a:endParaRPr lang="en-US" altLang="ja-JP" sz="1800" u="none" strike="noStrike" dirty="0">
+                      <a:endParaRPr lang="en-US" altLang="ja-JP" sz="2000" u="none" strike="noStrike" dirty="0">
                         <a:effectLst/>
                       </a:endParaRPr>
                     </a:p>
                     <a:p>
                       <a:pPr algn="ctr" fontAlgn="ctr"/>
                       <a:r>
-                        <a:rPr lang="ja-JP" altLang="en-US" sz="1800" b="0" i="0" u="none" strike="noStrike">
+                        <a:rPr lang="ja-JP" altLang="en-US" sz="2000" b="0" i="0" u="none" strike="noStrike">
                           <a:solidFill>
                             <a:srgbClr val="000000"/>
                           </a:solidFill>
@@ -15158,12 +15134,12 @@
                         <a:buNone/>
                       </a:pPr>
                       <a:r>
-                        <a:rPr lang="ja-JP" altLang="en-US" sz="1800" u="none" strike="noStrike">
+                        <a:rPr lang="ja-JP" altLang="en-US" sz="2000" u="none" strike="noStrike">
                           <a:effectLst/>
                         </a:rPr>
                         <a:t>管理者専用のサイトが用意されており、導入まで丁寧に記載されている</a:t>
                       </a:r>
-                      <a:endParaRPr lang="ja-JP" altLang="en-US" sz="1800" b="0" i="0" u="none" strike="noStrike">
+                      <a:endParaRPr lang="ja-JP" altLang="en-US" sz="2000" b="0" i="0" u="none" strike="noStrike">
                         <a:solidFill>
                           <a:srgbClr val="000000"/>
                         </a:solidFill>
@@ -15303,7 +15279,7 @@
                     <a:p>
                       <a:pPr algn="ctr" fontAlgn="ctr"/>
                       <a:r>
-                        <a:rPr lang="ja-JP" altLang="en-US" sz="1800" b="0" i="0" u="none" strike="noStrike">
+                        <a:rPr lang="ja-JP" altLang="en-US" sz="2000" b="0" i="0" u="none" strike="noStrike">
                           <a:solidFill>
                             <a:srgbClr val="000000"/>
                           </a:solidFill>
@@ -15314,7 +15290,7 @@
                         <a:t>レイヤ２でカプセル化やトンネリングを行う、</a:t>
                       </a:r>
                       <a:r>
-                        <a:rPr lang="en-US" altLang="ja-JP" sz="1800" b="0" i="0" u="none" strike="noStrike" dirty="0">
+                        <a:rPr lang="en-US" altLang="ja-JP" sz="2000" b="0" i="0" u="none" strike="noStrike" dirty="0">
                           <a:solidFill>
                             <a:srgbClr val="000000"/>
                           </a:solidFill>
@@ -15325,7 +15301,7 @@
                         <a:t>VPN</a:t>
                       </a:r>
                       <a:r>
-                        <a:rPr lang="ja-JP" altLang="en-US" sz="1800" b="0" i="0" u="none" strike="noStrike">
+                        <a:rPr lang="ja-JP" altLang="en-US" sz="2000" b="0" i="0" u="none" strike="noStrike">
                           <a:solidFill>
                             <a:srgbClr val="000000"/>
                           </a:solidFill>
@@ -15386,7 +15362,7 @@
                     <a:p>
                       <a:pPr algn="ctr" fontAlgn="ctr"/>
                       <a:r>
-                        <a:rPr lang="ja-JP" altLang="en-US" sz="1800" b="0" i="0" u="none" strike="noStrike">
+                        <a:rPr lang="ja-JP" altLang="en-US" sz="2000" b="0" i="0" u="none" strike="noStrike">
                           <a:solidFill>
                             <a:srgbClr val="000000"/>
                           </a:solidFill>
@@ -15447,7 +15423,7 @@
                     <a:p>
                       <a:pPr algn="ctr" fontAlgn="ctr"/>
                       <a:r>
-                        <a:rPr lang="ja-JP" altLang="en-US" sz="1800" b="1" i="0" u="none" strike="noStrike">
+                        <a:rPr lang="ja-JP" altLang="en-US" sz="2000" b="1" i="0" u="none" strike="noStrike">
                           <a:solidFill>
                             <a:srgbClr val="000000"/>
                           </a:solidFill>
@@ -15457,7 +15433,7 @@
                         </a:rPr>
                         <a:t>認証</a:t>
                       </a:r>
-                      <a:endParaRPr lang="en-US" altLang="ja-JP" sz="1800" b="1" i="0" u="none" strike="noStrike" dirty="0">
+                      <a:endParaRPr lang="en-US" altLang="ja-JP" sz="2000" b="1" i="0" u="none" strike="noStrike" dirty="0">
                         <a:solidFill>
                           <a:srgbClr val="000000"/>
                         </a:solidFill>
@@ -15469,7 +15445,7 @@
                     <a:p>
                       <a:pPr algn="ctr" fontAlgn="ctr"/>
                       <a:r>
-                        <a:rPr lang="en-US" altLang="ja-JP" sz="1800" b="0" i="0" u="none" strike="noStrike" dirty="0">
+                        <a:rPr lang="en-US" altLang="ja-JP" sz="2000" b="0" i="0" u="none" strike="noStrike" dirty="0">
                           <a:solidFill>
                             <a:srgbClr val="000000"/>
                           </a:solidFill>
@@ -15482,7 +15458,7 @@
                     </a:p>
                     <a:p>
                       <a:pPr algn="ctr" fontAlgn="ctr"/>
-                      <a:endParaRPr lang="en-US" altLang="ja-JP" sz="1800" b="0" i="0" u="none" strike="noStrike" dirty="0">
+                      <a:endParaRPr lang="en-US" altLang="ja-JP" sz="2000" b="0" i="0" u="none" strike="noStrike" dirty="0">
                         <a:solidFill>
                           <a:srgbClr val="000000"/>
                         </a:solidFill>
@@ -15494,7 +15470,7 @@
                     <a:p>
                       <a:pPr algn="ctr" fontAlgn="ctr"/>
                       <a:r>
-                        <a:rPr lang="ja-JP" altLang="en-US" sz="1800" b="1" i="0" u="none" strike="noStrike">
+                        <a:rPr lang="ja-JP" altLang="en-US" sz="2000" b="1" i="0" u="none" strike="noStrike">
                           <a:solidFill>
                             <a:srgbClr val="000000"/>
                           </a:solidFill>
@@ -15504,7 +15480,7 @@
                         </a:rPr>
                         <a:t>暗号化</a:t>
                       </a:r>
-                      <a:endParaRPr lang="en-US" altLang="ja-JP" sz="1800" b="1" i="0" u="none" strike="noStrike" dirty="0">
+                      <a:endParaRPr lang="en-US" altLang="ja-JP" sz="2000" b="1" i="0" u="none" strike="noStrike" dirty="0">
                         <a:solidFill>
                           <a:srgbClr val="000000"/>
                         </a:solidFill>
@@ -15516,7 +15492,7 @@
                     <a:p>
                       <a:pPr algn="ctr" fontAlgn="ctr"/>
                       <a:r>
-                        <a:rPr lang="en-US" altLang="ja-JP" sz="1800" b="0" i="0" u="none" strike="noStrike" dirty="0">
+                        <a:rPr lang="en-US" altLang="ja-JP" sz="2000" b="0" i="0" u="none" strike="noStrike" dirty="0">
                           <a:solidFill>
                             <a:srgbClr val="000000"/>
                           </a:solidFill>
@@ -15527,7 +15503,7 @@
                         <a:t>AES</a:t>
                       </a:r>
                       <a:r>
-                        <a:rPr lang="ja-JP" altLang="en-US" sz="1800" b="0" i="0" u="none" strike="noStrike">
+                        <a:rPr lang="ja-JP" altLang="en-US" sz="2000" b="0" i="0" u="none" strike="noStrike">
                           <a:solidFill>
                             <a:srgbClr val="000000"/>
                           </a:solidFill>
@@ -15538,7 +15514,7 @@
                         <a:t>、</a:t>
                       </a:r>
                       <a:r>
-                        <a:rPr lang="en-US" altLang="ja-JP" sz="1800" b="0" i="0" u="none" strike="noStrike" dirty="0">
+                        <a:rPr lang="en-US" altLang="ja-JP" sz="2000" b="0" i="0" u="none" strike="noStrike" dirty="0">
                           <a:solidFill>
                             <a:srgbClr val="000000"/>
                           </a:solidFill>
@@ -15549,7 +15525,7 @@
                         <a:t>DES</a:t>
                       </a:r>
                       <a:r>
-                        <a:rPr lang="ja-JP" altLang="en-US" sz="1800" b="0" i="0" u="none" strike="noStrike">
+                        <a:rPr lang="ja-JP" altLang="en-US" sz="2000" b="0" i="0" u="none" strike="noStrike">
                           <a:solidFill>
                             <a:srgbClr val="000000"/>
                           </a:solidFill>
@@ -15610,7 +15586,7 @@
                     <a:p>
                       <a:pPr algn="ctr" fontAlgn="ctr"/>
                       <a:r>
-                        <a:rPr lang="ja-JP" altLang="en-US" sz="1800" b="0" i="0" u="none" strike="noStrike">
+                        <a:rPr lang="ja-JP" altLang="en-US" sz="2000" b="0" i="0" u="none" strike="noStrike">
                           <a:solidFill>
                             <a:srgbClr val="000000"/>
                           </a:solidFill>
@@ -15671,19 +15647,19 @@
                     <a:p>
                       <a:pPr algn="ctr" fontAlgn="ctr"/>
                       <a:r>
-                        <a:rPr lang="en" altLang="ja-JP" sz="1800" u="none" strike="noStrike" dirty="0">
+                        <a:rPr lang="en" altLang="ja-JP" sz="2000" u="none" strike="noStrike" dirty="0">
                           <a:effectLst/>
                         </a:rPr>
                         <a:t>Gateway Server, </a:t>
                       </a:r>
                       <a:r>
-                        <a:rPr lang="en" altLang="ja-JP" sz="1800" u="none" strike="noStrike" dirty="0" err="1">
+                        <a:rPr lang="en" altLang="ja-JP" sz="2000" u="none" strike="noStrike" dirty="0" err="1">
                           <a:effectLst/>
                         </a:rPr>
                         <a:t>HostServer</a:t>
                       </a:r>
                       <a:r>
-                        <a:rPr lang="en" altLang="ja-JP" sz="1800" u="none" strike="noStrike" dirty="0">
+                        <a:rPr lang="en" altLang="ja-JP" sz="2000" u="none" strike="noStrike" dirty="0">
                           <a:effectLst/>
                         </a:rPr>
                         <a:t>,</a:t>
@@ -15692,12 +15668,12 @@
                     <a:p>
                       <a:pPr algn="ctr" fontAlgn="ctr"/>
                       <a:r>
-                        <a:rPr lang="ja-JP" altLang="en-US" sz="1800" u="none" strike="noStrike">
+                        <a:rPr lang="ja-JP" altLang="en-US" sz="2000" u="none" strike="noStrike">
                           <a:effectLst/>
                         </a:rPr>
                         <a:t>クライアント</a:t>
                       </a:r>
-                      <a:endParaRPr lang="ja-JP" altLang="en-US" sz="1800" b="0" i="0" u="none" strike="noStrike">
+                      <a:endParaRPr lang="ja-JP" altLang="en-US" sz="2000" b="0" i="0" u="none" strike="noStrike">
                         <a:solidFill>
                           <a:srgbClr val="000000"/>
                         </a:solidFill>
@@ -15756,7 +15732,7 @@
                     <a:p>
                       <a:pPr algn="ctr" fontAlgn="ctr"/>
                       <a:r>
-                        <a:rPr lang="ja-JP" altLang="en-US" sz="1800" b="0" i="0" u="none" strike="noStrike">
+                        <a:rPr lang="ja-JP" altLang="en-US" sz="2000" b="0" i="0" u="none" strike="noStrike">
                           <a:solidFill>
                             <a:srgbClr val="000000"/>
                           </a:solidFill>
@@ -15766,7 +15742,7 @@
                         </a:rPr>
                         <a:t>すこし</a:t>
                       </a:r>
-                      <a:endParaRPr lang="en-US" altLang="ja-JP" sz="1800" b="0" i="0" u="none" strike="noStrike" dirty="0">
+                      <a:endParaRPr lang="en-US" altLang="ja-JP" sz="2000" b="0" i="0" u="none" strike="noStrike" dirty="0">
                         <a:solidFill>
                           <a:srgbClr val="000000"/>
                         </a:solidFill>
@@ -15778,15 +15754,15 @@
                     <a:p>
                       <a:pPr algn="ctr" fontAlgn="ctr"/>
                       <a:r>
-                        <a:rPr lang="ja-JP" altLang="en-US" sz="1800" b="0" i="0" u="none" strike="noStrike">
-                          <a:solidFill>
-                            <a:srgbClr val="000000"/>
-                          </a:solidFill>
-                          <a:effectLst/>
-                          <a:latin typeface="游ゴシック" panose="020B0400000000000000" pitchFamily="34" charset="-128"/>
-                          <a:ea typeface="游ゴシック" panose="020B0400000000000000" pitchFamily="34" charset="-128"/>
-                        </a:rPr>
-                        <a:t>難しい</a:t>
+                        <a:rPr lang="ja-JP" altLang="en-US" sz="2000" b="0" i="0" u="none" strike="noStrike">
+                          <a:solidFill>
+                            <a:srgbClr val="000000"/>
+                          </a:solidFill>
+                          <a:effectLst/>
+                          <a:latin typeface="游ゴシック" panose="020B0400000000000000" pitchFamily="34" charset="-128"/>
+                          <a:ea typeface="游ゴシック" panose="020B0400000000000000" pitchFamily="34" charset="-128"/>
+                        </a:rPr>
+                        <a:t>易しい</a:t>
                       </a:r>
                     </a:p>
                   </a:txBody>
@@ -15842,7 +15818,7 @@
                         <a:buNone/>
                       </a:pPr>
                       <a:r>
-                        <a:rPr lang="ja-JP" altLang="en-US" sz="1800" b="0" i="0" u="none" strike="noStrike">
+                        <a:rPr lang="ja-JP" altLang="en-US" sz="2000" b="0" i="0" u="none" strike="noStrike">
                           <a:solidFill>
                             <a:srgbClr val="000000"/>
                           </a:solidFill>
@@ -15852,7 +15828,7 @@
                         </a:rPr>
                         <a:t>インストールまでのロードマップが用意されている</a:t>
                       </a:r>
-                      <a:endParaRPr lang="en-US" altLang="ja-JP" sz="1800" b="0" i="0" u="none" strike="noStrike" dirty="0">
+                      <a:endParaRPr lang="en-US" altLang="ja-JP" sz="2000" b="0" i="0" u="none" strike="noStrike" dirty="0">
                         <a:solidFill>
                           <a:srgbClr val="000000"/>
                         </a:solidFill>
@@ -15866,7 +15842,7 @@
                         <a:buFontTx/>
                         <a:buNone/>
                       </a:pPr>
-                      <a:endParaRPr lang="en-US" altLang="ja-JP" sz="1800" b="0" i="0" u="none" strike="noStrike">
+                      <a:endParaRPr lang="en-US" altLang="ja-JP" sz="2000" b="0" i="0" u="none" strike="noStrike" dirty="0">
                         <a:solidFill>
                           <a:srgbClr val="000000"/>
                         </a:solidFill>
@@ -15881,7 +15857,7 @@
                         <a:buNone/>
                       </a:pPr>
                       <a:r>
-                        <a:rPr lang="ja-JP" altLang="en-US" sz="1800" b="0" i="0" u="none" strike="noStrike">
+                        <a:rPr lang="ja-JP" altLang="en-US" sz="2000" b="0" i="0" u="none" strike="noStrike">
                           <a:solidFill>
                             <a:srgbClr val="000000"/>
                           </a:solidFill>
@@ -15990,14 +15966,14 @@
           <p:nvPr>
             <p:extLst>
               <p:ext uri="{D42A27DB-BD31-4B8C-83A1-F6EECF244321}">
-                <p14:modId xmlns:p14="http://schemas.microsoft.com/office/powerpoint/2010/main" val="2246312163"/>
+                <p14:modId xmlns:p14="http://schemas.microsoft.com/office/powerpoint/2010/main" val="3369398808"/>
               </p:ext>
             </p:extLst>
           </p:nvPr>
         </p:nvGraphicFramePr>
         <p:xfrm>
           <a:off x="129209" y="79304"/>
-          <a:ext cx="11728173" cy="6649487"/>
+          <a:ext cx="11728173" cy="6716511"/>
         </p:xfrm>
         <a:graphic>
           <a:graphicData uri="http://schemas.openxmlformats.org/drawingml/2006/table">
@@ -16029,18 +16005,18 @@
                     <a:p>
                       <a:pPr algn="ctr" fontAlgn="ctr"/>
                       <a:r>
-                        <a:rPr lang="en" sz="2000" b="1" u="none" strike="noStrike" dirty="0">
+                        <a:rPr lang="en" sz="2400" b="1" u="none" strike="noStrike" dirty="0">
                           <a:effectLst/>
                         </a:rPr>
                         <a:t>Server</a:t>
                       </a:r>
                       <a:r>
-                        <a:rPr lang="ja-JP" altLang="en-US" sz="2000" b="1" u="none" strike="noStrike">
+                        <a:rPr lang="ja-JP" altLang="en-US" sz="2400" b="1" u="none" strike="noStrike">
                           <a:effectLst/>
                         </a:rPr>
                         <a:t>のメーカー</a:t>
                       </a:r>
-                      <a:endParaRPr lang="ja-JP" altLang="en-US" sz="2000" b="1" i="0" u="none" strike="noStrike">
+                      <a:endParaRPr lang="ja-JP" altLang="en-US" sz="2400" b="1" i="0" u="none" strike="noStrike">
                         <a:solidFill>
                           <a:srgbClr val="000000"/>
                         </a:solidFill>
@@ -16109,14 +16085,14 @@
                     <a:p>
                       <a:pPr algn="ctr" fontAlgn="ctr"/>
                       <a:r>
-                        <a:rPr lang="en" sz="2000" u="none" strike="noStrike" dirty="0">
+                        <a:rPr lang="en" sz="2400" u="none" strike="noStrike" dirty="0">
                           <a:effectLst/>
                           <a:latin typeface="+mn-ea"/>
                           <a:ea typeface="+mn-ea"/>
                         </a:rPr>
                         <a:t>Supermicro</a:t>
                       </a:r>
-                      <a:endParaRPr lang="en" sz="2000" b="0" i="0" u="none" strike="noStrike" dirty="0">
+                      <a:endParaRPr lang="en" sz="2400" b="0" i="0" u="none" strike="noStrike" dirty="0">
                         <a:solidFill>
                           <a:srgbClr val="000000"/>
                         </a:solidFill>
@@ -16190,18 +16166,18 @@
                     <a:p>
                       <a:pPr algn="ctr" fontAlgn="ctr"/>
                       <a:r>
-                        <a:rPr lang="en" sz="2000" b="1" u="none" strike="noStrike" dirty="0">
+                        <a:rPr lang="en" sz="2400" b="1" u="none" strike="noStrike" dirty="0">
                           <a:effectLst/>
                         </a:rPr>
                         <a:t>Server</a:t>
                       </a:r>
                       <a:r>
-                        <a:rPr lang="ja-JP" altLang="en-US" sz="2000" b="1" u="none" strike="noStrike">
+                        <a:rPr lang="ja-JP" altLang="en-US" sz="2400" b="1" u="none" strike="noStrike">
                           <a:effectLst/>
                         </a:rPr>
                         <a:t>のモデル</a:t>
                       </a:r>
-                      <a:endParaRPr lang="ja-JP" altLang="en-US" sz="2000" b="1" i="0" u="none" strike="noStrike">
+                      <a:endParaRPr lang="ja-JP" altLang="en-US" sz="2400" b="1" i="0" u="none" strike="noStrike">
                         <a:solidFill>
                           <a:srgbClr val="000000"/>
                         </a:solidFill>
@@ -16270,14 +16246,14 @@
                     <a:p>
                       <a:pPr algn="ctr" fontAlgn="ctr"/>
                       <a:r>
-                        <a:rPr lang="en" sz="2000" u="none" strike="noStrike" dirty="0">
+                        <a:rPr lang="en" sz="2400" u="none" strike="noStrike" dirty="0">
                           <a:effectLst/>
                           <a:latin typeface="+mn-ea"/>
                           <a:ea typeface="+mn-ea"/>
                         </a:rPr>
                         <a:t>SYS-5018D-FN4T</a:t>
                       </a:r>
-                      <a:endParaRPr lang="en" sz="2000" b="0" i="0" u="none" strike="noStrike" dirty="0">
+                      <a:endParaRPr lang="en" sz="2400" b="0" i="0" u="none" strike="noStrike" dirty="0">
                         <a:solidFill>
                           <a:srgbClr val="000000"/>
                         </a:solidFill>
@@ -16351,12 +16327,12 @@
                     <a:p>
                       <a:pPr algn="ctr" fontAlgn="ctr"/>
                       <a:r>
-                        <a:rPr lang="en" sz="2000" b="1" u="none" strike="noStrike" dirty="0">
+                        <a:rPr lang="en" sz="2400" b="1" u="none" strike="noStrike" dirty="0">
                           <a:effectLst/>
                         </a:rPr>
                         <a:t>CPU</a:t>
                       </a:r>
-                      <a:endParaRPr lang="en" sz="2000" b="1" i="0" u="none" strike="noStrike" dirty="0">
+                      <a:endParaRPr lang="en" sz="2400" b="1" i="0" u="none" strike="noStrike" dirty="0">
                         <a:solidFill>
                           <a:srgbClr val="000000"/>
                         </a:solidFill>
@@ -16425,14 +16401,14 @@
                     <a:p>
                       <a:pPr algn="ctr" fontAlgn="ctr"/>
                       <a:r>
-                        <a:rPr lang="en" sz="2000" u="none" strike="noStrike" dirty="0">
+                        <a:rPr lang="en" sz="2400" u="none" strike="noStrike" dirty="0">
                           <a:effectLst/>
                           <a:latin typeface="+mn-ea"/>
                           <a:ea typeface="+mn-ea"/>
                         </a:rPr>
                         <a:t>Intel(R) Xeon(R) CPU D-1541 @ 2.10GHz</a:t>
                       </a:r>
-                      <a:endParaRPr lang="en" sz="2000" b="0" i="0" u="none" strike="noStrike" dirty="0">
+                      <a:endParaRPr lang="en" sz="2400" b="0" i="0" u="none" strike="noStrike" dirty="0">
                         <a:solidFill>
                           <a:srgbClr val="000000"/>
                         </a:solidFill>
@@ -16506,12 +16482,12 @@
                     <a:p>
                       <a:pPr algn="ctr" fontAlgn="ctr"/>
                       <a:r>
-                        <a:rPr lang="ja-JP" altLang="en-US" sz="2000" b="1" u="none" strike="noStrike">
+                        <a:rPr lang="ja-JP" altLang="en-US" sz="2400" b="1" u="none" strike="noStrike">
                           <a:effectLst/>
                         </a:rPr>
                         <a:t>マザーボード</a:t>
                       </a:r>
-                      <a:endParaRPr lang="ja-JP" altLang="en-US" sz="2000" b="1" i="0" u="none" strike="noStrike">
+                      <a:endParaRPr lang="ja-JP" altLang="en-US" sz="2400" b="1" i="0" u="none" strike="noStrike">
                         <a:solidFill>
                           <a:srgbClr val="000000"/>
                         </a:solidFill>
@@ -16580,7 +16556,7 @@
                     <a:p>
                       <a:pPr algn="ctr" fontAlgn="ctr"/>
                       <a:r>
-                        <a:rPr lang="ja-JP" altLang="en-US" sz="2000" u="none" strike="noStrike">
+                        <a:rPr lang="ja-JP" altLang="en-US" sz="2400" u="none" strike="noStrike">
                           <a:effectLst/>
                           <a:latin typeface="+mn-ea"/>
                           <a:ea typeface="+mn-ea"/>
@@ -16588,7 +16564,7 @@
                         <a:t>メーカー：</a:t>
                       </a:r>
                       <a:r>
-                        <a:rPr lang="en" sz="2000" u="none" strike="noStrike" dirty="0">
+                        <a:rPr lang="en" sz="2400" u="none" strike="noStrike" dirty="0">
                           <a:effectLst/>
                           <a:latin typeface="+mn-ea"/>
                           <a:ea typeface="+mn-ea"/>
@@ -16596,14 +16572,14 @@
                         <a:t>Supermicro</a:t>
                       </a:r>
                       <a:br>
-                        <a:rPr lang="en" sz="2000" u="none" strike="noStrike" dirty="0">
+                        <a:rPr lang="en" sz="2400" u="none" strike="noStrike" dirty="0">
                           <a:effectLst/>
                           <a:latin typeface="+mn-ea"/>
                           <a:ea typeface="+mn-ea"/>
                         </a:rPr>
                       </a:br>
                       <a:r>
-                        <a:rPr lang="ja-JP" altLang="en-US" sz="2000" u="none" strike="noStrike">
+                        <a:rPr lang="ja-JP" altLang="en-US" sz="2400" u="none" strike="noStrike">
                           <a:effectLst/>
                           <a:latin typeface="+mn-ea"/>
                           <a:ea typeface="+mn-ea"/>
@@ -16611,14 +16587,14 @@
                         <a:t>型番：</a:t>
                       </a:r>
                       <a:r>
-                        <a:rPr lang="en" sz="2000" u="none" strike="noStrike" dirty="0">
+                        <a:rPr lang="en" sz="2400" u="none" strike="noStrike" dirty="0">
                           <a:effectLst/>
                           <a:latin typeface="+mn-ea"/>
                           <a:ea typeface="+mn-ea"/>
                         </a:rPr>
                         <a:t>X10SDV-8C-TLN4F</a:t>
                       </a:r>
-                      <a:endParaRPr lang="en" sz="2000" b="0" i="0" u="none" strike="noStrike" dirty="0">
+                      <a:endParaRPr lang="en" sz="2400" b="0" i="0" u="none" strike="noStrike" dirty="0">
                         <a:solidFill>
                           <a:srgbClr val="000000"/>
                         </a:solidFill>
@@ -16692,12 +16668,12 @@
                     <a:p>
                       <a:pPr algn="ctr" fontAlgn="ctr"/>
                       <a:r>
-                        <a:rPr lang="ja-JP" altLang="en-US" sz="2000" b="1" u="none" strike="noStrike">
+                        <a:rPr lang="ja-JP" altLang="en-US" sz="2400" b="1" u="none" strike="noStrike">
                           <a:effectLst/>
                         </a:rPr>
                         <a:t>メモリ</a:t>
                       </a:r>
-                      <a:endParaRPr lang="ja-JP" altLang="en-US" sz="2000" b="1" i="0" u="none" strike="noStrike">
+                      <a:endParaRPr lang="ja-JP" altLang="en-US" sz="2400" b="1" i="0" u="none" strike="noStrike">
                         <a:solidFill>
                           <a:srgbClr val="000000"/>
                         </a:solidFill>
@@ -16766,14 +16742,14 @@
                     <a:p>
                       <a:pPr algn="ctr" fontAlgn="ctr"/>
                       <a:r>
-                        <a:rPr lang="en" sz="2000" u="none" strike="noStrike" dirty="0">
+                        <a:rPr lang="en" sz="2400" u="none" strike="noStrike" dirty="0">
                           <a:effectLst/>
                           <a:latin typeface="+mn-ea"/>
                           <a:ea typeface="+mn-ea"/>
                         </a:rPr>
                         <a:t>128GB</a:t>
                       </a:r>
-                      <a:endParaRPr lang="en" sz="2000" b="0" i="0" u="none" strike="noStrike" dirty="0">
+                      <a:endParaRPr lang="en" sz="2400" b="0" i="0" u="none" strike="noStrike" dirty="0">
                         <a:solidFill>
                           <a:srgbClr val="000000"/>
                         </a:solidFill>
@@ -16839,7 +16815,7 @@
                   </a:ext>
                 </a:extLst>
               </a:tr>
-              <a:tr h="2277297">
+              <a:tr h="2094878">
                 <a:tc>
                   <a:txBody>
                     <a:bodyPr/>
@@ -16847,12 +16823,12 @@
                     <a:p>
                       <a:pPr algn="ctr" fontAlgn="ctr"/>
                       <a:r>
-                        <a:rPr lang="ja-JP" altLang="en-US" sz="2000" b="1" u="none" strike="noStrike">
+                        <a:rPr lang="ja-JP" altLang="en-US" sz="2400" b="1" u="none" strike="noStrike">
                           <a:effectLst/>
                         </a:rPr>
                         <a:t>ストレージ</a:t>
                       </a:r>
-                      <a:endParaRPr lang="ja-JP" altLang="en-US" sz="2000" b="1" i="0" u="none" strike="noStrike">
+                      <a:endParaRPr lang="ja-JP" altLang="en-US" sz="2400" b="1" i="0" u="none" strike="noStrike">
                         <a:solidFill>
                           <a:srgbClr val="000000"/>
                         </a:solidFill>
@@ -16921,7 +16897,7 @@
                     <a:p>
                       <a:pPr algn="ctr" fontAlgn="ctr"/>
                       <a:r>
-                        <a:rPr lang="ja-JP" altLang="en-US" sz="2000" u="none" strike="noStrike">
+                        <a:rPr lang="ja-JP" altLang="en-US" sz="2400" u="none" strike="noStrike">
                           <a:effectLst/>
                           <a:latin typeface="+mn-ea"/>
                           <a:ea typeface="+mn-ea"/>
@@ -16929,7 +16905,7 @@
                         <a:t>モデル：</a:t>
                       </a:r>
                       <a:r>
-                        <a:rPr lang="en" sz="2000" u="none" strike="noStrike" dirty="0">
+                        <a:rPr lang="en" sz="2400" u="none" strike="noStrike" dirty="0">
                           <a:effectLst/>
                           <a:latin typeface="+mn-ea"/>
                           <a:ea typeface="+mn-ea"/>
@@ -16937,7 +16913,7 @@
                         <a:t>ATA SAMSUNG MZ7LM240 (</a:t>
                       </a:r>
                       <a:r>
-                        <a:rPr lang="en" sz="2000" u="none" strike="noStrike" dirty="0" err="1">
+                        <a:rPr lang="en" sz="2400" u="none" strike="noStrike" dirty="0" err="1">
                           <a:effectLst/>
                           <a:latin typeface="+mn-ea"/>
                           <a:ea typeface="+mn-ea"/>
@@ -16945,7 +16921,7 @@
                         <a:t>scsi</a:t>
                       </a:r>
                       <a:r>
-                        <a:rPr lang="en" sz="2000" u="none" strike="noStrike" dirty="0">
+                        <a:rPr lang="en" sz="2400" u="none" strike="noStrike" dirty="0">
                           <a:effectLst/>
                           <a:latin typeface="+mn-ea"/>
                           <a:ea typeface="+mn-ea"/>
@@ -16953,14 +16929,14 @@
                         <a:t>)</a:t>
                       </a:r>
                       <a:br>
-                        <a:rPr lang="en" sz="2000" u="none" strike="noStrike" dirty="0">
+                        <a:rPr lang="en" sz="2400" u="none" strike="noStrike" dirty="0">
                           <a:effectLst/>
                           <a:latin typeface="+mn-ea"/>
                           <a:ea typeface="+mn-ea"/>
                         </a:rPr>
                       </a:br>
                       <a:r>
-                        <a:rPr lang="ja-JP" altLang="en-US" sz="2000" u="none" strike="noStrike">
+                        <a:rPr lang="ja-JP" altLang="en-US" sz="2400" u="none" strike="noStrike">
                           <a:effectLst/>
                           <a:latin typeface="+mn-ea"/>
                           <a:ea typeface="+mn-ea"/>
@@ -16968,7 +16944,7 @@
                         <a:t>ハードディスク </a:t>
                       </a:r>
                       <a:r>
-                        <a:rPr lang="en-US" altLang="ja-JP" sz="2000" u="none" strike="noStrike" dirty="0">
+                        <a:rPr lang="en-US" altLang="ja-JP" sz="2400" u="none" strike="noStrike" dirty="0">
                           <a:effectLst/>
                           <a:latin typeface="+mn-ea"/>
                           <a:ea typeface="+mn-ea"/>
@@ -16976,7 +16952,7 @@
                         <a:t>/</a:t>
                       </a:r>
                       <a:r>
-                        <a:rPr lang="en" sz="2000" u="none" strike="noStrike" dirty="0">
+                        <a:rPr lang="en" sz="2400" u="none" strike="noStrike" dirty="0">
                           <a:effectLst/>
                           <a:latin typeface="+mn-ea"/>
                           <a:ea typeface="+mn-ea"/>
@@ -16984,7 +16960,7 @@
                         <a:t>dev/</a:t>
                       </a:r>
                       <a:r>
-                        <a:rPr lang="en" sz="2000" u="none" strike="noStrike" dirty="0" err="1">
+                        <a:rPr lang="en" sz="2400" u="none" strike="noStrike" dirty="0" err="1">
                           <a:effectLst/>
                           <a:latin typeface="+mn-ea"/>
                           <a:ea typeface="+mn-ea"/>
@@ -16992,7 +16968,7 @@
                         <a:t>sda</a:t>
                       </a:r>
                       <a:r>
-                        <a:rPr lang="en" sz="2000" u="none" strike="noStrike" dirty="0">
+                        <a:rPr lang="en" sz="2400" u="none" strike="noStrike" dirty="0">
                           <a:effectLst/>
                           <a:latin typeface="+mn-ea"/>
                           <a:ea typeface="+mn-ea"/>
@@ -17000,14 +16976,14 @@
                         <a:t>: 240GB</a:t>
                       </a:r>
                       <a:br>
-                        <a:rPr lang="en" sz="2000" u="none" strike="noStrike" dirty="0">
+                        <a:rPr lang="en" sz="2400" u="none" strike="noStrike" dirty="0">
                           <a:effectLst/>
                           <a:latin typeface="+mn-ea"/>
                           <a:ea typeface="+mn-ea"/>
                         </a:rPr>
                       </a:br>
                       <a:r>
-                        <a:rPr lang="ja-JP" altLang="en-US" sz="2000" u="none" strike="noStrike">
+                        <a:rPr lang="ja-JP" altLang="en-US" sz="2400" u="none" strike="noStrike">
                           <a:effectLst/>
                           <a:latin typeface="+mn-ea"/>
                           <a:ea typeface="+mn-ea"/>
@@ -17015,7 +16991,7 @@
                         <a:t>セクタサイズ </a:t>
                       </a:r>
                       <a:r>
-                        <a:rPr lang="en-US" altLang="ja-JP" sz="2000" u="none" strike="noStrike" dirty="0">
+                        <a:rPr lang="en-US" altLang="ja-JP" sz="2400" u="none" strike="noStrike" dirty="0">
                           <a:effectLst/>
                           <a:latin typeface="+mn-ea"/>
                           <a:ea typeface="+mn-ea"/>
@@ -17023,7 +16999,7 @@
                         <a:t>(</a:t>
                       </a:r>
                       <a:r>
-                        <a:rPr lang="ja-JP" altLang="en-US" sz="2000" u="none" strike="noStrike">
+                        <a:rPr lang="ja-JP" altLang="en-US" sz="2400" u="none" strike="noStrike">
                           <a:effectLst/>
                           <a:latin typeface="+mn-ea"/>
                           <a:ea typeface="+mn-ea"/>
@@ -17031,7 +17007,7 @@
                         <a:t>論理</a:t>
                       </a:r>
                       <a:r>
-                        <a:rPr lang="en-US" altLang="ja-JP" sz="2000" u="none" strike="noStrike" dirty="0">
+                        <a:rPr lang="en-US" altLang="ja-JP" sz="2400" u="none" strike="noStrike" dirty="0">
                           <a:effectLst/>
                           <a:latin typeface="+mn-ea"/>
                           <a:ea typeface="+mn-ea"/>
@@ -17039,7 +17015,7 @@
                         <a:t>/</a:t>
                       </a:r>
                       <a:r>
-                        <a:rPr lang="ja-JP" altLang="en-US" sz="2000" u="none" strike="noStrike">
+                        <a:rPr lang="ja-JP" altLang="en-US" sz="2400" u="none" strike="noStrike">
                           <a:effectLst/>
                           <a:latin typeface="+mn-ea"/>
                           <a:ea typeface="+mn-ea"/>
@@ -17047,7 +17023,7 @@
                         <a:t>物理</a:t>
                       </a:r>
                       <a:r>
-                        <a:rPr lang="en-US" altLang="ja-JP" sz="2000" u="none" strike="noStrike" dirty="0">
+                        <a:rPr lang="en-US" altLang="ja-JP" sz="2400" u="none" strike="noStrike" dirty="0">
                           <a:effectLst/>
                           <a:latin typeface="+mn-ea"/>
                           <a:ea typeface="+mn-ea"/>
@@ -17055,25 +17031,22 @@
                         <a:t>): 512</a:t>
                       </a:r>
                       <a:r>
-                        <a:rPr lang="en" sz="2000" u="none" strike="noStrike" dirty="0">
+                        <a:rPr lang="en" sz="2400" u="none" strike="noStrike" dirty="0">
                           <a:effectLst/>
                           <a:latin typeface="+mn-ea"/>
                           <a:ea typeface="+mn-ea"/>
                         </a:rPr>
                         <a:t>B/512B</a:t>
                       </a:r>
-                    </a:p>
-                    <a:p>
-                      <a:pPr algn="ctr" fontAlgn="ctr"/>
                       <a:br>
-                        <a:rPr lang="en" sz="2000" u="none" strike="noStrike" dirty="0">
+                        <a:rPr lang="en" sz="2400" u="none" strike="noStrike" dirty="0">
                           <a:effectLst/>
                           <a:latin typeface="+mn-ea"/>
                           <a:ea typeface="+mn-ea"/>
                         </a:rPr>
                       </a:br>
                       <a:r>
-                        <a:rPr lang="ja-JP" altLang="en-US" sz="2000" u="none" strike="noStrike">
+                        <a:rPr lang="ja-JP" altLang="en-US" sz="2400" u="none" strike="noStrike">
                           <a:effectLst/>
                           <a:latin typeface="+mn-ea"/>
                           <a:ea typeface="+mn-ea"/>
@@ -17081,7 +17054,7 @@
                         <a:t>モデル</a:t>
                       </a:r>
                       <a:r>
-                        <a:rPr lang="en-US" altLang="ja-JP" sz="2000" u="none" strike="noStrike" dirty="0">
+                        <a:rPr lang="en-US" altLang="ja-JP" sz="2400" u="none" strike="noStrike" dirty="0">
                           <a:effectLst/>
                           <a:latin typeface="+mn-ea"/>
                           <a:ea typeface="+mn-ea"/>
@@ -17089,7 +17062,7 @@
                         <a:t>: </a:t>
                       </a:r>
                       <a:r>
-                        <a:rPr lang="en" sz="2000" u="none" strike="noStrike" dirty="0">
+                        <a:rPr lang="en" sz="2400" u="none" strike="noStrike" dirty="0">
                           <a:effectLst/>
                           <a:latin typeface="+mn-ea"/>
                           <a:ea typeface="+mn-ea"/>
@@ -17097,7 +17070,7 @@
                         <a:t>ATA SAMSUNG MZ7LM240 (</a:t>
                       </a:r>
                       <a:r>
-                        <a:rPr lang="en" sz="2000" u="none" strike="noStrike" dirty="0" err="1">
+                        <a:rPr lang="en" sz="2400" u="none" strike="noStrike" dirty="0" err="1">
                           <a:effectLst/>
                           <a:latin typeface="+mn-ea"/>
                           <a:ea typeface="+mn-ea"/>
@@ -17105,7 +17078,7 @@
                         <a:t>scsi</a:t>
                       </a:r>
                       <a:r>
-                        <a:rPr lang="en" sz="2000" u="none" strike="noStrike" dirty="0">
+                        <a:rPr lang="en" sz="2400" u="none" strike="noStrike" dirty="0">
                           <a:effectLst/>
                           <a:latin typeface="+mn-ea"/>
                           <a:ea typeface="+mn-ea"/>
@@ -17113,14 +17086,14 @@
                         <a:t>)</a:t>
                       </a:r>
                       <a:br>
-                        <a:rPr lang="en" sz="2000" u="none" strike="noStrike" dirty="0">
+                        <a:rPr lang="en" sz="2400" u="none" strike="noStrike" dirty="0">
                           <a:effectLst/>
                           <a:latin typeface="+mn-ea"/>
                           <a:ea typeface="+mn-ea"/>
                         </a:rPr>
                       </a:br>
                       <a:r>
-                        <a:rPr lang="ja-JP" altLang="en-US" sz="2000" u="none" strike="noStrike">
+                        <a:rPr lang="ja-JP" altLang="en-US" sz="2400" u="none" strike="noStrike">
                           <a:effectLst/>
                           <a:latin typeface="+mn-ea"/>
                           <a:ea typeface="+mn-ea"/>
@@ -17128,7 +17101,7 @@
                         <a:t>ディスク </a:t>
                       </a:r>
                       <a:r>
-                        <a:rPr lang="en-US" altLang="ja-JP" sz="2000" u="none" strike="noStrike" dirty="0">
+                        <a:rPr lang="en-US" altLang="ja-JP" sz="2400" u="none" strike="noStrike" dirty="0">
                           <a:effectLst/>
                           <a:latin typeface="+mn-ea"/>
                           <a:ea typeface="+mn-ea"/>
@@ -17136,7 +17109,7 @@
                         <a:t>/</a:t>
                       </a:r>
                       <a:r>
-                        <a:rPr lang="en" sz="2000" u="none" strike="noStrike" dirty="0">
+                        <a:rPr lang="en" sz="2400" u="none" strike="noStrike" dirty="0">
                           <a:effectLst/>
                           <a:latin typeface="+mn-ea"/>
                           <a:ea typeface="+mn-ea"/>
@@ -17144,7 +17117,7 @@
                         <a:t>dev/</a:t>
                       </a:r>
                       <a:r>
-                        <a:rPr lang="en" sz="2000" u="none" strike="noStrike" dirty="0" err="1">
+                        <a:rPr lang="en" sz="2400" u="none" strike="noStrike" dirty="0" err="1">
                           <a:effectLst/>
                           <a:latin typeface="+mn-ea"/>
                           <a:ea typeface="+mn-ea"/>
@@ -17152,7 +17125,7 @@
                         <a:t>sdb</a:t>
                       </a:r>
                       <a:r>
-                        <a:rPr lang="en" sz="2000" u="none" strike="noStrike" dirty="0">
+                        <a:rPr lang="en" sz="2400" u="none" strike="noStrike" dirty="0">
                           <a:effectLst/>
                           <a:latin typeface="+mn-ea"/>
                           <a:ea typeface="+mn-ea"/>
@@ -17160,14 +17133,14 @@
                         <a:t>: 240GB</a:t>
                       </a:r>
                       <a:br>
-                        <a:rPr lang="en" sz="2000" u="none" strike="noStrike" dirty="0">
+                        <a:rPr lang="en" sz="2400" u="none" strike="noStrike" dirty="0">
                           <a:effectLst/>
                           <a:latin typeface="+mn-ea"/>
                           <a:ea typeface="+mn-ea"/>
                         </a:rPr>
                       </a:br>
                       <a:r>
-                        <a:rPr lang="ja-JP" altLang="en-US" sz="2000" u="none" strike="noStrike">
+                        <a:rPr lang="ja-JP" altLang="en-US" sz="2400" u="none" strike="noStrike">
                           <a:effectLst/>
                           <a:latin typeface="+mn-ea"/>
                           <a:ea typeface="+mn-ea"/>
@@ -17175,7 +17148,7 @@
                         <a:t>セクタサイズ </a:t>
                       </a:r>
                       <a:r>
-                        <a:rPr lang="en-US" altLang="ja-JP" sz="2000" u="none" strike="noStrike" dirty="0">
+                        <a:rPr lang="en-US" altLang="ja-JP" sz="2400" u="none" strike="noStrike" dirty="0">
                           <a:effectLst/>
                           <a:latin typeface="+mn-ea"/>
                           <a:ea typeface="+mn-ea"/>
@@ -17183,7 +17156,7 @@
                         <a:t>(</a:t>
                       </a:r>
                       <a:r>
-                        <a:rPr lang="ja-JP" altLang="en-US" sz="2000" u="none" strike="noStrike">
+                        <a:rPr lang="ja-JP" altLang="en-US" sz="2400" u="none" strike="noStrike">
                           <a:effectLst/>
                           <a:latin typeface="+mn-ea"/>
                           <a:ea typeface="+mn-ea"/>
@@ -17191,7 +17164,7 @@
                         <a:t>論理</a:t>
                       </a:r>
                       <a:r>
-                        <a:rPr lang="en-US" altLang="ja-JP" sz="2000" u="none" strike="noStrike" dirty="0">
+                        <a:rPr lang="en-US" altLang="ja-JP" sz="2400" u="none" strike="noStrike" dirty="0">
                           <a:effectLst/>
                           <a:latin typeface="+mn-ea"/>
                           <a:ea typeface="+mn-ea"/>
@@ -17199,7 +17172,7 @@
                         <a:t>/</a:t>
                       </a:r>
                       <a:r>
-                        <a:rPr lang="ja-JP" altLang="en-US" sz="2000" u="none" strike="noStrike">
+                        <a:rPr lang="ja-JP" altLang="en-US" sz="2400" u="none" strike="noStrike">
                           <a:effectLst/>
                           <a:latin typeface="+mn-ea"/>
                           <a:ea typeface="+mn-ea"/>
@@ -17207,7 +17180,7 @@
                         <a:t>物理</a:t>
                       </a:r>
                       <a:r>
-                        <a:rPr lang="en-US" altLang="ja-JP" sz="2000" u="none" strike="noStrike" dirty="0">
+                        <a:rPr lang="en-US" altLang="ja-JP" sz="2400" u="none" strike="noStrike" dirty="0">
                           <a:effectLst/>
                           <a:latin typeface="+mn-ea"/>
                           <a:ea typeface="+mn-ea"/>
@@ -17215,14 +17188,14 @@
                         <a:t>): 512</a:t>
                       </a:r>
                       <a:r>
-                        <a:rPr lang="en" sz="2000" u="none" strike="noStrike" dirty="0">
+                        <a:rPr lang="en" sz="2400" u="none" strike="noStrike" dirty="0">
                           <a:effectLst/>
                           <a:latin typeface="+mn-ea"/>
                           <a:ea typeface="+mn-ea"/>
                         </a:rPr>
                         <a:t>B/512B</a:t>
                       </a:r>
-                      <a:endParaRPr lang="en" sz="2000" b="0" i="0" u="none" strike="noStrike" dirty="0">
+                      <a:endParaRPr lang="en" sz="2400" b="0" i="0" u="none" strike="noStrike" dirty="0">
                         <a:solidFill>
                           <a:srgbClr val="000000"/>
                         </a:solidFill>
@@ -17296,12 +17269,12 @@
                     <a:p>
                       <a:pPr algn="ctr" fontAlgn="ctr"/>
                       <a:r>
-                        <a:rPr lang="ja-JP" altLang="en-US" sz="2000" b="1" u="none" strike="noStrike">
+                        <a:rPr lang="ja-JP" altLang="en-US" sz="2400" b="1" u="none" strike="noStrike">
                           <a:effectLst/>
                         </a:rPr>
                         <a:t>ネットワーク</a:t>
                       </a:r>
-                      <a:endParaRPr lang="ja-JP" altLang="en-US" sz="2000" b="1" i="0" u="none" strike="noStrike">
+                      <a:endParaRPr lang="ja-JP" altLang="en-US" sz="2400" b="1" i="0" u="none" strike="noStrike">
                         <a:solidFill>
                           <a:srgbClr val="000000"/>
                         </a:solidFill>
@@ -17370,7 +17343,7 @@
                     <a:p>
                       <a:pPr algn="ctr" fontAlgn="ctr"/>
                       <a:r>
-                        <a:rPr lang="en" sz="2000" u="none" strike="noStrike" dirty="0">
+                        <a:rPr lang="en" sz="2400" u="none" strike="noStrike" dirty="0">
                           <a:effectLst/>
                           <a:latin typeface="+mn-ea"/>
                           <a:ea typeface="+mn-ea"/>
@@ -17378,14 +17351,14 @@
                         <a:t>Dual LAN </a:t>
                       </a:r>
                       <a:br>
-                        <a:rPr lang="en" sz="2000" u="none" strike="noStrike" dirty="0">
+                        <a:rPr lang="en" sz="2400" u="none" strike="noStrike" dirty="0">
                           <a:effectLst/>
                           <a:latin typeface="+mn-ea"/>
                           <a:ea typeface="+mn-ea"/>
                         </a:rPr>
                       </a:br>
                       <a:r>
-                        <a:rPr lang="ja-JP" altLang="en-US" sz="2000" u="none" strike="noStrike">
+                        <a:rPr lang="ja-JP" altLang="en-US" sz="2400" u="none" strike="noStrike">
                           <a:effectLst/>
                           <a:latin typeface="+mn-ea"/>
                           <a:ea typeface="+mn-ea"/>
@@ -17393,7 +17366,7 @@
                         <a:t>メーカー：</a:t>
                       </a:r>
                       <a:r>
-                        <a:rPr lang="en" sz="2000" u="none" strike="noStrike" dirty="0">
+                        <a:rPr lang="en" sz="2400" u="none" strike="noStrike" dirty="0">
                           <a:effectLst/>
                           <a:latin typeface="+mn-ea"/>
                           <a:ea typeface="+mn-ea"/>
@@ -17401,14 +17374,14 @@
                         <a:t>Intel Corporation</a:t>
                       </a:r>
                       <a:br>
-                        <a:rPr lang="en" sz="2000" u="none" strike="noStrike" dirty="0">
+                        <a:rPr lang="en" sz="2400" u="none" strike="noStrike" dirty="0">
                           <a:effectLst/>
                           <a:latin typeface="+mn-ea"/>
                           <a:ea typeface="+mn-ea"/>
                         </a:rPr>
                       </a:br>
                       <a:r>
-                        <a:rPr lang="ja-JP" altLang="en-US" sz="2000" u="none" strike="noStrike">
+                        <a:rPr lang="ja-JP" altLang="en-US" sz="2400" u="none" strike="noStrike">
                           <a:effectLst/>
                           <a:latin typeface="+mn-ea"/>
                           <a:ea typeface="+mn-ea"/>
@@ -17416,7 +17389,7 @@
                         <a:t>型番：</a:t>
                       </a:r>
                       <a:r>
-                        <a:rPr lang="en" sz="2000" u="none" strike="noStrike" dirty="0">
+                        <a:rPr lang="en" sz="2400" u="none" strike="noStrike" dirty="0">
                           <a:effectLst/>
                           <a:latin typeface="+mn-ea"/>
                           <a:ea typeface="+mn-ea"/>
@@ -17424,14 +17397,14 @@
                         <a:t>X552/X557-AT</a:t>
                       </a:r>
                       <a:br>
-                        <a:rPr lang="en" sz="2000" u="none" strike="noStrike" dirty="0">
+                        <a:rPr lang="en" sz="2400" u="none" strike="noStrike" dirty="0">
                           <a:effectLst/>
                           <a:latin typeface="+mn-ea"/>
                           <a:ea typeface="+mn-ea"/>
                         </a:rPr>
                       </a:br>
                       <a:r>
-                        <a:rPr lang="ja-JP" altLang="en-US" sz="2000" u="none" strike="noStrike">
+                        <a:rPr lang="ja-JP" altLang="en-US" sz="2400" u="none" strike="noStrike">
                           <a:effectLst/>
                           <a:latin typeface="+mn-ea"/>
                           <a:ea typeface="+mn-ea"/>
@@ -17439,7 +17412,7 @@
                         <a:t>規格：</a:t>
                       </a:r>
                       <a:r>
-                        <a:rPr lang="en-US" altLang="ja-JP" sz="2000" u="none" strike="noStrike" dirty="0">
+                        <a:rPr lang="en-US" altLang="ja-JP" sz="2400" u="none" strike="noStrike" dirty="0">
                           <a:effectLst/>
                           <a:latin typeface="+mn-ea"/>
                           <a:ea typeface="+mn-ea"/>
@@ -17447,14 +17420,14 @@
                         <a:t>10</a:t>
                       </a:r>
                       <a:r>
-                        <a:rPr lang="en" sz="2000" u="none" strike="noStrike" dirty="0">
+                        <a:rPr lang="en" sz="2400" u="none" strike="noStrike" dirty="0">
                           <a:effectLst/>
                           <a:latin typeface="+mn-ea"/>
                           <a:ea typeface="+mn-ea"/>
                         </a:rPr>
                         <a:t>GBASE-T</a:t>
                       </a:r>
-                      <a:endParaRPr lang="en" sz="2000" b="0" i="0" u="none" strike="noStrike" dirty="0">
+                      <a:endParaRPr lang="en" sz="2400" b="0" i="0" u="none" strike="noStrike" dirty="0">
                         <a:solidFill>
                           <a:srgbClr val="000000"/>
                         </a:solidFill>
@@ -17569,7 +17542,7 @@
           <p:nvPr>
             <p:extLst>
               <p:ext uri="{D42A27DB-BD31-4B8C-83A1-F6EECF244321}">
-                <p14:modId xmlns:p14="http://schemas.microsoft.com/office/powerpoint/2010/main" val="2091255626"/>
+                <p14:modId xmlns:p14="http://schemas.microsoft.com/office/powerpoint/2010/main" val="3511245636"/>
               </p:ext>
             </p:extLst>
           </p:nvPr>
@@ -17608,7 +17581,7 @@
                     <a:p>
                       <a:pPr algn="ctr" fontAlgn="ctr"/>
                       <a:r>
-                        <a:rPr lang="ja-JP" altLang="en-US" sz="2000" b="1" i="0" u="none" strike="noStrike">
+                        <a:rPr lang="ja-JP" altLang="en-US" sz="2400" b="1" i="0" u="none" strike="noStrike">
                           <a:solidFill>
                             <a:srgbClr val="000000"/>
                           </a:solidFill>
@@ -17671,7 +17644,7 @@
                     <a:p>
                       <a:pPr algn="ctr" fontAlgn="ctr"/>
                       <a:r>
-                        <a:rPr lang="en" sz="2000" b="0" i="0" u="none" strike="noStrike" dirty="0">
+                        <a:rPr lang="en" sz="2400" b="0" i="0" u="none" strike="noStrike" dirty="0">
                           <a:solidFill>
                             <a:srgbClr val="000000"/>
                           </a:solidFill>
@@ -17682,7 +17655,7 @@
                         <a:t>FX</a:t>
                       </a:r>
                       <a:r>
-                        <a:rPr lang="en-US" altLang="ja-JP" sz="2000" b="0" i="0" u="none" strike="noStrike" dirty="0">
+                        <a:rPr lang="en-US" altLang="ja-JP" sz="2400" b="0" i="0" u="none" strike="noStrike" dirty="0">
                           <a:solidFill>
                             <a:srgbClr val="000000"/>
                           </a:solidFill>
@@ -17693,7 +17666,7 @@
                         <a:t>C</a:t>
                       </a:r>
                       <a:r>
-                        <a:rPr lang="ja-JP" altLang="en-US" sz="2000" b="0" i="0" u="none" strike="noStrike">
+                        <a:rPr lang="ja-JP" altLang="en-US" sz="2400" b="0" i="0" u="none" strike="noStrike">
                           <a:solidFill>
                             <a:srgbClr val="000000"/>
                           </a:solidFill>
@@ -17703,7 +17676,7 @@
                         </a:rPr>
                         <a:t>株式会社</a:t>
                       </a:r>
-                      <a:endParaRPr lang="en" sz="2000" b="0" i="0" u="none" strike="noStrike" dirty="0">
+                      <a:endParaRPr lang="en" sz="2400" b="0" i="0" u="none" strike="noStrike" dirty="0">
                         <a:solidFill>
                           <a:srgbClr val="000000"/>
                         </a:solidFill>
@@ -17769,14 +17742,14 @@
                     <a:p>
                       <a:pPr algn="ctr" fontAlgn="ctr"/>
                       <a:r>
-                        <a:rPr lang="ja-JP" altLang="en-US" sz="2000" b="1" u="none" strike="noStrike">
+                        <a:rPr lang="ja-JP" altLang="en-US" sz="2400" b="1" u="none" strike="noStrike">
                           <a:effectLst/>
                           <a:latin typeface="+mn-ea"/>
                           <a:ea typeface="+mn-ea"/>
                         </a:rPr>
                         <a:t>製品型番</a:t>
                       </a:r>
-                      <a:endParaRPr lang="ja-JP" altLang="en-US" sz="2000" b="1" i="0" u="none" strike="noStrike">
+                      <a:endParaRPr lang="ja-JP" altLang="en-US" sz="2400" b="1" i="0" u="none" strike="noStrike">
                         <a:solidFill>
                           <a:srgbClr val="000000"/>
                         </a:solidFill>
@@ -17837,14 +17810,14 @@
                     <a:p>
                       <a:pPr algn="ctr" fontAlgn="ctr"/>
                       <a:r>
-                        <a:rPr lang="en" sz="2000" u="none" strike="noStrike" dirty="0">
+                        <a:rPr lang="en" sz="2400" u="none" strike="noStrike" dirty="0">
                           <a:effectLst/>
                           <a:latin typeface="+mn-ea"/>
                           <a:ea typeface="+mn-ea"/>
                         </a:rPr>
                         <a:t>FXC5210</a:t>
                       </a:r>
-                      <a:endParaRPr lang="en" sz="2000" b="0" i="0" u="none" strike="noStrike" dirty="0">
+                      <a:endParaRPr lang="en" sz="2400" b="0" i="0" u="none" strike="noStrike" dirty="0">
                         <a:solidFill>
                           <a:srgbClr val="000000"/>
                         </a:solidFill>
@@ -17910,14 +17883,14 @@
                     <a:p>
                       <a:pPr algn="ctr" fontAlgn="ctr"/>
                       <a:r>
-                        <a:rPr lang="ja-JP" altLang="en-US" sz="2000" b="1" u="none" strike="noStrike">
+                        <a:rPr lang="ja-JP" altLang="en-US" sz="2400" b="1" u="none" strike="noStrike">
                           <a:effectLst/>
                           <a:latin typeface="+mn-ea"/>
                           <a:ea typeface="+mn-ea"/>
                         </a:rPr>
                         <a:t>データ転送速度</a:t>
                       </a:r>
-                      <a:endParaRPr lang="ja-JP" altLang="en-US" sz="2000" b="1" i="0" u="none" strike="noStrike">
+                      <a:endParaRPr lang="ja-JP" altLang="en-US" sz="2400" b="1" i="0" u="none" strike="noStrike">
                         <a:solidFill>
                           <a:srgbClr val="000000"/>
                         </a:solidFill>
@@ -17978,14 +17951,14 @@
                     <a:p>
                       <a:pPr algn="ctr" fontAlgn="ctr"/>
                       <a:r>
-                        <a:rPr lang="en" sz="2000" u="none" strike="noStrike" dirty="0">
+                        <a:rPr lang="en" sz="2400" u="none" strike="noStrike" dirty="0">
                           <a:effectLst/>
                           <a:latin typeface="+mn-ea"/>
                           <a:ea typeface="+mn-ea"/>
                         </a:rPr>
                         <a:t>10/100/100Mbps(CSMA/CD)</a:t>
                       </a:r>
-                      <a:endParaRPr lang="en" sz="2000" b="0" i="0" u="none" strike="noStrike" dirty="0">
+                      <a:endParaRPr lang="en" sz="2400" b="0" i="0" u="none" strike="noStrike" dirty="0">
                         <a:solidFill>
                           <a:srgbClr val="000000"/>
                         </a:solidFill>
@@ -18051,7 +18024,7 @@
                     <a:p>
                       <a:pPr algn="ctr" fontAlgn="ctr"/>
                       <a:r>
-                        <a:rPr lang="ja-JP" altLang="en-US" sz="2000" b="1" u="none" strike="noStrike">
+                        <a:rPr lang="ja-JP" altLang="en-US" sz="2400" b="1" u="none" strike="noStrike">
                           <a:effectLst/>
                           <a:latin typeface="+mn-ea"/>
                           <a:ea typeface="+mn-ea"/>
@@ -18059,14 +18032,14 @@
                         <a:t>イーサネットポート</a:t>
                       </a:r>
                       <a:br>
-                        <a:rPr lang="ja-JP" altLang="en-US" sz="2000" b="1" u="none" strike="noStrike">
+                        <a:rPr lang="ja-JP" altLang="en-US" sz="2400" b="1" u="none" strike="noStrike">
                           <a:effectLst/>
                           <a:latin typeface="+mn-ea"/>
                           <a:ea typeface="+mn-ea"/>
                         </a:rPr>
                       </a:br>
                       <a:r>
-                        <a:rPr lang="en-US" altLang="ja-JP" sz="2000" b="1" u="none" strike="noStrike" dirty="0">
+                        <a:rPr lang="en-US" altLang="ja-JP" sz="2400" b="1" u="none" strike="noStrike" dirty="0">
                           <a:effectLst/>
                           <a:latin typeface="+mn-ea"/>
                           <a:ea typeface="+mn-ea"/>
@@ -18074,14 +18047,14 @@
                         <a:t>10</a:t>
                       </a:r>
                       <a:r>
-                        <a:rPr lang="en" sz="2000" b="1" u="none" strike="noStrike" dirty="0">
+                        <a:rPr lang="en" sz="2400" b="1" u="none" strike="noStrike" dirty="0">
                           <a:effectLst/>
                           <a:latin typeface="+mn-ea"/>
                           <a:ea typeface="+mn-ea"/>
                         </a:rPr>
                         <a:t>BASE-T / 100BASE-TX /1000BASE-T</a:t>
                       </a:r>
-                      <a:endParaRPr lang="en" sz="2000" b="1" i="0" u="none" strike="noStrike" dirty="0">
+                      <a:endParaRPr lang="en" sz="2400" b="1" i="0" u="none" strike="noStrike" dirty="0">
                         <a:solidFill>
                           <a:srgbClr val="000000"/>
                         </a:solidFill>
@@ -18142,7 +18115,7 @@
                     <a:p>
                       <a:pPr algn="ctr" fontAlgn="ctr"/>
                       <a:r>
-                        <a:rPr lang="en-US" altLang="ja-JP" sz="2000" u="none" strike="noStrike" dirty="0">
+                        <a:rPr lang="en-US" altLang="ja-JP" sz="2400" u="none" strike="noStrike" dirty="0">
                           <a:effectLst/>
                           <a:latin typeface="+mn-ea"/>
                           <a:ea typeface="+mn-ea"/>
@@ -18150,14 +18123,14 @@
                         <a:t>8</a:t>
                       </a:r>
                       <a:r>
-                        <a:rPr lang="ja-JP" altLang="en-US" sz="2000" u="none" strike="noStrike">
+                        <a:rPr lang="ja-JP" altLang="en-US" sz="2400" u="none" strike="noStrike">
                           <a:effectLst/>
                           <a:latin typeface="+mn-ea"/>
                           <a:ea typeface="+mn-ea"/>
                         </a:rPr>
                         <a:t>ポート</a:t>
                       </a:r>
-                      <a:endParaRPr lang="ja-JP" altLang="en-US" sz="2000" b="0" i="0" u="none" strike="noStrike">
+                      <a:endParaRPr lang="ja-JP" altLang="en-US" sz="2400" b="0" i="0" u="none" strike="noStrike">
                         <a:solidFill>
                           <a:srgbClr val="000000"/>
                         </a:solidFill>
@@ -18223,14 +18196,14 @@
                     <a:p>
                       <a:pPr algn="ctr" fontAlgn="ctr"/>
                       <a:r>
-                        <a:rPr lang="ja-JP" altLang="en-US" sz="2000" b="1" u="none" strike="noStrike">
+                        <a:rPr lang="ja-JP" altLang="en-US" sz="2400" b="1" u="none" strike="noStrike">
                           <a:effectLst/>
                           <a:latin typeface="+mn-ea"/>
                           <a:ea typeface="+mn-ea"/>
                         </a:rPr>
                         <a:t>総スループット</a:t>
                       </a:r>
-                      <a:endParaRPr lang="ja-JP" altLang="en-US" sz="2000" b="1" i="0" u="none" strike="noStrike">
+                      <a:endParaRPr lang="ja-JP" altLang="en-US" sz="2400" b="1" i="0" u="none" strike="noStrike">
                         <a:solidFill>
                           <a:srgbClr val="000000"/>
                         </a:solidFill>
@@ -18291,14 +18264,14 @@
                     <a:p>
                       <a:pPr algn="ctr" fontAlgn="ctr"/>
                       <a:r>
-                        <a:rPr lang="en" sz="2000" u="none" strike="noStrike" dirty="0">
+                        <a:rPr lang="en" sz="2400" u="none" strike="noStrike" dirty="0">
                           <a:effectLst/>
                           <a:latin typeface="+mn-ea"/>
                           <a:ea typeface="+mn-ea"/>
                         </a:rPr>
                         <a:t>14.8Mpps(64byte)</a:t>
                       </a:r>
-                      <a:endParaRPr lang="en" sz="2000" b="0" i="0" u="none" strike="noStrike" dirty="0">
+                      <a:endParaRPr lang="en" sz="2400" b="0" i="0" u="none" strike="noStrike" dirty="0">
                         <a:solidFill>
                           <a:srgbClr val="000000"/>
                         </a:solidFill>
@@ -18364,14 +18337,14 @@
                     <a:p>
                       <a:pPr algn="ctr" fontAlgn="ctr"/>
                       <a:r>
-                        <a:rPr lang="ja-JP" altLang="en-US" sz="2000" b="1" u="none" strike="noStrike">
+                        <a:rPr lang="ja-JP" altLang="en-US" sz="2400" b="1" u="none" strike="noStrike">
                           <a:effectLst/>
                           <a:latin typeface="+mn-ea"/>
                           <a:ea typeface="+mn-ea"/>
                         </a:rPr>
                         <a:t>総帯域幅</a:t>
                       </a:r>
-                      <a:endParaRPr lang="ja-JP" altLang="en-US" sz="2000" b="1" i="0" u="none" strike="noStrike">
+                      <a:endParaRPr lang="ja-JP" altLang="en-US" sz="2400" b="1" i="0" u="none" strike="noStrike">
                         <a:solidFill>
                           <a:srgbClr val="000000"/>
                         </a:solidFill>
@@ -18432,14 +18405,14 @@
                     <a:p>
                       <a:pPr algn="ctr" fontAlgn="ctr"/>
                       <a:r>
-                        <a:rPr lang="en" sz="2000" u="none" strike="noStrike" dirty="0">
+                        <a:rPr lang="en" sz="2400" u="none" strike="noStrike" dirty="0">
                           <a:effectLst/>
                           <a:latin typeface="+mn-ea"/>
                           <a:ea typeface="+mn-ea"/>
                         </a:rPr>
                         <a:t>20Gbps</a:t>
                       </a:r>
-                      <a:endParaRPr lang="en" sz="2000" b="0" i="0" u="none" strike="noStrike" dirty="0">
+                      <a:endParaRPr lang="en" sz="2400" b="0" i="0" u="none" strike="noStrike" dirty="0">
                         <a:solidFill>
                           <a:srgbClr val="000000"/>
                         </a:solidFill>
@@ -18505,7 +18478,7 @@
                     <a:p>
                       <a:pPr algn="ctr" fontAlgn="ctr"/>
                       <a:r>
-                        <a:rPr lang="en" sz="2000" b="1" u="none" strike="noStrike" dirty="0">
+                        <a:rPr lang="en" sz="2400" b="1" u="none" strike="noStrike" dirty="0">
                           <a:effectLst/>
                           <a:latin typeface="+mn-ea"/>
                           <a:ea typeface="+mn-ea"/>
@@ -18513,14 +18486,14 @@
                         <a:t>MAC</a:t>
                       </a:r>
                       <a:r>
-                        <a:rPr lang="ja-JP" altLang="en-US" sz="2000" b="1" u="none" strike="noStrike">
+                        <a:rPr lang="ja-JP" altLang="en-US" sz="2400" b="1" u="none" strike="noStrike">
                           <a:effectLst/>
                           <a:latin typeface="+mn-ea"/>
                           <a:ea typeface="+mn-ea"/>
                         </a:rPr>
                         <a:t>アドレス登録数</a:t>
                       </a:r>
-                      <a:endParaRPr lang="ja-JP" altLang="en-US" sz="2000" b="1" i="0" u="none" strike="noStrike">
+                      <a:endParaRPr lang="ja-JP" altLang="en-US" sz="2400" b="1" i="0" u="none" strike="noStrike">
                         <a:solidFill>
                           <a:srgbClr val="000000"/>
                         </a:solidFill>
@@ -18581,7 +18554,7 @@
                     <a:p>
                       <a:pPr algn="ctr" fontAlgn="ctr"/>
                       <a:r>
-                        <a:rPr lang="en-US" altLang="ja-JP" sz="2000" u="none" strike="noStrike" dirty="0">
+                        <a:rPr lang="en-US" altLang="ja-JP" sz="2400" u="none" strike="noStrike" dirty="0">
                           <a:effectLst/>
                           <a:latin typeface="+mn-ea"/>
                           <a:ea typeface="+mn-ea"/>
@@ -18589,14 +18562,14 @@
                         <a:t>8,000</a:t>
                       </a:r>
                       <a:r>
-                        <a:rPr lang="ja-JP" altLang="en-US" sz="2000" u="none" strike="noStrike">
+                        <a:rPr lang="ja-JP" altLang="en-US" sz="2400" u="none" strike="noStrike">
                           <a:effectLst/>
                           <a:latin typeface="+mn-ea"/>
                           <a:ea typeface="+mn-ea"/>
                         </a:rPr>
                         <a:t>個</a:t>
                       </a:r>
-                      <a:endParaRPr lang="ja-JP" altLang="en-US" sz="2000" b="0" i="0" u="none" strike="noStrike">
+                      <a:endParaRPr lang="ja-JP" altLang="en-US" sz="2400" b="0" i="0" u="none" strike="noStrike">
                         <a:solidFill>
                           <a:srgbClr val="000000"/>
                         </a:solidFill>

--- a/SUBTHEME/graphs/telework_list.pptx
+++ b/SUBTHEME/graphs/telework_list.pptx
@@ -12,6 +12,7 @@
     <p:sldId id="261" r:id="rId6"/>
     <p:sldId id="262" r:id="rId7"/>
     <p:sldId id="263" r:id="rId8"/>
+    <p:sldId id="264" r:id="rId9"/>
   </p:sldIdLst>
   <p:sldSz cx="12192000" cy="6858000"/>
   <p:notesSz cx="6858000" cy="9144000"/>
@@ -265,7 +266,7 @@
           <a:p>
             <a:fld id="{4CD497F8-9430-BC49-8D3A-D071BC4586DD}" type="datetimeFigureOut">
               <a:rPr kumimoji="1" lang="ja-JP" altLang="en-US" smtClean="0"/>
-              <a:t>2020/9/23</a:t>
+              <a:t>2020/9/30</a:t>
             </a:fld>
             <a:endParaRPr kumimoji="1" lang="ja-JP" altLang="en-US"/>
           </a:p>
@@ -470,7 +471,7 @@
           <a:p>
             <a:fld id="{4CD497F8-9430-BC49-8D3A-D071BC4586DD}" type="datetimeFigureOut">
               <a:rPr kumimoji="1" lang="ja-JP" altLang="en-US" smtClean="0"/>
-              <a:t>2020/9/23</a:t>
+              <a:t>2020/9/30</a:t>
             </a:fld>
             <a:endParaRPr kumimoji="1" lang="ja-JP" altLang="en-US"/>
           </a:p>
@@ -685,7 +686,7 @@
           <a:p>
             <a:fld id="{4CD497F8-9430-BC49-8D3A-D071BC4586DD}" type="datetimeFigureOut">
               <a:rPr kumimoji="1" lang="ja-JP" altLang="en-US" smtClean="0"/>
-              <a:t>2020/9/23</a:t>
+              <a:t>2020/9/30</a:t>
             </a:fld>
             <a:endParaRPr kumimoji="1" lang="ja-JP" altLang="en-US"/>
           </a:p>
@@ -890,7 +891,7 @@
           <a:p>
             <a:fld id="{4CD497F8-9430-BC49-8D3A-D071BC4586DD}" type="datetimeFigureOut">
               <a:rPr kumimoji="1" lang="ja-JP" altLang="en-US" smtClean="0"/>
-              <a:t>2020/9/23</a:t>
+              <a:t>2020/9/30</a:t>
             </a:fld>
             <a:endParaRPr kumimoji="1" lang="ja-JP" altLang="en-US"/>
           </a:p>
@@ -1200,7 +1201,7 @@
           <a:p>
             <a:fld id="{4CD497F8-9430-BC49-8D3A-D071BC4586DD}" type="datetimeFigureOut">
               <a:rPr kumimoji="1" lang="ja-JP" altLang="en-US" smtClean="0"/>
-              <a:t>2020/9/23</a:t>
+              <a:t>2020/9/30</a:t>
             </a:fld>
             <a:endParaRPr kumimoji="1" lang="ja-JP" altLang="en-US"/>
           </a:p>
@@ -1479,7 +1480,7 @@
           <a:p>
             <a:fld id="{4CD497F8-9430-BC49-8D3A-D071BC4586DD}" type="datetimeFigureOut">
               <a:rPr kumimoji="1" lang="ja-JP" altLang="en-US" smtClean="0"/>
-              <a:t>2020/9/23</a:t>
+              <a:t>2020/9/30</a:t>
             </a:fld>
             <a:endParaRPr kumimoji="1" lang="ja-JP" altLang="en-US"/>
           </a:p>
@@ -1975,7 +1976,7 @@
           <a:p>
             <a:fld id="{4CD497F8-9430-BC49-8D3A-D071BC4586DD}" type="datetimeFigureOut">
               <a:rPr kumimoji="1" lang="ja-JP" altLang="en-US" smtClean="0"/>
-              <a:t>2020/9/23</a:t>
+              <a:t>2020/9/30</a:t>
             </a:fld>
             <a:endParaRPr kumimoji="1" lang="ja-JP" altLang="en-US"/>
           </a:p>
@@ -2116,7 +2117,7 @@
           <a:p>
             <a:fld id="{4CD497F8-9430-BC49-8D3A-D071BC4586DD}" type="datetimeFigureOut">
               <a:rPr kumimoji="1" lang="ja-JP" altLang="en-US" smtClean="0"/>
-              <a:t>2020/9/23</a:t>
+              <a:t>2020/9/30</a:t>
             </a:fld>
             <a:endParaRPr kumimoji="1" lang="ja-JP" altLang="en-US"/>
           </a:p>
@@ -2229,7 +2230,7 @@
           <a:p>
             <a:fld id="{4CD497F8-9430-BC49-8D3A-D071BC4586DD}" type="datetimeFigureOut">
               <a:rPr kumimoji="1" lang="ja-JP" altLang="en-US" smtClean="0"/>
-              <a:t>2020/9/23</a:t>
+              <a:t>2020/9/30</a:t>
             </a:fld>
             <a:endParaRPr kumimoji="1" lang="ja-JP" altLang="en-US"/>
           </a:p>
@@ -2582,7 +2583,7 @@
           <a:p>
             <a:fld id="{4CD497F8-9430-BC49-8D3A-D071BC4586DD}" type="datetimeFigureOut">
               <a:rPr kumimoji="1" lang="ja-JP" altLang="en-US" smtClean="0"/>
-              <a:t>2020/9/23</a:t>
+              <a:t>2020/9/30</a:t>
             </a:fld>
             <a:endParaRPr kumimoji="1" lang="ja-JP" altLang="en-US"/>
           </a:p>
@@ -2905,7 +2906,7 @@
           <a:p>
             <a:fld id="{4CD497F8-9430-BC49-8D3A-D071BC4586DD}" type="datetimeFigureOut">
               <a:rPr kumimoji="1" lang="ja-JP" altLang="en-US" smtClean="0"/>
-              <a:t>2020/9/23</a:t>
+              <a:t>2020/9/30</a:t>
             </a:fld>
             <a:endParaRPr kumimoji="1" lang="ja-JP" altLang="en-US"/>
           </a:p>
@@ -3153,7 +3154,7 @@
           <a:p>
             <a:fld id="{4CD497F8-9430-BC49-8D3A-D071BC4586DD}" type="datetimeFigureOut">
               <a:rPr kumimoji="1" lang="ja-JP" altLang="en-US" smtClean="0"/>
-              <a:t>2020/9/23</a:t>
+              <a:t>2020/9/30</a:t>
             </a:fld>
             <a:endParaRPr kumimoji="1" lang="ja-JP" altLang="en-US"/>
           </a:p>
@@ -15966,14 +15967,14 @@
           <p:nvPr>
             <p:extLst>
               <p:ext uri="{D42A27DB-BD31-4B8C-83A1-F6EECF244321}">
-                <p14:modId xmlns:p14="http://schemas.microsoft.com/office/powerpoint/2010/main" val="3369398808"/>
+                <p14:modId xmlns:p14="http://schemas.microsoft.com/office/powerpoint/2010/main" val="924771127"/>
               </p:ext>
             </p:extLst>
           </p:nvPr>
         </p:nvGraphicFramePr>
         <p:xfrm>
           <a:off x="129209" y="79304"/>
-          <a:ext cx="11728173" cy="6716511"/>
+          <a:ext cx="11728173" cy="6300522"/>
         </p:xfrm>
         <a:graphic>
           <a:graphicData uri="http://schemas.openxmlformats.org/drawingml/2006/table">
@@ -16083,7 +16084,7 @@
                     <a:bodyPr/>
                     <a:lstStyle/>
                     <a:p>
-                      <a:pPr algn="ctr" fontAlgn="ctr"/>
+                      <a:pPr algn="l" fontAlgn="ctr"/>
                       <a:r>
                         <a:rPr lang="en" sz="2400" u="none" strike="noStrike" dirty="0">
                           <a:effectLst/>
@@ -16244,7 +16245,7 @@
                     <a:bodyPr/>
                     <a:lstStyle/>
                     <a:p>
-                      <a:pPr algn="ctr" fontAlgn="ctr"/>
+                      <a:pPr algn="l" fontAlgn="ctr"/>
                       <a:r>
                         <a:rPr lang="en" sz="2400" u="none" strike="noStrike" dirty="0">
                           <a:effectLst/>
@@ -16399,7 +16400,7 @@
                     <a:bodyPr/>
                     <a:lstStyle/>
                     <a:p>
-                      <a:pPr algn="ctr" fontAlgn="ctr"/>
+                      <a:pPr algn="l" fontAlgn="ctr"/>
                       <a:r>
                         <a:rPr lang="en" sz="2400" u="none" strike="noStrike" dirty="0">
                           <a:effectLst/>
@@ -16407,6 +16408,130 @@
                           <a:ea typeface="+mn-ea"/>
                         </a:rPr>
                         <a:t>Intel(R) Xeon(R) CPU D-1541 @ 2.10GHz</a:t>
+                      </a:r>
+                    </a:p>
+                    <a:p>
+                      <a:pPr algn="l" fontAlgn="ctr"/>
+                      <a:r>
+                        <a:rPr lang="ja-JP" altLang="en-US" sz="2400" b="0" i="0" u="none" strike="noStrike">
+                          <a:solidFill>
+                            <a:srgbClr val="000000"/>
+                          </a:solidFill>
+                          <a:effectLst/>
+                          <a:latin typeface="+mn-ea"/>
+                          <a:ea typeface="+mn-ea"/>
+                        </a:rPr>
+                        <a:t>コア</a:t>
+                      </a:r>
+                      <a:r>
+                        <a:rPr lang="en-US" altLang="ja-JP" sz="2400" b="0" i="0" u="none" strike="noStrike" dirty="0">
+                          <a:solidFill>
+                            <a:srgbClr val="000000"/>
+                          </a:solidFill>
+                          <a:effectLst/>
+                          <a:latin typeface="+mn-ea"/>
+                          <a:ea typeface="+mn-ea"/>
+                        </a:rPr>
+                        <a:t> 8</a:t>
+                      </a:r>
+                      <a:r>
+                        <a:rPr lang="ja-JP" altLang="en-US" sz="2400" b="0" i="0" u="none" strike="noStrike">
+                          <a:solidFill>
+                            <a:srgbClr val="000000"/>
+                          </a:solidFill>
+                          <a:effectLst/>
+                          <a:latin typeface="+mn-ea"/>
+                          <a:ea typeface="+mn-ea"/>
+                        </a:rPr>
+                        <a:t>コ</a:t>
+                      </a:r>
+                      <a:r>
+                        <a:rPr lang="en-US" altLang="ja-JP" sz="2400" b="0" i="0" u="none" strike="noStrike" dirty="0">
+                          <a:solidFill>
+                            <a:srgbClr val="000000"/>
+                          </a:solidFill>
+                          <a:effectLst/>
+                          <a:latin typeface="+mn-ea"/>
+                          <a:ea typeface="+mn-ea"/>
+                        </a:rPr>
+                        <a:t>, </a:t>
+                      </a:r>
+                      <a:r>
+                        <a:rPr lang="ja-JP" altLang="en-US" sz="2400" b="0" i="0" u="none" strike="noStrike">
+                          <a:solidFill>
+                            <a:srgbClr val="000000"/>
+                          </a:solidFill>
+                          <a:effectLst/>
+                          <a:latin typeface="+mn-ea"/>
+                          <a:ea typeface="+mn-ea"/>
+                        </a:rPr>
+                        <a:t>スレッド</a:t>
+                      </a:r>
+                      <a:r>
+                        <a:rPr lang="en-US" altLang="ja-JP" sz="2400" b="0" i="0" u="none" strike="noStrike" dirty="0">
+                          <a:solidFill>
+                            <a:srgbClr val="000000"/>
+                          </a:solidFill>
+                          <a:effectLst/>
+                          <a:latin typeface="+mn-ea"/>
+                          <a:ea typeface="+mn-ea"/>
+                        </a:rPr>
+                        <a:t> 16</a:t>
+                      </a:r>
+                      <a:r>
+                        <a:rPr lang="ja-JP" altLang="en-US" sz="2400" b="0" i="0" u="none" strike="noStrike">
+                          <a:solidFill>
+                            <a:srgbClr val="000000"/>
+                          </a:solidFill>
+                          <a:effectLst/>
+                          <a:latin typeface="+mn-ea"/>
+                          <a:ea typeface="+mn-ea"/>
+                        </a:rPr>
+                        <a:t>コ</a:t>
+                      </a:r>
+                      <a:r>
+                        <a:rPr lang="en-US" altLang="ja-JP" sz="2400" b="0" i="0" u="none" strike="noStrike" dirty="0">
+                          <a:solidFill>
+                            <a:srgbClr val="000000"/>
+                          </a:solidFill>
+                          <a:effectLst/>
+                          <a:latin typeface="+mn-ea"/>
+                          <a:ea typeface="+mn-ea"/>
+                        </a:rPr>
+                        <a:t>, </a:t>
+                      </a:r>
+                      <a:r>
+                        <a:rPr lang="ja-JP" altLang="en-US" sz="2400" b="0" i="0" u="none" strike="noStrike">
+                          <a:solidFill>
+                            <a:srgbClr val="000000"/>
+                          </a:solidFill>
+                          <a:effectLst/>
+                          <a:latin typeface="+mn-ea"/>
+                          <a:ea typeface="+mn-ea"/>
+                        </a:rPr>
+                        <a:t>物理</a:t>
+                      </a:r>
+                      <a:r>
+                        <a:rPr lang="en-US" altLang="ja-JP" sz="2400" b="0" i="0" u="none" strike="noStrike" dirty="0">
+                          <a:solidFill>
+                            <a:srgbClr val="000000"/>
+                          </a:solidFill>
+                          <a:effectLst/>
+                          <a:latin typeface="+mn-ea"/>
+                          <a:ea typeface="+mn-ea"/>
+                        </a:rPr>
+                        <a:t>CPU 1</a:t>
+                      </a:r>
+                      <a:r>
+                        <a:rPr lang="ja-JP" altLang="en-US" sz="2400" b="0" i="0" u="none" strike="noStrike">
+                          <a:solidFill>
+                            <a:srgbClr val="000000"/>
+                          </a:solidFill>
+                          <a:effectLst/>
+                          <a:latin typeface="+mn-ea"/>
+                          <a:ea typeface="+mn-ea"/>
+                        </a:rPr>
+                        <a:t>コ</a:t>
                       </a:r>
                       <a:endParaRPr lang="en" sz="2400" b="0" i="0" u="none" strike="noStrike" dirty="0">
                         <a:solidFill>
@@ -16554,7 +16679,7 @@
                     <a:bodyPr/>
                     <a:lstStyle/>
                     <a:p>
-                      <a:pPr algn="ctr" fontAlgn="ctr"/>
+                      <a:pPr algn="l" fontAlgn="ctr"/>
                       <a:r>
                         <a:rPr lang="ja-JP" altLang="en-US" sz="2400" u="none" strike="noStrike">
                           <a:effectLst/>
@@ -16740,7 +16865,7 @@
                     <a:bodyPr/>
                     <a:lstStyle/>
                     <a:p>
-                      <a:pPr algn="ctr" fontAlgn="ctr"/>
+                      <a:pPr algn="l" fontAlgn="ctr"/>
                       <a:r>
                         <a:rPr lang="en" sz="2400" u="none" strike="noStrike" dirty="0">
                           <a:effectLst/>
@@ -16815,7 +16940,7 @@
                   </a:ext>
                 </a:extLst>
               </a:tr>
-              <a:tr h="2094878">
+              <a:tr h="1594179">
                 <a:tc>
                   <a:txBody>
                     <a:bodyPr/>
@@ -16895,7 +17020,7 @@
                     <a:bodyPr/>
                     <a:lstStyle/>
                     <a:p>
-                      <a:pPr algn="ctr" fontAlgn="ctr"/>
+                      <a:pPr algn="l" fontAlgn="ctr"/>
                       <a:r>
                         <a:rPr lang="ja-JP" altLang="en-US" sz="2400" u="none" strike="noStrike">
                           <a:effectLst/>
@@ -17038,164 +17163,21 @@
                         </a:rPr>
                         <a:t>B/512B</a:t>
                       </a:r>
-                      <a:br>
-                        <a:rPr lang="en" sz="2400" u="none" strike="noStrike" dirty="0">
+                    </a:p>
+                    <a:p>
+                      <a:pPr algn="l" fontAlgn="ctr"/>
+                      <a:r>
+                        <a:rPr lang="en-US" altLang="ja-JP" sz="2400" b="1" i="0" u="none" strike="noStrike" dirty="0">
+                          <a:solidFill>
+                            <a:srgbClr val="000000"/>
+                          </a:solidFill>
                           <a:effectLst/>
                           <a:latin typeface="+mn-ea"/>
                           <a:ea typeface="+mn-ea"/>
                         </a:rPr>
-                      </a:br>
-                      <a:r>
-                        <a:rPr lang="ja-JP" altLang="en-US" sz="2400" u="none" strike="noStrike">
-                          <a:effectLst/>
-                          <a:latin typeface="+mn-ea"/>
-                          <a:ea typeface="+mn-ea"/>
-                        </a:rPr>
-                        <a:t>モデル</a:t>
-                      </a:r>
-                      <a:r>
-                        <a:rPr lang="en-US" altLang="ja-JP" sz="2400" u="none" strike="noStrike" dirty="0">
-                          <a:effectLst/>
-                          <a:latin typeface="+mn-ea"/>
-                          <a:ea typeface="+mn-ea"/>
-                        </a:rPr>
-                        <a:t>: </a:t>
-                      </a:r>
-                      <a:r>
-                        <a:rPr lang="en" sz="2400" u="none" strike="noStrike" dirty="0">
-                          <a:effectLst/>
-                          <a:latin typeface="+mn-ea"/>
-                          <a:ea typeface="+mn-ea"/>
-                        </a:rPr>
-                        <a:t>ATA SAMSUNG MZ7LM240 (</a:t>
-                      </a:r>
-                      <a:r>
-                        <a:rPr lang="en" sz="2400" u="none" strike="noStrike" dirty="0" err="1">
-                          <a:effectLst/>
-                          <a:latin typeface="+mn-ea"/>
-                          <a:ea typeface="+mn-ea"/>
-                        </a:rPr>
-                        <a:t>scsi</a:t>
-                      </a:r>
-                      <a:r>
-                        <a:rPr lang="en" sz="2400" u="none" strike="noStrike" dirty="0">
-                          <a:effectLst/>
-                          <a:latin typeface="+mn-ea"/>
-                          <a:ea typeface="+mn-ea"/>
-                        </a:rPr>
-                        <a:t>)</a:t>
-                      </a:r>
-                      <a:br>
-                        <a:rPr lang="en" sz="2400" u="none" strike="noStrike" dirty="0">
-                          <a:effectLst/>
-                          <a:latin typeface="+mn-ea"/>
-                          <a:ea typeface="+mn-ea"/>
-                        </a:rPr>
-                      </a:br>
-                      <a:r>
-                        <a:rPr lang="ja-JP" altLang="en-US" sz="2400" u="none" strike="noStrike">
-                          <a:effectLst/>
-                          <a:latin typeface="+mn-ea"/>
-                          <a:ea typeface="+mn-ea"/>
-                        </a:rPr>
-                        <a:t>ディスク </a:t>
-                      </a:r>
-                      <a:r>
-                        <a:rPr lang="en-US" altLang="ja-JP" sz="2400" u="none" strike="noStrike" dirty="0">
-                          <a:effectLst/>
-                          <a:latin typeface="+mn-ea"/>
-                          <a:ea typeface="+mn-ea"/>
-                        </a:rPr>
-                        <a:t>/</a:t>
-                      </a:r>
-                      <a:r>
-                        <a:rPr lang="en" sz="2400" u="none" strike="noStrike" dirty="0">
-                          <a:effectLst/>
-                          <a:latin typeface="+mn-ea"/>
-                          <a:ea typeface="+mn-ea"/>
-                        </a:rPr>
-                        <a:t>dev/</a:t>
-                      </a:r>
-                      <a:r>
-                        <a:rPr lang="en" sz="2400" u="none" strike="noStrike" dirty="0" err="1">
-                          <a:effectLst/>
-                          <a:latin typeface="+mn-ea"/>
-                          <a:ea typeface="+mn-ea"/>
-                        </a:rPr>
-                        <a:t>sdb</a:t>
-                      </a:r>
-                      <a:r>
-                        <a:rPr lang="en" sz="2400" u="none" strike="noStrike" dirty="0">
-                          <a:effectLst/>
-                          <a:latin typeface="+mn-ea"/>
-                          <a:ea typeface="+mn-ea"/>
-                        </a:rPr>
-                        <a:t>: 240GB</a:t>
-                      </a:r>
-                      <a:br>
-                        <a:rPr lang="en" sz="2400" u="none" strike="noStrike" dirty="0">
-                          <a:effectLst/>
-                          <a:latin typeface="+mn-ea"/>
-                          <a:ea typeface="+mn-ea"/>
-                        </a:rPr>
-                      </a:br>
-                      <a:r>
-                        <a:rPr lang="ja-JP" altLang="en-US" sz="2400" u="none" strike="noStrike">
-                          <a:effectLst/>
-                          <a:latin typeface="+mn-ea"/>
-                          <a:ea typeface="+mn-ea"/>
-                        </a:rPr>
-                        <a:t>セクタサイズ </a:t>
-                      </a:r>
-                      <a:r>
-                        <a:rPr lang="en-US" altLang="ja-JP" sz="2400" u="none" strike="noStrike" dirty="0">
-                          <a:effectLst/>
-                          <a:latin typeface="+mn-ea"/>
-                          <a:ea typeface="+mn-ea"/>
-                        </a:rPr>
-                        <a:t>(</a:t>
-                      </a:r>
-                      <a:r>
-                        <a:rPr lang="ja-JP" altLang="en-US" sz="2400" u="none" strike="noStrike">
-                          <a:effectLst/>
-                          <a:latin typeface="+mn-ea"/>
-                          <a:ea typeface="+mn-ea"/>
-                        </a:rPr>
-                        <a:t>論理</a:t>
-                      </a:r>
-                      <a:r>
-                        <a:rPr lang="en-US" altLang="ja-JP" sz="2400" u="none" strike="noStrike" dirty="0">
-                          <a:effectLst/>
-                          <a:latin typeface="+mn-ea"/>
-                          <a:ea typeface="+mn-ea"/>
-                        </a:rPr>
-                        <a:t>/</a:t>
-                      </a:r>
-                      <a:r>
-                        <a:rPr lang="ja-JP" altLang="en-US" sz="2400" u="none" strike="noStrike">
-                          <a:effectLst/>
-                          <a:latin typeface="+mn-ea"/>
-                          <a:ea typeface="+mn-ea"/>
-                        </a:rPr>
-                        <a:t>物理</a:t>
-                      </a:r>
-                      <a:r>
-                        <a:rPr lang="en-US" altLang="ja-JP" sz="2400" u="none" strike="noStrike" dirty="0">
-                          <a:effectLst/>
-                          <a:latin typeface="+mn-ea"/>
-                          <a:ea typeface="+mn-ea"/>
-                        </a:rPr>
-                        <a:t>): 512</a:t>
-                      </a:r>
-                      <a:r>
-                        <a:rPr lang="en" sz="2400" u="none" strike="noStrike" dirty="0">
-                          <a:effectLst/>
-                          <a:latin typeface="+mn-ea"/>
-                          <a:ea typeface="+mn-ea"/>
-                        </a:rPr>
-                        <a:t>B/512B</a:t>
-                      </a:r>
-                      <a:endParaRPr lang="en" sz="2400" b="0" i="0" u="none" strike="noStrike" dirty="0">
+                        <a:t>×2</a:t>
+                      </a:r>
+                      <a:endParaRPr lang="en" sz="2400" b="1" i="0" u="none" strike="noStrike" dirty="0">
                         <a:solidFill>
                           <a:srgbClr val="000000"/>
                         </a:solidFill>
@@ -17341,91 +17323,120 @@
                     <a:bodyPr/>
                     <a:lstStyle/>
                     <a:p>
-                      <a:pPr algn="ctr" fontAlgn="ctr"/>
-                      <a:r>
-                        <a:rPr lang="en" sz="2400" u="none" strike="noStrike" dirty="0">
-                          <a:effectLst/>
-                          <a:latin typeface="+mn-ea"/>
+                      <a:pPr algn="l"/>
+                      <a:r>
+                        <a:rPr kumimoji="1" lang="ja-JP" altLang="en-US" sz="2400" b="0" i="0" u="none" strike="noStrike" kern="1200">
+                          <a:solidFill>
+                            <a:schemeClr val="dk1"/>
+                          </a:solidFill>
+                          <a:effectLst/>
+                          <a:latin typeface="+mn-lt"/>
                           <a:ea typeface="+mn-ea"/>
-                        </a:rPr>
-                        <a:t>Dual LAN </a:t>
-                      </a:r>
-                      <a:br>
-                        <a:rPr lang="en" sz="2400" u="none" strike="noStrike" dirty="0">
-                          <a:effectLst/>
-                          <a:latin typeface="+mn-ea"/>
+                          <a:cs typeface="+mn-cs"/>
+                        </a:rPr>
+                        <a:t>メーカー：</a:t>
+                      </a:r>
+                      <a:r>
+                        <a:rPr kumimoji="1" lang="en-US" altLang="ja-JP" sz="2400" b="0" i="0" u="none" strike="noStrike" kern="1200" dirty="0">
+                          <a:solidFill>
+                            <a:schemeClr val="dk1"/>
+                          </a:solidFill>
+                          <a:effectLst/>
+                          <a:latin typeface="+mn-lt"/>
                           <a:ea typeface="+mn-ea"/>
-                        </a:rPr>
-                      </a:br>
-                      <a:r>
-                        <a:rPr lang="ja-JP" altLang="en-US" sz="2400" u="none" strike="noStrike">
-                          <a:effectLst/>
-                          <a:latin typeface="+mn-ea"/>
+                          <a:cs typeface="+mn-cs"/>
+                        </a:rPr>
+                        <a:t>Intel</a:t>
+                      </a:r>
+                      <a:endParaRPr kumimoji="1" lang="en" altLang="ja-JP" sz="2400" b="0" i="0" u="none" strike="noStrike" kern="1200" dirty="0">
+                        <a:solidFill>
+                          <a:schemeClr val="dk1"/>
+                        </a:solidFill>
+                        <a:effectLst/>
+                        <a:latin typeface="+mn-lt"/>
+                        <a:ea typeface="+mn-ea"/>
+                        <a:cs typeface="+mn-cs"/>
+                      </a:endParaRPr>
+                    </a:p>
+                    <a:p>
+                      <a:pPr algn="l"/>
+                      <a:r>
+                        <a:rPr kumimoji="1" lang="en" altLang="ja-JP" sz="2400" b="1" i="0" u="none" strike="noStrike" kern="1200" dirty="0">
+                          <a:solidFill>
+                            <a:schemeClr val="dk1"/>
+                          </a:solidFill>
+                          <a:effectLst/>
+                          <a:latin typeface="+mn-lt"/>
                           <a:ea typeface="+mn-ea"/>
-                        </a:rPr>
-                        <a:t>メーカー：</a:t>
-                      </a:r>
-                      <a:r>
-                        <a:rPr lang="en" sz="2400" u="none" strike="noStrike" dirty="0">
-                          <a:effectLst/>
-                          <a:latin typeface="+mn-ea"/>
+                          <a:cs typeface="+mn-cs"/>
+                        </a:rPr>
+                        <a:t>2</a:t>
+                      </a:r>
+                      <a:r>
+                        <a:rPr kumimoji="1" lang="en" altLang="ja-JP" sz="2400" b="0" i="0" u="none" strike="noStrike" kern="1200" dirty="0">
+                          <a:solidFill>
+                            <a:schemeClr val="dk1"/>
+                          </a:solidFill>
+                          <a:effectLst/>
+                          <a:latin typeface="+mn-lt"/>
                           <a:ea typeface="+mn-ea"/>
-                        </a:rPr>
-                        <a:t>Intel Corporation</a:t>
-                      </a:r>
-                      <a:br>
-                        <a:rPr lang="en" sz="2400" u="none" strike="noStrike" dirty="0">
-                          <a:effectLst/>
-                          <a:latin typeface="+mn-ea"/>
+                          <a:cs typeface="+mn-cs"/>
+                        </a:rPr>
+                        <a:t>x Gigabit Ethernet LAN ports</a:t>
+                      </a:r>
+                    </a:p>
+                    <a:p>
+                      <a:pPr algn="l"/>
+                      <a:r>
+                        <a:rPr kumimoji="1" lang="en" altLang="ja-JP" sz="2400" b="1" i="0" u="none" strike="noStrike" kern="1200" dirty="0">
+                          <a:solidFill>
+                            <a:schemeClr val="dk1"/>
+                          </a:solidFill>
+                          <a:effectLst/>
+                          <a:latin typeface="+mn-lt"/>
                           <a:ea typeface="+mn-ea"/>
-                        </a:rPr>
-                      </a:br>
-                      <a:r>
-                        <a:rPr lang="ja-JP" altLang="en-US" sz="2400" u="none" strike="noStrike">
-                          <a:effectLst/>
-                          <a:latin typeface="+mn-ea"/>
+                          <a:cs typeface="+mn-cs"/>
+                        </a:rPr>
+                        <a:t>2</a:t>
+                      </a:r>
+                      <a:r>
+                        <a:rPr kumimoji="1" lang="en" altLang="ja-JP" sz="2400" b="0" i="0" u="none" strike="noStrike" kern="1200" dirty="0">
+                          <a:solidFill>
+                            <a:schemeClr val="dk1"/>
+                          </a:solidFill>
+                          <a:effectLst/>
+                          <a:latin typeface="+mn-lt"/>
                           <a:ea typeface="+mn-ea"/>
-                        </a:rPr>
-                        <a:t>型番：</a:t>
-                      </a:r>
-                      <a:r>
-                        <a:rPr lang="en" sz="2400" u="none" strike="noStrike" dirty="0">
-                          <a:effectLst/>
-                          <a:latin typeface="+mn-ea"/>
+                          <a:cs typeface="+mn-cs"/>
+                        </a:rPr>
+                        <a:t>x 10GBase-T ports</a:t>
+                      </a:r>
+                    </a:p>
+                    <a:p>
+                      <a:pPr algn="l"/>
+                      <a:r>
+                        <a:rPr kumimoji="1" lang="en" altLang="ja-JP" sz="2400" b="1" i="0" u="none" strike="noStrike" kern="1200" dirty="0">
+                          <a:solidFill>
+                            <a:schemeClr val="dk1"/>
+                          </a:solidFill>
+                          <a:effectLst/>
+                          <a:latin typeface="+mn-lt"/>
                           <a:ea typeface="+mn-ea"/>
-                        </a:rPr>
-                        <a:t>X552/X557-AT</a:t>
-                      </a:r>
-                      <a:br>
-                        <a:rPr lang="en" sz="2400" u="none" strike="noStrike" dirty="0">
-                          <a:effectLst/>
-                          <a:latin typeface="+mn-ea"/>
+                          <a:cs typeface="+mn-cs"/>
+                        </a:rPr>
+                        <a:t>1</a:t>
+                      </a:r>
+                      <a:r>
+                        <a:rPr kumimoji="1" lang="en" altLang="ja-JP" sz="2400" b="0" i="0" u="none" strike="noStrike" kern="1200" dirty="0">
+                          <a:solidFill>
+                            <a:schemeClr val="dk1"/>
+                          </a:solidFill>
+                          <a:effectLst/>
+                          <a:latin typeface="+mn-lt"/>
                           <a:ea typeface="+mn-ea"/>
-                        </a:rPr>
-                      </a:br>
-                      <a:r>
-                        <a:rPr lang="ja-JP" altLang="en-US" sz="2400" u="none" strike="noStrike">
-                          <a:effectLst/>
-                          <a:latin typeface="+mn-ea"/>
-                          <a:ea typeface="+mn-ea"/>
-                        </a:rPr>
-                        <a:t>規格：</a:t>
-                      </a:r>
-                      <a:r>
-                        <a:rPr lang="en-US" altLang="ja-JP" sz="2400" u="none" strike="noStrike" dirty="0">
-                          <a:effectLst/>
-                          <a:latin typeface="+mn-ea"/>
-                          <a:ea typeface="+mn-ea"/>
-                        </a:rPr>
-                        <a:t>10</a:t>
-                      </a:r>
-                      <a:r>
-                        <a:rPr lang="en" sz="2400" u="none" strike="noStrike" dirty="0">
-                          <a:effectLst/>
-                          <a:latin typeface="+mn-ea"/>
-                          <a:ea typeface="+mn-ea"/>
-                        </a:rPr>
-                        <a:t>GBASE-T</a:t>
+                          <a:cs typeface="+mn-cs"/>
+                        </a:rPr>
+                        <a:t>x Dedicated IPMI LAN port</a:t>
                       </a:r>
                       <a:endParaRPr lang="en" sz="2400" b="0" i="0" u="none" strike="noStrike" dirty="0">
                         <a:solidFill>
@@ -17542,7 +17553,7 @@
           <p:nvPr>
             <p:extLst>
               <p:ext uri="{D42A27DB-BD31-4B8C-83A1-F6EECF244321}">
-                <p14:modId xmlns:p14="http://schemas.microsoft.com/office/powerpoint/2010/main" val="3511245636"/>
+                <p14:modId xmlns:p14="http://schemas.microsoft.com/office/powerpoint/2010/main" val="2890180384"/>
               </p:ext>
             </p:extLst>
           </p:nvPr>
@@ -17642,9 +17653,9 @@
                     <a:bodyPr/>
                     <a:lstStyle/>
                     <a:p>
-                      <a:pPr algn="ctr" fontAlgn="ctr"/>
-                      <a:r>
-                        <a:rPr lang="en" sz="2400" b="0" i="0" u="none" strike="noStrike" dirty="0">
+                      <a:pPr algn="l" fontAlgn="ctr"/>
+                      <a:r>
+                        <a:rPr lang="en" altLang="ja-JP" sz="2400" b="1" i="0" u="none" strike="noStrike" dirty="0">
                           <a:solidFill>
                             <a:srgbClr val="000000"/>
                           </a:solidFill>
@@ -17652,10 +17663,10 @@
                           <a:latin typeface="+mn-ea"/>
                           <a:ea typeface="+mn-ea"/>
                         </a:rPr>
-                        <a:t>FX</a:t>
-                      </a:r>
-                      <a:r>
-                        <a:rPr lang="en-US" altLang="ja-JP" sz="2400" b="0" i="0" u="none" strike="noStrike" dirty="0">
+                        <a:t>FXC</a:t>
+                      </a:r>
+                      <a:r>
+                        <a:rPr lang="ja-JP" altLang="en-US" sz="2400" b="1" i="0" u="none" strike="noStrike">
                           <a:solidFill>
                             <a:srgbClr val="000000"/>
                           </a:solidFill>
@@ -17663,20 +17674,9 @@
                           <a:latin typeface="+mn-ea"/>
                           <a:ea typeface="+mn-ea"/>
                         </a:rPr>
-                        <a:t>C</a:t>
-                      </a:r>
-                      <a:r>
-                        <a:rPr lang="ja-JP" altLang="en-US" sz="2400" b="0" i="0" u="none" strike="noStrike">
-                          <a:solidFill>
-                            <a:srgbClr val="000000"/>
-                          </a:solidFill>
-                          <a:effectLst/>
-                          <a:latin typeface="+mn-ea"/>
-                          <a:ea typeface="+mn-ea"/>
-                        </a:rPr>
                         <a:t>株式会社</a:t>
                       </a:r>
-                      <a:endParaRPr lang="en" sz="2400" b="0" i="0" u="none" strike="noStrike" dirty="0">
+                      <a:endParaRPr lang="en" sz="2400" b="1" i="0" u="none" strike="noStrike" dirty="0">
                         <a:solidFill>
                           <a:srgbClr val="000000"/>
                         </a:solidFill>
@@ -17808,7 +17808,7 @@
                     <a:bodyPr/>
                     <a:lstStyle/>
                     <a:p>
-                      <a:pPr algn="ctr" fontAlgn="ctr"/>
+                      <a:pPr algn="l" fontAlgn="ctr"/>
                       <a:r>
                         <a:rPr lang="en" sz="2400" u="none" strike="noStrike" dirty="0">
                           <a:effectLst/>
@@ -17949,7 +17949,7 @@
                     <a:bodyPr/>
                     <a:lstStyle/>
                     <a:p>
-                      <a:pPr algn="ctr" fontAlgn="ctr"/>
+                      <a:pPr algn="l" fontAlgn="ctr"/>
                       <a:r>
                         <a:rPr lang="en" sz="2400" u="none" strike="noStrike" dirty="0">
                           <a:effectLst/>
@@ -18113,7 +18113,7 @@
                     <a:bodyPr/>
                     <a:lstStyle/>
                     <a:p>
-                      <a:pPr algn="ctr" fontAlgn="ctr"/>
+                      <a:pPr algn="l" fontAlgn="ctr"/>
                       <a:r>
                         <a:rPr lang="en-US" altLang="ja-JP" sz="2400" u="none" strike="noStrike" dirty="0">
                           <a:effectLst/>
@@ -18129,6 +18129,48 @@
                           <a:ea typeface="+mn-ea"/>
                         </a:rPr>
                         <a:t>ポート</a:t>
+                      </a:r>
+                      <a:endParaRPr lang="en-US" altLang="ja-JP" sz="2400" u="none" strike="noStrike" dirty="0">
+                        <a:effectLst/>
+                        <a:latin typeface="+mn-ea"/>
+                        <a:ea typeface="+mn-ea"/>
+                      </a:endParaRPr>
+                    </a:p>
+                    <a:p>
+                      <a:pPr algn="l" fontAlgn="ctr"/>
+                      <a:r>
+                        <a:rPr lang="en-US" altLang="ja-JP" sz="2400" b="0" i="0" u="none" strike="noStrike" dirty="0">
+                          <a:solidFill>
+                            <a:srgbClr val="000000"/>
+                          </a:solidFill>
+                          <a:effectLst/>
+                          <a:latin typeface="+mn-ea"/>
+                          <a:ea typeface="+mn-ea"/>
+                        </a:rPr>
+                        <a:t>2SFP(</a:t>
+                      </a:r>
+                      <a:r>
+                        <a:rPr kumimoji="1" lang="en" altLang="ja-JP" sz="2400" b="0" i="0" kern="1200" dirty="0">
+                          <a:solidFill>
+                            <a:schemeClr val="dk1"/>
+                          </a:solidFill>
+                          <a:effectLst/>
+                          <a:latin typeface="+mn-lt"/>
+                          <a:ea typeface="+mn-ea"/>
+                          <a:cs typeface="+mn-cs"/>
+                        </a:rPr>
+                        <a:t>Small Form Factor Pluggable</a:t>
+                      </a:r>
+                      <a:r>
+                        <a:rPr lang="en-US" altLang="ja-JP" sz="2400" b="0" i="0" u="none" strike="noStrike" dirty="0">
+                          <a:solidFill>
+                            <a:srgbClr val="000000"/>
+                          </a:solidFill>
+                          <a:effectLst/>
+                          <a:latin typeface="+mn-ea"/>
+                          <a:ea typeface="+mn-ea"/>
+                        </a:rPr>
+                        <a:t>)</a:t>
                       </a:r>
                       <a:endParaRPr lang="ja-JP" altLang="en-US" sz="2400" b="0" i="0" u="none" strike="noStrike">
                         <a:solidFill>
@@ -18262,7 +18304,7 @@
                     <a:bodyPr/>
                     <a:lstStyle/>
                     <a:p>
-                      <a:pPr algn="ctr" fontAlgn="ctr"/>
+                      <a:pPr algn="l" fontAlgn="ctr"/>
                       <a:r>
                         <a:rPr lang="en" sz="2400" u="none" strike="noStrike" dirty="0">
                           <a:effectLst/>
@@ -18403,7 +18445,7 @@
                     <a:bodyPr/>
                     <a:lstStyle/>
                     <a:p>
-                      <a:pPr algn="ctr" fontAlgn="ctr"/>
+                      <a:pPr algn="l" fontAlgn="ctr"/>
                       <a:r>
                         <a:rPr lang="en" sz="2400" u="none" strike="noStrike" dirty="0">
                           <a:effectLst/>
@@ -18552,7 +18594,7 @@
                     <a:bodyPr/>
                     <a:lstStyle/>
                     <a:p>
-                      <a:pPr algn="ctr" fontAlgn="ctr"/>
+                      <a:pPr algn="l" fontAlgn="ctr"/>
                       <a:r>
                         <a:rPr lang="en-US" altLang="ja-JP" sz="2400" u="none" strike="noStrike" dirty="0">
                           <a:effectLst/>
@@ -18635,6 +18677,1612 @@
     <p:extLst>
       <p:ext uri="{BB962C8B-B14F-4D97-AF65-F5344CB8AC3E}">
         <p14:creationId xmlns:p14="http://schemas.microsoft.com/office/powerpoint/2010/main" val="4131840843"/>
+      </p:ext>
+    </p:extLst>
+  </p:cSld>
+  <p:clrMapOvr>
+    <a:masterClrMapping/>
+  </p:clrMapOvr>
+</p:sld>
+</file>
+
+<file path=ppt/slides/slide8.xml><?xml version="1.0" encoding="utf-8"?>
+<p:sld xmlns:a="http://schemas.openxmlformats.org/drawingml/2006/main" xmlns:r="http://schemas.openxmlformats.org/officeDocument/2006/relationships" xmlns:p="http://schemas.openxmlformats.org/presentationml/2006/main">
+  <p:cSld>
+    <p:spTree>
+      <p:nvGrpSpPr>
+        <p:cNvPr id="1" name=""/>
+        <p:cNvGrpSpPr/>
+        <p:nvPr/>
+      </p:nvGrpSpPr>
+      <p:grpSpPr>
+        <a:xfrm>
+          <a:off x="0" y="0"/>
+          <a:ext cx="0" cy="0"/>
+          <a:chOff x="0" y="0"/>
+          <a:chExt cx="0" cy="0"/>
+        </a:xfrm>
+      </p:grpSpPr>
+      <p:graphicFrame>
+        <p:nvGraphicFramePr>
+          <p:cNvPr id="2" name="表 1">
+            <a:extLst>
+              <a:ext uri="{FF2B5EF4-FFF2-40B4-BE49-F238E27FC236}">
+                <a16:creationId xmlns:a16="http://schemas.microsoft.com/office/drawing/2014/main" id="{74FAAF81-9621-5D43-ADDA-0996D763AE81}"/>
+              </a:ext>
+            </a:extLst>
+          </p:cNvPr>
+          <p:cNvGraphicFramePr>
+            <a:graphicFrameLocks noGrp="1"/>
+          </p:cNvGraphicFramePr>
+          <p:nvPr>
+            <p:extLst/>
+          </p:nvPr>
+        </p:nvGraphicFramePr>
+        <p:xfrm>
+          <a:off x="129209" y="79304"/>
+          <a:ext cx="11728173" cy="7397802"/>
+        </p:xfrm>
+        <a:graphic>
+          <a:graphicData uri="http://schemas.openxmlformats.org/drawingml/2006/table">
+            <a:tbl>
+              <a:tblPr>
+                <a:tableStyleId>{5C22544A-7EE6-4342-B048-85BDC9FD1C3A}</a:tableStyleId>
+              </a:tblPr>
+              <a:tblGrid>
+                <a:gridCol w="3468756">
+                  <a:extLst>
+                    <a:ext uri="{9D8B030D-6E8A-4147-A177-3AD203B41FA5}">
+                      <a16:colId xmlns:a16="http://schemas.microsoft.com/office/drawing/2014/main" val="2636257918"/>
+                    </a:ext>
+                  </a:extLst>
+                </a:gridCol>
+                <a:gridCol w="8259417">
+                  <a:extLst>
+                    <a:ext uri="{9D8B030D-6E8A-4147-A177-3AD203B41FA5}">
+                      <a16:colId xmlns:a16="http://schemas.microsoft.com/office/drawing/2014/main" val="3758699880"/>
+                    </a:ext>
+                  </a:extLst>
+                </a:gridCol>
+              </a:tblGrid>
+              <a:tr h="537765">
+                <a:tc>
+                  <a:txBody>
+                    <a:bodyPr/>
+                    <a:lstStyle/>
+                    <a:p>
+                      <a:pPr algn="ctr" fontAlgn="ctr"/>
+                      <a:r>
+                        <a:rPr lang="en" sz="2400" b="1" u="none" strike="noStrike" dirty="0">
+                          <a:effectLst/>
+                        </a:rPr>
+                        <a:t>Server</a:t>
+                      </a:r>
+                      <a:r>
+                        <a:rPr lang="ja-JP" altLang="en-US" sz="2400" b="1" u="none" strike="noStrike">
+                          <a:effectLst/>
+                        </a:rPr>
+                        <a:t>のメーカー</a:t>
+                      </a:r>
+                      <a:endParaRPr lang="ja-JP" altLang="en-US" sz="2400" b="1" i="0" u="none" strike="noStrike">
+                        <a:solidFill>
+                          <a:srgbClr val="000000"/>
+                        </a:solidFill>
+                        <a:effectLst/>
+                        <a:latin typeface="游ゴシック" panose="020B0400000000000000" pitchFamily="34" charset="-128"/>
+                        <a:ea typeface="游ゴシック" panose="020B0400000000000000" pitchFamily="34" charset="-128"/>
+                      </a:endParaRPr>
+                    </a:p>
+                  </a:txBody>
+                  <a:tcPr marL="6856" marR="6856" marT="6856" marB="0" anchor="ctr">
+                    <a:lnL w="12700" cap="flat" cmpd="sng" algn="ctr">
+                      <a:solidFill>
+                        <a:schemeClr val="tx1"/>
+                      </a:solidFill>
+                      <a:prstDash val="solid"/>
+                      <a:round/>
+                      <a:headEnd type="none" w="med" len="med"/>
+                      <a:tailEnd type="none" w="med" len="med"/>
+                    </a:lnL>
+                    <a:lnR w="12700" cap="flat" cmpd="sng" algn="ctr">
+                      <a:solidFill>
+                        <a:schemeClr val="tx1"/>
+                      </a:solidFill>
+                      <a:prstDash val="solid"/>
+                      <a:round/>
+                      <a:headEnd type="none" w="med" len="med"/>
+                      <a:tailEnd type="none" w="med" len="med"/>
+                    </a:lnR>
+                    <a:lnT w="12700" cap="flat" cmpd="sng" algn="ctr">
+                      <a:solidFill>
+                        <a:schemeClr val="tx1"/>
+                      </a:solidFill>
+                      <a:prstDash val="solid"/>
+                      <a:round/>
+                      <a:headEnd type="none" w="med" len="med"/>
+                      <a:tailEnd type="none" w="med" len="med"/>
+                    </a:lnT>
+                    <a:lnB w="12700" cap="flat" cmpd="sng" algn="ctr">
+                      <a:solidFill>
+                        <a:schemeClr val="tx1"/>
+                      </a:solidFill>
+                      <a:prstDash val="solid"/>
+                      <a:round/>
+                      <a:headEnd type="none" w="med" len="med"/>
+                      <a:tailEnd type="none" w="med" len="med"/>
+                    </a:lnB>
+                    <a:lnTlToBr w="12700" cmpd="sng">
+                      <a:noFill/>
+                      <a:prstDash val="solid"/>
+                    </a:lnTlToBr>
+                    <a:lnBlToTr w="12700" cmpd="sng">
+                      <a:noFill/>
+                      <a:prstDash val="solid"/>
+                    </a:lnBlToTr>
+                    <a:solidFill>
+                      <a:schemeClr val="bg2">
+                        <a:lumMod val="90000"/>
+                      </a:schemeClr>
+                    </a:solidFill>
+                  </a:tcPr>
+                </a:tc>
+                <a:tc>
+                  <a:txBody>
+                    <a:bodyPr/>
+                    <a:lstStyle/>
+                    <a:p>
+                      <a:pPr algn="ctr" fontAlgn="ctr"/>
+                      <a:r>
+                        <a:rPr lang="en" sz="2400" u="none" strike="noStrike" dirty="0">
+                          <a:effectLst/>
+                          <a:latin typeface="+mn-ea"/>
+                          <a:ea typeface="+mn-ea"/>
+                        </a:rPr>
+                        <a:t>Supermicro</a:t>
+                      </a:r>
+                      <a:endParaRPr lang="en" sz="2400" b="0" i="0" u="none" strike="noStrike" dirty="0">
+                        <a:solidFill>
+                          <a:srgbClr val="000000"/>
+                        </a:solidFill>
+                        <a:effectLst/>
+                        <a:latin typeface="+mn-ea"/>
+                        <a:ea typeface="+mn-ea"/>
+                      </a:endParaRPr>
+                    </a:p>
+                  </a:txBody>
+                  <a:tcPr marL="6856" marR="6856" marT="6856" marB="0" anchor="ctr">
+                    <a:lnL w="12700" cap="flat" cmpd="sng" algn="ctr">
+                      <a:solidFill>
+                        <a:schemeClr val="tx1"/>
+                      </a:solidFill>
+                      <a:prstDash val="solid"/>
+                      <a:round/>
+                      <a:headEnd type="none" w="med" len="med"/>
+                      <a:tailEnd type="none" w="med" len="med"/>
+                    </a:lnL>
+                    <a:lnR w="12700" cap="flat" cmpd="sng" algn="ctr">
+                      <a:solidFill>
+                        <a:schemeClr val="tx1"/>
+                      </a:solidFill>
+                      <a:prstDash val="solid"/>
+                      <a:round/>
+                      <a:headEnd type="none" w="med" len="med"/>
+                      <a:tailEnd type="none" w="med" len="med"/>
+                    </a:lnR>
+                    <a:lnT w="12700" cap="flat" cmpd="sng" algn="ctr">
+                      <a:solidFill>
+                        <a:schemeClr val="tx1"/>
+                      </a:solidFill>
+                      <a:prstDash val="solid"/>
+                      <a:round/>
+                      <a:headEnd type="none" w="med" len="med"/>
+                      <a:tailEnd type="none" w="med" len="med"/>
+                    </a:lnT>
+                    <a:lnB w="12700" cap="flat" cmpd="sng" algn="ctr">
+                      <a:solidFill>
+                        <a:schemeClr val="tx1"/>
+                      </a:solidFill>
+                      <a:prstDash val="solid"/>
+                      <a:round/>
+                      <a:headEnd type="none" w="med" len="med"/>
+                      <a:tailEnd type="none" w="med" len="med"/>
+                    </a:lnB>
+                    <a:lnTlToBr w="12700" cmpd="sng">
+                      <a:noFill/>
+                      <a:prstDash val="solid"/>
+                    </a:lnTlToBr>
+                    <a:lnBlToTr w="12700" cmpd="sng">
+                      <a:noFill/>
+                      <a:prstDash val="solid"/>
+                    </a:lnBlToTr>
+                    <a:solidFill>
+                      <a:schemeClr val="bg1"/>
+                    </a:solidFill>
+                  </a:tcPr>
+                </a:tc>
+                <a:extLst>
+                  <a:ext uri="{0D108BD9-81ED-4DB2-BD59-A6C34878D82A}">
+                    <a16:rowId xmlns:a16="http://schemas.microsoft.com/office/drawing/2014/main" val="268770898"/>
+                  </a:ext>
+                </a:extLst>
+              </a:tr>
+              <a:tr h="752788">
+                <a:tc>
+                  <a:txBody>
+                    <a:bodyPr/>
+                    <a:lstStyle/>
+                    <a:p>
+                      <a:pPr algn="ctr" fontAlgn="ctr"/>
+                      <a:r>
+                        <a:rPr lang="en" sz="2400" b="1" u="none" strike="noStrike" dirty="0">
+                          <a:effectLst/>
+                        </a:rPr>
+                        <a:t>Server</a:t>
+                      </a:r>
+                      <a:r>
+                        <a:rPr lang="ja-JP" altLang="en-US" sz="2400" b="1" u="none" strike="noStrike">
+                          <a:effectLst/>
+                        </a:rPr>
+                        <a:t>のモデル</a:t>
+                      </a:r>
+                      <a:endParaRPr lang="ja-JP" altLang="en-US" sz="2400" b="1" i="0" u="none" strike="noStrike">
+                        <a:solidFill>
+                          <a:srgbClr val="000000"/>
+                        </a:solidFill>
+                        <a:effectLst/>
+                        <a:latin typeface="游ゴシック" panose="020B0400000000000000" pitchFamily="34" charset="-128"/>
+                        <a:ea typeface="游ゴシック" panose="020B0400000000000000" pitchFamily="34" charset="-128"/>
+                      </a:endParaRPr>
+                    </a:p>
+                  </a:txBody>
+                  <a:tcPr marL="6856" marR="6856" marT="6856" marB="0" anchor="ctr">
+                    <a:lnL w="12700" cap="flat" cmpd="sng" algn="ctr">
+                      <a:solidFill>
+                        <a:schemeClr val="tx1"/>
+                      </a:solidFill>
+                      <a:prstDash val="solid"/>
+                      <a:round/>
+                      <a:headEnd type="none" w="med" len="med"/>
+                      <a:tailEnd type="none" w="med" len="med"/>
+                    </a:lnL>
+                    <a:lnR w="12700" cap="flat" cmpd="sng" algn="ctr">
+                      <a:solidFill>
+                        <a:schemeClr val="tx1"/>
+                      </a:solidFill>
+                      <a:prstDash val="solid"/>
+                      <a:round/>
+                      <a:headEnd type="none" w="med" len="med"/>
+                      <a:tailEnd type="none" w="med" len="med"/>
+                    </a:lnR>
+                    <a:lnT w="12700" cap="flat" cmpd="sng" algn="ctr">
+                      <a:solidFill>
+                        <a:schemeClr val="tx1"/>
+                      </a:solidFill>
+                      <a:prstDash val="solid"/>
+                      <a:round/>
+                      <a:headEnd type="none" w="med" len="med"/>
+                      <a:tailEnd type="none" w="med" len="med"/>
+                    </a:lnT>
+                    <a:lnB w="12700" cap="flat" cmpd="sng" algn="ctr">
+                      <a:solidFill>
+                        <a:schemeClr val="tx1"/>
+                      </a:solidFill>
+                      <a:prstDash val="solid"/>
+                      <a:round/>
+                      <a:headEnd type="none" w="med" len="med"/>
+                      <a:tailEnd type="none" w="med" len="med"/>
+                    </a:lnB>
+                    <a:lnTlToBr w="12700" cmpd="sng">
+                      <a:noFill/>
+                      <a:prstDash val="solid"/>
+                    </a:lnTlToBr>
+                    <a:lnBlToTr w="12700" cmpd="sng">
+                      <a:noFill/>
+                      <a:prstDash val="solid"/>
+                    </a:lnBlToTr>
+                    <a:solidFill>
+                      <a:schemeClr val="bg2">
+                        <a:lumMod val="90000"/>
+                      </a:schemeClr>
+                    </a:solidFill>
+                  </a:tcPr>
+                </a:tc>
+                <a:tc>
+                  <a:txBody>
+                    <a:bodyPr/>
+                    <a:lstStyle/>
+                    <a:p>
+                      <a:pPr algn="ctr" fontAlgn="ctr"/>
+                      <a:r>
+                        <a:rPr lang="en" sz="2400" u="none" strike="noStrike" dirty="0">
+                          <a:effectLst/>
+                          <a:latin typeface="+mn-ea"/>
+                          <a:ea typeface="+mn-ea"/>
+                        </a:rPr>
+                        <a:t>SYS-5018D-FN4T</a:t>
+                      </a:r>
+                      <a:endParaRPr lang="en" sz="2400" b="0" i="0" u="none" strike="noStrike" dirty="0">
+                        <a:solidFill>
+                          <a:srgbClr val="000000"/>
+                        </a:solidFill>
+                        <a:effectLst/>
+                        <a:latin typeface="+mn-ea"/>
+                        <a:ea typeface="+mn-ea"/>
+                      </a:endParaRPr>
+                    </a:p>
+                  </a:txBody>
+                  <a:tcPr marL="6856" marR="6856" marT="6856" marB="0" anchor="ctr">
+                    <a:lnL w="12700" cap="flat" cmpd="sng" algn="ctr">
+                      <a:solidFill>
+                        <a:schemeClr val="tx1"/>
+                      </a:solidFill>
+                      <a:prstDash val="solid"/>
+                      <a:round/>
+                      <a:headEnd type="none" w="med" len="med"/>
+                      <a:tailEnd type="none" w="med" len="med"/>
+                    </a:lnL>
+                    <a:lnR w="12700" cap="flat" cmpd="sng" algn="ctr">
+                      <a:solidFill>
+                        <a:schemeClr val="tx1"/>
+                      </a:solidFill>
+                      <a:prstDash val="solid"/>
+                      <a:round/>
+                      <a:headEnd type="none" w="med" len="med"/>
+                      <a:tailEnd type="none" w="med" len="med"/>
+                    </a:lnR>
+                    <a:lnT w="12700" cap="flat" cmpd="sng" algn="ctr">
+                      <a:solidFill>
+                        <a:schemeClr val="tx1"/>
+                      </a:solidFill>
+                      <a:prstDash val="solid"/>
+                      <a:round/>
+                      <a:headEnd type="none" w="med" len="med"/>
+                      <a:tailEnd type="none" w="med" len="med"/>
+                    </a:lnT>
+                    <a:lnB w="12700" cap="flat" cmpd="sng" algn="ctr">
+                      <a:solidFill>
+                        <a:schemeClr val="tx1"/>
+                      </a:solidFill>
+                      <a:prstDash val="solid"/>
+                      <a:round/>
+                      <a:headEnd type="none" w="med" len="med"/>
+                      <a:tailEnd type="none" w="med" len="med"/>
+                    </a:lnB>
+                    <a:lnTlToBr w="12700" cmpd="sng">
+                      <a:noFill/>
+                      <a:prstDash val="solid"/>
+                    </a:lnTlToBr>
+                    <a:lnBlToTr w="12700" cmpd="sng">
+                      <a:noFill/>
+                      <a:prstDash val="solid"/>
+                    </a:lnBlToTr>
+                    <a:solidFill>
+                      <a:schemeClr val="bg1"/>
+                    </a:solidFill>
+                  </a:tcPr>
+                </a:tc>
+                <a:extLst>
+                  <a:ext uri="{0D108BD9-81ED-4DB2-BD59-A6C34878D82A}">
+                    <a16:rowId xmlns:a16="http://schemas.microsoft.com/office/drawing/2014/main" val="3198433363"/>
+                  </a:ext>
+                </a:extLst>
+              </a:tr>
+              <a:tr h="547128">
+                <a:tc>
+                  <a:txBody>
+                    <a:bodyPr/>
+                    <a:lstStyle/>
+                    <a:p>
+                      <a:pPr algn="ctr" fontAlgn="ctr"/>
+                      <a:r>
+                        <a:rPr lang="en" sz="2400" b="1" u="none" strike="noStrike" dirty="0">
+                          <a:effectLst/>
+                        </a:rPr>
+                        <a:t>CPU</a:t>
+                      </a:r>
+                      <a:endParaRPr lang="en" sz="2400" b="1" i="0" u="none" strike="noStrike" dirty="0">
+                        <a:solidFill>
+                          <a:srgbClr val="000000"/>
+                        </a:solidFill>
+                        <a:effectLst/>
+                        <a:latin typeface="游ゴシック" panose="020B0400000000000000" pitchFamily="34" charset="-128"/>
+                        <a:ea typeface="游ゴシック" panose="020B0400000000000000" pitchFamily="34" charset="-128"/>
+                      </a:endParaRPr>
+                    </a:p>
+                  </a:txBody>
+                  <a:tcPr marL="6856" marR="6856" marT="6856" marB="0" anchor="ctr">
+                    <a:lnL w="12700" cap="flat" cmpd="sng" algn="ctr">
+                      <a:solidFill>
+                        <a:schemeClr val="tx1"/>
+                      </a:solidFill>
+                      <a:prstDash val="solid"/>
+                      <a:round/>
+                      <a:headEnd type="none" w="med" len="med"/>
+                      <a:tailEnd type="none" w="med" len="med"/>
+                    </a:lnL>
+                    <a:lnR w="12700" cap="flat" cmpd="sng" algn="ctr">
+                      <a:solidFill>
+                        <a:schemeClr val="tx1"/>
+                      </a:solidFill>
+                      <a:prstDash val="solid"/>
+                      <a:round/>
+                      <a:headEnd type="none" w="med" len="med"/>
+                      <a:tailEnd type="none" w="med" len="med"/>
+                    </a:lnR>
+                    <a:lnT w="12700" cap="flat" cmpd="sng" algn="ctr">
+                      <a:solidFill>
+                        <a:schemeClr val="tx1"/>
+                      </a:solidFill>
+                      <a:prstDash val="solid"/>
+                      <a:round/>
+                      <a:headEnd type="none" w="med" len="med"/>
+                      <a:tailEnd type="none" w="med" len="med"/>
+                    </a:lnT>
+                    <a:lnB w="12700" cap="flat" cmpd="sng" algn="ctr">
+                      <a:solidFill>
+                        <a:schemeClr val="tx1"/>
+                      </a:solidFill>
+                      <a:prstDash val="solid"/>
+                      <a:round/>
+                      <a:headEnd type="none" w="med" len="med"/>
+                      <a:tailEnd type="none" w="med" len="med"/>
+                    </a:lnB>
+                    <a:lnTlToBr w="12700" cmpd="sng">
+                      <a:noFill/>
+                      <a:prstDash val="solid"/>
+                    </a:lnTlToBr>
+                    <a:lnBlToTr w="12700" cmpd="sng">
+                      <a:noFill/>
+                      <a:prstDash val="solid"/>
+                    </a:lnBlToTr>
+                    <a:solidFill>
+                      <a:schemeClr val="bg2">
+                        <a:lumMod val="90000"/>
+                      </a:schemeClr>
+                    </a:solidFill>
+                  </a:tcPr>
+                </a:tc>
+                <a:tc>
+                  <a:txBody>
+                    <a:bodyPr/>
+                    <a:lstStyle/>
+                    <a:p>
+                      <a:pPr algn="ctr" fontAlgn="ctr"/>
+                      <a:r>
+                        <a:rPr lang="en" sz="2400" u="none" strike="noStrike" dirty="0">
+                          <a:effectLst/>
+                          <a:latin typeface="+mn-ea"/>
+                          <a:ea typeface="+mn-ea"/>
+                        </a:rPr>
+                        <a:t>Intel(R) Xeon(R) CPU D-1541 @ 2.10GHz</a:t>
+                      </a:r>
+                    </a:p>
+                    <a:p>
+                      <a:pPr algn="ctr" fontAlgn="ctr"/>
+                      <a:r>
+                        <a:rPr lang="ja-JP" altLang="en-US" sz="2400" b="0" i="0" u="none" strike="noStrike">
+                          <a:solidFill>
+                            <a:srgbClr val="000000"/>
+                          </a:solidFill>
+                          <a:effectLst/>
+                          <a:latin typeface="+mn-ea"/>
+                          <a:ea typeface="+mn-ea"/>
+                        </a:rPr>
+                        <a:t>コア</a:t>
+                      </a:r>
+                      <a:r>
+                        <a:rPr lang="en-US" altLang="ja-JP" sz="2400" b="0" i="0" u="none" strike="noStrike" dirty="0">
+                          <a:solidFill>
+                            <a:srgbClr val="000000"/>
+                          </a:solidFill>
+                          <a:effectLst/>
+                          <a:latin typeface="+mn-ea"/>
+                          <a:ea typeface="+mn-ea"/>
+                        </a:rPr>
+                        <a:t> 8</a:t>
+                      </a:r>
+                      <a:r>
+                        <a:rPr lang="ja-JP" altLang="en-US" sz="2400" b="0" i="0" u="none" strike="noStrike">
+                          <a:solidFill>
+                            <a:srgbClr val="000000"/>
+                          </a:solidFill>
+                          <a:effectLst/>
+                          <a:latin typeface="+mn-ea"/>
+                          <a:ea typeface="+mn-ea"/>
+                        </a:rPr>
+                        <a:t>コ</a:t>
+                      </a:r>
+                      <a:r>
+                        <a:rPr lang="en-US" altLang="ja-JP" sz="2400" b="0" i="0" u="none" strike="noStrike" dirty="0">
+                          <a:solidFill>
+                            <a:srgbClr val="000000"/>
+                          </a:solidFill>
+                          <a:effectLst/>
+                          <a:latin typeface="+mn-ea"/>
+                          <a:ea typeface="+mn-ea"/>
+                        </a:rPr>
+                        <a:t>, </a:t>
+                      </a:r>
+                      <a:r>
+                        <a:rPr lang="ja-JP" altLang="en-US" sz="2400" b="0" i="0" u="none" strike="noStrike">
+                          <a:solidFill>
+                            <a:srgbClr val="000000"/>
+                          </a:solidFill>
+                          <a:effectLst/>
+                          <a:latin typeface="+mn-ea"/>
+                          <a:ea typeface="+mn-ea"/>
+                        </a:rPr>
+                        <a:t>スレッド</a:t>
+                      </a:r>
+                      <a:r>
+                        <a:rPr lang="en-US" altLang="ja-JP" sz="2400" b="0" i="0" u="none" strike="noStrike" dirty="0">
+                          <a:solidFill>
+                            <a:srgbClr val="000000"/>
+                          </a:solidFill>
+                          <a:effectLst/>
+                          <a:latin typeface="+mn-ea"/>
+                          <a:ea typeface="+mn-ea"/>
+                        </a:rPr>
+                        <a:t> 16</a:t>
+                      </a:r>
+                      <a:r>
+                        <a:rPr lang="ja-JP" altLang="en-US" sz="2400" b="0" i="0" u="none" strike="noStrike">
+                          <a:solidFill>
+                            <a:srgbClr val="000000"/>
+                          </a:solidFill>
+                          <a:effectLst/>
+                          <a:latin typeface="+mn-ea"/>
+                          <a:ea typeface="+mn-ea"/>
+                        </a:rPr>
+                        <a:t>コ</a:t>
+                      </a:r>
+                      <a:r>
+                        <a:rPr lang="en-US" altLang="ja-JP" sz="2400" b="0" i="0" u="none" strike="noStrike" dirty="0">
+                          <a:solidFill>
+                            <a:srgbClr val="000000"/>
+                          </a:solidFill>
+                          <a:effectLst/>
+                          <a:latin typeface="+mn-ea"/>
+                          <a:ea typeface="+mn-ea"/>
+                        </a:rPr>
+                        <a:t>, </a:t>
+                      </a:r>
+                      <a:r>
+                        <a:rPr lang="ja-JP" altLang="en-US" sz="2400" b="0" i="0" u="none" strike="noStrike">
+                          <a:solidFill>
+                            <a:srgbClr val="000000"/>
+                          </a:solidFill>
+                          <a:effectLst/>
+                          <a:latin typeface="+mn-ea"/>
+                          <a:ea typeface="+mn-ea"/>
+                        </a:rPr>
+                        <a:t>物理</a:t>
+                      </a:r>
+                      <a:r>
+                        <a:rPr lang="en-US" altLang="ja-JP" sz="2400" b="0" i="0" u="none" strike="noStrike" dirty="0">
+                          <a:solidFill>
+                            <a:srgbClr val="000000"/>
+                          </a:solidFill>
+                          <a:effectLst/>
+                          <a:latin typeface="+mn-ea"/>
+                          <a:ea typeface="+mn-ea"/>
+                        </a:rPr>
+                        <a:t>CPU 1</a:t>
+                      </a:r>
+                      <a:r>
+                        <a:rPr lang="ja-JP" altLang="en-US" sz="2400" b="0" i="0" u="none" strike="noStrike">
+                          <a:solidFill>
+                            <a:srgbClr val="000000"/>
+                          </a:solidFill>
+                          <a:effectLst/>
+                          <a:latin typeface="+mn-ea"/>
+                          <a:ea typeface="+mn-ea"/>
+                        </a:rPr>
+                        <a:t>コ</a:t>
+                      </a:r>
+                      <a:endParaRPr lang="en" sz="2400" b="0" i="0" u="none" strike="noStrike" dirty="0">
+                        <a:solidFill>
+                          <a:srgbClr val="000000"/>
+                        </a:solidFill>
+                        <a:effectLst/>
+                        <a:latin typeface="+mn-ea"/>
+                        <a:ea typeface="+mn-ea"/>
+                      </a:endParaRPr>
+                    </a:p>
+                  </a:txBody>
+                  <a:tcPr marL="6856" marR="6856" marT="6856" marB="0" anchor="ctr">
+                    <a:lnL w="12700" cap="flat" cmpd="sng" algn="ctr">
+                      <a:solidFill>
+                        <a:schemeClr val="tx1"/>
+                      </a:solidFill>
+                      <a:prstDash val="solid"/>
+                      <a:round/>
+                      <a:headEnd type="none" w="med" len="med"/>
+                      <a:tailEnd type="none" w="med" len="med"/>
+                    </a:lnL>
+                    <a:lnR w="12700" cap="flat" cmpd="sng" algn="ctr">
+                      <a:solidFill>
+                        <a:schemeClr val="tx1"/>
+                      </a:solidFill>
+                      <a:prstDash val="solid"/>
+                      <a:round/>
+                      <a:headEnd type="none" w="med" len="med"/>
+                      <a:tailEnd type="none" w="med" len="med"/>
+                    </a:lnR>
+                    <a:lnT w="12700" cap="flat" cmpd="sng" algn="ctr">
+                      <a:solidFill>
+                        <a:schemeClr val="tx1"/>
+                      </a:solidFill>
+                      <a:prstDash val="solid"/>
+                      <a:round/>
+                      <a:headEnd type="none" w="med" len="med"/>
+                      <a:tailEnd type="none" w="med" len="med"/>
+                    </a:lnT>
+                    <a:lnB w="12700" cap="flat" cmpd="sng" algn="ctr">
+                      <a:solidFill>
+                        <a:schemeClr val="tx1"/>
+                      </a:solidFill>
+                      <a:prstDash val="solid"/>
+                      <a:round/>
+                      <a:headEnd type="none" w="med" len="med"/>
+                      <a:tailEnd type="none" w="med" len="med"/>
+                    </a:lnB>
+                    <a:lnTlToBr w="12700" cmpd="sng">
+                      <a:noFill/>
+                      <a:prstDash val="solid"/>
+                    </a:lnTlToBr>
+                    <a:lnBlToTr w="12700" cmpd="sng">
+                      <a:noFill/>
+                      <a:prstDash val="solid"/>
+                    </a:lnBlToTr>
+                    <a:solidFill>
+                      <a:schemeClr val="bg1"/>
+                    </a:solidFill>
+                  </a:tcPr>
+                </a:tc>
+                <a:extLst>
+                  <a:ext uri="{0D108BD9-81ED-4DB2-BD59-A6C34878D82A}">
+                    <a16:rowId xmlns:a16="http://schemas.microsoft.com/office/drawing/2014/main" val="3505944506"/>
+                  </a:ext>
+                </a:extLst>
+              </a:tr>
+              <a:tr h="713487">
+                <a:tc>
+                  <a:txBody>
+                    <a:bodyPr/>
+                    <a:lstStyle/>
+                    <a:p>
+                      <a:pPr algn="ctr" fontAlgn="ctr"/>
+                      <a:r>
+                        <a:rPr lang="ja-JP" altLang="en-US" sz="2400" b="1" u="none" strike="noStrike">
+                          <a:effectLst/>
+                        </a:rPr>
+                        <a:t>マザーボード</a:t>
+                      </a:r>
+                      <a:endParaRPr lang="ja-JP" altLang="en-US" sz="2400" b="1" i="0" u="none" strike="noStrike">
+                        <a:solidFill>
+                          <a:srgbClr val="000000"/>
+                        </a:solidFill>
+                        <a:effectLst/>
+                        <a:latin typeface="游ゴシック" panose="020B0400000000000000" pitchFamily="34" charset="-128"/>
+                        <a:ea typeface="游ゴシック" panose="020B0400000000000000" pitchFamily="34" charset="-128"/>
+                      </a:endParaRPr>
+                    </a:p>
+                  </a:txBody>
+                  <a:tcPr marL="6856" marR="6856" marT="6856" marB="0" anchor="ctr">
+                    <a:lnL w="12700" cap="flat" cmpd="sng" algn="ctr">
+                      <a:solidFill>
+                        <a:schemeClr val="tx1"/>
+                      </a:solidFill>
+                      <a:prstDash val="solid"/>
+                      <a:round/>
+                      <a:headEnd type="none" w="med" len="med"/>
+                      <a:tailEnd type="none" w="med" len="med"/>
+                    </a:lnL>
+                    <a:lnR w="12700" cap="flat" cmpd="sng" algn="ctr">
+                      <a:solidFill>
+                        <a:schemeClr val="tx1"/>
+                      </a:solidFill>
+                      <a:prstDash val="solid"/>
+                      <a:round/>
+                      <a:headEnd type="none" w="med" len="med"/>
+                      <a:tailEnd type="none" w="med" len="med"/>
+                    </a:lnR>
+                    <a:lnT w="12700" cap="flat" cmpd="sng" algn="ctr">
+                      <a:solidFill>
+                        <a:schemeClr val="tx1"/>
+                      </a:solidFill>
+                      <a:prstDash val="solid"/>
+                      <a:round/>
+                      <a:headEnd type="none" w="med" len="med"/>
+                      <a:tailEnd type="none" w="med" len="med"/>
+                    </a:lnT>
+                    <a:lnB w="12700" cap="flat" cmpd="sng" algn="ctr">
+                      <a:solidFill>
+                        <a:schemeClr val="tx1"/>
+                      </a:solidFill>
+                      <a:prstDash val="solid"/>
+                      <a:round/>
+                      <a:headEnd type="none" w="med" len="med"/>
+                      <a:tailEnd type="none" w="med" len="med"/>
+                    </a:lnB>
+                    <a:lnTlToBr w="12700" cmpd="sng">
+                      <a:noFill/>
+                      <a:prstDash val="solid"/>
+                    </a:lnTlToBr>
+                    <a:lnBlToTr w="12700" cmpd="sng">
+                      <a:noFill/>
+                      <a:prstDash val="solid"/>
+                    </a:lnBlToTr>
+                    <a:solidFill>
+                      <a:schemeClr val="bg2">
+                        <a:lumMod val="90000"/>
+                      </a:schemeClr>
+                    </a:solidFill>
+                  </a:tcPr>
+                </a:tc>
+                <a:tc>
+                  <a:txBody>
+                    <a:bodyPr/>
+                    <a:lstStyle/>
+                    <a:p>
+                      <a:pPr algn="ctr" fontAlgn="ctr"/>
+                      <a:r>
+                        <a:rPr lang="ja-JP" altLang="en-US" sz="2400" u="none" strike="noStrike">
+                          <a:effectLst/>
+                          <a:latin typeface="+mn-ea"/>
+                          <a:ea typeface="+mn-ea"/>
+                        </a:rPr>
+                        <a:t>メーカー：</a:t>
+                      </a:r>
+                      <a:r>
+                        <a:rPr lang="en" sz="2400" u="none" strike="noStrike" dirty="0">
+                          <a:effectLst/>
+                          <a:latin typeface="+mn-ea"/>
+                          <a:ea typeface="+mn-ea"/>
+                        </a:rPr>
+                        <a:t>Supermicro</a:t>
+                      </a:r>
+                      <a:br>
+                        <a:rPr lang="en" sz="2400" u="none" strike="noStrike" dirty="0">
+                          <a:effectLst/>
+                          <a:latin typeface="+mn-ea"/>
+                          <a:ea typeface="+mn-ea"/>
+                        </a:rPr>
+                      </a:br>
+                      <a:r>
+                        <a:rPr lang="ja-JP" altLang="en-US" sz="2400" u="none" strike="noStrike">
+                          <a:effectLst/>
+                          <a:latin typeface="+mn-ea"/>
+                          <a:ea typeface="+mn-ea"/>
+                        </a:rPr>
+                        <a:t>型番：</a:t>
+                      </a:r>
+                      <a:r>
+                        <a:rPr lang="en" sz="2400" u="none" strike="noStrike" dirty="0">
+                          <a:effectLst/>
+                          <a:latin typeface="+mn-ea"/>
+                          <a:ea typeface="+mn-ea"/>
+                        </a:rPr>
+                        <a:t>X10SDV-8C-TLN4F</a:t>
+                      </a:r>
+                      <a:endParaRPr lang="en" sz="2400" b="0" i="0" u="none" strike="noStrike" dirty="0">
+                        <a:solidFill>
+                          <a:srgbClr val="000000"/>
+                        </a:solidFill>
+                        <a:effectLst/>
+                        <a:latin typeface="+mn-ea"/>
+                        <a:ea typeface="+mn-ea"/>
+                      </a:endParaRPr>
+                    </a:p>
+                  </a:txBody>
+                  <a:tcPr marL="6856" marR="6856" marT="6856" marB="0" anchor="ctr">
+                    <a:lnL w="12700" cap="flat" cmpd="sng" algn="ctr">
+                      <a:solidFill>
+                        <a:schemeClr val="tx1"/>
+                      </a:solidFill>
+                      <a:prstDash val="solid"/>
+                      <a:round/>
+                      <a:headEnd type="none" w="med" len="med"/>
+                      <a:tailEnd type="none" w="med" len="med"/>
+                    </a:lnL>
+                    <a:lnR w="12700" cap="flat" cmpd="sng" algn="ctr">
+                      <a:solidFill>
+                        <a:schemeClr val="tx1"/>
+                      </a:solidFill>
+                      <a:prstDash val="solid"/>
+                      <a:round/>
+                      <a:headEnd type="none" w="med" len="med"/>
+                      <a:tailEnd type="none" w="med" len="med"/>
+                    </a:lnR>
+                    <a:lnT w="12700" cap="flat" cmpd="sng" algn="ctr">
+                      <a:solidFill>
+                        <a:schemeClr val="tx1"/>
+                      </a:solidFill>
+                      <a:prstDash val="solid"/>
+                      <a:round/>
+                      <a:headEnd type="none" w="med" len="med"/>
+                      <a:tailEnd type="none" w="med" len="med"/>
+                    </a:lnT>
+                    <a:lnB w="12700" cap="flat" cmpd="sng" algn="ctr">
+                      <a:solidFill>
+                        <a:schemeClr val="tx1"/>
+                      </a:solidFill>
+                      <a:prstDash val="solid"/>
+                      <a:round/>
+                      <a:headEnd type="none" w="med" len="med"/>
+                      <a:tailEnd type="none" w="med" len="med"/>
+                    </a:lnB>
+                    <a:lnTlToBr w="12700" cmpd="sng">
+                      <a:noFill/>
+                      <a:prstDash val="solid"/>
+                    </a:lnTlToBr>
+                    <a:lnBlToTr w="12700" cmpd="sng">
+                      <a:noFill/>
+                      <a:prstDash val="solid"/>
+                    </a:lnBlToTr>
+                    <a:solidFill>
+                      <a:schemeClr val="bg1"/>
+                    </a:solidFill>
+                  </a:tcPr>
+                </a:tc>
+                <a:extLst>
+                  <a:ext uri="{0D108BD9-81ED-4DB2-BD59-A6C34878D82A}">
+                    <a16:rowId xmlns:a16="http://schemas.microsoft.com/office/drawing/2014/main" val="1034411028"/>
+                  </a:ext>
+                </a:extLst>
+              </a:tr>
+              <a:tr h="469142">
+                <a:tc>
+                  <a:txBody>
+                    <a:bodyPr/>
+                    <a:lstStyle/>
+                    <a:p>
+                      <a:pPr algn="ctr" fontAlgn="ctr"/>
+                      <a:r>
+                        <a:rPr lang="ja-JP" altLang="en-US" sz="2400" b="1" u="none" strike="noStrike">
+                          <a:effectLst/>
+                        </a:rPr>
+                        <a:t>メモリ</a:t>
+                      </a:r>
+                      <a:endParaRPr lang="ja-JP" altLang="en-US" sz="2400" b="1" i="0" u="none" strike="noStrike">
+                        <a:solidFill>
+                          <a:srgbClr val="000000"/>
+                        </a:solidFill>
+                        <a:effectLst/>
+                        <a:latin typeface="游ゴシック" panose="020B0400000000000000" pitchFamily="34" charset="-128"/>
+                        <a:ea typeface="游ゴシック" panose="020B0400000000000000" pitchFamily="34" charset="-128"/>
+                      </a:endParaRPr>
+                    </a:p>
+                  </a:txBody>
+                  <a:tcPr marL="6856" marR="6856" marT="6856" marB="0" anchor="ctr">
+                    <a:lnL w="12700" cap="flat" cmpd="sng" algn="ctr">
+                      <a:solidFill>
+                        <a:schemeClr val="tx1"/>
+                      </a:solidFill>
+                      <a:prstDash val="solid"/>
+                      <a:round/>
+                      <a:headEnd type="none" w="med" len="med"/>
+                      <a:tailEnd type="none" w="med" len="med"/>
+                    </a:lnL>
+                    <a:lnR w="12700" cap="flat" cmpd="sng" algn="ctr">
+                      <a:solidFill>
+                        <a:schemeClr val="tx1"/>
+                      </a:solidFill>
+                      <a:prstDash val="solid"/>
+                      <a:round/>
+                      <a:headEnd type="none" w="med" len="med"/>
+                      <a:tailEnd type="none" w="med" len="med"/>
+                    </a:lnR>
+                    <a:lnT w="12700" cap="flat" cmpd="sng" algn="ctr">
+                      <a:solidFill>
+                        <a:schemeClr val="tx1"/>
+                      </a:solidFill>
+                      <a:prstDash val="solid"/>
+                      <a:round/>
+                      <a:headEnd type="none" w="med" len="med"/>
+                      <a:tailEnd type="none" w="med" len="med"/>
+                    </a:lnT>
+                    <a:lnB w="12700" cap="flat" cmpd="sng" algn="ctr">
+                      <a:solidFill>
+                        <a:schemeClr val="tx1"/>
+                      </a:solidFill>
+                      <a:prstDash val="solid"/>
+                      <a:round/>
+                      <a:headEnd type="none" w="med" len="med"/>
+                      <a:tailEnd type="none" w="med" len="med"/>
+                    </a:lnB>
+                    <a:lnTlToBr w="12700" cmpd="sng">
+                      <a:noFill/>
+                      <a:prstDash val="solid"/>
+                    </a:lnTlToBr>
+                    <a:lnBlToTr w="12700" cmpd="sng">
+                      <a:noFill/>
+                      <a:prstDash val="solid"/>
+                    </a:lnBlToTr>
+                    <a:solidFill>
+                      <a:schemeClr val="bg2">
+                        <a:lumMod val="90000"/>
+                      </a:schemeClr>
+                    </a:solidFill>
+                  </a:tcPr>
+                </a:tc>
+                <a:tc>
+                  <a:txBody>
+                    <a:bodyPr/>
+                    <a:lstStyle/>
+                    <a:p>
+                      <a:pPr algn="ctr" fontAlgn="ctr"/>
+                      <a:r>
+                        <a:rPr lang="en" sz="2400" u="none" strike="noStrike" dirty="0">
+                          <a:effectLst/>
+                          <a:latin typeface="+mn-ea"/>
+                          <a:ea typeface="+mn-ea"/>
+                        </a:rPr>
+                        <a:t>128GB</a:t>
+                      </a:r>
+                      <a:endParaRPr lang="en" sz="2400" b="0" i="0" u="none" strike="noStrike" dirty="0">
+                        <a:solidFill>
+                          <a:srgbClr val="000000"/>
+                        </a:solidFill>
+                        <a:effectLst/>
+                        <a:latin typeface="+mn-ea"/>
+                        <a:ea typeface="+mn-ea"/>
+                      </a:endParaRPr>
+                    </a:p>
+                  </a:txBody>
+                  <a:tcPr marL="6856" marR="6856" marT="6856" marB="0" anchor="ctr">
+                    <a:lnL w="12700" cap="flat" cmpd="sng" algn="ctr">
+                      <a:solidFill>
+                        <a:schemeClr val="tx1"/>
+                      </a:solidFill>
+                      <a:prstDash val="solid"/>
+                      <a:round/>
+                      <a:headEnd type="none" w="med" len="med"/>
+                      <a:tailEnd type="none" w="med" len="med"/>
+                    </a:lnL>
+                    <a:lnR w="12700" cap="flat" cmpd="sng" algn="ctr">
+                      <a:solidFill>
+                        <a:schemeClr val="tx1"/>
+                      </a:solidFill>
+                      <a:prstDash val="solid"/>
+                      <a:round/>
+                      <a:headEnd type="none" w="med" len="med"/>
+                      <a:tailEnd type="none" w="med" len="med"/>
+                    </a:lnR>
+                    <a:lnT w="12700" cap="flat" cmpd="sng" algn="ctr">
+                      <a:solidFill>
+                        <a:schemeClr val="tx1"/>
+                      </a:solidFill>
+                      <a:prstDash val="solid"/>
+                      <a:round/>
+                      <a:headEnd type="none" w="med" len="med"/>
+                      <a:tailEnd type="none" w="med" len="med"/>
+                    </a:lnT>
+                    <a:lnB w="12700" cap="flat" cmpd="sng" algn="ctr">
+                      <a:solidFill>
+                        <a:schemeClr val="tx1"/>
+                      </a:solidFill>
+                      <a:prstDash val="solid"/>
+                      <a:round/>
+                      <a:headEnd type="none" w="med" len="med"/>
+                      <a:tailEnd type="none" w="med" len="med"/>
+                    </a:lnB>
+                    <a:lnTlToBr w="12700" cmpd="sng">
+                      <a:noFill/>
+                      <a:prstDash val="solid"/>
+                    </a:lnTlToBr>
+                    <a:lnBlToTr w="12700" cmpd="sng">
+                      <a:noFill/>
+                      <a:prstDash val="solid"/>
+                    </a:lnBlToTr>
+                    <a:solidFill>
+                      <a:schemeClr val="bg1"/>
+                    </a:solidFill>
+                  </a:tcPr>
+                </a:tc>
+                <a:extLst>
+                  <a:ext uri="{0D108BD9-81ED-4DB2-BD59-A6C34878D82A}">
+                    <a16:rowId xmlns:a16="http://schemas.microsoft.com/office/drawing/2014/main" val="3928579759"/>
+                  </a:ext>
+                </a:extLst>
+              </a:tr>
+              <a:tr h="1594179">
+                <a:tc>
+                  <a:txBody>
+                    <a:bodyPr/>
+                    <a:lstStyle/>
+                    <a:p>
+                      <a:pPr algn="ctr" fontAlgn="ctr"/>
+                      <a:r>
+                        <a:rPr lang="ja-JP" altLang="en-US" sz="2400" b="1" u="none" strike="noStrike">
+                          <a:effectLst/>
+                        </a:rPr>
+                        <a:t>ストレージ</a:t>
+                      </a:r>
+                      <a:endParaRPr lang="ja-JP" altLang="en-US" sz="2400" b="1" i="0" u="none" strike="noStrike">
+                        <a:solidFill>
+                          <a:srgbClr val="000000"/>
+                        </a:solidFill>
+                        <a:effectLst/>
+                        <a:latin typeface="游ゴシック" panose="020B0400000000000000" pitchFamily="34" charset="-128"/>
+                        <a:ea typeface="游ゴシック" panose="020B0400000000000000" pitchFamily="34" charset="-128"/>
+                      </a:endParaRPr>
+                    </a:p>
+                  </a:txBody>
+                  <a:tcPr marL="6856" marR="6856" marT="6856" marB="0" anchor="ctr">
+                    <a:lnL w="12700" cap="flat" cmpd="sng" algn="ctr">
+                      <a:solidFill>
+                        <a:schemeClr val="tx1"/>
+                      </a:solidFill>
+                      <a:prstDash val="solid"/>
+                      <a:round/>
+                      <a:headEnd type="none" w="med" len="med"/>
+                      <a:tailEnd type="none" w="med" len="med"/>
+                    </a:lnL>
+                    <a:lnR w="12700" cap="flat" cmpd="sng" algn="ctr">
+                      <a:solidFill>
+                        <a:schemeClr val="tx1"/>
+                      </a:solidFill>
+                      <a:prstDash val="solid"/>
+                      <a:round/>
+                      <a:headEnd type="none" w="med" len="med"/>
+                      <a:tailEnd type="none" w="med" len="med"/>
+                    </a:lnR>
+                    <a:lnT w="12700" cap="flat" cmpd="sng" algn="ctr">
+                      <a:solidFill>
+                        <a:schemeClr val="tx1"/>
+                      </a:solidFill>
+                      <a:prstDash val="solid"/>
+                      <a:round/>
+                      <a:headEnd type="none" w="med" len="med"/>
+                      <a:tailEnd type="none" w="med" len="med"/>
+                    </a:lnT>
+                    <a:lnB w="12700" cap="flat" cmpd="sng" algn="ctr">
+                      <a:solidFill>
+                        <a:schemeClr val="tx1"/>
+                      </a:solidFill>
+                      <a:prstDash val="solid"/>
+                      <a:round/>
+                      <a:headEnd type="none" w="med" len="med"/>
+                      <a:tailEnd type="none" w="med" len="med"/>
+                    </a:lnB>
+                    <a:lnTlToBr w="12700" cmpd="sng">
+                      <a:noFill/>
+                      <a:prstDash val="solid"/>
+                    </a:lnTlToBr>
+                    <a:lnBlToTr w="12700" cmpd="sng">
+                      <a:noFill/>
+                      <a:prstDash val="solid"/>
+                    </a:lnBlToTr>
+                    <a:solidFill>
+                      <a:schemeClr val="bg2">
+                        <a:lumMod val="90000"/>
+                      </a:schemeClr>
+                    </a:solidFill>
+                  </a:tcPr>
+                </a:tc>
+                <a:tc>
+                  <a:txBody>
+                    <a:bodyPr/>
+                    <a:lstStyle/>
+                    <a:p>
+                      <a:pPr algn="ctr" fontAlgn="ctr"/>
+                      <a:r>
+                        <a:rPr lang="ja-JP" altLang="en-US" sz="2400" u="none" strike="noStrike">
+                          <a:effectLst/>
+                          <a:latin typeface="+mn-ea"/>
+                          <a:ea typeface="+mn-ea"/>
+                        </a:rPr>
+                        <a:t>モデル：</a:t>
+                      </a:r>
+                      <a:r>
+                        <a:rPr lang="en" sz="2400" u="none" strike="noStrike" dirty="0">
+                          <a:effectLst/>
+                          <a:latin typeface="+mn-ea"/>
+                          <a:ea typeface="+mn-ea"/>
+                        </a:rPr>
+                        <a:t>ATA SAMSUNG MZ7LM240 (</a:t>
+                      </a:r>
+                      <a:r>
+                        <a:rPr lang="en" sz="2400" u="none" strike="noStrike" dirty="0" err="1">
+                          <a:effectLst/>
+                          <a:latin typeface="+mn-ea"/>
+                          <a:ea typeface="+mn-ea"/>
+                        </a:rPr>
+                        <a:t>scsi</a:t>
+                      </a:r>
+                      <a:r>
+                        <a:rPr lang="en" sz="2400" u="none" strike="noStrike" dirty="0">
+                          <a:effectLst/>
+                          <a:latin typeface="+mn-ea"/>
+                          <a:ea typeface="+mn-ea"/>
+                        </a:rPr>
+                        <a:t>)</a:t>
+                      </a:r>
+                      <a:br>
+                        <a:rPr lang="en" sz="2400" u="none" strike="noStrike" dirty="0">
+                          <a:effectLst/>
+                          <a:latin typeface="+mn-ea"/>
+                          <a:ea typeface="+mn-ea"/>
+                        </a:rPr>
+                      </a:br>
+                      <a:r>
+                        <a:rPr lang="ja-JP" altLang="en-US" sz="2400" u="none" strike="noStrike">
+                          <a:effectLst/>
+                          <a:latin typeface="+mn-ea"/>
+                          <a:ea typeface="+mn-ea"/>
+                        </a:rPr>
+                        <a:t>ハードディスク </a:t>
+                      </a:r>
+                      <a:r>
+                        <a:rPr lang="en-US" altLang="ja-JP" sz="2400" u="none" strike="noStrike" dirty="0">
+                          <a:effectLst/>
+                          <a:latin typeface="+mn-ea"/>
+                          <a:ea typeface="+mn-ea"/>
+                        </a:rPr>
+                        <a:t>/</a:t>
+                      </a:r>
+                      <a:r>
+                        <a:rPr lang="en" sz="2400" u="none" strike="noStrike" dirty="0">
+                          <a:effectLst/>
+                          <a:latin typeface="+mn-ea"/>
+                          <a:ea typeface="+mn-ea"/>
+                        </a:rPr>
+                        <a:t>dev/</a:t>
+                      </a:r>
+                      <a:r>
+                        <a:rPr lang="en" sz="2400" u="none" strike="noStrike" dirty="0" err="1">
+                          <a:effectLst/>
+                          <a:latin typeface="+mn-ea"/>
+                          <a:ea typeface="+mn-ea"/>
+                        </a:rPr>
+                        <a:t>sda</a:t>
+                      </a:r>
+                      <a:r>
+                        <a:rPr lang="en" sz="2400" u="none" strike="noStrike" dirty="0">
+                          <a:effectLst/>
+                          <a:latin typeface="+mn-ea"/>
+                          <a:ea typeface="+mn-ea"/>
+                        </a:rPr>
+                        <a:t>: 240GB</a:t>
+                      </a:r>
+                      <a:br>
+                        <a:rPr lang="en" sz="2400" u="none" strike="noStrike" dirty="0">
+                          <a:effectLst/>
+                          <a:latin typeface="+mn-ea"/>
+                          <a:ea typeface="+mn-ea"/>
+                        </a:rPr>
+                      </a:br>
+                      <a:r>
+                        <a:rPr lang="ja-JP" altLang="en-US" sz="2400" u="none" strike="noStrike">
+                          <a:effectLst/>
+                          <a:latin typeface="+mn-ea"/>
+                          <a:ea typeface="+mn-ea"/>
+                        </a:rPr>
+                        <a:t>セクタサイズ </a:t>
+                      </a:r>
+                      <a:r>
+                        <a:rPr lang="en-US" altLang="ja-JP" sz="2400" u="none" strike="noStrike" dirty="0">
+                          <a:effectLst/>
+                          <a:latin typeface="+mn-ea"/>
+                          <a:ea typeface="+mn-ea"/>
+                        </a:rPr>
+                        <a:t>(</a:t>
+                      </a:r>
+                      <a:r>
+                        <a:rPr lang="ja-JP" altLang="en-US" sz="2400" u="none" strike="noStrike">
+                          <a:effectLst/>
+                          <a:latin typeface="+mn-ea"/>
+                          <a:ea typeface="+mn-ea"/>
+                        </a:rPr>
+                        <a:t>論理</a:t>
+                      </a:r>
+                      <a:r>
+                        <a:rPr lang="en-US" altLang="ja-JP" sz="2400" u="none" strike="noStrike" dirty="0">
+                          <a:effectLst/>
+                          <a:latin typeface="+mn-ea"/>
+                          <a:ea typeface="+mn-ea"/>
+                        </a:rPr>
+                        <a:t>/</a:t>
+                      </a:r>
+                      <a:r>
+                        <a:rPr lang="ja-JP" altLang="en-US" sz="2400" u="none" strike="noStrike">
+                          <a:effectLst/>
+                          <a:latin typeface="+mn-ea"/>
+                          <a:ea typeface="+mn-ea"/>
+                        </a:rPr>
+                        <a:t>物理</a:t>
+                      </a:r>
+                      <a:r>
+                        <a:rPr lang="en-US" altLang="ja-JP" sz="2400" u="none" strike="noStrike" dirty="0">
+                          <a:effectLst/>
+                          <a:latin typeface="+mn-ea"/>
+                          <a:ea typeface="+mn-ea"/>
+                        </a:rPr>
+                        <a:t>): 512</a:t>
+                      </a:r>
+                      <a:r>
+                        <a:rPr lang="en" sz="2400" u="none" strike="noStrike" dirty="0">
+                          <a:effectLst/>
+                          <a:latin typeface="+mn-ea"/>
+                          <a:ea typeface="+mn-ea"/>
+                        </a:rPr>
+                        <a:t>B/512B</a:t>
+                      </a:r>
+                    </a:p>
+                    <a:p>
+                      <a:pPr algn="ctr" fontAlgn="ctr"/>
+                      <a:r>
+                        <a:rPr lang="en-US" altLang="ja-JP" sz="2400" b="1" i="0" u="none" strike="noStrike" dirty="0">
+                          <a:solidFill>
+                            <a:srgbClr val="000000"/>
+                          </a:solidFill>
+                          <a:effectLst/>
+                          <a:latin typeface="+mn-ea"/>
+                          <a:ea typeface="+mn-ea"/>
+                        </a:rPr>
+                        <a:t>×2</a:t>
+                      </a:r>
+                      <a:endParaRPr lang="en" sz="2400" b="1" i="0" u="none" strike="noStrike" dirty="0">
+                        <a:solidFill>
+                          <a:srgbClr val="000000"/>
+                        </a:solidFill>
+                        <a:effectLst/>
+                        <a:latin typeface="+mn-ea"/>
+                        <a:ea typeface="+mn-ea"/>
+                      </a:endParaRPr>
+                    </a:p>
+                  </a:txBody>
+                  <a:tcPr marL="6856" marR="6856" marT="6856" marB="0" anchor="ctr">
+                    <a:lnL w="12700" cap="flat" cmpd="sng" algn="ctr">
+                      <a:solidFill>
+                        <a:schemeClr val="tx1"/>
+                      </a:solidFill>
+                      <a:prstDash val="solid"/>
+                      <a:round/>
+                      <a:headEnd type="none" w="med" len="med"/>
+                      <a:tailEnd type="none" w="med" len="med"/>
+                    </a:lnL>
+                    <a:lnR w="12700" cap="flat" cmpd="sng" algn="ctr">
+                      <a:solidFill>
+                        <a:schemeClr val="tx1"/>
+                      </a:solidFill>
+                      <a:prstDash val="solid"/>
+                      <a:round/>
+                      <a:headEnd type="none" w="med" len="med"/>
+                      <a:tailEnd type="none" w="med" len="med"/>
+                    </a:lnR>
+                    <a:lnT w="12700" cap="flat" cmpd="sng" algn="ctr">
+                      <a:solidFill>
+                        <a:schemeClr val="tx1"/>
+                      </a:solidFill>
+                      <a:prstDash val="solid"/>
+                      <a:round/>
+                      <a:headEnd type="none" w="med" len="med"/>
+                      <a:tailEnd type="none" w="med" len="med"/>
+                    </a:lnT>
+                    <a:lnB w="12700" cap="flat" cmpd="sng" algn="ctr">
+                      <a:solidFill>
+                        <a:schemeClr val="tx1"/>
+                      </a:solidFill>
+                      <a:prstDash val="solid"/>
+                      <a:round/>
+                      <a:headEnd type="none" w="med" len="med"/>
+                      <a:tailEnd type="none" w="med" len="med"/>
+                    </a:lnB>
+                    <a:lnTlToBr w="12700" cmpd="sng">
+                      <a:noFill/>
+                      <a:prstDash val="solid"/>
+                    </a:lnTlToBr>
+                    <a:lnBlToTr w="12700" cmpd="sng">
+                      <a:noFill/>
+                      <a:prstDash val="solid"/>
+                    </a:lnBlToTr>
+                    <a:solidFill>
+                      <a:schemeClr val="bg1"/>
+                    </a:solidFill>
+                  </a:tcPr>
+                </a:tc>
+                <a:extLst>
+                  <a:ext uri="{0D108BD9-81ED-4DB2-BD59-A6C34878D82A}">
+                    <a16:rowId xmlns:a16="http://schemas.microsoft.com/office/drawing/2014/main" val="655924048"/>
+                  </a:ext>
+                </a:extLst>
+              </a:tr>
+              <a:tr h="1351880">
+                <a:tc>
+                  <a:txBody>
+                    <a:bodyPr/>
+                    <a:lstStyle/>
+                    <a:p>
+                      <a:pPr algn="ctr" fontAlgn="ctr"/>
+                      <a:r>
+                        <a:rPr lang="ja-JP" altLang="en-US" sz="2400" b="1" u="none" strike="noStrike">
+                          <a:effectLst/>
+                        </a:rPr>
+                        <a:t>ネットワーク</a:t>
+                      </a:r>
+                      <a:endParaRPr lang="ja-JP" altLang="en-US" sz="2400" b="1" i="0" u="none" strike="noStrike">
+                        <a:solidFill>
+                          <a:srgbClr val="000000"/>
+                        </a:solidFill>
+                        <a:effectLst/>
+                        <a:latin typeface="游ゴシック" panose="020B0400000000000000" pitchFamily="34" charset="-128"/>
+                        <a:ea typeface="游ゴシック" panose="020B0400000000000000" pitchFamily="34" charset="-128"/>
+                      </a:endParaRPr>
+                    </a:p>
+                  </a:txBody>
+                  <a:tcPr marL="6856" marR="6856" marT="6856" marB="0" anchor="ctr">
+                    <a:lnL w="12700" cap="flat" cmpd="sng" algn="ctr">
+                      <a:solidFill>
+                        <a:schemeClr val="tx1"/>
+                      </a:solidFill>
+                      <a:prstDash val="solid"/>
+                      <a:round/>
+                      <a:headEnd type="none" w="med" len="med"/>
+                      <a:tailEnd type="none" w="med" len="med"/>
+                    </a:lnL>
+                    <a:lnR w="12700" cap="flat" cmpd="sng" algn="ctr">
+                      <a:solidFill>
+                        <a:schemeClr val="tx1"/>
+                      </a:solidFill>
+                      <a:prstDash val="solid"/>
+                      <a:round/>
+                      <a:headEnd type="none" w="med" len="med"/>
+                      <a:tailEnd type="none" w="med" len="med"/>
+                    </a:lnR>
+                    <a:lnT w="12700" cap="flat" cmpd="sng" algn="ctr">
+                      <a:solidFill>
+                        <a:schemeClr val="tx1"/>
+                      </a:solidFill>
+                      <a:prstDash val="solid"/>
+                      <a:round/>
+                      <a:headEnd type="none" w="med" len="med"/>
+                      <a:tailEnd type="none" w="med" len="med"/>
+                    </a:lnT>
+                    <a:lnB w="12700" cap="flat" cmpd="sng" algn="ctr">
+                      <a:solidFill>
+                        <a:schemeClr val="tx1"/>
+                      </a:solidFill>
+                      <a:prstDash val="solid"/>
+                      <a:round/>
+                      <a:headEnd type="none" w="med" len="med"/>
+                      <a:tailEnd type="none" w="med" len="med"/>
+                    </a:lnB>
+                    <a:lnTlToBr w="12700" cmpd="sng">
+                      <a:noFill/>
+                      <a:prstDash val="solid"/>
+                    </a:lnTlToBr>
+                    <a:lnBlToTr w="12700" cmpd="sng">
+                      <a:noFill/>
+                      <a:prstDash val="solid"/>
+                    </a:lnBlToTr>
+                    <a:solidFill>
+                      <a:schemeClr val="bg2">
+                        <a:lumMod val="90000"/>
+                      </a:schemeClr>
+                    </a:solidFill>
+                  </a:tcPr>
+                </a:tc>
+                <a:tc>
+                  <a:txBody>
+                    <a:bodyPr/>
+                    <a:lstStyle/>
+                    <a:p>
+                      <a:pPr algn="ctr" fontAlgn="ctr"/>
+                      <a:r>
+                        <a:rPr lang="en" sz="2400" u="none" strike="noStrike" dirty="0">
+                          <a:effectLst/>
+                          <a:latin typeface="+mn-ea"/>
+                          <a:ea typeface="+mn-ea"/>
+                        </a:rPr>
+                        <a:t>Dual LAN </a:t>
+                      </a:r>
+                      <a:br>
+                        <a:rPr lang="en" sz="2400" u="none" strike="noStrike" dirty="0">
+                          <a:effectLst/>
+                          <a:latin typeface="+mn-ea"/>
+                          <a:ea typeface="+mn-ea"/>
+                        </a:rPr>
+                      </a:br>
+                      <a:r>
+                        <a:rPr lang="ja-JP" altLang="en-US" sz="2400" u="none" strike="noStrike">
+                          <a:effectLst/>
+                          <a:latin typeface="+mn-ea"/>
+                          <a:ea typeface="+mn-ea"/>
+                        </a:rPr>
+                        <a:t>メーカー：</a:t>
+                      </a:r>
+                      <a:r>
+                        <a:rPr lang="en" sz="2400" u="none" strike="noStrike" dirty="0">
+                          <a:effectLst/>
+                          <a:latin typeface="+mn-ea"/>
+                          <a:ea typeface="+mn-ea"/>
+                        </a:rPr>
+                        <a:t>Intel Corporation</a:t>
+                      </a:r>
+                      <a:br>
+                        <a:rPr lang="en" sz="2400" u="none" strike="noStrike" dirty="0">
+                          <a:effectLst/>
+                          <a:latin typeface="+mn-ea"/>
+                          <a:ea typeface="+mn-ea"/>
+                        </a:rPr>
+                      </a:br>
+                      <a:r>
+                        <a:rPr lang="ja-JP" altLang="en-US" sz="2400" u="none" strike="noStrike">
+                          <a:effectLst/>
+                          <a:latin typeface="+mn-ea"/>
+                          <a:ea typeface="+mn-ea"/>
+                        </a:rPr>
+                        <a:t>型番：</a:t>
+                      </a:r>
+                      <a:r>
+                        <a:rPr lang="en" sz="2400" u="none" strike="noStrike" dirty="0">
+                          <a:effectLst/>
+                          <a:latin typeface="+mn-ea"/>
+                          <a:ea typeface="+mn-ea"/>
+                        </a:rPr>
+                        <a:t>X552/X557-AT</a:t>
+                      </a:r>
+                      <a:br>
+                        <a:rPr lang="en" sz="2400" u="none" strike="noStrike" dirty="0">
+                          <a:effectLst/>
+                          <a:latin typeface="+mn-ea"/>
+                          <a:ea typeface="+mn-ea"/>
+                        </a:rPr>
+                      </a:br>
+                      <a:r>
+                        <a:rPr lang="ja-JP" altLang="en-US" sz="2400" u="none" strike="noStrike">
+                          <a:effectLst/>
+                          <a:latin typeface="+mn-ea"/>
+                          <a:ea typeface="+mn-ea"/>
+                        </a:rPr>
+                        <a:t>規格：</a:t>
+                      </a:r>
+                      <a:r>
+                        <a:rPr lang="en-US" altLang="ja-JP" sz="2400" u="none" strike="noStrike" dirty="0">
+                          <a:effectLst/>
+                          <a:latin typeface="+mn-ea"/>
+                          <a:ea typeface="+mn-ea"/>
+                        </a:rPr>
+                        <a:t>10</a:t>
+                      </a:r>
+                      <a:r>
+                        <a:rPr lang="en" sz="2400" u="none" strike="noStrike" dirty="0">
+                          <a:effectLst/>
+                          <a:latin typeface="+mn-ea"/>
+                          <a:ea typeface="+mn-ea"/>
+                        </a:rPr>
+                        <a:t>GBASE-T</a:t>
+                      </a:r>
+                    </a:p>
+                    <a:p>
+                      <a:pPr algn="ctr" fontAlgn="ctr"/>
+                      <a:r>
+                        <a:rPr lang="ja-JP" altLang="en-US" sz="2400" b="0" i="0" u="none" strike="noStrike">
+                          <a:solidFill>
+                            <a:srgbClr val="000000"/>
+                          </a:solidFill>
+                          <a:effectLst/>
+                          <a:latin typeface="+mn-ea"/>
+                          <a:ea typeface="+mn-ea"/>
+                        </a:rPr>
+                        <a:t>メーカー</a:t>
+                      </a:r>
+                      <a:r>
+                        <a:rPr lang="en" sz="2400" b="0" i="0" u="none" strike="noStrike" dirty="0">
+                          <a:solidFill>
+                            <a:srgbClr val="000000"/>
+                          </a:solidFill>
+                          <a:effectLst/>
+                          <a:latin typeface="+mn-ea"/>
+                          <a:ea typeface="+mn-ea"/>
+                        </a:rPr>
+                        <a:t> Intel Corporation </a:t>
+                      </a:r>
+                    </a:p>
+                    <a:p>
+                      <a:pPr algn="ctr" fontAlgn="ctr"/>
+                      <a:r>
+                        <a:rPr lang="ja-JP" altLang="en-US" sz="2400" b="0" i="0" u="none" strike="noStrike">
+                          <a:solidFill>
+                            <a:srgbClr val="000000"/>
+                          </a:solidFill>
+                          <a:effectLst/>
+                          <a:latin typeface="+mn-ea"/>
+                          <a:ea typeface="+mn-ea"/>
+                        </a:rPr>
+                        <a:t>型番：</a:t>
+                      </a:r>
+                      <a:r>
+                        <a:rPr lang="en" sz="2400" b="0" i="0" u="none" strike="noStrike" dirty="0">
+                          <a:solidFill>
+                            <a:srgbClr val="000000"/>
+                          </a:solidFill>
+                          <a:effectLst/>
+                          <a:latin typeface="+mn-ea"/>
+                          <a:ea typeface="+mn-ea"/>
+                        </a:rPr>
+                        <a:t>I350 Gigabit Network Connection</a:t>
+                      </a:r>
+                    </a:p>
+                    <a:p>
+                      <a:pPr algn="ctr" fontAlgn="ctr"/>
+                      <a:endParaRPr lang="en" sz="2400" b="0" i="0" u="none" strike="noStrike" dirty="0">
+                        <a:solidFill>
+                          <a:srgbClr val="000000"/>
+                        </a:solidFill>
+                        <a:effectLst/>
+                        <a:latin typeface="+mn-ea"/>
+                        <a:ea typeface="+mn-ea"/>
+                      </a:endParaRPr>
+                    </a:p>
+                  </a:txBody>
+                  <a:tcPr marL="6856" marR="6856" marT="6856" marB="0" anchor="ctr">
+                    <a:lnL w="12700" cap="flat" cmpd="sng" algn="ctr">
+                      <a:solidFill>
+                        <a:schemeClr val="tx1"/>
+                      </a:solidFill>
+                      <a:prstDash val="solid"/>
+                      <a:round/>
+                      <a:headEnd type="none" w="med" len="med"/>
+                      <a:tailEnd type="none" w="med" len="med"/>
+                    </a:lnL>
+                    <a:lnR w="12700" cap="flat" cmpd="sng" algn="ctr">
+                      <a:solidFill>
+                        <a:schemeClr val="tx1"/>
+                      </a:solidFill>
+                      <a:prstDash val="solid"/>
+                      <a:round/>
+                      <a:headEnd type="none" w="med" len="med"/>
+                      <a:tailEnd type="none" w="med" len="med"/>
+                    </a:lnR>
+                    <a:lnT w="12700" cap="flat" cmpd="sng" algn="ctr">
+                      <a:solidFill>
+                        <a:schemeClr val="tx1"/>
+                      </a:solidFill>
+                      <a:prstDash val="solid"/>
+                      <a:round/>
+                      <a:headEnd type="none" w="med" len="med"/>
+                      <a:tailEnd type="none" w="med" len="med"/>
+                    </a:lnT>
+                    <a:lnB w="12700" cap="flat" cmpd="sng" algn="ctr">
+                      <a:solidFill>
+                        <a:schemeClr val="tx1"/>
+                      </a:solidFill>
+                      <a:prstDash val="solid"/>
+                      <a:round/>
+                      <a:headEnd type="none" w="med" len="med"/>
+                      <a:tailEnd type="none" w="med" len="med"/>
+                    </a:lnB>
+                    <a:lnTlToBr w="12700" cmpd="sng">
+                      <a:noFill/>
+                      <a:prstDash val="solid"/>
+                    </a:lnTlToBr>
+                    <a:lnBlToTr w="12700" cmpd="sng">
+                      <a:noFill/>
+                      <a:prstDash val="solid"/>
+                    </a:lnBlToTr>
+                    <a:solidFill>
+                      <a:schemeClr val="bg1"/>
+                    </a:solidFill>
+                  </a:tcPr>
+                </a:tc>
+                <a:extLst>
+                  <a:ext uri="{0D108BD9-81ED-4DB2-BD59-A6C34878D82A}">
+                    <a16:rowId xmlns:a16="http://schemas.microsoft.com/office/drawing/2014/main" val="3275695540"/>
+                  </a:ext>
+                </a:extLst>
+              </a:tr>
+            </a:tbl>
+          </a:graphicData>
+        </a:graphic>
+      </p:graphicFrame>
+    </p:spTree>
+    <p:extLst>
+      <p:ext uri="{BB962C8B-B14F-4D97-AF65-F5344CB8AC3E}">
+        <p14:creationId xmlns:p14="http://schemas.microsoft.com/office/powerpoint/2010/main" val="571271211"/>
       </p:ext>
     </p:extLst>
   </p:cSld>

--- a/SUBTHEME/graphs/telework_list.pptx
+++ b/SUBTHEME/graphs/telework_list.pptx
@@ -12,7 +12,8 @@
     <p:sldId id="261" r:id="rId6"/>
     <p:sldId id="262" r:id="rId7"/>
     <p:sldId id="263" r:id="rId8"/>
-    <p:sldId id="264" r:id="rId9"/>
+    <p:sldId id="265" r:id="rId9"/>
+    <p:sldId id="264" r:id="rId10"/>
   </p:sldIdLst>
   <p:sldSz cx="12192000" cy="6858000"/>
   <p:notesSz cx="6858000" cy="9144000"/>
@@ -266,7 +267,7 @@
           <a:p>
             <a:fld id="{4CD497F8-9430-BC49-8D3A-D071BC4586DD}" type="datetimeFigureOut">
               <a:rPr kumimoji="1" lang="ja-JP" altLang="en-US" smtClean="0"/>
-              <a:t>2020/9/30</a:t>
+              <a:t>2020/10/13</a:t>
             </a:fld>
             <a:endParaRPr kumimoji="1" lang="ja-JP" altLang="en-US"/>
           </a:p>
@@ -471,7 +472,7 @@
           <a:p>
             <a:fld id="{4CD497F8-9430-BC49-8D3A-D071BC4586DD}" type="datetimeFigureOut">
               <a:rPr kumimoji="1" lang="ja-JP" altLang="en-US" smtClean="0"/>
-              <a:t>2020/9/30</a:t>
+              <a:t>2020/10/13</a:t>
             </a:fld>
             <a:endParaRPr kumimoji="1" lang="ja-JP" altLang="en-US"/>
           </a:p>
@@ -686,7 +687,7 @@
           <a:p>
             <a:fld id="{4CD497F8-9430-BC49-8D3A-D071BC4586DD}" type="datetimeFigureOut">
               <a:rPr kumimoji="1" lang="ja-JP" altLang="en-US" smtClean="0"/>
-              <a:t>2020/9/30</a:t>
+              <a:t>2020/10/13</a:t>
             </a:fld>
             <a:endParaRPr kumimoji="1" lang="ja-JP" altLang="en-US"/>
           </a:p>
@@ -891,7 +892,7 @@
           <a:p>
             <a:fld id="{4CD497F8-9430-BC49-8D3A-D071BC4586DD}" type="datetimeFigureOut">
               <a:rPr kumimoji="1" lang="ja-JP" altLang="en-US" smtClean="0"/>
-              <a:t>2020/9/30</a:t>
+              <a:t>2020/10/13</a:t>
             </a:fld>
             <a:endParaRPr kumimoji="1" lang="ja-JP" altLang="en-US"/>
           </a:p>
@@ -1201,7 +1202,7 @@
           <a:p>
             <a:fld id="{4CD497F8-9430-BC49-8D3A-D071BC4586DD}" type="datetimeFigureOut">
               <a:rPr kumimoji="1" lang="ja-JP" altLang="en-US" smtClean="0"/>
-              <a:t>2020/9/30</a:t>
+              <a:t>2020/10/13</a:t>
             </a:fld>
             <a:endParaRPr kumimoji="1" lang="ja-JP" altLang="en-US"/>
           </a:p>
@@ -1480,7 +1481,7 @@
           <a:p>
             <a:fld id="{4CD497F8-9430-BC49-8D3A-D071BC4586DD}" type="datetimeFigureOut">
               <a:rPr kumimoji="1" lang="ja-JP" altLang="en-US" smtClean="0"/>
-              <a:t>2020/9/30</a:t>
+              <a:t>2020/10/13</a:t>
             </a:fld>
             <a:endParaRPr kumimoji="1" lang="ja-JP" altLang="en-US"/>
           </a:p>
@@ -1976,7 +1977,7 @@
           <a:p>
             <a:fld id="{4CD497F8-9430-BC49-8D3A-D071BC4586DD}" type="datetimeFigureOut">
               <a:rPr kumimoji="1" lang="ja-JP" altLang="en-US" smtClean="0"/>
-              <a:t>2020/9/30</a:t>
+              <a:t>2020/10/13</a:t>
             </a:fld>
             <a:endParaRPr kumimoji="1" lang="ja-JP" altLang="en-US"/>
           </a:p>
@@ -2117,7 +2118,7 @@
           <a:p>
             <a:fld id="{4CD497F8-9430-BC49-8D3A-D071BC4586DD}" type="datetimeFigureOut">
               <a:rPr kumimoji="1" lang="ja-JP" altLang="en-US" smtClean="0"/>
-              <a:t>2020/9/30</a:t>
+              <a:t>2020/10/13</a:t>
             </a:fld>
             <a:endParaRPr kumimoji="1" lang="ja-JP" altLang="en-US"/>
           </a:p>
@@ -2230,7 +2231,7 @@
           <a:p>
             <a:fld id="{4CD497F8-9430-BC49-8D3A-D071BC4586DD}" type="datetimeFigureOut">
               <a:rPr kumimoji="1" lang="ja-JP" altLang="en-US" smtClean="0"/>
-              <a:t>2020/9/30</a:t>
+              <a:t>2020/10/13</a:t>
             </a:fld>
             <a:endParaRPr kumimoji="1" lang="ja-JP" altLang="en-US"/>
           </a:p>
@@ -2583,7 +2584,7 @@
           <a:p>
             <a:fld id="{4CD497F8-9430-BC49-8D3A-D071BC4586DD}" type="datetimeFigureOut">
               <a:rPr kumimoji="1" lang="ja-JP" altLang="en-US" smtClean="0"/>
-              <a:t>2020/9/30</a:t>
+              <a:t>2020/10/13</a:t>
             </a:fld>
             <a:endParaRPr kumimoji="1" lang="ja-JP" altLang="en-US"/>
           </a:p>
@@ -2906,7 +2907,7 @@
           <a:p>
             <a:fld id="{4CD497F8-9430-BC49-8D3A-D071BC4586DD}" type="datetimeFigureOut">
               <a:rPr kumimoji="1" lang="ja-JP" altLang="en-US" smtClean="0"/>
-              <a:t>2020/9/30</a:t>
+              <a:t>2020/10/13</a:t>
             </a:fld>
             <a:endParaRPr kumimoji="1" lang="ja-JP" altLang="en-US"/>
           </a:p>
@@ -3154,7 +3155,7 @@
           <a:p>
             <a:fld id="{4CD497F8-9430-BC49-8D3A-D071BC4586DD}" type="datetimeFigureOut">
               <a:rPr kumimoji="1" lang="ja-JP" altLang="en-US" smtClean="0"/>
-              <a:t>2020/9/30</a:t>
+              <a:t>2020/10/13</a:t>
             </a:fld>
             <a:endParaRPr kumimoji="1" lang="ja-JP" altLang="en-US"/>
           </a:p>
@@ -3586,63 +3587,63 @@
           <p:nvPr>
             <p:extLst>
               <p:ext uri="{D42A27DB-BD31-4B8C-83A1-F6EECF244321}">
-                <p14:modId xmlns:p14="http://schemas.microsoft.com/office/powerpoint/2010/main" val="3912763870"/>
+                <p14:modId xmlns:p14="http://schemas.microsoft.com/office/powerpoint/2010/main" val="4234353544"/>
               </p:ext>
             </p:extLst>
           </p:nvPr>
         </p:nvGraphicFramePr>
         <p:xfrm>
-          <a:off x="92467" y="113016"/>
-          <a:ext cx="12010491" cy="6667929"/>
+          <a:off x="0" y="0"/>
+          <a:ext cx="12191998" cy="6858000"/>
         </p:xfrm>
         <a:graphic>
           <a:graphicData uri="http://schemas.openxmlformats.org/drawingml/2006/table">
             <a:tbl>
               <a:tblPr/>
               <a:tblGrid>
-                <a:gridCol w="1347538">
+                <a:gridCol w="1367902">
                   <a:extLst>
                     <a:ext uri="{9D8B030D-6E8A-4147-A177-3AD203B41FA5}">
                       <a16:colId xmlns:a16="http://schemas.microsoft.com/office/drawing/2014/main" val="869121236"/>
                     </a:ext>
                   </a:extLst>
                 </a:gridCol>
-                <a:gridCol w="1638895">
+                <a:gridCol w="1663663">
                   <a:extLst>
                     <a:ext uri="{9D8B030D-6E8A-4147-A177-3AD203B41FA5}">
                       <a16:colId xmlns:a16="http://schemas.microsoft.com/office/drawing/2014/main" val="1181199596"/>
                     </a:ext>
                   </a:extLst>
                 </a:gridCol>
-                <a:gridCol w="1812905">
+                <a:gridCol w="1840302">
                   <a:extLst>
                     <a:ext uri="{9D8B030D-6E8A-4147-A177-3AD203B41FA5}">
                       <a16:colId xmlns:a16="http://schemas.microsoft.com/office/drawing/2014/main" val="1916446423"/>
                     </a:ext>
                   </a:extLst>
                 </a:gridCol>
-                <a:gridCol w="1845278">
+                <a:gridCol w="1873165">
                   <a:extLst>
                     <a:ext uri="{9D8B030D-6E8A-4147-A177-3AD203B41FA5}">
                       <a16:colId xmlns:a16="http://schemas.microsoft.com/office/drawing/2014/main" val="3589644436"/>
                     </a:ext>
                   </a:extLst>
                 </a:gridCol>
-                <a:gridCol w="1651038">
+                <a:gridCol w="1675989">
                   <a:extLst>
                     <a:ext uri="{9D8B030D-6E8A-4147-A177-3AD203B41FA5}">
                       <a16:colId xmlns:a16="http://schemas.microsoft.com/office/drawing/2014/main" val="3694364212"/>
                     </a:ext>
                   </a:extLst>
                 </a:gridCol>
-                <a:gridCol w="1930258">
+                <a:gridCol w="1959429">
                   <a:extLst>
                     <a:ext uri="{9D8B030D-6E8A-4147-A177-3AD203B41FA5}">
                       <a16:colId xmlns:a16="http://schemas.microsoft.com/office/drawing/2014/main" val="3335787609"/>
                     </a:ext>
                   </a:extLst>
                 </a:gridCol>
-                <a:gridCol w="1784579">
+                <a:gridCol w="1811548">
                   <a:extLst>
                     <a:ext uri="{9D8B030D-6E8A-4147-A177-3AD203B41FA5}">
                       <a16:colId xmlns:a16="http://schemas.microsoft.com/office/drawing/2014/main" val="1875025151"/>
@@ -3650,7 +3651,7 @@
                   </a:extLst>
                 </a:gridCol>
               </a:tblGrid>
-              <a:tr h="454742">
+              <a:tr h="467705">
                 <a:tc>
                   <a:txBody>
                     <a:bodyPr/>
@@ -4164,7 +4165,7 @@
                   </a:ext>
                 </a:extLst>
               </a:tr>
-              <a:tr h="681670">
+              <a:tr h="701101">
                 <a:tc>
                   <a:txBody>
                     <a:bodyPr/>
@@ -4676,7 +4677,7 @@
                   </a:ext>
                 </a:extLst>
               </a:tr>
-              <a:tr h="1234024">
+              <a:tr h="1269200">
                 <a:tc>
                   <a:txBody>
                     <a:bodyPr/>
@@ -5235,7 +5236,7 @@
                   </a:ext>
                 </a:extLst>
               </a:tr>
-              <a:tr h="1155876">
+              <a:tr h="1188824">
                 <a:tc>
                   <a:txBody>
                     <a:bodyPr/>
@@ -5710,7 +5711,7 @@
                   </a:ext>
                 </a:extLst>
               </a:tr>
-              <a:tr h="1126241">
+              <a:tr h="1158345">
                 <a:tc>
                   <a:txBody>
                     <a:bodyPr/>
@@ -6248,7 +6249,7 @@
                   </a:ext>
                 </a:extLst>
               </a:tr>
-              <a:tr h="1081783">
+              <a:tr h="1112619">
                 <a:tc>
                   <a:txBody>
                     <a:bodyPr/>
@@ -6788,7 +6789,7 @@
                   </a:ext>
                 </a:extLst>
               </a:tr>
-              <a:tr h="933593">
+              <a:tr h="960206">
                 <a:tc>
                   <a:txBody>
                     <a:bodyPr/>
@@ -7312,35 +7313,35 @@
           <p:nvPr>
             <p:extLst>
               <p:ext uri="{D42A27DB-BD31-4B8C-83A1-F6EECF244321}">
-                <p14:modId xmlns:p14="http://schemas.microsoft.com/office/powerpoint/2010/main" val="3972008958"/>
+                <p14:modId xmlns:p14="http://schemas.microsoft.com/office/powerpoint/2010/main" val="2794019396"/>
               </p:ext>
             </p:extLst>
           </p:nvPr>
         </p:nvGraphicFramePr>
         <p:xfrm>
-          <a:off x="246581" y="205483"/>
-          <a:ext cx="11702265" cy="6408110"/>
+          <a:off x="0" y="0"/>
+          <a:ext cx="12191998" cy="6858001"/>
         </p:xfrm>
         <a:graphic>
           <a:graphicData uri="http://schemas.openxmlformats.org/drawingml/2006/table">
             <a:tbl>
               <a:tblPr/>
               <a:tblGrid>
-                <a:gridCol w="3508480">
+                <a:gridCol w="3655308">
                   <a:extLst>
                     <a:ext uri="{9D8B030D-6E8A-4147-A177-3AD203B41FA5}">
                       <a16:colId xmlns:a16="http://schemas.microsoft.com/office/drawing/2014/main" val="3003885136"/>
                     </a:ext>
                   </a:extLst>
                 </a:gridCol>
-                <a:gridCol w="4478056">
+                <a:gridCol w="4665460">
                   <a:extLst>
                     <a:ext uri="{9D8B030D-6E8A-4147-A177-3AD203B41FA5}">
                       <a16:colId xmlns:a16="http://schemas.microsoft.com/office/drawing/2014/main" val="2776643123"/>
                     </a:ext>
                   </a:extLst>
                 </a:gridCol>
-                <a:gridCol w="3715729">
+                <a:gridCol w="3871230">
                   <a:extLst>
                     <a:ext uri="{9D8B030D-6E8A-4147-A177-3AD203B41FA5}">
                       <a16:colId xmlns:a16="http://schemas.microsoft.com/office/drawing/2014/main" val="1484286181"/>
@@ -7348,7 +7349,7 @@
                   </a:extLst>
                 </a:gridCol>
               </a:tblGrid>
-              <a:tr h="590218">
+              <a:tr h="631655">
                 <a:tc>
                   <a:txBody>
                     <a:bodyPr/>
@@ -7538,7 +7539,7 @@
                   </a:ext>
                 </a:extLst>
               </a:tr>
-              <a:tr h="1339234">
+              <a:tr h="1433257">
                 <a:tc>
                   <a:txBody>
                     <a:bodyPr/>
@@ -7869,7 +7870,7 @@
                   </a:ext>
                 </a:extLst>
               </a:tr>
-              <a:tr h="1043145">
+              <a:tr h="1116381">
                 <a:tc>
                   <a:txBody>
                     <a:bodyPr/>
@@ -8162,7 +8163,7 @@
                   </a:ext>
                 </a:extLst>
               </a:tr>
-              <a:tr h="843970">
+              <a:tr h="903222">
                 <a:tc>
                   <a:txBody>
                     <a:bodyPr/>
@@ -8411,7 +8412,7 @@
                   </a:ext>
                 </a:extLst>
               </a:tr>
-              <a:tr h="541176">
+              <a:tr h="595454">
                 <a:tc>
                   <a:txBody>
                     <a:bodyPr/>
@@ -8639,7 +8640,7 @@
                   </a:ext>
                 </a:extLst>
               </a:tr>
-              <a:tr h="525684">
+              <a:tr h="595454">
                 <a:tc>
                   <a:txBody>
                     <a:bodyPr/>
@@ -8867,7 +8868,7 @@
                   </a:ext>
                 </a:extLst>
               </a:tr>
-              <a:tr h="737103">
+              <a:tr h="889034">
                 <a:tc>
                   <a:txBody>
                     <a:bodyPr/>
@@ -9127,7 +9128,7 @@
                   </a:ext>
                 </a:extLst>
               </a:tr>
-              <a:tr h="648047">
+              <a:tr h="693544">
                 <a:tc>
                   <a:txBody>
                     <a:bodyPr/>
@@ -9426,42 +9427,42 @@
           <p:nvPr>
             <p:extLst>
               <p:ext uri="{D42A27DB-BD31-4B8C-83A1-F6EECF244321}">
-                <p14:modId xmlns:p14="http://schemas.microsoft.com/office/powerpoint/2010/main" val="759610164"/>
+                <p14:modId xmlns:p14="http://schemas.microsoft.com/office/powerpoint/2010/main" val="3027604228"/>
               </p:ext>
             </p:extLst>
           </p:nvPr>
         </p:nvGraphicFramePr>
         <p:xfrm>
-          <a:off x="102742" y="205483"/>
-          <a:ext cx="11989940" cy="6462445"/>
+          <a:off x="0" y="0"/>
+          <a:ext cx="12192000" cy="6768548"/>
         </p:xfrm>
         <a:graphic>
           <a:graphicData uri="http://schemas.openxmlformats.org/drawingml/2006/table">
             <a:tbl>
               <a:tblPr/>
               <a:tblGrid>
-                <a:gridCol w="1941815">
+                <a:gridCol w="1974539">
                   <a:extLst>
                     <a:ext uri="{9D8B030D-6E8A-4147-A177-3AD203B41FA5}">
                       <a16:colId xmlns:a16="http://schemas.microsoft.com/office/drawing/2014/main" val="2067368830"/>
                     </a:ext>
                   </a:extLst>
                 </a:gridCol>
-                <a:gridCol w="3246634">
+                <a:gridCol w="3301348">
                   <a:extLst>
                     <a:ext uri="{9D8B030D-6E8A-4147-A177-3AD203B41FA5}">
                       <a16:colId xmlns:a16="http://schemas.microsoft.com/office/drawing/2014/main" val="1221623990"/>
                     </a:ext>
                   </a:extLst>
                 </a:gridCol>
-                <a:gridCol w="3482939">
+                <a:gridCol w="3541635">
                   <a:extLst>
                     <a:ext uri="{9D8B030D-6E8A-4147-A177-3AD203B41FA5}">
                       <a16:colId xmlns:a16="http://schemas.microsoft.com/office/drawing/2014/main" val="2011437720"/>
                     </a:ext>
                   </a:extLst>
                 </a:gridCol>
-                <a:gridCol w="3318552">
+                <a:gridCol w="3374478">
                   <a:extLst>
                     <a:ext uri="{9D8B030D-6E8A-4147-A177-3AD203B41FA5}">
                       <a16:colId xmlns:a16="http://schemas.microsoft.com/office/drawing/2014/main" val="2453905515"/>
@@ -9469,7 +9470,7 @@
                   </a:extLst>
                 </a:gridCol>
               </a:tblGrid>
-              <a:tr h="905028">
+              <a:tr h="947896">
                 <a:tc>
                   <a:txBody>
                     <a:bodyPr/>
@@ -9764,7 +9765,7 @@
                   </a:ext>
                 </a:extLst>
               </a:tr>
-              <a:tr h="1473924">
+              <a:tr h="1543739">
                 <a:tc>
                   <a:txBody>
                     <a:bodyPr/>
@@ -10085,7 +10086,7 @@
                   </a:ext>
                 </a:extLst>
               </a:tr>
-              <a:tr h="1014833">
+              <a:tr h="1062902">
                 <a:tc>
                   <a:txBody>
                     <a:bodyPr/>
@@ -10398,7 +10399,7 @@
                   </a:ext>
                 </a:extLst>
               </a:tr>
-              <a:tr h="1014833">
+              <a:tr h="1062902">
                 <a:tc>
                   <a:txBody>
                     <a:bodyPr/>
@@ -10740,7 +10741,7 @@
                   </a:ext>
                 </a:extLst>
               </a:tr>
-              <a:tr h="2053827">
+              <a:tr h="2151109">
                 <a:tc>
                   <a:txBody>
                     <a:bodyPr/>
@@ -11184,14 +11185,14 @@
           <p:nvPr>
             <p:extLst>
               <p:ext uri="{D42A27DB-BD31-4B8C-83A1-F6EECF244321}">
-                <p14:modId xmlns:p14="http://schemas.microsoft.com/office/powerpoint/2010/main" val="41976254"/>
+                <p14:modId xmlns:p14="http://schemas.microsoft.com/office/powerpoint/2010/main" val="2906725317"/>
               </p:ext>
             </p:extLst>
           </p:nvPr>
         </p:nvGraphicFramePr>
         <p:xfrm>
-          <a:off x="159027" y="159027"/>
-          <a:ext cx="11887200" cy="6549887"/>
+          <a:off x="0" y="0"/>
+          <a:ext cx="12192000" cy="6857998"/>
         </p:xfrm>
         <a:graphic>
           <a:graphicData uri="http://schemas.openxmlformats.org/drawingml/2006/table">
@@ -11200,56 +11201,56 @@
                 <a:tableStyleId>{5C22544A-7EE6-4342-B048-85BDC9FD1C3A}</a:tableStyleId>
               </a:tblPr>
               <a:tblGrid>
-                <a:gridCol w="1539291">
+                <a:gridCol w="1578760">
                   <a:extLst>
                     <a:ext uri="{9D8B030D-6E8A-4147-A177-3AD203B41FA5}">
                       <a16:colId xmlns:a16="http://schemas.microsoft.com/office/drawing/2014/main" val="329282240"/>
                     </a:ext>
                   </a:extLst>
                 </a:gridCol>
-                <a:gridCol w="3073815">
+                <a:gridCol w="3152631">
                   <a:extLst>
                     <a:ext uri="{9D8B030D-6E8A-4147-A177-3AD203B41FA5}">
                       <a16:colId xmlns:a16="http://schemas.microsoft.com/office/drawing/2014/main" val="2517006003"/>
                     </a:ext>
                   </a:extLst>
                 </a:gridCol>
-                <a:gridCol w="1062137">
+                <a:gridCol w="1089371">
                   <a:extLst>
                     <a:ext uri="{9D8B030D-6E8A-4147-A177-3AD203B41FA5}">
                       <a16:colId xmlns:a16="http://schemas.microsoft.com/office/drawing/2014/main" val="22439650"/>
                     </a:ext>
                   </a:extLst>
                 </a:gridCol>
-                <a:gridCol w="944217">
+                <a:gridCol w="968428">
                   <a:extLst>
                     <a:ext uri="{9D8B030D-6E8A-4147-A177-3AD203B41FA5}">
                       <a16:colId xmlns:a16="http://schemas.microsoft.com/office/drawing/2014/main" val="4267114608"/>
                     </a:ext>
                   </a:extLst>
                 </a:gridCol>
-                <a:gridCol w="924339">
+                <a:gridCol w="948040">
                   <a:extLst>
                     <a:ext uri="{9D8B030D-6E8A-4147-A177-3AD203B41FA5}">
                       <a16:colId xmlns:a16="http://schemas.microsoft.com/office/drawing/2014/main" val="2745333754"/>
                     </a:ext>
                   </a:extLst>
                 </a:gridCol>
-                <a:gridCol w="1292087">
+                <a:gridCol w="1325218">
                   <a:extLst>
                     <a:ext uri="{9D8B030D-6E8A-4147-A177-3AD203B41FA5}">
                       <a16:colId xmlns:a16="http://schemas.microsoft.com/office/drawing/2014/main" val="3867531369"/>
                     </a:ext>
                   </a:extLst>
                 </a:gridCol>
-                <a:gridCol w="1103244">
+                <a:gridCol w="1131532">
                   <a:extLst>
                     <a:ext uri="{9D8B030D-6E8A-4147-A177-3AD203B41FA5}">
                       <a16:colId xmlns:a16="http://schemas.microsoft.com/office/drawing/2014/main" val="3646735341"/>
                     </a:ext>
                   </a:extLst>
                 </a:gridCol>
-                <a:gridCol w="1948070">
+                <a:gridCol w="1998020">
                   <a:extLst>
                     <a:ext uri="{9D8B030D-6E8A-4147-A177-3AD203B41FA5}">
                       <a16:colId xmlns:a16="http://schemas.microsoft.com/office/drawing/2014/main" val="3100217526"/>
@@ -11257,7 +11258,7 @@
                   </a:extLst>
                 </a:gridCol>
               </a:tblGrid>
-              <a:tr h="1297010">
+              <a:tr h="1358023">
                 <a:tc>
                   <a:txBody>
                     <a:bodyPr/>
@@ -11735,7 +11736,7 @@
                   </a:ext>
                 </a:extLst>
               </a:tr>
-              <a:tr h="1750959">
+              <a:tr h="1833325">
                 <a:tc>
                   <a:txBody>
                     <a:bodyPr/>
@@ -12307,7 +12308,7 @@
                   </a:ext>
                 </a:extLst>
               </a:tr>
-              <a:tr h="1750959">
+              <a:tr h="1833325">
                 <a:tc>
                   <a:txBody>
                     <a:bodyPr/>
@@ -12855,7 +12856,7 @@
                   </a:ext>
                 </a:extLst>
               </a:tr>
-              <a:tr h="1750959">
+              <a:tr h="1833325">
                 <a:tc>
                   <a:txBody>
                     <a:bodyPr/>
@@ -13474,14 +13475,14 @@
           <p:nvPr>
             <p:extLst>
               <p:ext uri="{D42A27DB-BD31-4B8C-83A1-F6EECF244321}">
-                <p14:modId xmlns:p14="http://schemas.microsoft.com/office/powerpoint/2010/main" val="829110118"/>
+                <p14:modId xmlns:p14="http://schemas.microsoft.com/office/powerpoint/2010/main" val="505100557"/>
               </p:ext>
             </p:extLst>
           </p:nvPr>
         </p:nvGraphicFramePr>
         <p:xfrm>
-          <a:off x="115294" y="97900"/>
-          <a:ext cx="11936894" cy="6638327"/>
+          <a:off x="0" y="0"/>
+          <a:ext cx="12192001" cy="6858000"/>
         </p:xfrm>
         <a:graphic>
           <a:graphicData uri="http://schemas.openxmlformats.org/drawingml/2006/table">
@@ -13490,56 +13491,56 @@
                 <a:tableStyleId>{5C22544A-7EE6-4342-B048-85BDC9FD1C3A}</a:tableStyleId>
               </a:tblPr>
               <a:tblGrid>
-                <a:gridCol w="1222513">
+                <a:gridCol w="1248640">
                   <a:extLst>
                     <a:ext uri="{9D8B030D-6E8A-4147-A177-3AD203B41FA5}">
                       <a16:colId xmlns:a16="http://schemas.microsoft.com/office/drawing/2014/main" val="1071551737"/>
                     </a:ext>
                   </a:extLst>
                 </a:gridCol>
-                <a:gridCol w="2464904">
+                <a:gridCol w="2517582">
                   <a:extLst>
                     <a:ext uri="{9D8B030D-6E8A-4147-A177-3AD203B41FA5}">
                       <a16:colId xmlns:a16="http://schemas.microsoft.com/office/drawing/2014/main" val="3964152360"/>
                     </a:ext>
                   </a:extLst>
                 </a:gridCol>
-                <a:gridCol w="1033670">
+                <a:gridCol w="1055761">
                   <a:extLst>
                     <a:ext uri="{9D8B030D-6E8A-4147-A177-3AD203B41FA5}">
                       <a16:colId xmlns:a16="http://schemas.microsoft.com/office/drawing/2014/main" val="375753627"/>
                     </a:ext>
                   </a:extLst>
                 </a:gridCol>
-                <a:gridCol w="1401417">
+                <a:gridCol w="1431367">
                   <a:extLst>
                     <a:ext uri="{9D8B030D-6E8A-4147-A177-3AD203B41FA5}">
                       <a16:colId xmlns:a16="http://schemas.microsoft.com/office/drawing/2014/main" val="1669783534"/>
                     </a:ext>
                   </a:extLst>
                 </a:gridCol>
-                <a:gridCol w="892687">
+                <a:gridCol w="911765">
                   <a:extLst>
                     <a:ext uri="{9D8B030D-6E8A-4147-A177-3AD203B41FA5}">
                       <a16:colId xmlns:a16="http://schemas.microsoft.com/office/drawing/2014/main" val="757197614"/>
                     </a:ext>
                   </a:extLst>
                 </a:gridCol>
-                <a:gridCol w="1751281">
+                <a:gridCol w="1788708">
                   <a:extLst>
                     <a:ext uri="{9D8B030D-6E8A-4147-A177-3AD203B41FA5}">
                       <a16:colId xmlns:a16="http://schemas.microsoft.com/office/drawing/2014/main" val="4180918969"/>
                     </a:ext>
                   </a:extLst>
                 </a:gridCol>
-                <a:gridCol w="895771">
+                <a:gridCol w="914915">
                   <a:extLst>
                     <a:ext uri="{9D8B030D-6E8A-4147-A177-3AD203B41FA5}">
                       <a16:colId xmlns:a16="http://schemas.microsoft.com/office/drawing/2014/main" val="4272599042"/>
                     </a:ext>
                   </a:extLst>
                 </a:gridCol>
-                <a:gridCol w="2274651">
+                <a:gridCol w="2323263">
                   <a:extLst>
                     <a:ext uri="{9D8B030D-6E8A-4147-A177-3AD203B41FA5}">
                       <a16:colId xmlns:a16="http://schemas.microsoft.com/office/drawing/2014/main" val="1192092085"/>
@@ -13547,7 +13548,7 @@
                   </a:extLst>
                 </a:gridCol>
               </a:tblGrid>
-              <a:tr h="914402">
+              <a:tr h="944661">
                 <a:tc>
                   <a:txBody>
                     <a:bodyPr/>
@@ -14028,7 +14029,7 @@
                   </a:ext>
                 </a:extLst>
               </a:tr>
-              <a:tr h="1913264">
+              <a:tr h="1976577">
                 <a:tc>
                   <a:txBody>
                     <a:bodyPr/>
@@ -14638,7 +14639,7 @@
                   </a:ext>
                 </a:extLst>
               </a:tr>
-              <a:tr h="1670731">
+              <a:tr h="1726018">
                 <a:tc>
                   <a:txBody>
                     <a:bodyPr/>
@@ -15198,7 +15199,7 @@
                   </a:ext>
                 </a:extLst>
               </a:tr>
-              <a:tr h="2095994">
+              <a:tr h="2210744">
                 <a:tc>
                   <a:txBody>
                     <a:bodyPr/>
@@ -15967,14 +15968,14 @@
           <p:nvPr>
             <p:extLst>
               <p:ext uri="{D42A27DB-BD31-4B8C-83A1-F6EECF244321}">
-                <p14:modId xmlns:p14="http://schemas.microsoft.com/office/powerpoint/2010/main" val="924771127"/>
+                <p14:modId xmlns:p14="http://schemas.microsoft.com/office/powerpoint/2010/main" val="275014976"/>
               </p:ext>
             </p:extLst>
           </p:nvPr>
         </p:nvGraphicFramePr>
         <p:xfrm>
-          <a:off x="129209" y="79304"/>
-          <a:ext cx="11728173" cy="6300522"/>
+          <a:off x="0" y="0"/>
+          <a:ext cx="12191999" cy="6858000"/>
         </p:xfrm>
         <a:graphic>
           <a:graphicData uri="http://schemas.openxmlformats.org/drawingml/2006/table">
@@ -15983,14 +15984,14 @@
                 <a:tableStyleId>{5C22544A-7EE6-4342-B048-85BDC9FD1C3A}</a:tableStyleId>
               </a:tblPr>
               <a:tblGrid>
-                <a:gridCol w="3468756">
+                <a:gridCol w="3605938">
                   <a:extLst>
                     <a:ext uri="{9D8B030D-6E8A-4147-A177-3AD203B41FA5}">
                       <a16:colId xmlns:a16="http://schemas.microsoft.com/office/drawing/2014/main" val="2636257918"/>
                     </a:ext>
                   </a:extLst>
                 </a:gridCol>
-                <a:gridCol w="8259417">
+                <a:gridCol w="8586061">
                   <a:extLst>
                     <a:ext uri="{9D8B030D-6E8A-4147-A177-3AD203B41FA5}">
                       <a16:colId xmlns:a16="http://schemas.microsoft.com/office/drawing/2014/main" val="3758699880"/>
@@ -15998,7 +15999,7 @@
                   </a:extLst>
                 </a:gridCol>
               </a:tblGrid>
-              <a:tr h="537765">
+              <a:tr h="585347">
                 <a:tc>
                   <a:txBody>
                     <a:bodyPr/>
@@ -16159,7 +16160,7 @@
                   </a:ext>
                 </a:extLst>
               </a:tr>
-              <a:tr h="752788">
+              <a:tr h="819395">
                 <a:tc>
                   <a:txBody>
                     <a:bodyPr/>
@@ -16320,7 +16321,7 @@
                   </a:ext>
                 </a:extLst>
               </a:tr>
-              <a:tr h="547128">
+              <a:tr h="803709">
                 <a:tc>
                   <a:txBody>
                     <a:bodyPr/>
@@ -16599,7 +16600,7 @@
                   </a:ext>
                 </a:extLst>
               </a:tr>
-              <a:tr h="713487">
+              <a:tr h="803709">
                 <a:tc>
                   <a:txBody>
                     <a:bodyPr/>
@@ -16785,7 +16786,7 @@
                   </a:ext>
                 </a:extLst>
               </a:tr>
-              <a:tr h="469142">
+              <a:tr h="510652">
                 <a:tc>
                   <a:txBody>
                     <a:bodyPr/>
@@ -16940,7 +16941,7 @@
                   </a:ext>
                 </a:extLst>
               </a:tr>
-              <a:tr h="1594179">
+              <a:tr h="1735234">
                 <a:tc>
                   <a:txBody>
                     <a:bodyPr/>
@@ -17243,7 +17244,7 @@
                   </a:ext>
                 </a:extLst>
               </a:tr>
-              <a:tr h="1351880">
+              <a:tr h="1599954">
                 <a:tc>
                   <a:txBody>
                     <a:bodyPr/>
@@ -17553,14 +17554,14 @@
           <p:nvPr>
             <p:extLst>
               <p:ext uri="{D42A27DB-BD31-4B8C-83A1-F6EECF244321}">
-                <p14:modId xmlns:p14="http://schemas.microsoft.com/office/powerpoint/2010/main" val="2890180384"/>
+                <p14:modId xmlns:p14="http://schemas.microsoft.com/office/powerpoint/2010/main" val="3961093121"/>
               </p:ext>
             </p:extLst>
           </p:nvPr>
         </p:nvGraphicFramePr>
         <p:xfrm>
-          <a:off x="129209" y="159026"/>
-          <a:ext cx="11797748" cy="6153962"/>
+          <a:off x="129208" y="159025"/>
+          <a:ext cx="12062791" cy="6599581"/>
         </p:xfrm>
         <a:graphic>
           <a:graphicData uri="http://schemas.openxmlformats.org/drawingml/2006/table">
@@ -17569,14 +17570,14 @@
                 <a:tableStyleId>{5C22544A-7EE6-4342-B048-85BDC9FD1C3A}</a:tableStyleId>
               </a:tblPr>
               <a:tblGrid>
-                <a:gridCol w="5973542">
+                <a:gridCol w="6107741">
                   <a:extLst>
                     <a:ext uri="{9D8B030D-6E8A-4147-A177-3AD203B41FA5}">
                       <a16:colId xmlns:a16="http://schemas.microsoft.com/office/drawing/2014/main" val="3846216585"/>
                     </a:ext>
                   </a:extLst>
                 </a:gridCol>
-                <a:gridCol w="5824206">
+                <a:gridCol w="5955050">
                   <a:extLst>
                     <a:ext uri="{9D8B030D-6E8A-4147-A177-3AD203B41FA5}">
                       <a16:colId xmlns:a16="http://schemas.microsoft.com/office/drawing/2014/main" val="3219667578"/>
@@ -17584,7 +17585,7 @@
                   </a:extLst>
                 </a:gridCol>
               </a:tblGrid>
-              <a:tr h="954157">
+              <a:tr h="1023249">
                 <a:tc>
                   <a:txBody>
                     <a:bodyPr/>
@@ -17734,7 +17735,7 @@
                   </a:ext>
                 </a:extLst>
               </a:tr>
-              <a:tr h="1176945">
+              <a:tr h="1262170">
                 <a:tc>
                   <a:txBody>
                     <a:bodyPr/>
@@ -17875,7 +17876,7 @@
                   </a:ext>
                 </a:extLst>
               </a:tr>
-              <a:tr h="1101591">
+              <a:tr h="1181359">
                 <a:tc>
                   <a:txBody>
                     <a:bodyPr/>
@@ -18016,7 +18017,7 @@
                   </a:ext>
                 </a:extLst>
               </a:tr>
-              <a:tr h="1239916">
+              <a:tr h="1329701">
                 <a:tc>
                   <a:txBody>
                     <a:bodyPr/>
@@ -18230,7 +18231,7 @@
                   </a:ext>
                 </a:extLst>
               </a:tr>
-              <a:tr h="560451">
+              <a:tr h="601034">
                 <a:tc>
                   <a:txBody>
                     <a:bodyPr/>
@@ -18371,7 +18372,7 @@
                   </a:ext>
                 </a:extLst>
               </a:tr>
-              <a:tr h="560451">
+              <a:tr h="601034">
                 <a:tc>
                   <a:txBody>
                     <a:bodyPr/>
@@ -18512,7 +18513,7 @@
                   </a:ext>
                 </a:extLst>
               </a:tr>
-              <a:tr h="560451">
+              <a:tr h="601034">
                 <a:tc>
                   <a:txBody>
                     <a:bodyPr/>
@@ -18687,6 +18688,2165 @@
 </file>
 
 <file path=ppt/slides/slide8.xml><?xml version="1.0" encoding="utf-8"?>
+<p:sld xmlns:a="http://schemas.openxmlformats.org/drawingml/2006/main" xmlns:r="http://schemas.openxmlformats.org/officeDocument/2006/relationships" xmlns:p="http://schemas.openxmlformats.org/presentationml/2006/main">
+  <p:cSld>
+    <p:spTree>
+      <p:nvGrpSpPr>
+        <p:cNvPr id="1" name=""/>
+        <p:cNvGrpSpPr/>
+        <p:nvPr/>
+      </p:nvGrpSpPr>
+      <p:grpSpPr>
+        <a:xfrm>
+          <a:off x="0" y="0"/>
+          <a:ext cx="0" cy="0"/>
+          <a:chOff x="0" y="0"/>
+          <a:chExt cx="0" cy="0"/>
+        </a:xfrm>
+      </p:grpSpPr>
+      <p:graphicFrame>
+        <p:nvGraphicFramePr>
+          <p:cNvPr id="2" name="表 1">
+            <a:extLst>
+              <a:ext uri="{FF2B5EF4-FFF2-40B4-BE49-F238E27FC236}">
+                <a16:creationId xmlns:a16="http://schemas.microsoft.com/office/drawing/2014/main" id="{1491C5D8-06D3-F64B-A832-24C88B0DB1A6}"/>
+              </a:ext>
+            </a:extLst>
+          </p:cNvPr>
+          <p:cNvGraphicFramePr>
+            <a:graphicFrameLocks noGrp="1"/>
+          </p:cNvGraphicFramePr>
+          <p:nvPr>
+            <p:extLst>
+              <p:ext uri="{D42A27DB-BD31-4B8C-83A1-F6EECF244321}">
+                <p14:modId xmlns:p14="http://schemas.microsoft.com/office/powerpoint/2010/main" val="453251118"/>
+              </p:ext>
+            </p:extLst>
+          </p:nvPr>
+        </p:nvGraphicFramePr>
+        <p:xfrm>
+          <a:off x="0" y="0"/>
+          <a:ext cx="12191997" cy="6736080"/>
+        </p:xfrm>
+        <a:graphic>
+          <a:graphicData uri="http://schemas.openxmlformats.org/drawingml/2006/table">
+            <a:tbl>
+              <a:tblPr firstRow="1" bandRow="1">
+                <a:tableStyleId>{5C22544A-7EE6-4342-B048-85BDC9FD1C3A}</a:tableStyleId>
+              </a:tblPr>
+              <a:tblGrid>
+                <a:gridCol w="4432851">
+                  <a:extLst>
+                    <a:ext uri="{9D8B030D-6E8A-4147-A177-3AD203B41FA5}">
+                      <a16:colId xmlns:a16="http://schemas.microsoft.com/office/drawing/2014/main" val="3472614445"/>
+                    </a:ext>
+                  </a:extLst>
+                </a:gridCol>
+                <a:gridCol w="4065104">
+                  <a:extLst>
+                    <a:ext uri="{9D8B030D-6E8A-4147-A177-3AD203B41FA5}">
+                      <a16:colId xmlns:a16="http://schemas.microsoft.com/office/drawing/2014/main" val="3320353041"/>
+                    </a:ext>
+                  </a:extLst>
+                </a:gridCol>
+                <a:gridCol w="3694042">
+                  <a:extLst>
+                    <a:ext uri="{9D8B030D-6E8A-4147-A177-3AD203B41FA5}">
+                      <a16:colId xmlns:a16="http://schemas.microsoft.com/office/drawing/2014/main" val="2165481223"/>
+                    </a:ext>
+                  </a:extLst>
+                </a:gridCol>
+              </a:tblGrid>
+              <a:tr h="363728">
+                <a:tc>
+                  <a:txBody>
+                    <a:bodyPr/>
+                    <a:lstStyle/>
+                    <a:p>
+                      <a:pPr algn="ctr"/>
+                      <a:r>
+                        <a:rPr kumimoji="1" lang="ja-JP" altLang="en-US" sz="2000">
+                          <a:solidFill>
+                            <a:sysClr val="windowText" lastClr="000000"/>
+                          </a:solidFill>
+                        </a:rPr>
+                        <a:t>求める機能</a:t>
+                      </a:r>
+                    </a:p>
+                  </a:txBody>
+                  <a:tcPr anchor="ctr">
+                    <a:lnL w="12700" cap="flat" cmpd="sng" algn="ctr">
+                      <a:solidFill>
+                        <a:schemeClr val="tx1"/>
+                      </a:solidFill>
+                      <a:prstDash val="solid"/>
+                      <a:round/>
+                      <a:headEnd type="none" w="med" len="med"/>
+                      <a:tailEnd type="none" w="med" len="med"/>
+                    </a:lnL>
+                    <a:lnR w="12700" cap="flat" cmpd="sng" algn="ctr">
+                      <a:solidFill>
+                        <a:schemeClr val="tx1"/>
+                      </a:solidFill>
+                      <a:prstDash val="solid"/>
+                      <a:round/>
+                      <a:headEnd type="none" w="med" len="med"/>
+                      <a:tailEnd type="none" w="med" len="med"/>
+                    </a:lnR>
+                    <a:lnT w="12700" cap="flat" cmpd="sng" algn="ctr">
+                      <a:solidFill>
+                        <a:schemeClr val="tx1"/>
+                      </a:solidFill>
+                      <a:prstDash val="solid"/>
+                      <a:round/>
+                      <a:headEnd type="none" w="med" len="med"/>
+                      <a:tailEnd type="none" w="med" len="med"/>
+                    </a:lnT>
+                    <a:lnB w="12700" cap="flat" cmpd="sng" algn="ctr">
+                      <a:solidFill>
+                        <a:schemeClr val="tx1"/>
+                      </a:solidFill>
+                      <a:prstDash val="solid"/>
+                      <a:round/>
+                      <a:headEnd type="none" w="med" len="med"/>
+                      <a:tailEnd type="none" w="med" len="med"/>
+                    </a:lnB>
+                    <a:solidFill>
+                      <a:schemeClr val="bg2">
+                        <a:lumMod val="75000"/>
+                      </a:schemeClr>
+                    </a:solidFill>
+                  </a:tcPr>
+                </a:tc>
+                <a:tc>
+                  <a:txBody>
+                    <a:bodyPr/>
+                    <a:lstStyle/>
+                    <a:p>
+                      <a:pPr algn="ctr"/>
+                      <a:r>
+                        <a:rPr kumimoji="1" lang="ja-JP" altLang="en-US" sz="2000">
+                          <a:solidFill>
+                            <a:sysClr val="windowText" lastClr="000000"/>
+                          </a:solidFill>
+                        </a:rPr>
+                        <a:t>実現する技術</a:t>
+                      </a:r>
+                      <a:endParaRPr kumimoji="1" lang="en-US" altLang="ja-JP" sz="2000" dirty="0">
+                        <a:solidFill>
+                          <a:sysClr val="windowText" lastClr="000000"/>
+                        </a:solidFill>
+                      </a:endParaRPr>
+                    </a:p>
+                  </a:txBody>
+                  <a:tcPr anchor="ctr">
+                    <a:lnL w="12700" cap="flat" cmpd="sng" algn="ctr">
+                      <a:solidFill>
+                        <a:schemeClr val="tx1"/>
+                      </a:solidFill>
+                      <a:prstDash val="solid"/>
+                      <a:round/>
+                      <a:headEnd type="none" w="med" len="med"/>
+                      <a:tailEnd type="none" w="med" len="med"/>
+                    </a:lnL>
+                    <a:lnR w="12700" cap="flat" cmpd="sng" algn="ctr">
+                      <a:solidFill>
+                        <a:schemeClr val="tx1"/>
+                      </a:solidFill>
+                      <a:prstDash val="solid"/>
+                      <a:round/>
+                      <a:headEnd type="none" w="med" len="med"/>
+                      <a:tailEnd type="none" w="med" len="med"/>
+                    </a:lnR>
+                    <a:lnT w="12700" cap="flat" cmpd="sng" algn="ctr">
+                      <a:solidFill>
+                        <a:schemeClr val="tx1"/>
+                      </a:solidFill>
+                      <a:prstDash val="solid"/>
+                      <a:round/>
+                      <a:headEnd type="none" w="med" len="med"/>
+                      <a:tailEnd type="none" w="med" len="med"/>
+                    </a:lnT>
+                    <a:lnB w="12700" cap="flat" cmpd="sng" algn="ctr">
+                      <a:solidFill>
+                        <a:schemeClr val="tx1"/>
+                      </a:solidFill>
+                      <a:prstDash val="solid"/>
+                      <a:round/>
+                      <a:headEnd type="none" w="med" len="med"/>
+                      <a:tailEnd type="none" w="med" len="med"/>
+                    </a:lnB>
+                    <a:solidFill>
+                      <a:schemeClr val="bg2">
+                        <a:lumMod val="75000"/>
+                      </a:schemeClr>
+                    </a:solidFill>
+                  </a:tcPr>
+                </a:tc>
+                <a:tc>
+                  <a:txBody>
+                    <a:bodyPr/>
+                    <a:lstStyle/>
+                    <a:p>
+                      <a:pPr algn="ctr"/>
+                      <a:r>
+                        <a:rPr kumimoji="1" lang="ja-JP" altLang="en-US" sz="2000">
+                          <a:solidFill>
+                            <a:sysClr val="windowText" lastClr="000000"/>
+                          </a:solidFill>
+                        </a:rPr>
+                        <a:t>ソフトウェア</a:t>
+                      </a:r>
+                    </a:p>
+                  </a:txBody>
+                  <a:tcPr anchor="ctr">
+                    <a:lnL w="12700" cap="flat" cmpd="sng" algn="ctr">
+                      <a:solidFill>
+                        <a:schemeClr val="tx1"/>
+                      </a:solidFill>
+                      <a:prstDash val="solid"/>
+                      <a:round/>
+                      <a:headEnd type="none" w="med" len="med"/>
+                      <a:tailEnd type="none" w="med" len="med"/>
+                    </a:lnL>
+                    <a:lnR w="12700" cap="flat" cmpd="sng" algn="ctr">
+                      <a:solidFill>
+                        <a:schemeClr val="tx1"/>
+                      </a:solidFill>
+                      <a:prstDash val="solid"/>
+                      <a:round/>
+                      <a:headEnd type="none" w="med" len="med"/>
+                      <a:tailEnd type="none" w="med" len="med"/>
+                    </a:lnR>
+                    <a:lnT w="12700" cap="flat" cmpd="sng" algn="ctr">
+                      <a:solidFill>
+                        <a:schemeClr val="tx1"/>
+                      </a:solidFill>
+                      <a:prstDash val="solid"/>
+                      <a:round/>
+                      <a:headEnd type="none" w="med" len="med"/>
+                      <a:tailEnd type="none" w="med" len="med"/>
+                    </a:lnT>
+                    <a:lnB w="12700" cap="flat" cmpd="sng" algn="ctr">
+                      <a:solidFill>
+                        <a:schemeClr val="tx1"/>
+                      </a:solidFill>
+                      <a:prstDash val="solid"/>
+                      <a:round/>
+                      <a:headEnd type="none" w="med" len="med"/>
+                      <a:tailEnd type="none" w="med" len="med"/>
+                    </a:lnB>
+                    <a:solidFill>
+                      <a:schemeClr val="bg2">
+                        <a:lumMod val="75000"/>
+                      </a:schemeClr>
+                    </a:solidFill>
+                  </a:tcPr>
+                </a:tc>
+                <a:extLst>
+                  <a:ext uri="{0D108BD9-81ED-4DB2-BD59-A6C34878D82A}">
+                    <a16:rowId xmlns:a16="http://schemas.microsoft.com/office/drawing/2014/main" val="4040545879"/>
+                  </a:ext>
+                </a:extLst>
+              </a:tr>
+              <a:tr h="0">
+                <a:tc>
+                  <a:txBody>
+                    <a:bodyPr/>
+                    <a:lstStyle/>
+                    <a:p>
+                      <a:pPr algn="ctr"/>
+                      <a:r>
+                        <a:rPr kumimoji="1" lang="en-US" altLang="ja-JP" sz="2400" b="1" dirty="0">
+                          <a:solidFill>
+                            <a:sysClr val="windowText" lastClr="000000"/>
+                          </a:solidFill>
+                        </a:rPr>
+                        <a:t>SSH</a:t>
+                      </a:r>
+                      <a:r>
+                        <a:rPr kumimoji="1" lang="ja-JP" altLang="en-US" sz="2400" b="1">
+                          <a:solidFill>
+                            <a:sysClr val="windowText" lastClr="000000"/>
+                          </a:solidFill>
+                        </a:rPr>
+                        <a:t>の段数の削減</a:t>
+                      </a:r>
+                    </a:p>
+                  </a:txBody>
+                  <a:tcPr anchor="ctr">
+                    <a:lnL w="12700" cap="flat" cmpd="sng" algn="ctr">
+                      <a:solidFill>
+                        <a:schemeClr val="tx1"/>
+                      </a:solidFill>
+                      <a:prstDash val="solid"/>
+                      <a:round/>
+                      <a:headEnd type="none" w="med" len="med"/>
+                      <a:tailEnd type="none" w="med" len="med"/>
+                    </a:lnL>
+                    <a:lnR w="12700" cap="flat" cmpd="sng" algn="ctr">
+                      <a:solidFill>
+                        <a:schemeClr val="tx1"/>
+                      </a:solidFill>
+                      <a:prstDash val="solid"/>
+                      <a:round/>
+                      <a:headEnd type="none" w="med" len="med"/>
+                      <a:tailEnd type="none" w="med" len="med"/>
+                    </a:lnR>
+                    <a:lnT w="12700" cap="flat" cmpd="sng" algn="ctr">
+                      <a:solidFill>
+                        <a:schemeClr val="tx1"/>
+                      </a:solidFill>
+                      <a:prstDash val="solid"/>
+                      <a:round/>
+                      <a:headEnd type="none" w="med" len="med"/>
+                      <a:tailEnd type="none" w="med" len="med"/>
+                    </a:lnT>
+                    <a:lnB w="12700" cap="flat" cmpd="sng" algn="ctr">
+                      <a:solidFill>
+                        <a:schemeClr val="tx1"/>
+                      </a:solidFill>
+                      <a:prstDash val="solid"/>
+                      <a:round/>
+                      <a:headEnd type="none" w="med" len="med"/>
+                      <a:tailEnd type="none" w="med" len="med"/>
+                    </a:lnB>
+                    <a:solidFill>
+                      <a:schemeClr val="bg2">
+                        <a:lumMod val="90000"/>
+                      </a:schemeClr>
+                    </a:solidFill>
+                  </a:tcPr>
+                </a:tc>
+                <a:tc>
+                  <a:txBody>
+                    <a:bodyPr/>
+                    <a:lstStyle/>
+                    <a:p>
+                      <a:pPr algn="ctr">
+                        <a:lnSpc>
+                          <a:spcPct val="100000"/>
+                        </a:lnSpc>
+                      </a:pPr>
+                      <a:r>
+                        <a:rPr kumimoji="1" lang="en-US" altLang="ja-JP" sz="2000" dirty="0">
+                          <a:solidFill>
+                            <a:sysClr val="windowText" lastClr="000000"/>
+                          </a:solidFill>
+                        </a:rPr>
+                        <a:t>VPN</a:t>
+                      </a:r>
+                    </a:p>
+                    <a:p>
+                      <a:pPr algn="ctr">
+                        <a:lnSpc>
+                          <a:spcPct val="100000"/>
+                        </a:lnSpc>
+                      </a:pPr>
+                      <a:r>
+                        <a:rPr kumimoji="1" lang="ja-JP" altLang="en-US" sz="2000">
+                          <a:solidFill>
+                            <a:sysClr val="windowText" lastClr="000000"/>
+                          </a:solidFill>
+                        </a:rPr>
+                        <a:t>トンネリング</a:t>
+                      </a:r>
+                    </a:p>
+                  </a:txBody>
+                  <a:tcPr anchor="ctr">
+                    <a:lnL w="12700" cap="flat" cmpd="sng" algn="ctr">
+                      <a:solidFill>
+                        <a:schemeClr val="tx1"/>
+                      </a:solidFill>
+                      <a:prstDash val="solid"/>
+                      <a:round/>
+                      <a:headEnd type="none" w="med" len="med"/>
+                      <a:tailEnd type="none" w="med" len="med"/>
+                    </a:lnL>
+                    <a:lnR w="12700" cap="flat" cmpd="sng" algn="ctr">
+                      <a:solidFill>
+                        <a:schemeClr val="tx1"/>
+                      </a:solidFill>
+                      <a:prstDash val="solid"/>
+                      <a:round/>
+                      <a:headEnd type="none" w="med" len="med"/>
+                      <a:tailEnd type="none" w="med" len="med"/>
+                    </a:lnR>
+                    <a:lnT w="12700" cap="flat" cmpd="sng" algn="ctr">
+                      <a:solidFill>
+                        <a:schemeClr val="tx1"/>
+                      </a:solidFill>
+                      <a:prstDash val="solid"/>
+                      <a:round/>
+                      <a:headEnd type="none" w="med" len="med"/>
+                      <a:tailEnd type="none" w="med" len="med"/>
+                    </a:lnT>
+                    <a:lnB w="12700" cap="flat" cmpd="sng" algn="ctr">
+                      <a:solidFill>
+                        <a:schemeClr val="tx1"/>
+                      </a:solidFill>
+                      <a:prstDash val="solid"/>
+                      <a:round/>
+                      <a:headEnd type="none" w="med" len="med"/>
+                      <a:tailEnd type="none" w="med" len="med"/>
+                    </a:lnB>
+                    <a:solidFill>
+                      <a:schemeClr val="bg1">
+                        <a:lumMod val="95000"/>
+                      </a:schemeClr>
+                    </a:solidFill>
+                  </a:tcPr>
+                </a:tc>
+                <a:tc>
+                  <a:txBody>
+                    <a:bodyPr/>
+                    <a:lstStyle/>
+                    <a:p>
+                      <a:pPr algn="ctr">
+                        <a:lnSpc>
+                          <a:spcPct val="100000"/>
+                        </a:lnSpc>
+                      </a:pPr>
+                      <a:r>
+                        <a:rPr kumimoji="1" lang="en-US" altLang="ja-JP" sz="2000" dirty="0" err="1">
+                          <a:solidFill>
+                            <a:sysClr val="windowText" lastClr="000000"/>
+                          </a:solidFill>
+                        </a:rPr>
+                        <a:t>sshuttle</a:t>
+                      </a:r>
+                      <a:endParaRPr kumimoji="1" lang="en-US" altLang="ja-JP" sz="2000" dirty="0">
+                        <a:solidFill>
+                          <a:sysClr val="windowText" lastClr="000000"/>
+                        </a:solidFill>
+                      </a:endParaRPr>
+                    </a:p>
+                    <a:p>
+                      <a:pPr algn="ctr">
+                        <a:lnSpc>
+                          <a:spcPct val="100000"/>
+                        </a:lnSpc>
+                      </a:pPr>
+                      <a:r>
+                        <a:rPr kumimoji="1" lang="en-US" altLang="ja-JP" sz="2000" dirty="0" err="1">
+                          <a:solidFill>
+                            <a:sysClr val="windowText" lastClr="000000"/>
+                          </a:solidFill>
+                        </a:rPr>
+                        <a:t>SoftEtherVPN</a:t>
+                      </a:r>
+                      <a:endParaRPr kumimoji="1" lang="ja-JP" altLang="en-US" sz="2000">
+                        <a:solidFill>
+                          <a:sysClr val="windowText" lastClr="000000"/>
+                        </a:solidFill>
+                      </a:endParaRPr>
+                    </a:p>
+                  </a:txBody>
+                  <a:tcPr anchor="ctr">
+                    <a:lnL w="12700" cap="flat" cmpd="sng" algn="ctr">
+                      <a:solidFill>
+                        <a:schemeClr val="tx1"/>
+                      </a:solidFill>
+                      <a:prstDash val="solid"/>
+                      <a:round/>
+                      <a:headEnd type="none" w="med" len="med"/>
+                      <a:tailEnd type="none" w="med" len="med"/>
+                    </a:lnL>
+                    <a:lnR w="12700" cap="flat" cmpd="sng" algn="ctr">
+                      <a:solidFill>
+                        <a:schemeClr val="tx1"/>
+                      </a:solidFill>
+                      <a:prstDash val="solid"/>
+                      <a:round/>
+                      <a:headEnd type="none" w="med" len="med"/>
+                      <a:tailEnd type="none" w="med" len="med"/>
+                    </a:lnR>
+                    <a:lnT w="12700" cap="flat" cmpd="sng" algn="ctr">
+                      <a:solidFill>
+                        <a:schemeClr val="tx1"/>
+                      </a:solidFill>
+                      <a:prstDash val="solid"/>
+                      <a:round/>
+                      <a:headEnd type="none" w="med" len="med"/>
+                      <a:tailEnd type="none" w="med" len="med"/>
+                    </a:lnT>
+                    <a:lnB w="12700" cap="flat" cmpd="sng" algn="ctr">
+                      <a:solidFill>
+                        <a:schemeClr val="tx1"/>
+                      </a:solidFill>
+                      <a:prstDash val="solid"/>
+                      <a:round/>
+                      <a:headEnd type="none" w="med" len="med"/>
+                      <a:tailEnd type="none" w="med" len="med"/>
+                    </a:lnB>
+                    <a:solidFill>
+                      <a:schemeClr val="bg1">
+                        <a:lumMod val="95000"/>
+                      </a:schemeClr>
+                    </a:solidFill>
+                  </a:tcPr>
+                </a:tc>
+                <a:extLst>
+                  <a:ext uri="{0D108BD9-81ED-4DB2-BD59-A6C34878D82A}">
+                    <a16:rowId xmlns:a16="http://schemas.microsoft.com/office/drawing/2014/main" val="2523249299"/>
+                  </a:ext>
+                </a:extLst>
+              </a:tr>
+              <a:tr h="237214">
+                <a:tc>
+                  <a:txBody>
+                    <a:bodyPr/>
+                    <a:lstStyle/>
+                    <a:p>
+                      <a:pPr algn="ctr"/>
+                      <a:r>
+                        <a:rPr kumimoji="1" lang="ja-JP" altLang="en-US" sz="2400" b="1">
+                          <a:solidFill>
+                            <a:sysClr val="windowText" lastClr="000000"/>
+                          </a:solidFill>
+                        </a:rPr>
+                        <a:t>トンネルの管理の容易化</a:t>
+                      </a:r>
+                      <a:endParaRPr kumimoji="1" lang="en-US" altLang="ja-JP" sz="2400" b="1" dirty="0">
+                        <a:solidFill>
+                          <a:sysClr val="windowText" lastClr="000000"/>
+                        </a:solidFill>
+                      </a:endParaRPr>
+                    </a:p>
+                  </a:txBody>
+                  <a:tcPr anchor="ctr">
+                    <a:lnL w="12700" cap="flat" cmpd="sng" algn="ctr">
+                      <a:solidFill>
+                        <a:schemeClr val="tx1"/>
+                      </a:solidFill>
+                      <a:prstDash val="solid"/>
+                      <a:round/>
+                      <a:headEnd type="none" w="med" len="med"/>
+                      <a:tailEnd type="none" w="med" len="med"/>
+                    </a:lnL>
+                    <a:lnR w="12700" cap="flat" cmpd="sng" algn="ctr">
+                      <a:solidFill>
+                        <a:schemeClr val="tx1"/>
+                      </a:solidFill>
+                      <a:prstDash val="solid"/>
+                      <a:round/>
+                      <a:headEnd type="none" w="med" len="med"/>
+                      <a:tailEnd type="none" w="med" len="med"/>
+                    </a:lnR>
+                    <a:lnT w="12700" cap="flat" cmpd="sng" algn="ctr">
+                      <a:solidFill>
+                        <a:schemeClr val="tx1"/>
+                      </a:solidFill>
+                      <a:prstDash val="solid"/>
+                      <a:round/>
+                      <a:headEnd type="none" w="med" len="med"/>
+                      <a:tailEnd type="none" w="med" len="med"/>
+                    </a:lnT>
+                    <a:lnB w="12700" cap="flat" cmpd="sng" algn="ctr">
+                      <a:solidFill>
+                        <a:schemeClr val="tx1"/>
+                      </a:solidFill>
+                      <a:prstDash val="solid"/>
+                      <a:round/>
+                      <a:headEnd type="none" w="med" len="med"/>
+                      <a:tailEnd type="none" w="med" len="med"/>
+                    </a:lnB>
+                    <a:solidFill>
+                      <a:schemeClr val="bg2">
+                        <a:lumMod val="90000"/>
+                      </a:schemeClr>
+                    </a:solidFill>
+                  </a:tcPr>
+                </a:tc>
+                <a:tc>
+                  <a:txBody>
+                    <a:bodyPr/>
+                    <a:lstStyle/>
+                    <a:p>
+                      <a:pPr algn="ctr">
+                        <a:lnSpc>
+                          <a:spcPct val="100000"/>
+                        </a:lnSpc>
+                      </a:pPr>
+                      <a:r>
+                        <a:rPr kumimoji="1" lang="ja-JP" altLang="en-US" sz="2000">
+                          <a:solidFill>
+                            <a:sysClr val="windowText" lastClr="000000"/>
+                          </a:solidFill>
+                        </a:rPr>
+                        <a:t>特になし</a:t>
+                      </a:r>
+                    </a:p>
+                  </a:txBody>
+                  <a:tcPr anchor="ctr">
+                    <a:lnL w="12700" cap="flat" cmpd="sng" algn="ctr">
+                      <a:solidFill>
+                        <a:schemeClr val="tx1"/>
+                      </a:solidFill>
+                      <a:prstDash val="solid"/>
+                      <a:round/>
+                      <a:headEnd type="none" w="med" len="med"/>
+                      <a:tailEnd type="none" w="med" len="med"/>
+                    </a:lnL>
+                    <a:lnR w="12700" cap="flat" cmpd="sng" algn="ctr">
+                      <a:solidFill>
+                        <a:schemeClr val="tx1"/>
+                      </a:solidFill>
+                      <a:prstDash val="solid"/>
+                      <a:round/>
+                      <a:headEnd type="none" w="med" len="med"/>
+                      <a:tailEnd type="none" w="med" len="med"/>
+                    </a:lnR>
+                    <a:lnT w="12700" cap="flat" cmpd="sng" algn="ctr">
+                      <a:solidFill>
+                        <a:schemeClr val="tx1"/>
+                      </a:solidFill>
+                      <a:prstDash val="solid"/>
+                      <a:round/>
+                      <a:headEnd type="none" w="med" len="med"/>
+                      <a:tailEnd type="none" w="med" len="med"/>
+                    </a:lnT>
+                    <a:lnB w="12700" cap="flat" cmpd="sng" algn="ctr">
+                      <a:solidFill>
+                        <a:schemeClr val="tx1"/>
+                      </a:solidFill>
+                      <a:prstDash val="solid"/>
+                      <a:round/>
+                      <a:headEnd type="none" w="med" len="med"/>
+                      <a:tailEnd type="none" w="med" len="med"/>
+                    </a:lnB>
+                    <a:solidFill>
+                      <a:schemeClr val="bg1">
+                        <a:lumMod val="95000"/>
+                      </a:schemeClr>
+                    </a:solidFill>
+                  </a:tcPr>
+                </a:tc>
+                <a:tc>
+                  <a:txBody>
+                    <a:bodyPr/>
+                    <a:lstStyle/>
+                    <a:p>
+                      <a:pPr algn="ctr">
+                        <a:lnSpc>
+                          <a:spcPct val="100000"/>
+                        </a:lnSpc>
+                      </a:pPr>
+                      <a:r>
+                        <a:rPr kumimoji="1" lang="ja-JP" altLang="en-US" sz="2000">
+                          <a:solidFill>
+                            <a:sysClr val="windowText" lastClr="000000"/>
+                          </a:solidFill>
+                        </a:rPr>
+                        <a:t>該当なし</a:t>
+                      </a:r>
+                    </a:p>
+                  </a:txBody>
+                  <a:tcPr anchor="ctr">
+                    <a:lnL w="12700" cap="flat" cmpd="sng" algn="ctr">
+                      <a:solidFill>
+                        <a:schemeClr val="tx1"/>
+                      </a:solidFill>
+                      <a:prstDash val="solid"/>
+                      <a:round/>
+                      <a:headEnd type="none" w="med" len="med"/>
+                      <a:tailEnd type="none" w="med" len="med"/>
+                    </a:lnL>
+                    <a:lnR w="12700" cap="flat" cmpd="sng" algn="ctr">
+                      <a:solidFill>
+                        <a:schemeClr val="tx1"/>
+                      </a:solidFill>
+                      <a:prstDash val="solid"/>
+                      <a:round/>
+                      <a:headEnd type="none" w="med" len="med"/>
+                      <a:tailEnd type="none" w="med" len="med"/>
+                    </a:lnR>
+                    <a:lnT w="12700" cap="flat" cmpd="sng" algn="ctr">
+                      <a:solidFill>
+                        <a:schemeClr val="tx1"/>
+                      </a:solidFill>
+                      <a:prstDash val="solid"/>
+                      <a:round/>
+                      <a:headEnd type="none" w="med" len="med"/>
+                      <a:tailEnd type="none" w="med" len="med"/>
+                    </a:lnT>
+                    <a:lnB w="12700" cap="flat" cmpd="sng" algn="ctr">
+                      <a:solidFill>
+                        <a:schemeClr val="tx1"/>
+                      </a:solidFill>
+                      <a:prstDash val="solid"/>
+                      <a:round/>
+                      <a:headEnd type="none" w="med" len="med"/>
+                      <a:tailEnd type="none" w="med" len="med"/>
+                    </a:lnB>
+                    <a:solidFill>
+                      <a:schemeClr val="bg1">
+                        <a:lumMod val="95000"/>
+                      </a:schemeClr>
+                    </a:solidFill>
+                  </a:tcPr>
+                </a:tc>
+                <a:extLst>
+                  <a:ext uri="{0D108BD9-81ED-4DB2-BD59-A6C34878D82A}">
+                    <a16:rowId xmlns:a16="http://schemas.microsoft.com/office/drawing/2014/main" val="1456925072"/>
+                  </a:ext>
+                </a:extLst>
+              </a:tr>
+              <a:tr h="363728">
+                <a:tc>
+                  <a:txBody>
+                    <a:bodyPr/>
+                    <a:lstStyle/>
+                    <a:p>
+                      <a:pPr algn="ctr"/>
+                      <a:r>
+                        <a:rPr kumimoji="1" lang="ja-JP" altLang="en-US" sz="2400" b="1">
+                          <a:solidFill>
+                            <a:sysClr val="windowText" lastClr="000000"/>
+                          </a:solidFill>
+                        </a:rPr>
+                        <a:t>ログイン時の入力作業の削減</a:t>
+                      </a:r>
+                    </a:p>
+                  </a:txBody>
+                  <a:tcPr anchor="ctr">
+                    <a:lnL w="12700" cap="flat" cmpd="sng" algn="ctr">
+                      <a:solidFill>
+                        <a:schemeClr val="tx1"/>
+                      </a:solidFill>
+                      <a:prstDash val="solid"/>
+                      <a:round/>
+                      <a:headEnd type="none" w="med" len="med"/>
+                      <a:tailEnd type="none" w="med" len="med"/>
+                    </a:lnL>
+                    <a:lnR w="12700" cap="flat" cmpd="sng" algn="ctr">
+                      <a:solidFill>
+                        <a:schemeClr val="tx1"/>
+                      </a:solidFill>
+                      <a:prstDash val="solid"/>
+                      <a:round/>
+                      <a:headEnd type="none" w="med" len="med"/>
+                      <a:tailEnd type="none" w="med" len="med"/>
+                    </a:lnR>
+                    <a:lnT w="12700" cap="flat" cmpd="sng" algn="ctr">
+                      <a:solidFill>
+                        <a:schemeClr val="tx1"/>
+                      </a:solidFill>
+                      <a:prstDash val="solid"/>
+                      <a:round/>
+                      <a:headEnd type="none" w="med" len="med"/>
+                      <a:tailEnd type="none" w="med" len="med"/>
+                    </a:lnT>
+                    <a:lnB w="12700" cap="flat" cmpd="sng" algn="ctr">
+                      <a:solidFill>
+                        <a:schemeClr val="tx1"/>
+                      </a:solidFill>
+                      <a:prstDash val="solid"/>
+                      <a:round/>
+                      <a:headEnd type="none" w="med" len="med"/>
+                      <a:tailEnd type="none" w="med" len="med"/>
+                    </a:lnB>
+                    <a:solidFill>
+                      <a:schemeClr val="bg2">
+                        <a:lumMod val="90000"/>
+                      </a:schemeClr>
+                    </a:solidFill>
+                  </a:tcPr>
+                </a:tc>
+                <a:tc>
+                  <a:txBody>
+                    <a:bodyPr/>
+                    <a:lstStyle/>
+                    <a:p>
+                      <a:pPr algn="ctr">
+                        <a:lnSpc>
+                          <a:spcPct val="100000"/>
+                        </a:lnSpc>
+                      </a:pPr>
+                      <a:r>
+                        <a:rPr kumimoji="1" lang="ja-JP" altLang="en-US" sz="2000">
+                          <a:solidFill>
+                            <a:sysClr val="windowText" lastClr="000000"/>
+                          </a:solidFill>
+                        </a:rPr>
+                        <a:t>シングルサインオン（</a:t>
+                      </a:r>
+                      <a:r>
+                        <a:rPr kumimoji="1" lang="en-US" altLang="ja-JP" sz="2000" dirty="0">
+                          <a:solidFill>
+                            <a:sysClr val="windowText" lastClr="000000"/>
+                          </a:solidFill>
+                        </a:rPr>
+                        <a:t>Kerberos</a:t>
+                      </a:r>
+                      <a:r>
+                        <a:rPr kumimoji="1" lang="ja-JP" altLang="en-US" sz="2000">
+                          <a:solidFill>
+                            <a:sysClr val="windowText" lastClr="000000"/>
+                          </a:solidFill>
+                        </a:rPr>
+                        <a:t>）</a:t>
+                      </a:r>
+                      <a:endParaRPr kumimoji="1" lang="en-US" altLang="ja-JP" sz="2000" dirty="0">
+                        <a:solidFill>
+                          <a:sysClr val="windowText" lastClr="000000"/>
+                        </a:solidFill>
+                      </a:endParaRPr>
+                    </a:p>
+                    <a:p>
+                      <a:pPr algn="ctr">
+                        <a:lnSpc>
+                          <a:spcPct val="100000"/>
+                        </a:lnSpc>
+                      </a:pPr>
+                      <a:r>
+                        <a:rPr kumimoji="1" lang="ja-JP" altLang="en-US" sz="2000">
+                          <a:solidFill>
+                            <a:sysClr val="windowText" lastClr="000000"/>
+                          </a:solidFill>
+                        </a:rPr>
+                        <a:t>公開鍵、証明書認証</a:t>
+                      </a:r>
+                      <a:r>
+                        <a:rPr kumimoji="1" lang="en-US" altLang="ja-JP" sz="2000" dirty="0">
+                          <a:solidFill>
+                            <a:sysClr val="windowText" lastClr="000000"/>
+                          </a:solidFill>
+                        </a:rPr>
+                        <a:t> (SSH)</a:t>
+                      </a:r>
+                      <a:endParaRPr kumimoji="1" lang="ja-JP" altLang="en-US" sz="2000">
+                        <a:solidFill>
+                          <a:sysClr val="windowText" lastClr="000000"/>
+                        </a:solidFill>
+                      </a:endParaRPr>
+                    </a:p>
+                  </a:txBody>
+                  <a:tcPr anchor="ctr">
+                    <a:lnL w="12700" cap="flat" cmpd="sng" algn="ctr">
+                      <a:solidFill>
+                        <a:schemeClr val="tx1"/>
+                      </a:solidFill>
+                      <a:prstDash val="solid"/>
+                      <a:round/>
+                      <a:headEnd type="none" w="med" len="med"/>
+                      <a:tailEnd type="none" w="med" len="med"/>
+                    </a:lnL>
+                    <a:lnR w="12700" cap="flat" cmpd="sng" algn="ctr">
+                      <a:solidFill>
+                        <a:schemeClr val="tx1"/>
+                      </a:solidFill>
+                      <a:prstDash val="solid"/>
+                      <a:round/>
+                      <a:headEnd type="none" w="med" len="med"/>
+                      <a:tailEnd type="none" w="med" len="med"/>
+                    </a:lnR>
+                    <a:lnT w="12700" cap="flat" cmpd="sng" algn="ctr">
+                      <a:solidFill>
+                        <a:schemeClr val="tx1"/>
+                      </a:solidFill>
+                      <a:prstDash val="solid"/>
+                      <a:round/>
+                      <a:headEnd type="none" w="med" len="med"/>
+                      <a:tailEnd type="none" w="med" len="med"/>
+                    </a:lnT>
+                    <a:lnB w="12700" cap="flat" cmpd="sng" algn="ctr">
+                      <a:solidFill>
+                        <a:schemeClr val="tx1"/>
+                      </a:solidFill>
+                      <a:prstDash val="solid"/>
+                      <a:round/>
+                      <a:headEnd type="none" w="med" len="med"/>
+                      <a:tailEnd type="none" w="med" len="med"/>
+                    </a:lnB>
+                    <a:solidFill>
+                      <a:schemeClr val="bg1">
+                        <a:lumMod val="95000"/>
+                      </a:schemeClr>
+                    </a:solidFill>
+                  </a:tcPr>
+                </a:tc>
+                <a:tc>
+                  <a:txBody>
+                    <a:bodyPr/>
+                    <a:lstStyle/>
+                    <a:p>
+                      <a:pPr algn="ctr">
+                        <a:lnSpc>
+                          <a:spcPct val="100000"/>
+                        </a:lnSpc>
+                      </a:pPr>
+                      <a:r>
+                        <a:rPr kumimoji="1" lang="ja-JP" altLang="en-US" sz="2000">
+                          <a:solidFill>
+                            <a:sysClr val="windowText" lastClr="000000"/>
+                          </a:solidFill>
+                        </a:rPr>
+                        <a:t>試用した全てのソフトウェア</a:t>
+                      </a:r>
+                    </a:p>
+                  </a:txBody>
+                  <a:tcPr anchor="ctr">
+                    <a:lnL w="12700" cap="flat" cmpd="sng" algn="ctr">
+                      <a:solidFill>
+                        <a:schemeClr val="tx1"/>
+                      </a:solidFill>
+                      <a:prstDash val="solid"/>
+                      <a:round/>
+                      <a:headEnd type="none" w="med" len="med"/>
+                      <a:tailEnd type="none" w="med" len="med"/>
+                    </a:lnL>
+                    <a:lnR w="12700" cap="flat" cmpd="sng" algn="ctr">
+                      <a:solidFill>
+                        <a:schemeClr val="tx1"/>
+                      </a:solidFill>
+                      <a:prstDash val="solid"/>
+                      <a:round/>
+                      <a:headEnd type="none" w="med" len="med"/>
+                      <a:tailEnd type="none" w="med" len="med"/>
+                    </a:lnR>
+                    <a:lnT w="12700" cap="flat" cmpd="sng" algn="ctr">
+                      <a:solidFill>
+                        <a:schemeClr val="tx1"/>
+                      </a:solidFill>
+                      <a:prstDash val="solid"/>
+                      <a:round/>
+                      <a:headEnd type="none" w="med" len="med"/>
+                      <a:tailEnd type="none" w="med" len="med"/>
+                    </a:lnT>
+                    <a:lnB w="12700" cap="flat" cmpd="sng" algn="ctr">
+                      <a:solidFill>
+                        <a:schemeClr val="tx1"/>
+                      </a:solidFill>
+                      <a:prstDash val="solid"/>
+                      <a:round/>
+                      <a:headEnd type="none" w="med" len="med"/>
+                      <a:tailEnd type="none" w="med" len="med"/>
+                    </a:lnB>
+                    <a:solidFill>
+                      <a:schemeClr val="bg1">
+                        <a:lumMod val="95000"/>
+                      </a:schemeClr>
+                    </a:solidFill>
+                  </a:tcPr>
+                </a:tc>
+                <a:extLst>
+                  <a:ext uri="{0D108BD9-81ED-4DB2-BD59-A6C34878D82A}">
+                    <a16:rowId xmlns:a16="http://schemas.microsoft.com/office/drawing/2014/main" val="1476140185"/>
+                  </a:ext>
+                </a:extLst>
+              </a:tr>
+              <a:tr h="0">
+                <a:tc>
+                  <a:txBody>
+                    <a:bodyPr/>
+                    <a:lstStyle/>
+                    <a:p>
+                      <a:pPr algn="ctr"/>
+                      <a:r>
+                        <a:rPr kumimoji="1" lang="ja-JP" altLang="en-US" sz="2400" b="1">
+                          <a:solidFill>
+                            <a:sysClr val="windowText" lastClr="000000"/>
+                          </a:solidFill>
+                        </a:rPr>
+                        <a:t>ユーザ情報の一括管理</a:t>
+                      </a:r>
+                    </a:p>
+                  </a:txBody>
+                  <a:tcPr anchor="ctr">
+                    <a:lnL w="12700" cap="flat" cmpd="sng" algn="ctr">
+                      <a:solidFill>
+                        <a:schemeClr val="tx1"/>
+                      </a:solidFill>
+                      <a:prstDash val="solid"/>
+                      <a:round/>
+                      <a:headEnd type="none" w="med" len="med"/>
+                      <a:tailEnd type="none" w="med" len="med"/>
+                    </a:lnL>
+                    <a:lnR w="12700" cap="flat" cmpd="sng" algn="ctr">
+                      <a:solidFill>
+                        <a:schemeClr val="tx1"/>
+                      </a:solidFill>
+                      <a:prstDash val="solid"/>
+                      <a:round/>
+                      <a:headEnd type="none" w="med" len="med"/>
+                      <a:tailEnd type="none" w="med" len="med"/>
+                    </a:lnR>
+                    <a:lnT w="12700" cap="flat" cmpd="sng" algn="ctr">
+                      <a:solidFill>
+                        <a:schemeClr val="tx1"/>
+                      </a:solidFill>
+                      <a:prstDash val="solid"/>
+                      <a:round/>
+                      <a:headEnd type="none" w="med" len="med"/>
+                      <a:tailEnd type="none" w="med" len="med"/>
+                    </a:lnT>
+                    <a:lnB w="12700" cap="flat" cmpd="sng" algn="ctr">
+                      <a:solidFill>
+                        <a:schemeClr val="tx1"/>
+                      </a:solidFill>
+                      <a:prstDash val="solid"/>
+                      <a:round/>
+                      <a:headEnd type="none" w="med" len="med"/>
+                      <a:tailEnd type="none" w="med" len="med"/>
+                    </a:lnB>
+                    <a:solidFill>
+                      <a:schemeClr val="bg2">
+                        <a:lumMod val="90000"/>
+                      </a:schemeClr>
+                    </a:solidFill>
+                  </a:tcPr>
+                </a:tc>
+                <a:tc>
+                  <a:txBody>
+                    <a:bodyPr/>
+                    <a:lstStyle/>
+                    <a:p>
+                      <a:pPr algn="ctr">
+                        <a:lnSpc>
+                          <a:spcPct val="100000"/>
+                        </a:lnSpc>
+                      </a:pPr>
+                      <a:r>
+                        <a:rPr kumimoji="1" lang="en-US" altLang="ja-JP" sz="2000" dirty="0">
+                          <a:solidFill>
+                            <a:sysClr val="windowText" lastClr="000000"/>
+                          </a:solidFill>
+                        </a:rPr>
+                        <a:t>LDAP</a:t>
+                      </a:r>
+                    </a:p>
+                    <a:p>
+                      <a:pPr algn="ctr">
+                        <a:lnSpc>
+                          <a:spcPct val="100000"/>
+                        </a:lnSpc>
+                      </a:pPr>
+                      <a:r>
+                        <a:rPr kumimoji="1" lang="en-US" altLang="ja-JP" sz="2000" dirty="0">
+                          <a:solidFill>
+                            <a:sysClr val="windowText" lastClr="000000"/>
+                          </a:solidFill>
+                        </a:rPr>
+                        <a:t>Kerberos</a:t>
+                      </a:r>
+                    </a:p>
+                    <a:p>
+                      <a:pPr algn="ctr">
+                        <a:lnSpc>
+                          <a:spcPct val="100000"/>
+                        </a:lnSpc>
+                      </a:pPr>
+                      <a:r>
+                        <a:rPr kumimoji="1" lang="en-US" altLang="ja-JP" sz="2000" dirty="0">
+                          <a:solidFill>
+                            <a:sysClr val="windowText" lastClr="000000"/>
+                          </a:solidFill>
+                        </a:rPr>
+                        <a:t>RADIUS</a:t>
+                      </a:r>
+                      <a:endParaRPr kumimoji="1" lang="ja-JP" altLang="en-US" sz="2000">
+                        <a:solidFill>
+                          <a:sysClr val="windowText" lastClr="000000"/>
+                        </a:solidFill>
+                      </a:endParaRPr>
+                    </a:p>
+                  </a:txBody>
+                  <a:tcPr anchor="ctr">
+                    <a:lnL w="12700" cap="flat" cmpd="sng" algn="ctr">
+                      <a:solidFill>
+                        <a:schemeClr val="tx1"/>
+                      </a:solidFill>
+                      <a:prstDash val="solid"/>
+                      <a:round/>
+                      <a:headEnd type="none" w="med" len="med"/>
+                      <a:tailEnd type="none" w="med" len="med"/>
+                    </a:lnL>
+                    <a:lnR w="12700" cap="flat" cmpd="sng" algn="ctr">
+                      <a:solidFill>
+                        <a:schemeClr val="tx1"/>
+                      </a:solidFill>
+                      <a:prstDash val="solid"/>
+                      <a:round/>
+                      <a:headEnd type="none" w="med" len="med"/>
+                      <a:tailEnd type="none" w="med" len="med"/>
+                    </a:lnR>
+                    <a:lnT w="12700" cap="flat" cmpd="sng" algn="ctr">
+                      <a:solidFill>
+                        <a:schemeClr val="tx1"/>
+                      </a:solidFill>
+                      <a:prstDash val="solid"/>
+                      <a:round/>
+                      <a:headEnd type="none" w="med" len="med"/>
+                      <a:tailEnd type="none" w="med" len="med"/>
+                    </a:lnT>
+                    <a:lnB w="12700" cap="flat" cmpd="sng" algn="ctr">
+                      <a:solidFill>
+                        <a:schemeClr val="tx1"/>
+                      </a:solidFill>
+                      <a:prstDash val="solid"/>
+                      <a:round/>
+                      <a:headEnd type="none" w="med" len="med"/>
+                      <a:tailEnd type="none" w="med" len="med"/>
+                    </a:lnB>
+                    <a:solidFill>
+                      <a:schemeClr val="bg1">
+                        <a:lumMod val="95000"/>
+                      </a:schemeClr>
+                    </a:solidFill>
+                  </a:tcPr>
+                </a:tc>
+                <a:tc>
+                  <a:txBody>
+                    <a:bodyPr/>
+                    <a:lstStyle/>
+                    <a:p>
+                      <a:pPr algn="ctr">
+                        <a:lnSpc>
+                          <a:spcPct val="100000"/>
+                        </a:lnSpc>
+                      </a:pPr>
+                      <a:r>
+                        <a:rPr kumimoji="1" lang="en-US" altLang="ja-JP" sz="2000" dirty="0">
+                          <a:solidFill>
+                            <a:sysClr val="windowText" lastClr="000000"/>
+                          </a:solidFill>
+                        </a:rPr>
+                        <a:t>Active Directory</a:t>
+                      </a:r>
+                    </a:p>
+                    <a:p>
+                      <a:pPr algn="ctr">
+                        <a:lnSpc>
+                          <a:spcPct val="100000"/>
+                        </a:lnSpc>
+                      </a:pPr>
+                      <a:r>
+                        <a:rPr kumimoji="1" lang="en-US" altLang="ja-JP" sz="2000" dirty="0" err="1">
+                          <a:solidFill>
+                            <a:sysClr val="windowText" lastClr="000000"/>
+                          </a:solidFill>
+                        </a:rPr>
+                        <a:t>sshportal</a:t>
+                      </a:r>
+                      <a:endParaRPr kumimoji="1" lang="en-US" altLang="ja-JP" sz="2000" dirty="0">
+                        <a:solidFill>
+                          <a:sysClr val="windowText" lastClr="000000"/>
+                        </a:solidFill>
+                      </a:endParaRPr>
+                    </a:p>
+                    <a:p>
+                      <a:pPr algn="ctr">
+                        <a:lnSpc>
+                          <a:spcPct val="100000"/>
+                        </a:lnSpc>
+                      </a:pPr>
+                      <a:r>
+                        <a:rPr kumimoji="1" lang="en-US" altLang="ja-JP" sz="2000" dirty="0">
+                          <a:solidFill>
+                            <a:sysClr val="windowText" lastClr="000000"/>
+                          </a:solidFill>
+                        </a:rPr>
+                        <a:t>Teleport</a:t>
+                      </a:r>
+                    </a:p>
+                    <a:p>
+                      <a:pPr algn="ctr">
+                        <a:lnSpc>
+                          <a:spcPct val="100000"/>
+                        </a:lnSpc>
+                      </a:pPr>
+                      <a:r>
+                        <a:rPr kumimoji="1" lang="en-US" altLang="ja-JP" sz="2000" dirty="0" err="1">
+                          <a:solidFill>
+                            <a:sysClr val="windowText" lastClr="000000"/>
+                          </a:solidFill>
+                        </a:rPr>
+                        <a:t>SoftEtherVPN</a:t>
+                      </a:r>
+                      <a:endParaRPr kumimoji="1" lang="ja-JP" altLang="en-US" sz="2000">
+                        <a:solidFill>
+                          <a:sysClr val="windowText" lastClr="000000"/>
+                        </a:solidFill>
+                      </a:endParaRPr>
+                    </a:p>
+                  </a:txBody>
+                  <a:tcPr anchor="ctr">
+                    <a:lnL w="12700" cap="flat" cmpd="sng" algn="ctr">
+                      <a:solidFill>
+                        <a:schemeClr val="tx1"/>
+                      </a:solidFill>
+                      <a:prstDash val="solid"/>
+                      <a:round/>
+                      <a:headEnd type="none" w="med" len="med"/>
+                      <a:tailEnd type="none" w="med" len="med"/>
+                    </a:lnL>
+                    <a:lnR w="12700" cap="flat" cmpd="sng" algn="ctr">
+                      <a:solidFill>
+                        <a:schemeClr val="tx1"/>
+                      </a:solidFill>
+                      <a:prstDash val="solid"/>
+                      <a:round/>
+                      <a:headEnd type="none" w="med" len="med"/>
+                      <a:tailEnd type="none" w="med" len="med"/>
+                    </a:lnR>
+                    <a:lnT w="12700" cap="flat" cmpd="sng" algn="ctr">
+                      <a:solidFill>
+                        <a:schemeClr val="tx1"/>
+                      </a:solidFill>
+                      <a:prstDash val="solid"/>
+                      <a:round/>
+                      <a:headEnd type="none" w="med" len="med"/>
+                      <a:tailEnd type="none" w="med" len="med"/>
+                    </a:lnT>
+                    <a:lnB w="12700" cap="flat" cmpd="sng" algn="ctr">
+                      <a:solidFill>
+                        <a:schemeClr val="tx1"/>
+                      </a:solidFill>
+                      <a:prstDash val="solid"/>
+                      <a:round/>
+                      <a:headEnd type="none" w="med" len="med"/>
+                      <a:tailEnd type="none" w="med" len="med"/>
+                    </a:lnB>
+                    <a:solidFill>
+                      <a:schemeClr val="bg1">
+                        <a:lumMod val="95000"/>
+                      </a:schemeClr>
+                    </a:solidFill>
+                  </a:tcPr>
+                </a:tc>
+                <a:extLst>
+                  <a:ext uri="{0D108BD9-81ED-4DB2-BD59-A6C34878D82A}">
+                    <a16:rowId xmlns:a16="http://schemas.microsoft.com/office/drawing/2014/main" val="3331650792"/>
+                  </a:ext>
+                </a:extLst>
+              </a:tr>
+              <a:tr h="0">
+                <a:tc>
+                  <a:txBody>
+                    <a:bodyPr/>
+                    <a:lstStyle/>
+                    <a:p>
+                      <a:pPr algn="ctr"/>
+                      <a:r>
+                        <a:rPr kumimoji="1" lang="ja-JP" altLang="en-US" sz="2400" b="1">
+                          <a:solidFill>
+                            <a:sysClr val="windowText" lastClr="000000"/>
+                          </a:solidFill>
+                        </a:rPr>
+                        <a:t>情報登録の自動化</a:t>
+                      </a:r>
+                      <a:endParaRPr kumimoji="1" lang="en-US" altLang="ja-JP" sz="2400" b="1" dirty="0">
+                        <a:solidFill>
+                          <a:sysClr val="windowText" lastClr="000000"/>
+                        </a:solidFill>
+                      </a:endParaRPr>
+                    </a:p>
+                  </a:txBody>
+                  <a:tcPr anchor="ctr">
+                    <a:lnL w="12700" cap="flat" cmpd="sng" algn="ctr">
+                      <a:solidFill>
+                        <a:schemeClr val="tx1"/>
+                      </a:solidFill>
+                      <a:prstDash val="solid"/>
+                      <a:round/>
+                      <a:headEnd type="none" w="med" len="med"/>
+                      <a:tailEnd type="none" w="med" len="med"/>
+                    </a:lnL>
+                    <a:lnR w="12700" cap="flat" cmpd="sng" algn="ctr">
+                      <a:solidFill>
+                        <a:schemeClr val="tx1"/>
+                      </a:solidFill>
+                      <a:prstDash val="solid"/>
+                      <a:round/>
+                      <a:headEnd type="none" w="med" len="med"/>
+                      <a:tailEnd type="none" w="med" len="med"/>
+                    </a:lnR>
+                    <a:lnT w="12700" cap="flat" cmpd="sng" algn="ctr">
+                      <a:solidFill>
+                        <a:schemeClr val="tx1"/>
+                      </a:solidFill>
+                      <a:prstDash val="solid"/>
+                      <a:round/>
+                      <a:headEnd type="none" w="med" len="med"/>
+                      <a:tailEnd type="none" w="med" len="med"/>
+                    </a:lnT>
+                    <a:lnB w="12700" cap="flat" cmpd="sng" algn="ctr">
+                      <a:solidFill>
+                        <a:schemeClr val="tx1"/>
+                      </a:solidFill>
+                      <a:prstDash val="solid"/>
+                      <a:round/>
+                      <a:headEnd type="none" w="med" len="med"/>
+                      <a:tailEnd type="none" w="med" len="med"/>
+                    </a:lnB>
+                    <a:solidFill>
+                      <a:schemeClr val="bg2">
+                        <a:lumMod val="90000"/>
+                      </a:schemeClr>
+                    </a:solidFill>
+                  </a:tcPr>
+                </a:tc>
+                <a:tc>
+                  <a:txBody>
+                    <a:bodyPr/>
+                    <a:lstStyle/>
+                    <a:p>
+                      <a:pPr algn="ctr">
+                        <a:lnSpc>
+                          <a:spcPct val="100000"/>
+                        </a:lnSpc>
+                      </a:pPr>
+                      <a:r>
+                        <a:rPr kumimoji="1" lang="ja-JP" altLang="en-US" sz="2000">
+                          <a:solidFill>
+                            <a:sysClr val="windowText" lastClr="000000"/>
+                          </a:solidFill>
+                        </a:rPr>
+                        <a:t>特になし</a:t>
+                      </a:r>
+                    </a:p>
+                  </a:txBody>
+                  <a:tcPr anchor="ctr">
+                    <a:lnL w="12700" cap="flat" cmpd="sng" algn="ctr">
+                      <a:solidFill>
+                        <a:schemeClr val="tx1"/>
+                      </a:solidFill>
+                      <a:prstDash val="solid"/>
+                      <a:round/>
+                      <a:headEnd type="none" w="med" len="med"/>
+                      <a:tailEnd type="none" w="med" len="med"/>
+                    </a:lnL>
+                    <a:lnR w="12700" cap="flat" cmpd="sng" algn="ctr">
+                      <a:solidFill>
+                        <a:schemeClr val="tx1"/>
+                      </a:solidFill>
+                      <a:prstDash val="solid"/>
+                      <a:round/>
+                      <a:headEnd type="none" w="med" len="med"/>
+                      <a:tailEnd type="none" w="med" len="med"/>
+                    </a:lnR>
+                    <a:lnT w="12700" cap="flat" cmpd="sng" algn="ctr">
+                      <a:solidFill>
+                        <a:schemeClr val="tx1"/>
+                      </a:solidFill>
+                      <a:prstDash val="solid"/>
+                      <a:round/>
+                      <a:headEnd type="none" w="med" len="med"/>
+                      <a:tailEnd type="none" w="med" len="med"/>
+                    </a:lnT>
+                    <a:lnB w="12700" cap="flat" cmpd="sng" algn="ctr">
+                      <a:solidFill>
+                        <a:schemeClr val="tx1"/>
+                      </a:solidFill>
+                      <a:prstDash val="solid"/>
+                      <a:round/>
+                      <a:headEnd type="none" w="med" len="med"/>
+                      <a:tailEnd type="none" w="med" len="med"/>
+                    </a:lnB>
+                    <a:solidFill>
+                      <a:schemeClr val="bg1">
+                        <a:lumMod val="95000"/>
+                      </a:schemeClr>
+                    </a:solidFill>
+                  </a:tcPr>
+                </a:tc>
+                <a:tc>
+                  <a:txBody>
+                    <a:bodyPr/>
+                    <a:lstStyle/>
+                    <a:p>
+                      <a:pPr algn="ctr">
+                        <a:lnSpc>
+                          <a:spcPct val="100000"/>
+                        </a:lnSpc>
+                      </a:pPr>
+                      <a:r>
+                        <a:rPr kumimoji="1" lang="ja-JP" altLang="en-US" sz="2000">
+                          <a:solidFill>
+                            <a:sysClr val="windowText" lastClr="000000"/>
+                          </a:solidFill>
+                        </a:rPr>
+                        <a:t>該当なし</a:t>
+                      </a:r>
+                    </a:p>
+                  </a:txBody>
+                  <a:tcPr anchor="ctr">
+                    <a:lnL w="12700" cap="flat" cmpd="sng" algn="ctr">
+                      <a:solidFill>
+                        <a:schemeClr val="tx1"/>
+                      </a:solidFill>
+                      <a:prstDash val="solid"/>
+                      <a:round/>
+                      <a:headEnd type="none" w="med" len="med"/>
+                      <a:tailEnd type="none" w="med" len="med"/>
+                    </a:lnL>
+                    <a:lnR w="12700" cap="flat" cmpd="sng" algn="ctr">
+                      <a:solidFill>
+                        <a:schemeClr val="tx1"/>
+                      </a:solidFill>
+                      <a:prstDash val="solid"/>
+                      <a:round/>
+                      <a:headEnd type="none" w="med" len="med"/>
+                      <a:tailEnd type="none" w="med" len="med"/>
+                    </a:lnR>
+                    <a:lnT w="12700" cap="flat" cmpd="sng" algn="ctr">
+                      <a:solidFill>
+                        <a:schemeClr val="tx1"/>
+                      </a:solidFill>
+                      <a:prstDash val="solid"/>
+                      <a:round/>
+                      <a:headEnd type="none" w="med" len="med"/>
+                      <a:tailEnd type="none" w="med" len="med"/>
+                    </a:lnT>
+                    <a:lnB w="12700" cap="flat" cmpd="sng" algn="ctr">
+                      <a:solidFill>
+                        <a:schemeClr val="tx1"/>
+                      </a:solidFill>
+                      <a:prstDash val="solid"/>
+                      <a:round/>
+                      <a:headEnd type="none" w="med" len="med"/>
+                      <a:tailEnd type="none" w="med" len="med"/>
+                    </a:lnB>
+                    <a:solidFill>
+                      <a:schemeClr val="bg1">
+                        <a:lumMod val="95000"/>
+                      </a:schemeClr>
+                    </a:solidFill>
+                  </a:tcPr>
+                </a:tc>
+                <a:extLst>
+                  <a:ext uri="{0D108BD9-81ED-4DB2-BD59-A6C34878D82A}">
+                    <a16:rowId xmlns:a16="http://schemas.microsoft.com/office/drawing/2014/main" val="334705308"/>
+                  </a:ext>
+                </a:extLst>
+              </a:tr>
+              <a:tr h="363728">
+                <a:tc>
+                  <a:txBody>
+                    <a:bodyPr/>
+                    <a:lstStyle/>
+                    <a:p>
+                      <a:pPr algn="ctr"/>
+                      <a:r>
+                        <a:rPr kumimoji="1" lang="en-US" altLang="ja-JP" sz="2400" b="1" dirty="0" err="1">
+                          <a:solidFill>
+                            <a:sysClr val="windowText" lastClr="000000"/>
+                          </a:solidFill>
+                        </a:rPr>
+                        <a:t>WebUI</a:t>
+                      </a:r>
+                      <a:endParaRPr kumimoji="1" lang="en-US" altLang="ja-JP" sz="2400" b="1" dirty="0">
+                        <a:solidFill>
+                          <a:sysClr val="windowText" lastClr="000000"/>
+                        </a:solidFill>
+                      </a:endParaRPr>
+                    </a:p>
+                  </a:txBody>
+                  <a:tcPr anchor="ctr">
+                    <a:lnL w="12700" cap="flat" cmpd="sng" algn="ctr">
+                      <a:solidFill>
+                        <a:schemeClr val="tx1"/>
+                      </a:solidFill>
+                      <a:prstDash val="solid"/>
+                      <a:round/>
+                      <a:headEnd type="none" w="med" len="med"/>
+                      <a:tailEnd type="none" w="med" len="med"/>
+                    </a:lnL>
+                    <a:lnR w="12700" cap="flat" cmpd="sng" algn="ctr">
+                      <a:solidFill>
+                        <a:schemeClr val="tx1"/>
+                      </a:solidFill>
+                      <a:prstDash val="solid"/>
+                      <a:round/>
+                      <a:headEnd type="none" w="med" len="med"/>
+                      <a:tailEnd type="none" w="med" len="med"/>
+                    </a:lnR>
+                    <a:lnT w="12700" cap="flat" cmpd="sng" algn="ctr">
+                      <a:solidFill>
+                        <a:schemeClr val="tx1"/>
+                      </a:solidFill>
+                      <a:prstDash val="solid"/>
+                      <a:round/>
+                      <a:headEnd type="none" w="med" len="med"/>
+                      <a:tailEnd type="none" w="med" len="med"/>
+                    </a:lnT>
+                    <a:lnB w="12700" cap="flat" cmpd="sng" algn="ctr">
+                      <a:solidFill>
+                        <a:schemeClr val="tx1"/>
+                      </a:solidFill>
+                      <a:prstDash val="solid"/>
+                      <a:round/>
+                      <a:headEnd type="none" w="med" len="med"/>
+                      <a:tailEnd type="none" w="med" len="med"/>
+                    </a:lnB>
+                    <a:solidFill>
+                      <a:schemeClr val="bg2">
+                        <a:lumMod val="90000"/>
+                      </a:schemeClr>
+                    </a:solidFill>
+                  </a:tcPr>
+                </a:tc>
+                <a:tc>
+                  <a:txBody>
+                    <a:bodyPr/>
+                    <a:lstStyle/>
+                    <a:p>
+                      <a:pPr algn="ctr">
+                        <a:lnSpc>
+                          <a:spcPct val="100000"/>
+                        </a:lnSpc>
+                      </a:pPr>
+                      <a:r>
+                        <a:rPr kumimoji="1" lang="ja-JP" altLang="en-US" sz="2000">
+                          <a:solidFill>
+                            <a:sysClr val="windowText" lastClr="000000"/>
+                          </a:solidFill>
+                        </a:rPr>
+                        <a:t>特になし</a:t>
+                      </a:r>
+                    </a:p>
+                  </a:txBody>
+                  <a:tcPr anchor="ctr">
+                    <a:lnL w="12700" cap="flat" cmpd="sng" algn="ctr">
+                      <a:solidFill>
+                        <a:schemeClr val="tx1"/>
+                      </a:solidFill>
+                      <a:prstDash val="solid"/>
+                      <a:round/>
+                      <a:headEnd type="none" w="med" len="med"/>
+                      <a:tailEnd type="none" w="med" len="med"/>
+                    </a:lnL>
+                    <a:lnR w="12700" cap="flat" cmpd="sng" algn="ctr">
+                      <a:solidFill>
+                        <a:schemeClr val="tx1"/>
+                      </a:solidFill>
+                      <a:prstDash val="solid"/>
+                      <a:round/>
+                      <a:headEnd type="none" w="med" len="med"/>
+                      <a:tailEnd type="none" w="med" len="med"/>
+                    </a:lnR>
+                    <a:lnT w="12700" cap="flat" cmpd="sng" algn="ctr">
+                      <a:solidFill>
+                        <a:schemeClr val="tx1"/>
+                      </a:solidFill>
+                      <a:prstDash val="solid"/>
+                      <a:round/>
+                      <a:headEnd type="none" w="med" len="med"/>
+                      <a:tailEnd type="none" w="med" len="med"/>
+                    </a:lnT>
+                    <a:lnB w="12700" cap="flat" cmpd="sng" algn="ctr">
+                      <a:solidFill>
+                        <a:schemeClr val="tx1"/>
+                      </a:solidFill>
+                      <a:prstDash val="solid"/>
+                      <a:round/>
+                      <a:headEnd type="none" w="med" len="med"/>
+                      <a:tailEnd type="none" w="med" len="med"/>
+                    </a:lnB>
+                    <a:solidFill>
+                      <a:schemeClr val="bg1">
+                        <a:lumMod val="95000"/>
+                      </a:schemeClr>
+                    </a:solidFill>
+                  </a:tcPr>
+                </a:tc>
+                <a:tc>
+                  <a:txBody>
+                    <a:bodyPr/>
+                    <a:lstStyle/>
+                    <a:p>
+                      <a:pPr algn="ctr">
+                        <a:lnSpc>
+                          <a:spcPct val="100000"/>
+                        </a:lnSpc>
+                      </a:pPr>
+                      <a:r>
+                        <a:rPr kumimoji="1" lang="en-US" altLang="ja-JP" sz="2000" dirty="0">
+                          <a:solidFill>
+                            <a:sysClr val="windowText" lastClr="000000"/>
+                          </a:solidFill>
+                        </a:rPr>
+                        <a:t>Teleport</a:t>
+                      </a:r>
+                    </a:p>
+                    <a:p>
+                      <a:pPr algn="ctr">
+                        <a:lnSpc>
+                          <a:spcPct val="100000"/>
+                        </a:lnSpc>
+                      </a:pPr>
+                      <a:r>
+                        <a:rPr kumimoji="1" lang="en-US" altLang="ja-JP" sz="2000" dirty="0" err="1">
+                          <a:solidFill>
+                            <a:sysClr val="windowText" lastClr="000000"/>
+                          </a:solidFill>
+                        </a:rPr>
+                        <a:t>SoftEtherVPN</a:t>
+                      </a:r>
+                      <a:endParaRPr kumimoji="1" lang="ja-JP" altLang="en-US" sz="2000">
+                        <a:solidFill>
+                          <a:sysClr val="windowText" lastClr="000000"/>
+                        </a:solidFill>
+                      </a:endParaRPr>
+                    </a:p>
+                  </a:txBody>
+                  <a:tcPr anchor="ctr">
+                    <a:lnL w="12700" cap="flat" cmpd="sng" algn="ctr">
+                      <a:solidFill>
+                        <a:schemeClr val="tx1"/>
+                      </a:solidFill>
+                      <a:prstDash val="solid"/>
+                      <a:round/>
+                      <a:headEnd type="none" w="med" len="med"/>
+                      <a:tailEnd type="none" w="med" len="med"/>
+                    </a:lnL>
+                    <a:lnR w="12700" cap="flat" cmpd="sng" algn="ctr">
+                      <a:solidFill>
+                        <a:schemeClr val="tx1"/>
+                      </a:solidFill>
+                      <a:prstDash val="solid"/>
+                      <a:round/>
+                      <a:headEnd type="none" w="med" len="med"/>
+                      <a:tailEnd type="none" w="med" len="med"/>
+                    </a:lnR>
+                    <a:lnT w="12700" cap="flat" cmpd="sng" algn="ctr">
+                      <a:solidFill>
+                        <a:schemeClr val="tx1"/>
+                      </a:solidFill>
+                      <a:prstDash val="solid"/>
+                      <a:round/>
+                      <a:headEnd type="none" w="med" len="med"/>
+                      <a:tailEnd type="none" w="med" len="med"/>
+                    </a:lnT>
+                    <a:lnB w="12700" cap="flat" cmpd="sng" algn="ctr">
+                      <a:solidFill>
+                        <a:schemeClr val="tx1"/>
+                      </a:solidFill>
+                      <a:prstDash val="solid"/>
+                      <a:round/>
+                      <a:headEnd type="none" w="med" len="med"/>
+                      <a:tailEnd type="none" w="med" len="med"/>
+                    </a:lnB>
+                    <a:solidFill>
+                      <a:schemeClr val="bg1">
+                        <a:lumMod val="95000"/>
+                      </a:schemeClr>
+                    </a:solidFill>
+                  </a:tcPr>
+                </a:tc>
+                <a:extLst>
+                  <a:ext uri="{0D108BD9-81ED-4DB2-BD59-A6C34878D82A}">
+                    <a16:rowId xmlns:a16="http://schemas.microsoft.com/office/drawing/2014/main" val="245814958"/>
+                  </a:ext>
+                </a:extLst>
+              </a:tr>
+              <a:tr h="521871">
+                <a:tc>
+                  <a:txBody>
+                    <a:bodyPr/>
+                    <a:lstStyle/>
+                    <a:p>
+                      <a:pPr algn="ctr"/>
+                      <a:r>
+                        <a:rPr kumimoji="1" lang="ja-JP" altLang="en-US" sz="2400" b="1">
+                          <a:solidFill>
+                            <a:sysClr val="windowText" lastClr="000000"/>
+                          </a:solidFill>
+                        </a:rPr>
+                        <a:t>ログの取得</a:t>
+                      </a:r>
+                    </a:p>
+                  </a:txBody>
+                  <a:tcPr anchor="ctr">
+                    <a:lnL w="12700" cap="flat" cmpd="sng" algn="ctr">
+                      <a:solidFill>
+                        <a:schemeClr val="tx1"/>
+                      </a:solidFill>
+                      <a:prstDash val="solid"/>
+                      <a:round/>
+                      <a:headEnd type="none" w="med" len="med"/>
+                      <a:tailEnd type="none" w="med" len="med"/>
+                    </a:lnL>
+                    <a:lnR w="12700" cap="flat" cmpd="sng" algn="ctr">
+                      <a:solidFill>
+                        <a:schemeClr val="tx1"/>
+                      </a:solidFill>
+                      <a:prstDash val="solid"/>
+                      <a:round/>
+                      <a:headEnd type="none" w="med" len="med"/>
+                      <a:tailEnd type="none" w="med" len="med"/>
+                    </a:lnR>
+                    <a:lnT w="12700" cap="flat" cmpd="sng" algn="ctr">
+                      <a:solidFill>
+                        <a:schemeClr val="tx1"/>
+                      </a:solidFill>
+                      <a:prstDash val="solid"/>
+                      <a:round/>
+                      <a:headEnd type="none" w="med" len="med"/>
+                      <a:tailEnd type="none" w="med" len="med"/>
+                    </a:lnT>
+                    <a:lnB w="12700" cap="flat" cmpd="sng" algn="ctr">
+                      <a:solidFill>
+                        <a:schemeClr val="tx1"/>
+                      </a:solidFill>
+                      <a:prstDash val="solid"/>
+                      <a:round/>
+                      <a:headEnd type="none" w="med" len="med"/>
+                      <a:tailEnd type="none" w="med" len="med"/>
+                    </a:lnB>
+                    <a:solidFill>
+                      <a:schemeClr val="bg2">
+                        <a:lumMod val="90000"/>
+                      </a:schemeClr>
+                    </a:solidFill>
+                  </a:tcPr>
+                </a:tc>
+                <a:tc>
+                  <a:txBody>
+                    <a:bodyPr/>
+                    <a:lstStyle/>
+                    <a:p>
+                      <a:pPr algn="ctr">
+                        <a:lnSpc>
+                          <a:spcPct val="100000"/>
+                        </a:lnSpc>
+                      </a:pPr>
+                      <a:r>
+                        <a:rPr kumimoji="1" lang="ja-JP" altLang="en-US" sz="2000">
+                          <a:solidFill>
+                            <a:sysClr val="windowText" lastClr="000000"/>
+                          </a:solidFill>
+                        </a:rPr>
+                        <a:t>特になし</a:t>
+                      </a:r>
+                    </a:p>
+                  </a:txBody>
+                  <a:tcPr anchor="ctr">
+                    <a:lnL w="12700" cap="flat" cmpd="sng" algn="ctr">
+                      <a:solidFill>
+                        <a:schemeClr val="tx1"/>
+                      </a:solidFill>
+                      <a:prstDash val="solid"/>
+                      <a:round/>
+                      <a:headEnd type="none" w="med" len="med"/>
+                      <a:tailEnd type="none" w="med" len="med"/>
+                    </a:lnL>
+                    <a:lnR w="12700" cap="flat" cmpd="sng" algn="ctr">
+                      <a:solidFill>
+                        <a:schemeClr val="tx1"/>
+                      </a:solidFill>
+                      <a:prstDash val="solid"/>
+                      <a:round/>
+                      <a:headEnd type="none" w="med" len="med"/>
+                      <a:tailEnd type="none" w="med" len="med"/>
+                    </a:lnR>
+                    <a:lnT w="12700" cap="flat" cmpd="sng" algn="ctr">
+                      <a:solidFill>
+                        <a:schemeClr val="tx1"/>
+                      </a:solidFill>
+                      <a:prstDash val="solid"/>
+                      <a:round/>
+                      <a:headEnd type="none" w="med" len="med"/>
+                      <a:tailEnd type="none" w="med" len="med"/>
+                    </a:lnT>
+                    <a:lnB w="12700" cap="flat" cmpd="sng" algn="ctr">
+                      <a:solidFill>
+                        <a:schemeClr val="tx1"/>
+                      </a:solidFill>
+                      <a:prstDash val="solid"/>
+                      <a:round/>
+                      <a:headEnd type="none" w="med" len="med"/>
+                      <a:tailEnd type="none" w="med" len="med"/>
+                    </a:lnB>
+                    <a:solidFill>
+                      <a:schemeClr val="bg1">
+                        <a:lumMod val="95000"/>
+                      </a:schemeClr>
+                    </a:solidFill>
+                  </a:tcPr>
+                </a:tc>
+                <a:tc>
+                  <a:txBody>
+                    <a:bodyPr/>
+                    <a:lstStyle/>
+                    <a:p>
+                      <a:pPr algn="ctr">
+                        <a:lnSpc>
+                          <a:spcPct val="100000"/>
+                        </a:lnSpc>
+                      </a:pPr>
+                      <a:r>
+                        <a:rPr kumimoji="1" lang="en-US" altLang="ja-JP" sz="2000" dirty="0" err="1">
+                          <a:solidFill>
+                            <a:sysClr val="windowText" lastClr="000000"/>
+                          </a:solidFill>
+                        </a:rPr>
+                        <a:t>sshportal</a:t>
+                      </a:r>
+                      <a:endParaRPr kumimoji="1" lang="en-US" altLang="ja-JP" sz="2000" dirty="0">
+                        <a:solidFill>
+                          <a:sysClr val="windowText" lastClr="000000"/>
+                        </a:solidFill>
+                      </a:endParaRPr>
+                    </a:p>
+                    <a:p>
+                      <a:pPr algn="ctr">
+                        <a:lnSpc>
+                          <a:spcPct val="100000"/>
+                        </a:lnSpc>
+                      </a:pPr>
+                      <a:r>
+                        <a:rPr kumimoji="1" lang="en-US" altLang="ja-JP" sz="2000" dirty="0">
+                          <a:solidFill>
+                            <a:sysClr val="windowText" lastClr="000000"/>
+                          </a:solidFill>
+                        </a:rPr>
+                        <a:t>Teleport</a:t>
+                      </a:r>
+                    </a:p>
+                    <a:p>
+                      <a:pPr algn="ctr">
+                        <a:lnSpc>
+                          <a:spcPct val="100000"/>
+                        </a:lnSpc>
+                      </a:pPr>
+                      <a:r>
+                        <a:rPr kumimoji="1" lang="en-US" altLang="ja-JP" sz="2000" dirty="0" err="1">
+                          <a:solidFill>
+                            <a:sysClr val="windowText" lastClr="000000"/>
+                          </a:solidFill>
+                        </a:rPr>
+                        <a:t>SoftEtherVPN</a:t>
+                      </a:r>
+                      <a:endParaRPr kumimoji="1" lang="ja-JP" altLang="en-US" sz="2000">
+                        <a:solidFill>
+                          <a:sysClr val="windowText" lastClr="000000"/>
+                        </a:solidFill>
+                      </a:endParaRPr>
+                    </a:p>
+                  </a:txBody>
+                  <a:tcPr anchor="ctr">
+                    <a:lnL w="12700" cap="flat" cmpd="sng" algn="ctr">
+                      <a:solidFill>
+                        <a:schemeClr val="tx1"/>
+                      </a:solidFill>
+                      <a:prstDash val="solid"/>
+                      <a:round/>
+                      <a:headEnd type="none" w="med" len="med"/>
+                      <a:tailEnd type="none" w="med" len="med"/>
+                    </a:lnL>
+                    <a:lnR w="12700" cap="flat" cmpd="sng" algn="ctr">
+                      <a:solidFill>
+                        <a:schemeClr val="tx1"/>
+                      </a:solidFill>
+                      <a:prstDash val="solid"/>
+                      <a:round/>
+                      <a:headEnd type="none" w="med" len="med"/>
+                      <a:tailEnd type="none" w="med" len="med"/>
+                    </a:lnR>
+                    <a:lnT w="12700" cap="flat" cmpd="sng" algn="ctr">
+                      <a:solidFill>
+                        <a:schemeClr val="tx1"/>
+                      </a:solidFill>
+                      <a:prstDash val="solid"/>
+                      <a:round/>
+                      <a:headEnd type="none" w="med" len="med"/>
+                      <a:tailEnd type="none" w="med" len="med"/>
+                    </a:lnT>
+                    <a:lnB w="12700" cap="flat" cmpd="sng" algn="ctr">
+                      <a:solidFill>
+                        <a:schemeClr val="tx1"/>
+                      </a:solidFill>
+                      <a:prstDash val="solid"/>
+                      <a:round/>
+                      <a:headEnd type="none" w="med" len="med"/>
+                      <a:tailEnd type="none" w="med" len="med"/>
+                    </a:lnB>
+                    <a:solidFill>
+                      <a:schemeClr val="bg1">
+                        <a:lumMod val="95000"/>
+                      </a:schemeClr>
+                    </a:solidFill>
+                  </a:tcPr>
+                </a:tc>
+                <a:extLst>
+                  <a:ext uri="{0D108BD9-81ED-4DB2-BD59-A6C34878D82A}">
+                    <a16:rowId xmlns:a16="http://schemas.microsoft.com/office/drawing/2014/main" val="3078415094"/>
+                  </a:ext>
+                </a:extLst>
+              </a:tr>
+              <a:tr h="426985">
+                <a:tc>
+                  <a:txBody>
+                    <a:bodyPr/>
+                    <a:lstStyle/>
+                    <a:p>
+                      <a:pPr algn="ctr"/>
+                      <a:r>
+                        <a:rPr kumimoji="1" lang="en-US" altLang="ja-JP" sz="2400" b="1" dirty="0">
+                          <a:solidFill>
+                            <a:sysClr val="windowText" lastClr="000000"/>
+                          </a:solidFill>
+                        </a:rPr>
+                        <a:t>E2E</a:t>
+                      </a:r>
+                      <a:r>
+                        <a:rPr kumimoji="1" lang="ja-JP" altLang="en-US" sz="2400" b="1">
+                          <a:solidFill>
+                            <a:sysClr val="windowText" lastClr="000000"/>
+                          </a:solidFill>
+                        </a:rPr>
+                        <a:t>のみのログイン情報による利用</a:t>
+                      </a:r>
+                    </a:p>
+                  </a:txBody>
+                  <a:tcPr anchor="ctr">
+                    <a:lnL w="12700" cap="flat" cmpd="sng" algn="ctr">
+                      <a:solidFill>
+                        <a:schemeClr val="tx1"/>
+                      </a:solidFill>
+                      <a:prstDash val="solid"/>
+                      <a:round/>
+                      <a:headEnd type="none" w="med" len="med"/>
+                      <a:tailEnd type="none" w="med" len="med"/>
+                    </a:lnL>
+                    <a:lnR w="12700" cap="flat" cmpd="sng" algn="ctr">
+                      <a:solidFill>
+                        <a:schemeClr val="tx1"/>
+                      </a:solidFill>
+                      <a:prstDash val="solid"/>
+                      <a:round/>
+                      <a:headEnd type="none" w="med" len="med"/>
+                      <a:tailEnd type="none" w="med" len="med"/>
+                    </a:lnR>
+                    <a:lnT w="12700" cap="flat" cmpd="sng" algn="ctr">
+                      <a:solidFill>
+                        <a:schemeClr val="tx1"/>
+                      </a:solidFill>
+                      <a:prstDash val="solid"/>
+                      <a:round/>
+                      <a:headEnd type="none" w="med" len="med"/>
+                      <a:tailEnd type="none" w="med" len="med"/>
+                    </a:lnT>
+                    <a:lnB w="12700" cap="flat" cmpd="sng" algn="ctr">
+                      <a:solidFill>
+                        <a:schemeClr val="tx1"/>
+                      </a:solidFill>
+                      <a:prstDash val="solid"/>
+                      <a:round/>
+                      <a:headEnd type="none" w="med" len="med"/>
+                      <a:tailEnd type="none" w="med" len="med"/>
+                    </a:lnB>
+                    <a:solidFill>
+                      <a:schemeClr val="bg2">
+                        <a:lumMod val="90000"/>
+                      </a:schemeClr>
+                    </a:solidFill>
+                  </a:tcPr>
+                </a:tc>
+                <a:tc>
+                  <a:txBody>
+                    <a:bodyPr/>
+                    <a:lstStyle/>
+                    <a:p>
+                      <a:pPr algn="ctr">
+                        <a:lnSpc>
+                          <a:spcPct val="100000"/>
+                        </a:lnSpc>
+                      </a:pPr>
+                      <a:r>
+                        <a:rPr kumimoji="1" lang="en-US" altLang="ja-JP" sz="2000" dirty="0">
+                          <a:solidFill>
+                            <a:sysClr val="windowText" lastClr="000000"/>
+                          </a:solidFill>
+                        </a:rPr>
+                        <a:t>VPN</a:t>
+                      </a:r>
+                      <a:endParaRPr kumimoji="1" lang="ja-JP" altLang="en-US" sz="2000">
+                        <a:solidFill>
+                          <a:sysClr val="windowText" lastClr="000000"/>
+                        </a:solidFill>
+                      </a:endParaRPr>
+                    </a:p>
+                  </a:txBody>
+                  <a:tcPr anchor="ctr">
+                    <a:lnL w="12700" cap="flat" cmpd="sng" algn="ctr">
+                      <a:solidFill>
+                        <a:schemeClr val="tx1"/>
+                      </a:solidFill>
+                      <a:prstDash val="solid"/>
+                      <a:round/>
+                      <a:headEnd type="none" w="med" len="med"/>
+                      <a:tailEnd type="none" w="med" len="med"/>
+                    </a:lnL>
+                    <a:lnR w="12700" cap="flat" cmpd="sng" algn="ctr">
+                      <a:solidFill>
+                        <a:schemeClr val="tx1"/>
+                      </a:solidFill>
+                      <a:prstDash val="solid"/>
+                      <a:round/>
+                      <a:headEnd type="none" w="med" len="med"/>
+                      <a:tailEnd type="none" w="med" len="med"/>
+                    </a:lnR>
+                    <a:lnT w="12700" cap="flat" cmpd="sng" algn="ctr">
+                      <a:solidFill>
+                        <a:schemeClr val="tx1"/>
+                      </a:solidFill>
+                      <a:prstDash val="solid"/>
+                      <a:round/>
+                      <a:headEnd type="none" w="med" len="med"/>
+                      <a:tailEnd type="none" w="med" len="med"/>
+                    </a:lnT>
+                    <a:lnB w="12700" cap="flat" cmpd="sng" algn="ctr">
+                      <a:solidFill>
+                        <a:schemeClr val="tx1"/>
+                      </a:solidFill>
+                      <a:prstDash val="solid"/>
+                      <a:round/>
+                      <a:headEnd type="none" w="med" len="med"/>
+                      <a:tailEnd type="none" w="med" len="med"/>
+                    </a:lnB>
+                    <a:solidFill>
+                      <a:schemeClr val="bg1">
+                        <a:lumMod val="95000"/>
+                      </a:schemeClr>
+                    </a:solidFill>
+                  </a:tcPr>
+                </a:tc>
+                <a:tc>
+                  <a:txBody>
+                    <a:bodyPr/>
+                    <a:lstStyle/>
+                    <a:p>
+                      <a:pPr algn="ctr">
+                        <a:lnSpc>
+                          <a:spcPct val="100000"/>
+                        </a:lnSpc>
+                      </a:pPr>
+                      <a:r>
+                        <a:rPr kumimoji="1" lang="en-US" altLang="ja-JP" sz="2000" dirty="0" err="1">
+                          <a:solidFill>
+                            <a:sysClr val="windowText" lastClr="000000"/>
+                          </a:solidFill>
+                        </a:rPr>
+                        <a:t>sshuttle</a:t>
+                      </a:r>
+                      <a:endParaRPr kumimoji="1" lang="en-US" altLang="ja-JP" sz="2000" dirty="0">
+                        <a:solidFill>
+                          <a:sysClr val="windowText" lastClr="000000"/>
+                        </a:solidFill>
+                      </a:endParaRPr>
+                    </a:p>
+                    <a:p>
+                      <a:pPr algn="ctr">
+                        <a:lnSpc>
+                          <a:spcPct val="100000"/>
+                        </a:lnSpc>
+                      </a:pPr>
+                      <a:r>
+                        <a:rPr kumimoji="1" lang="en-US" altLang="ja-JP" sz="2000" dirty="0" err="1">
+                          <a:solidFill>
+                            <a:sysClr val="windowText" lastClr="000000"/>
+                          </a:solidFill>
+                        </a:rPr>
+                        <a:t>SoftEtherVPN</a:t>
+                      </a:r>
+                      <a:endParaRPr kumimoji="1" lang="en-US" altLang="ja-JP" sz="2000" dirty="0">
+                        <a:solidFill>
+                          <a:sysClr val="windowText" lastClr="000000"/>
+                        </a:solidFill>
+                      </a:endParaRPr>
+                    </a:p>
+                    <a:p>
+                      <a:pPr algn="ctr">
+                        <a:lnSpc>
+                          <a:spcPct val="100000"/>
+                        </a:lnSpc>
+                      </a:pPr>
+                      <a:r>
+                        <a:rPr kumimoji="1" lang="en-US" altLang="ja-JP" sz="2000" dirty="0">
+                          <a:solidFill>
+                            <a:sysClr val="windowText" lastClr="000000"/>
+                          </a:solidFill>
+                        </a:rPr>
+                        <a:t>Teleport</a:t>
+                      </a:r>
+                      <a:endParaRPr kumimoji="1" lang="ja-JP" altLang="en-US" sz="2000">
+                        <a:solidFill>
+                          <a:sysClr val="windowText" lastClr="000000"/>
+                        </a:solidFill>
+                      </a:endParaRPr>
+                    </a:p>
+                  </a:txBody>
+                  <a:tcPr anchor="ctr">
+                    <a:lnL w="12700" cap="flat" cmpd="sng" algn="ctr">
+                      <a:solidFill>
+                        <a:schemeClr val="tx1"/>
+                      </a:solidFill>
+                      <a:prstDash val="solid"/>
+                      <a:round/>
+                      <a:headEnd type="none" w="med" len="med"/>
+                      <a:tailEnd type="none" w="med" len="med"/>
+                    </a:lnL>
+                    <a:lnR w="12700" cap="flat" cmpd="sng" algn="ctr">
+                      <a:solidFill>
+                        <a:schemeClr val="tx1"/>
+                      </a:solidFill>
+                      <a:prstDash val="solid"/>
+                      <a:round/>
+                      <a:headEnd type="none" w="med" len="med"/>
+                      <a:tailEnd type="none" w="med" len="med"/>
+                    </a:lnR>
+                    <a:lnT w="12700" cap="flat" cmpd="sng" algn="ctr">
+                      <a:solidFill>
+                        <a:schemeClr val="tx1"/>
+                      </a:solidFill>
+                      <a:prstDash val="solid"/>
+                      <a:round/>
+                      <a:headEnd type="none" w="med" len="med"/>
+                      <a:tailEnd type="none" w="med" len="med"/>
+                    </a:lnT>
+                    <a:lnB w="12700" cap="flat" cmpd="sng" algn="ctr">
+                      <a:solidFill>
+                        <a:schemeClr val="tx1"/>
+                      </a:solidFill>
+                      <a:prstDash val="solid"/>
+                      <a:round/>
+                      <a:headEnd type="none" w="med" len="med"/>
+                      <a:tailEnd type="none" w="med" len="med"/>
+                    </a:lnB>
+                    <a:solidFill>
+                      <a:schemeClr val="bg1">
+                        <a:lumMod val="95000"/>
+                      </a:schemeClr>
+                    </a:solidFill>
+                  </a:tcPr>
+                </a:tc>
+                <a:extLst>
+                  <a:ext uri="{0D108BD9-81ED-4DB2-BD59-A6C34878D82A}">
+                    <a16:rowId xmlns:a16="http://schemas.microsoft.com/office/drawing/2014/main" val="2078189274"/>
+                  </a:ext>
+                </a:extLst>
+              </a:tr>
+            </a:tbl>
+          </a:graphicData>
+        </a:graphic>
+      </p:graphicFrame>
+    </p:spTree>
+    <p:extLst>
+      <p:ext uri="{BB962C8B-B14F-4D97-AF65-F5344CB8AC3E}">
+        <p14:creationId xmlns:p14="http://schemas.microsoft.com/office/powerpoint/2010/main" val="2661023852"/>
+      </p:ext>
+    </p:extLst>
+  </p:cSld>
+  <p:clrMapOvr>
+    <a:masterClrMapping/>
+  </p:clrMapOvr>
+</p:sld>
+</file>
+
+<file path=ppt/slides/slide9.xml><?xml version="1.0" encoding="utf-8"?>
 <p:sld xmlns:a="http://schemas.openxmlformats.org/drawingml/2006/main" xmlns:r="http://schemas.openxmlformats.org/officeDocument/2006/relationships" xmlns:p="http://schemas.openxmlformats.org/presentationml/2006/main">
   <p:cSld>
     <p:spTree>

--- a/SUBTHEME/graphs/telework_list.pptx
+++ b/SUBTHEME/graphs/telework_list.pptx
@@ -12,8 +12,10 @@
     <p:sldId id="261" r:id="rId6"/>
     <p:sldId id="262" r:id="rId7"/>
     <p:sldId id="263" r:id="rId8"/>
-    <p:sldId id="265" r:id="rId9"/>
-    <p:sldId id="264" r:id="rId10"/>
+    <p:sldId id="267" r:id="rId9"/>
+    <p:sldId id="266" r:id="rId10"/>
+    <p:sldId id="265" r:id="rId11"/>
+    <p:sldId id="264" r:id="rId12"/>
   </p:sldIdLst>
   <p:sldSz cx="12192000" cy="6858000"/>
   <p:notesSz cx="6858000" cy="9144000"/>
@@ -267,7 +269,7 @@
           <a:p>
             <a:fld id="{4CD497F8-9430-BC49-8D3A-D071BC4586DD}" type="datetimeFigureOut">
               <a:rPr kumimoji="1" lang="ja-JP" altLang="en-US" smtClean="0"/>
-              <a:t>2020/10/13</a:t>
+              <a:t>2020/10/15</a:t>
             </a:fld>
             <a:endParaRPr kumimoji="1" lang="ja-JP" altLang="en-US"/>
           </a:p>
@@ -472,7 +474,7 @@
           <a:p>
             <a:fld id="{4CD497F8-9430-BC49-8D3A-D071BC4586DD}" type="datetimeFigureOut">
               <a:rPr kumimoji="1" lang="ja-JP" altLang="en-US" smtClean="0"/>
-              <a:t>2020/10/13</a:t>
+              <a:t>2020/10/15</a:t>
             </a:fld>
             <a:endParaRPr kumimoji="1" lang="ja-JP" altLang="en-US"/>
           </a:p>
@@ -687,7 +689,7 @@
           <a:p>
             <a:fld id="{4CD497F8-9430-BC49-8D3A-D071BC4586DD}" type="datetimeFigureOut">
               <a:rPr kumimoji="1" lang="ja-JP" altLang="en-US" smtClean="0"/>
-              <a:t>2020/10/13</a:t>
+              <a:t>2020/10/15</a:t>
             </a:fld>
             <a:endParaRPr kumimoji="1" lang="ja-JP" altLang="en-US"/>
           </a:p>
@@ -892,7 +894,7 @@
           <a:p>
             <a:fld id="{4CD497F8-9430-BC49-8D3A-D071BC4586DD}" type="datetimeFigureOut">
               <a:rPr kumimoji="1" lang="ja-JP" altLang="en-US" smtClean="0"/>
-              <a:t>2020/10/13</a:t>
+              <a:t>2020/10/15</a:t>
             </a:fld>
             <a:endParaRPr kumimoji="1" lang="ja-JP" altLang="en-US"/>
           </a:p>
@@ -1202,7 +1204,7 @@
           <a:p>
             <a:fld id="{4CD497F8-9430-BC49-8D3A-D071BC4586DD}" type="datetimeFigureOut">
               <a:rPr kumimoji="1" lang="ja-JP" altLang="en-US" smtClean="0"/>
-              <a:t>2020/10/13</a:t>
+              <a:t>2020/10/15</a:t>
             </a:fld>
             <a:endParaRPr kumimoji="1" lang="ja-JP" altLang="en-US"/>
           </a:p>
@@ -1481,7 +1483,7 @@
           <a:p>
             <a:fld id="{4CD497F8-9430-BC49-8D3A-D071BC4586DD}" type="datetimeFigureOut">
               <a:rPr kumimoji="1" lang="ja-JP" altLang="en-US" smtClean="0"/>
-              <a:t>2020/10/13</a:t>
+              <a:t>2020/10/15</a:t>
             </a:fld>
             <a:endParaRPr kumimoji="1" lang="ja-JP" altLang="en-US"/>
           </a:p>
@@ -1977,7 +1979,7 @@
           <a:p>
             <a:fld id="{4CD497F8-9430-BC49-8D3A-D071BC4586DD}" type="datetimeFigureOut">
               <a:rPr kumimoji="1" lang="ja-JP" altLang="en-US" smtClean="0"/>
-              <a:t>2020/10/13</a:t>
+              <a:t>2020/10/15</a:t>
             </a:fld>
             <a:endParaRPr kumimoji="1" lang="ja-JP" altLang="en-US"/>
           </a:p>
@@ -2118,7 +2120,7 @@
           <a:p>
             <a:fld id="{4CD497F8-9430-BC49-8D3A-D071BC4586DD}" type="datetimeFigureOut">
               <a:rPr kumimoji="1" lang="ja-JP" altLang="en-US" smtClean="0"/>
-              <a:t>2020/10/13</a:t>
+              <a:t>2020/10/15</a:t>
             </a:fld>
             <a:endParaRPr kumimoji="1" lang="ja-JP" altLang="en-US"/>
           </a:p>
@@ -2231,7 +2233,7 @@
           <a:p>
             <a:fld id="{4CD497F8-9430-BC49-8D3A-D071BC4586DD}" type="datetimeFigureOut">
               <a:rPr kumimoji="1" lang="ja-JP" altLang="en-US" smtClean="0"/>
-              <a:t>2020/10/13</a:t>
+              <a:t>2020/10/15</a:t>
             </a:fld>
             <a:endParaRPr kumimoji="1" lang="ja-JP" altLang="en-US"/>
           </a:p>
@@ -2584,7 +2586,7 @@
           <a:p>
             <a:fld id="{4CD497F8-9430-BC49-8D3A-D071BC4586DD}" type="datetimeFigureOut">
               <a:rPr kumimoji="1" lang="ja-JP" altLang="en-US" smtClean="0"/>
-              <a:t>2020/10/13</a:t>
+              <a:t>2020/10/15</a:t>
             </a:fld>
             <a:endParaRPr kumimoji="1" lang="ja-JP" altLang="en-US"/>
           </a:p>
@@ -2907,7 +2909,7 @@
           <a:p>
             <a:fld id="{4CD497F8-9430-BC49-8D3A-D071BC4586DD}" type="datetimeFigureOut">
               <a:rPr kumimoji="1" lang="ja-JP" altLang="en-US" smtClean="0"/>
-              <a:t>2020/10/13</a:t>
+              <a:t>2020/10/15</a:t>
             </a:fld>
             <a:endParaRPr kumimoji="1" lang="ja-JP" altLang="en-US"/>
           </a:p>
@@ -3155,7 +3157,7 @@
           <a:p>
             <a:fld id="{4CD497F8-9430-BC49-8D3A-D071BC4586DD}" type="datetimeFigureOut">
               <a:rPr kumimoji="1" lang="ja-JP" altLang="en-US" smtClean="0"/>
-              <a:t>2020/10/13</a:t>
+              <a:t>2020/10/15</a:t>
             </a:fld>
             <a:endParaRPr kumimoji="1" lang="ja-JP" altLang="en-US"/>
           </a:p>
@@ -7281,6 +7283,3771 @@
 </p:sld>
 </file>
 
+<file path=ppt/slides/slide10.xml><?xml version="1.0" encoding="utf-8"?>
+<p:sld xmlns:a="http://schemas.openxmlformats.org/drawingml/2006/main" xmlns:r="http://schemas.openxmlformats.org/officeDocument/2006/relationships" xmlns:p="http://schemas.openxmlformats.org/presentationml/2006/main">
+  <p:cSld>
+    <p:spTree>
+      <p:nvGrpSpPr>
+        <p:cNvPr id="1" name=""/>
+        <p:cNvGrpSpPr/>
+        <p:nvPr/>
+      </p:nvGrpSpPr>
+      <p:grpSpPr>
+        <a:xfrm>
+          <a:off x="0" y="0"/>
+          <a:ext cx="0" cy="0"/>
+          <a:chOff x="0" y="0"/>
+          <a:chExt cx="0" cy="0"/>
+        </a:xfrm>
+      </p:grpSpPr>
+      <p:graphicFrame>
+        <p:nvGraphicFramePr>
+          <p:cNvPr id="2" name="表 1">
+            <a:extLst>
+              <a:ext uri="{FF2B5EF4-FFF2-40B4-BE49-F238E27FC236}">
+                <a16:creationId xmlns:a16="http://schemas.microsoft.com/office/drawing/2014/main" id="{1491C5D8-06D3-F64B-A832-24C88B0DB1A6}"/>
+              </a:ext>
+            </a:extLst>
+          </p:cNvPr>
+          <p:cNvGraphicFramePr>
+            <a:graphicFrameLocks noGrp="1"/>
+          </p:cNvGraphicFramePr>
+          <p:nvPr>
+            <p:extLst>
+              <p:ext uri="{D42A27DB-BD31-4B8C-83A1-F6EECF244321}">
+                <p14:modId xmlns:p14="http://schemas.microsoft.com/office/powerpoint/2010/main" val="453251118"/>
+              </p:ext>
+            </p:extLst>
+          </p:nvPr>
+        </p:nvGraphicFramePr>
+        <p:xfrm>
+          <a:off x="0" y="0"/>
+          <a:ext cx="12191997" cy="6736080"/>
+        </p:xfrm>
+        <a:graphic>
+          <a:graphicData uri="http://schemas.openxmlformats.org/drawingml/2006/table">
+            <a:tbl>
+              <a:tblPr firstRow="1" bandRow="1">
+                <a:tableStyleId>{5C22544A-7EE6-4342-B048-85BDC9FD1C3A}</a:tableStyleId>
+              </a:tblPr>
+              <a:tblGrid>
+                <a:gridCol w="4432851">
+                  <a:extLst>
+                    <a:ext uri="{9D8B030D-6E8A-4147-A177-3AD203B41FA5}">
+                      <a16:colId xmlns:a16="http://schemas.microsoft.com/office/drawing/2014/main" val="3472614445"/>
+                    </a:ext>
+                  </a:extLst>
+                </a:gridCol>
+                <a:gridCol w="4065104">
+                  <a:extLst>
+                    <a:ext uri="{9D8B030D-6E8A-4147-A177-3AD203B41FA5}">
+                      <a16:colId xmlns:a16="http://schemas.microsoft.com/office/drawing/2014/main" val="3320353041"/>
+                    </a:ext>
+                  </a:extLst>
+                </a:gridCol>
+                <a:gridCol w="3694042">
+                  <a:extLst>
+                    <a:ext uri="{9D8B030D-6E8A-4147-A177-3AD203B41FA5}">
+                      <a16:colId xmlns:a16="http://schemas.microsoft.com/office/drawing/2014/main" val="2165481223"/>
+                    </a:ext>
+                  </a:extLst>
+                </a:gridCol>
+              </a:tblGrid>
+              <a:tr h="363728">
+                <a:tc>
+                  <a:txBody>
+                    <a:bodyPr/>
+                    <a:lstStyle/>
+                    <a:p>
+                      <a:pPr algn="ctr"/>
+                      <a:r>
+                        <a:rPr kumimoji="1" lang="ja-JP" altLang="en-US" sz="2000">
+                          <a:solidFill>
+                            <a:sysClr val="windowText" lastClr="000000"/>
+                          </a:solidFill>
+                        </a:rPr>
+                        <a:t>求める機能</a:t>
+                      </a:r>
+                    </a:p>
+                  </a:txBody>
+                  <a:tcPr anchor="ctr">
+                    <a:lnL w="12700" cap="flat" cmpd="sng" algn="ctr">
+                      <a:solidFill>
+                        <a:schemeClr val="tx1"/>
+                      </a:solidFill>
+                      <a:prstDash val="solid"/>
+                      <a:round/>
+                      <a:headEnd type="none" w="med" len="med"/>
+                      <a:tailEnd type="none" w="med" len="med"/>
+                    </a:lnL>
+                    <a:lnR w="12700" cap="flat" cmpd="sng" algn="ctr">
+                      <a:solidFill>
+                        <a:schemeClr val="tx1"/>
+                      </a:solidFill>
+                      <a:prstDash val="solid"/>
+                      <a:round/>
+                      <a:headEnd type="none" w="med" len="med"/>
+                      <a:tailEnd type="none" w="med" len="med"/>
+                    </a:lnR>
+                    <a:lnT w="12700" cap="flat" cmpd="sng" algn="ctr">
+                      <a:solidFill>
+                        <a:schemeClr val="tx1"/>
+                      </a:solidFill>
+                      <a:prstDash val="solid"/>
+                      <a:round/>
+                      <a:headEnd type="none" w="med" len="med"/>
+                      <a:tailEnd type="none" w="med" len="med"/>
+                    </a:lnT>
+                    <a:lnB w="12700" cap="flat" cmpd="sng" algn="ctr">
+                      <a:solidFill>
+                        <a:schemeClr val="tx1"/>
+                      </a:solidFill>
+                      <a:prstDash val="solid"/>
+                      <a:round/>
+                      <a:headEnd type="none" w="med" len="med"/>
+                      <a:tailEnd type="none" w="med" len="med"/>
+                    </a:lnB>
+                    <a:solidFill>
+                      <a:schemeClr val="bg2">
+                        <a:lumMod val="75000"/>
+                      </a:schemeClr>
+                    </a:solidFill>
+                  </a:tcPr>
+                </a:tc>
+                <a:tc>
+                  <a:txBody>
+                    <a:bodyPr/>
+                    <a:lstStyle/>
+                    <a:p>
+                      <a:pPr algn="ctr"/>
+                      <a:r>
+                        <a:rPr kumimoji="1" lang="ja-JP" altLang="en-US" sz="2000">
+                          <a:solidFill>
+                            <a:sysClr val="windowText" lastClr="000000"/>
+                          </a:solidFill>
+                        </a:rPr>
+                        <a:t>実現する技術</a:t>
+                      </a:r>
+                      <a:endParaRPr kumimoji="1" lang="en-US" altLang="ja-JP" sz="2000" dirty="0">
+                        <a:solidFill>
+                          <a:sysClr val="windowText" lastClr="000000"/>
+                        </a:solidFill>
+                      </a:endParaRPr>
+                    </a:p>
+                  </a:txBody>
+                  <a:tcPr anchor="ctr">
+                    <a:lnL w="12700" cap="flat" cmpd="sng" algn="ctr">
+                      <a:solidFill>
+                        <a:schemeClr val="tx1"/>
+                      </a:solidFill>
+                      <a:prstDash val="solid"/>
+                      <a:round/>
+                      <a:headEnd type="none" w="med" len="med"/>
+                      <a:tailEnd type="none" w="med" len="med"/>
+                    </a:lnL>
+                    <a:lnR w="12700" cap="flat" cmpd="sng" algn="ctr">
+                      <a:solidFill>
+                        <a:schemeClr val="tx1"/>
+                      </a:solidFill>
+                      <a:prstDash val="solid"/>
+                      <a:round/>
+                      <a:headEnd type="none" w="med" len="med"/>
+                      <a:tailEnd type="none" w="med" len="med"/>
+                    </a:lnR>
+                    <a:lnT w="12700" cap="flat" cmpd="sng" algn="ctr">
+                      <a:solidFill>
+                        <a:schemeClr val="tx1"/>
+                      </a:solidFill>
+                      <a:prstDash val="solid"/>
+                      <a:round/>
+                      <a:headEnd type="none" w="med" len="med"/>
+                      <a:tailEnd type="none" w="med" len="med"/>
+                    </a:lnT>
+                    <a:lnB w="12700" cap="flat" cmpd="sng" algn="ctr">
+                      <a:solidFill>
+                        <a:schemeClr val="tx1"/>
+                      </a:solidFill>
+                      <a:prstDash val="solid"/>
+                      <a:round/>
+                      <a:headEnd type="none" w="med" len="med"/>
+                      <a:tailEnd type="none" w="med" len="med"/>
+                    </a:lnB>
+                    <a:solidFill>
+                      <a:schemeClr val="bg2">
+                        <a:lumMod val="75000"/>
+                      </a:schemeClr>
+                    </a:solidFill>
+                  </a:tcPr>
+                </a:tc>
+                <a:tc>
+                  <a:txBody>
+                    <a:bodyPr/>
+                    <a:lstStyle/>
+                    <a:p>
+                      <a:pPr algn="ctr"/>
+                      <a:r>
+                        <a:rPr kumimoji="1" lang="ja-JP" altLang="en-US" sz="2000">
+                          <a:solidFill>
+                            <a:sysClr val="windowText" lastClr="000000"/>
+                          </a:solidFill>
+                        </a:rPr>
+                        <a:t>ソフトウェア</a:t>
+                      </a:r>
+                    </a:p>
+                  </a:txBody>
+                  <a:tcPr anchor="ctr">
+                    <a:lnL w="12700" cap="flat" cmpd="sng" algn="ctr">
+                      <a:solidFill>
+                        <a:schemeClr val="tx1"/>
+                      </a:solidFill>
+                      <a:prstDash val="solid"/>
+                      <a:round/>
+                      <a:headEnd type="none" w="med" len="med"/>
+                      <a:tailEnd type="none" w="med" len="med"/>
+                    </a:lnL>
+                    <a:lnR w="12700" cap="flat" cmpd="sng" algn="ctr">
+                      <a:solidFill>
+                        <a:schemeClr val="tx1"/>
+                      </a:solidFill>
+                      <a:prstDash val="solid"/>
+                      <a:round/>
+                      <a:headEnd type="none" w="med" len="med"/>
+                      <a:tailEnd type="none" w="med" len="med"/>
+                    </a:lnR>
+                    <a:lnT w="12700" cap="flat" cmpd="sng" algn="ctr">
+                      <a:solidFill>
+                        <a:schemeClr val="tx1"/>
+                      </a:solidFill>
+                      <a:prstDash val="solid"/>
+                      <a:round/>
+                      <a:headEnd type="none" w="med" len="med"/>
+                      <a:tailEnd type="none" w="med" len="med"/>
+                    </a:lnT>
+                    <a:lnB w="12700" cap="flat" cmpd="sng" algn="ctr">
+                      <a:solidFill>
+                        <a:schemeClr val="tx1"/>
+                      </a:solidFill>
+                      <a:prstDash val="solid"/>
+                      <a:round/>
+                      <a:headEnd type="none" w="med" len="med"/>
+                      <a:tailEnd type="none" w="med" len="med"/>
+                    </a:lnB>
+                    <a:solidFill>
+                      <a:schemeClr val="bg2">
+                        <a:lumMod val="75000"/>
+                      </a:schemeClr>
+                    </a:solidFill>
+                  </a:tcPr>
+                </a:tc>
+                <a:extLst>
+                  <a:ext uri="{0D108BD9-81ED-4DB2-BD59-A6C34878D82A}">
+                    <a16:rowId xmlns:a16="http://schemas.microsoft.com/office/drawing/2014/main" val="4040545879"/>
+                  </a:ext>
+                </a:extLst>
+              </a:tr>
+              <a:tr h="0">
+                <a:tc>
+                  <a:txBody>
+                    <a:bodyPr/>
+                    <a:lstStyle/>
+                    <a:p>
+                      <a:pPr algn="ctr"/>
+                      <a:r>
+                        <a:rPr kumimoji="1" lang="en-US" altLang="ja-JP" sz="2400" b="1" dirty="0">
+                          <a:solidFill>
+                            <a:sysClr val="windowText" lastClr="000000"/>
+                          </a:solidFill>
+                        </a:rPr>
+                        <a:t>SSH</a:t>
+                      </a:r>
+                      <a:r>
+                        <a:rPr kumimoji="1" lang="ja-JP" altLang="en-US" sz="2400" b="1">
+                          <a:solidFill>
+                            <a:sysClr val="windowText" lastClr="000000"/>
+                          </a:solidFill>
+                        </a:rPr>
+                        <a:t>の段数の削減</a:t>
+                      </a:r>
+                    </a:p>
+                  </a:txBody>
+                  <a:tcPr anchor="ctr">
+                    <a:lnL w="12700" cap="flat" cmpd="sng" algn="ctr">
+                      <a:solidFill>
+                        <a:schemeClr val="tx1"/>
+                      </a:solidFill>
+                      <a:prstDash val="solid"/>
+                      <a:round/>
+                      <a:headEnd type="none" w="med" len="med"/>
+                      <a:tailEnd type="none" w="med" len="med"/>
+                    </a:lnL>
+                    <a:lnR w="12700" cap="flat" cmpd="sng" algn="ctr">
+                      <a:solidFill>
+                        <a:schemeClr val="tx1"/>
+                      </a:solidFill>
+                      <a:prstDash val="solid"/>
+                      <a:round/>
+                      <a:headEnd type="none" w="med" len="med"/>
+                      <a:tailEnd type="none" w="med" len="med"/>
+                    </a:lnR>
+                    <a:lnT w="12700" cap="flat" cmpd="sng" algn="ctr">
+                      <a:solidFill>
+                        <a:schemeClr val="tx1"/>
+                      </a:solidFill>
+                      <a:prstDash val="solid"/>
+                      <a:round/>
+                      <a:headEnd type="none" w="med" len="med"/>
+                      <a:tailEnd type="none" w="med" len="med"/>
+                    </a:lnT>
+                    <a:lnB w="12700" cap="flat" cmpd="sng" algn="ctr">
+                      <a:solidFill>
+                        <a:schemeClr val="tx1"/>
+                      </a:solidFill>
+                      <a:prstDash val="solid"/>
+                      <a:round/>
+                      <a:headEnd type="none" w="med" len="med"/>
+                      <a:tailEnd type="none" w="med" len="med"/>
+                    </a:lnB>
+                    <a:solidFill>
+                      <a:schemeClr val="bg2">
+                        <a:lumMod val="90000"/>
+                      </a:schemeClr>
+                    </a:solidFill>
+                  </a:tcPr>
+                </a:tc>
+                <a:tc>
+                  <a:txBody>
+                    <a:bodyPr/>
+                    <a:lstStyle/>
+                    <a:p>
+                      <a:pPr algn="ctr">
+                        <a:lnSpc>
+                          <a:spcPct val="100000"/>
+                        </a:lnSpc>
+                      </a:pPr>
+                      <a:r>
+                        <a:rPr kumimoji="1" lang="en-US" altLang="ja-JP" sz="2000" dirty="0">
+                          <a:solidFill>
+                            <a:sysClr val="windowText" lastClr="000000"/>
+                          </a:solidFill>
+                        </a:rPr>
+                        <a:t>VPN</a:t>
+                      </a:r>
+                    </a:p>
+                    <a:p>
+                      <a:pPr algn="ctr">
+                        <a:lnSpc>
+                          <a:spcPct val="100000"/>
+                        </a:lnSpc>
+                      </a:pPr>
+                      <a:r>
+                        <a:rPr kumimoji="1" lang="ja-JP" altLang="en-US" sz="2000">
+                          <a:solidFill>
+                            <a:sysClr val="windowText" lastClr="000000"/>
+                          </a:solidFill>
+                        </a:rPr>
+                        <a:t>トンネリング</a:t>
+                      </a:r>
+                    </a:p>
+                  </a:txBody>
+                  <a:tcPr anchor="ctr">
+                    <a:lnL w="12700" cap="flat" cmpd="sng" algn="ctr">
+                      <a:solidFill>
+                        <a:schemeClr val="tx1"/>
+                      </a:solidFill>
+                      <a:prstDash val="solid"/>
+                      <a:round/>
+                      <a:headEnd type="none" w="med" len="med"/>
+                      <a:tailEnd type="none" w="med" len="med"/>
+                    </a:lnL>
+                    <a:lnR w="12700" cap="flat" cmpd="sng" algn="ctr">
+                      <a:solidFill>
+                        <a:schemeClr val="tx1"/>
+                      </a:solidFill>
+                      <a:prstDash val="solid"/>
+                      <a:round/>
+                      <a:headEnd type="none" w="med" len="med"/>
+                      <a:tailEnd type="none" w="med" len="med"/>
+                    </a:lnR>
+                    <a:lnT w="12700" cap="flat" cmpd="sng" algn="ctr">
+                      <a:solidFill>
+                        <a:schemeClr val="tx1"/>
+                      </a:solidFill>
+                      <a:prstDash val="solid"/>
+                      <a:round/>
+                      <a:headEnd type="none" w="med" len="med"/>
+                      <a:tailEnd type="none" w="med" len="med"/>
+                    </a:lnT>
+                    <a:lnB w="12700" cap="flat" cmpd="sng" algn="ctr">
+                      <a:solidFill>
+                        <a:schemeClr val="tx1"/>
+                      </a:solidFill>
+                      <a:prstDash val="solid"/>
+                      <a:round/>
+                      <a:headEnd type="none" w="med" len="med"/>
+                      <a:tailEnd type="none" w="med" len="med"/>
+                    </a:lnB>
+                    <a:solidFill>
+                      <a:schemeClr val="bg1">
+                        <a:lumMod val="95000"/>
+                      </a:schemeClr>
+                    </a:solidFill>
+                  </a:tcPr>
+                </a:tc>
+                <a:tc>
+                  <a:txBody>
+                    <a:bodyPr/>
+                    <a:lstStyle/>
+                    <a:p>
+                      <a:pPr algn="ctr">
+                        <a:lnSpc>
+                          <a:spcPct val="100000"/>
+                        </a:lnSpc>
+                      </a:pPr>
+                      <a:r>
+                        <a:rPr kumimoji="1" lang="en-US" altLang="ja-JP" sz="2000" dirty="0" err="1">
+                          <a:solidFill>
+                            <a:sysClr val="windowText" lastClr="000000"/>
+                          </a:solidFill>
+                        </a:rPr>
+                        <a:t>sshuttle</a:t>
+                      </a:r>
+                      <a:endParaRPr kumimoji="1" lang="en-US" altLang="ja-JP" sz="2000" dirty="0">
+                        <a:solidFill>
+                          <a:sysClr val="windowText" lastClr="000000"/>
+                        </a:solidFill>
+                      </a:endParaRPr>
+                    </a:p>
+                    <a:p>
+                      <a:pPr algn="ctr">
+                        <a:lnSpc>
+                          <a:spcPct val="100000"/>
+                        </a:lnSpc>
+                      </a:pPr>
+                      <a:r>
+                        <a:rPr kumimoji="1" lang="en-US" altLang="ja-JP" sz="2000" dirty="0" err="1">
+                          <a:solidFill>
+                            <a:sysClr val="windowText" lastClr="000000"/>
+                          </a:solidFill>
+                        </a:rPr>
+                        <a:t>SoftEtherVPN</a:t>
+                      </a:r>
+                      <a:endParaRPr kumimoji="1" lang="ja-JP" altLang="en-US" sz="2000">
+                        <a:solidFill>
+                          <a:sysClr val="windowText" lastClr="000000"/>
+                        </a:solidFill>
+                      </a:endParaRPr>
+                    </a:p>
+                  </a:txBody>
+                  <a:tcPr anchor="ctr">
+                    <a:lnL w="12700" cap="flat" cmpd="sng" algn="ctr">
+                      <a:solidFill>
+                        <a:schemeClr val="tx1"/>
+                      </a:solidFill>
+                      <a:prstDash val="solid"/>
+                      <a:round/>
+                      <a:headEnd type="none" w="med" len="med"/>
+                      <a:tailEnd type="none" w="med" len="med"/>
+                    </a:lnL>
+                    <a:lnR w="12700" cap="flat" cmpd="sng" algn="ctr">
+                      <a:solidFill>
+                        <a:schemeClr val="tx1"/>
+                      </a:solidFill>
+                      <a:prstDash val="solid"/>
+                      <a:round/>
+                      <a:headEnd type="none" w="med" len="med"/>
+                      <a:tailEnd type="none" w="med" len="med"/>
+                    </a:lnR>
+                    <a:lnT w="12700" cap="flat" cmpd="sng" algn="ctr">
+                      <a:solidFill>
+                        <a:schemeClr val="tx1"/>
+                      </a:solidFill>
+                      <a:prstDash val="solid"/>
+                      <a:round/>
+                      <a:headEnd type="none" w="med" len="med"/>
+                      <a:tailEnd type="none" w="med" len="med"/>
+                    </a:lnT>
+                    <a:lnB w="12700" cap="flat" cmpd="sng" algn="ctr">
+                      <a:solidFill>
+                        <a:schemeClr val="tx1"/>
+                      </a:solidFill>
+                      <a:prstDash val="solid"/>
+                      <a:round/>
+                      <a:headEnd type="none" w="med" len="med"/>
+                      <a:tailEnd type="none" w="med" len="med"/>
+                    </a:lnB>
+                    <a:solidFill>
+                      <a:schemeClr val="bg1">
+                        <a:lumMod val="95000"/>
+                      </a:schemeClr>
+                    </a:solidFill>
+                  </a:tcPr>
+                </a:tc>
+                <a:extLst>
+                  <a:ext uri="{0D108BD9-81ED-4DB2-BD59-A6C34878D82A}">
+                    <a16:rowId xmlns:a16="http://schemas.microsoft.com/office/drawing/2014/main" val="2523249299"/>
+                  </a:ext>
+                </a:extLst>
+              </a:tr>
+              <a:tr h="237214">
+                <a:tc>
+                  <a:txBody>
+                    <a:bodyPr/>
+                    <a:lstStyle/>
+                    <a:p>
+                      <a:pPr algn="ctr"/>
+                      <a:r>
+                        <a:rPr kumimoji="1" lang="ja-JP" altLang="en-US" sz="2400" b="1">
+                          <a:solidFill>
+                            <a:sysClr val="windowText" lastClr="000000"/>
+                          </a:solidFill>
+                        </a:rPr>
+                        <a:t>トンネルの管理の容易化</a:t>
+                      </a:r>
+                      <a:endParaRPr kumimoji="1" lang="en-US" altLang="ja-JP" sz="2400" b="1" dirty="0">
+                        <a:solidFill>
+                          <a:sysClr val="windowText" lastClr="000000"/>
+                        </a:solidFill>
+                      </a:endParaRPr>
+                    </a:p>
+                  </a:txBody>
+                  <a:tcPr anchor="ctr">
+                    <a:lnL w="12700" cap="flat" cmpd="sng" algn="ctr">
+                      <a:solidFill>
+                        <a:schemeClr val="tx1"/>
+                      </a:solidFill>
+                      <a:prstDash val="solid"/>
+                      <a:round/>
+                      <a:headEnd type="none" w="med" len="med"/>
+                      <a:tailEnd type="none" w="med" len="med"/>
+                    </a:lnL>
+                    <a:lnR w="12700" cap="flat" cmpd="sng" algn="ctr">
+                      <a:solidFill>
+                        <a:schemeClr val="tx1"/>
+                      </a:solidFill>
+                      <a:prstDash val="solid"/>
+                      <a:round/>
+                      <a:headEnd type="none" w="med" len="med"/>
+                      <a:tailEnd type="none" w="med" len="med"/>
+                    </a:lnR>
+                    <a:lnT w="12700" cap="flat" cmpd="sng" algn="ctr">
+                      <a:solidFill>
+                        <a:schemeClr val="tx1"/>
+                      </a:solidFill>
+                      <a:prstDash val="solid"/>
+                      <a:round/>
+                      <a:headEnd type="none" w="med" len="med"/>
+                      <a:tailEnd type="none" w="med" len="med"/>
+                    </a:lnT>
+                    <a:lnB w="12700" cap="flat" cmpd="sng" algn="ctr">
+                      <a:solidFill>
+                        <a:schemeClr val="tx1"/>
+                      </a:solidFill>
+                      <a:prstDash val="solid"/>
+                      <a:round/>
+                      <a:headEnd type="none" w="med" len="med"/>
+                      <a:tailEnd type="none" w="med" len="med"/>
+                    </a:lnB>
+                    <a:solidFill>
+                      <a:schemeClr val="bg2">
+                        <a:lumMod val="90000"/>
+                      </a:schemeClr>
+                    </a:solidFill>
+                  </a:tcPr>
+                </a:tc>
+                <a:tc>
+                  <a:txBody>
+                    <a:bodyPr/>
+                    <a:lstStyle/>
+                    <a:p>
+                      <a:pPr algn="ctr">
+                        <a:lnSpc>
+                          <a:spcPct val="100000"/>
+                        </a:lnSpc>
+                      </a:pPr>
+                      <a:r>
+                        <a:rPr kumimoji="1" lang="ja-JP" altLang="en-US" sz="2000">
+                          <a:solidFill>
+                            <a:sysClr val="windowText" lastClr="000000"/>
+                          </a:solidFill>
+                        </a:rPr>
+                        <a:t>特になし</a:t>
+                      </a:r>
+                    </a:p>
+                  </a:txBody>
+                  <a:tcPr anchor="ctr">
+                    <a:lnL w="12700" cap="flat" cmpd="sng" algn="ctr">
+                      <a:solidFill>
+                        <a:schemeClr val="tx1"/>
+                      </a:solidFill>
+                      <a:prstDash val="solid"/>
+                      <a:round/>
+                      <a:headEnd type="none" w="med" len="med"/>
+                      <a:tailEnd type="none" w="med" len="med"/>
+                    </a:lnL>
+                    <a:lnR w="12700" cap="flat" cmpd="sng" algn="ctr">
+                      <a:solidFill>
+                        <a:schemeClr val="tx1"/>
+                      </a:solidFill>
+                      <a:prstDash val="solid"/>
+                      <a:round/>
+                      <a:headEnd type="none" w="med" len="med"/>
+                      <a:tailEnd type="none" w="med" len="med"/>
+                    </a:lnR>
+                    <a:lnT w="12700" cap="flat" cmpd="sng" algn="ctr">
+                      <a:solidFill>
+                        <a:schemeClr val="tx1"/>
+                      </a:solidFill>
+                      <a:prstDash val="solid"/>
+                      <a:round/>
+                      <a:headEnd type="none" w="med" len="med"/>
+                      <a:tailEnd type="none" w="med" len="med"/>
+                    </a:lnT>
+                    <a:lnB w="12700" cap="flat" cmpd="sng" algn="ctr">
+                      <a:solidFill>
+                        <a:schemeClr val="tx1"/>
+                      </a:solidFill>
+                      <a:prstDash val="solid"/>
+                      <a:round/>
+                      <a:headEnd type="none" w="med" len="med"/>
+                      <a:tailEnd type="none" w="med" len="med"/>
+                    </a:lnB>
+                    <a:solidFill>
+                      <a:schemeClr val="bg1">
+                        <a:lumMod val="95000"/>
+                      </a:schemeClr>
+                    </a:solidFill>
+                  </a:tcPr>
+                </a:tc>
+                <a:tc>
+                  <a:txBody>
+                    <a:bodyPr/>
+                    <a:lstStyle/>
+                    <a:p>
+                      <a:pPr algn="ctr">
+                        <a:lnSpc>
+                          <a:spcPct val="100000"/>
+                        </a:lnSpc>
+                      </a:pPr>
+                      <a:r>
+                        <a:rPr kumimoji="1" lang="ja-JP" altLang="en-US" sz="2000">
+                          <a:solidFill>
+                            <a:sysClr val="windowText" lastClr="000000"/>
+                          </a:solidFill>
+                        </a:rPr>
+                        <a:t>該当なし</a:t>
+                      </a:r>
+                    </a:p>
+                  </a:txBody>
+                  <a:tcPr anchor="ctr">
+                    <a:lnL w="12700" cap="flat" cmpd="sng" algn="ctr">
+                      <a:solidFill>
+                        <a:schemeClr val="tx1"/>
+                      </a:solidFill>
+                      <a:prstDash val="solid"/>
+                      <a:round/>
+                      <a:headEnd type="none" w="med" len="med"/>
+                      <a:tailEnd type="none" w="med" len="med"/>
+                    </a:lnL>
+                    <a:lnR w="12700" cap="flat" cmpd="sng" algn="ctr">
+                      <a:solidFill>
+                        <a:schemeClr val="tx1"/>
+                      </a:solidFill>
+                      <a:prstDash val="solid"/>
+                      <a:round/>
+                      <a:headEnd type="none" w="med" len="med"/>
+                      <a:tailEnd type="none" w="med" len="med"/>
+                    </a:lnR>
+                    <a:lnT w="12700" cap="flat" cmpd="sng" algn="ctr">
+                      <a:solidFill>
+                        <a:schemeClr val="tx1"/>
+                      </a:solidFill>
+                      <a:prstDash val="solid"/>
+                      <a:round/>
+                      <a:headEnd type="none" w="med" len="med"/>
+                      <a:tailEnd type="none" w="med" len="med"/>
+                    </a:lnT>
+                    <a:lnB w="12700" cap="flat" cmpd="sng" algn="ctr">
+                      <a:solidFill>
+                        <a:schemeClr val="tx1"/>
+                      </a:solidFill>
+                      <a:prstDash val="solid"/>
+                      <a:round/>
+                      <a:headEnd type="none" w="med" len="med"/>
+                      <a:tailEnd type="none" w="med" len="med"/>
+                    </a:lnB>
+                    <a:solidFill>
+                      <a:schemeClr val="bg1">
+                        <a:lumMod val="95000"/>
+                      </a:schemeClr>
+                    </a:solidFill>
+                  </a:tcPr>
+                </a:tc>
+                <a:extLst>
+                  <a:ext uri="{0D108BD9-81ED-4DB2-BD59-A6C34878D82A}">
+                    <a16:rowId xmlns:a16="http://schemas.microsoft.com/office/drawing/2014/main" val="1456925072"/>
+                  </a:ext>
+                </a:extLst>
+              </a:tr>
+              <a:tr h="363728">
+                <a:tc>
+                  <a:txBody>
+                    <a:bodyPr/>
+                    <a:lstStyle/>
+                    <a:p>
+                      <a:pPr algn="ctr"/>
+                      <a:r>
+                        <a:rPr kumimoji="1" lang="ja-JP" altLang="en-US" sz="2400" b="1">
+                          <a:solidFill>
+                            <a:sysClr val="windowText" lastClr="000000"/>
+                          </a:solidFill>
+                        </a:rPr>
+                        <a:t>ログイン時の入力作業の削減</a:t>
+                      </a:r>
+                    </a:p>
+                  </a:txBody>
+                  <a:tcPr anchor="ctr">
+                    <a:lnL w="12700" cap="flat" cmpd="sng" algn="ctr">
+                      <a:solidFill>
+                        <a:schemeClr val="tx1"/>
+                      </a:solidFill>
+                      <a:prstDash val="solid"/>
+                      <a:round/>
+                      <a:headEnd type="none" w="med" len="med"/>
+                      <a:tailEnd type="none" w="med" len="med"/>
+                    </a:lnL>
+                    <a:lnR w="12700" cap="flat" cmpd="sng" algn="ctr">
+                      <a:solidFill>
+                        <a:schemeClr val="tx1"/>
+                      </a:solidFill>
+                      <a:prstDash val="solid"/>
+                      <a:round/>
+                      <a:headEnd type="none" w="med" len="med"/>
+                      <a:tailEnd type="none" w="med" len="med"/>
+                    </a:lnR>
+                    <a:lnT w="12700" cap="flat" cmpd="sng" algn="ctr">
+                      <a:solidFill>
+                        <a:schemeClr val="tx1"/>
+                      </a:solidFill>
+                      <a:prstDash val="solid"/>
+                      <a:round/>
+                      <a:headEnd type="none" w="med" len="med"/>
+                      <a:tailEnd type="none" w="med" len="med"/>
+                    </a:lnT>
+                    <a:lnB w="12700" cap="flat" cmpd="sng" algn="ctr">
+                      <a:solidFill>
+                        <a:schemeClr val="tx1"/>
+                      </a:solidFill>
+                      <a:prstDash val="solid"/>
+                      <a:round/>
+                      <a:headEnd type="none" w="med" len="med"/>
+                      <a:tailEnd type="none" w="med" len="med"/>
+                    </a:lnB>
+                    <a:solidFill>
+                      <a:schemeClr val="bg2">
+                        <a:lumMod val="90000"/>
+                      </a:schemeClr>
+                    </a:solidFill>
+                  </a:tcPr>
+                </a:tc>
+                <a:tc>
+                  <a:txBody>
+                    <a:bodyPr/>
+                    <a:lstStyle/>
+                    <a:p>
+                      <a:pPr algn="ctr">
+                        <a:lnSpc>
+                          <a:spcPct val="100000"/>
+                        </a:lnSpc>
+                      </a:pPr>
+                      <a:r>
+                        <a:rPr kumimoji="1" lang="ja-JP" altLang="en-US" sz="2000">
+                          <a:solidFill>
+                            <a:sysClr val="windowText" lastClr="000000"/>
+                          </a:solidFill>
+                        </a:rPr>
+                        <a:t>シングルサインオン（</a:t>
+                      </a:r>
+                      <a:r>
+                        <a:rPr kumimoji="1" lang="en-US" altLang="ja-JP" sz="2000" dirty="0">
+                          <a:solidFill>
+                            <a:sysClr val="windowText" lastClr="000000"/>
+                          </a:solidFill>
+                        </a:rPr>
+                        <a:t>Kerberos</a:t>
+                      </a:r>
+                      <a:r>
+                        <a:rPr kumimoji="1" lang="ja-JP" altLang="en-US" sz="2000">
+                          <a:solidFill>
+                            <a:sysClr val="windowText" lastClr="000000"/>
+                          </a:solidFill>
+                        </a:rPr>
+                        <a:t>）</a:t>
+                      </a:r>
+                      <a:endParaRPr kumimoji="1" lang="en-US" altLang="ja-JP" sz="2000" dirty="0">
+                        <a:solidFill>
+                          <a:sysClr val="windowText" lastClr="000000"/>
+                        </a:solidFill>
+                      </a:endParaRPr>
+                    </a:p>
+                    <a:p>
+                      <a:pPr algn="ctr">
+                        <a:lnSpc>
+                          <a:spcPct val="100000"/>
+                        </a:lnSpc>
+                      </a:pPr>
+                      <a:r>
+                        <a:rPr kumimoji="1" lang="ja-JP" altLang="en-US" sz="2000">
+                          <a:solidFill>
+                            <a:sysClr val="windowText" lastClr="000000"/>
+                          </a:solidFill>
+                        </a:rPr>
+                        <a:t>公開鍵、証明書認証</a:t>
+                      </a:r>
+                      <a:r>
+                        <a:rPr kumimoji="1" lang="en-US" altLang="ja-JP" sz="2000" dirty="0">
+                          <a:solidFill>
+                            <a:sysClr val="windowText" lastClr="000000"/>
+                          </a:solidFill>
+                        </a:rPr>
+                        <a:t> (SSH)</a:t>
+                      </a:r>
+                      <a:endParaRPr kumimoji="1" lang="ja-JP" altLang="en-US" sz="2000">
+                        <a:solidFill>
+                          <a:sysClr val="windowText" lastClr="000000"/>
+                        </a:solidFill>
+                      </a:endParaRPr>
+                    </a:p>
+                  </a:txBody>
+                  <a:tcPr anchor="ctr">
+                    <a:lnL w="12700" cap="flat" cmpd="sng" algn="ctr">
+                      <a:solidFill>
+                        <a:schemeClr val="tx1"/>
+                      </a:solidFill>
+                      <a:prstDash val="solid"/>
+                      <a:round/>
+                      <a:headEnd type="none" w="med" len="med"/>
+                      <a:tailEnd type="none" w="med" len="med"/>
+                    </a:lnL>
+                    <a:lnR w="12700" cap="flat" cmpd="sng" algn="ctr">
+                      <a:solidFill>
+                        <a:schemeClr val="tx1"/>
+                      </a:solidFill>
+                      <a:prstDash val="solid"/>
+                      <a:round/>
+                      <a:headEnd type="none" w="med" len="med"/>
+                      <a:tailEnd type="none" w="med" len="med"/>
+                    </a:lnR>
+                    <a:lnT w="12700" cap="flat" cmpd="sng" algn="ctr">
+                      <a:solidFill>
+                        <a:schemeClr val="tx1"/>
+                      </a:solidFill>
+                      <a:prstDash val="solid"/>
+                      <a:round/>
+                      <a:headEnd type="none" w="med" len="med"/>
+                      <a:tailEnd type="none" w="med" len="med"/>
+                    </a:lnT>
+                    <a:lnB w="12700" cap="flat" cmpd="sng" algn="ctr">
+                      <a:solidFill>
+                        <a:schemeClr val="tx1"/>
+                      </a:solidFill>
+                      <a:prstDash val="solid"/>
+                      <a:round/>
+                      <a:headEnd type="none" w="med" len="med"/>
+                      <a:tailEnd type="none" w="med" len="med"/>
+                    </a:lnB>
+                    <a:solidFill>
+                      <a:schemeClr val="bg1">
+                        <a:lumMod val="95000"/>
+                      </a:schemeClr>
+                    </a:solidFill>
+                  </a:tcPr>
+                </a:tc>
+                <a:tc>
+                  <a:txBody>
+                    <a:bodyPr/>
+                    <a:lstStyle/>
+                    <a:p>
+                      <a:pPr algn="ctr">
+                        <a:lnSpc>
+                          <a:spcPct val="100000"/>
+                        </a:lnSpc>
+                      </a:pPr>
+                      <a:r>
+                        <a:rPr kumimoji="1" lang="ja-JP" altLang="en-US" sz="2000">
+                          <a:solidFill>
+                            <a:sysClr val="windowText" lastClr="000000"/>
+                          </a:solidFill>
+                        </a:rPr>
+                        <a:t>試用した全てのソフトウェア</a:t>
+                      </a:r>
+                    </a:p>
+                  </a:txBody>
+                  <a:tcPr anchor="ctr">
+                    <a:lnL w="12700" cap="flat" cmpd="sng" algn="ctr">
+                      <a:solidFill>
+                        <a:schemeClr val="tx1"/>
+                      </a:solidFill>
+                      <a:prstDash val="solid"/>
+                      <a:round/>
+                      <a:headEnd type="none" w="med" len="med"/>
+                      <a:tailEnd type="none" w="med" len="med"/>
+                    </a:lnL>
+                    <a:lnR w="12700" cap="flat" cmpd="sng" algn="ctr">
+                      <a:solidFill>
+                        <a:schemeClr val="tx1"/>
+                      </a:solidFill>
+                      <a:prstDash val="solid"/>
+                      <a:round/>
+                      <a:headEnd type="none" w="med" len="med"/>
+                      <a:tailEnd type="none" w="med" len="med"/>
+                    </a:lnR>
+                    <a:lnT w="12700" cap="flat" cmpd="sng" algn="ctr">
+                      <a:solidFill>
+                        <a:schemeClr val="tx1"/>
+                      </a:solidFill>
+                      <a:prstDash val="solid"/>
+                      <a:round/>
+                      <a:headEnd type="none" w="med" len="med"/>
+                      <a:tailEnd type="none" w="med" len="med"/>
+                    </a:lnT>
+                    <a:lnB w="12700" cap="flat" cmpd="sng" algn="ctr">
+                      <a:solidFill>
+                        <a:schemeClr val="tx1"/>
+                      </a:solidFill>
+                      <a:prstDash val="solid"/>
+                      <a:round/>
+                      <a:headEnd type="none" w="med" len="med"/>
+                      <a:tailEnd type="none" w="med" len="med"/>
+                    </a:lnB>
+                    <a:solidFill>
+                      <a:schemeClr val="bg1">
+                        <a:lumMod val="95000"/>
+                      </a:schemeClr>
+                    </a:solidFill>
+                  </a:tcPr>
+                </a:tc>
+                <a:extLst>
+                  <a:ext uri="{0D108BD9-81ED-4DB2-BD59-A6C34878D82A}">
+                    <a16:rowId xmlns:a16="http://schemas.microsoft.com/office/drawing/2014/main" val="1476140185"/>
+                  </a:ext>
+                </a:extLst>
+              </a:tr>
+              <a:tr h="0">
+                <a:tc>
+                  <a:txBody>
+                    <a:bodyPr/>
+                    <a:lstStyle/>
+                    <a:p>
+                      <a:pPr algn="ctr"/>
+                      <a:r>
+                        <a:rPr kumimoji="1" lang="ja-JP" altLang="en-US" sz="2400" b="1">
+                          <a:solidFill>
+                            <a:sysClr val="windowText" lastClr="000000"/>
+                          </a:solidFill>
+                        </a:rPr>
+                        <a:t>ユーザ情報の一括管理</a:t>
+                      </a:r>
+                    </a:p>
+                  </a:txBody>
+                  <a:tcPr anchor="ctr">
+                    <a:lnL w="12700" cap="flat" cmpd="sng" algn="ctr">
+                      <a:solidFill>
+                        <a:schemeClr val="tx1"/>
+                      </a:solidFill>
+                      <a:prstDash val="solid"/>
+                      <a:round/>
+                      <a:headEnd type="none" w="med" len="med"/>
+                      <a:tailEnd type="none" w="med" len="med"/>
+                    </a:lnL>
+                    <a:lnR w="12700" cap="flat" cmpd="sng" algn="ctr">
+                      <a:solidFill>
+                        <a:schemeClr val="tx1"/>
+                      </a:solidFill>
+                      <a:prstDash val="solid"/>
+                      <a:round/>
+                      <a:headEnd type="none" w="med" len="med"/>
+                      <a:tailEnd type="none" w="med" len="med"/>
+                    </a:lnR>
+                    <a:lnT w="12700" cap="flat" cmpd="sng" algn="ctr">
+                      <a:solidFill>
+                        <a:schemeClr val="tx1"/>
+                      </a:solidFill>
+                      <a:prstDash val="solid"/>
+                      <a:round/>
+                      <a:headEnd type="none" w="med" len="med"/>
+                      <a:tailEnd type="none" w="med" len="med"/>
+                    </a:lnT>
+                    <a:lnB w="12700" cap="flat" cmpd="sng" algn="ctr">
+                      <a:solidFill>
+                        <a:schemeClr val="tx1"/>
+                      </a:solidFill>
+                      <a:prstDash val="solid"/>
+                      <a:round/>
+                      <a:headEnd type="none" w="med" len="med"/>
+                      <a:tailEnd type="none" w="med" len="med"/>
+                    </a:lnB>
+                    <a:solidFill>
+                      <a:schemeClr val="bg2">
+                        <a:lumMod val="90000"/>
+                      </a:schemeClr>
+                    </a:solidFill>
+                  </a:tcPr>
+                </a:tc>
+                <a:tc>
+                  <a:txBody>
+                    <a:bodyPr/>
+                    <a:lstStyle/>
+                    <a:p>
+                      <a:pPr algn="ctr">
+                        <a:lnSpc>
+                          <a:spcPct val="100000"/>
+                        </a:lnSpc>
+                      </a:pPr>
+                      <a:r>
+                        <a:rPr kumimoji="1" lang="en-US" altLang="ja-JP" sz="2000" dirty="0">
+                          <a:solidFill>
+                            <a:sysClr val="windowText" lastClr="000000"/>
+                          </a:solidFill>
+                        </a:rPr>
+                        <a:t>LDAP</a:t>
+                      </a:r>
+                    </a:p>
+                    <a:p>
+                      <a:pPr algn="ctr">
+                        <a:lnSpc>
+                          <a:spcPct val="100000"/>
+                        </a:lnSpc>
+                      </a:pPr>
+                      <a:r>
+                        <a:rPr kumimoji="1" lang="en-US" altLang="ja-JP" sz="2000" dirty="0">
+                          <a:solidFill>
+                            <a:sysClr val="windowText" lastClr="000000"/>
+                          </a:solidFill>
+                        </a:rPr>
+                        <a:t>Kerberos</a:t>
+                      </a:r>
+                    </a:p>
+                    <a:p>
+                      <a:pPr algn="ctr">
+                        <a:lnSpc>
+                          <a:spcPct val="100000"/>
+                        </a:lnSpc>
+                      </a:pPr>
+                      <a:r>
+                        <a:rPr kumimoji="1" lang="en-US" altLang="ja-JP" sz="2000" dirty="0">
+                          <a:solidFill>
+                            <a:sysClr val="windowText" lastClr="000000"/>
+                          </a:solidFill>
+                        </a:rPr>
+                        <a:t>RADIUS</a:t>
+                      </a:r>
+                      <a:endParaRPr kumimoji="1" lang="ja-JP" altLang="en-US" sz="2000">
+                        <a:solidFill>
+                          <a:sysClr val="windowText" lastClr="000000"/>
+                        </a:solidFill>
+                      </a:endParaRPr>
+                    </a:p>
+                  </a:txBody>
+                  <a:tcPr anchor="ctr">
+                    <a:lnL w="12700" cap="flat" cmpd="sng" algn="ctr">
+                      <a:solidFill>
+                        <a:schemeClr val="tx1"/>
+                      </a:solidFill>
+                      <a:prstDash val="solid"/>
+                      <a:round/>
+                      <a:headEnd type="none" w="med" len="med"/>
+                      <a:tailEnd type="none" w="med" len="med"/>
+                    </a:lnL>
+                    <a:lnR w="12700" cap="flat" cmpd="sng" algn="ctr">
+                      <a:solidFill>
+                        <a:schemeClr val="tx1"/>
+                      </a:solidFill>
+                      <a:prstDash val="solid"/>
+                      <a:round/>
+                      <a:headEnd type="none" w="med" len="med"/>
+                      <a:tailEnd type="none" w="med" len="med"/>
+                    </a:lnR>
+                    <a:lnT w="12700" cap="flat" cmpd="sng" algn="ctr">
+                      <a:solidFill>
+                        <a:schemeClr val="tx1"/>
+                      </a:solidFill>
+                      <a:prstDash val="solid"/>
+                      <a:round/>
+                      <a:headEnd type="none" w="med" len="med"/>
+                      <a:tailEnd type="none" w="med" len="med"/>
+                    </a:lnT>
+                    <a:lnB w="12700" cap="flat" cmpd="sng" algn="ctr">
+                      <a:solidFill>
+                        <a:schemeClr val="tx1"/>
+                      </a:solidFill>
+                      <a:prstDash val="solid"/>
+                      <a:round/>
+                      <a:headEnd type="none" w="med" len="med"/>
+                      <a:tailEnd type="none" w="med" len="med"/>
+                    </a:lnB>
+                    <a:solidFill>
+                      <a:schemeClr val="bg1">
+                        <a:lumMod val="95000"/>
+                      </a:schemeClr>
+                    </a:solidFill>
+                  </a:tcPr>
+                </a:tc>
+                <a:tc>
+                  <a:txBody>
+                    <a:bodyPr/>
+                    <a:lstStyle/>
+                    <a:p>
+                      <a:pPr algn="ctr">
+                        <a:lnSpc>
+                          <a:spcPct val="100000"/>
+                        </a:lnSpc>
+                      </a:pPr>
+                      <a:r>
+                        <a:rPr kumimoji="1" lang="en-US" altLang="ja-JP" sz="2000" dirty="0">
+                          <a:solidFill>
+                            <a:sysClr val="windowText" lastClr="000000"/>
+                          </a:solidFill>
+                        </a:rPr>
+                        <a:t>Active Directory</a:t>
+                      </a:r>
+                    </a:p>
+                    <a:p>
+                      <a:pPr algn="ctr">
+                        <a:lnSpc>
+                          <a:spcPct val="100000"/>
+                        </a:lnSpc>
+                      </a:pPr>
+                      <a:r>
+                        <a:rPr kumimoji="1" lang="en-US" altLang="ja-JP" sz="2000" dirty="0" err="1">
+                          <a:solidFill>
+                            <a:sysClr val="windowText" lastClr="000000"/>
+                          </a:solidFill>
+                        </a:rPr>
+                        <a:t>sshportal</a:t>
+                      </a:r>
+                      <a:endParaRPr kumimoji="1" lang="en-US" altLang="ja-JP" sz="2000" dirty="0">
+                        <a:solidFill>
+                          <a:sysClr val="windowText" lastClr="000000"/>
+                        </a:solidFill>
+                      </a:endParaRPr>
+                    </a:p>
+                    <a:p>
+                      <a:pPr algn="ctr">
+                        <a:lnSpc>
+                          <a:spcPct val="100000"/>
+                        </a:lnSpc>
+                      </a:pPr>
+                      <a:r>
+                        <a:rPr kumimoji="1" lang="en-US" altLang="ja-JP" sz="2000" dirty="0">
+                          <a:solidFill>
+                            <a:sysClr val="windowText" lastClr="000000"/>
+                          </a:solidFill>
+                        </a:rPr>
+                        <a:t>Teleport</a:t>
+                      </a:r>
+                    </a:p>
+                    <a:p>
+                      <a:pPr algn="ctr">
+                        <a:lnSpc>
+                          <a:spcPct val="100000"/>
+                        </a:lnSpc>
+                      </a:pPr>
+                      <a:r>
+                        <a:rPr kumimoji="1" lang="en-US" altLang="ja-JP" sz="2000" dirty="0" err="1">
+                          <a:solidFill>
+                            <a:sysClr val="windowText" lastClr="000000"/>
+                          </a:solidFill>
+                        </a:rPr>
+                        <a:t>SoftEtherVPN</a:t>
+                      </a:r>
+                      <a:endParaRPr kumimoji="1" lang="ja-JP" altLang="en-US" sz="2000">
+                        <a:solidFill>
+                          <a:sysClr val="windowText" lastClr="000000"/>
+                        </a:solidFill>
+                      </a:endParaRPr>
+                    </a:p>
+                  </a:txBody>
+                  <a:tcPr anchor="ctr">
+                    <a:lnL w="12700" cap="flat" cmpd="sng" algn="ctr">
+                      <a:solidFill>
+                        <a:schemeClr val="tx1"/>
+                      </a:solidFill>
+                      <a:prstDash val="solid"/>
+                      <a:round/>
+                      <a:headEnd type="none" w="med" len="med"/>
+                      <a:tailEnd type="none" w="med" len="med"/>
+                    </a:lnL>
+                    <a:lnR w="12700" cap="flat" cmpd="sng" algn="ctr">
+                      <a:solidFill>
+                        <a:schemeClr val="tx1"/>
+                      </a:solidFill>
+                      <a:prstDash val="solid"/>
+                      <a:round/>
+                      <a:headEnd type="none" w="med" len="med"/>
+                      <a:tailEnd type="none" w="med" len="med"/>
+                    </a:lnR>
+                    <a:lnT w="12700" cap="flat" cmpd="sng" algn="ctr">
+                      <a:solidFill>
+                        <a:schemeClr val="tx1"/>
+                      </a:solidFill>
+                      <a:prstDash val="solid"/>
+                      <a:round/>
+                      <a:headEnd type="none" w="med" len="med"/>
+                      <a:tailEnd type="none" w="med" len="med"/>
+                    </a:lnT>
+                    <a:lnB w="12700" cap="flat" cmpd="sng" algn="ctr">
+                      <a:solidFill>
+                        <a:schemeClr val="tx1"/>
+                      </a:solidFill>
+                      <a:prstDash val="solid"/>
+                      <a:round/>
+                      <a:headEnd type="none" w="med" len="med"/>
+                      <a:tailEnd type="none" w="med" len="med"/>
+                    </a:lnB>
+                    <a:solidFill>
+                      <a:schemeClr val="bg1">
+                        <a:lumMod val="95000"/>
+                      </a:schemeClr>
+                    </a:solidFill>
+                  </a:tcPr>
+                </a:tc>
+                <a:extLst>
+                  <a:ext uri="{0D108BD9-81ED-4DB2-BD59-A6C34878D82A}">
+                    <a16:rowId xmlns:a16="http://schemas.microsoft.com/office/drawing/2014/main" val="3331650792"/>
+                  </a:ext>
+                </a:extLst>
+              </a:tr>
+              <a:tr h="0">
+                <a:tc>
+                  <a:txBody>
+                    <a:bodyPr/>
+                    <a:lstStyle/>
+                    <a:p>
+                      <a:pPr algn="ctr"/>
+                      <a:r>
+                        <a:rPr kumimoji="1" lang="ja-JP" altLang="en-US" sz="2400" b="1">
+                          <a:solidFill>
+                            <a:sysClr val="windowText" lastClr="000000"/>
+                          </a:solidFill>
+                        </a:rPr>
+                        <a:t>情報登録の自動化</a:t>
+                      </a:r>
+                      <a:endParaRPr kumimoji="1" lang="en-US" altLang="ja-JP" sz="2400" b="1" dirty="0">
+                        <a:solidFill>
+                          <a:sysClr val="windowText" lastClr="000000"/>
+                        </a:solidFill>
+                      </a:endParaRPr>
+                    </a:p>
+                  </a:txBody>
+                  <a:tcPr anchor="ctr">
+                    <a:lnL w="12700" cap="flat" cmpd="sng" algn="ctr">
+                      <a:solidFill>
+                        <a:schemeClr val="tx1"/>
+                      </a:solidFill>
+                      <a:prstDash val="solid"/>
+                      <a:round/>
+                      <a:headEnd type="none" w="med" len="med"/>
+                      <a:tailEnd type="none" w="med" len="med"/>
+                    </a:lnL>
+                    <a:lnR w="12700" cap="flat" cmpd="sng" algn="ctr">
+                      <a:solidFill>
+                        <a:schemeClr val="tx1"/>
+                      </a:solidFill>
+                      <a:prstDash val="solid"/>
+                      <a:round/>
+                      <a:headEnd type="none" w="med" len="med"/>
+                      <a:tailEnd type="none" w="med" len="med"/>
+                    </a:lnR>
+                    <a:lnT w="12700" cap="flat" cmpd="sng" algn="ctr">
+                      <a:solidFill>
+                        <a:schemeClr val="tx1"/>
+                      </a:solidFill>
+                      <a:prstDash val="solid"/>
+                      <a:round/>
+                      <a:headEnd type="none" w="med" len="med"/>
+                      <a:tailEnd type="none" w="med" len="med"/>
+                    </a:lnT>
+                    <a:lnB w="12700" cap="flat" cmpd="sng" algn="ctr">
+                      <a:solidFill>
+                        <a:schemeClr val="tx1"/>
+                      </a:solidFill>
+                      <a:prstDash val="solid"/>
+                      <a:round/>
+                      <a:headEnd type="none" w="med" len="med"/>
+                      <a:tailEnd type="none" w="med" len="med"/>
+                    </a:lnB>
+                    <a:solidFill>
+                      <a:schemeClr val="bg2">
+                        <a:lumMod val="90000"/>
+                      </a:schemeClr>
+                    </a:solidFill>
+                  </a:tcPr>
+                </a:tc>
+                <a:tc>
+                  <a:txBody>
+                    <a:bodyPr/>
+                    <a:lstStyle/>
+                    <a:p>
+                      <a:pPr algn="ctr">
+                        <a:lnSpc>
+                          <a:spcPct val="100000"/>
+                        </a:lnSpc>
+                      </a:pPr>
+                      <a:r>
+                        <a:rPr kumimoji="1" lang="ja-JP" altLang="en-US" sz="2000">
+                          <a:solidFill>
+                            <a:sysClr val="windowText" lastClr="000000"/>
+                          </a:solidFill>
+                        </a:rPr>
+                        <a:t>特になし</a:t>
+                      </a:r>
+                    </a:p>
+                  </a:txBody>
+                  <a:tcPr anchor="ctr">
+                    <a:lnL w="12700" cap="flat" cmpd="sng" algn="ctr">
+                      <a:solidFill>
+                        <a:schemeClr val="tx1"/>
+                      </a:solidFill>
+                      <a:prstDash val="solid"/>
+                      <a:round/>
+                      <a:headEnd type="none" w="med" len="med"/>
+                      <a:tailEnd type="none" w="med" len="med"/>
+                    </a:lnL>
+                    <a:lnR w="12700" cap="flat" cmpd="sng" algn="ctr">
+                      <a:solidFill>
+                        <a:schemeClr val="tx1"/>
+                      </a:solidFill>
+                      <a:prstDash val="solid"/>
+                      <a:round/>
+                      <a:headEnd type="none" w="med" len="med"/>
+                      <a:tailEnd type="none" w="med" len="med"/>
+                    </a:lnR>
+                    <a:lnT w="12700" cap="flat" cmpd="sng" algn="ctr">
+                      <a:solidFill>
+                        <a:schemeClr val="tx1"/>
+                      </a:solidFill>
+                      <a:prstDash val="solid"/>
+                      <a:round/>
+                      <a:headEnd type="none" w="med" len="med"/>
+                      <a:tailEnd type="none" w="med" len="med"/>
+                    </a:lnT>
+                    <a:lnB w="12700" cap="flat" cmpd="sng" algn="ctr">
+                      <a:solidFill>
+                        <a:schemeClr val="tx1"/>
+                      </a:solidFill>
+                      <a:prstDash val="solid"/>
+                      <a:round/>
+                      <a:headEnd type="none" w="med" len="med"/>
+                      <a:tailEnd type="none" w="med" len="med"/>
+                    </a:lnB>
+                    <a:solidFill>
+                      <a:schemeClr val="bg1">
+                        <a:lumMod val="95000"/>
+                      </a:schemeClr>
+                    </a:solidFill>
+                  </a:tcPr>
+                </a:tc>
+                <a:tc>
+                  <a:txBody>
+                    <a:bodyPr/>
+                    <a:lstStyle/>
+                    <a:p>
+                      <a:pPr algn="ctr">
+                        <a:lnSpc>
+                          <a:spcPct val="100000"/>
+                        </a:lnSpc>
+                      </a:pPr>
+                      <a:r>
+                        <a:rPr kumimoji="1" lang="ja-JP" altLang="en-US" sz="2000">
+                          <a:solidFill>
+                            <a:sysClr val="windowText" lastClr="000000"/>
+                          </a:solidFill>
+                        </a:rPr>
+                        <a:t>該当なし</a:t>
+                      </a:r>
+                    </a:p>
+                  </a:txBody>
+                  <a:tcPr anchor="ctr">
+                    <a:lnL w="12700" cap="flat" cmpd="sng" algn="ctr">
+                      <a:solidFill>
+                        <a:schemeClr val="tx1"/>
+                      </a:solidFill>
+                      <a:prstDash val="solid"/>
+                      <a:round/>
+                      <a:headEnd type="none" w="med" len="med"/>
+                      <a:tailEnd type="none" w="med" len="med"/>
+                    </a:lnL>
+                    <a:lnR w="12700" cap="flat" cmpd="sng" algn="ctr">
+                      <a:solidFill>
+                        <a:schemeClr val="tx1"/>
+                      </a:solidFill>
+                      <a:prstDash val="solid"/>
+                      <a:round/>
+                      <a:headEnd type="none" w="med" len="med"/>
+                      <a:tailEnd type="none" w="med" len="med"/>
+                    </a:lnR>
+                    <a:lnT w="12700" cap="flat" cmpd="sng" algn="ctr">
+                      <a:solidFill>
+                        <a:schemeClr val="tx1"/>
+                      </a:solidFill>
+                      <a:prstDash val="solid"/>
+                      <a:round/>
+                      <a:headEnd type="none" w="med" len="med"/>
+                      <a:tailEnd type="none" w="med" len="med"/>
+                    </a:lnT>
+                    <a:lnB w="12700" cap="flat" cmpd="sng" algn="ctr">
+                      <a:solidFill>
+                        <a:schemeClr val="tx1"/>
+                      </a:solidFill>
+                      <a:prstDash val="solid"/>
+                      <a:round/>
+                      <a:headEnd type="none" w="med" len="med"/>
+                      <a:tailEnd type="none" w="med" len="med"/>
+                    </a:lnB>
+                    <a:solidFill>
+                      <a:schemeClr val="bg1">
+                        <a:lumMod val="95000"/>
+                      </a:schemeClr>
+                    </a:solidFill>
+                  </a:tcPr>
+                </a:tc>
+                <a:extLst>
+                  <a:ext uri="{0D108BD9-81ED-4DB2-BD59-A6C34878D82A}">
+                    <a16:rowId xmlns:a16="http://schemas.microsoft.com/office/drawing/2014/main" val="334705308"/>
+                  </a:ext>
+                </a:extLst>
+              </a:tr>
+              <a:tr h="363728">
+                <a:tc>
+                  <a:txBody>
+                    <a:bodyPr/>
+                    <a:lstStyle/>
+                    <a:p>
+                      <a:pPr algn="ctr"/>
+                      <a:r>
+                        <a:rPr kumimoji="1" lang="en-US" altLang="ja-JP" sz="2400" b="1" dirty="0" err="1">
+                          <a:solidFill>
+                            <a:sysClr val="windowText" lastClr="000000"/>
+                          </a:solidFill>
+                        </a:rPr>
+                        <a:t>WebUI</a:t>
+                      </a:r>
+                      <a:endParaRPr kumimoji="1" lang="en-US" altLang="ja-JP" sz="2400" b="1" dirty="0">
+                        <a:solidFill>
+                          <a:sysClr val="windowText" lastClr="000000"/>
+                        </a:solidFill>
+                      </a:endParaRPr>
+                    </a:p>
+                  </a:txBody>
+                  <a:tcPr anchor="ctr">
+                    <a:lnL w="12700" cap="flat" cmpd="sng" algn="ctr">
+                      <a:solidFill>
+                        <a:schemeClr val="tx1"/>
+                      </a:solidFill>
+                      <a:prstDash val="solid"/>
+                      <a:round/>
+                      <a:headEnd type="none" w="med" len="med"/>
+                      <a:tailEnd type="none" w="med" len="med"/>
+                    </a:lnL>
+                    <a:lnR w="12700" cap="flat" cmpd="sng" algn="ctr">
+                      <a:solidFill>
+                        <a:schemeClr val="tx1"/>
+                      </a:solidFill>
+                      <a:prstDash val="solid"/>
+                      <a:round/>
+                      <a:headEnd type="none" w="med" len="med"/>
+                      <a:tailEnd type="none" w="med" len="med"/>
+                    </a:lnR>
+                    <a:lnT w="12700" cap="flat" cmpd="sng" algn="ctr">
+                      <a:solidFill>
+                        <a:schemeClr val="tx1"/>
+                      </a:solidFill>
+                      <a:prstDash val="solid"/>
+                      <a:round/>
+                      <a:headEnd type="none" w="med" len="med"/>
+                      <a:tailEnd type="none" w="med" len="med"/>
+                    </a:lnT>
+                    <a:lnB w="12700" cap="flat" cmpd="sng" algn="ctr">
+                      <a:solidFill>
+                        <a:schemeClr val="tx1"/>
+                      </a:solidFill>
+                      <a:prstDash val="solid"/>
+                      <a:round/>
+                      <a:headEnd type="none" w="med" len="med"/>
+                      <a:tailEnd type="none" w="med" len="med"/>
+                    </a:lnB>
+                    <a:solidFill>
+                      <a:schemeClr val="bg2">
+                        <a:lumMod val="90000"/>
+                      </a:schemeClr>
+                    </a:solidFill>
+                  </a:tcPr>
+                </a:tc>
+                <a:tc>
+                  <a:txBody>
+                    <a:bodyPr/>
+                    <a:lstStyle/>
+                    <a:p>
+                      <a:pPr algn="ctr">
+                        <a:lnSpc>
+                          <a:spcPct val="100000"/>
+                        </a:lnSpc>
+                      </a:pPr>
+                      <a:r>
+                        <a:rPr kumimoji="1" lang="ja-JP" altLang="en-US" sz="2000">
+                          <a:solidFill>
+                            <a:sysClr val="windowText" lastClr="000000"/>
+                          </a:solidFill>
+                        </a:rPr>
+                        <a:t>特になし</a:t>
+                      </a:r>
+                    </a:p>
+                  </a:txBody>
+                  <a:tcPr anchor="ctr">
+                    <a:lnL w="12700" cap="flat" cmpd="sng" algn="ctr">
+                      <a:solidFill>
+                        <a:schemeClr val="tx1"/>
+                      </a:solidFill>
+                      <a:prstDash val="solid"/>
+                      <a:round/>
+                      <a:headEnd type="none" w="med" len="med"/>
+                      <a:tailEnd type="none" w="med" len="med"/>
+                    </a:lnL>
+                    <a:lnR w="12700" cap="flat" cmpd="sng" algn="ctr">
+                      <a:solidFill>
+                        <a:schemeClr val="tx1"/>
+                      </a:solidFill>
+                      <a:prstDash val="solid"/>
+                      <a:round/>
+                      <a:headEnd type="none" w="med" len="med"/>
+                      <a:tailEnd type="none" w="med" len="med"/>
+                    </a:lnR>
+                    <a:lnT w="12700" cap="flat" cmpd="sng" algn="ctr">
+                      <a:solidFill>
+                        <a:schemeClr val="tx1"/>
+                      </a:solidFill>
+                      <a:prstDash val="solid"/>
+                      <a:round/>
+                      <a:headEnd type="none" w="med" len="med"/>
+                      <a:tailEnd type="none" w="med" len="med"/>
+                    </a:lnT>
+                    <a:lnB w="12700" cap="flat" cmpd="sng" algn="ctr">
+                      <a:solidFill>
+                        <a:schemeClr val="tx1"/>
+                      </a:solidFill>
+                      <a:prstDash val="solid"/>
+                      <a:round/>
+                      <a:headEnd type="none" w="med" len="med"/>
+                      <a:tailEnd type="none" w="med" len="med"/>
+                    </a:lnB>
+                    <a:solidFill>
+                      <a:schemeClr val="bg1">
+                        <a:lumMod val="95000"/>
+                      </a:schemeClr>
+                    </a:solidFill>
+                  </a:tcPr>
+                </a:tc>
+                <a:tc>
+                  <a:txBody>
+                    <a:bodyPr/>
+                    <a:lstStyle/>
+                    <a:p>
+                      <a:pPr algn="ctr">
+                        <a:lnSpc>
+                          <a:spcPct val="100000"/>
+                        </a:lnSpc>
+                      </a:pPr>
+                      <a:r>
+                        <a:rPr kumimoji="1" lang="en-US" altLang="ja-JP" sz="2000" dirty="0">
+                          <a:solidFill>
+                            <a:sysClr val="windowText" lastClr="000000"/>
+                          </a:solidFill>
+                        </a:rPr>
+                        <a:t>Teleport</a:t>
+                      </a:r>
+                    </a:p>
+                    <a:p>
+                      <a:pPr algn="ctr">
+                        <a:lnSpc>
+                          <a:spcPct val="100000"/>
+                        </a:lnSpc>
+                      </a:pPr>
+                      <a:r>
+                        <a:rPr kumimoji="1" lang="en-US" altLang="ja-JP" sz="2000" dirty="0" err="1">
+                          <a:solidFill>
+                            <a:sysClr val="windowText" lastClr="000000"/>
+                          </a:solidFill>
+                        </a:rPr>
+                        <a:t>SoftEtherVPN</a:t>
+                      </a:r>
+                      <a:endParaRPr kumimoji="1" lang="ja-JP" altLang="en-US" sz="2000">
+                        <a:solidFill>
+                          <a:sysClr val="windowText" lastClr="000000"/>
+                        </a:solidFill>
+                      </a:endParaRPr>
+                    </a:p>
+                  </a:txBody>
+                  <a:tcPr anchor="ctr">
+                    <a:lnL w="12700" cap="flat" cmpd="sng" algn="ctr">
+                      <a:solidFill>
+                        <a:schemeClr val="tx1"/>
+                      </a:solidFill>
+                      <a:prstDash val="solid"/>
+                      <a:round/>
+                      <a:headEnd type="none" w="med" len="med"/>
+                      <a:tailEnd type="none" w="med" len="med"/>
+                    </a:lnL>
+                    <a:lnR w="12700" cap="flat" cmpd="sng" algn="ctr">
+                      <a:solidFill>
+                        <a:schemeClr val="tx1"/>
+                      </a:solidFill>
+                      <a:prstDash val="solid"/>
+                      <a:round/>
+                      <a:headEnd type="none" w="med" len="med"/>
+                      <a:tailEnd type="none" w="med" len="med"/>
+                    </a:lnR>
+                    <a:lnT w="12700" cap="flat" cmpd="sng" algn="ctr">
+                      <a:solidFill>
+                        <a:schemeClr val="tx1"/>
+                      </a:solidFill>
+                      <a:prstDash val="solid"/>
+                      <a:round/>
+                      <a:headEnd type="none" w="med" len="med"/>
+                      <a:tailEnd type="none" w="med" len="med"/>
+                    </a:lnT>
+                    <a:lnB w="12700" cap="flat" cmpd="sng" algn="ctr">
+                      <a:solidFill>
+                        <a:schemeClr val="tx1"/>
+                      </a:solidFill>
+                      <a:prstDash val="solid"/>
+                      <a:round/>
+                      <a:headEnd type="none" w="med" len="med"/>
+                      <a:tailEnd type="none" w="med" len="med"/>
+                    </a:lnB>
+                    <a:solidFill>
+                      <a:schemeClr val="bg1">
+                        <a:lumMod val="95000"/>
+                      </a:schemeClr>
+                    </a:solidFill>
+                  </a:tcPr>
+                </a:tc>
+                <a:extLst>
+                  <a:ext uri="{0D108BD9-81ED-4DB2-BD59-A6C34878D82A}">
+                    <a16:rowId xmlns:a16="http://schemas.microsoft.com/office/drawing/2014/main" val="245814958"/>
+                  </a:ext>
+                </a:extLst>
+              </a:tr>
+              <a:tr h="521871">
+                <a:tc>
+                  <a:txBody>
+                    <a:bodyPr/>
+                    <a:lstStyle/>
+                    <a:p>
+                      <a:pPr algn="ctr"/>
+                      <a:r>
+                        <a:rPr kumimoji="1" lang="ja-JP" altLang="en-US" sz="2400" b="1">
+                          <a:solidFill>
+                            <a:sysClr val="windowText" lastClr="000000"/>
+                          </a:solidFill>
+                        </a:rPr>
+                        <a:t>ログの取得</a:t>
+                      </a:r>
+                    </a:p>
+                  </a:txBody>
+                  <a:tcPr anchor="ctr">
+                    <a:lnL w="12700" cap="flat" cmpd="sng" algn="ctr">
+                      <a:solidFill>
+                        <a:schemeClr val="tx1"/>
+                      </a:solidFill>
+                      <a:prstDash val="solid"/>
+                      <a:round/>
+                      <a:headEnd type="none" w="med" len="med"/>
+                      <a:tailEnd type="none" w="med" len="med"/>
+                    </a:lnL>
+                    <a:lnR w="12700" cap="flat" cmpd="sng" algn="ctr">
+                      <a:solidFill>
+                        <a:schemeClr val="tx1"/>
+                      </a:solidFill>
+                      <a:prstDash val="solid"/>
+                      <a:round/>
+                      <a:headEnd type="none" w="med" len="med"/>
+                      <a:tailEnd type="none" w="med" len="med"/>
+                    </a:lnR>
+                    <a:lnT w="12700" cap="flat" cmpd="sng" algn="ctr">
+                      <a:solidFill>
+                        <a:schemeClr val="tx1"/>
+                      </a:solidFill>
+                      <a:prstDash val="solid"/>
+                      <a:round/>
+                      <a:headEnd type="none" w="med" len="med"/>
+                      <a:tailEnd type="none" w="med" len="med"/>
+                    </a:lnT>
+                    <a:lnB w="12700" cap="flat" cmpd="sng" algn="ctr">
+                      <a:solidFill>
+                        <a:schemeClr val="tx1"/>
+                      </a:solidFill>
+                      <a:prstDash val="solid"/>
+                      <a:round/>
+                      <a:headEnd type="none" w="med" len="med"/>
+                      <a:tailEnd type="none" w="med" len="med"/>
+                    </a:lnB>
+                    <a:solidFill>
+                      <a:schemeClr val="bg2">
+                        <a:lumMod val="90000"/>
+                      </a:schemeClr>
+                    </a:solidFill>
+                  </a:tcPr>
+                </a:tc>
+                <a:tc>
+                  <a:txBody>
+                    <a:bodyPr/>
+                    <a:lstStyle/>
+                    <a:p>
+                      <a:pPr algn="ctr">
+                        <a:lnSpc>
+                          <a:spcPct val="100000"/>
+                        </a:lnSpc>
+                      </a:pPr>
+                      <a:r>
+                        <a:rPr kumimoji="1" lang="ja-JP" altLang="en-US" sz="2000">
+                          <a:solidFill>
+                            <a:sysClr val="windowText" lastClr="000000"/>
+                          </a:solidFill>
+                        </a:rPr>
+                        <a:t>特になし</a:t>
+                      </a:r>
+                    </a:p>
+                  </a:txBody>
+                  <a:tcPr anchor="ctr">
+                    <a:lnL w="12700" cap="flat" cmpd="sng" algn="ctr">
+                      <a:solidFill>
+                        <a:schemeClr val="tx1"/>
+                      </a:solidFill>
+                      <a:prstDash val="solid"/>
+                      <a:round/>
+                      <a:headEnd type="none" w="med" len="med"/>
+                      <a:tailEnd type="none" w="med" len="med"/>
+                    </a:lnL>
+                    <a:lnR w="12700" cap="flat" cmpd="sng" algn="ctr">
+                      <a:solidFill>
+                        <a:schemeClr val="tx1"/>
+                      </a:solidFill>
+                      <a:prstDash val="solid"/>
+                      <a:round/>
+                      <a:headEnd type="none" w="med" len="med"/>
+                      <a:tailEnd type="none" w="med" len="med"/>
+                    </a:lnR>
+                    <a:lnT w="12700" cap="flat" cmpd="sng" algn="ctr">
+                      <a:solidFill>
+                        <a:schemeClr val="tx1"/>
+                      </a:solidFill>
+                      <a:prstDash val="solid"/>
+                      <a:round/>
+                      <a:headEnd type="none" w="med" len="med"/>
+                      <a:tailEnd type="none" w="med" len="med"/>
+                    </a:lnT>
+                    <a:lnB w="12700" cap="flat" cmpd="sng" algn="ctr">
+                      <a:solidFill>
+                        <a:schemeClr val="tx1"/>
+                      </a:solidFill>
+                      <a:prstDash val="solid"/>
+                      <a:round/>
+                      <a:headEnd type="none" w="med" len="med"/>
+                      <a:tailEnd type="none" w="med" len="med"/>
+                    </a:lnB>
+                    <a:solidFill>
+                      <a:schemeClr val="bg1">
+                        <a:lumMod val="95000"/>
+                      </a:schemeClr>
+                    </a:solidFill>
+                  </a:tcPr>
+                </a:tc>
+                <a:tc>
+                  <a:txBody>
+                    <a:bodyPr/>
+                    <a:lstStyle/>
+                    <a:p>
+                      <a:pPr algn="ctr">
+                        <a:lnSpc>
+                          <a:spcPct val="100000"/>
+                        </a:lnSpc>
+                      </a:pPr>
+                      <a:r>
+                        <a:rPr kumimoji="1" lang="en-US" altLang="ja-JP" sz="2000" dirty="0" err="1">
+                          <a:solidFill>
+                            <a:sysClr val="windowText" lastClr="000000"/>
+                          </a:solidFill>
+                        </a:rPr>
+                        <a:t>sshportal</a:t>
+                      </a:r>
+                      <a:endParaRPr kumimoji="1" lang="en-US" altLang="ja-JP" sz="2000" dirty="0">
+                        <a:solidFill>
+                          <a:sysClr val="windowText" lastClr="000000"/>
+                        </a:solidFill>
+                      </a:endParaRPr>
+                    </a:p>
+                    <a:p>
+                      <a:pPr algn="ctr">
+                        <a:lnSpc>
+                          <a:spcPct val="100000"/>
+                        </a:lnSpc>
+                      </a:pPr>
+                      <a:r>
+                        <a:rPr kumimoji="1" lang="en-US" altLang="ja-JP" sz="2000" dirty="0">
+                          <a:solidFill>
+                            <a:sysClr val="windowText" lastClr="000000"/>
+                          </a:solidFill>
+                        </a:rPr>
+                        <a:t>Teleport</a:t>
+                      </a:r>
+                    </a:p>
+                    <a:p>
+                      <a:pPr algn="ctr">
+                        <a:lnSpc>
+                          <a:spcPct val="100000"/>
+                        </a:lnSpc>
+                      </a:pPr>
+                      <a:r>
+                        <a:rPr kumimoji="1" lang="en-US" altLang="ja-JP" sz="2000" dirty="0" err="1">
+                          <a:solidFill>
+                            <a:sysClr val="windowText" lastClr="000000"/>
+                          </a:solidFill>
+                        </a:rPr>
+                        <a:t>SoftEtherVPN</a:t>
+                      </a:r>
+                      <a:endParaRPr kumimoji="1" lang="ja-JP" altLang="en-US" sz="2000">
+                        <a:solidFill>
+                          <a:sysClr val="windowText" lastClr="000000"/>
+                        </a:solidFill>
+                      </a:endParaRPr>
+                    </a:p>
+                  </a:txBody>
+                  <a:tcPr anchor="ctr">
+                    <a:lnL w="12700" cap="flat" cmpd="sng" algn="ctr">
+                      <a:solidFill>
+                        <a:schemeClr val="tx1"/>
+                      </a:solidFill>
+                      <a:prstDash val="solid"/>
+                      <a:round/>
+                      <a:headEnd type="none" w="med" len="med"/>
+                      <a:tailEnd type="none" w="med" len="med"/>
+                    </a:lnL>
+                    <a:lnR w="12700" cap="flat" cmpd="sng" algn="ctr">
+                      <a:solidFill>
+                        <a:schemeClr val="tx1"/>
+                      </a:solidFill>
+                      <a:prstDash val="solid"/>
+                      <a:round/>
+                      <a:headEnd type="none" w="med" len="med"/>
+                      <a:tailEnd type="none" w="med" len="med"/>
+                    </a:lnR>
+                    <a:lnT w="12700" cap="flat" cmpd="sng" algn="ctr">
+                      <a:solidFill>
+                        <a:schemeClr val="tx1"/>
+                      </a:solidFill>
+                      <a:prstDash val="solid"/>
+                      <a:round/>
+                      <a:headEnd type="none" w="med" len="med"/>
+                      <a:tailEnd type="none" w="med" len="med"/>
+                    </a:lnT>
+                    <a:lnB w="12700" cap="flat" cmpd="sng" algn="ctr">
+                      <a:solidFill>
+                        <a:schemeClr val="tx1"/>
+                      </a:solidFill>
+                      <a:prstDash val="solid"/>
+                      <a:round/>
+                      <a:headEnd type="none" w="med" len="med"/>
+                      <a:tailEnd type="none" w="med" len="med"/>
+                    </a:lnB>
+                    <a:solidFill>
+                      <a:schemeClr val="bg1">
+                        <a:lumMod val="95000"/>
+                      </a:schemeClr>
+                    </a:solidFill>
+                  </a:tcPr>
+                </a:tc>
+                <a:extLst>
+                  <a:ext uri="{0D108BD9-81ED-4DB2-BD59-A6C34878D82A}">
+                    <a16:rowId xmlns:a16="http://schemas.microsoft.com/office/drawing/2014/main" val="3078415094"/>
+                  </a:ext>
+                </a:extLst>
+              </a:tr>
+              <a:tr h="426985">
+                <a:tc>
+                  <a:txBody>
+                    <a:bodyPr/>
+                    <a:lstStyle/>
+                    <a:p>
+                      <a:pPr algn="ctr"/>
+                      <a:r>
+                        <a:rPr kumimoji="1" lang="en-US" altLang="ja-JP" sz="2400" b="1" dirty="0">
+                          <a:solidFill>
+                            <a:sysClr val="windowText" lastClr="000000"/>
+                          </a:solidFill>
+                        </a:rPr>
+                        <a:t>E2E</a:t>
+                      </a:r>
+                      <a:r>
+                        <a:rPr kumimoji="1" lang="ja-JP" altLang="en-US" sz="2400" b="1">
+                          <a:solidFill>
+                            <a:sysClr val="windowText" lastClr="000000"/>
+                          </a:solidFill>
+                        </a:rPr>
+                        <a:t>のみのログイン情報による利用</a:t>
+                      </a:r>
+                    </a:p>
+                  </a:txBody>
+                  <a:tcPr anchor="ctr">
+                    <a:lnL w="12700" cap="flat" cmpd="sng" algn="ctr">
+                      <a:solidFill>
+                        <a:schemeClr val="tx1"/>
+                      </a:solidFill>
+                      <a:prstDash val="solid"/>
+                      <a:round/>
+                      <a:headEnd type="none" w="med" len="med"/>
+                      <a:tailEnd type="none" w="med" len="med"/>
+                    </a:lnL>
+                    <a:lnR w="12700" cap="flat" cmpd="sng" algn="ctr">
+                      <a:solidFill>
+                        <a:schemeClr val="tx1"/>
+                      </a:solidFill>
+                      <a:prstDash val="solid"/>
+                      <a:round/>
+                      <a:headEnd type="none" w="med" len="med"/>
+                      <a:tailEnd type="none" w="med" len="med"/>
+                    </a:lnR>
+                    <a:lnT w="12700" cap="flat" cmpd="sng" algn="ctr">
+                      <a:solidFill>
+                        <a:schemeClr val="tx1"/>
+                      </a:solidFill>
+                      <a:prstDash val="solid"/>
+                      <a:round/>
+                      <a:headEnd type="none" w="med" len="med"/>
+                      <a:tailEnd type="none" w="med" len="med"/>
+                    </a:lnT>
+                    <a:lnB w="12700" cap="flat" cmpd="sng" algn="ctr">
+                      <a:solidFill>
+                        <a:schemeClr val="tx1"/>
+                      </a:solidFill>
+                      <a:prstDash val="solid"/>
+                      <a:round/>
+                      <a:headEnd type="none" w="med" len="med"/>
+                      <a:tailEnd type="none" w="med" len="med"/>
+                    </a:lnB>
+                    <a:solidFill>
+                      <a:schemeClr val="bg2">
+                        <a:lumMod val="90000"/>
+                      </a:schemeClr>
+                    </a:solidFill>
+                  </a:tcPr>
+                </a:tc>
+                <a:tc>
+                  <a:txBody>
+                    <a:bodyPr/>
+                    <a:lstStyle/>
+                    <a:p>
+                      <a:pPr algn="ctr">
+                        <a:lnSpc>
+                          <a:spcPct val="100000"/>
+                        </a:lnSpc>
+                      </a:pPr>
+                      <a:r>
+                        <a:rPr kumimoji="1" lang="en-US" altLang="ja-JP" sz="2000" dirty="0">
+                          <a:solidFill>
+                            <a:sysClr val="windowText" lastClr="000000"/>
+                          </a:solidFill>
+                        </a:rPr>
+                        <a:t>VPN</a:t>
+                      </a:r>
+                      <a:endParaRPr kumimoji="1" lang="ja-JP" altLang="en-US" sz="2000">
+                        <a:solidFill>
+                          <a:sysClr val="windowText" lastClr="000000"/>
+                        </a:solidFill>
+                      </a:endParaRPr>
+                    </a:p>
+                  </a:txBody>
+                  <a:tcPr anchor="ctr">
+                    <a:lnL w="12700" cap="flat" cmpd="sng" algn="ctr">
+                      <a:solidFill>
+                        <a:schemeClr val="tx1"/>
+                      </a:solidFill>
+                      <a:prstDash val="solid"/>
+                      <a:round/>
+                      <a:headEnd type="none" w="med" len="med"/>
+                      <a:tailEnd type="none" w="med" len="med"/>
+                    </a:lnL>
+                    <a:lnR w="12700" cap="flat" cmpd="sng" algn="ctr">
+                      <a:solidFill>
+                        <a:schemeClr val="tx1"/>
+                      </a:solidFill>
+                      <a:prstDash val="solid"/>
+                      <a:round/>
+                      <a:headEnd type="none" w="med" len="med"/>
+                      <a:tailEnd type="none" w="med" len="med"/>
+                    </a:lnR>
+                    <a:lnT w="12700" cap="flat" cmpd="sng" algn="ctr">
+                      <a:solidFill>
+                        <a:schemeClr val="tx1"/>
+                      </a:solidFill>
+                      <a:prstDash val="solid"/>
+                      <a:round/>
+                      <a:headEnd type="none" w="med" len="med"/>
+                      <a:tailEnd type="none" w="med" len="med"/>
+                    </a:lnT>
+                    <a:lnB w="12700" cap="flat" cmpd="sng" algn="ctr">
+                      <a:solidFill>
+                        <a:schemeClr val="tx1"/>
+                      </a:solidFill>
+                      <a:prstDash val="solid"/>
+                      <a:round/>
+                      <a:headEnd type="none" w="med" len="med"/>
+                      <a:tailEnd type="none" w="med" len="med"/>
+                    </a:lnB>
+                    <a:solidFill>
+                      <a:schemeClr val="bg1">
+                        <a:lumMod val="95000"/>
+                      </a:schemeClr>
+                    </a:solidFill>
+                  </a:tcPr>
+                </a:tc>
+                <a:tc>
+                  <a:txBody>
+                    <a:bodyPr/>
+                    <a:lstStyle/>
+                    <a:p>
+                      <a:pPr algn="ctr">
+                        <a:lnSpc>
+                          <a:spcPct val="100000"/>
+                        </a:lnSpc>
+                      </a:pPr>
+                      <a:r>
+                        <a:rPr kumimoji="1" lang="en-US" altLang="ja-JP" sz="2000" dirty="0" err="1">
+                          <a:solidFill>
+                            <a:sysClr val="windowText" lastClr="000000"/>
+                          </a:solidFill>
+                        </a:rPr>
+                        <a:t>sshuttle</a:t>
+                      </a:r>
+                      <a:endParaRPr kumimoji="1" lang="en-US" altLang="ja-JP" sz="2000" dirty="0">
+                        <a:solidFill>
+                          <a:sysClr val="windowText" lastClr="000000"/>
+                        </a:solidFill>
+                      </a:endParaRPr>
+                    </a:p>
+                    <a:p>
+                      <a:pPr algn="ctr">
+                        <a:lnSpc>
+                          <a:spcPct val="100000"/>
+                        </a:lnSpc>
+                      </a:pPr>
+                      <a:r>
+                        <a:rPr kumimoji="1" lang="en-US" altLang="ja-JP" sz="2000" dirty="0" err="1">
+                          <a:solidFill>
+                            <a:sysClr val="windowText" lastClr="000000"/>
+                          </a:solidFill>
+                        </a:rPr>
+                        <a:t>SoftEtherVPN</a:t>
+                      </a:r>
+                      <a:endParaRPr kumimoji="1" lang="en-US" altLang="ja-JP" sz="2000" dirty="0">
+                        <a:solidFill>
+                          <a:sysClr val="windowText" lastClr="000000"/>
+                        </a:solidFill>
+                      </a:endParaRPr>
+                    </a:p>
+                    <a:p>
+                      <a:pPr algn="ctr">
+                        <a:lnSpc>
+                          <a:spcPct val="100000"/>
+                        </a:lnSpc>
+                      </a:pPr>
+                      <a:r>
+                        <a:rPr kumimoji="1" lang="en-US" altLang="ja-JP" sz="2000" dirty="0">
+                          <a:solidFill>
+                            <a:sysClr val="windowText" lastClr="000000"/>
+                          </a:solidFill>
+                        </a:rPr>
+                        <a:t>Teleport</a:t>
+                      </a:r>
+                      <a:endParaRPr kumimoji="1" lang="ja-JP" altLang="en-US" sz="2000">
+                        <a:solidFill>
+                          <a:sysClr val="windowText" lastClr="000000"/>
+                        </a:solidFill>
+                      </a:endParaRPr>
+                    </a:p>
+                  </a:txBody>
+                  <a:tcPr anchor="ctr">
+                    <a:lnL w="12700" cap="flat" cmpd="sng" algn="ctr">
+                      <a:solidFill>
+                        <a:schemeClr val="tx1"/>
+                      </a:solidFill>
+                      <a:prstDash val="solid"/>
+                      <a:round/>
+                      <a:headEnd type="none" w="med" len="med"/>
+                      <a:tailEnd type="none" w="med" len="med"/>
+                    </a:lnL>
+                    <a:lnR w="12700" cap="flat" cmpd="sng" algn="ctr">
+                      <a:solidFill>
+                        <a:schemeClr val="tx1"/>
+                      </a:solidFill>
+                      <a:prstDash val="solid"/>
+                      <a:round/>
+                      <a:headEnd type="none" w="med" len="med"/>
+                      <a:tailEnd type="none" w="med" len="med"/>
+                    </a:lnR>
+                    <a:lnT w="12700" cap="flat" cmpd="sng" algn="ctr">
+                      <a:solidFill>
+                        <a:schemeClr val="tx1"/>
+                      </a:solidFill>
+                      <a:prstDash val="solid"/>
+                      <a:round/>
+                      <a:headEnd type="none" w="med" len="med"/>
+                      <a:tailEnd type="none" w="med" len="med"/>
+                    </a:lnT>
+                    <a:lnB w="12700" cap="flat" cmpd="sng" algn="ctr">
+                      <a:solidFill>
+                        <a:schemeClr val="tx1"/>
+                      </a:solidFill>
+                      <a:prstDash val="solid"/>
+                      <a:round/>
+                      <a:headEnd type="none" w="med" len="med"/>
+                      <a:tailEnd type="none" w="med" len="med"/>
+                    </a:lnB>
+                    <a:solidFill>
+                      <a:schemeClr val="bg1">
+                        <a:lumMod val="95000"/>
+                      </a:schemeClr>
+                    </a:solidFill>
+                  </a:tcPr>
+                </a:tc>
+                <a:extLst>
+                  <a:ext uri="{0D108BD9-81ED-4DB2-BD59-A6C34878D82A}">
+                    <a16:rowId xmlns:a16="http://schemas.microsoft.com/office/drawing/2014/main" val="2078189274"/>
+                  </a:ext>
+                </a:extLst>
+              </a:tr>
+            </a:tbl>
+          </a:graphicData>
+        </a:graphic>
+      </p:graphicFrame>
+    </p:spTree>
+    <p:extLst>
+      <p:ext uri="{BB962C8B-B14F-4D97-AF65-F5344CB8AC3E}">
+        <p14:creationId xmlns:p14="http://schemas.microsoft.com/office/powerpoint/2010/main" val="2661023852"/>
+      </p:ext>
+    </p:extLst>
+  </p:cSld>
+  <p:clrMapOvr>
+    <a:masterClrMapping/>
+  </p:clrMapOvr>
+</p:sld>
+</file>
+
+<file path=ppt/slides/slide11.xml><?xml version="1.0" encoding="utf-8"?>
+<p:sld xmlns:a="http://schemas.openxmlformats.org/drawingml/2006/main" xmlns:r="http://schemas.openxmlformats.org/officeDocument/2006/relationships" xmlns:p="http://schemas.openxmlformats.org/presentationml/2006/main">
+  <p:cSld>
+    <p:spTree>
+      <p:nvGrpSpPr>
+        <p:cNvPr id="1" name=""/>
+        <p:cNvGrpSpPr/>
+        <p:nvPr/>
+      </p:nvGrpSpPr>
+      <p:grpSpPr>
+        <a:xfrm>
+          <a:off x="0" y="0"/>
+          <a:ext cx="0" cy="0"/>
+          <a:chOff x="0" y="0"/>
+          <a:chExt cx="0" cy="0"/>
+        </a:xfrm>
+      </p:grpSpPr>
+      <p:graphicFrame>
+        <p:nvGraphicFramePr>
+          <p:cNvPr id="2" name="表 1">
+            <a:extLst>
+              <a:ext uri="{FF2B5EF4-FFF2-40B4-BE49-F238E27FC236}">
+                <a16:creationId xmlns:a16="http://schemas.microsoft.com/office/drawing/2014/main" id="{74FAAF81-9621-5D43-ADDA-0996D763AE81}"/>
+              </a:ext>
+            </a:extLst>
+          </p:cNvPr>
+          <p:cNvGraphicFramePr>
+            <a:graphicFrameLocks noGrp="1"/>
+          </p:cNvGraphicFramePr>
+          <p:nvPr>
+            <p:extLst/>
+          </p:nvPr>
+        </p:nvGraphicFramePr>
+        <p:xfrm>
+          <a:off x="129209" y="79304"/>
+          <a:ext cx="11728173" cy="7397802"/>
+        </p:xfrm>
+        <a:graphic>
+          <a:graphicData uri="http://schemas.openxmlformats.org/drawingml/2006/table">
+            <a:tbl>
+              <a:tblPr>
+                <a:tableStyleId>{5C22544A-7EE6-4342-B048-85BDC9FD1C3A}</a:tableStyleId>
+              </a:tblPr>
+              <a:tblGrid>
+                <a:gridCol w="3468756">
+                  <a:extLst>
+                    <a:ext uri="{9D8B030D-6E8A-4147-A177-3AD203B41FA5}">
+                      <a16:colId xmlns:a16="http://schemas.microsoft.com/office/drawing/2014/main" val="2636257918"/>
+                    </a:ext>
+                  </a:extLst>
+                </a:gridCol>
+                <a:gridCol w="8259417">
+                  <a:extLst>
+                    <a:ext uri="{9D8B030D-6E8A-4147-A177-3AD203B41FA5}">
+                      <a16:colId xmlns:a16="http://schemas.microsoft.com/office/drawing/2014/main" val="3758699880"/>
+                    </a:ext>
+                  </a:extLst>
+                </a:gridCol>
+              </a:tblGrid>
+              <a:tr h="537765">
+                <a:tc>
+                  <a:txBody>
+                    <a:bodyPr/>
+                    <a:lstStyle/>
+                    <a:p>
+                      <a:pPr algn="ctr" fontAlgn="ctr"/>
+                      <a:r>
+                        <a:rPr lang="en" sz="2400" b="1" u="none" strike="noStrike" dirty="0">
+                          <a:effectLst/>
+                        </a:rPr>
+                        <a:t>Server</a:t>
+                      </a:r>
+                      <a:r>
+                        <a:rPr lang="ja-JP" altLang="en-US" sz="2400" b="1" u="none" strike="noStrike">
+                          <a:effectLst/>
+                        </a:rPr>
+                        <a:t>のメーカー</a:t>
+                      </a:r>
+                      <a:endParaRPr lang="ja-JP" altLang="en-US" sz="2400" b="1" i="0" u="none" strike="noStrike">
+                        <a:solidFill>
+                          <a:srgbClr val="000000"/>
+                        </a:solidFill>
+                        <a:effectLst/>
+                        <a:latin typeface="游ゴシック" panose="020B0400000000000000" pitchFamily="34" charset="-128"/>
+                        <a:ea typeface="游ゴシック" panose="020B0400000000000000" pitchFamily="34" charset="-128"/>
+                      </a:endParaRPr>
+                    </a:p>
+                  </a:txBody>
+                  <a:tcPr marL="6856" marR="6856" marT="6856" marB="0" anchor="ctr">
+                    <a:lnL w="12700" cap="flat" cmpd="sng" algn="ctr">
+                      <a:solidFill>
+                        <a:schemeClr val="tx1"/>
+                      </a:solidFill>
+                      <a:prstDash val="solid"/>
+                      <a:round/>
+                      <a:headEnd type="none" w="med" len="med"/>
+                      <a:tailEnd type="none" w="med" len="med"/>
+                    </a:lnL>
+                    <a:lnR w="12700" cap="flat" cmpd="sng" algn="ctr">
+                      <a:solidFill>
+                        <a:schemeClr val="tx1"/>
+                      </a:solidFill>
+                      <a:prstDash val="solid"/>
+                      <a:round/>
+                      <a:headEnd type="none" w="med" len="med"/>
+                      <a:tailEnd type="none" w="med" len="med"/>
+                    </a:lnR>
+                    <a:lnT w="12700" cap="flat" cmpd="sng" algn="ctr">
+                      <a:solidFill>
+                        <a:schemeClr val="tx1"/>
+                      </a:solidFill>
+                      <a:prstDash val="solid"/>
+                      <a:round/>
+                      <a:headEnd type="none" w="med" len="med"/>
+                      <a:tailEnd type="none" w="med" len="med"/>
+                    </a:lnT>
+                    <a:lnB w="12700" cap="flat" cmpd="sng" algn="ctr">
+                      <a:solidFill>
+                        <a:schemeClr val="tx1"/>
+                      </a:solidFill>
+                      <a:prstDash val="solid"/>
+                      <a:round/>
+                      <a:headEnd type="none" w="med" len="med"/>
+                      <a:tailEnd type="none" w="med" len="med"/>
+                    </a:lnB>
+                    <a:lnTlToBr w="12700" cmpd="sng">
+                      <a:noFill/>
+                      <a:prstDash val="solid"/>
+                    </a:lnTlToBr>
+                    <a:lnBlToTr w="12700" cmpd="sng">
+                      <a:noFill/>
+                      <a:prstDash val="solid"/>
+                    </a:lnBlToTr>
+                    <a:solidFill>
+                      <a:schemeClr val="bg2">
+                        <a:lumMod val="90000"/>
+                      </a:schemeClr>
+                    </a:solidFill>
+                  </a:tcPr>
+                </a:tc>
+                <a:tc>
+                  <a:txBody>
+                    <a:bodyPr/>
+                    <a:lstStyle/>
+                    <a:p>
+                      <a:pPr algn="ctr" fontAlgn="ctr"/>
+                      <a:r>
+                        <a:rPr lang="en" sz="2400" u="none" strike="noStrike" dirty="0">
+                          <a:effectLst/>
+                          <a:latin typeface="+mn-ea"/>
+                          <a:ea typeface="+mn-ea"/>
+                        </a:rPr>
+                        <a:t>Supermicro</a:t>
+                      </a:r>
+                      <a:endParaRPr lang="en" sz="2400" b="0" i="0" u="none" strike="noStrike" dirty="0">
+                        <a:solidFill>
+                          <a:srgbClr val="000000"/>
+                        </a:solidFill>
+                        <a:effectLst/>
+                        <a:latin typeface="+mn-ea"/>
+                        <a:ea typeface="+mn-ea"/>
+                      </a:endParaRPr>
+                    </a:p>
+                  </a:txBody>
+                  <a:tcPr marL="6856" marR="6856" marT="6856" marB="0" anchor="ctr">
+                    <a:lnL w="12700" cap="flat" cmpd="sng" algn="ctr">
+                      <a:solidFill>
+                        <a:schemeClr val="tx1"/>
+                      </a:solidFill>
+                      <a:prstDash val="solid"/>
+                      <a:round/>
+                      <a:headEnd type="none" w="med" len="med"/>
+                      <a:tailEnd type="none" w="med" len="med"/>
+                    </a:lnL>
+                    <a:lnR w="12700" cap="flat" cmpd="sng" algn="ctr">
+                      <a:solidFill>
+                        <a:schemeClr val="tx1"/>
+                      </a:solidFill>
+                      <a:prstDash val="solid"/>
+                      <a:round/>
+                      <a:headEnd type="none" w="med" len="med"/>
+                      <a:tailEnd type="none" w="med" len="med"/>
+                    </a:lnR>
+                    <a:lnT w="12700" cap="flat" cmpd="sng" algn="ctr">
+                      <a:solidFill>
+                        <a:schemeClr val="tx1"/>
+                      </a:solidFill>
+                      <a:prstDash val="solid"/>
+                      <a:round/>
+                      <a:headEnd type="none" w="med" len="med"/>
+                      <a:tailEnd type="none" w="med" len="med"/>
+                    </a:lnT>
+                    <a:lnB w="12700" cap="flat" cmpd="sng" algn="ctr">
+                      <a:solidFill>
+                        <a:schemeClr val="tx1"/>
+                      </a:solidFill>
+                      <a:prstDash val="solid"/>
+                      <a:round/>
+                      <a:headEnd type="none" w="med" len="med"/>
+                      <a:tailEnd type="none" w="med" len="med"/>
+                    </a:lnB>
+                    <a:lnTlToBr w="12700" cmpd="sng">
+                      <a:noFill/>
+                      <a:prstDash val="solid"/>
+                    </a:lnTlToBr>
+                    <a:lnBlToTr w="12700" cmpd="sng">
+                      <a:noFill/>
+                      <a:prstDash val="solid"/>
+                    </a:lnBlToTr>
+                    <a:solidFill>
+                      <a:schemeClr val="bg1"/>
+                    </a:solidFill>
+                  </a:tcPr>
+                </a:tc>
+                <a:extLst>
+                  <a:ext uri="{0D108BD9-81ED-4DB2-BD59-A6C34878D82A}">
+                    <a16:rowId xmlns:a16="http://schemas.microsoft.com/office/drawing/2014/main" val="268770898"/>
+                  </a:ext>
+                </a:extLst>
+              </a:tr>
+              <a:tr h="752788">
+                <a:tc>
+                  <a:txBody>
+                    <a:bodyPr/>
+                    <a:lstStyle/>
+                    <a:p>
+                      <a:pPr algn="ctr" fontAlgn="ctr"/>
+                      <a:r>
+                        <a:rPr lang="en" sz="2400" b="1" u="none" strike="noStrike" dirty="0">
+                          <a:effectLst/>
+                        </a:rPr>
+                        <a:t>Server</a:t>
+                      </a:r>
+                      <a:r>
+                        <a:rPr lang="ja-JP" altLang="en-US" sz="2400" b="1" u="none" strike="noStrike">
+                          <a:effectLst/>
+                        </a:rPr>
+                        <a:t>のモデル</a:t>
+                      </a:r>
+                      <a:endParaRPr lang="ja-JP" altLang="en-US" sz="2400" b="1" i="0" u="none" strike="noStrike">
+                        <a:solidFill>
+                          <a:srgbClr val="000000"/>
+                        </a:solidFill>
+                        <a:effectLst/>
+                        <a:latin typeface="游ゴシック" panose="020B0400000000000000" pitchFamily="34" charset="-128"/>
+                        <a:ea typeface="游ゴシック" panose="020B0400000000000000" pitchFamily="34" charset="-128"/>
+                      </a:endParaRPr>
+                    </a:p>
+                  </a:txBody>
+                  <a:tcPr marL="6856" marR="6856" marT="6856" marB="0" anchor="ctr">
+                    <a:lnL w="12700" cap="flat" cmpd="sng" algn="ctr">
+                      <a:solidFill>
+                        <a:schemeClr val="tx1"/>
+                      </a:solidFill>
+                      <a:prstDash val="solid"/>
+                      <a:round/>
+                      <a:headEnd type="none" w="med" len="med"/>
+                      <a:tailEnd type="none" w="med" len="med"/>
+                    </a:lnL>
+                    <a:lnR w="12700" cap="flat" cmpd="sng" algn="ctr">
+                      <a:solidFill>
+                        <a:schemeClr val="tx1"/>
+                      </a:solidFill>
+                      <a:prstDash val="solid"/>
+                      <a:round/>
+                      <a:headEnd type="none" w="med" len="med"/>
+                      <a:tailEnd type="none" w="med" len="med"/>
+                    </a:lnR>
+                    <a:lnT w="12700" cap="flat" cmpd="sng" algn="ctr">
+                      <a:solidFill>
+                        <a:schemeClr val="tx1"/>
+                      </a:solidFill>
+                      <a:prstDash val="solid"/>
+                      <a:round/>
+                      <a:headEnd type="none" w="med" len="med"/>
+                      <a:tailEnd type="none" w="med" len="med"/>
+                    </a:lnT>
+                    <a:lnB w="12700" cap="flat" cmpd="sng" algn="ctr">
+                      <a:solidFill>
+                        <a:schemeClr val="tx1"/>
+                      </a:solidFill>
+                      <a:prstDash val="solid"/>
+                      <a:round/>
+                      <a:headEnd type="none" w="med" len="med"/>
+                      <a:tailEnd type="none" w="med" len="med"/>
+                    </a:lnB>
+                    <a:lnTlToBr w="12700" cmpd="sng">
+                      <a:noFill/>
+                      <a:prstDash val="solid"/>
+                    </a:lnTlToBr>
+                    <a:lnBlToTr w="12700" cmpd="sng">
+                      <a:noFill/>
+                      <a:prstDash val="solid"/>
+                    </a:lnBlToTr>
+                    <a:solidFill>
+                      <a:schemeClr val="bg2">
+                        <a:lumMod val="90000"/>
+                      </a:schemeClr>
+                    </a:solidFill>
+                  </a:tcPr>
+                </a:tc>
+                <a:tc>
+                  <a:txBody>
+                    <a:bodyPr/>
+                    <a:lstStyle/>
+                    <a:p>
+                      <a:pPr algn="ctr" fontAlgn="ctr"/>
+                      <a:r>
+                        <a:rPr lang="en" sz="2400" u="none" strike="noStrike" dirty="0">
+                          <a:effectLst/>
+                          <a:latin typeface="+mn-ea"/>
+                          <a:ea typeface="+mn-ea"/>
+                        </a:rPr>
+                        <a:t>SYS-5018D-FN4T</a:t>
+                      </a:r>
+                      <a:endParaRPr lang="en" sz="2400" b="0" i="0" u="none" strike="noStrike" dirty="0">
+                        <a:solidFill>
+                          <a:srgbClr val="000000"/>
+                        </a:solidFill>
+                        <a:effectLst/>
+                        <a:latin typeface="+mn-ea"/>
+                        <a:ea typeface="+mn-ea"/>
+                      </a:endParaRPr>
+                    </a:p>
+                  </a:txBody>
+                  <a:tcPr marL="6856" marR="6856" marT="6856" marB="0" anchor="ctr">
+                    <a:lnL w="12700" cap="flat" cmpd="sng" algn="ctr">
+                      <a:solidFill>
+                        <a:schemeClr val="tx1"/>
+                      </a:solidFill>
+                      <a:prstDash val="solid"/>
+                      <a:round/>
+                      <a:headEnd type="none" w="med" len="med"/>
+                      <a:tailEnd type="none" w="med" len="med"/>
+                    </a:lnL>
+                    <a:lnR w="12700" cap="flat" cmpd="sng" algn="ctr">
+                      <a:solidFill>
+                        <a:schemeClr val="tx1"/>
+                      </a:solidFill>
+                      <a:prstDash val="solid"/>
+                      <a:round/>
+                      <a:headEnd type="none" w="med" len="med"/>
+                      <a:tailEnd type="none" w="med" len="med"/>
+                    </a:lnR>
+                    <a:lnT w="12700" cap="flat" cmpd="sng" algn="ctr">
+                      <a:solidFill>
+                        <a:schemeClr val="tx1"/>
+                      </a:solidFill>
+                      <a:prstDash val="solid"/>
+                      <a:round/>
+                      <a:headEnd type="none" w="med" len="med"/>
+                      <a:tailEnd type="none" w="med" len="med"/>
+                    </a:lnT>
+                    <a:lnB w="12700" cap="flat" cmpd="sng" algn="ctr">
+                      <a:solidFill>
+                        <a:schemeClr val="tx1"/>
+                      </a:solidFill>
+                      <a:prstDash val="solid"/>
+                      <a:round/>
+                      <a:headEnd type="none" w="med" len="med"/>
+                      <a:tailEnd type="none" w="med" len="med"/>
+                    </a:lnB>
+                    <a:lnTlToBr w="12700" cmpd="sng">
+                      <a:noFill/>
+                      <a:prstDash val="solid"/>
+                    </a:lnTlToBr>
+                    <a:lnBlToTr w="12700" cmpd="sng">
+                      <a:noFill/>
+                      <a:prstDash val="solid"/>
+                    </a:lnBlToTr>
+                    <a:solidFill>
+                      <a:schemeClr val="bg1"/>
+                    </a:solidFill>
+                  </a:tcPr>
+                </a:tc>
+                <a:extLst>
+                  <a:ext uri="{0D108BD9-81ED-4DB2-BD59-A6C34878D82A}">
+                    <a16:rowId xmlns:a16="http://schemas.microsoft.com/office/drawing/2014/main" val="3198433363"/>
+                  </a:ext>
+                </a:extLst>
+              </a:tr>
+              <a:tr h="547128">
+                <a:tc>
+                  <a:txBody>
+                    <a:bodyPr/>
+                    <a:lstStyle/>
+                    <a:p>
+                      <a:pPr algn="ctr" fontAlgn="ctr"/>
+                      <a:r>
+                        <a:rPr lang="en" sz="2400" b="1" u="none" strike="noStrike" dirty="0">
+                          <a:effectLst/>
+                        </a:rPr>
+                        <a:t>CPU</a:t>
+                      </a:r>
+                      <a:endParaRPr lang="en" sz="2400" b="1" i="0" u="none" strike="noStrike" dirty="0">
+                        <a:solidFill>
+                          <a:srgbClr val="000000"/>
+                        </a:solidFill>
+                        <a:effectLst/>
+                        <a:latin typeface="游ゴシック" panose="020B0400000000000000" pitchFamily="34" charset="-128"/>
+                        <a:ea typeface="游ゴシック" panose="020B0400000000000000" pitchFamily="34" charset="-128"/>
+                      </a:endParaRPr>
+                    </a:p>
+                  </a:txBody>
+                  <a:tcPr marL="6856" marR="6856" marT="6856" marB="0" anchor="ctr">
+                    <a:lnL w="12700" cap="flat" cmpd="sng" algn="ctr">
+                      <a:solidFill>
+                        <a:schemeClr val="tx1"/>
+                      </a:solidFill>
+                      <a:prstDash val="solid"/>
+                      <a:round/>
+                      <a:headEnd type="none" w="med" len="med"/>
+                      <a:tailEnd type="none" w="med" len="med"/>
+                    </a:lnL>
+                    <a:lnR w="12700" cap="flat" cmpd="sng" algn="ctr">
+                      <a:solidFill>
+                        <a:schemeClr val="tx1"/>
+                      </a:solidFill>
+                      <a:prstDash val="solid"/>
+                      <a:round/>
+                      <a:headEnd type="none" w="med" len="med"/>
+                      <a:tailEnd type="none" w="med" len="med"/>
+                    </a:lnR>
+                    <a:lnT w="12700" cap="flat" cmpd="sng" algn="ctr">
+                      <a:solidFill>
+                        <a:schemeClr val="tx1"/>
+                      </a:solidFill>
+                      <a:prstDash val="solid"/>
+                      <a:round/>
+                      <a:headEnd type="none" w="med" len="med"/>
+                      <a:tailEnd type="none" w="med" len="med"/>
+                    </a:lnT>
+                    <a:lnB w="12700" cap="flat" cmpd="sng" algn="ctr">
+                      <a:solidFill>
+                        <a:schemeClr val="tx1"/>
+                      </a:solidFill>
+                      <a:prstDash val="solid"/>
+                      <a:round/>
+                      <a:headEnd type="none" w="med" len="med"/>
+                      <a:tailEnd type="none" w="med" len="med"/>
+                    </a:lnB>
+                    <a:lnTlToBr w="12700" cmpd="sng">
+                      <a:noFill/>
+                      <a:prstDash val="solid"/>
+                    </a:lnTlToBr>
+                    <a:lnBlToTr w="12700" cmpd="sng">
+                      <a:noFill/>
+                      <a:prstDash val="solid"/>
+                    </a:lnBlToTr>
+                    <a:solidFill>
+                      <a:schemeClr val="bg2">
+                        <a:lumMod val="90000"/>
+                      </a:schemeClr>
+                    </a:solidFill>
+                  </a:tcPr>
+                </a:tc>
+                <a:tc>
+                  <a:txBody>
+                    <a:bodyPr/>
+                    <a:lstStyle/>
+                    <a:p>
+                      <a:pPr algn="ctr" fontAlgn="ctr"/>
+                      <a:r>
+                        <a:rPr lang="en" sz="2400" u="none" strike="noStrike" dirty="0">
+                          <a:effectLst/>
+                          <a:latin typeface="+mn-ea"/>
+                          <a:ea typeface="+mn-ea"/>
+                        </a:rPr>
+                        <a:t>Intel(R) Xeon(R) CPU D-1541 @ 2.10GHz</a:t>
+                      </a:r>
+                    </a:p>
+                    <a:p>
+                      <a:pPr algn="ctr" fontAlgn="ctr"/>
+                      <a:r>
+                        <a:rPr lang="ja-JP" altLang="en-US" sz="2400" b="0" i="0" u="none" strike="noStrike">
+                          <a:solidFill>
+                            <a:srgbClr val="000000"/>
+                          </a:solidFill>
+                          <a:effectLst/>
+                          <a:latin typeface="+mn-ea"/>
+                          <a:ea typeface="+mn-ea"/>
+                        </a:rPr>
+                        <a:t>コア</a:t>
+                      </a:r>
+                      <a:r>
+                        <a:rPr lang="en-US" altLang="ja-JP" sz="2400" b="0" i="0" u="none" strike="noStrike" dirty="0">
+                          <a:solidFill>
+                            <a:srgbClr val="000000"/>
+                          </a:solidFill>
+                          <a:effectLst/>
+                          <a:latin typeface="+mn-ea"/>
+                          <a:ea typeface="+mn-ea"/>
+                        </a:rPr>
+                        <a:t> 8</a:t>
+                      </a:r>
+                      <a:r>
+                        <a:rPr lang="ja-JP" altLang="en-US" sz="2400" b="0" i="0" u="none" strike="noStrike">
+                          <a:solidFill>
+                            <a:srgbClr val="000000"/>
+                          </a:solidFill>
+                          <a:effectLst/>
+                          <a:latin typeface="+mn-ea"/>
+                          <a:ea typeface="+mn-ea"/>
+                        </a:rPr>
+                        <a:t>コ</a:t>
+                      </a:r>
+                      <a:r>
+                        <a:rPr lang="en-US" altLang="ja-JP" sz="2400" b="0" i="0" u="none" strike="noStrike" dirty="0">
+                          <a:solidFill>
+                            <a:srgbClr val="000000"/>
+                          </a:solidFill>
+                          <a:effectLst/>
+                          <a:latin typeface="+mn-ea"/>
+                          <a:ea typeface="+mn-ea"/>
+                        </a:rPr>
+                        <a:t>, </a:t>
+                      </a:r>
+                      <a:r>
+                        <a:rPr lang="ja-JP" altLang="en-US" sz="2400" b="0" i="0" u="none" strike="noStrike">
+                          <a:solidFill>
+                            <a:srgbClr val="000000"/>
+                          </a:solidFill>
+                          <a:effectLst/>
+                          <a:latin typeface="+mn-ea"/>
+                          <a:ea typeface="+mn-ea"/>
+                        </a:rPr>
+                        <a:t>スレッド</a:t>
+                      </a:r>
+                      <a:r>
+                        <a:rPr lang="en-US" altLang="ja-JP" sz="2400" b="0" i="0" u="none" strike="noStrike" dirty="0">
+                          <a:solidFill>
+                            <a:srgbClr val="000000"/>
+                          </a:solidFill>
+                          <a:effectLst/>
+                          <a:latin typeface="+mn-ea"/>
+                          <a:ea typeface="+mn-ea"/>
+                        </a:rPr>
+                        <a:t> 16</a:t>
+                      </a:r>
+                      <a:r>
+                        <a:rPr lang="ja-JP" altLang="en-US" sz="2400" b="0" i="0" u="none" strike="noStrike">
+                          <a:solidFill>
+                            <a:srgbClr val="000000"/>
+                          </a:solidFill>
+                          <a:effectLst/>
+                          <a:latin typeface="+mn-ea"/>
+                          <a:ea typeface="+mn-ea"/>
+                        </a:rPr>
+                        <a:t>コ</a:t>
+                      </a:r>
+                      <a:r>
+                        <a:rPr lang="en-US" altLang="ja-JP" sz="2400" b="0" i="0" u="none" strike="noStrike" dirty="0">
+                          <a:solidFill>
+                            <a:srgbClr val="000000"/>
+                          </a:solidFill>
+                          <a:effectLst/>
+                          <a:latin typeface="+mn-ea"/>
+                          <a:ea typeface="+mn-ea"/>
+                        </a:rPr>
+                        <a:t>, </a:t>
+                      </a:r>
+                      <a:r>
+                        <a:rPr lang="ja-JP" altLang="en-US" sz="2400" b="0" i="0" u="none" strike="noStrike">
+                          <a:solidFill>
+                            <a:srgbClr val="000000"/>
+                          </a:solidFill>
+                          <a:effectLst/>
+                          <a:latin typeface="+mn-ea"/>
+                          <a:ea typeface="+mn-ea"/>
+                        </a:rPr>
+                        <a:t>物理</a:t>
+                      </a:r>
+                      <a:r>
+                        <a:rPr lang="en-US" altLang="ja-JP" sz="2400" b="0" i="0" u="none" strike="noStrike" dirty="0">
+                          <a:solidFill>
+                            <a:srgbClr val="000000"/>
+                          </a:solidFill>
+                          <a:effectLst/>
+                          <a:latin typeface="+mn-ea"/>
+                          <a:ea typeface="+mn-ea"/>
+                        </a:rPr>
+                        <a:t>CPU 1</a:t>
+                      </a:r>
+                      <a:r>
+                        <a:rPr lang="ja-JP" altLang="en-US" sz="2400" b="0" i="0" u="none" strike="noStrike">
+                          <a:solidFill>
+                            <a:srgbClr val="000000"/>
+                          </a:solidFill>
+                          <a:effectLst/>
+                          <a:latin typeface="+mn-ea"/>
+                          <a:ea typeface="+mn-ea"/>
+                        </a:rPr>
+                        <a:t>コ</a:t>
+                      </a:r>
+                      <a:endParaRPr lang="en" sz="2400" b="0" i="0" u="none" strike="noStrike" dirty="0">
+                        <a:solidFill>
+                          <a:srgbClr val="000000"/>
+                        </a:solidFill>
+                        <a:effectLst/>
+                        <a:latin typeface="+mn-ea"/>
+                        <a:ea typeface="+mn-ea"/>
+                      </a:endParaRPr>
+                    </a:p>
+                  </a:txBody>
+                  <a:tcPr marL="6856" marR="6856" marT="6856" marB="0" anchor="ctr">
+                    <a:lnL w="12700" cap="flat" cmpd="sng" algn="ctr">
+                      <a:solidFill>
+                        <a:schemeClr val="tx1"/>
+                      </a:solidFill>
+                      <a:prstDash val="solid"/>
+                      <a:round/>
+                      <a:headEnd type="none" w="med" len="med"/>
+                      <a:tailEnd type="none" w="med" len="med"/>
+                    </a:lnL>
+                    <a:lnR w="12700" cap="flat" cmpd="sng" algn="ctr">
+                      <a:solidFill>
+                        <a:schemeClr val="tx1"/>
+                      </a:solidFill>
+                      <a:prstDash val="solid"/>
+                      <a:round/>
+                      <a:headEnd type="none" w="med" len="med"/>
+                      <a:tailEnd type="none" w="med" len="med"/>
+                    </a:lnR>
+                    <a:lnT w="12700" cap="flat" cmpd="sng" algn="ctr">
+                      <a:solidFill>
+                        <a:schemeClr val="tx1"/>
+                      </a:solidFill>
+                      <a:prstDash val="solid"/>
+                      <a:round/>
+                      <a:headEnd type="none" w="med" len="med"/>
+                      <a:tailEnd type="none" w="med" len="med"/>
+                    </a:lnT>
+                    <a:lnB w="12700" cap="flat" cmpd="sng" algn="ctr">
+                      <a:solidFill>
+                        <a:schemeClr val="tx1"/>
+                      </a:solidFill>
+                      <a:prstDash val="solid"/>
+                      <a:round/>
+                      <a:headEnd type="none" w="med" len="med"/>
+                      <a:tailEnd type="none" w="med" len="med"/>
+                    </a:lnB>
+                    <a:lnTlToBr w="12700" cmpd="sng">
+                      <a:noFill/>
+                      <a:prstDash val="solid"/>
+                    </a:lnTlToBr>
+                    <a:lnBlToTr w="12700" cmpd="sng">
+                      <a:noFill/>
+                      <a:prstDash val="solid"/>
+                    </a:lnBlToTr>
+                    <a:solidFill>
+                      <a:schemeClr val="bg1"/>
+                    </a:solidFill>
+                  </a:tcPr>
+                </a:tc>
+                <a:extLst>
+                  <a:ext uri="{0D108BD9-81ED-4DB2-BD59-A6C34878D82A}">
+                    <a16:rowId xmlns:a16="http://schemas.microsoft.com/office/drawing/2014/main" val="3505944506"/>
+                  </a:ext>
+                </a:extLst>
+              </a:tr>
+              <a:tr h="713487">
+                <a:tc>
+                  <a:txBody>
+                    <a:bodyPr/>
+                    <a:lstStyle/>
+                    <a:p>
+                      <a:pPr algn="ctr" fontAlgn="ctr"/>
+                      <a:r>
+                        <a:rPr lang="ja-JP" altLang="en-US" sz="2400" b="1" u="none" strike="noStrike">
+                          <a:effectLst/>
+                        </a:rPr>
+                        <a:t>マザーボード</a:t>
+                      </a:r>
+                      <a:endParaRPr lang="ja-JP" altLang="en-US" sz="2400" b="1" i="0" u="none" strike="noStrike">
+                        <a:solidFill>
+                          <a:srgbClr val="000000"/>
+                        </a:solidFill>
+                        <a:effectLst/>
+                        <a:latin typeface="游ゴシック" panose="020B0400000000000000" pitchFamily="34" charset="-128"/>
+                        <a:ea typeface="游ゴシック" panose="020B0400000000000000" pitchFamily="34" charset="-128"/>
+                      </a:endParaRPr>
+                    </a:p>
+                  </a:txBody>
+                  <a:tcPr marL="6856" marR="6856" marT="6856" marB="0" anchor="ctr">
+                    <a:lnL w="12700" cap="flat" cmpd="sng" algn="ctr">
+                      <a:solidFill>
+                        <a:schemeClr val="tx1"/>
+                      </a:solidFill>
+                      <a:prstDash val="solid"/>
+                      <a:round/>
+                      <a:headEnd type="none" w="med" len="med"/>
+                      <a:tailEnd type="none" w="med" len="med"/>
+                    </a:lnL>
+                    <a:lnR w="12700" cap="flat" cmpd="sng" algn="ctr">
+                      <a:solidFill>
+                        <a:schemeClr val="tx1"/>
+                      </a:solidFill>
+                      <a:prstDash val="solid"/>
+                      <a:round/>
+                      <a:headEnd type="none" w="med" len="med"/>
+                      <a:tailEnd type="none" w="med" len="med"/>
+                    </a:lnR>
+                    <a:lnT w="12700" cap="flat" cmpd="sng" algn="ctr">
+                      <a:solidFill>
+                        <a:schemeClr val="tx1"/>
+                      </a:solidFill>
+                      <a:prstDash val="solid"/>
+                      <a:round/>
+                      <a:headEnd type="none" w="med" len="med"/>
+                      <a:tailEnd type="none" w="med" len="med"/>
+                    </a:lnT>
+                    <a:lnB w="12700" cap="flat" cmpd="sng" algn="ctr">
+                      <a:solidFill>
+                        <a:schemeClr val="tx1"/>
+                      </a:solidFill>
+                      <a:prstDash val="solid"/>
+                      <a:round/>
+                      <a:headEnd type="none" w="med" len="med"/>
+                      <a:tailEnd type="none" w="med" len="med"/>
+                    </a:lnB>
+                    <a:lnTlToBr w="12700" cmpd="sng">
+                      <a:noFill/>
+                      <a:prstDash val="solid"/>
+                    </a:lnTlToBr>
+                    <a:lnBlToTr w="12700" cmpd="sng">
+                      <a:noFill/>
+                      <a:prstDash val="solid"/>
+                    </a:lnBlToTr>
+                    <a:solidFill>
+                      <a:schemeClr val="bg2">
+                        <a:lumMod val="90000"/>
+                      </a:schemeClr>
+                    </a:solidFill>
+                  </a:tcPr>
+                </a:tc>
+                <a:tc>
+                  <a:txBody>
+                    <a:bodyPr/>
+                    <a:lstStyle/>
+                    <a:p>
+                      <a:pPr algn="ctr" fontAlgn="ctr"/>
+                      <a:r>
+                        <a:rPr lang="ja-JP" altLang="en-US" sz="2400" u="none" strike="noStrike">
+                          <a:effectLst/>
+                          <a:latin typeface="+mn-ea"/>
+                          <a:ea typeface="+mn-ea"/>
+                        </a:rPr>
+                        <a:t>メーカー：</a:t>
+                      </a:r>
+                      <a:r>
+                        <a:rPr lang="en" sz="2400" u="none" strike="noStrike" dirty="0">
+                          <a:effectLst/>
+                          <a:latin typeface="+mn-ea"/>
+                          <a:ea typeface="+mn-ea"/>
+                        </a:rPr>
+                        <a:t>Supermicro</a:t>
+                      </a:r>
+                      <a:br>
+                        <a:rPr lang="en" sz="2400" u="none" strike="noStrike" dirty="0">
+                          <a:effectLst/>
+                          <a:latin typeface="+mn-ea"/>
+                          <a:ea typeface="+mn-ea"/>
+                        </a:rPr>
+                      </a:br>
+                      <a:r>
+                        <a:rPr lang="ja-JP" altLang="en-US" sz="2400" u="none" strike="noStrike">
+                          <a:effectLst/>
+                          <a:latin typeface="+mn-ea"/>
+                          <a:ea typeface="+mn-ea"/>
+                        </a:rPr>
+                        <a:t>型番：</a:t>
+                      </a:r>
+                      <a:r>
+                        <a:rPr lang="en" sz="2400" u="none" strike="noStrike" dirty="0">
+                          <a:effectLst/>
+                          <a:latin typeface="+mn-ea"/>
+                          <a:ea typeface="+mn-ea"/>
+                        </a:rPr>
+                        <a:t>X10SDV-8C-TLN4F</a:t>
+                      </a:r>
+                      <a:endParaRPr lang="en" sz="2400" b="0" i="0" u="none" strike="noStrike" dirty="0">
+                        <a:solidFill>
+                          <a:srgbClr val="000000"/>
+                        </a:solidFill>
+                        <a:effectLst/>
+                        <a:latin typeface="+mn-ea"/>
+                        <a:ea typeface="+mn-ea"/>
+                      </a:endParaRPr>
+                    </a:p>
+                  </a:txBody>
+                  <a:tcPr marL="6856" marR="6856" marT="6856" marB="0" anchor="ctr">
+                    <a:lnL w="12700" cap="flat" cmpd="sng" algn="ctr">
+                      <a:solidFill>
+                        <a:schemeClr val="tx1"/>
+                      </a:solidFill>
+                      <a:prstDash val="solid"/>
+                      <a:round/>
+                      <a:headEnd type="none" w="med" len="med"/>
+                      <a:tailEnd type="none" w="med" len="med"/>
+                    </a:lnL>
+                    <a:lnR w="12700" cap="flat" cmpd="sng" algn="ctr">
+                      <a:solidFill>
+                        <a:schemeClr val="tx1"/>
+                      </a:solidFill>
+                      <a:prstDash val="solid"/>
+                      <a:round/>
+                      <a:headEnd type="none" w="med" len="med"/>
+                      <a:tailEnd type="none" w="med" len="med"/>
+                    </a:lnR>
+                    <a:lnT w="12700" cap="flat" cmpd="sng" algn="ctr">
+                      <a:solidFill>
+                        <a:schemeClr val="tx1"/>
+                      </a:solidFill>
+                      <a:prstDash val="solid"/>
+                      <a:round/>
+                      <a:headEnd type="none" w="med" len="med"/>
+                      <a:tailEnd type="none" w="med" len="med"/>
+                    </a:lnT>
+                    <a:lnB w="12700" cap="flat" cmpd="sng" algn="ctr">
+                      <a:solidFill>
+                        <a:schemeClr val="tx1"/>
+                      </a:solidFill>
+                      <a:prstDash val="solid"/>
+                      <a:round/>
+                      <a:headEnd type="none" w="med" len="med"/>
+                      <a:tailEnd type="none" w="med" len="med"/>
+                    </a:lnB>
+                    <a:lnTlToBr w="12700" cmpd="sng">
+                      <a:noFill/>
+                      <a:prstDash val="solid"/>
+                    </a:lnTlToBr>
+                    <a:lnBlToTr w="12700" cmpd="sng">
+                      <a:noFill/>
+                      <a:prstDash val="solid"/>
+                    </a:lnBlToTr>
+                    <a:solidFill>
+                      <a:schemeClr val="bg1"/>
+                    </a:solidFill>
+                  </a:tcPr>
+                </a:tc>
+                <a:extLst>
+                  <a:ext uri="{0D108BD9-81ED-4DB2-BD59-A6C34878D82A}">
+                    <a16:rowId xmlns:a16="http://schemas.microsoft.com/office/drawing/2014/main" val="1034411028"/>
+                  </a:ext>
+                </a:extLst>
+              </a:tr>
+              <a:tr h="469142">
+                <a:tc>
+                  <a:txBody>
+                    <a:bodyPr/>
+                    <a:lstStyle/>
+                    <a:p>
+                      <a:pPr algn="ctr" fontAlgn="ctr"/>
+                      <a:r>
+                        <a:rPr lang="ja-JP" altLang="en-US" sz="2400" b="1" u="none" strike="noStrike">
+                          <a:effectLst/>
+                        </a:rPr>
+                        <a:t>メモリ</a:t>
+                      </a:r>
+                      <a:endParaRPr lang="ja-JP" altLang="en-US" sz="2400" b="1" i="0" u="none" strike="noStrike">
+                        <a:solidFill>
+                          <a:srgbClr val="000000"/>
+                        </a:solidFill>
+                        <a:effectLst/>
+                        <a:latin typeface="游ゴシック" panose="020B0400000000000000" pitchFamily="34" charset="-128"/>
+                        <a:ea typeface="游ゴシック" panose="020B0400000000000000" pitchFamily="34" charset="-128"/>
+                      </a:endParaRPr>
+                    </a:p>
+                  </a:txBody>
+                  <a:tcPr marL="6856" marR="6856" marT="6856" marB="0" anchor="ctr">
+                    <a:lnL w="12700" cap="flat" cmpd="sng" algn="ctr">
+                      <a:solidFill>
+                        <a:schemeClr val="tx1"/>
+                      </a:solidFill>
+                      <a:prstDash val="solid"/>
+                      <a:round/>
+                      <a:headEnd type="none" w="med" len="med"/>
+                      <a:tailEnd type="none" w="med" len="med"/>
+                    </a:lnL>
+                    <a:lnR w="12700" cap="flat" cmpd="sng" algn="ctr">
+                      <a:solidFill>
+                        <a:schemeClr val="tx1"/>
+                      </a:solidFill>
+                      <a:prstDash val="solid"/>
+                      <a:round/>
+                      <a:headEnd type="none" w="med" len="med"/>
+                      <a:tailEnd type="none" w="med" len="med"/>
+                    </a:lnR>
+                    <a:lnT w="12700" cap="flat" cmpd="sng" algn="ctr">
+                      <a:solidFill>
+                        <a:schemeClr val="tx1"/>
+                      </a:solidFill>
+                      <a:prstDash val="solid"/>
+                      <a:round/>
+                      <a:headEnd type="none" w="med" len="med"/>
+                      <a:tailEnd type="none" w="med" len="med"/>
+                    </a:lnT>
+                    <a:lnB w="12700" cap="flat" cmpd="sng" algn="ctr">
+                      <a:solidFill>
+                        <a:schemeClr val="tx1"/>
+                      </a:solidFill>
+                      <a:prstDash val="solid"/>
+                      <a:round/>
+                      <a:headEnd type="none" w="med" len="med"/>
+                      <a:tailEnd type="none" w="med" len="med"/>
+                    </a:lnB>
+                    <a:lnTlToBr w="12700" cmpd="sng">
+                      <a:noFill/>
+                      <a:prstDash val="solid"/>
+                    </a:lnTlToBr>
+                    <a:lnBlToTr w="12700" cmpd="sng">
+                      <a:noFill/>
+                      <a:prstDash val="solid"/>
+                    </a:lnBlToTr>
+                    <a:solidFill>
+                      <a:schemeClr val="bg2">
+                        <a:lumMod val="90000"/>
+                      </a:schemeClr>
+                    </a:solidFill>
+                  </a:tcPr>
+                </a:tc>
+                <a:tc>
+                  <a:txBody>
+                    <a:bodyPr/>
+                    <a:lstStyle/>
+                    <a:p>
+                      <a:pPr algn="ctr" fontAlgn="ctr"/>
+                      <a:r>
+                        <a:rPr lang="en" sz="2400" u="none" strike="noStrike" dirty="0">
+                          <a:effectLst/>
+                          <a:latin typeface="+mn-ea"/>
+                          <a:ea typeface="+mn-ea"/>
+                        </a:rPr>
+                        <a:t>128GB</a:t>
+                      </a:r>
+                      <a:endParaRPr lang="en" sz="2400" b="0" i="0" u="none" strike="noStrike" dirty="0">
+                        <a:solidFill>
+                          <a:srgbClr val="000000"/>
+                        </a:solidFill>
+                        <a:effectLst/>
+                        <a:latin typeface="+mn-ea"/>
+                        <a:ea typeface="+mn-ea"/>
+                      </a:endParaRPr>
+                    </a:p>
+                  </a:txBody>
+                  <a:tcPr marL="6856" marR="6856" marT="6856" marB="0" anchor="ctr">
+                    <a:lnL w="12700" cap="flat" cmpd="sng" algn="ctr">
+                      <a:solidFill>
+                        <a:schemeClr val="tx1"/>
+                      </a:solidFill>
+                      <a:prstDash val="solid"/>
+                      <a:round/>
+                      <a:headEnd type="none" w="med" len="med"/>
+                      <a:tailEnd type="none" w="med" len="med"/>
+                    </a:lnL>
+                    <a:lnR w="12700" cap="flat" cmpd="sng" algn="ctr">
+                      <a:solidFill>
+                        <a:schemeClr val="tx1"/>
+                      </a:solidFill>
+                      <a:prstDash val="solid"/>
+                      <a:round/>
+                      <a:headEnd type="none" w="med" len="med"/>
+                      <a:tailEnd type="none" w="med" len="med"/>
+                    </a:lnR>
+                    <a:lnT w="12700" cap="flat" cmpd="sng" algn="ctr">
+                      <a:solidFill>
+                        <a:schemeClr val="tx1"/>
+                      </a:solidFill>
+                      <a:prstDash val="solid"/>
+                      <a:round/>
+                      <a:headEnd type="none" w="med" len="med"/>
+                      <a:tailEnd type="none" w="med" len="med"/>
+                    </a:lnT>
+                    <a:lnB w="12700" cap="flat" cmpd="sng" algn="ctr">
+                      <a:solidFill>
+                        <a:schemeClr val="tx1"/>
+                      </a:solidFill>
+                      <a:prstDash val="solid"/>
+                      <a:round/>
+                      <a:headEnd type="none" w="med" len="med"/>
+                      <a:tailEnd type="none" w="med" len="med"/>
+                    </a:lnB>
+                    <a:lnTlToBr w="12700" cmpd="sng">
+                      <a:noFill/>
+                      <a:prstDash val="solid"/>
+                    </a:lnTlToBr>
+                    <a:lnBlToTr w="12700" cmpd="sng">
+                      <a:noFill/>
+                      <a:prstDash val="solid"/>
+                    </a:lnBlToTr>
+                    <a:solidFill>
+                      <a:schemeClr val="bg1"/>
+                    </a:solidFill>
+                  </a:tcPr>
+                </a:tc>
+                <a:extLst>
+                  <a:ext uri="{0D108BD9-81ED-4DB2-BD59-A6C34878D82A}">
+                    <a16:rowId xmlns:a16="http://schemas.microsoft.com/office/drawing/2014/main" val="3928579759"/>
+                  </a:ext>
+                </a:extLst>
+              </a:tr>
+              <a:tr h="1594179">
+                <a:tc>
+                  <a:txBody>
+                    <a:bodyPr/>
+                    <a:lstStyle/>
+                    <a:p>
+                      <a:pPr algn="ctr" fontAlgn="ctr"/>
+                      <a:r>
+                        <a:rPr lang="ja-JP" altLang="en-US" sz="2400" b="1" u="none" strike="noStrike">
+                          <a:effectLst/>
+                        </a:rPr>
+                        <a:t>ストレージ</a:t>
+                      </a:r>
+                      <a:endParaRPr lang="ja-JP" altLang="en-US" sz="2400" b="1" i="0" u="none" strike="noStrike">
+                        <a:solidFill>
+                          <a:srgbClr val="000000"/>
+                        </a:solidFill>
+                        <a:effectLst/>
+                        <a:latin typeface="游ゴシック" panose="020B0400000000000000" pitchFamily="34" charset="-128"/>
+                        <a:ea typeface="游ゴシック" panose="020B0400000000000000" pitchFamily="34" charset="-128"/>
+                      </a:endParaRPr>
+                    </a:p>
+                  </a:txBody>
+                  <a:tcPr marL="6856" marR="6856" marT="6856" marB="0" anchor="ctr">
+                    <a:lnL w="12700" cap="flat" cmpd="sng" algn="ctr">
+                      <a:solidFill>
+                        <a:schemeClr val="tx1"/>
+                      </a:solidFill>
+                      <a:prstDash val="solid"/>
+                      <a:round/>
+                      <a:headEnd type="none" w="med" len="med"/>
+                      <a:tailEnd type="none" w="med" len="med"/>
+                    </a:lnL>
+                    <a:lnR w="12700" cap="flat" cmpd="sng" algn="ctr">
+                      <a:solidFill>
+                        <a:schemeClr val="tx1"/>
+                      </a:solidFill>
+                      <a:prstDash val="solid"/>
+                      <a:round/>
+                      <a:headEnd type="none" w="med" len="med"/>
+                      <a:tailEnd type="none" w="med" len="med"/>
+                    </a:lnR>
+                    <a:lnT w="12700" cap="flat" cmpd="sng" algn="ctr">
+                      <a:solidFill>
+                        <a:schemeClr val="tx1"/>
+                      </a:solidFill>
+                      <a:prstDash val="solid"/>
+                      <a:round/>
+                      <a:headEnd type="none" w="med" len="med"/>
+                      <a:tailEnd type="none" w="med" len="med"/>
+                    </a:lnT>
+                    <a:lnB w="12700" cap="flat" cmpd="sng" algn="ctr">
+                      <a:solidFill>
+                        <a:schemeClr val="tx1"/>
+                      </a:solidFill>
+                      <a:prstDash val="solid"/>
+                      <a:round/>
+                      <a:headEnd type="none" w="med" len="med"/>
+                      <a:tailEnd type="none" w="med" len="med"/>
+                    </a:lnB>
+                    <a:lnTlToBr w="12700" cmpd="sng">
+                      <a:noFill/>
+                      <a:prstDash val="solid"/>
+                    </a:lnTlToBr>
+                    <a:lnBlToTr w="12700" cmpd="sng">
+                      <a:noFill/>
+                      <a:prstDash val="solid"/>
+                    </a:lnBlToTr>
+                    <a:solidFill>
+                      <a:schemeClr val="bg2">
+                        <a:lumMod val="90000"/>
+                      </a:schemeClr>
+                    </a:solidFill>
+                  </a:tcPr>
+                </a:tc>
+                <a:tc>
+                  <a:txBody>
+                    <a:bodyPr/>
+                    <a:lstStyle/>
+                    <a:p>
+                      <a:pPr algn="ctr" fontAlgn="ctr"/>
+                      <a:r>
+                        <a:rPr lang="ja-JP" altLang="en-US" sz="2400" u="none" strike="noStrike">
+                          <a:effectLst/>
+                          <a:latin typeface="+mn-ea"/>
+                          <a:ea typeface="+mn-ea"/>
+                        </a:rPr>
+                        <a:t>モデル：</a:t>
+                      </a:r>
+                      <a:r>
+                        <a:rPr lang="en" sz="2400" u="none" strike="noStrike" dirty="0">
+                          <a:effectLst/>
+                          <a:latin typeface="+mn-ea"/>
+                          <a:ea typeface="+mn-ea"/>
+                        </a:rPr>
+                        <a:t>ATA SAMSUNG MZ7LM240 (</a:t>
+                      </a:r>
+                      <a:r>
+                        <a:rPr lang="en" sz="2400" u="none" strike="noStrike" dirty="0" err="1">
+                          <a:effectLst/>
+                          <a:latin typeface="+mn-ea"/>
+                          <a:ea typeface="+mn-ea"/>
+                        </a:rPr>
+                        <a:t>scsi</a:t>
+                      </a:r>
+                      <a:r>
+                        <a:rPr lang="en" sz="2400" u="none" strike="noStrike" dirty="0">
+                          <a:effectLst/>
+                          <a:latin typeface="+mn-ea"/>
+                          <a:ea typeface="+mn-ea"/>
+                        </a:rPr>
+                        <a:t>)</a:t>
+                      </a:r>
+                      <a:br>
+                        <a:rPr lang="en" sz="2400" u="none" strike="noStrike" dirty="0">
+                          <a:effectLst/>
+                          <a:latin typeface="+mn-ea"/>
+                          <a:ea typeface="+mn-ea"/>
+                        </a:rPr>
+                      </a:br>
+                      <a:r>
+                        <a:rPr lang="ja-JP" altLang="en-US" sz="2400" u="none" strike="noStrike">
+                          <a:effectLst/>
+                          <a:latin typeface="+mn-ea"/>
+                          <a:ea typeface="+mn-ea"/>
+                        </a:rPr>
+                        <a:t>ハードディスク </a:t>
+                      </a:r>
+                      <a:r>
+                        <a:rPr lang="en-US" altLang="ja-JP" sz="2400" u="none" strike="noStrike" dirty="0">
+                          <a:effectLst/>
+                          <a:latin typeface="+mn-ea"/>
+                          <a:ea typeface="+mn-ea"/>
+                        </a:rPr>
+                        <a:t>/</a:t>
+                      </a:r>
+                      <a:r>
+                        <a:rPr lang="en" sz="2400" u="none" strike="noStrike" dirty="0">
+                          <a:effectLst/>
+                          <a:latin typeface="+mn-ea"/>
+                          <a:ea typeface="+mn-ea"/>
+                        </a:rPr>
+                        <a:t>dev/</a:t>
+                      </a:r>
+                      <a:r>
+                        <a:rPr lang="en" sz="2400" u="none" strike="noStrike" dirty="0" err="1">
+                          <a:effectLst/>
+                          <a:latin typeface="+mn-ea"/>
+                          <a:ea typeface="+mn-ea"/>
+                        </a:rPr>
+                        <a:t>sda</a:t>
+                      </a:r>
+                      <a:r>
+                        <a:rPr lang="en" sz="2400" u="none" strike="noStrike" dirty="0">
+                          <a:effectLst/>
+                          <a:latin typeface="+mn-ea"/>
+                          <a:ea typeface="+mn-ea"/>
+                        </a:rPr>
+                        <a:t>: 240GB</a:t>
+                      </a:r>
+                      <a:br>
+                        <a:rPr lang="en" sz="2400" u="none" strike="noStrike" dirty="0">
+                          <a:effectLst/>
+                          <a:latin typeface="+mn-ea"/>
+                          <a:ea typeface="+mn-ea"/>
+                        </a:rPr>
+                      </a:br>
+                      <a:r>
+                        <a:rPr lang="ja-JP" altLang="en-US" sz="2400" u="none" strike="noStrike">
+                          <a:effectLst/>
+                          <a:latin typeface="+mn-ea"/>
+                          <a:ea typeface="+mn-ea"/>
+                        </a:rPr>
+                        <a:t>セクタサイズ </a:t>
+                      </a:r>
+                      <a:r>
+                        <a:rPr lang="en-US" altLang="ja-JP" sz="2400" u="none" strike="noStrike" dirty="0">
+                          <a:effectLst/>
+                          <a:latin typeface="+mn-ea"/>
+                          <a:ea typeface="+mn-ea"/>
+                        </a:rPr>
+                        <a:t>(</a:t>
+                      </a:r>
+                      <a:r>
+                        <a:rPr lang="ja-JP" altLang="en-US" sz="2400" u="none" strike="noStrike">
+                          <a:effectLst/>
+                          <a:latin typeface="+mn-ea"/>
+                          <a:ea typeface="+mn-ea"/>
+                        </a:rPr>
+                        <a:t>論理</a:t>
+                      </a:r>
+                      <a:r>
+                        <a:rPr lang="en-US" altLang="ja-JP" sz="2400" u="none" strike="noStrike" dirty="0">
+                          <a:effectLst/>
+                          <a:latin typeface="+mn-ea"/>
+                          <a:ea typeface="+mn-ea"/>
+                        </a:rPr>
+                        <a:t>/</a:t>
+                      </a:r>
+                      <a:r>
+                        <a:rPr lang="ja-JP" altLang="en-US" sz="2400" u="none" strike="noStrike">
+                          <a:effectLst/>
+                          <a:latin typeface="+mn-ea"/>
+                          <a:ea typeface="+mn-ea"/>
+                        </a:rPr>
+                        <a:t>物理</a:t>
+                      </a:r>
+                      <a:r>
+                        <a:rPr lang="en-US" altLang="ja-JP" sz="2400" u="none" strike="noStrike" dirty="0">
+                          <a:effectLst/>
+                          <a:latin typeface="+mn-ea"/>
+                          <a:ea typeface="+mn-ea"/>
+                        </a:rPr>
+                        <a:t>): 512</a:t>
+                      </a:r>
+                      <a:r>
+                        <a:rPr lang="en" sz="2400" u="none" strike="noStrike" dirty="0">
+                          <a:effectLst/>
+                          <a:latin typeface="+mn-ea"/>
+                          <a:ea typeface="+mn-ea"/>
+                        </a:rPr>
+                        <a:t>B/512B</a:t>
+                      </a:r>
+                    </a:p>
+                    <a:p>
+                      <a:pPr algn="ctr" fontAlgn="ctr"/>
+                      <a:r>
+                        <a:rPr lang="en-US" altLang="ja-JP" sz="2400" b="1" i="0" u="none" strike="noStrike" dirty="0">
+                          <a:solidFill>
+                            <a:srgbClr val="000000"/>
+                          </a:solidFill>
+                          <a:effectLst/>
+                          <a:latin typeface="+mn-ea"/>
+                          <a:ea typeface="+mn-ea"/>
+                        </a:rPr>
+                        <a:t>×2</a:t>
+                      </a:r>
+                      <a:endParaRPr lang="en" sz="2400" b="1" i="0" u="none" strike="noStrike" dirty="0">
+                        <a:solidFill>
+                          <a:srgbClr val="000000"/>
+                        </a:solidFill>
+                        <a:effectLst/>
+                        <a:latin typeface="+mn-ea"/>
+                        <a:ea typeface="+mn-ea"/>
+                      </a:endParaRPr>
+                    </a:p>
+                  </a:txBody>
+                  <a:tcPr marL="6856" marR="6856" marT="6856" marB="0" anchor="ctr">
+                    <a:lnL w="12700" cap="flat" cmpd="sng" algn="ctr">
+                      <a:solidFill>
+                        <a:schemeClr val="tx1"/>
+                      </a:solidFill>
+                      <a:prstDash val="solid"/>
+                      <a:round/>
+                      <a:headEnd type="none" w="med" len="med"/>
+                      <a:tailEnd type="none" w="med" len="med"/>
+                    </a:lnL>
+                    <a:lnR w="12700" cap="flat" cmpd="sng" algn="ctr">
+                      <a:solidFill>
+                        <a:schemeClr val="tx1"/>
+                      </a:solidFill>
+                      <a:prstDash val="solid"/>
+                      <a:round/>
+                      <a:headEnd type="none" w="med" len="med"/>
+                      <a:tailEnd type="none" w="med" len="med"/>
+                    </a:lnR>
+                    <a:lnT w="12700" cap="flat" cmpd="sng" algn="ctr">
+                      <a:solidFill>
+                        <a:schemeClr val="tx1"/>
+                      </a:solidFill>
+                      <a:prstDash val="solid"/>
+                      <a:round/>
+                      <a:headEnd type="none" w="med" len="med"/>
+                      <a:tailEnd type="none" w="med" len="med"/>
+                    </a:lnT>
+                    <a:lnB w="12700" cap="flat" cmpd="sng" algn="ctr">
+                      <a:solidFill>
+                        <a:schemeClr val="tx1"/>
+                      </a:solidFill>
+                      <a:prstDash val="solid"/>
+                      <a:round/>
+                      <a:headEnd type="none" w="med" len="med"/>
+                      <a:tailEnd type="none" w="med" len="med"/>
+                    </a:lnB>
+                    <a:lnTlToBr w="12700" cmpd="sng">
+                      <a:noFill/>
+                      <a:prstDash val="solid"/>
+                    </a:lnTlToBr>
+                    <a:lnBlToTr w="12700" cmpd="sng">
+                      <a:noFill/>
+                      <a:prstDash val="solid"/>
+                    </a:lnBlToTr>
+                    <a:solidFill>
+                      <a:schemeClr val="bg1"/>
+                    </a:solidFill>
+                  </a:tcPr>
+                </a:tc>
+                <a:extLst>
+                  <a:ext uri="{0D108BD9-81ED-4DB2-BD59-A6C34878D82A}">
+                    <a16:rowId xmlns:a16="http://schemas.microsoft.com/office/drawing/2014/main" val="655924048"/>
+                  </a:ext>
+                </a:extLst>
+              </a:tr>
+              <a:tr h="1351880">
+                <a:tc>
+                  <a:txBody>
+                    <a:bodyPr/>
+                    <a:lstStyle/>
+                    <a:p>
+                      <a:pPr algn="ctr" fontAlgn="ctr"/>
+                      <a:r>
+                        <a:rPr lang="ja-JP" altLang="en-US" sz="2400" b="1" u="none" strike="noStrike">
+                          <a:effectLst/>
+                        </a:rPr>
+                        <a:t>ネットワーク</a:t>
+                      </a:r>
+                      <a:endParaRPr lang="ja-JP" altLang="en-US" sz="2400" b="1" i="0" u="none" strike="noStrike">
+                        <a:solidFill>
+                          <a:srgbClr val="000000"/>
+                        </a:solidFill>
+                        <a:effectLst/>
+                        <a:latin typeface="游ゴシック" panose="020B0400000000000000" pitchFamily="34" charset="-128"/>
+                        <a:ea typeface="游ゴシック" panose="020B0400000000000000" pitchFamily="34" charset="-128"/>
+                      </a:endParaRPr>
+                    </a:p>
+                  </a:txBody>
+                  <a:tcPr marL="6856" marR="6856" marT="6856" marB="0" anchor="ctr">
+                    <a:lnL w="12700" cap="flat" cmpd="sng" algn="ctr">
+                      <a:solidFill>
+                        <a:schemeClr val="tx1"/>
+                      </a:solidFill>
+                      <a:prstDash val="solid"/>
+                      <a:round/>
+                      <a:headEnd type="none" w="med" len="med"/>
+                      <a:tailEnd type="none" w="med" len="med"/>
+                    </a:lnL>
+                    <a:lnR w="12700" cap="flat" cmpd="sng" algn="ctr">
+                      <a:solidFill>
+                        <a:schemeClr val="tx1"/>
+                      </a:solidFill>
+                      <a:prstDash val="solid"/>
+                      <a:round/>
+                      <a:headEnd type="none" w="med" len="med"/>
+                      <a:tailEnd type="none" w="med" len="med"/>
+                    </a:lnR>
+                    <a:lnT w="12700" cap="flat" cmpd="sng" algn="ctr">
+                      <a:solidFill>
+                        <a:schemeClr val="tx1"/>
+                      </a:solidFill>
+                      <a:prstDash val="solid"/>
+                      <a:round/>
+                      <a:headEnd type="none" w="med" len="med"/>
+                      <a:tailEnd type="none" w="med" len="med"/>
+                    </a:lnT>
+                    <a:lnB w="12700" cap="flat" cmpd="sng" algn="ctr">
+                      <a:solidFill>
+                        <a:schemeClr val="tx1"/>
+                      </a:solidFill>
+                      <a:prstDash val="solid"/>
+                      <a:round/>
+                      <a:headEnd type="none" w="med" len="med"/>
+                      <a:tailEnd type="none" w="med" len="med"/>
+                    </a:lnB>
+                    <a:lnTlToBr w="12700" cmpd="sng">
+                      <a:noFill/>
+                      <a:prstDash val="solid"/>
+                    </a:lnTlToBr>
+                    <a:lnBlToTr w="12700" cmpd="sng">
+                      <a:noFill/>
+                      <a:prstDash val="solid"/>
+                    </a:lnBlToTr>
+                    <a:solidFill>
+                      <a:schemeClr val="bg2">
+                        <a:lumMod val="90000"/>
+                      </a:schemeClr>
+                    </a:solidFill>
+                  </a:tcPr>
+                </a:tc>
+                <a:tc>
+                  <a:txBody>
+                    <a:bodyPr/>
+                    <a:lstStyle/>
+                    <a:p>
+                      <a:pPr algn="ctr" fontAlgn="ctr"/>
+                      <a:r>
+                        <a:rPr lang="en" sz="2400" u="none" strike="noStrike" dirty="0">
+                          <a:effectLst/>
+                          <a:latin typeface="+mn-ea"/>
+                          <a:ea typeface="+mn-ea"/>
+                        </a:rPr>
+                        <a:t>Dual LAN </a:t>
+                      </a:r>
+                      <a:br>
+                        <a:rPr lang="en" sz="2400" u="none" strike="noStrike" dirty="0">
+                          <a:effectLst/>
+                          <a:latin typeface="+mn-ea"/>
+                          <a:ea typeface="+mn-ea"/>
+                        </a:rPr>
+                      </a:br>
+                      <a:r>
+                        <a:rPr lang="ja-JP" altLang="en-US" sz="2400" u="none" strike="noStrike">
+                          <a:effectLst/>
+                          <a:latin typeface="+mn-ea"/>
+                          <a:ea typeface="+mn-ea"/>
+                        </a:rPr>
+                        <a:t>メーカー：</a:t>
+                      </a:r>
+                      <a:r>
+                        <a:rPr lang="en" sz="2400" u="none" strike="noStrike" dirty="0">
+                          <a:effectLst/>
+                          <a:latin typeface="+mn-ea"/>
+                          <a:ea typeface="+mn-ea"/>
+                        </a:rPr>
+                        <a:t>Intel Corporation</a:t>
+                      </a:r>
+                      <a:br>
+                        <a:rPr lang="en" sz="2400" u="none" strike="noStrike" dirty="0">
+                          <a:effectLst/>
+                          <a:latin typeface="+mn-ea"/>
+                          <a:ea typeface="+mn-ea"/>
+                        </a:rPr>
+                      </a:br>
+                      <a:r>
+                        <a:rPr lang="ja-JP" altLang="en-US" sz="2400" u="none" strike="noStrike">
+                          <a:effectLst/>
+                          <a:latin typeface="+mn-ea"/>
+                          <a:ea typeface="+mn-ea"/>
+                        </a:rPr>
+                        <a:t>型番：</a:t>
+                      </a:r>
+                      <a:r>
+                        <a:rPr lang="en" sz="2400" u="none" strike="noStrike" dirty="0">
+                          <a:effectLst/>
+                          <a:latin typeface="+mn-ea"/>
+                          <a:ea typeface="+mn-ea"/>
+                        </a:rPr>
+                        <a:t>X552/X557-AT</a:t>
+                      </a:r>
+                      <a:br>
+                        <a:rPr lang="en" sz="2400" u="none" strike="noStrike" dirty="0">
+                          <a:effectLst/>
+                          <a:latin typeface="+mn-ea"/>
+                          <a:ea typeface="+mn-ea"/>
+                        </a:rPr>
+                      </a:br>
+                      <a:r>
+                        <a:rPr lang="ja-JP" altLang="en-US" sz="2400" u="none" strike="noStrike">
+                          <a:effectLst/>
+                          <a:latin typeface="+mn-ea"/>
+                          <a:ea typeface="+mn-ea"/>
+                        </a:rPr>
+                        <a:t>規格：</a:t>
+                      </a:r>
+                      <a:r>
+                        <a:rPr lang="en-US" altLang="ja-JP" sz="2400" u="none" strike="noStrike" dirty="0">
+                          <a:effectLst/>
+                          <a:latin typeface="+mn-ea"/>
+                          <a:ea typeface="+mn-ea"/>
+                        </a:rPr>
+                        <a:t>10</a:t>
+                      </a:r>
+                      <a:r>
+                        <a:rPr lang="en" sz="2400" u="none" strike="noStrike" dirty="0">
+                          <a:effectLst/>
+                          <a:latin typeface="+mn-ea"/>
+                          <a:ea typeface="+mn-ea"/>
+                        </a:rPr>
+                        <a:t>GBASE-T</a:t>
+                      </a:r>
+                    </a:p>
+                    <a:p>
+                      <a:pPr algn="ctr" fontAlgn="ctr"/>
+                      <a:r>
+                        <a:rPr lang="ja-JP" altLang="en-US" sz="2400" b="0" i="0" u="none" strike="noStrike">
+                          <a:solidFill>
+                            <a:srgbClr val="000000"/>
+                          </a:solidFill>
+                          <a:effectLst/>
+                          <a:latin typeface="+mn-ea"/>
+                          <a:ea typeface="+mn-ea"/>
+                        </a:rPr>
+                        <a:t>メーカー</a:t>
+                      </a:r>
+                      <a:r>
+                        <a:rPr lang="en" sz="2400" b="0" i="0" u="none" strike="noStrike" dirty="0">
+                          <a:solidFill>
+                            <a:srgbClr val="000000"/>
+                          </a:solidFill>
+                          <a:effectLst/>
+                          <a:latin typeface="+mn-ea"/>
+                          <a:ea typeface="+mn-ea"/>
+                        </a:rPr>
+                        <a:t> Intel Corporation </a:t>
+                      </a:r>
+                    </a:p>
+                    <a:p>
+                      <a:pPr algn="ctr" fontAlgn="ctr"/>
+                      <a:r>
+                        <a:rPr lang="ja-JP" altLang="en-US" sz="2400" b="0" i="0" u="none" strike="noStrike">
+                          <a:solidFill>
+                            <a:srgbClr val="000000"/>
+                          </a:solidFill>
+                          <a:effectLst/>
+                          <a:latin typeface="+mn-ea"/>
+                          <a:ea typeface="+mn-ea"/>
+                        </a:rPr>
+                        <a:t>型番：</a:t>
+                      </a:r>
+                      <a:r>
+                        <a:rPr lang="en" sz="2400" b="0" i="0" u="none" strike="noStrike" dirty="0">
+                          <a:solidFill>
+                            <a:srgbClr val="000000"/>
+                          </a:solidFill>
+                          <a:effectLst/>
+                          <a:latin typeface="+mn-ea"/>
+                          <a:ea typeface="+mn-ea"/>
+                        </a:rPr>
+                        <a:t>I350 Gigabit Network Connection</a:t>
+                      </a:r>
+                    </a:p>
+                    <a:p>
+                      <a:pPr algn="ctr" fontAlgn="ctr"/>
+                      <a:endParaRPr lang="en" sz="2400" b="0" i="0" u="none" strike="noStrike" dirty="0">
+                        <a:solidFill>
+                          <a:srgbClr val="000000"/>
+                        </a:solidFill>
+                        <a:effectLst/>
+                        <a:latin typeface="+mn-ea"/>
+                        <a:ea typeface="+mn-ea"/>
+                      </a:endParaRPr>
+                    </a:p>
+                  </a:txBody>
+                  <a:tcPr marL="6856" marR="6856" marT="6856" marB="0" anchor="ctr">
+                    <a:lnL w="12700" cap="flat" cmpd="sng" algn="ctr">
+                      <a:solidFill>
+                        <a:schemeClr val="tx1"/>
+                      </a:solidFill>
+                      <a:prstDash val="solid"/>
+                      <a:round/>
+                      <a:headEnd type="none" w="med" len="med"/>
+                      <a:tailEnd type="none" w="med" len="med"/>
+                    </a:lnL>
+                    <a:lnR w="12700" cap="flat" cmpd="sng" algn="ctr">
+                      <a:solidFill>
+                        <a:schemeClr val="tx1"/>
+                      </a:solidFill>
+                      <a:prstDash val="solid"/>
+                      <a:round/>
+                      <a:headEnd type="none" w="med" len="med"/>
+                      <a:tailEnd type="none" w="med" len="med"/>
+                    </a:lnR>
+                    <a:lnT w="12700" cap="flat" cmpd="sng" algn="ctr">
+                      <a:solidFill>
+                        <a:schemeClr val="tx1"/>
+                      </a:solidFill>
+                      <a:prstDash val="solid"/>
+                      <a:round/>
+                      <a:headEnd type="none" w="med" len="med"/>
+                      <a:tailEnd type="none" w="med" len="med"/>
+                    </a:lnT>
+                    <a:lnB w="12700" cap="flat" cmpd="sng" algn="ctr">
+                      <a:solidFill>
+                        <a:schemeClr val="tx1"/>
+                      </a:solidFill>
+                      <a:prstDash val="solid"/>
+                      <a:round/>
+                      <a:headEnd type="none" w="med" len="med"/>
+                      <a:tailEnd type="none" w="med" len="med"/>
+                    </a:lnB>
+                    <a:lnTlToBr w="12700" cmpd="sng">
+                      <a:noFill/>
+                      <a:prstDash val="solid"/>
+                    </a:lnTlToBr>
+                    <a:lnBlToTr w="12700" cmpd="sng">
+                      <a:noFill/>
+                      <a:prstDash val="solid"/>
+                    </a:lnBlToTr>
+                    <a:solidFill>
+                      <a:schemeClr val="bg1"/>
+                    </a:solidFill>
+                  </a:tcPr>
+                </a:tc>
+                <a:extLst>
+                  <a:ext uri="{0D108BD9-81ED-4DB2-BD59-A6C34878D82A}">
+                    <a16:rowId xmlns:a16="http://schemas.microsoft.com/office/drawing/2014/main" val="3275695540"/>
+                  </a:ext>
+                </a:extLst>
+              </a:tr>
+            </a:tbl>
+          </a:graphicData>
+        </a:graphic>
+      </p:graphicFrame>
+    </p:spTree>
+    <p:extLst>
+      <p:ext uri="{BB962C8B-B14F-4D97-AF65-F5344CB8AC3E}">
+        <p14:creationId xmlns:p14="http://schemas.microsoft.com/office/powerpoint/2010/main" val="571271211"/>
+      </p:ext>
+    </p:extLst>
+  </p:cSld>
+  <p:clrMapOvr>
+    <a:masterClrMapping/>
+  </p:clrMapOvr>
+</p:sld>
+</file>
+
 <file path=ppt/slides/slide2.xml><?xml version="1.0" encoding="utf-8"?>
 <p:sld xmlns:a="http://schemas.openxmlformats.org/drawingml/2006/main" xmlns:r="http://schemas.openxmlformats.org/officeDocument/2006/relationships" xmlns:p="http://schemas.openxmlformats.org/presentationml/2006/main">
   <p:cSld>
@@ -18719,7 +22486,7 @@
           <p:nvPr>
             <p:extLst>
               <p:ext uri="{D42A27DB-BD31-4B8C-83A1-F6EECF244321}">
-                <p14:modId xmlns:p14="http://schemas.microsoft.com/office/powerpoint/2010/main" val="453251118"/>
+                <p14:modId xmlns:p14="http://schemas.microsoft.com/office/powerpoint/2010/main" val="3828735812"/>
               </p:ext>
             </p:extLst>
           </p:nvPr>
@@ -18735,21 +22502,21 @@
                 <a:tableStyleId>{5C22544A-7EE6-4342-B048-85BDC9FD1C3A}</a:tableStyleId>
               </a:tblPr>
               <a:tblGrid>
-                <a:gridCol w="4432851">
+                <a:gridCol w="4502426">
                   <a:extLst>
                     <a:ext uri="{9D8B030D-6E8A-4147-A177-3AD203B41FA5}">
                       <a16:colId xmlns:a16="http://schemas.microsoft.com/office/drawing/2014/main" val="3472614445"/>
                     </a:ext>
                   </a:extLst>
                 </a:gridCol>
-                <a:gridCol w="4065104">
+                <a:gridCol w="4114800">
                   <a:extLst>
                     <a:ext uri="{9D8B030D-6E8A-4147-A177-3AD203B41FA5}">
                       <a16:colId xmlns:a16="http://schemas.microsoft.com/office/drawing/2014/main" val="3320353041"/>
                     </a:ext>
                   </a:extLst>
                 </a:gridCol>
-                <a:gridCol w="3694042">
+                <a:gridCol w="3574771">
                   <a:extLst>
                     <a:ext uri="{9D8B030D-6E8A-4147-A177-3AD203B41FA5}">
                       <a16:colId xmlns:a16="http://schemas.microsoft.com/office/drawing/2014/main" val="2165481223"/>
@@ -18962,7 +22729,7 @@
                             <a:sysClr val="windowText" lastClr="000000"/>
                           </a:solidFill>
                         </a:rPr>
-                        <a:t>SSH</a:t>
+                        <a:t>①</a:t>
                       </a:r>
                       <a:r>
                         <a:rPr kumimoji="1" lang="ja-JP" altLang="en-US" sz="2400" b="1">
@@ -18970,7 +22737,39 @@
                             <a:sysClr val="windowText" lastClr="000000"/>
                           </a:solidFill>
                         </a:rPr>
-                        <a:t>の段数の削減</a:t>
+                        <a:t>踏み台数</a:t>
+                      </a:r>
+                      <a:r>
+                        <a:rPr kumimoji="1" lang="en-US" altLang="ja-JP" sz="2400" b="1" dirty="0">
+                          <a:solidFill>
+                            <a:sysClr val="windowText" lastClr="000000"/>
+                          </a:solidFill>
+                        </a:rPr>
+                        <a:t>(</a:t>
+                      </a:r>
+                      <a:r>
+                        <a:rPr kumimoji="1" lang="ja-JP" altLang="en-US" sz="2400" b="1">
+                          <a:solidFill>
+                            <a:sysClr val="windowText" lastClr="000000"/>
+                          </a:solidFill>
+                        </a:rPr>
+                        <a:t>段数</a:t>
+                      </a:r>
+                      <a:r>
+                        <a:rPr kumimoji="1" lang="en-US" altLang="ja-JP" sz="2400" b="1" dirty="0">
+                          <a:solidFill>
+                            <a:sysClr val="windowText" lastClr="000000"/>
+                          </a:solidFill>
+                        </a:rPr>
+                        <a:t>)</a:t>
+                      </a:r>
+                      <a:r>
+                        <a:rPr kumimoji="1" lang="ja-JP" altLang="en-US" sz="2400" b="1">
+                          <a:solidFill>
+                            <a:sysClr val="windowText" lastClr="000000"/>
+                          </a:solidFill>
+                        </a:rPr>
+                        <a:t>の削減</a:t>
                       </a:r>
                     </a:p>
                   </a:txBody>
@@ -19200,6 +22999,14 @@
                     <a:p>
                       <a:pPr algn="ctr"/>
                       <a:r>
+                        <a:rPr kumimoji="1" lang="en-US" altLang="ja-JP" sz="2400" b="1" dirty="0">
+                          <a:solidFill>
+                            <a:sysClr val="windowText" lastClr="000000"/>
+                          </a:solidFill>
+                        </a:rPr>
+                        <a:t>②</a:t>
+                      </a:r>
+                      <a:r>
                         <a:rPr kumimoji="1" lang="ja-JP" altLang="en-US" sz="2400" b="1">
                           <a:solidFill>
                             <a:sysClr val="windowText" lastClr="000000"/>
@@ -19400,6 +23207,14 @@
                     <a:p>
                       <a:pPr algn="ctr"/>
                       <a:r>
+                        <a:rPr kumimoji="1" lang="en-US" altLang="ja-JP" sz="2400" b="1" dirty="0">
+                          <a:solidFill>
+                            <a:sysClr val="windowText" lastClr="000000"/>
+                          </a:solidFill>
+                        </a:rPr>
+                        <a:t>③</a:t>
+                      </a:r>
+                      <a:r>
                         <a:rPr kumimoji="1" lang="ja-JP" altLang="en-US" sz="2400" b="1">
                           <a:solidFill>
                             <a:sysClr val="windowText" lastClr="000000"/>
@@ -19644,6 +23459,14 @@
                     <a:p>
                       <a:pPr algn="ctr"/>
                       <a:r>
+                        <a:rPr kumimoji="1" lang="en-US" altLang="ja-JP" sz="2400" b="1" dirty="0">
+                          <a:solidFill>
+                            <a:sysClr val="windowText" lastClr="000000"/>
+                          </a:solidFill>
+                        </a:rPr>
+                        <a:t>④</a:t>
+                      </a:r>
+                      <a:r>
                         <a:rPr kumimoji="1" lang="ja-JP" altLang="en-US" sz="2400" b="1">
                           <a:solidFill>
                             <a:sysClr val="windowText" lastClr="000000"/>
@@ -19929,6 +23752,14 @@
                     <a:p>
                       <a:pPr algn="ctr"/>
                       <a:r>
+                        <a:rPr kumimoji="1" lang="en-US" altLang="ja-JP" sz="2400" b="1" dirty="0">
+                          <a:solidFill>
+                            <a:sysClr val="windowText" lastClr="000000"/>
+                          </a:solidFill>
+                        </a:rPr>
+                        <a:t>⑤</a:t>
+                      </a:r>
+                      <a:r>
                         <a:rPr kumimoji="1" lang="ja-JP" altLang="en-US" sz="2400" b="1">
                           <a:solidFill>
                             <a:sysClr val="windowText" lastClr="000000"/>
@@ -20129,18 +23960,13 @@
                     <a:p>
                       <a:pPr algn="ctr"/>
                       <a:r>
-                        <a:rPr kumimoji="1" lang="en-US" altLang="ja-JP" sz="2400" b="1" dirty="0" err="1">
+                        <a:rPr kumimoji="1" lang="en-US" altLang="ja-JP" sz="2400" b="1" dirty="0">
                           <a:solidFill>
                             <a:sysClr val="windowText" lastClr="000000"/>
                           </a:solidFill>
                         </a:rPr>
-                        <a:t>WebUI</a:t>
-                      </a:r>
-                      <a:endParaRPr kumimoji="1" lang="en-US" altLang="ja-JP" sz="2400" b="1" dirty="0">
-                        <a:solidFill>
-                          <a:sysClr val="windowText" lastClr="000000"/>
-                        </a:solidFill>
-                      </a:endParaRPr>
+                        <a:t>⑥GUI</a:t>
+                      </a:r>
                     </a:p>
                   </a:txBody>
                   <a:tcPr anchor="ctr">
@@ -20349,6 +24175,14 @@
                     <a:p>
                       <a:pPr algn="ctr"/>
                       <a:r>
+                        <a:rPr kumimoji="1" lang="en-US" altLang="ja-JP" sz="2400" b="1" dirty="0">
+                          <a:solidFill>
+                            <a:sysClr val="windowText" lastClr="000000"/>
+                          </a:solidFill>
+                        </a:rPr>
+                        <a:t>⑦</a:t>
+                      </a:r>
+                      <a:r>
                         <a:rPr kumimoji="1" lang="ja-JP" altLang="en-US" sz="2400" b="1">
                           <a:solidFill>
                             <a:sysClr val="windowText" lastClr="000000"/>
@@ -20589,7 +24423,7 @@
                             <a:sysClr val="windowText" lastClr="000000"/>
                           </a:solidFill>
                         </a:rPr>
-                        <a:t>E2E</a:t>
+                        <a:t>⑧E2E</a:t>
                       </a:r>
                       <a:r>
                         <a:rPr kumimoji="1" lang="ja-JP" altLang="en-US" sz="2400" b="1">
@@ -20836,7 +24670,7 @@
     </p:spTree>
     <p:extLst>
       <p:ext uri="{BB962C8B-B14F-4D97-AF65-F5344CB8AC3E}">
-        <p14:creationId xmlns:p14="http://schemas.microsoft.com/office/powerpoint/2010/main" val="2661023852"/>
+        <p14:creationId xmlns:p14="http://schemas.microsoft.com/office/powerpoint/2010/main" val="3665745472"/>
       </p:ext>
     </p:extLst>
   </p:cSld>
@@ -20868,7 +24702,7 @@
           <p:cNvPr id="2" name="表 1">
             <a:extLst>
               <a:ext uri="{FF2B5EF4-FFF2-40B4-BE49-F238E27FC236}">
-                <a16:creationId xmlns:a16="http://schemas.microsoft.com/office/drawing/2014/main" id="{74FAAF81-9621-5D43-ADDA-0996D763AE81}"/>
+                <a16:creationId xmlns:a16="http://schemas.microsoft.com/office/drawing/2014/main" id="{63C1D9EE-5F83-B74E-9132-28B124623BD9}"/>
               </a:ext>
             </a:extLst>
           </p:cNvPr>
@@ -20876,65 +24710,567 @@
             <a:graphicFrameLocks noGrp="1"/>
           </p:cNvGraphicFramePr>
           <p:nvPr>
-            <p:extLst/>
+            <p:extLst>
+              <p:ext uri="{D42A27DB-BD31-4B8C-83A1-F6EECF244321}">
+                <p14:modId xmlns:p14="http://schemas.microsoft.com/office/powerpoint/2010/main" val="2740286310"/>
+              </p:ext>
+            </p:extLst>
           </p:nvPr>
         </p:nvGraphicFramePr>
         <p:xfrm>
-          <a:off x="129209" y="79304"/>
-          <a:ext cx="11728173" cy="7397802"/>
+          <a:off x="0" y="0"/>
+          <a:ext cx="12192000" cy="6551300"/>
         </p:xfrm>
         <a:graphic>
           <a:graphicData uri="http://schemas.openxmlformats.org/drawingml/2006/table">
             <a:tbl>
-              <a:tblPr>
+              <a:tblPr firstRow="1" bandRow="1">
                 <a:tableStyleId>{5C22544A-7EE6-4342-B048-85BDC9FD1C3A}</a:tableStyleId>
               </a:tblPr>
               <a:tblGrid>
-                <a:gridCol w="3468756">
+                <a:gridCol w="3886200">
                   <a:extLst>
                     <a:ext uri="{9D8B030D-6E8A-4147-A177-3AD203B41FA5}">
-                      <a16:colId xmlns:a16="http://schemas.microsoft.com/office/drawing/2014/main" val="2636257918"/>
+                      <a16:colId xmlns:a16="http://schemas.microsoft.com/office/drawing/2014/main" val="4264070484"/>
                     </a:ext>
                   </a:extLst>
                 </a:gridCol>
-                <a:gridCol w="8259417">
+                <a:gridCol w="1431235">
                   <a:extLst>
                     <a:ext uri="{9D8B030D-6E8A-4147-A177-3AD203B41FA5}">
-                      <a16:colId xmlns:a16="http://schemas.microsoft.com/office/drawing/2014/main" val="3758699880"/>
+                      <a16:colId xmlns:a16="http://schemas.microsoft.com/office/drawing/2014/main" val="1769536174"/>
+                    </a:ext>
+                  </a:extLst>
+                </a:gridCol>
+                <a:gridCol w="1580322">
+                  <a:extLst>
+                    <a:ext uri="{9D8B030D-6E8A-4147-A177-3AD203B41FA5}">
+                      <a16:colId xmlns:a16="http://schemas.microsoft.com/office/drawing/2014/main" val="4286669717"/>
+                    </a:ext>
+                  </a:extLst>
+                </a:gridCol>
+                <a:gridCol w="1461052">
+                  <a:extLst>
+                    <a:ext uri="{9D8B030D-6E8A-4147-A177-3AD203B41FA5}">
+                      <a16:colId xmlns:a16="http://schemas.microsoft.com/office/drawing/2014/main" val="3819233902"/>
+                    </a:ext>
+                  </a:extLst>
+                </a:gridCol>
+                <a:gridCol w="2276061">
+                  <a:extLst>
+                    <a:ext uri="{9D8B030D-6E8A-4147-A177-3AD203B41FA5}">
+                      <a16:colId xmlns:a16="http://schemas.microsoft.com/office/drawing/2014/main" val="3100925507"/>
+                    </a:ext>
+                  </a:extLst>
+                </a:gridCol>
+                <a:gridCol w="1557130">
+                  <a:extLst>
+                    <a:ext uri="{9D8B030D-6E8A-4147-A177-3AD203B41FA5}">
+                      <a16:colId xmlns:a16="http://schemas.microsoft.com/office/drawing/2014/main" val="3347281455"/>
                     </a:ext>
                   </a:extLst>
                 </a:gridCol>
               </a:tblGrid>
-              <a:tr h="537765">
-                <a:tc>
-                  <a:txBody>
-                    <a:bodyPr/>
-                    <a:lstStyle/>
-                    <a:p>
-                      <a:pPr algn="ctr" fontAlgn="ctr"/>
-                      <a:r>
-                        <a:rPr lang="en" sz="2400" b="1" u="none" strike="noStrike" dirty="0">
-                          <a:effectLst/>
-                        </a:rPr>
-                        <a:t>Server</a:t>
-                      </a:r>
-                      <a:r>
-                        <a:rPr lang="ja-JP" altLang="en-US" sz="2400" b="1" u="none" strike="noStrike">
-                          <a:effectLst/>
-                        </a:rPr>
-                        <a:t>のメーカー</a:t>
-                      </a:r>
-                      <a:endParaRPr lang="ja-JP" altLang="en-US" sz="2400" b="1" i="0" u="none" strike="noStrike">
+              <a:tr h="797530">
+                <a:tc>
+                  <a:txBody>
+                    <a:bodyPr/>
+                    <a:lstStyle/>
+                    <a:p>
+                      <a:pPr algn="ctr"/>
+                      <a:endParaRPr kumimoji="1" lang="ja-JP" altLang="en-US">
                         <a:solidFill>
-                          <a:srgbClr val="000000"/>
+                          <a:schemeClr val="tx1"/>
                         </a:solidFill>
-                        <a:effectLst/>
-                        <a:latin typeface="游ゴシック" panose="020B0400000000000000" pitchFamily="34" charset="-128"/>
-                        <a:ea typeface="游ゴシック" panose="020B0400000000000000" pitchFamily="34" charset="-128"/>
                       </a:endParaRPr>
                     </a:p>
                   </a:txBody>
-                  <a:tcPr marL="6856" marR="6856" marT="6856" marB="0" anchor="ctr">
+                  <a:tcPr anchor="ctr">
+                    <a:lnL w="12700" cap="flat" cmpd="sng" algn="ctr">
+                      <a:solidFill>
+                        <a:schemeClr val="tx1"/>
+                      </a:solidFill>
+                      <a:prstDash val="solid"/>
+                      <a:round/>
+                      <a:headEnd type="none" w="med" len="med"/>
+                      <a:tailEnd type="none" w="med" len="med"/>
+                    </a:lnL>
+                    <a:lnR w="12700" cap="flat" cmpd="sng" algn="ctr">
+                      <a:solidFill>
+                        <a:schemeClr val="tx1"/>
+                      </a:solidFill>
+                      <a:prstDash val="solid"/>
+                      <a:round/>
+                      <a:headEnd type="none" w="med" len="med"/>
+                      <a:tailEnd type="none" w="med" len="med"/>
+                    </a:lnR>
+                    <a:lnT w="12700" cap="flat" cmpd="sng" algn="ctr">
+                      <a:solidFill>
+                        <a:schemeClr val="tx1"/>
+                      </a:solidFill>
+                      <a:prstDash val="solid"/>
+                      <a:round/>
+                      <a:headEnd type="none" w="med" len="med"/>
+                      <a:tailEnd type="none" w="med" len="med"/>
+                    </a:lnT>
+                    <a:lnB w="12700" cap="flat" cmpd="sng" algn="ctr">
+                      <a:solidFill>
+                        <a:schemeClr val="tx1"/>
+                      </a:solidFill>
+                      <a:prstDash val="solid"/>
+                      <a:round/>
+                      <a:headEnd type="none" w="med" len="med"/>
+                      <a:tailEnd type="none" w="med" len="med"/>
+                    </a:lnB>
+                    <a:lnTlToBr w="12700" cap="flat" cmpd="sng" algn="ctr">
+                      <a:solidFill>
+                        <a:schemeClr val="tx1"/>
+                      </a:solidFill>
+                      <a:prstDash val="solid"/>
+                      <a:round/>
+                      <a:headEnd type="none" w="med" len="med"/>
+                      <a:tailEnd type="none" w="med" len="med"/>
+                    </a:lnTlToBr>
+                    <a:lnBlToTr w="12700" cmpd="sng">
+                      <a:noFill/>
+                      <a:prstDash val="solid"/>
+                    </a:lnBlToTr>
+                    <a:solidFill>
+                      <a:schemeClr val="bg2">
+                        <a:lumMod val="75000"/>
+                      </a:schemeClr>
+                    </a:solidFill>
+                  </a:tcPr>
+                </a:tc>
+                <a:tc>
+                  <a:txBody>
+                    <a:bodyPr/>
+                    <a:lstStyle/>
+                    <a:p>
+                      <a:pPr algn="ctr"/>
+                      <a:r>
+                        <a:rPr kumimoji="1" lang="en-US" altLang="ja-JP" sz="2400" dirty="0" err="1">
+                          <a:solidFill>
+                            <a:schemeClr val="tx1"/>
+                          </a:solidFill>
+                        </a:rPr>
+                        <a:t>sshuttle</a:t>
+                      </a:r>
+                      <a:endParaRPr kumimoji="1" lang="ja-JP" altLang="en-US" sz="2400">
+                        <a:solidFill>
+                          <a:schemeClr val="tx1"/>
+                        </a:solidFill>
+                      </a:endParaRPr>
+                    </a:p>
+                  </a:txBody>
+                  <a:tcPr anchor="ctr">
+                    <a:lnL w="12700" cap="flat" cmpd="sng" algn="ctr">
+                      <a:solidFill>
+                        <a:schemeClr val="tx1"/>
+                      </a:solidFill>
+                      <a:prstDash val="solid"/>
+                      <a:round/>
+                      <a:headEnd type="none" w="med" len="med"/>
+                      <a:tailEnd type="none" w="med" len="med"/>
+                    </a:lnL>
+                    <a:lnR w="12700" cap="flat" cmpd="sng" algn="ctr">
+                      <a:solidFill>
+                        <a:schemeClr val="tx1"/>
+                      </a:solidFill>
+                      <a:prstDash val="solid"/>
+                      <a:round/>
+                      <a:headEnd type="none" w="med" len="med"/>
+                      <a:tailEnd type="none" w="med" len="med"/>
+                    </a:lnR>
+                    <a:lnT w="12700" cap="flat" cmpd="sng" algn="ctr">
+                      <a:solidFill>
+                        <a:schemeClr val="tx1"/>
+                      </a:solidFill>
+                      <a:prstDash val="solid"/>
+                      <a:round/>
+                      <a:headEnd type="none" w="med" len="med"/>
+                      <a:tailEnd type="none" w="med" len="med"/>
+                    </a:lnT>
+                    <a:lnB w="12700" cap="flat" cmpd="sng" algn="ctr">
+                      <a:solidFill>
+                        <a:schemeClr val="tx1"/>
+                      </a:solidFill>
+                      <a:prstDash val="solid"/>
+                      <a:round/>
+                      <a:headEnd type="none" w="med" len="med"/>
+                      <a:tailEnd type="none" w="med" len="med"/>
+                    </a:lnB>
+                    <a:lnTlToBr w="12700" cmpd="sng">
+                      <a:noFill/>
+                      <a:prstDash val="solid"/>
+                    </a:lnTlToBr>
+                    <a:lnBlToTr w="12700" cmpd="sng">
+                      <a:noFill/>
+                      <a:prstDash val="solid"/>
+                    </a:lnBlToTr>
+                    <a:solidFill>
+                      <a:schemeClr val="bg2">
+                        <a:lumMod val="75000"/>
+                      </a:schemeClr>
+                    </a:solidFill>
+                  </a:tcPr>
+                </a:tc>
+                <a:tc>
+                  <a:txBody>
+                    <a:bodyPr/>
+                    <a:lstStyle/>
+                    <a:p>
+                      <a:pPr algn="ctr"/>
+                      <a:r>
+                        <a:rPr kumimoji="1" lang="en-US" altLang="ja-JP" sz="2400" dirty="0" err="1">
+                          <a:solidFill>
+                            <a:schemeClr val="tx1"/>
+                          </a:solidFill>
+                        </a:rPr>
+                        <a:t>sshportal</a:t>
+                      </a:r>
+                      <a:endParaRPr kumimoji="1" lang="ja-JP" altLang="en-US" sz="2400">
+                        <a:solidFill>
+                          <a:schemeClr val="tx1"/>
+                        </a:solidFill>
+                      </a:endParaRPr>
+                    </a:p>
+                  </a:txBody>
+                  <a:tcPr anchor="ctr">
+                    <a:lnL w="12700" cap="flat" cmpd="sng" algn="ctr">
+                      <a:solidFill>
+                        <a:schemeClr val="tx1"/>
+                      </a:solidFill>
+                      <a:prstDash val="solid"/>
+                      <a:round/>
+                      <a:headEnd type="none" w="med" len="med"/>
+                      <a:tailEnd type="none" w="med" len="med"/>
+                    </a:lnL>
+                    <a:lnR w="12700" cap="flat" cmpd="sng" algn="ctr">
+                      <a:solidFill>
+                        <a:schemeClr val="tx1"/>
+                      </a:solidFill>
+                      <a:prstDash val="solid"/>
+                      <a:round/>
+                      <a:headEnd type="none" w="med" len="med"/>
+                      <a:tailEnd type="none" w="med" len="med"/>
+                    </a:lnR>
+                    <a:lnT w="12700" cap="flat" cmpd="sng" algn="ctr">
+                      <a:solidFill>
+                        <a:schemeClr val="tx1"/>
+                      </a:solidFill>
+                      <a:prstDash val="solid"/>
+                      <a:round/>
+                      <a:headEnd type="none" w="med" len="med"/>
+                      <a:tailEnd type="none" w="med" len="med"/>
+                    </a:lnT>
+                    <a:lnB w="12700" cap="flat" cmpd="sng" algn="ctr">
+                      <a:solidFill>
+                        <a:schemeClr val="tx1"/>
+                      </a:solidFill>
+                      <a:prstDash val="solid"/>
+                      <a:round/>
+                      <a:headEnd type="none" w="med" len="med"/>
+                      <a:tailEnd type="none" w="med" len="med"/>
+                    </a:lnB>
+                    <a:lnTlToBr w="12700" cmpd="sng">
+                      <a:noFill/>
+                      <a:prstDash val="solid"/>
+                    </a:lnTlToBr>
+                    <a:lnBlToTr w="12700" cmpd="sng">
+                      <a:noFill/>
+                      <a:prstDash val="solid"/>
+                    </a:lnBlToTr>
+                    <a:solidFill>
+                      <a:schemeClr val="bg2">
+                        <a:lumMod val="75000"/>
+                      </a:schemeClr>
+                    </a:solidFill>
+                  </a:tcPr>
+                </a:tc>
+                <a:tc>
+                  <a:txBody>
+                    <a:bodyPr/>
+                    <a:lstStyle/>
+                    <a:p>
+                      <a:pPr algn="ctr"/>
+                      <a:r>
+                        <a:rPr kumimoji="1" lang="en-US" altLang="ja-JP" sz="2400" dirty="0">
+                          <a:solidFill>
+                            <a:schemeClr val="tx1"/>
+                          </a:solidFill>
+                        </a:rPr>
+                        <a:t>Teleport</a:t>
+                      </a:r>
+                      <a:endParaRPr kumimoji="1" lang="ja-JP" altLang="en-US" sz="2400">
+                        <a:solidFill>
+                          <a:schemeClr val="tx1"/>
+                        </a:solidFill>
+                      </a:endParaRPr>
+                    </a:p>
+                  </a:txBody>
+                  <a:tcPr anchor="ctr">
+                    <a:lnL w="12700" cap="flat" cmpd="sng" algn="ctr">
+                      <a:solidFill>
+                        <a:schemeClr val="tx1"/>
+                      </a:solidFill>
+                      <a:prstDash val="solid"/>
+                      <a:round/>
+                      <a:headEnd type="none" w="med" len="med"/>
+                      <a:tailEnd type="none" w="med" len="med"/>
+                    </a:lnL>
+                    <a:lnR w="12700" cap="flat" cmpd="sng" algn="ctr">
+                      <a:solidFill>
+                        <a:schemeClr val="tx1"/>
+                      </a:solidFill>
+                      <a:prstDash val="solid"/>
+                      <a:round/>
+                      <a:headEnd type="none" w="med" len="med"/>
+                      <a:tailEnd type="none" w="med" len="med"/>
+                    </a:lnR>
+                    <a:lnT w="12700" cap="flat" cmpd="sng" algn="ctr">
+                      <a:solidFill>
+                        <a:schemeClr val="tx1"/>
+                      </a:solidFill>
+                      <a:prstDash val="solid"/>
+                      <a:round/>
+                      <a:headEnd type="none" w="med" len="med"/>
+                      <a:tailEnd type="none" w="med" len="med"/>
+                    </a:lnT>
+                    <a:lnB w="12700" cap="flat" cmpd="sng" algn="ctr">
+                      <a:solidFill>
+                        <a:schemeClr val="tx1"/>
+                      </a:solidFill>
+                      <a:prstDash val="solid"/>
+                      <a:round/>
+                      <a:headEnd type="none" w="med" len="med"/>
+                      <a:tailEnd type="none" w="med" len="med"/>
+                    </a:lnB>
+                    <a:lnTlToBr w="12700" cmpd="sng">
+                      <a:noFill/>
+                      <a:prstDash val="solid"/>
+                    </a:lnTlToBr>
+                    <a:lnBlToTr w="12700" cmpd="sng">
+                      <a:noFill/>
+                      <a:prstDash val="solid"/>
+                    </a:lnBlToTr>
+                    <a:solidFill>
+                      <a:schemeClr val="bg2">
+                        <a:lumMod val="75000"/>
+                      </a:schemeClr>
+                    </a:solidFill>
+                  </a:tcPr>
+                </a:tc>
+                <a:tc>
+                  <a:txBody>
+                    <a:bodyPr/>
+                    <a:lstStyle/>
+                    <a:p>
+                      <a:pPr algn="ctr"/>
+                      <a:r>
+                        <a:rPr kumimoji="1" lang="en-US" altLang="ja-JP" sz="2400" dirty="0" err="1">
+                          <a:solidFill>
+                            <a:schemeClr val="tx1"/>
+                          </a:solidFill>
+                        </a:rPr>
+                        <a:t>SoftEtherVPN</a:t>
+                      </a:r>
+                      <a:endParaRPr kumimoji="1" lang="ja-JP" altLang="en-US" sz="2400">
+                        <a:solidFill>
+                          <a:schemeClr val="tx1"/>
+                        </a:solidFill>
+                      </a:endParaRPr>
+                    </a:p>
+                  </a:txBody>
+                  <a:tcPr anchor="ctr">
+                    <a:lnL w="12700" cap="flat" cmpd="sng" algn="ctr">
+                      <a:solidFill>
+                        <a:schemeClr val="tx1"/>
+                      </a:solidFill>
+                      <a:prstDash val="solid"/>
+                      <a:round/>
+                      <a:headEnd type="none" w="med" len="med"/>
+                      <a:tailEnd type="none" w="med" len="med"/>
+                    </a:lnL>
+                    <a:lnR w="12700" cap="flat" cmpd="sng" algn="ctr">
+                      <a:solidFill>
+                        <a:schemeClr val="tx1"/>
+                      </a:solidFill>
+                      <a:prstDash val="solid"/>
+                      <a:round/>
+                      <a:headEnd type="none" w="med" len="med"/>
+                      <a:tailEnd type="none" w="med" len="med"/>
+                    </a:lnR>
+                    <a:lnT w="12700" cap="flat" cmpd="sng" algn="ctr">
+                      <a:solidFill>
+                        <a:schemeClr val="tx1"/>
+                      </a:solidFill>
+                      <a:prstDash val="solid"/>
+                      <a:round/>
+                      <a:headEnd type="none" w="med" len="med"/>
+                      <a:tailEnd type="none" w="med" len="med"/>
+                    </a:lnT>
+                    <a:lnB w="12700" cap="flat" cmpd="sng" algn="ctr">
+                      <a:solidFill>
+                        <a:schemeClr val="tx1"/>
+                      </a:solidFill>
+                      <a:prstDash val="solid"/>
+                      <a:round/>
+                      <a:headEnd type="none" w="med" len="med"/>
+                      <a:tailEnd type="none" w="med" len="med"/>
+                    </a:lnB>
+                    <a:lnTlToBr w="12700" cmpd="sng">
+                      <a:noFill/>
+                      <a:prstDash val="solid"/>
+                    </a:lnTlToBr>
+                    <a:lnBlToTr w="12700" cmpd="sng">
+                      <a:noFill/>
+                      <a:prstDash val="solid"/>
+                    </a:lnBlToTr>
+                    <a:solidFill>
+                      <a:schemeClr val="bg2">
+                        <a:lumMod val="75000"/>
+                      </a:schemeClr>
+                    </a:solidFill>
+                  </a:tcPr>
+                </a:tc>
+                <a:tc>
+                  <a:txBody>
+                    <a:bodyPr/>
+                    <a:lstStyle/>
+                    <a:p>
+                      <a:pPr algn="ctr"/>
+                      <a:r>
+                        <a:rPr kumimoji="1" lang="en-US" altLang="ja-JP" sz="2400" dirty="0">
+                          <a:solidFill>
+                            <a:schemeClr val="tx1"/>
+                          </a:solidFill>
+                        </a:rPr>
+                        <a:t>Active Directory</a:t>
+                      </a:r>
+                      <a:endParaRPr kumimoji="1" lang="ja-JP" altLang="en-US" sz="2400">
+                        <a:solidFill>
+                          <a:schemeClr val="tx1"/>
+                        </a:solidFill>
+                      </a:endParaRPr>
+                    </a:p>
+                  </a:txBody>
+                  <a:tcPr anchor="ctr">
+                    <a:lnL w="12700" cap="flat" cmpd="sng" algn="ctr">
+                      <a:solidFill>
+                        <a:schemeClr val="tx1"/>
+                      </a:solidFill>
+                      <a:prstDash val="solid"/>
+                      <a:round/>
+                      <a:headEnd type="none" w="med" len="med"/>
+                      <a:tailEnd type="none" w="med" len="med"/>
+                    </a:lnL>
+                    <a:lnR w="12700" cap="flat" cmpd="sng" algn="ctr">
+                      <a:solidFill>
+                        <a:schemeClr val="tx1"/>
+                      </a:solidFill>
+                      <a:prstDash val="solid"/>
+                      <a:round/>
+                      <a:headEnd type="none" w="med" len="med"/>
+                      <a:tailEnd type="none" w="med" len="med"/>
+                    </a:lnR>
+                    <a:lnT w="12700" cap="flat" cmpd="sng" algn="ctr">
+                      <a:solidFill>
+                        <a:schemeClr val="tx1"/>
+                      </a:solidFill>
+                      <a:prstDash val="solid"/>
+                      <a:round/>
+                      <a:headEnd type="none" w="med" len="med"/>
+                      <a:tailEnd type="none" w="med" len="med"/>
+                    </a:lnT>
+                    <a:lnB w="12700" cap="flat" cmpd="sng" algn="ctr">
+                      <a:solidFill>
+                        <a:schemeClr val="tx1"/>
+                      </a:solidFill>
+                      <a:prstDash val="solid"/>
+                      <a:round/>
+                      <a:headEnd type="none" w="med" len="med"/>
+                      <a:tailEnd type="none" w="med" len="med"/>
+                    </a:lnB>
+                    <a:lnTlToBr w="12700" cmpd="sng">
+                      <a:noFill/>
+                      <a:prstDash val="solid"/>
+                    </a:lnTlToBr>
+                    <a:lnBlToTr w="12700" cmpd="sng">
+                      <a:noFill/>
+                      <a:prstDash val="solid"/>
+                    </a:lnBlToTr>
+                    <a:solidFill>
+                      <a:schemeClr val="bg2">
+                        <a:lumMod val="75000"/>
+                      </a:schemeClr>
+                    </a:solidFill>
+                  </a:tcPr>
+                </a:tc>
+                <a:extLst>
+                  <a:ext uri="{0D108BD9-81ED-4DB2-BD59-A6C34878D82A}">
+                    <a16:rowId xmlns:a16="http://schemas.microsoft.com/office/drawing/2014/main" val="3144999213"/>
+                  </a:ext>
+                </a:extLst>
+              </a:tr>
+              <a:tr h="500680">
+                <a:tc>
+                  <a:txBody>
+                    <a:bodyPr/>
+                    <a:lstStyle/>
+                    <a:p>
+                      <a:pPr algn="ctr"/>
+                      <a:r>
+                        <a:rPr kumimoji="1" lang="en-US" altLang="ja-JP" sz="2400" b="1" dirty="0">
+                          <a:solidFill>
+                            <a:schemeClr val="tx1"/>
+                          </a:solidFill>
+                        </a:rPr>
+                        <a:t>①</a:t>
+                      </a:r>
+                      <a:r>
+                        <a:rPr kumimoji="1" lang="ja-JP" altLang="en-US" sz="2400" b="1">
+                          <a:solidFill>
+                            <a:schemeClr val="tx1"/>
+                          </a:solidFill>
+                        </a:rPr>
+                        <a:t>踏み台数</a:t>
+                      </a:r>
+                      <a:r>
+                        <a:rPr kumimoji="1" lang="en-US" altLang="ja-JP" sz="2400" b="1" dirty="0">
+                          <a:solidFill>
+                            <a:schemeClr val="tx1"/>
+                          </a:solidFill>
+                        </a:rPr>
+                        <a:t>(</a:t>
+                      </a:r>
+                      <a:r>
+                        <a:rPr kumimoji="1" lang="ja-JP" altLang="en-US" sz="2400" b="1">
+                          <a:solidFill>
+                            <a:schemeClr val="tx1"/>
+                          </a:solidFill>
+                        </a:rPr>
+                        <a:t>段数</a:t>
+                      </a:r>
+                      <a:r>
+                        <a:rPr kumimoji="1" lang="en-US" altLang="ja-JP" sz="2400" b="1">
+                          <a:solidFill>
+                            <a:schemeClr val="tx1"/>
+                          </a:solidFill>
+                        </a:rPr>
+                        <a:t>)</a:t>
+                      </a:r>
+                      <a:r>
+                        <a:rPr kumimoji="1" lang="ja-JP" altLang="en-US" sz="2400" b="1">
+                          <a:solidFill>
+                            <a:schemeClr val="tx1"/>
+                          </a:solidFill>
+                        </a:rPr>
+                        <a:t>の削減</a:t>
+                      </a:r>
+                    </a:p>
+                  </a:txBody>
+                  <a:tcPr anchor="ctr">
                     <a:lnL w="12700" cap="flat" cmpd="sng" algn="ctr">
                       <a:solidFill>
                         <a:schemeClr val="tx1"/>
@@ -20991,26 +25327,39 @@
                     <a:bodyPr/>
                     <a:lstStyle/>
                     <a:p>
-                      <a:pPr algn="ctr" fontAlgn="ctr"/>
-                      <a:r>
-                        <a:rPr lang="en" sz="2400" u="none" strike="noStrike" dirty="0">
-                          <a:effectLst/>
-                          <a:latin typeface="+mn-ea"/>
-                          <a:ea typeface="+mn-ea"/>
-                        </a:rPr>
-                        <a:t>Supermicro</a:t>
-                      </a:r>
-                      <a:endParaRPr lang="en" sz="2400" b="0" i="0" u="none" strike="noStrike" dirty="0">
+                      <a:pPr algn="ctr"/>
+                      <a:r>
+                        <a:rPr kumimoji="1" lang="ja-JP" altLang="en-US" sz="2400">
+                          <a:solidFill>
+                            <a:schemeClr val="tx1"/>
+                          </a:solidFill>
+                        </a:rPr>
+                        <a:t>✔️</a:t>
+                      </a:r>
+                      <a:r>
+                        <a:rPr kumimoji="1" lang="en-US" altLang="ja-JP" sz="2400" dirty="0">
+                          <a:solidFill>
+                            <a:schemeClr val="tx1"/>
+                          </a:solidFill>
+                        </a:rPr>
+                        <a:t> </a:t>
+                      </a:r>
+                      <a:r>
+                        <a:rPr kumimoji="1" lang="en-US" altLang="ja-JP" sz="2000" dirty="0">
+                          <a:solidFill>
+                            <a:schemeClr val="tx1"/>
+                          </a:solidFill>
+                        </a:rPr>
+                        <a:t>VPN</a:t>
+                      </a:r>
+                      <a:endParaRPr kumimoji="1" lang="ja-JP" altLang="en-US" sz="2000">
                         <a:solidFill>
-                          <a:srgbClr val="000000"/>
+                          <a:schemeClr val="tx1"/>
                         </a:solidFill>
-                        <a:effectLst/>
-                        <a:latin typeface="+mn-ea"/>
-                        <a:ea typeface="+mn-ea"/>
                       </a:endParaRPr>
                     </a:p>
                   </a:txBody>
-                  <a:tcPr marL="6856" marR="6856" marT="6856" marB="0" anchor="ctr">
+                  <a:tcPr anchor="ctr">
                     <a:lnL w="12700" cap="flat" cmpd="sng" algn="ctr">
                       <a:solidFill>
                         <a:schemeClr val="tx1"/>
@@ -21056,46 +25405,348 @@
                       <a:prstDash val="solid"/>
                     </a:lnBlToTr>
                     <a:solidFill>
-                      <a:schemeClr val="bg1"/>
+                      <a:schemeClr val="bg2"/>
+                    </a:solidFill>
+                  </a:tcPr>
+                </a:tc>
+                <a:tc>
+                  <a:txBody>
+                    <a:bodyPr/>
+                    <a:lstStyle/>
+                    <a:p>
+                      <a:pPr algn="ctr"/>
+                      <a:r>
+                        <a:rPr kumimoji="1" lang="ja-JP" altLang="en-US" sz="2400">
+                          <a:solidFill>
+                            <a:schemeClr val="tx1"/>
+                          </a:solidFill>
+                        </a:rPr>
+                        <a:t>ー</a:t>
+                      </a:r>
+                    </a:p>
+                  </a:txBody>
+                  <a:tcPr anchor="ctr">
+                    <a:lnL w="12700" cap="flat" cmpd="sng" algn="ctr">
+                      <a:solidFill>
+                        <a:schemeClr val="tx1"/>
+                      </a:solidFill>
+                      <a:prstDash val="solid"/>
+                      <a:round/>
+                      <a:headEnd type="none" w="med" len="med"/>
+                      <a:tailEnd type="none" w="med" len="med"/>
+                    </a:lnL>
+                    <a:lnR w="12700" cap="flat" cmpd="sng" algn="ctr">
+                      <a:solidFill>
+                        <a:schemeClr val="tx1"/>
+                      </a:solidFill>
+                      <a:prstDash val="solid"/>
+                      <a:round/>
+                      <a:headEnd type="none" w="med" len="med"/>
+                      <a:tailEnd type="none" w="med" len="med"/>
+                    </a:lnR>
+                    <a:lnT w="12700" cap="flat" cmpd="sng" algn="ctr">
+                      <a:solidFill>
+                        <a:schemeClr val="tx1"/>
+                      </a:solidFill>
+                      <a:prstDash val="solid"/>
+                      <a:round/>
+                      <a:headEnd type="none" w="med" len="med"/>
+                      <a:tailEnd type="none" w="med" len="med"/>
+                    </a:lnT>
+                    <a:lnB w="12700" cap="flat" cmpd="sng" algn="ctr">
+                      <a:solidFill>
+                        <a:schemeClr val="tx1"/>
+                      </a:solidFill>
+                      <a:prstDash val="solid"/>
+                      <a:round/>
+                      <a:headEnd type="none" w="med" len="med"/>
+                      <a:tailEnd type="none" w="med" len="med"/>
+                    </a:lnB>
+                    <a:lnTlToBr w="12700" cmpd="sng">
+                      <a:noFill/>
+                      <a:prstDash val="solid"/>
+                    </a:lnTlToBr>
+                    <a:lnBlToTr w="12700" cmpd="sng">
+                      <a:noFill/>
+                      <a:prstDash val="solid"/>
+                    </a:lnBlToTr>
+                    <a:solidFill>
+                      <a:schemeClr val="bg2"/>
+                    </a:solidFill>
+                  </a:tcPr>
+                </a:tc>
+                <a:tc>
+                  <a:txBody>
+                    <a:bodyPr/>
+                    <a:lstStyle/>
+                    <a:p>
+                      <a:pPr algn="ctr"/>
+                      <a:r>
+                        <a:rPr kumimoji="1" lang="ja-JP" altLang="en-US" sz="2400">
+                          <a:solidFill>
+                            <a:schemeClr val="tx1"/>
+                          </a:solidFill>
+                        </a:rPr>
+                        <a:t>ー</a:t>
+                      </a:r>
+                    </a:p>
+                  </a:txBody>
+                  <a:tcPr anchor="ctr">
+                    <a:lnL w="12700" cap="flat" cmpd="sng" algn="ctr">
+                      <a:solidFill>
+                        <a:schemeClr val="tx1"/>
+                      </a:solidFill>
+                      <a:prstDash val="solid"/>
+                      <a:round/>
+                      <a:headEnd type="none" w="med" len="med"/>
+                      <a:tailEnd type="none" w="med" len="med"/>
+                    </a:lnL>
+                    <a:lnR w="12700" cap="flat" cmpd="sng" algn="ctr">
+                      <a:solidFill>
+                        <a:schemeClr val="tx1"/>
+                      </a:solidFill>
+                      <a:prstDash val="solid"/>
+                      <a:round/>
+                      <a:headEnd type="none" w="med" len="med"/>
+                      <a:tailEnd type="none" w="med" len="med"/>
+                    </a:lnR>
+                    <a:lnT w="12700" cap="flat" cmpd="sng" algn="ctr">
+                      <a:solidFill>
+                        <a:schemeClr val="tx1"/>
+                      </a:solidFill>
+                      <a:prstDash val="solid"/>
+                      <a:round/>
+                      <a:headEnd type="none" w="med" len="med"/>
+                      <a:tailEnd type="none" w="med" len="med"/>
+                    </a:lnT>
+                    <a:lnB w="12700" cap="flat" cmpd="sng" algn="ctr">
+                      <a:solidFill>
+                        <a:schemeClr val="tx1"/>
+                      </a:solidFill>
+                      <a:prstDash val="solid"/>
+                      <a:round/>
+                      <a:headEnd type="none" w="med" len="med"/>
+                      <a:tailEnd type="none" w="med" len="med"/>
+                    </a:lnB>
+                    <a:lnTlToBr w="12700" cmpd="sng">
+                      <a:noFill/>
+                      <a:prstDash val="solid"/>
+                    </a:lnTlToBr>
+                    <a:lnBlToTr w="12700" cmpd="sng">
+                      <a:noFill/>
+                      <a:prstDash val="solid"/>
+                    </a:lnBlToTr>
+                    <a:solidFill>
+                      <a:schemeClr val="bg2"/>
+                    </a:solidFill>
+                  </a:tcPr>
+                </a:tc>
+                <a:tc>
+                  <a:txBody>
+                    <a:bodyPr/>
+                    <a:lstStyle/>
+                    <a:p>
+                      <a:pPr marL="0" marR="0" lvl="0" indent="0" algn="ctr" defTabSz="914400" rtl="0" eaLnBrk="1" fontAlgn="auto" latinLnBrk="0" hangingPunct="1">
+                        <a:lnSpc>
+                          <a:spcPct val="100000"/>
+                        </a:lnSpc>
+                        <a:spcBef>
+                          <a:spcPts val="0"/>
+                        </a:spcBef>
+                        <a:spcAft>
+                          <a:spcPts val="0"/>
+                        </a:spcAft>
+                        <a:buClrTx/>
+                        <a:buSzTx/>
+                        <a:buFontTx/>
+                        <a:buNone/>
+                        <a:tabLst/>
+                        <a:defRPr/>
+                      </a:pPr>
+                      <a:r>
+                        <a:rPr kumimoji="1" lang="ja-JP" altLang="en-US" sz="2400">
+                          <a:solidFill>
+                            <a:schemeClr val="tx1"/>
+                          </a:solidFill>
+                        </a:rPr>
+                        <a:t>✔️</a:t>
+                      </a:r>
+                      <a:r>
+                        <a:rPr kumimoji="1" lang="en-US" altLang="ja-JP" sz="2400" dirty="0">
+                          <a:solidFill>
+                            <a:schemeClr val="tx1"/>
+                          </a:solidFill>
+                        </a:rPr>
+                        <a:t> </a:t>
+                      </a:r>
+                      <a:r>
+                        <a:rPr kumimoji="1" lang="en-US" altLang="ja-JP" sz="2000" dirty="0">
+                          <a:solidFill>
+                            <a:schemeClr val="tx1"/>
+                          </a:solidFill>
+                        </a:rPr>
+                        <a:t>VPN</a:t>
+                      </a:r>
+                      <a:endParaRPr kumimoji="1" lang="ja-JP" altLang="en-US" sz="2000">
+                        <a:solidFill>
+                          <a:schemeClr val="tx1"/>
+                        </a:solidFill>
+                      </a:endParaRPr>
+                    </a:p>
+                  </a:txBody>
+                  <a:tcPr anchor="ctr">
+                    <a:lnL w="12700" cap="flat" cmpd="sng" algn="ctr">
+                      <a:solidFill>
+                        <a:schemeClr val="tx1"/>
+                      </a:solidFill>
+                      <a:prstDash val="solid"/>
+                      <a:round/>
+                      <a:headEnd type="none" w="med" len="med"/>
+                      <a:tailEnd type="none" w="med" len="med"/>
+                    </a:lnL>
+                    <a:lnR w="12700" cap="flat" cmpd="sng" algn="ctr">
+                      <a:solidFill>
+                        <a:schemeClr val="tx1"/>
+                      </a:solidFill>
+                      <a:prstDash val="solid"/>
+                      <a:round/>
+                      <a:headEnd type="none" w="med" len="med"/>
+                      <a:tailEnd type="none" w="med" len="med"/>
+                    </a:lnR>
+                    <a:lnT w="12700" cap="flat" cmpd="sng" algn="ctr">
+                      <a:solidFill>
+                        <a:schemeClr val="tx1"/>
+                      </a:solidFill>
+                      <a:prstDash val="solid"/>
+                      <a:round/>
+                      <a:headEnd type="none" w="med" len="med"/>
+                      <a:tailEnd type="none" w="med" len="med"/>
+                    </a:lnT>
+                    <a:lnB w="12700" cap="flat" cmpd="sng" algn="ctr">
+                      <a:solidFill>
+                        <a:schemeClr val="tx1"/>
+                      </a:solidFill>
+                      <a:prstDash val="solid"/>
+                      <a:round/>
+                      <a:headEnd type="none" w="med" len="med"/>
+                      <a:tailEnd type="none" w="med" len="med"/>
+                    </a:lnB>
+                    <a:lnTlToBr w="12700" cmpd="sng">
+                      <a:noFill/>
+                      <a:prstDash val="solid"/>
+                    </a:lnTlToBr>
+                    <a:lnBlToTr w="12700" cmpd="sng">
+                      <a:noFill/>
+                      <a:prstDash val="solid"/>
+                    </a:lnBlToTr>
+                    <a:solidFill>
+                      <a:schemeClr val="bg2"/>
+                    </a:solidFill>
+                  </a:tcPr>
+                </a:tc>
+                <a:tc>
+                  <a:txBody>
+                    <a:bodyPr/>
+                    <a:lstStyle/>
+                    <a:p>
+                      <a:pPr algn="ctr"/>
+                      <a:r>
+                        <a:rPr kumimoji="1" lang="ja-JP" altLang="en-US" sz="2400">
+                          <a:solidFill>
+                            <a:schemeClr val="tx1"/>
+                          </a:solidFill>
+                        </a:rPr>
+                        <a:t>ー</a:t>
+                      </a:r>
+                    </a:p>
+                  </a:txBody>
+                  <a:tcPr anchor="ctr">
+                    <a:lnL w="12700" cap="flat" cmpd="sng" algn="ctr">
+                      <a:solidFill>
+                        <a:schemeClr val="tx1"/>
+                      </a:solidFill>
+                      <a:prstDash val="solid"/>
+                      <a:round/>
+                      <a:headEnd type="none" w="med" len="med"/>
+                      <a:tailEnd type="none" w="med" len="med"/>
+                    </a:lnL>
+                    <a:lnR w="12700" cap="flat" cmpd="sng" algn="ctr">
+                      <a:solidFill>
+                        <a:schemeClr val="tx1"/>
+                      </a:solidFill>
+                      <a:prstDash val="solid"/>
+                      <a:round/>
+                      <a:headEnd type="none" w="med" len="med"/>
+                      <a:tailEnd type="none" w="med" len="med"/>
+                    </a:lnR>
+                    <a:lnT w="12700" cap="flat" cmpd="sng" algn="ctr">
+                      <a:solidFill>
+                        <a:schemeClr val="tx1"/>
+                      </a:solidFill>
+                      <a:prstDash val="solid"/>
+                      <a:round/>
+                      <a:headEnd type="none" w="med" len="med"/>
+                      <a:tailEnd type="none" w="med" len="med"/>
+                    </a:lnT>
+                    <a:lnB w="12700" cap="flat" cmpd="sng" algn="ctr">
+                      <a:solidFill>
+                        <a:schemeClr val="tx1"/>
+                      </a:solidFill>
+                      <a:prstDash val="solid"/>
+                      <a:round/>
+                      <a:headEnd type="none" w="med" len="med"/>
+                      <a:tailEnd type="none" w="med" len="med"/>
+                    </a:lnB>
+                    <a:lnTlToBr w="12700" cmpd="sng">
+                      <a:noFill/>
+                      <a:prstDash val="solid"/>
+                    </a:lnTlToBr>
+                    <a:lnBlToTr w="12700" cmpd="sng">
+                      <a:noFill/>
+                      <a:prstDash val="solid"/>
+                    </a:lnBlToTr>
+                    <a:solidFill>
+                      <a:schemeClr val="bg2"/>
                     </a:solidFill>
                   </a:tcPr>
                 </a:tc>
                 <a:extLst>
                   <a:ext uri="{0D108BD9-81ED-4DB2-BD59-A6C34878D82A}">
-                    <a16:rowId xmlns:a16="http://schemas.microsoft.com/office/drawing/2014/main" val="268770898"/>
+                    <a16:rowId xmlns:a16="http://schemas.microsoft.com/office/drawing/2014/main" val="2957113399"/>
                   </a:ext>
                 </a:extLst>
               </a:tr>
-              <a:tr h="752788">
-                <a:tc>
-                  <a:txBody>
-                    <a:bodyPr/>
-                    <a:lstStyle/>
-                    <a:p>
-                      <a:pPr algn="ctr" fontAlgn="ctr"/>
-                      <a:r>
-                        <a:rPr lang="en" sz="2400" b="1" u="none" strike="noStrike" dirty="0">
-                          <a:effectLst/>
-                        </a:rPr>
-                        <a:t>Server</a:t>
-                      </a:r>
-                      <a:r>
-                        <a:rPr lang="ja-JP" altLang="en-US" sz="2400" b="1" u="none" strike="noStrike">
-                          <a:effectLst/>
-                        </a:rPr>
-                        <a:t>のモデル</a:t>
-                      </a:r>
-                      <a:endParaRPr lang="ja-JP" altLang="en-US" sz="2400" b="1" i="0" u="none" strike="noStrike">
+              <a:tr h="604551">
+                <a:tc>
+                  <a:txBody>
+                    <a:bodyPr/>
+                    <a:lstStyle/>
+                    <a:p>
+                      <a:pPr algn="ctr"/>
+                      <a:r>
+                        <a:rPr kumimoji="1" lang="en-US" altLang="ja-JP" sz="2400" b="1" dirty="0">
+                          <a:solidFill>
+                            <a:schemeClr val="tx1"/>
+                          </a:solidFill>
+                        </a:rPr>
+                        <a:t>②</a:t>
+                      </a:r>
+                      <a:r>
+                        <a:rPr kumimoji="1" lang="ja-JP" altLang="en-US" sz="2400" b="1">
+                          <a:solidFill>
+                            <a:schemeClr val="tx1"/>
+                          </a:solidFill>
+                        </a:rPr>
+                        <a:t>トンネルの管理の容易化</a:t>
+                      </a:r>
+                      <a:endParaRPr kumimoji="1" lang="en-US" altLang="ja-JP" sz="2400" b="1" dirty="0">
                         <a:solidFill>
-                          <a:srgbClr val="000000"/>
+                          <a:schemeClr val="tx1"/>
                         </a:solidFill>
-                        <a:effectLst/>
-                        <a:latin typeface="游ゴシック" panose="020B0400000000000000" pitchFamily="34" charset="-128"/>
-                        <a:ea typeface="游ゴシック" panose="020B0400000000000000" pitchFamily="34" charset="-128"/>
                       </a:endParaRPr>
                     </a:p>
                   </a:txBody>
-                  <a:tcPr marL="6856" marR="6856" marT="6856" marB="0" anchor="ctr">
+                  <a:tcPr anchor="ctr">
                     <a:lnL w="12700" cap="flat" cmpd="sng" algn="ctr">
                       <a:solidFill>
                         <a:schemeClr val="tx1"/>
@@ -21152,26 +25803,18 @@
                     <a:bodyPr/>
                     <a:lstStyle/>
                     <a:p>
-                      <a:pPr algn="ctr" fontAlgn="ctr"/>
-                      <a:r>
-                        <a:rPr lang="en" sz="2400" u="none" strike="noStrike" dirty="0">
-                          <a:effectLst/>
-                          <a:latin typeface="+mn-ea"/>
-                          <a:ea typeface="+mn-ea"/>
-                        </a:rPr>
-                        <a:t>SYS-5018D-FN4T</a:t>
-                      </a:r>
-                      <a:endParaRPr lang="en" sz="2400" b="0" i="0" u="none" strike="noStrike" dirty="0">
-                        <a:solidFill>
-                          <a:srgbClr val="000000"/>
-                        </a:solidFill>
-                        <a:effectLst/>
-                        <a:latin typeface="+mn-ea"/>
-                        <a:ea typeface="+mn-ea"/>
-                      </a:endParaRPr>
-                    </a:p>
-                  </a:txBody>
-                  <a:tcPr marL="6856" marR="6856" marT="6856" marB="0" anchor="ctr">
+                      <a:pPr algn="ctr"/>
+                      <a:r>
+                        <a:rPr kumimoji="1" lang="ja-JP" altLang="en-US" sz="2400">
+                          <a:solidFill>
+                            <a:schemeClr val="tx1"/>
+                          </a:solidFill>
+                        </a:rPr>
+                        <a:t>ー</a:t>
+                      </a:r>
+                    </a:p>
+                  </a:txBody>
+                  <a:tcPr anchor="ctr">
                     <a:lnL w="12700" cap="flat" cmpd="sng" algn="ctr">
                       <a:solidFill>
                         <a:schemeClr val="tx1"/>
@@ -21217,40 +25860,306 @@
                       <a:prstDash val="solid"/>
                     </a:lnBlToTr>
                     <a:solidFill>
-                      <a:schemeClr val="bg1"/>
+                      <a:schemeClr val="bg2"/>
+                    </a:solidFill>
+                  </a:tcPr>
+                </a:tc>
+                <a:tc>
+                  <a:txBody>
+                    <a:bodyPr/>
+                    <a:lstStyle/>
+                    <a:p>
+                      <a:pPr algn="ctr"/>
+                      <a:r>
+                        <a:rPr kumimoji="1" lang="ja-JP" altLang="en-US" sz="2400">
+                          <a:solidFill>
+                            <a:schemeClr val="tx1"/>
+                          </a:solidFill>
+                        </a:rPr>
+                        <a:t>ー</a:t>
+                      </a:r>
+                    </a:p>
+                  </a:txBody>
+                  <a:tcPr anchor="ctr">
+                    <a:lnL w="12700" cap="flat" cmpd="sng" algn="ctr">
+                      <a:solidFill>
+                        <a:schemeClr val="tx1"/>
+                      </a:solidFill>
+                      <a:prstDash val="solid"/>
+                      <a:round/>
+                      <a:headEnd type="none" w="med" len="med"/>
+                      <a:tailEnd type="none" w="med" len="med"/>
+                    </a:lnL>
+                    <a:lnR w="12700" cap="flat" cmpd="sng" algn="ctr">
+                      <a:solidFill>
+                        <a:schemeClr val="tx1"/>
+                      </a:solidFill>
+                      <a:prstDash val="solid"/>
+                      <a:round/>
+                      <a:headEnd type="none" w="med" len="med"/>
+                      <a:tailEnd type="none" w="med" len="med"/>
+                    </a:lnR>
+                    <a:lnT w="12700" cap="flat" cmpd="sng" algn="ctr">
+                      <a:solidFill>
+                        <a:schemeClr val="tx1"/>
+                      </a:solidFill>
+                      <a:prstDash val="solid"/>
+                      <a:round/>
+                      <a:headEnd type="none" w="med" len="med"/>
+                      <a:tailEnd type="none" w="med" len="med"/>
+                    </a:lnT>
+                    <a:lnB w="12700" cap="flat" cmpd="sng" algn="ctr">
+                      <a:solidFill>
+                        <a:schemeClr val="tx1"/>
+                      </a:solidFill>
+                      <a:prstDash val="solid"/>
+                      <a:round/>
+                      <a:headEnd type="none" w="med" len="med"/>
+                      <a:tailEnd type="none" w="med" len="med"/>
+                    </a:lnB>
+                    <a:lnTlToBr w="12700" cmpd="sng">
+                      <a:noFill/>
+                      <a:prstDash val="solid"/>
+                    </a:lnTlToBr>
+                    <a:lnBlToTr w="12700" cmpd="sng">
+                      <a:noFill/>
+                      <a:prstDash val="solid"/>
+                    </a:lnBlToTr>
+                    <a:solidFill>
+                      <a:schemeClr val="bg2"/>
+                    </a:solidFill>
+                  </a:tcPr>
+                </a:tc>
+                <a:tc>
+                  <a:txBody>
+                    <a:bodyPr/>
+                    <a:lstStyle/>
+                    <a:p>
+                      <a:pPr algn="ctr"/>
+                      <a:r>
+                        <a:rPr kumimoji="1" lang="ja-JP" altLang="en-US" sz="2400">
+                          <a:solidFill>
+                            <a:schemeClr val="tx1"/>
+                          </a:solidFill>
+                        </a:rPr>
+                        <a:t>ー</a:t>
+                      </a:r>
+                    </a:p>
+                  </a:txBody>
+                  <a:tcPr anchor="ctr">
+                    <a:lnL w="12700" cap="flat" cmpd="sng" algn="ctr">
+                      <a:solidFill>
+                        <a:schemeClr val="tx1"/>
+                      </a:solidFill>
+                      <a:prstDash val="solid"/>
+                      <a:round/>
+                      <a:headEnd type="none" w="med" len="med"/>
+                      <a:tailEnd type="none" w="med" len="med"/>
+                    </a:lnL>
+                    <a:lnR w="12700" cap="flat" cmpd="sng" algn="ctr">
+                      <a:solidFill>
+                        <a:schemeClr val="tx1"/>
+                      </a:solidFill>
+                      <a:prstDash val="solid"/>
+                      <a:round/>
+                      <a:headEnd type="none" w="med" len="med"/>
+                      <a:tailEnd type="none" w="med" len="med"/>
+                    </a:lnR>
+                    <a:lnT w="12700" cap="flat" cmpd="sng" algn="ctr">
+                      <a:solidFill>
+                        <a:schemeClr val="tx1"/>
+                      </a:solidFill>
+                      <a:prstDash val="solid"/>
+                      <a:round/>
+                      <a:headEnd type="none" w="med" len="med"/>
+                      <a:tailEnd type="none" w="med" len="med"/>
+                    </a:lnT>
+                    <a:lnB w="12700" cap="flat" cmpd="sng" algn="ctr">
+                      <a:solidFill>
+                        <a:schemeClr val="tx1"/>
+                      </a:solidFill>
+                      <a:prstDash val="solid"/>
+                      <a:round/>
+                      <a:headEnd type="none" w="med" len="med"/>
+                      <a:tailEnd type="none" w="med" len="med"/>
+                    </a:lnB>
+                    <a:lnTlToBr w="12700" cmpd="sng">
+                      <a:noFill/>
+                      <a:prstDash val="solid"/>
+                    </a:lnTlToBr>
+                    <a:lnBlToTr w="12700" cmpd="sng">
+                      <a:noFill/>
+                      <a:prstDash val="solid"/>
+                    </a:lnBlToTr>
+                    <a:solidFill>
+                      <a:schemeClr val="bg2"/>
+                    </a:solidFill>
+                  </a:tcPr>
+                </a:tc>
+                <a:tc>
+                  <a:txBody>
+                    <a:bodyPr/>
+                    <a:lstStyle/>
+                    <a:p>
+                      <a:pPr algn="ctr"/>
+                      <a:r>
+                        <a:rPr kumimoji="1" lang="ja-JP" altLang="en-US" sz="2400">
+                          <a:solidFill>
+                            <a:schemeClr val="tx1"/>
+                          </a:solidFill>
+                        </a:rPr>
+                        <a:t>ー</a:t>
+                      </a:r>
+                    </a:p>
+                  </a:txBody>
+                  <a:tcPr anchor="ctr">
+                    <a:lnL w="12700" cap="flat" cmpd="sng" algn="ctr">
+                      <a:solidFill>
+                        <a:schemeClr val="tx1"/>
+                      </a:solidFill>
+                      <a:prstDash val="solid"/>
+                      <a:round/>
+                      <a:headEnd type="none" w="med" len="med"/>
+                      <a:tailEnd type="none" w="med" len="med"/>
+                    </a:lnL>
+                    <a:lnR w="12700" cap="flat" cmpd="sng" algn="ctr">
+                      <a:solidFill>
+                        <a:schemeClr val="tx1"/>
+                      </a:solidFill>
+                      <a:prstDash val="solid"/>
+                      <a:round/>
+                      <a:headEnd type="none" w="med" len="med"/>
+                      <a:tailEnd type="none" w="med" len="med"/>
+                    </a:lnR>
+                    <a:lnT w="12700" cap="flat" cmpd="sng" algn="ctr">
+                      <a:solidFill>
+                        <a:schemeClr val="tx1"/>
+                      </a:solidFill>
+                      <a:prstDash val="solid"/>
+                      <a:round/>
+                      <a:headEnd type="none" w="med" len="med"/>
+                      <a:tailEnd type="none" w="med" len="med"/>
+                    </a:lnT>
+                    <a:lnB w="12700" cap="flat" cmpd="sng" algn="ctr">
+                      <a:solidFill>
+                        <a:schemeClr val="tx1"/>
+                      </a:solidFill>
+                      <a:prstDash val="solid"/>
+                      <a:round/>
+                      <a:headEnd type="none" w="med" len="med"/>
+                      <a:tailEnd type="none" w="med" len="med"/>
+                    </a:lnB>
+                    <a:lnTlToBr w="12700" cmpd="sng">
+                      <a:noFill/>
+                      <a:prstDash val="solid"/>
+                    </a:lnTlToBr>
+                    <a:lnBlToTr w="12700" cmpd="sng">
+                      <a:noFill/>
+                      <a:prstDash val="solid"/>
+                    </a:lnBlToTr>
+                    <a:solidFill>
+                      <a:schemeClr val="bg2"/>
+                    </a:solidFill>
+                  </a:tcPr>
+                </a:tc>
+                <a:tc>
+                  <a:txBody>
+                    <a:bodyPr/>
+                    <a:lstStyle/>
+                    <a:p>
+                      <a:pPr algn="ctr"/>
+                      <a:r>
+                        <a:rPr kumimoji="1" lang="ja-JP" altLang="en-US" sz="2400">
+                          <a:solidFill>
+                            <a:schemeClr val="tx1"/>
+                          </a:solidFill>
+                        </a:rPr>
+                        <a:t>ー</a:t>
+                      </a:r>
+                    </a:p>
+                  </a:txBody>
+                  <a:tcPr anchor="ctr">
+                    <a:lnL w="12700" cap="flat" cmpd="sng" algn="ctr">
+                      <a:solidFill>
+                        <a:schemeClr val="tx1"/>
+                      </a:solidFill>
+                      <a:prstDash val="solid"/>
+                      <a:round/>
+                      <a:headEnd type="none" w="med" len="med"/>
+                      <a:tailEnd type="none" w="med" len="med"/>
+                    </a:lnL>
+                    <a:lnR w="12700" cap="flat" cmpd="sng" algn="ctr">
+                      <a:solidFill>
+                        <a:schemeClr val="tx1"/>
+                      </a:solidFill>
+                      <a:prstDash val="solid"/>
+                      <a:round/>
+                      <a:headEnd type="none" w="med" len="med"/>
+                      <a:tailEnd type="none" w="med" len="med"/>
+                    </a:lnR>
+                    <a:lnT w="12700" cap="flat" cmpd="sng" algn="ctr">
+                      <a:solidFill>
+                        <a:schemeClr val="tx1"/>
+                      </a:solidFill>
+                      <a:prstDash val="solid"/>
+                      <a:round/>
+                      <a:headEnd type="none" w="med" len="med"/>
+                      <a:tailEnd type="none" w="med" len="med"/>
+                    </a:lnT>
+                    <a:lnB w="12700" cap="flat" cmpd="sng" algn="ctr">
+                      <a:solidFill>
+                        <a:schemeClr val="tx1"/>
+                      </a:solidFill>
+                      <a:prstDash val="solid"/>
+                      <a:round/>
+                      <a:headEnd type="none" w="med" len="med"/>
+                      <a:tailEnd type="none" w="med" len="med"/>
+                    </a:lnB>
+                    <a:lnTlToBr w="12700" cmpd="sng">
+                      <a:noFill/>
+                      <a:prstDash val="solid"/>
+                    </a:lnTlToBr>
+                    <a:lnBlToTr w="12700" cmpd="sng">
+                      <a:noFill/>
+                      <a:prstDash val="solid"/>
+                    </a:lnBlToTr>
+                    <a:solidFill>
+                      <a:schemeClr val="bg2"/>
                     </a:solidFill>
                   </a:tcPr>
                 </a:tc>
                 <a:extLst>
                   <a:ext uri="{0D108BD9-81ED-4DB2-BD59-A6C34878D82A}">
-                    <a16:rowId xmlns:a16="http://schemas.microsoft.com/office/drawing/2014/main" val="3198433363"/>
+                    <a16:rowId xmlns:a16="http://schemas.microsoft.com/office/drawing/2014/main" val="640185454"/>
                   </a:ext>
                 </a:extLst>
               </a:tr>
-              <a:tr h="547128">
-                <a:tc>
-                  <a:txBody>
-                    <a:bodyPr/>
-                    <a:lstStyle/>
-                    <a:p>
-                      <a:pPr algn="ctr" fontAlgn="ctr"/>
-                      <a:r>
-                        <a:rPr lang="en" sz="2400" b="1" u="none" strike="noStrike" dirty="0">
-                          <a:effectLst/>
-                        </a:rPr>
-                        <a:t>CPU</a:t>
-                      </a:r>
-                      <a:endParaRPr lang="en" sz="2400" b="1" i="0" u="none" strike="noStrike" dirty="0">
-                        <a:solidFill>
-                          <a:srgbClr val="000000"/>
-                        </a:solidFill>
-                        <a:effectLst/>
-                        <a:latin typeface="游ゴシック" panose="020B0400000000000000" pitchFamily="34" charset="-128"/>
-                        <a:ea typeface="游ゴシック" panose="020B0400000000000000" pitchFamily="34" charset="-128"/>
-                      </a:endParaRPr>
-                    </a:p>
-                  </a:txBody>
-                  <a:tcPr marL="6856" marR="6856" marT="6856" marB="0" anchor="ctr">
+              <a:tr h="806234">
+                <a:tc>
+                  <a:txBody>
+                    <a:bodyPr/>
+                    <a:lstStyle/>
+                    <a:p>
+                      <a:pPr algn="ctr"/>
+                      <a:r>
+                        <a:rPr kumimoji="1" lang="en-US" altLang="ja-JP" sz="2400" b="1" dirty="0">
+                          <a:solidFill>
+                            <a:schemeClr val="tx1"/>
+                          </a:solidFill>
+                        </a:rPr>
+                        <a:t>③</a:t>
+                      </a:r>
+                      <a:r>
+                        <a:rPr kumimoji="1" lang="ja-JP" altLang="en-US" sz="2400" b="1">
+                          <a:solidFill>
+                            <a:schemeClr val="tx1"/>
+                          </a:solidFill>
+                        </a:rPr>
+                        <a:t>ログイン時の入力作業の削減</a:t>
+                      </a:r>
+                    </a:p>
+                  </a:txBody>
+                  <a:tcPr anchor="ctr">
                     <a:lnL w="12700" cap="flat" cmpd="sng" algn="ctr">
                       <a:solidFill>
                         <a:schemeClr val="tx1"/>
@@ -21307,150 +26216,31 @@
                     <a:bodyPr/>
                     <a:lstStyle/>
                     <a:p>
-                      <a:pPr algn="ctr" fontAlgn="ctr"/>
-                      <a:r>
-                        <a:rPr lang="en" sz="2400" u="none" strike="noStrike" dirty="0">
-                          <a:effectLst/>
-                          <a:latin typeface="+mn-ea"/>
-                          <a:ea typeface="+mn-ea"/>
-                        </a:rPr>
-                        <a:t>Intel(R) Xeon(R) CPU D-1541 @ 2.10GHz</a:t>
-                      </a:r>
-                    </a:p>
-                    <a:p>
-                      <a:pPr algn="ctr" fontAlgn="ctr"/>
-                      <a:r>
-                        <a:rPr lang="ja-JP" altLang="en-US" sz="2400" b="0" i="0" u="none" strike="noStrike">
-                          <a:solidFill>
-                            <a:srgbClr val="000000"/>
-                          </a:solidFill>
-                          <a:effectLst/>
-                          <a:latin typeface="+mn-ea"/>
-                          <a:ea typeface="+mn-ea"/>
-                        </a:rPr>
-                        <a:t>コア</a:t>
-                      </a:r>
-                      <a:r>
-                        <a:rPr lang="en-US" altLang="ja-JP" sz="2400" b="0" i="0" u="none" strike="noStrike" dirty="0">
-                          <a:solidFill>
-                            <a:srgbClr val="000000"/>
-                          </a:solidFill>
-                          <a:effectLst/>
-                          <a:latin typeface="+mn-ea"/>
-                          <a:ea typeface="+mn-ea"/>
-                        </a:rPr>
-                        <a:t> 8</a:t>
-                      </a:r>
-                      <a:r>
-                        <a:rPr lang="ja-JP" altLang="en-US" sz="2400" b="0" i="0" u="none" strike="noStrike">
-                          <a:solidFill>
-                            <a:srgbClr val="000000"/>
-                          </a:solidFill>
-                          <a:effectLst/>
-                          <a:latin typeface="+mn-ea"/>
-                          <a:ea typeface="+mn-ea"/>
-                        </a:rPr>
-                        <a:t>コ</a:t>
-                      </a:r>
-                      <a:r>
-                        <a:rPr lang="en-US" altLang="ja-JP" sz="2400" b="0" i="0" u="none" strike="noStrike" dirty="0">
-                          <a:solidFill>
-                            <a:srgbClr val="000000"/>
-                          </a:solidFill>
-                          <a:effectLst/>
-                          <a:latin typeface="+mn-ea"/>
-                          <a:ea typeface="+mn-ea"/>
-                        </a:rPr>
-                        <a:t>, </a:t>
-                      </a:r>
-                      <a:r>
-                        <a:rPr lang="ja-JP" altLang="en-US" sz="2400" b="0" i="0" u="none" strike="noStrike">
-                          <a:solidFill>
-                            <a:srgbClr val="000000"/>
-                          </a:solidFill>
-                          <a:effectLst/>
-                          <a:latin typeface="+mn-ea"/>
-                          <a:ea typeface="+mn-ea"/>
-                        </a:rPr>
-                        <a:t>スレッド</a:t>
-                      </a:r>
-                      <a:r>
-                        <a:rPr lang="en-US" altLang="ja-JP" sz="2400" b="0" i="0" u="none" strike="noStrike" dirty="0">
-                          <a:solidFill>
-                            <a:srgbClr val="000000"/>
-                          </a:solidFill>
-                          <a:effectLst/>
-                          <a:latin typeface="+mn-ea"/>
-                          <a:ea typeface="+mn-ea"/>
-                        </a:rPr>
-                        <a:t> 16</a:t>
-                      </a:r>
-                      <a:r>
-                        <a:rPr lang="ja-JP" altLang="en-US" sz="2400" b="0" i="0" u="none" strike="noStrike">
-                          <a:solidFill>
-                            <a:srgbClr val="000000"/>
-                          </a:solidFill>
-                          <a:effectLst/>
-                          <a:latin typeface="+mn-ea"/>
-                          <a:ea typeface="+mn-ea"/>
-                        </a:rPr>
-                        <a:t>コ</a:t>
-                      </a:r>
-                      <a:r>
-                        <a:rPr lang="en-US" altLang="ja-JP" sz="2400" b="0" i="0" u="none" strike="noStrike" dirty="0">
-                          <a:solidFill>
-                            <a:srgbClr val="000000"/>
-                          </a:solidFill>
-                          <a:effectLst/>
-                          <a:latin typeface="+mn-ea"/>
-                          <a:ea typeface="+mn-ea"/>
-                        </a:rPr>
-                        <a:t>, </a:t>
-                      </a:r>
-                      <a:r>
-                        <a:rPr lang="ja-JP" altLang="en-US" sz="2400" b="0" i="0" u="none" strike="noStrike">
-                          <a:solidFill>
-                            <a:srgbClr val="000000"/>
-                          </a:solidFill>
-                          <a:effectLst/>
-                          <a:latin typeface="+mn-ea"/>
-                          <a:ea typeface="+mn-ea"/>
-                        </a:rPr>
-                        <a:t>物理</a:t>
-                      </a:r>
-                      <a:r>
-                        <a:rPr lang="en-US" altLang="ja-JP" sz="2400" b="0" i="0" u="none" strike="noStrike" dirty="0">
-                          <a:solidFill>
-                            <a:srgbClr val="000000"/>
-                          </a:solidFill>
-                          <a:effectLst/>
-                          <a:latin typeface="+mn-ea"/>
-                          <a:ea typeface="+mn-ea"/>
-                        </a:rPr>
-                        <a:t>CPU 1</a:t>
-                      </a:r>
-                      <a:r>
-                        <a:rPr lang="ja-JP" altLang="en-US" sz="2400" b="0" i="0" u="none" strike="noStrike">
-                          <a:solidFill>
-                            <a:srgbClr val="000000"/>
-                          </a:solidFill>
-                          <a:effectLst/>
-                          <a:latin typeface="+mn-ea"/>
-                          <a:ea typeface="+mn-ea"/>
-                        </a:rPr>
-                        <a:t>コ</a:t>
-                      </a:r>
-                      <a:endParaRPr lang="en" sz="2400" b="0" i="0" u="none" strike="noStrike" dirty="0">
+                      <a:pPr algn="ctr"/>
+                      <a:r>
+                        <a:rPr kumimoji="1" lang="ja-JP" altLang="en-US" sz="2400">
+                          <a:solidFill>
+                            <a:schemeClr val="tx1"/>
+                          </a:solidFill>
+                        </a:rPr>
+                        <a:t>✔️</a:t>
+                      </a:r>
+                      <a:r>
+                        <a:rPr kumimoji="1" lang="en-US" altLang="ja-JP" sz="2400" dirty="0">
+                          <a:solidFill>
+                            <a:schemeClr val="tx1"/>
+                          </a:solidFill>
+                        </a:rPr>
+                        <a:t> </a:t>
+                      </a:r>
+                      <a:endParaRPr kumimoji="1" lang="ja-JP" altLang="en-US" sz="2400">
                         <a:solidFill>
-                          <a:srgbClr val="000000"/>
+                          <a:schemeClr val="tx1"/>
                         </a:solidFill>
-                        <a:effectLst/>
-                        <a:latin typeface="+mn-ea"/>
-                        <a:ea typeface="+mn-ea"/>
                       </a:endParaRPr>
                     </a:p>
                   </a:txBody>
-                  <a:tcPr marL="6856" marR="6856" marT="6856" marB="0" anchor="ctr">
+                  <a:tcPr anchor="ctr">
                     <a:lnL w="12700" cap="flat" cmpd="sng" algn="ctr">
                       <a:solidFill>
                         <a:schemeClr val="tx1"/>
@@ -21496,40 +26286,358 @@
                       <a:prstDash val="solid"/>
                     </a:lnBlToTr>
                     <a:solidFill>
-                      <a:schemeClr val="bg1"/>
+                      <a:schemeClr val="bg2"/>
+                    </a:solidFill>
+                  </a:tcPr>
+                </a:tc>
+                <a:tc>
+                  <a:txBody>
+                    <a:bodyPr/>
+                    <a:lstStyle/>
+                    <a:p>
+                      <a:pPr algn="ctr"/>
+                      <a:r>
+                        <a:rPr kumimoji="1" lang="ja-JP" altLang="en-US" sz="2400">
+                          <a:solidFill>
+                            <a:schemeClr val="tx1"/>
+                          </a:solidFill>
+                        </a:rPr>
+                        <a:t>✔️</a:t>
+                      </a:r>
+                      <a:r>
+                        <a:rPr kumimoji="1" lang="en-US" altLang="ja-JP" sz="2400" dirty="0">
+                          <a:solidFill>
+                            <a:schemeClr val="tx1"/>
+                          </a:solidFill>
+                        </a:rPr>
+                        <a:t> </a:t>
+                      </a:r>
+                      <a:endParaRPr kumimoji="1" lang="ja-JP" altLang="en-US" sz="2400">
+                        <a:solidFill>
+                          <a:schemeClr val="tx1"/>
+                        </a:solidFill>
+                      </a:endParaRPr>
+                    </a:p>
+                  </a:txBody>
+                  <a:tcPr anchor="ctr">
+                    <a:lnL w="12700" cap="flat" cmpd="sng" algn="ctr">
+                      <a:solidFill>
+                        <a:schemeClr val="tx1"/>
+                      </a:solidFill>
+                      <a:prstDash val="solid"/>
+                      <a:round/>
+                      <a:headEnd type="none" w="med" len="med"/>
+                      <a:tailEnd type="none" w="med" len="med"/>
+                    </a:lnL>
+                    <a:lnR w="12700" cap="flat" cmpd="sng" algn="ctr">
+                      <a:solidFill>
+                        <a:schemeClr val="tx1"/>
+                      </a:solidFill>
+                      <a:prstDash val="solid"/>
+                      <a:round/>
+                      <a:headEnd type="none" w="med" len="med"/>
+                      <a:tailEnd type="none" w="med" len="med"/>
+                    </a:lnR>
+                    <a:lnT w="12700" cap="flat" cmpd="sng" algn="ctr">
+                      <a:solidFill>
+                        <a:schemeClr val="tx1"/>
+                      </a:solidFill>
+                      <a:prstDash val="solid"/>
+                      <a:round/>
+                      <a:headEnd type="none" w="med" len="med"/>
+                      <a:tailEnd type="none" w="med" len="med"/>
+                    </a:lnT>
+                    <a:lnB w="12700" cap="flat" cmpd="sng" algn="ctr">
+                      <a:solidFill>
+                        <a:schemeClr val="tx1"/>
+                      </a:solidFill>
+                      <a:prstDash val="solid"/>
+                      <a:round/>
+                      <a:headEnd type="none" w="med" len="med"/>
+                      <a:tailEnd type="none" w="med" len="med"/>
+                    </a:lnB>
+                    <a:lnTlToBr w="12700" cmpd="sng">
+                      <a:noFill/>
+                      <a:prstDash val="solid"/>
+                    </a:lnTlToBr>
+                    <a:lnBlToTr w="12700" cmpd="sng">
+                      <a:noFill/>
+                      <a:prstDash val="solid"/>
+                    </a:lnBlToTr>
+                    <a:solidFill>
+                      <a:schemeClr val="bg2"/>
+                    </a:solidFill>
+                  </a:tcPr>
+                </a:tc>
+                <a:tc>
+                  <a:txBody>
+                    <a:bodyPr/>
+                    <a:lstStyle/>
+                    <a:p>
+                      <a:pPr algn="ctr"/>
+                      <a:r>
+                        <a:rPr kumimoji="1" lang="ja-JP" altLang="en-US" sz="2400">
+                          <a:solidFill>
+                            <a:schemeClr val="tx1"/>
+                          </a:solidFill>
+                        </a:rPr>
+                        <a:t>✔️</a:t>
+                      </a:r>
+                      <a:r>
+                        <a:rPr kumimoji="1" lang="en-US" altLang="ja-JP" sz="2400" dirty="0">
+                          <a:solidFill>
+                            <a:schemeClr val="tx1"/>
+                          </a:solidFill>
+                        </a:rPr>
+                        <a:t> </a:t>
+                      </a:r>
+                      <a:endParaRPr kumimoji="1" lang="ja-JP" altLang="en-US" sz="2400">
+                        <a:solidFill>
+                          <a:schemeClr val="tx1"/>
+                        </a:solidFill>
+                      </a:endParaRPr>
+                    </a:p>
+                  </a:txBody>
+                  <a:tcPr anchor="ctr">
+                    <a:lnL w="12700" cap="flat" cmpd="sng" algn="ctr">
+                      <a:solidFill>
+                        <a:schemeClr val="tx1"/>
+                      </a:solidFill>
+                      <a:prstDash val="solid"/>
+                      <a:round/>
+                      <a:headEnd type="none" w="med" len="med"/>
+                      <a:tailEnd type="none" w="med" len="med"/>
+                    </a:lnL>
+                    <a:lnR w="12700" cap="flat" cmpd="sng" algn="ctr">
+                      <a:solidFill>
+                        <a:schemeClr val="tx1"/>
+                      </a:solidFill>
+                      <a:prstDash val="solid"/>
+                      <a:round/>
+                      <a:headEnd type="none" w="med" len="med"/>
+                      <a:tailEnd type="none" w="med" len="med"/>
+                    </a:lnR>
+                    <a:lnT w="12700" cap="flat" cmpd="sng" algn="ctr">
+                      <a:solidFill>
+                        <a:schemeClr val="tx1"/>
+                      </a:solidFill>
+                      <a:prstDash val="solid"/>
+                      <a:round/>
+                      <a:headEnd type="none" w="med" len="med"/>
+                      <a:tailEnd type="none" w="med" len="med"/>
+                    </a:lnT>
+                    <a:lnB w="12700" cap="flat" cmpd="sng" algn="ctr">
+                      <a:solidFill>
+                        <a:schemeClr val="tx1"/>
+                      </a:solidFill>
+                      <a:prstDash val="solid"/>
+                      <a:round/>
+                      <a:headEnd type="none" w="med" len="med"/>
+                      <a:tailEnd type="none" w="med" len="med"/>
+                    </a:lnB>
+                    <a:lnTlToBr w="12700" cmpd="sng">
+                      <a:noFill/>
+                      <a:prstDash val="solid"/>
+                    </a:lnTlToBr>
+                    <a:lnBlToTr w="12700" cmpd="sng">
+                      <a:noFill/>
+                      <a:prstDash val="solid"/>
+                    </a:lnBlToTr>
+                    <a:solidFill>
+                      <a:schemeClr val="bg2"/>
+                    </a:solidFill>
+                  </a:tcPr>
+                </a:tc>
+                <a:tc>
+                  <a:txBody>
+                    <a:bodyPr/>
+                    <a:lstStyle/>
+                    <a:p>
+                      <a:pPr algn="ctr"/>
+                      <a:r>
+                        <a:rPr kumimoji="1" lang="ja-JP" altLang="en-US" sz="2400">
+                          <a:solidFill>
+                            <a:schemeClr val="tx1"/>
+                          </a:solidFill>
+                        </a:rPr>
+                        <a:t>✔️</a:t>
+                      </a:r>
+                      <a:r>
+                        <a:rPr kumimoji="1" lang="en-US" altLang="ja-JP" sz="2400" dirty="0">
+                          <a:solidFill>
+                            <a:schemeClr val="tx1"/>
+                          </a:solidFill>
+                        </a:rPr>
+                        <a:t> </a:t>
+                      </a:r>
+                      <a:endParaRPr kumimoji="1" lang="ja-JP" altLang="en-US" sz="2400">
+                        <a:solidFill>
+                          <a:schemeClr val="tx1"/>
+                        </a:solidFill>
+                      </a:endParaRPr>
+                    </a:p>
+                  </a:txBody>
+                  <a:tcPr anchor="ctr">
+                    <a:lnL w="12700" cap="flat" cmpd="sng" algn="ctr">
+                      <a:solidFill>
+                        <a:schemeClr val="tx1"/>
+                      </a:solidFill>
+                      <a:prstDash val="solid"/>
+                      <a:round/>
+                      <a:headEnd type="none" w="med" len="med"/>
+                      <a:tailEnd type="none" w="med" len="med"/>
+                    </a:lnL>
+                    <a:lnR w="12700" cap="flat" cmpd="sng" algn="ctr">
+                      <a:solidFill>
+                        <a:schemeClr val="tx1"/>
+                      </a:solidFill>
+                      <a:prstDash val="solid"/>
+                      <a:round/>
+                      <a:headEnd type="none" w="med" len="med"/>
+                      <a:tailEnd type="none" w="med" len="med"/>
+                    </a:lnR>
+                    <a:lnT w="12700" cap="flat" cmpd="sng" algn="ctr">
+                      <a:solidFill>
+                        <a:schemeClr val="tx1"/>
+                      </a:solidFill>
+                      <a:prstDash val="solid"/>
+                      <a:round/>
+                      <a:headEnd type="none" w="med" len="med"/>
+                      <a:tailEnd type="none" w="med" len="med"/>
+                    </a:lnT>
+                    <a:lnB w="12700" cap="flat" cmpd="sng" algn="ctr">
+                      <a:solidFill>
+                        <a:schemeClr val="tx1"/>
+                      </a:solidFill>
+                      <a:prstDash val="solid"/>
+                      <a:round/>
+                      <a:headEnd type="none" w="med" len="med"/>
+                      <a:tailEnd type="none" w="med" len="med"/>
+                    </a:lnB>
+                    <a:lnTlToBr w="12700" cmpd="sng">
+                      <a:noFill/>
+                      <a:prstDash val="solid"/>
+                    </a:lnTlToBr>
+                    <a:lnBlToTr w="12700" cmpd="sng">
+                      <a:noFill/>
+                      <a:prstDash val="solid"/>
+                    </a:lnBlToTr>
+                    <a:solidFill>
+                      <a:schemeClr val="bg2"/>
+                    </a:solidFill>
+                  </a:tcPr>
+                </a:tc>
+                <a:tc>
+                  <a:txBody>
+                    <a:bodyPr/>
+                    <a:lstStyle/>
+                    <a:p>
+                      <a:pPr algn="ctr"/>
+                      <a:r>
+                        <a:rPr kumimoji="1" lang="ja-JP" altLang="en-US" sz="2400">
+                          <a:solidFill>
+                            <a:schemeClr val="tx1"/>
+                          </a:solidFill>
+                        </a:rPr>
+                        <a:t>✔️</a:t>
+                      </a:r>
+                      <a:r>
+                        <a:rPr kumimoji="1" lang="en-US" altLang="ja-JP" sz="2400" dirty="0">
+                          <a:solidFill>
+                            <a:schemeClr val="tx1"/>
+                          </a:solidFill>
+                        </a:rPr>
+                        <a:t> </a:t>
+                      </a:r>
+                      <a:endParaRPr kumimoji="1" lang="ja-JP" altLang="en-US" sz="2400">
+                        <a:solidFill>
+                          <a:schemeClr val="tx1"/>
+                        </a:solidFill>
+                      </a:endParaRPr>
+                    </a:p>
+                  </a:txBody>
+                  <a:tcPr anchor="ctr">
+                    <a:lnL w="12700" cap="flat" cmpd="sng" algn="ctr">
+                      <a:solidFill>
+                        <a:schemeClr val="tx1"/>
+                      </a:solidFill>
+                      <a:prstDash val="solid"/>
+                      <a:round/>
+                      <a:headEnd type="none" w="med" len="med"/>
+                      <a:tailEnd type="none" w="med" len="med"/>
+                    </a:lnL>
+                    <a:lnR w="12700" cap="flat" cmpd="sng" algn="ctr">
+                      <a:solidFill>
+                        <a:schemeClr val="tx1"/>
+                      </a:solidFill>
+                      <a:prstDash val="solid"/>
+                      <a:round/>
+                      <a:headEnd type="none" w="med" len="med"/>
+                      <a:tailEnd type="none" w="med" len="med"/>
+                    </a:lnR>
+                    <a:lnT w="12700" cap="flat" cmpd="sng" algn="ctr">
+                      <a:solidFill>
+                        <a:schemeClr val="tx1"/>
+                      </a:solidFill>
+                      <a:prstDash val="solid"/>
+                      <a:round/>
+                      <a:headEnd type="none" w="med" len="med"/>
+                      <a:tailEnd type="none" w="med" len="med"/>
+                    </a:lnT>
+                    <a:lnB w="12700" cap="flat" cmpd="sng" algn="ctr">
+                      <a:solidFill>
+                        <a:schemeClr val="tx1"/>
+                      </a:solidFill>
+                      <a:prstDash val="solid"/>
+                      <a:round/>
+                      <a:headEnd type="none" w="med" len="med"/>
+                      <a:tailEnd type="none" w="med" len="med"/>
+                    </a:lnB>
+                    <a:lnTlToBr w="12700" cmpd="sng">
+                      <a:noFill/>
+                      <a:prstDash val="solid"/>
+                    </a:lnTlToBr>
+                    <a:lnBlToTr w="12700" cmpd="sng">
+                      <a:noFill/>
+                      <a:prstDash val="solid"/>
+                    </a:lnBlToTr>
+                    <a:solidFill>
+                      <a:schemeClr val="bg2"/>
                     </a:solidFill>
                   </a:tcPr>
                 </a:tc>
                 <a:extLst>
                   <a:ext uri="{0D108BD9-81ED-4DB2-BD59-A6C34878D82A}">
-                    <a16:rowId xmlns:a16="http://schemas.microsoft.com/office/drawing/2014/main" val="3505944506"/>
+                    <a16:rowId xmlns:a16="http://schemas.microsoft.com/office/drawing/2014/main" val="2863381677"/>
                   </a:ext>
                 </a:extLst>
               </a:tr>
-              <a:tr h="713487">
-                <a:tc>
-                  <a:txBody>
-                    <a:bodyPr/>
-                    <a:lstStyle/>
-                    <a:p>
-                      <a:pPr algn="ctr" fontAlgn="ctr"/>
-                      <a:r>
-                        <a:rPr lang="ja-JP" altLang="en-US" sz="2400" b="1" u="none" strike="noStrike">
-                          <a:effectLst/>
-                        </a:rPr>
-                        <a:t>マザーボード</a:t>
-                      </a:r>
-                      <a:endParaRPr lang="ja-JP" altLang="en-US" sz="2400" b="1" i="0" u="none" strike="noStrike">
-                        <a:solidFill>
-                          <a:srgbClr val="000000"/>
-                        </a:solidFill>
-                        <a:effectLst/>
-                        <a:latin typeface="游ゴシック" panose="020B0400000000000000" pitchFamily="34" charset="-128"/>
-                        <a:ea typeface="游ゴシック" panose="020B0400000000000000" pitchFamily="34" charset="-128"/>
-                      </a:endParaRPr>
-                    </a:p>
-                  </a:txBody>
-                  <a:tcPr marL="6856" marR="6856" marT="6856" marB="0" anchor="ctr">
+              <a:tr h="1033835">
+                <a:tc>
+                  <a:txBody>
+                    <a:bodyPr/>
+                    <a:lstStyle/>
+                    <a:p>
+                      <a:pPr algn="ctr"/>
+                      <a:r>
+                        <a:rPr kumimoji="1" lang="en-US" altLang="ja-JP" sz="2400" b="1" dirty="0">
+                          <a:solidFill>
+                            <a:schemeClr val="tx1"/>
+                          </a:solidFill>
+                        </a:rPr>
+                        <a:t>④</a:t>
+                      </a:r>
+                      <a:r>
+                        <a:rPr kumimoji="1" lang="ja-JP" altLang="en-US" sz="2400" b="1">
+                          <a:solidFill>
+                            <a:schemeClr val="tx1"/>
+                          </a:solidFill>
+                        </a:rPr>
+                        <a:t>ユーザ情報の一括管理</a:t>
+                      </a:r>
+                    </a:p>
+                  </a:txBody>
+                  <a:tcPr anchor="ctr">
                     <a:lnL w="12700" cap="flat" cmpd="sng" algn="ctr">
                       <a:solidFill>
                         <a:schemeClr val="tx1"/>
@@ -21586,57 +26694,18 @@
                     <a:bodyPr/>
                     <a:lstStyle/>
                     <a:p>
-                      <a:pPr algn="ctr" fontAlgn="ctr"/>
-                      <a:r>
-                        <a:rPr lang="ja-JP" altLang="en-US" sz="2400" u="none" strike="noStrike">
-                          <a:effectLst/>
-                          <a:latin typeface="+mn-ea"/>
-                          <a:ea typeface="+mn-ea"/>
-                        </a:rPr>
-                        <a:t>メーカー：</a:t>
-                      </a:r>
-                      <a:r>
-                        <a:rPr lang="en" sz="2400" u="none" strike="noStrike" dirty="0">
-                          <a:effectLst/>
-                          <a:latin typeface="+mn-ea"/>
-                          <a:ea typeface="+mn-ea"/>
-                        </a:rPr>
-                        <a:t>Supermicro</a:t>
-                      </a:r>
-                      <a:br>
-                        <a:rPr lang="en" sz="2400" u="none" strike="noStrike" dirty="0">
-                          <a:effectLst/>
-                          <a:latin typeface="+mn-ea"/>
-                          <a:ea typeface="+mn-ea"/>
-                        </a:rPr>
-                      </a:br>
-                      <a:r>
-                        <a:rPr lang="ja-JP" altLang="en-US" sz="2400" u="none" strike="noStrike">
-                          <a:effectLst/>
-                          <a:latin typeface="+mn-ea"/>
-                          <a:ea typeface="+mn-ea"/>
-                        </a:rPr>
-                        <a:t>型番：</a:t>
-                      </a:r>
-                      <a:r>
-                        <a:rPr lang="en" sz="2400" u="none" strike="noStrike" dirty="0">
-                          <a:effectLst/>
-                          <a:latin typeface="+mn-ea"/>
-                          <a:ea typeface="+mn-ea"/>
-                        </a:rPr>
-                        <a:t>X10SDV-8C-TLN4F</a:t>
-                      </a:r>
-                      <a:endParaRPr lang="en" sz="2400" b="0" i="0" u="none" strike="noStrike" dirty="0">
-                        <a:solidFill>
-                          <a:srgbClr val="000000"/>
-                        </a:solidFill>
-                        <a:effectLst/>
-                        <a:latin typeface="+mn-ea"/>
-                        <a:ea typeface="+mn-ea"/>
-                      </a:endParaRPr>
-                    </a:p>
-                  </a:txBody>
-                  <a:tcPr marL="6856" marR="6856" marT="6856" marB="0" anchor="ctr">
+                      <a:pPr algn="ctr"/>
+                      <a:r>
+                        <a:rPr kumimoji="1" lang="ja-JP" altLang="en-US" sz="2400">
+                          <a:solidFill>
+                            <a:schemeClr val="tx1"/>
+                          </a:solidFill>
+                        </a:rPr>
+                        <a:t>ー</a:t>
+                      </a:r>
+                    </a:p>
+                  </a:txBody>
+                  <a:tcPr anchor="ctr">
                     <a:lnL w="12700" cap="flat" cmpd="sng" algn="ctr">
                       <a:solidFill>
                         <a:schemeClr val="tx1"/>
@@ -21682,40 +26751,449 @@
                       <a:prstDash val="solid"/>
                     </a:lnBlToTr>
                     <a:solidFill>
-                      <a:schemeClr val="bg1"/>
+                      <a:schemeClr val="bg2"/>
+                    </a:solidFill>
+                  </a:tcPr>
+                </a:tc>
+                <a:tc>
+                  <a:txBody>
+                    <a:bodyPr/>
+                    <a:lstStyle/>
+                    <a:p>
+                      <a:pPr algn="ctr"/>
+                      <a:r>
+                        <a:rPr kumimoji="1" lang="ja-JP" altLang="en-US" sz="2400">
+                          <a:solidFill>
+                            <a:schemeClr val="tx1"/>
+                          </a:solidFill>
+                        </a:rPr>
+                        <a:t>✔️</a:t>
+                      </a:r>
+                      <a:r>
+                        <a:rPr kumimoji="1" lang="en-US" altLang="ja-JP" sz="2400" dirty="0">
+                          <a:solidFill>
+                            <a:schemeClr val="tx1"/>
+                          </a:solidFill>
+                        </a:rPr>
+                        <a:t> </a:t>
+                      </a:r>
+                    </a:p>
+                    <a:p>
+                      <a:pPr algn="ctr"/>
+                      <a:r>
+                        <a:rPr kumimoji="1" lang="en-US" altLang="ja-JP" sz="2000" dirty="0">
+                          <a:solidFill>
+                            <a:schemeClr val="tx1"/>
+                          </a:solidFill>
+                        </a:rPr>
+                        <a:t>LDAP</a:t>
+                      </a:r>
+                      <a:endParaRPr kumimoji="1" lang="ja-JP" altLang="en-US" sz="2000">
+                        <a:solidFill>
+                          <a:schemeClr val="tx1"/>
+                        </a:solidFill>
+                      </a:endParaRPr>
+                    </a:p>
+                  </a:txBody>
+                  <a:tcPr anchor="ctr">
+                    <a:lnL w="12700" cap="flat" cmpd="sng" algn="ctr">
+                      <a:solidFill>
+                        <a:schemeClr val="tx1"/>
+                      </a:solidFill>
+                      <a:prstDash val="solid"/>
+                      <a:round/>
+                      <a:headEnd type="none" w="med" len="med"/>
+                      <a:tailEnd type="none" w="med" len="med"/>
+                    </a:lnL>
+                    <a:lnR w="12700" cap="flat" cmpd="sng" algn="ctr">
+                      <a:solidFill>
+                        <a:schemeClr val="tx1"/>
+                      </a:solidFill>
+                      <a:prstDash val="solid"/>
+                      <a:round/>
+                      <a:headEnd type="none" w="med" len="med"/>
+                      <a:tailEnd type="none" w="med" len="med"/>
+                    </a:lnR>
+                    <a:lnT w="12700" cap="flat" cmpd="sng" algn="ctr">
+                      <a:solidFill>
+                        <a:schemeClr val="tx1"/>
+                      </a:solidFill>
+                      <a:prstDash val="solid"/>
+                      <a:round/>
+                      <a:headEnd type="none" w="med" len="med"/>
+                      <a:tailEnd type="none" w="med" len="med"/>
+                    </a:lnT>
+                    <a:lnB w="12700" cap="flat" cmpd="sng" algn="ctr">
+                      <a:solidFill>
+                        <a:schemeClr val="tx1"/>
+                      </a:solidFill>
+                      <a:prstDash val="solid"/>
+                      <a:round/>
+                      <a:headEnd type="none" w="med" len="med"/>
+                      <a:tailEnd type="none" w="med" len="med"/>
+                    </a:lnB>
+                    <a:lnTlToBr w="12700" cmpd="sng">
+                      <a:noFill/>
+                      <a:prstDash val="solid"/>
+                    </a:lnTlToBr>
+                    <a:lnBlToTr w="12700" cmpd="sng">
+                      <a:noFill/>
+                      <a:prstDash val="solid"/>
+                    </a:lnBlToTr>
+                    <a:solidFill>
+                      <a:schemeClr val="bg2"/>
+                    </a:solidFill>
+                  </a:tcPr>
+                </a:tc>
+                <a:tc>
+                  <a:txBody>
+                    <a:bodyPr/>
+                    <a:lstStyle/>
+                    <a:p>
+                      <a:pPr algn="ctr"/>
+                      <a:r>
+                        <a:rPr kumimoji="1" lang="ja-JP" altLang="en-US" sz="2400">
+                          <a:solidFill>
+                            <a:schemeClr val="tx1"/>
+                          </a:solidFill>
+                        </a:rPr>
+                        <a:t>✔️</a:t>
+                      </a:r>
+                      <a:r>
+                        <a:rPr kumimoji="1" lang="en-US" altLang="ja-JP" sz="2400" dirty="0">
+                          <a:solidFill>
+                            <a:schemeClr val="tx1"/>
+                          </a:solidFill>
+                        </a:rPr>
+                        <a:t> </a:t>
+                      </a:r>
+                    </a:p>
+                    <a:p>
+                      <a:pPr algn="ctr"/>
+                      <a:r>
+                        <a:rPr kumimoji="1" lang="en-US" altLang="ja-JP" sz="2000" dirty="0">
+                          <a:solidFill>
+                            <a:schemeClr val="tx1"/>
+                          </a:solidFill>
+                        </a:rPr>
+                        <a:t>RADIUS</a:t>
+                      </a:r>
+                      <a:br>
+                        <a:rPr kumimoji="1" lang="en-US" altLang="ja-JP" sz="2000" dirty="0">
+                          <a:solidFill>
+                            <a:schemeClr val="tx1"/>
+                          </a:solidFill>
+                        </a:rPr>
+                      </a:br>
+                      <a:r>
+                        <a:rPr kumimoji="1" lang="en-US" altLang="ja-JP" sz="2000" dirty="0">
+                          <a:solidFill>
+                            <a:schemeClr val="tx1"/>
+                          </a:solidFill>
+                        </a:rPr>
+                        <a:t>LDAP</a:t>
+                      </a:r>
+                      <a:endParaRPr kumimoji="1" lang="ja-JP" altLang="en-US" sz="2000">
+                        <a:solidFill>
+                          <a:schemeClr val="tx1"/>
+                        </a:solidFill>
+                      </a:endParaRPr>
+                    </a:p>
+                  </a:txBody>
+                  <a:tcPr anchor="ctr">
+                    <a:lnL w="12700" cap="flat" cmpd="sng" algn="ctr">
+                      <a:solidFill>
+                        <a:schemeClr val="tx1"/>
+                      </a:solidFill>
+                      <a:prstDash val="solid"/>
+                      <a:round/>
+                      <a:headEnd type="none" w="med" len="med"/>
+                      <a:tailEnd type="none" w="med" len="med"/>
+                    </a:lnL>
+                    <a:lnR w="12700" cap="flat" cmpd="sng" algn="ctr">
+                      <a:solidFill>
+                        <a:schemeClr val="tx1"/>
+                      </a:solidFill>
+                      <a:prstDash val="solid"/>
+                      <a:round/>
+                      <a:headEnd type="none" w="med" len="med"/>
+                      <a:tailEnd type="none" w="med" len="med"/>
+                    </a:lnR>
+                    <a:lnT w="12700" cap="flat" cmpd="sng" algn="ctr">
+                      <a:solidFill>
+                        <a:schemeClr val="tx1"/>
+                      </a:solidFill>
+                      <a:prstDash val="solid"/>
+                      <a:round/>
+                      <a:headEnd type="none" w="med" len="med"/>
+                      <a:tailEnd type="none" w="med" len="med"/>
+                    </a:lnT>
+                    <a:lnB w="12700" cap="flat" cmpd="sng" algn="ctr">
+                      <a:solidFill>
+                        <a:schemeClr val="tx1"/>
+                      </a:solidFill>
+                      <a:prstDash val="solid"/>
+                      <a:round/>
+                      <a:headEnd type="none" w="med" len="med"/>
+                      <a:tailEnd type="none" w="med" len="med"/>
+                    </a:lnB>
+                    <a:lnTlToBr w="12700" cmpd="sng">
+                      <a:noFill/>
+                      <a:prstDash val="solid"/>
+                    </a:lnTlToBr>
+                    <a:lnBlToTr w="12700" cmpd="sng">
+                      <a:noFill/>
+                      <a:prstDash val="solid"/>
+                    </a:lnBlToTr>
+                    <a:solidFill>
+                      <a:schemeClr val="bg2"/>
+                    </a:solidFill>
+                  </a:tcPr>
+                </a:tc>
+                <a:tc>
+                  <a:txBody>
+                    <a:bodyPr/>
+                    <a:lstStyle/>
+                    <a:p>
+                      <a:pPr algn="ctr"/>
+                      <a:r>
+                        <a:rPr kumimoji="1" lang="ja-JP" altLang="en-US" sz="2400">
+                          <a:solidFill>
+                            <a:schemeClr val="tx1"/>
+                          </a:solidFill>
+                        </a:rPr>
+                        <a:t>✔️</a:t>
+                      </a:r>
+                      <a:r>
+                        <a:rPr kumimoji="1" lang="en-US" altLang="ja-JP" sz="2400" dirty="0">
+                          <a:solidFill>
+                            <a:schemeClr val="tx1"/>
+                          </a:solidFill>
+                        </a:rPr>
+                        <a:t> </a:t>
+                      </a:r>
+                    </a:p>
+                    <a:p>
+                      <a:pPr algn="ctr"/>
+                      <a:r>
+                        <a:rPr kumimoji="1" lang="en-US" altLang="ja-JP" sz="2000" dirty="0">
+                          <a:solidFill>
+                            <a:schemeClr val="tx1"/>
+                          </a:solidFill>
+                        </a:rPr>
+                        <a:t>RADIUS</a:t>
+                      </a:r>
+                      <a:br>
+                        <a:rPr kumimoji="1" lang="en-US" altLang="ja-JP" sz="2000" dirty="0">
+                          <a:solidFill>
+                            <a:schemeClr val="tx1"/>
+                          </a:solidFill>
+                        </a:rPr>
+                      </a:br>
+                      <a:r>
+                        <a:rPr kumimoji="1" lang="en-US" altLang="ja-JP" sz="2000" dirty="0">
+                          <a:solidFill>
+                            <a:schemeClr val="tx1"/>
+                          </a:solidFill>
+                        </a:rPr>
+                        <a:t>LDAP</a:t>
+                      </a:r>
+                      <a:endParaRPr kumimoji="1" lang="ja-JP" altLang="en-US" sz="2000">
+                        <a:solidFill>
+                          <a:schemeClr val="tx1"/>
+                        </a:solidFill>
+                      </a:endParaRPr>
+                    </a:p>
+                  </a:txBody>
+                  <a:tcPr anchor="ctr">
+                    <a:lnL w="12700" cap="flat" cmpd="sng" algn="ctr">
+                      <a:solidFill>
+                        <a:schemeClr val="tx1"/>
+                      </a:solidFill>
+                      <a:prstDash val="solid"/>
+                      <a:round/>
+                      <a:headEnd type="none" w="med" len="med"/>
+                      <a:tailEnd type="none" w="med" len="med"/>
+                    </a:lnL>
+                    <a:lnR w="12700" cap="flat" cmpd="sng" algn="ctr">
+                      <a:solidFill>
+                        <a:schemeClr val="tx1"/>
+                      </a:solidFill>
+                      <a:prstDash val="solid"/>
+                      <a:round/>
+                      <a:headEnd type="none" w="med" len="med"/>
+                      <a:tailEnd type="none" w="med" len="med"/>
+                    </a:lnR>
+                    <a:lnT w="12700" cap="flat" cmpd="sng" algn="ctr">
+                      <a:solidFill>
+                        <a:schemeClr val="tx1"/>
+                      </a:solidFill>
+                      <a:prstDash val="solid"/>
+                      <a:round/>
+                      <a:headEnd type="none" w="med" len="med"/>
+                      <a:tailEnd type="none" w="med" len="med"/>
+                    </a:lnT>
+                    <a:lnB w="12700" cap="flat" cmpd="sng" algn="ctr">
+                      <a:solidFill>
+                        <a:schemeClr val="tx1"/>
+                      </a:solidFill>
+                      <a:prstDash val="solid"/>
+                      <a:round/>
+                      <a:headEnd type="none" w="med" len="med"/>
+                      <a:tailEnd type="none" w="med" len="med"/>
+                    </a:lnB>
+                    <a:lnTlToBr w="12700" cmpd="sng">
+                      <a:noFill/>
+                      <a:prstDash val="solid"/>
+                    </a:lnTlToBr>
+                    <a:lnBlToTr w="12700" cmpd="sng">
+                      <a:noFill/>
+                      <a:prstDash val="solid"/>
+                    </a:lnBlToTr>
+                    <a:solidFill>
+                      <a:schemeClr val="bg2"/>
+                    </a:solidFill>
+                  </a:tcPr>
+                </a:tc>
+                <a:tc>
+                  <a:txBody>
+                    <a:bodyPr/>
+                    <a:lstStyle/>
+                    <a:p>
+                      <a:pPr algn="ctr"/>
+                      <a:r>
+                        <a:rPr kumimoji="1" lang="ja-JP" altLang="en-US" sz="2400">
+                          <a:solidFill>
+                            <a:schemeClr val="tx1"/>
+                          </a:solidFill>
+                        </a:rPr>
+                        <a:t>✔️</a:t>
+                      </a:r>
+                      <a:endParaRPr kumimoji="1" lang="en-US" altLang="ja-JP" sz="2400" dirty="0">
+                        <a:solidFill>
+                          <a:schemeClr val="tx1"/>
+                        </a:solidFill>
+                      </a:endParaRPr>
+                    </a:p>
+                    <a:p>
+                      <a:pPr algn="ctr"/>
+                      <a:r>
+                        <a:rPr kumimoji="1" lang="en-US" altLang="ja-JP" sz="2000" dirty="0">
+                          <a:solidFill>
+                            <a:schemeClr val="tx1"/>
+                          </a:solidFill>
+                        </a:rPr>
+                        <a:t>LDAP </a:t>
+                      </a:r>
+                      <a:br>
+                        <a:rPr kumimoji="1" lang="en-US" altLang="ja-JP" sz="2000" dirty="0">
+                          <a:solidFill>
+                            <a:schemeClr val="tx1"/>
+                          </a:solidFill>
+                        </a:rPr>
+                      </a:br>
+                      <a:r>
+                        <a:rPr kumimoji="1" lang="en-US" altLang="ja-JP" sz="2000" dirty="0">
+                          <a:solidFill>
+                            <a:schemeClr val="tx1"/>
+                          </a:solidFill>
+                        </a:rPr>
+                        <a:t>Kerberos</a:t>
+                      </a:r>
+                      <a:endParaRPr kumimoji="1" lang="ja-JP" altLang="en-US" sz="2000">
+                        <a:solidFill>
+                          <a:schemeClr val="tx1"/>
+                        </a:solidFill>
+                      </a:endParaRPr>
+                    </a:p>
+                  </a:txBody>
+                  <a:tcPr anchor="ctr">
+                    <a:lnL w="12700" cap="flat" cmpd="sng" algn="ctr">
+                      <a:solidFill>
+                        <a:schemeClr val="tx1"/>
+                      </a:solidFill>
+                      <a:prstDash val="solid"/>
+                      <a:round/>
+                      <a:headEnd type="none" w="med" len="med"/>
+                      <a:tailEnd type="none" w="med" len="med"/>
+                    </a:lnL>
+                    <a:lnR w="12700" cap="flat" cmpd="sng" algn="ctr">
+                      <a:solidFill>
+                        <a:schemeClr val="tx1"/>
+                      </a:solidFill>
+                      <a:prstDash val="solid"/>
+                      <a:round/>
+                      <a:headEnd type="none" w="med" len="med"/>
+                      <a:tailEnd type="none" w="med" len="med"/>
+                    </a:lnR>
+                    <a:lnT w="12700" cap="flat" cmpd="sng" algn="ctr">
+                      <a:solidFill>
+                        <a:schemeClr val="tx1"/>
+                      </a:solidFill>
+                      <a:prstDash val="solid"/>
+                      <a:round/>
+                      <a:headEnd type="none" w="med" len="med"/>
+                      <a:tailEnd type="none" w="med" len="med"/>
+                    </a:lnT>
+                    <a:lnB w="12700" cap="flat" cmpd="sng" algn="ctr">
+                      <a:solidFill>
+                        <a:schemeClr val="tx1"/>
+                      </a:solidFill>
+                      <a:prstDash val="solid"/>
+                      <a:round/>
+                      <a:headEnd type="none" w="med" len="med"/>
+                      <a:tailEnd type="none" w="med" len="med"/>
+                    </a:lnB>
+                    <a:lnTlToBr w="12700" cmpd="sng">
+                      <a:noFill/>
+                      <a:prstDash val="solid"/>
+                    </a:lnTlToBr>
+                    <a:lnBlToTr w="12700" cmpd="sng">
+                      <a:noFill/>
+                      <a:prstDash val="solid"/>
+                    </a:lnBlToTr>
+                    <a:solidFill>
+                      <a:schemeClr val="bg2"/>
                     </a:solidFill>
                   </a:tcPr>
                 </a:tc>
                 <a:extLst>
                   <a:ext uri="{0D108BD9-81ED-4DB2-BD59-A6C34878D82A}">
-                    <a16:rowId xmlns:a16="http://schemas.microsoft.com/office/drawing/2014/main" val="1034411028"/>
+                    <a16:rowId xmlns:a16="http://schemas.microsoft.com/office/drawing/2014/main" val="3244436715"/>
                   </a:ext>
                 </a:extLst>
               </a:tr>
-              <a:tr h="469142">
-                <a:tc>
-                  <a:txBody>
-                    <a:bodyPr/>
-                    <a:lstStyle/>
-                    <a:p>
-                      <a:pPr algn="ctr" fontAlgn="ctr"/>
-                      <a:r>
-                        <a:rPr lang="ja-JP" altLang="en-US" sz="2400" b="1" u="none" strike="noStrike">
-                          <a:effectLst/>
-                        </a:rPr>
-                        <a:t>メモリ</a:t>
-                      </a:r>
-                      <a:endParaRPr lang="ja-JP" altLang="en-US" sz="2400" b="1" i="0" u="none" strike="noStrike">
+              <a:tr h="516689">
+                <a:tc>
+                  <a:txBody>
+                    <a:bodyPr/>
+                    <a:lstStyle/>
+                    <a:p>
+                      <a:pPr algn="ctr"/>
+                      <a:r>
+                        <a:rPr kumimoji="1" lang="en-US" altLang="ja-JP" sz="2400" b="1" dirty="0">
+                          <a:solidFill>
+                            <a:schemeClr val="tx1"/>
+                          </a:solidFill>
+                        </a:rPr>
+                        <a:t>⑤</a:t>
+                      </a:r>
+                      <a:r>
+                        <a:rPr kumimoji="1" lang="ja-JP" altLang="en-US" sz="2400" b="1">
+                          <a:solidFill>
+                            <a:schemeClr val="tx1"/>
+                          </a:solidFill>
+                        </a:rPr>
+                        <a:t>情報登録の自動化</a:t>
+                      </a:r>
+                      <a:endParaRPr kumimoji="1" lang="en-US" altLang="ja-JP" sz="2400" b="1" dirty="0">
                         <a:solidFill>
-                          <a:srgbClr val="000000"/>
+                          <a:schemeClr val="tx1"/>
                         </a:solidFill>
-                        <a:effectLst/>
-                        <a:latin typeface="游ゴシック" panose="020B0400000000000000" pitchFamily="34" charset="-128"/>
-                        <a:ea typeface="游ゴシック" panose="020B0400000000000000" pitchFamily="34" charset="-128"/>
                       </a:endParaRPr>
                     </a:p>
                   </a:txBody>
-                  <a:tcPr marL="6856" marR="6856" marT="6856" marB="0" anchor="ctr">
+                  <a:tcPr anchor="ctr">
                     <a:lnL w="12700" cap="flat" cmpd="sng" algn="ctr">
                       <a:solidFill>
                         <a:schemeClr val="tx1"/>
@@ -21772,26 +27250,18 @@
                     <a:bodyPr/>
                     <a:lstStyle/>
                     <a:p>
-                      <a:pPr algn="ctr" fontAlgn="ctr"/>
-                      <a:r>
-                        <a:rPr lang="en" sz="2400" u="none" strike="noStrike" dirty="0">
-                          <a:effectLst/>
-                          <a:latin typeface="+mn-ea"/>
-                          <a:ea typeface="+mn-ea"/>
-                        </a:rPr>
-                        <a:t>128GB</a:t>
-                      </a:r>
-                      <a:endParaRPr lang="en" sz="2400" b="0" i="0" u="none" strike="noStrike" dirty="0">
-                        <a:solidFill>
-                          <a:srgbClr val="000000"/>
-                        </a:solidFill>
-                        <a:effectLst/>
-                        <a:latin typeface="+mn-ea"/>
-                        <a:ea typeface="+mn-ea"/>
-                      </a:endParaRPr>
-                    </a:p>
-                  </a:txBody>
-                  <a:tcPr marL="6856" marR="6856" marT="6856" marB="0" anchor="ctr">
+                      <a:pPr algn="ctr"/>
+                      <a:r>
+                        <a:rPr kumimoji="1" lang="ja-JP" altLang="en-US" sz="2400">
+                          <a:solidFill>
+                            <a:schemeClr val="tx1"/>
+                          </a:solidFill>
+                        </a:rPr>
+                        <a:t>ー</a:t>
+                      </a:r>
+                    </a:p>
+                  </a:txBody>
+                  <a:tcPr anchor="ctr">
                     <a:lnL w="12700" cap="flat" cmpd="sng" algn="ctr">
                       <a:solidFill>
                         <a:schemeClr val="tx1"/>
@@ -21837,40 +27307,298 @@
                       <a:prstDash val="solid"/>
                     </a:lnBlToTr>
                     <a:solidFill>
-                      <a:schemeClr val="bg1"/>
+                      <a:schemeClr val="bg2"/>
+                    </a:solidFill>
+                  </a:tcPr>
+                </a:tc>
+                <a:tc>
+                  <a:txBody>
+                    <a:bodyPr/>
+                    <a:lstStyle/>
+                    <a:p>
+                      <a:pPr algn="ctr"/>
+                      <a:r>
+                        <a:rPr kumimoji="1" lang="ja-JP" altLang="en-US" sz="2400">
+                          <a:solidFill>
+                            <a:schemeClr val="tx1"/>
+                          </a:solidFill>
+                        </a:rPr>
+                        <a:t>ー</a:t>
+                      </a:r>
+                    </a:p>
+                  </a:txBody>
+                  <a:tcPr anchor="ctr">
+                    <a:lnL w="12700" cap="flat" cmpd="sng" algn="ctr">
+                      <a:solidFill>
+                        <a:schemeClr val="tx1"/>
+                      </a:solidFill>
+                      <a:prstDash val="solid"/>
+                      <a:round/>
+                      <a:headEnd type="none" w="med" len="med"/>
+                      <a:tailEnd type="none" w="med" len="med"/>
+                    </a:lnL>
+                    <a:lnR w="12700" cap="flat" cmpd="sng" algn="ctr">
+                      <a:solidFill>
+                        <a:schemeClr val="tx1"/>
+                      </a:solidFill>
+                      <a:prstDash val="solid"/>
+                      <a:round/>
+                      <a:headEnd type="none" w="med" len="med"/>
+                      <a:tailEnd type="none" w="med" len="med"/>
+                    </a:lnR>
+                    <a:lnT w="12700" cap="flat" cmpd="sng" algn="ctr">
+                      <a:solidFill>
+                        <a:schemeClr val="tx1"/>
+                      </a:solidFill>
+                      <a:prstDash val="solid"/>
+                      <a:round/>
+                      <a:headEnd type="none" w="med" len="med"/>
+                      <a:tailEnd type="none" w="med" len="med"/>
+                    </a:lnT>
+                    <a:lnB w="12700" cap="flat" cmpd="sng" algn="ctr">
+                      <a:solidFill>
+                        <a:schemeClr val="tx1"/>
+                      </a:solidFill>
+                      <a:prstDash val="solid"/>
+                      <a:round/>
+                      <a:headEnd type="none" w="med" len="med"/>
+                      <a:tailEnd type="none" w="med" len="med"/>
+                    </a:lnB>
+                    <a:lnTlToBr w="12700" cmpd="sng">
+                      <a:noFill/>
+                      <a:prstDash val="solid"/>
+                    </a:lnTlToBr>
+                    <a:lnBlToTr w="12700" cmpd="sng">
+                      <a:noFill/>
+                      <a:prstDash val="solid"/>
+                    </a:lnBlToTr>
+                    <a:solidFill>
+                      <a:schemeClr val="bg2"/>
+                    </a:solidFill>
+                  </a:tcPr>
+                </a:tc>
+                <a:tc>
+                  <a:txBody>
+                    <a:bodyPr/>
+                    <a:lstStyle/>
+                    <a:p>
+                      <a:pPr algn="ctr"/>
+                      <a:r>
+                        <a:rPr kumimoji="1" lang="ja-JP" altLang="en-US" sz="2400">
+                          <a:solidFill>
+                            <a:schemeClr val="tx1"/>
+                          </a:solidFill>
+                        </a:rPr>
+                        <a:t>ー</a:t>
+                      </a:r>
+                    </a:p>
+                  </a:txBody>
+                  <a:tcPr anchor="ctr">
+                    <a:lnL w="12700" cap="flat" cmpd="sng" algn="ctr">
+                      <a:solidFill>
+                        <a:schemeClr val="tx1"/>
+                      </a:solidFill>
+                      <a:prstDash val="solid"/>
+                      <a:round/>
+                      <a:headEnd type="none" w="med" len="med"/>
+                      <a:tailEnd type="none" w="med" len="med"/>
+                    </a:lnL>
+                    <a:lnR w="12700" cap="flat" cmpd="sng" algn="ctr">
+                      <a:solidFill>
+                        <a:schemeClr val="tx1"/>
+                      </a:solidFill>
+                      <a:prstDash val="solid"/>
+                      <a:round/>
+                      <a:headEnd type="none" w="med" len="med"/>
+                      <a:tailEnd type="none" w="med" len="med"/>
+                    </a:lnR>
+                    <a:lnT w="12700" cap="flat" cmpd="sng" algn="ctr">
+                      <a:solidFill>
+                        <a:schemeClr val="tx1"/>
+                      </a:solidFill>
+                      <a:prstDash val="solid"/>
+                      <a:round/>
+                      <a:headEnd type="none" w="med" len="med"/>
+                      <a:tailEnd type="none" w="med" len="med"/>
+                    </a:lnT>
+                    <a:lnB w="12700" cap="flat" cmpd="sng" algn="ctr">
+                      <a:solidFill>
+                        <a:schemeClr val="tx1"/>
+                      </a:solidFill>
+                      <a:prstDash val="solid"/>
+                      <a:round/>
+                      <a:headEnd type="none" w="med" len="med"/>
+                      <a:tailEnd type="none" w="med" len="med"/>
+                    </a:lnB>
+                    <a:lnTlToBr w="12700" cmpd="sng">
+                      <a:noFill/>
+                      <a:prstDash val="solid"/>
+                    </a:lnTlToBr>
+                    <a:lnBlToTr w="12700" cmpd="sng">
+                      <a:noFill/>
+                      <a:prstDash val="solid"/>
+                    </a:lnBlToTr>
+                    <a:solidFill>
+                      <a:schemeClr val="bg2"/>
+                    </a:solidFill>
+                  </a:tcPr>
+                </a:tc>
+                <a:tc>
+                  <a:txBody>
+                    <a:bodyPr/>
+                    <a:lstStyle/>
+                    <a:p>
+                      <a:pPr algn="ctr"/>
+                      <a:r>
+                        <a:rPr kumimoji="1" lang="ja-JP" altLang="en-US" sz="2400">
+                          <a:solidFill>
+                            <a:schemeClr val="tx1"/>
+                          </a:solidFill>
+                        </a:rPr>
+                        <a:t>ー</a:t>
+                      </a:r>
+                    </a:p>
+                  </a:txBody>
+                  <a:tcPr anchor="ctr">
+                    <a:lnL w="12700" cap="flat" cmpd="sng" algn="ctr">
+                      <a:solidFill>
+                        <a:schemeClr val="tx1"/>
+                      </a:solidFill>
+                      <a:prstDash val="solid"/>
+                      <a:round/>
+                      <a:headEnd type="none" w="med" len="med"/>
+                      <a:tailEnd type="none" w="med" len="med"/>
+                    </a:lnL>
+                    <a:lnR w="12700" cap="flat" cmpd="sng" algn="ctr">
+                      <a:solidFill>
+                        <a:schemeClr val="tx1"/>
+                      </a:solidFill>
+                      <a:prstDash val="solid"/>
+                      <a:round/>
+                      <a:headEnd type="none" w="med" len="med"/>
+                      <a:tailEnd type="none" w="med" len="med"/>
+                    </a:lnR>
+                    <a:lnT w="12700" cap="flat" cmpd="sng" algn="ctr">
+                      <a:solidFill>
+                        <a:schemeClr val="tx1"/>
+                      </a:solidFill>
+                      <a:prstDash val="solid"/>
+                      <a:round/>
+                      <a:headEnd type="none" w="med" len="med"/>
+                      <a:tailEnd type="none" w="med" len="med"/>
+                    </a:lnT>
+                    <a:lnB w="12700" cap="flat" cmpd="sng" algn="ctr">
+                      <a:solidFill>
+                        <a:schemeClr val="tx1"/>
+                      </a:solidFill>
+                      <a:prstDash val="solid"/>
+                      <a:round/>
+                      <a:headEnd type="none" w="med" len="med"/>
+                      <a:tailEnd type="none" w="med" len="med"/>
+                    </a:lnB>
+                    <a:lnTlToBr w="12700" cmpd="sng">
+                      <a:noFill/>
+                      <a:prstDash val="solid"/>
+                    </a:lnTlToBr>
+                    <a:lnBlToTr w="12700" cmpd="sng">
+                      <a:noFill/>
+                      <a:prstDash val="solid"/>
+                    </a:lnBlToTr>
+                    <a:solidFill>
+                      <a:schemeClr val="bg2"/>
+                    </a:solidFill>
+                  </a:tcPr>
+                </a:tc>
+                <a:tc>
+                  <a:txBody>
+                    <a:bodyPr/>
+                    <a:lstStyle/>
+                    <a:p>
+                      <a:pPr algn="ctr"/>
+                      <a:r>
+                        <a:rPr kumimoji="1" lang="ja-JP" altLang="en-US" sz="2400">
+                          <a:solidFill>
+                            <a:schemeClr val="tx1"/>
+                          </a:solidFill>
+                        </a:rPr>
+                        <a:t>ー</a:t>
+                      </a:r>
+                    </a:p>
+                  </a:txBody>
+                  <a:tcPr anchor="ctr">
+                    <a:lnL w="12700" cap="flat" cmpd="sng" algn="ctr">
+                      <a:solidFill>
+                        <a:schemeClr val="tx1"/>
+                      </a:solidFill>
+                      <a:prstDash val="solid"/>
+                      <a:round/>
+                      <a:headEnd type="none" w="med" len="med"/>
+                      <a:tailEnd type="none" w="med" len="med"/>
+                    </a:lnL>
+                    <a:lnR w="12700" cap="flat" cmpd="sng" algn="ctr">
+                      <a:solidFill>
+                        <a:schemeClr val="tx1"/>
+                      </a:solidFill>
+                      <a:prstDash val="solid"/>
+                      <a:round/>
+                      <a:headEnd type="none" w="med" len="med"/>
+                      <a:tailEnd type="none" w="med" len="med"/>
+                    </a:lnR>
+                    <a:lnT w="12700" cap="flat" cmpd="sng" algn="ctr">
+                      <a:solidFill>
+                        <a:schemeClr val="tx1"/>
+                      </a:solidFill>
+                      <a:prstDash val="solid"/>
+                      <a:round/>
+                      <a:headEnd type="none" w="med" len="med"/>
+                      <a:tailEnd type="none" w="med" len="med"/>
+                    </a:lnT>
+                    <a:lnB w="12700" cap="flat" cmpd="sng" algn="ctr">
+                      <a:solidFill>
+                        <a:schemeClr val="tx1"/>
+                      </a:solidFill>
+                      <a:prstDash val="solid"/>
+                      <a:round/>
+                      <a:headEnd type="none" w="med" len="med"/>
+                      <a:tailEnd type="none" w="med" len="med"/>
+                    </a:lnB>
+                    <a:lnTlToBr w="12700" cmpd="sng">
+                      <a:noFill/>
+                      <a:prstDash val="solid"/>
+                    </a:lnTlToBr>
+                    <a:lnBlToTr w="12700" cmpd="sng">
+                      <a:noFill/>
+                      <a:prstDash val="solid"/>
+                    </a:lnBlToTr>
+                    <a:solidFill>
+                      <a:schemeClr val="bg2"/>
                     </a:solidFill>
                   </a:tcPr>
                 </a:tc>
                 <a:extLst>
                   <a:ext uri="{0D108BD9-81ED-4DB2-BD59-A6C34878D82A}">
-                    <a16:rowId xmlns:a16="http://schemas.microsoft.com/office/drawing/2014/main" val="3928579759"/>
+                    <a16:rowId xmlns:a16="http://schemas.microsoft.com/office/drawing/2014/main" val="4220166357"/>
                   </a:ext>
                 </a:extLst>
               </a:tr>
-              <a:tr h="1594179">
-                <a:tc>
-                  <a:txBody>
-                    <a:bodyPr/>
-                    <a:lstStyle/>
-                    <a:p>
-                      <a:pPr algn="ctr" fontAlgn="ctr"/>
-                      <a:r>
-                        <a:rPr lang="ja-JP" altLang="en-US" sz="2400" b="1" u="none" strike="noStrike">
-                          <a:effectLst/>
-                        </a:rPr>
-                        <a:t>ストレージ</a:t>
-                      </a:r>
-                      <a:endParaRPr lang="ja-JP" altLang="en-US" sz="2400" b="1" i="0" u="none" strike="noStrike">
-                        <a:solidFill>
-                          <a:srgbClr val="000000"/>
-                        </a:solidFill>
-                        <a:effectLst/>
-                        <a:latin typeface="游ゴシック" panose="020B0400000000000000" pitchFamily="34" charset="-128"/>
-                        <a:ea typeface="游ゴシック" panose="020B0400000000000000" pitchFamily="34" charset="-128"/>
-                      </a:endParaRPr>
-                    </a:p>
-                  </a:txBody>
-                  <a:tcPr marL="6856" marR="6856" marT="6856" marB="0" anchor="ctr">
+              <a:tr h="529944">
+                <a:tc>
+                  <a:txBody>
+                    <a:bodyPr/>
+                    <a:lstStyle/>
+                    <a:p>
+                      <a:pPr algn="ctr"/>
+                      <a:r>
+                        <a:rPr kumimoji="1" lang="en-US" altLang="ja-JP" sz="2400" b="1" dirty="0">
+                          <a:solidFill>
+                            <a:schemeClr val="tx1"/>
+                          </a:solidFill>
+                        </a:rPr>
+                        <a:t>⑥GUI</a:t>
+                      </a:r>
+                    </a:p>
+                  </a:txBody>
+                  <a:tcPr anchor="ctr">
                     <a:lnL w="12700" cap="flat" cmpd="sng" algn="ctr">
                       <a:solidFill>
                         <a:schemeClr val="tx1"/>
@@ -21927,174 +27655,18 @@
                     <a:bodyPr/>
                     <a:lstStyle/>
                     <a:p>
-                      <a:pPr algn="ctr" fontAlgn="ctr"/>
-                      <a:r>
-                        <a:rPr lang="ja-JP" altLang="en-US" sz="2400" u="none" strike="noStrike">
-                          <a:effectLst/>
-                          <a:latin typeface="+mn-ea"/>
-                          <a:ea typeface="+mn-ea"/>
-                        </a:rPr>
-                        <a:t>モデル：</a:t>
-                      </a:r>
-                      <a:r>
-                        <a:rPr lang="en" sz="2400" u="none" strike="noStrike" dirty="0">
-                          <a:effectLst/>
-                          <a:latin typeface="+mn-ea"/>
-                          <a:ea typeface="+mn-ea"/>
-                        </a:rPr>
-                        <a:t>ATA SAMSUNG MZ7LM240 (</a:t>
-                      </a:r>
-                      <a:r>
-                        <a:rPr lang="en" sz="2400" u="none" strike="noStrike" dirty="0" err="1">
-                          <a:effectLst/>
-                          <a:latin typeface="+mn-ea"/>
-                          <a:ea typeface="+mn-ea"/>
-                        </a:rPr>
-                        <a:t>scsi</a:t>
-                      </a:r>
-                      <a:r>
-                        <a:rPr lang="en" sz="2400" u="none" strike="noStrike" dirty="0">
-                          <a:effectLst/>
-                          <a:latin typeface="+mn-ea"/>
-                          <a:ea typeface="+mn-ea"/>
-                        </a:rPr>
-                        <a:t>)</a:t>
-                      </a:r>
-                      <a:br>
-                        <a:rPr lang="en" sz="2400" u="none" strike="noStrike" dirty="0">
-                          <a:effectLst/>
-                          <a:latin typeface="+mn-ea"/>
-                          <a:ea typeface="+mn-ea"/>
-                        </a:rPr>
-                      </a:br>
-                      <a:r>
-                        <a:rPr lang="ja-JP" altLang="en-US" sz="2400" u="none" strike="noStrike">
-                          <a:effectLst/>
-                          <a:latin typeface="+mn-ea"/>
-                          <a:ea typeface="+mn-ea"/>
-                        </a:rPr>
-                        <a:t>ハードディスク </a:t>
-                      </a:r>
-                      <a:r>
-                        <a:rPr lang="en-US" altLang="ja-JP" sz="2400" u="none" strike="noStrike" dirty="0">
-                          <a:effectLst/>
-                          <a:latin typeface="+mn-ea"/>
-                          <a:ea typeface="+mn-ea"/>
-                        </a:rPr>
-                        <a:t>/</a:t>
-                      </a:r>
-                      <a:r>
-                        <a:rPr lang="en" sz="2400" u="none" strike="noStrike" dirty="0">
-                          <a:effectLst/>
-                          <a:latin typeface="+mn-ea"/>
-                          <a:ea typeface="+mn-ea"/>
-                        </a:rPr>
-                        <a:t>dev/</a:t>
-                      </a:r>
-                      <a:r>
-                        <a:rPr lang="en" sz="2400" u="none" strike="noStrike" dirty="0" err="1">
-                          <a:effectLst/>
-                          <a:latin typeface="+mn-ea"/>
-                          <a:ea typeface="+mn-ea"/>
-                        </a:rPr>
-                        <a:t>sda</a:t>
-                      </a:r>
-                      <a:r>
-                        <a:rPr lang="en" sz="2400" u="none" strike="noStrike" dirty="0">
-                          <a:effectLst/>
-                          <a:latin typeface="+mn-ea"/>
-                          <a:ea typeface="+mn-ea"/>
-                        </a:rPr>
-                        <a:t>: 240GB</a:t>
-                      </a:r>
-                      <a:br>
-                        <a:rPr lang="en" sz="2400" u="none" strike="noStrike" dirty="0">
-                          <a:effectLst/>
-                          <a:latin typeface="+mn-ea"/>
-                          <a:ea typeface="+mn-ea"/>
-                        </a:rPr>
-                      </a:br>
-                      <a:r>
-                        <a:rPr lang="ja-JP" altLang="en-US" sz="2400" u="none" strike="noStrike">
-                          <a:effectLst/>
-                          <a:latin typeface="+mn-ea"/>
-                          <a:ea typeface="+mn-ea"/>
-                        </a:rPr>
-                        <a:t>セクタサイズ </a:t>
-                      </a:r>
-                      <a:r>
-                        <a:rPr lang="en-US" altLang="ja-JP" sz="2400" u="none" strike="noStrike" dirty="0">
-                          <a:effectLst/>
-                          <a:latin typeface="+mn-ea"/>
-                          <a:ea typeface="+mn-ea"/>
-                        </a:rPr>
-                        <a:t>(</a:t>
-                      </a:r>
-                      <a:r>
-                        <a:rPr lang="ja-JP" altLang="en-US" sz="2400" u="none" strike="noStrike">
-                          <a:effectLst/>
-                          <a:latin typeface="+mn-ea"/>
-                          <a:ea typeface="+mn-ea"/>
-                        </a:rPr>
-                        <a:t>論理</a:t>
-                      </a:r>
-                      <a:r>
-                        <a:rPr lang="en-US" altLang="ja-JP" sz="2400" u="none" strike="noStrike" dirty="0">
-                          <a:effectLst/>
-                          <a:latin typeface="+mn-ea"/>
-                          <a:ea typeface="+mn-ea"/>
-                        </a:rPr>
-                        <a:t>/</a:t>
-                      </a:r>
-                      <a:r>
-                        <a:rPr lang="ja-JP" altLang="en-US" sz="2400" u="none" strike="noStrike">
-                          <a:effectLst/>
-                          <a:latin typeface="+mn-ea"/>
-                          <a:ea typeface="+mn-ea"/>
-                        </a:rPr>
-                        <a:t>物理</a:t>
-                      </a:r>
-                      <a:r>
-                        <a:rPr lang="en-US" altLang="ja-JP" sz="2400" u="none" strike="noStrike" dirty="0">
-                          <a:effectLst/>
-                          <a:latin typeface="+mn-ea"/>
-                          <a:ea typeface="+mn-ea"/>
-                        </a:rPr>
-                        <a:t>): 512</a:t>
-                      </a:r>
-                      <a:r>
-                        <a:rPr lang="en" sz="2400" u="none" strike="noStrike" dirty="0">
-                          <a:effectLst/>
-                          <a:latin typeface="+mn-ea"/>
-                          <a:ea typeface="+mn-ea"/>
-                        </a:rPr>
-                        <a:t>B/512B</a:t>
-                      </a:r>
-                    </a:p>
-                    <a:p>
-                      <a:pPr algn="ctr" fontAlgn="ctr"/>
-                      <a:r>
-                        <a:rPr lang="en-US" altLang="ja-JP" sz="2400" b="1" i="0" u="none" strike="noStrike" dirty="0">
-                          <a:solidFill>
-                            <a:srgbClr val="000000"/>
-                          </a:solidFill>
-                          <a:effectLst/>
-                          <a:latin typeface="+mn-ea"/>
-                          <a:ea typeface="+mn-ea"/>
-                        </a:rPr>
-                        <a:t>×2</a:t>
-                      </a:r>
-                      <a:endParaRPr lang="en" sz="2400" b="1" i="0" u="none" strike="noStrike" dirty="0">
-                        <a:solidFill>
-                          <a:srgbClr val="000000"/>
-                        </a:solidFill>
-                        <a:effectLst/>
-                        <a:latin typeface="+mn-ea"/>
-                        <a:ea typeface="+mn-ea"/>
-                      </a:endParaRPr>
-                    </a:p>
-                  </a:txBody>
-                  <a:tcPr marL="6856" marR="6856" marT="6856" marB="0" anchor="ctr">
+                      <a:pPr algn="ctr"/>
+                      <a:r>
+                        <a:rPr kumimoji="1" lang="ja-JP" altLang="en-US" sz="2400">
+                          <a:solidFill>
+                            <a:schemeClr val="tx1"/>
+                          </a:solidFill>
+                        </a:rPr>
+                        <a:t>ー</a:t>
+                      </a:r>
+                    </a:p>
+                  </a:txBody>
+                  <a:tcPr anchor="ctr">
                     <a:lnL w="12700" cap="flat" cmpd="sng" algn="ctr">
                       <a:solidFill>
                         <a:schemeClr val="tx1"/>
@@ -22140,40 +27712,332 @@
                       <a:prstDash val="solid"/>
                     </a:lnBlToTr>
                     <a:solidFill>
-                      <a:schemeClr val="bg1"/>
+                      <a:schemeClr val="bg2"/>
+                    </a:solidFill>
+                  </a:tcPr>
+                </a:tc>
+                <a:tc>
+                  <a:txBody>
+                    <a:bodyPr/>
+                    <a:lstStyle/>
+                    <a:p>
+                      <a:pPr algn="ctr"/>
+                      <a:r>
+                        <a:rPr kumimoji="1" lang="ja-JP" altLang="en-US" sz="2400">
+                          <a:solidFill>
+                            <a:schemeClr val="tx1"/>
+                          </a:solidFill>
+                        </a:rPr>
+                        <a:t>ー</a:t>
+                      </a:r>
+                    </a:p>
+                  </a:txBody>
+                  <a:tcPr anchor="ctr">
+                    <a:lnL w="12700" cap="flat" cmpd="sng" algn="ctr">
+                      <a:solidFill>
+                        <a:schemeClr val="tx1"/>
+                      </a:solidFill>
+                      <a:prstDash val="solid"/>
+                      <a:round/>
+                      <a:headEnd type="none" w="med" len="med"/>
+                      <a:tailEnd type="none" w="med" len="med"/>
+                    </a:lnL>
+                    <a:lnR w="12700" cap="flat" cmpd="sng" algn="ctr">
+                      <a:solidFill>
+                        <a:schemeClr val="tx1"/>
+                      </a:solidFill>
+                      <a:prstDash val="solid"/>
+                      <a:round/>
+                      <a:headEnd type="none" w="med" len="med"/>
+                      <a:tailEnd type="none" w="med" len="med"/>
+                    </a:lnR>
+                    <a:lnT w="12700" cap="flat" cmpd="sng" algn="ctr">
+                      <a:solidFill>
+                        <a:schemeClr val="tx1"/>
+                      </a:solidFill>
+                      <a:prstDash val="solid"/>
+                      <a:round/>
+                      <a:headEnd type="none" w="med" len="med"/>
+                      <a:tailEnd type="none" w="med" len="med"/>
+                    </a:lnT>
+                    <a:lnB w="12700" cap="flat" cmpd="sng" algn="ctr">
+                      <a:solidFill>
+                        <a:schemeClr val="tx1"/>
+                      </a:solidFill>
+                      <a:prstDash val="solid"/>
+                      <a:round/>
+                      <a:headEnd type="none" w="med" len="med"/>
+                      <a:tailEnd type="none" w="med" len="med"/>
+                    </a:lnB>
+                    <a:lnTlToBr w="12700" cmpd="sng">
+                      <a:noFill/>
+                      <a:prstDash val="solid"/>
+                    </a:lnTlToBr>
+                    <a:lnBlToTr w="12700" cmpd="sng">
+                      <a:noFill/>
+                      <a:prstDash val="solid"/>
+                    </a:lnBlToTr>
+                    <a:solidFill>
+                      <a:schemeClr val="bg2"/>
+                    </a:solidFill>
+                  </a:tcPr>
+                </a:tc>
+                <a:tc>
+                  <a:txBody>
+                    <a:bodyPr/>
+                    <a:lstStyle/>
+                    <a:p>
+                      <a:pPr algn="ctr"/>
+                      <a:r>
+                        <a:rPr kumimoji="1" lang="ja-JP" altLang="en-US" sz="2400">
+                          <a:solidFill>
+                            <a:schemeClr val="tx1"/>
+                          </a:solidFill>
+                        </a:rPr>
+                        <a:t>✔️</a:t>
+                      </a:r>
+                      <a:r>
+                        <a:rPr kumimoji="1" lang="en-US" altLang="ja-JP" sz="2400" dirty="0">
+                          <a:solidFill>
+                            <a:schemeClr val="tx1"/>
+                          </a:solidFill>
+                        </a:rPr>
+                        <a:t> </a:t>
+                      </a:r>
+                      <a:endParaRPr kumimoji="1" lang="ja-JP" altLang="en-US" sz="2400">
+                        <a:solidFill>
+                          <a:schemeClr val="tx1"/>
+                        </a:solidFill>
+                      </a:endParaRPr>
+                    </a:p>
+                  </a:txBody>
+                  <a:tcPr anchor="ctr">
+                    <a:lnL w="12700" cap="flat" cmpd="sng" algn="ctr">
+                      <a:solidFill>
+                        <a:schemeClr val="tx1"/>
+                      </a:solidFill>
+                      <a:prstDash val="solid"/>
+                      <a:round/>
+                      <a:headEnd type="none" w="med" len="med"/>
+                      <a:tailEnd type="none" w="med" len="med"/>
+                    </a:lnL>
+                    <a:lnR w="12700" cap="flat" cmpd="sng" algn="ctr">
+                      <a:solidFill>
+                        <a:schemeClr val="tx1"/>
+                      </a:solidFill>
+                      <a:prstDash val="solid"/>
+                      <a:round/>
+                      <a:headEnd type="none" w="med" len="med"/>
+                      <a:tailEnd type="none" w="med" len="med"/>
+                    </a:lnR>
+                    <a:lnT w="12700" cap="flat" cmpd="sng" algn="ctr">
+                      <a:solidFill>
+                        <a:schemeClr val="tx1"/>
+                      </a:solidFill>
+                      <a:prstDash val="solid"/>
+                      <a:round/>
+                      <a:headEnd type="none" w="med" len="med"/>
+                      <a:tailEnd type="none" w="med" len="med"/>
+                    </a:lnT>
+                    <a:lnB w="12700" cap="flat" cmpd="sng" algn="ctr">
+                      <a:solidFill>
+                        <a:schemeClr val="tx1"/>
+                      </a:solidFill>
+                      <a:prstDash val="solid"/>
+                      <a:round/>
+                      <a:headEnd type="none" w="med" len="med"/>
+                      <a:tailEnd type="none" w="med" len="med"/>
+                    </a:lnB>
+                    <a:lnTlToBr w="12700" cmpd="sng">
+                      <a:noFill/>
+                      <a:prstDash val="solid"/>
+                    </a:lnTlToBr>
+                    <a:lnBlToTr w="12700" cmpd="sng">
+                      <a:noFill/>
+                      <a:prstDash val="solid"/>
+                    </a:lnBlToTr>
+                    <a:solidFill>
+                      <a:schemeClr val="bg2"/>
+                    </a:solidFill>
+                  </a:tcPr>
+                </a:tc>
+                <a:tc>
+                  <a:txBody>
+                    <a:bodyPr/>
+                    <a:lstStyle/>
+                    <a:p>
+                      <a:pPr algn="ctr"/>
+                      <a:r>
+                        <a:rPr kumimoji="1" lang="ja-JP" altLang="en-US" sz="2400">
+                          <a:solidFill>
+                            <a:schemeClr val="tx1"/>
+                          </a:solidFill>
+                        </a:rPr>
+                        <a:t>✔️</a:t>
+                      </a:r>
+                      <a:r>
+                        <a:rPr kumimoji="1" lang="en-US" altLang="ja-JP" sz="2400" dirty="0">
+                          <a:solidFill>
+                            <a:schemeClr val="tx1"/>
+                          </a:solidFill>
+                        </a:rPr>
+                        <a:t> </a:t>
+                      </a:r>
+                      <a:endParaRPr kumimoji="1" lang="ja-JP" altLang="en-US" sz="2400">
+                        <a:solidFill>
+                          <a:schemeClr val="tx1"/>
+                        </a:solidFill>
+                      </a:endParaRPr>
+                    </a:p>
+                  </a:txBody>
+                  <a:tcPr anchor="ctr">
+                    <a:lnL w="12700" cap="flat" cmpd="sng" algn="ctr">
+                      <a:solidFill>
+                        <a:schemeClr val="tx1"/>
+                      </a:solidFill>
+                      <a:prstDash val="solid"/>
+                      <a:round/>
+                      <a:headEnd type="none" w="med" len="med"/>
+                      <a:tailEnd type="none" w="med" len="med"/>
+                    </a:lnL>
+                    <a:lnR w="12700" cap="flat" cmpd="sng" algn="ctr">
+                      <a:solidFill>
+                        <a:schemeClr val="tx1"/>
+                      </a:solidFill>
+                      <a:prstDash val="solid"/>
+                      <a:round/>
+                      <a:headEnd type="none" w="med" len="med"/>
+                      <a:tailEnd type="none" w="med" len="med"/>
+                    </a:lnR>
+                    <a:lnT w="12700" cap="flat" cmpd="sng" algn="ctr">
+                      <a:solidFill>
+                        <a:schemeClr val="tx1"/>
+                      </a:solidFill>
+                      <a:prstDash val="solid"/>
+                      <a:round/>
+                      <a:headEnd type="none" w="med" len="med"/>
+                      <a:tailEnd type="none" w="med" len="med"/>
+                    </a:lnT>
+                    <a:lnB w="12700" cap="flat" cmpd="sng" algn="ctr">
+                      <a:solidFill>
+                        <a:schemeClr val="tx1"/>
+                      </a:solidFill>
+                      <a:prstDash val="solid"/>
+                      <a:round/>
+                      <a:headEnd type="none" w="med" len="med"/>
+                      <a:tailEnd type="none" w="med" len="med"/>
+                    </a:lnB>
+                    <a:lnTlToBr w="12700" cmpd="sng">
+                      <a:noFill/>
+                      <a:prstDash val="solid"/>
+                    </a:lnTlToBr>
+                    <a:lnBlToTr w="12700" cmpd="sng">
+                      <a:noFill/>
+                      <a:prstDash val="solid"/>
+                    </a:lnBlToTr>
+                    <a:solidFill>
+                      <a:schemeClr val="bg2"/>
+                    </a:solidFill>
+                  </a:tcPr>
+                </a:tc>
+                <a:tc>
+                  <a:txBody>
+                    <a:bodyPr/>
+                    <a:lstStyle/>
+                    <a:p>
+                      <a:pPr algn="ctr"/>
+                      <a:r>
+                        <a:rPr kumimoji="1" lang="ja-JP" altLang="en-US" sz="2400">
+                          <a:solidFill>
+                            <a:schemeClr val="tx1"/>
+                          </a:solidFill>
+                        </a:rPr>
+                        <a:t>ー</a:t>
+                      </a:r>
+                    </a:p>
+                  </a:txBody>
+                  <a:tcPr anchor="ctr">
+                    <a:lnL w="12700" cap="flat" cmpd="sng" algn="ctr">
+                      <a:solidFill>
+                        <a:schemeClr val="tx1"/>
+                      </a:solidFill>
+                      <a:prstDash val="solid"/>
+                      <a:round/>
+                      <a:headEnd type="none" w="med" len="med"/>
+                      <a:tailEnd type="none" w="med" len="med"/>
+                    </a:lnL>
+                    <a:lnR w="12700" cap="flat" cmpd="sng" algn="ctr">
+                      <a:solidFill>
+                        <a:schemeClr val="tx1"/>
+                      </a:solidFill>
+                      <a:prstDash val="solid"/>
+                      <a:round/>
+                      <a:headEnd type="none" w="med" len="med"/>
+                      <a:tailEnd type="none" w="med" len="med"/>
+                    </a:lnR>
+                    <a:lnT w="12700" cap="flat" cmpd="sng" algn="ctr">
+                      <a:solidFill>
+                        <a:schemeClr val="tx1"/>
+                      </a:solidFill>
+                      <a:prstDash val="solid"/>
+                      <a:round/>
+                      <a:headEnd type="none" w="med" len="med"/>
+                      <a:tailEnd type="none" w="med" len="med"/>
+                    </a:lnT>
+                    <a:lnB w="12700" cap="flat" cmpd="sng" algn="ctr">
+                      <a:solidFill>
+                        <a:schemeClr val="tx1"/>
+                      </a:solidFill>
+                      <a:prstDash val="solid"/>
+                      <a:round/>
+                      <a:headEnd type="none" w="med" len="med"/>
+                      <a:tailEnd type="none" w="med" len="med"/>
+                    </a:lnB>
+                    <a:lnTlToBr w="12700" cmpd="sng">
+                      <a:noFill/>
+                      <a:prstDash val="solid"/>
+                    </a:lnTlToBr>
+                    <a:lnBlToTr w="12700" cmpd="sng">
+                      <a:noFill/>
+                      <a:prstDash val="solid"/>
+                    </a:lnBlToTr>
+                    <a:solidFill>
+                      <a:schemeClr val="bg2"/>
                     </a:solidFill>
                   </a:tcPr>
                 </a:tc>
                 <a:extLst>
                   <a:ext uri="{0D108BD9-81ED-4DB2-BD59-A6C34878D82A}">
-                    <a16:rowId xmlns:a16="http://schemas.microsoft.com/office/drawing/2014/main" val="655924048"/>
+                    <a16:rowId xmlns:a16="http://schemas.microsoft.com/office/drawing/2014/main" val="3243582651"/>
                   </a:ext>
                 </a:extLst>
               </a:tr>
-              <a:tr h="1351880">
-                <a:tc>
-                  <a:txBody>
-                    <a:bodyPr/>
-                    <a:lstStyle/>
-                    <a:p>
-                      <a:pPr algn="ctr" fontAlgn="ctr"/>
-                      <a:r>
-                        <a:rPr lang="ja-JP" altLang="en-US" sz="2400" b="1" u="none" strike="noStrike">
-                          <a:effectLst/>
-                        </a:rPr>
-                        <a:t>ネットワーク</a:t>
-                      </a:r>
-                      <a:endParaRPr lang="ja-JP" altLang="en-US" sz="2400" b="1" i="0" u="none" strike="noStrike">
-                        <a:solidFill>
-                          <a:srgbClr val="000000"/>
-                        </a:solidFill>
-                        <a:effectLst/>
-                        <a:latin typeface="游ゴシック" panose="020B0400000000000000" pitchFamily="34" charset="-128"/>
-                        <a:ea typeface="游ゴシック" panose="020B0400000000000000" pitchFamily="34" charset="-128"/>
-                      </a:endParaRPr>
-                    </a:p>
-                  </a:txBody>
-                  <a:tcPr marL="6856" marR="6856" marT="6856" marB="0" anchor="ctr">
+              <a:tr h="529944">
+                <a:tc>
+                  <a:txBody>
+                    <a:bodyPr/>
+                    <a:lstStyle/>
+                    <a:p>
+                      <a:pPr algn="ctr"/>
+                      <a:r>
+                        <a:rPr kumimoji="1" lang="en-US" altLang="ja-JP" sz="2400" b="1" dirty="0">
+                          <a:solidFill>
+                            <a:schemeClr val="tx1"/>
+                          </a:solidFill>
+                        </a:rPr>
+                        <a:t>⑦</a:t>
+                      </a:r>
+                      <a:r>
+                        <a:rPr kumimoji="1" lang="ja-JP" altLang="en-US" sz="2400" b="1">
+                          <a:solidFill>
+                            <a:schemeClr val="tx1"/>
+                          </a:solidFill>
+                        </a:rPr>
+                        <a:t>ログの取得</a:t>
+                      </a:r>
+                    </a:p>
+                  </a:txBody>
+                  <a:tcPr anchor="ctr">
                     <a:lnL w="12700" cap="flat" cmpd="sng" algn="ctr">
                       <a:solidFill>
                         <a:schemeClr val="tx1"/>
@@ -22230,156 +28094,18 @@
                     <a:bodyPr/>
                     <a:lstStyle/>
                     <a:p>
-                      <a:pPr algn="ctr" fontAlgn="ctr"/>
-                      <a:r>
-                        <a:rPr lang="en" sz="2400" u="none" strike="noStrike" dirty="0">
-                          <a:effectLst/>
-                          <a:latin typeface="+mn-ea"/>
-                          <a:ea typeface="+mn-ea"/>
-                        </a:rPr>
-                        <a:t>Dual LAN </a:t>
-                      </a:r>
-                      <a:br>
-                        <a:rPr lang="en" sz="2400" u="none" strike="noStrike" dirty="0">
-                          <a:effectLst/>
-                          <a:latin typeface="+mn-ea"/>
-                          <a:ea typeface="+mn-ea"/>
-                        </a:rPr>
-                      </a:br>
-                      <a:r>
-                        <a:rPr lang="ja-JP" altLang="en-US" sz="2400" u="none" strike="noStrike">
-                          <a:effectLst/>
-                          <a:latin typeface="+mn-ea"/>
-                          <a:ea typeface="+mn-ea"/>
-                        </a:rPr>
-                        <a:t>メーカー：</a:t>
-                      </a:r>
-                      <a:r>
-                        <a:rPr lang="en" sz="2400" u="none" strike="noStrike" dirty="0">
-                          <a:effectLst/>
-                          <a:latin typeface="+mn-ea"/>
-                          <a:ea typeface="+mn-ea"/>
-                        </a:rPr>
-                        <a:t>Intel Corporation</a:t>
-                      </a:r>
-                      <a:br>
-                        <a:rPr lang="en" sz="2400" u="none" strike="noStrike" dirty="0">
-                          <a:effectLst/>
-                          <a:latin typeface="+mn-ea"/>
-                          <a:ea typeface="+mn-ea"/>
-                        </a:rPr>
-                      </a:br>
-                      <a:r>
-                        <a:rPr lang="ja-JP" altLang="en-US" sz="2400" u="none" strike="noStrike">
-                          <a:effectLst/>
-                          <a:latin typeface="+mn-ea"/>
-                          <a:ea typeface="+mn-ea"/>
-                        </a:rPr>
-                        <a:t>型番：</a:t>
-                      </a:r>
-                      <a:r>
-                        <a:rPr lang="en" sz="2400" u="none" strike="noStrike" dirty="0">
-                          <a:effectLst/>
-                          <a:latin typeface="+mn-ea"/>
-                          <a:ea typeface="+mn-ea"/>
-                        </a:rPr>
-                        <a:t>X552/X557-AT</a:t>
-                      </a:r>
-                      <a:br>
-                        <a:rPr lang="en" sz="2400" u="none" strike="noStrike" dirty="0">
-                          <a:effectLst/>
-                          <a:latin typeface="+mn-ea"/>
-                          <a:ea typeface="+mn-ea"/>
-                        </a:rPr>
-                      </a:br>
-                      <a:r>
-                        <a:rPr lang="ja-JP" altLang="en-US" sz="2400" u="none" strike="noStrike">
-                          <a:effectLst/>
-                          <a:latin typeface="+mn-ea"/>
-                          <a:ea typeface="+mn-ea"/>
-                        </a:rPr>
-                        <a:t>規格：</a:t>
-                      </a:r>
-                      <a:r>
-                        <a:rPr lang="en-US" altLang="ja-JP" sz="2400" u="none" strike="noStrike" dirty="0">
-                          <a:effectLst/>
-                          <a:latin typeface="+mn-ea"/>
-                          <a:ea typeface="+mn-ea"/>
-                        </a:rPr>
-                        <a:t>10</a:t>
-                      </a:r>
-                      <a:r>
-                        <a:rPr lang="en" sz="2400" u="none" strike="noStrike" dirty="0">
-                          <a:effectLst/>
-                          <a:latin typeface="+mn-ea"/>
-                          <a:ea typeface="+mn-ea"/>
-                        </a:rPr>
-                        <a:t>GBASE-T</a:t>
-                      </a:r>
-                    </a:p>
-                    <a:p>
-                      <a:pPr algn="ctr" fontAlgn="ctr"/>
-                      <a:r>
-                        <a:rPr lang="ja-JP" altLang="en-US" sz="2400" b="0" i="0" u="none" strike="noStrike">
-                          <a:solidFill>
-                            <a:srgbClr val="000000"/>
-                          </a:solidFill>
-                          <a:effectLst/>
-                          <a:latin typeface="+mn-ea"/>
-                          <a:ea typeface="+mn-ea"/>
-                        </a:rPr>
-                        <a:t>メーカー</a:t>
-                      </a:r>
-                      <a:r>
-                        <a:rPr lang="en" sz="2400" b="0" i="0" u="none" strike="noStrike" dirty="0">
-                          <a:solidFill>
-                            <a:srgbClr val="000000"/>
-                          </a:solidFill>
-                          <a:effectLst/>
-                          <a:latin typeface="+mn-ea"/>
-                          <a:ea typeface="+mn-ea"/>
-                        </a:rPr>
-                        <a:t> Intel Corporation </a:t>
-                      </a:r>
-                    </a:p>
-                    <a:p>
-                      <a:pPr algn="ctr" fontAlgn="ctr"/>
-                      <a:r>
-                        <a:rPr lang="ja-JP" altLang="en-US" sz="2400" b="0" i="0" u="none" strike="noStrike">
-                          <a:solidFill>
-                            <a:srgbClr val="000000"/>
-                          </a:solidFill>
-                          <a:effectLst/>
-                          <a:latin typeface="+mn-ea"/>
-                          <a:ea typeface="+mn-ea"/>
-                        </a:rPr>
-                        <a:t>型番：</a:t>
-                      </a:r>
-                      <a:r>
-                        <a:rPr lang="en" sz="2400" b="0" i="0" u="none" strike="noStrike" dirty="0">
-                          <a:solidFill>
-                            <a:srgbClr val="000000"/>
-                          </a:solidFill>
-                          <a:effectLst/>
-                          <a:latin typeface="+mn-ea"/>
-                          <a:ea typeface="+mn-ea"/>
-                        </a:rPr>
-                        <a:t>I350 Gigabit Network Connection</a:t>
-                      </a:r>
-                    </a:p>
-                    <a:p>
-                      <a:pPr algn="ctr" fontAlgn="ctr"/>
-                      <a:endParaRPr lang="en" sz="2400" b="0" i="0" u="none" strike="noStrike" dirty="0">
-                        <a:solidFill>
-                          <a:srgbClr val="000000"/>
-                        </a:solidFill>
-                        <a:effectLst/>
-                        <a:latin typeface="+mn-ea"/>
-                        <a:ea typeface="+mn-ea"/>
-                      </a:endParaRPr>
-                    </a:p>
-                  </a:txBody>
-                  <a:tcPr marL="6856" marR="6856" marT="6856" marB="0" anchor="ctr">
+                      <a:pPr algn="ctr"/>
+                      <a:r>
+                        <a:rPr kumimoji="1" lang="ja-JP" altLang="en-US" sz="2400">
+                          <a:solidFill>
+                            <a:schemeClr val="tx1"/>
+                          </a:solidFill>
+                        </a:rPr>
+                        <a:t>ー</a:t>
+                      </a:r>
+                    </a:p>
+                  </a:txBody>
+                  <a:tcPr anchor="ctr">
                     <a:lnL w="12700" cap="flat" cmpd="sng" algn="ctr">
                       <a:solidFill>
                         <a:schemeClr val="tx1"/>
@@ -22425,13 +28151,771 @@
                       <a:prstDash val="solid"/>
                     </a:lnBlToTr>
                     <a:solidFill>
-                      <a:schemeClr val="bg1"/>
+                      <a:schemeClr val="bg2"/>
+                    </a:solidFill>
+                  </a:tcPr>
+                </a:tc>
+                <a:tc>
+                  <a:txBody>
+                    <a:bodyPr/>
+                    <a:lstStyle/>
+                    <a:p>
+                      <a:pPr algn="ctr"/>
+                      <a:r>
+                        <a:rPr kumimoji="1" lang="ja-JP" altLang="en-US" sz="2400">
+                          <a:solidFill>
+                            <a:schemeClr val="tx1"/>
+                          </a:solidFill>
+                        </a:rPr>
+                        <a:t>✔️</a:t>
+                      </a:r>
+                      <a:r>
+                        <a:rPr kumimoji="1" lang="en-US" altLang="ja-JP" sz="2400" dirty="0">
+                          <a:solidFill>
+                            <a:schemeClr val="tx1"/>
+                          </a:solidFill>
+                        </a:rPr>
+                        <a:t> </a:t>
+                      </a:r>
+                      <a:endParaRPr kumimoji="1" lang="ja-JP" altLang="en-US" sz="2400">
+                        <a:solidFill>
+                          <a:schemeClr val="tx1"/>
+                        </a:solidFill>
+                      </a:endParaRPr>
+                    </a:p>
+                  </a:txBody>
+                  <a:tcPr anchor="ctr">
+                    <a:lnL w="12700" cap="flat" cmpd="sng" algn="ctr">
+                      <a:solidFill>
+                        <a:schemeClr val="tx1"/>
+                      </a:solidFill>
+                      <a:prstDash val="solid"/>
+                      <a:round/>
+                      <a:headEnd type="none" w="med" len="med"/>
+                      <a:tailEnd type="none" w="med" len="med"/>
+                    </a:lnL>
+                    <a:lnR w="12700" cap="flat" cmpd="sng" algn="ctr">
+                      <a:solidFill>
+                        <a:schemeClr val="tx1"/>
+                      </a:solidFill>
+                      <a:prstDash val="solid"/>
+                      <a:round/>
+                      <a:headEnd type="none" w="med" len="med"/>
+                      <a:tailEnd type="none" w="med" len="med"/>
+                    </a:lnR>
+                    <a:lnT w="12700" cap="flat" cmpd="sng" algn="ctr">
+                      <a:solidFill>
+                        <a:schemeClr val="tx1"/>
+                      </a:solidFill>
+                      <a:prstDash val="solid"/>
+                      <a:round/>
+                      <a:headEnd type="none" w="med" len="med"/>
+                      <a:tailEnd type="none" w="med" len="med"/>
+                    </a:lnT>
+                    <a:lnB w="12700" cap="flat" cmpd="sng" algn="ctr">
+                      <a:solidFill>
+                        <a:schemeClr val="tx1"/>
+                      </a:solidFill>
+                      <a:prstDash val="solid"/>
+                      <a:round/>
+                      <a:headEnd type="none" w="med" len="med"/>
+                      <a:tailEnd type="none" w="med" len="med"/>
+                    </a:lnB>
+                    <a:lnTlToBr w="12700" cmpd="sng">
+                      <a:noFill/>
+                      <a:prstDash val="solid"/>
+                    </a:lnTlToBr>
+                    <a:lnBlToTr w="12700" cmpd="sng">
+                      <a:noFill/>
+                      <a:prstDash val="solid"/>
+                    </a:lnBlToTr>
+                    <a:solidFill>
+                      <a:schemeClr val="bg2"/>
+                    </a:solidFill>
+                  </a:tcPr>
+                </a:tc>
+                <a:tc>
+                  <a:txBody>
+                    <a:bodyPr/>
+                    <a:lstStyle/>
+                    <a:p>
+                      <a:pPr algn="ctr"/>
+                      <a:r>
+                        <a:rPr kumimoji="1" lang="ja-JP" altLang="en-US" sz="2400">
+                          <a:solidFill>
+                            <a:schemeClr val="tx1"/>
+                          </a:solidFill>
+                        </a:rPr>
+                        <a:t>✔️</a:t>
+                      </a:r>
+                      <a:r>
+                        <a:rPr kumimoji="1" lang="en-US" altLang="ja-JP" sz="2400" dirty="0">
+                          <a:solidFill>
+                            <a:schemeClr val="tx1"/>
+                          </a:solidFill>
+                        </a:rPr>
+                        <a:t> </a:t>
+                      </a:r>
+                      <a:endParaRPr kumimoji="1" lang="ja-JP" altLang="en-US" sz="2400">
+                        <a:solidFill>
+                          <a:schemeClr val="tx1"/>
+                        </a:solidFill>
+                      </a:endParaRPr>
+                    </a:p>
+                  </a:txBody>
+                  <a:tcPr anchor="ctr">
+                    <a:lnL w="12700" cap="flat" cmpd="sng" algn="ctr">
+                      <a:solidFill>
+                        <a:schemeClr val="tx1"/>
+                      </a:solidFill>
+                      <a:prstDash val="solid"/>
+                      <a:round/>
+                      <a:headEnd type="none" w="med" len="med"/>
+                      <a:tailEnd type="none" w="med" len="med"/>
+                    </a:lnL>
+                    <a:lnR w="12700" cap="flat" cmpd="sng" algn="ctr">
+                      <a:solidFill>
+                        <a:schemeClr val="tx1"/>
+                      </a:solidFill>
+                      <a:prstDash val="solid"/>
+                      <a:round/>
+                      <a:headEnd type="none" w="med" len="med"/>
+                      <a:tailEnd type="none" w="med" len="med"/>
+                    </a:lnR>
+                    <a:lnT w="12700" cap="flat" cmpd="sng" algn="ctr">
+                      <a:solidFill>
+                        <a:schemeClr val="tx1"/>
+                      </a:solidFill>
+                      <a:prstDash val="solid"/>
+                      <a:round/>
+                      <a:headEnd type="none" w="med" len="med"/>
+                      <a:tailEnd type="none" w="med" len="med"/>
+                    </a:lnT>
+                    <a:lnB w="12700" cap="flat" cmpd="sng" algn="ctr">
+                      <a:solidFill>
+                        <a:schemeClr val="tx1"/>
+                      </a:solidFill>
+                      <a:prstDash val="solid"/>
+                      <a:round/>
+                      <a:headEnd type="none" w="med" len="med"/>
+                      <a:tailEnd type="none" w="med" len="med"/>
+                    </a:lnB>
+                    <a:lnTlToBr w="12700" cmpd="sng">
+                      <a:noFill/>
+                      <a:prstDash val="solid"/>
+                    </a:lnTlToBr>
+                    <a:lnBlToTr w="12700" cmpd="sng">
+                      <a:noFill/>
+                      <a:prstDash val="solid"/>
+                    </a:lnBlToTr>
+                    <a:solidFill>
+                      <a:schemeClr val="bg2"/>
+                    </a:solidFill>
+                  </a:tcPr>
+                </a:tc>
+                <a:tc>
+                  <a:txBody>
+                    <a:bodyPr/>
+                    <a:lstStyle/>
+                    <a:p>
+                      <a:pPr algn="ctr"/>
+                      <a:r>
+                        <a:rPr kumimoji="1" lang="ja-JP" altLang="en-US" sz="2400">
+                          <a:solidFill>
+                            <a:schemeClr val="tx1"/>
+                          </a:solidFill>
+                        </a:rPr>
+                        <a:t>✔️</a:t>
+                      </a:r>
+                      <a:r>
+                        <a:rPr kumimoji="1" lang="en-US" altLang="ja-JP" sz="2400" dirty="0">
+                          <a:solidFill>
+                            <a:schemeClr val="tx1"/>
+                          </a:solidFill>
+                        </a:rPr>
+                        <a:t> </a:t>
+                      </a:r>
+                      <a:endParaRPr kumimoji="1" lang="ja-JP" altLang="en-US" sz="2400">
+                        <a:solidFill>
+                          <a:schemeClr val="tx1"/>
+                        </a:solidFill>
+                      </a:endParaRPr>
+                    </a:p>
+                  </a:txBody>
+                  <a:tcPr anchor="ctr">
+                    <a:lnL w="12700" cap="flat" cmpd="sng" algn="ctr">
+                      <a:solidFill>
+                        <a:schemeClr val="tx1"/>
+                      </a:solidFill>
+                      <a:prstDash val="solid"/>
+                      <a:round/>
+                      <a:headEnd type="none" w="med" len="med"/>
+                      <a:tailEnd type="none" w="med" len="med"/>
+                    </a:lnL>
+                    <a:lnR w="12700" cap="flat" cmpd="sng" algn="ctr">
+                      <a:solidFill>
+                        <a:schemeClr val="tx1"/>
+                      </a:solidFill>
+                      <a:prstDash val="solid"/>
+                      <a:round/>
+                      <a:headEnd type="none" w="med" len="med"/>
+                      <a:tailEnd type="none" w="med" len="med"/>
+                    </a:lnR>
+                    <a:lnT w="12700" cap="flat" cmpd="sng" algn="ctr">
+                      <a:solidFill>
+                        <a:schemeClr val="tx1"/>
+                      </a:solidFill>
+                      <a:prstDash val="solid"/>
+                      <a:round/>
+                      <a:headEnd type="none" w="med" len="med"/>
+                      <a:tailEnd type="none" w="med" len="med"/>
+                    </a:lnT>
+                    <a:lnB w="12700" cap="flat" cmpd="sng" algn="ctr">
+                      <a:solidFill>
+                        <a:schemeClr val="tx1"/>
+                      </a:solidFill>
+                      <a:prstDash val="solid"/>
+                      <a:round/>
+                      <a:headEnd type="none" w="med" len="med"/>
+                      <a:tailEnd type="none" w="med" len="med"/>
+                    </a:lnB>
+                    <a:lnTlToBr w="12700" cmpd="sng">
+                      <a:noFill/>
+                      <a:prstDash val="solid"/>
+                    </a:lnTlToBr>
+                    <a:lnBlToTr w="12700" cmpd="sng">
+                      <a:noFill/>
+                      <a:prstDash val="solid"/>
+                    </a:lnBlToTr>
+                    <a:solidFill>
+                      <a:schemeClr val="bg2"/>
+                    </a:solidFill>
+                  </a:tcPr>
+                </a:tc>
+                <a:tc>
+                  <a:txBody>
+                    <a:bodyPr/>
+                    <a:lstStyle/>
+                    <a:p>
+                      <a:pPr algn="ctr"/>
+                      <a:r>
+                        <a:rPr kumimoji="1" lang="ja-JP" altLang="en-US" sz="2400">
+                          <a:solidFill>
+                            <a:schemeClr val="tx1"/>
+                          </a:solidFill>
+                        </a:rPr>
+                        <a:t>ー</a:t>
+                      </a:r>
+                    </a:p>
+                  </a:txBody>
+                  <a:tcPr anchor="ctr">
+                    <a:lnL w="12700" cap="flat" cmpd="sng" algn="ctr">
+                      <a:solidFill>
+                        <a:schemeClr val="tx1"/>
+                      </a:solidFill>
+                      <a:prstDash val="solid"/>
+                      <a:round/>
+                      <a:headEnd type="none" w="med" len="med"/>
+                      <a:tailEnd type="none" w="med" len="med"/>
+                    </a:lnL>
+                    <a:lnR w="12700" cap="flat" cmpd="sng" algn="ctr">
+                      <a:solidFill>
+                        <a:schemeClr val="tx1"/>
+                      </a:solidFill>
+                      <a:prstDash val="solid"/>
+                      <a:round/>
+                      <a:headEnd type="none" w="med" len="med"/>
+                      <a:tailEnd type="none" w="med" len="med"/>
+                    </a:lnR>
+                    <a:lnT w="12700" cap="flat" cmpd="sng" algn="ctr">
+                      <a:solidFill>
+                        <a:schemeClr val="tx1"/>
+                      </a:solidFill>
+                      <a:prstDash val="solid"/>
+                      <a:round/>
+                      <a:headEnd type="none" w="med" len="med"/>
+                      <a:tailEnd type="none" w="med" len="med"/>
+                    </a:lnT>
+                    <a:lnB w="12700" cap="flat" cmpd="sng" algn="ctr">
+                      <a:solidFill>
+                        <a:schemeClr val="tx1"/>
+                      </a:solidFill>
+                      <a:prstDash val="solid"/>
+                      <a:round/>
+                      <a:headEnd type="none" w="med" len="med"/>
+                      <a:tailEnd type="none" w="med" len="med"/>
+                    </a:lnB>
+                    <a:lnTlToBr w="12700" cmpd="sng">
+                      <a:noFill/>
+                      <a:prstDash val="solid"/>
+                    </a:lnTlToBr>
+                    <a:lnBlToTr w="12700" cmpd="sng">
+                      <a:noFill/>
+                      <a:prstDash val="solid"/>
+                    </a:lnBlToTr>
+                    <a:solidFill>
+                      <a:schemeClr val="bg2"/>
                     </a:solidFill>
                   </a:tcPr>
                 </a:tc>
                 <a:extLst>
                   <a:ext uri="{0D108BD9-81ED-4DB2-BD59-A6C34878D82A}">
-                    <a16:rowId xmlns:a16="http://schemas.microsoft.com/office/drawing/2014/main" val="3275695540"/>
+                    <a16:rowId xmlns:a16="http://schemas.microsoft.com/office/drawing/2014/main" val="2714155014"/>
+                  </a:ext>
+                </a:extLst>
+              </a:tr>
+              <a:tr h="1156772">
+                <a:tc>
+                  <a:txBody>
+                    <a:bodyPr/>
+                    <a:lstStyle/>
+                    <a:p>
+                      <a:pPr algn="ctr"/>
+                      <a:r>
+                        <a:rPr kumimoji="1" lang="en-US" altLang="ja-JP" sz="2400" b="1" dirty="0">
+                          <a:solidFill>
+                            <a:schemeClr val="tx1"/>
+                          </a:solidFill>
+                        </a:rPr>
+                        <a:t>⑧E2E</a:t>
+                      </a:r>
+                      <a:r>
+                        <a:rPr kumimoji="1" lang="ja-JP" altLang="en-US" sz="2400" b="1">
+                          <a:solidFill>
+                            <a:schemeClr val="tx1"/>
+                          </a:solidFill>
+                        </a:rPr>
+                        <a:t>のみのログイン情報による利用</a:t>
+                      </a:r>
+                    </a:p>
+                  </a:txBody>
+                  <a:tcPr anchor="ctr">
+                    <a:lnL w="12700" cap="flat" cmpd="sng" algn="ctr">
+                      <a:solidFill>
+                        <a:schemeClr val="tx1"/>
+                      </a:solidFill>
+                      <a:prstDash val="solid"/>
+                      <a:round/>
+                      <a:headEnd type="none" w="med" len="med"/>
+                      <a:tailEnd type="none" w="med" len="med"/>
+                    </a:lnL>
+                    <a:lnR w="12700" cap="flat" cmpd="sng" algn="ctr">
+                      <a:solidFill>
+                        <a:schemeClr val="tx1"/>
+                      </a:solidFill>
+                      <a:prstDash val="solid"/>
+                      <a:round/>
+                      <a:headEnd type="none" w="med" len="med"/>
+                      <a:tailEnd type="none" w="med" len="med"/>
+                    </a:lnR>
+                    <a:lnT w="12700" cap="flat" cmpd="sng" algn="ctr">
+                      <a:solidFill>
+                        <a:schemeClr val="tx1"/>
+                      </a:solidFill>
+                      <a:prstDash val="solid"/>
+                      <a:round/>
+                      <a:headEnd type="none" w="med" len="med"/>
+                      <a:tailEnd type="none" w="med" len="med"/>
+                    </a:lnT>
+                    <a:lnB w="12700" cap="flat" cmpd="sng" algn="ctr">
+                      <a:solidFill>
+                        <a:schemeClr val="tx1"/>
+                      </a:solidFill>
+                      <a:prstDash val="solid"/>
+                      <a:round/>
+                      <a:headEnd type="none" w="med" len="med"/>
+                      <a:tailEnd type="none" w="med" len="med"/>
+                    </a:lnB>
+                    <a:lnTlToBr w="12700" cmpd="sng">
+                      <a:noFill/>
+                      <a:prstDash val="solid"/>
+                    </a:lnTlToBr>
+                    <a:lnBlToTr w="12700" cmpd="sng">
+                      <a:noFill/>
+                      <a:prstDash val="solid"/>
+                    </a:lnBlToTr>
+                    <a:solidFill>
+                      <a:schemeClr val="bg2">
+                        <a:lumMod val="90000"/>
+                      </a:schemeClr>
+                    </a:solidFill>
+                  </a:tcPr>
+                </a:tc>
+                <a:tc>
+                  <a:txBody>
+                    <a:bodyPr/>
+                    <a:lstStyle/>
+                    <a:p>
+                      <a:pPr algn="ctr"/>
+                      <a:r>
+                        <a:rPr kumimoji="1" lang="ja-JP" altLang="en-US" sz="2400">
+                          <a:solidFill>
+                            <a:schemeClr val="tx1"/>
+                          </a:solidFill>
+                        </a:rPr>
+                        <a:t>✔️</a:t>
+                      </a:r>
+                      <a:r>
+                        <a:rPr kumimoji="1" lang="en-US" altLang="ja-JP" sz="2400" dirty="0">
+                          <a:solidFill>
+                            <a:schemeClr val="tx1"/>
+                          </a:solidFill>
+                        </a:rPr>
+                        <a:t> </a:t>
+                      </a:r>
+                      <a:r>
+                        <a:rPr kumimoji="1" lang="en-US" altLang="ja-JP" sz="2000" dirty="0">
+                          <a:solidFill>
+                            <a:schemeClr val="tx1"/>
+                          </a:solidFill>
+                        </a:rPr>
+                        <a:t>VPN</a:t>
+                      </a:r>
+                      <a:endParaRPr kumimoji="1" lang="ja-JP" altLang="en-US" sz="2000">
+                        <a:solidFill>
+                          <a:schemeClr val="tx1"/>
+                        </a:solidFill>
+                      </a:endParaRPr>
+                    </a:p>
+                  </a:txBody>
+                  <a:tcPr anchor="ctr">
+                    <a:lnL w="12700" cap="flat" cmpd="sng" algn="ctr">
+                      <a:solidFill>
+                        <a:schemeClr val="tx1"/>
+                      </a:solidFill>
+                      <a:prstDash val="solid"/>
+                      <a:round/>
+                      <a:headEnd type="none" w="med" len="med"/>
+                      <a:tailEnd type="none" w="med" len="med"/>
+                    </a:lnL>
+                    <a:lnR w="12700" cap="flat" cmpd="sng" algn="ctr">
+                      <a:solidFill>
+                        <a:schemeClr val="tx1"/>
+                      </a:solidFill>
+                      <a:prstDash val="solid"/>
+                      <a:round/>
+                      <a:headEnd type="none" w="med" len="med"/>
+                      <a:tailEnd type="none" w="med" len="med"/>
+                    </a:lnR>
+                    <a:lnT w="12700" cap="flat" cmpd="sng" algn="ctr">
+                      <a:solidFill>
+                        <a:schemeClr val="tx1"/>
+                      </a:solidFill>
+                      <a:prstDash val="solid"/>
+                      <a:round/>
+                      <a:headEnd type="none" w="med" len="med"/>
+                      <a:tailEnd type="none" w="med" len="med"/>
+                    </a:lnT>
+                    <a:lnB w="12700" cap="flat" cmpd="sng" algn="ctr">
+                      <a:solidFill>
+                        <a:schemeClr val="tx1"/>
+                      </a:solidFill>
+                      <a:prstDash val="solid"/>
+                      <a:round/>
+                      <a:headEnd type="none" w="med" len="med"/>
+                      <a:tailEnd type="none" w="med" len="med"/>
+                    </a:lnB>
+                    <a:lnTlToBr w="12700" cmpd="sng">
+                      <a:noFill/>
+                      <a:prstDash val="solid"/>
+                    </a:lnTlToBr>
+                    <a:lnBlToTr w="12700" cmpd="sng">
+                      <a:noFill/>
+                      <a:prstDash val="solid"/>
+                    </a:lnBlToTr>
+                    <a:solidFill>
+                      <a:schemeClr val="bg2"/>
+                    </a:solidFill>
+                  </a:tcPr>
+                </a:tc>
+                <a:tc>
+                  <a:txBody>
+                    <a:bodyPr/>
+                    <a:lstStyle/>
+                    <a:p>
+                      <a:pPr algn="ctr"/>
+                      <a:r>
+                        <a:rPr kumimoji="1" lang="ja-JP" altLang="en-US" sz="2400">
+                          <a:solidFill>
+                            <a:schemeClr val="tx1"/>
+                          </a:solidFill>
+                        </a:rPr>
+                        <a:t>ー</a:t>
+                      </a:r>
+                    </a:p>
+                  </a:txBody>
+                  <a:tcPr anchor="ctr">
+                    <a:lnL w="12700" cap="flat" cmpd="sng" algn="ctr">
+                      <a:solidFill>
+                        <a:schemeClr val="tx1"/>
+                      </a:solidFill>
+                      <a:prstDash val="solid"/>
+                      <a:round/>
+                      <a:headEnd type="none" w="med" len="med"/>
+                      <a:tailEnd type="none" w="med" len="med"/>
+                    </a:lnL>
+                    <a:lnR w="12700" cap="flat" cmpd="sng" algn="ctr">
+                      <a:solidFill>
+                        <a:schemeClr val="tx1"/>
+                      </a:solidFill>
+                      <a:prstDash val="solid"/>
+                      <a:round/>
+                      <a:headEnd type="none" w="med" len="med"/>
+                      <a:tailEnd type="none" w="med" len="med"/>
+                    </a:lnR>
+                    <a:lnT w="12700" cap="flat" cmpd="sng" algn="ctr">
+                      <a:solidFill>
+                        <a:schemeClr val="tx1"/>
+                      </a:solidFill>
+                      <a:prstDash val="solid"/>
+                      <a:round/>
+                      <a:headEnd type="none" w="med" len="med"/>
+                      <a:tailEnd type="none" w="med" len="med"/>
+                    </a:lnT>
+                    <a:lnB w="12700" cap="flat" cmpd="sng" algn="ctr">
+                      <a:solidFill>
+                        <a:schemeClr val="tx1"/>
+                      </a:solidFill>
+                      <a:prstDash val="solid"/>
+                      <a:round/>
+                      <a:headEnd type="none" w="med" len="med"/>
+                      <a:tailEnd type="none" w="med" len="med"/>
+                    </a:lnB>
+                    <a:lnTlToBr w="12700" cmpd="sng">
+                      <a:noFill/>
+                      <a:prstDash val="solid"/>
+                    </a:lnTlToBr>
+                    <a:lnBlToTr w="12700" cmpd="sng">
+                      <a:noFill/>
+                      <a:prstDash val="solid"/>
+                    </a:lnBlToTr>
+                    <a:solidFill>
+                      <a:schemeClr val="bg2"/>
+                    </a:solidFill>
+                  </a:tcPr>
+                </a:tc>
+                <a:tc>
+                  <a:txBody>
+                    <a:bodyPr/>
+                    <a:lstStyle/>
+                    <a:p>
+                      <a:pPr algn="ctr"/>
+                      <a:r>
+                        <a:rPr kumimoji="1" lang="ja-JP" altLang="en-US" sz="2400">
+                          <a:solidFill>
+                            <a:schemeClr val="tx1"/>
+                          </a:solidFill>
+                        </a:rPr>
+                        <a:t>ー</a:t>
+                      </a:r>
+                    </a:p>
+                  </a:txBody>
+                  <a:tcPr anchor="ctr">
+                    <a:lnL w="12700" cap="flat" cmpd="sng" algn="ctr">
+                      <a:solidFill>
+                        <a:schemeClr val="tx1"/>
+                      </a:solidFill>
+                      <a:prstDash val="solid"/>
+                      <a:round/>
+                      <a:headEnd type="none" w="med" len="med"/>
+                      <a:tailEnd type="none" w="med" len="med"/>
+                    </a:lnL>
+                    <a:lnR w="12700" cap="flat" cmpd="sng" algn="ctr">
+                      <a:solidFill>
+                        <a:schemeClr val="tx1"/>
+                      </a:solidFill>
+                      <a:prstDash val="solid"/>
+                      <a:round/>
+                      <a:headEnd type="none" w="med" len="med"/>
+                      <a:tailEnd type="none" w="med" len="med"/>
+                    </a:lnR>
+                    <a:lnT w="12700" cap="flat" cmpd="sng" algn="ctr">
+                      <a:solidFill>
+                        <a:schemeClr val="tx1"/>
+                      </a:solidFill>
+                      <a:prstDash val="solid"/>
+                      <a:round/>
+                      <a:headEnd type="none" w="med" len="med"/>
+                      <a:tailEnd type="none" w="med" len="med"/>
+                    </a:lnT>
+                    <a:lnB w="12700" cap="flat" cmpd="sng" algn="ctr">
+                      <a:solidFill>
+                        <a:schemeClr val="tx1"/>
+                      </a:solidFill>
+                      <a:prstDash val="solid"/>
+                      <a:round/>
+                      <a:headEnd type="none" w="med" len="med"/>
+                      <a:tailEnd type="none" w="med" len="med"/>
+                    </a:lnB>
+                    <a:lnTlToBr w="12700" cmpd="sng">
+                      <a:noFill/>
+                      <a:prstDash val="solid"/>
+                    </a:lnTlToBr>
+                    <a:lnBlToTr w="12700" cmpd="sng">
+                      <a:noFill/>
+                      <a:prstDash val="solid"/>
+                    </a:lnBlToTr>
+                    <a:solidFill>
+                      <a:schemeClr val="bg2"/>
+                    </a:solidFill>
+                  </a:tcPr>
+                </a:tc>
+                <a:tc>
+                  <a:txBody>
+                    <a:bodyPr/>
+                    <a:lstStyle/>
+                    <a:p>
+                      <a:pPr algn="ctr"/>
+                      <a:r>
+                        <a:rPr kumimoji="1" lang="ja-JP" altLang="en-US" sz="2400">
+                          <a:solidFill>
+                            <a:schemeClr val="tx1"/>
+                          </a:solidFill>
+                        </a:rPr>
+                        <a:t>✔️</a:t>
+                      </a:r>
+                      <a:r>
+                        <a:rPr kumimoji="1" lang="en-US" altLang="ja-JP" sz="2400" dirty="0">
+                          <a:solidFill>
+                            <a:schemeClr val="tx1"/>
+                          </a:solidFill>
+                        </a:rPr>
+                        <a:t> </a:t>
+                      </a:r>
+                      <a:r>
+                        <a:rPr kumimoji="1" lang="en-US" altLang="ja-JP" sz="2000" dirty="0">
+                          <a:solidFill>
+                            <a:schemeClr val="tx1"/>
+                          </a:solidFill>
+                        </a:rPr>
+                        <a:t>VPN</a:t>
+                      </a:r>
+                      <a:endParaRPr kumimoji="1" lang="ja-JP" altLang="en-US" sz="2000">
+                        <a:solidFill>
+                          <a:schemeClr val="tx1"/>
+                        </a:solidFill>
+                      </a:endParaRPr>
+                    </a:p>
+                  </a:txBody>
+                  <a:tcPr anchor="ctr">
+                    <a:lnL w="12700" cap="flat" cmpd="sng" algn="ctr">
+                      <a:solidFill>
+                        <a:schemeClr val="tx1"/>
+                      </a:solidFill>
+                      <a:prstDash val="solid"/>
+                      <a:round/>
+                      <a:headEnd type="none" w="med" len="med"/>
+                      <a:tailEnd type="none" w="med" len="med"/>
+                    </a:lnL>
+                    <a:lnR w="12700" cap="flat" cmpd="sng" algn="ctr">
+                      <a:solidFill>
+                        <a:schemeClr val="tx1"/>
+                      </a:solidFill>
+                      <a:prstDash val="solid"/>
+                      <a:round/>
+                      <a:headEnd type="none" w="med" len="med"/>
+                      <a:tailEnd type="none" w="med" len="med"/>
+                    </a:lnR>
+                    <a:lnT w="12700" cap="flat" cmpd="sng" algn="ctr">
+                      <a:solidFill>
+                        <a:schemeClr val="tx1"/>
+                      </a:solidFill>
+                      <a:prstDash val="solid"/>
+                      <a:round/>
+                      <a:headEnd type="none" w="med" len="med"/>
+                      <a:tailEnd type="none" w="med" len="med"/>
+                    </a:lnT>
+                    <a:lnB w="12700" cap="flat" cmpd="sng" algn="ctr">
+                      <a:solidFill>
+                        <a:schemeClr val="tx1"/>
+                      </a:solidFill>
+                      <a:prstDash val="solid"/>
+                      <a:round/>
+                      <a:headEnd type="none" w="med" len="med"/>
+                      <a:tailEnd type="none" w="med" len="med"/>
+                    </a:lnB>
+                    <a:lnTlToBr w="12700" cmpd="sng">
+                      <a:noFill/>
+                      <a:prstDash val="solid"/>
+                    </a:lnTlToBr>
+                    <a:lnBlToTr w="12700" cmpd="sng">
+                      <a:noFill/>
+                      <a:prstDash val="solid"/>
+                    </a:lnBlToTr>
+                    <a:solidFill>
+                      <a:schemeClr val="bg2"/>
+                    </a:solidFill>
+                  </a:tcPr>
+                </a:tc>
+                <a:tc>
+                  <a:txBody>
+                    <a:bodyPr/>
+                    <a:lstStyle/>
+                    <a:p>
+                      <a:pPr algn="ctr"/>
+                      <a:r>
+                        <a:rPr kumimoji="1" lang="ja-JP" altLang="en-US" sz="2400">
+                          <a:solidFill>
+                            <a:schemeClr val="tx1"/>
+                          </a:solidFill>
+                        </a:rPr>
+                        <a:t>ー</a:t>
+                      </a:r>
+                    </a:p>
+                  </a:txBody>
+                  <a:tcPr anchor="ctr">
+                    <a:lnL w="12700" cap="flat" cmpd="sng" algn="ctr">
+                      <a:solidFill>
+                        <a:schemeClr val="tx1"/>
+                      </a:solidFill>
+                      <a:prstDash val="solid"/>
+                      <a:round/>
+                      <a:headEnd type="none" w="med" len="med"/>
+                      <a:tailEnd type="none" w="med" len="med"/>
+                    </a:lnL>
+                    <a:lnR w="12700" cap="flat" cmpd="sng" algn="ctr">
+                      <a:solidFill>
+                        <a:schemeClr val="tx1"/>
+                      </a:solidFill>
+                      <a:prstDash val="solid"/>
+                      <a:round/>
+                      <a:headEnd type="none" w="med" len="med"/>
+                      <a:tailEnd type="none" w="med" len="med"/>
+                    </a:lnR>
+                    <a:lnT w="12700" cap="flat" cmpd="sng" algn="ctr">
+                      <a:solidFill>
+                        <a:schemeClr val="tx1"/>
+                      </a:solidFill>
+                      <a:prstDash val="solid"/>
+                      <a:round/>
+                      <a:headEnd type="none" w="med" len="med"/>
+                      <a:tailEnd type="none" w="med" len="med"/>
+                    </a:lnT>
+                    <a:lnB w="12700" cap="flat" cmpd="sng" algn="ctr">
+                      <a:solidFill>
+                        <a:schemeClr val="tx1"/>
+                      </a:solidFill>
+                      <a:prstDash val="solid"/>
+                      <a:round/>
+                      <a:headEnd type="none" w="med" len="med"/>
+                      <a:tailEnd type="none" w="med" len="med"/>
+                    </a:lnB>
+                    <a:lnTlToBr w="12700" cmpd="sng">
+                      <a:noFill/>
+                      <a:prstDash val="solid"/>
+                    </a:lnTlToBr>
+                    <a:lnBlToTr w="12700" cmpd="sng">
+                      <a:noFill/>
+                      <a:prstDash val="solid"/>
+                    </a:lnBlToTr>
+                    <a:solidFill>
+                      <a:schemeClr val="bg2"/>
+                    </a:solidFill>
+                  </a:tcPr>
+                </a:tc>
+                <a:extLst>
+                  <a:ext uri="{0D108BD9-81ED-4DB2-BD59-A6C34878D82A}">
+                    <a16:rowId xmlns:a16="http://schemas.microsoft.com/office/drawing/2014/main" val="1155460534"/>
                   </a:ext>
                 </a:extLst>
               </a:tr>
@@ -22442,7 +28926,7 @@
     </p:spTree>
     <p:extLst>
       <p:ext uri="{BB962C8B-B14F-4D97-AF65-F5344CB8AC3E}">
-        <p14:creationId xmlns:p14="http://schemas.microsoft.com/office/powerpoint/2010/main" val="571271211"/>
+        <p14:creationId xmlns:p14="http://schemas.microsoft.com/office/powerpoint/2010/main" val="2290605621"/>
       </p:ext>
     </p:extLst>
   </p:cSld>

--- a/SUBTHEME/graphs/telework_list.pptx
+++ b/SUBTHEME/graphs/telework_list.pptx
@@ -269,7 +269,7 @@
           <a:p>
             <a:fld id="{4CD497F8-9430-BC49-8D3A-D071BC4586DD}" type="datetimeFigureOut">
               <a:rPr kumimoji="1" lang="ja-JP" altLang="en-US" smtClean="0"/>
-              <a:t>2020/10/15</a:t>
+              <a:t>2020/10/21</a:t>
             </a:fld>
             <a:endParaRPr kumimoji="1" lang="ja-JP" altLang="en-US"/>
           </a:p>
@@ -474,7 +474,7 @@
           <a:p>
             <a:fld id="{4CD497F8-9430-BC49-8D3A-D071BC4586DD}" type="datetimeFigureOut">
               <a:rPr kumimoji="1" lang="ja-JP" altLang="en-US" smtClean="0"/>
-              <a:t>2020/10/15</a:t>
+              <a:t>2020/10/21</a:t>
             </a:fld>
             <a:endParaRPr kumimoji="1" lang="ja-JP" altLang="en-US"/>
           </a:p>
@@ -689,7 +689,7 @@
           <a:p>
             <a:fld id="{4CD497F8-9430-BC49-8D3A-D071BC4586DD}" type="datetimeFigureOut">
               <a:rPr kumimoji="1" lang="ja-JP" altLang="en-US" smtClean="0"/>
-              <a:t>2020/10/15</a:t>
+              <a:t>2020/10/21</a:t>
             </a:fld>
             <a:endParaRPr kumimoji="1" lang="ja-JP" altLang="en-US"/>
           </a:p>
@@ -894,7 +894,7 @@
           <a:p>
             <a:fld id="{4CD497F8-9430-BC49-8D3A-D071BC4586DD}" type="datetimeFigureOut">
               <a:rPr kumimoji="1" lang="ja-JP" altLang="en-US" smtClean="0"/>
-              <a:t>2020/10/15</a:t>
+              <a:t>2020/10/21</a:t>
             </a:fld>
             <a:endParaRPr kumimoji="1" lang="ja-JP" altLang="en-US"/>
           </a:p>
@@ -1204,7 +1204,7 @@
           <a:p>
             <a:fld id="{4CD497F8-9430-BC49-8D3A-D071BC4586DD}" type="datetimeFigureOut">
               <a:rPr kumimoji="1" lang="ja-JP" altLang="en-US" smtClean="0"/>
-              <a:t>2020/10/15</a:t>
+              <a:t>2020/10/21</a:t>
             </a:fld>
             <a:endParaRPr kumimoji="1" lang="ja-JP" altLang="en-US"/>
           </a:p>
@@ -1483,7 +1483,7 @@
           <a:p>
             <a:fld id="{4CD497F8-9430-BC49-8D3A-D071BC4586DD}" type="datetimeFigureOut">
               <a:rPr kumimoji="1" lang="ja-JP" altLang="en-US" smtClean="0"/>
-              <a:t>2020/10/15</a:t>
+              <a:t>2020/10/21</a:t>
             </a:fld>
             <a:endParaRPr kumimoji="1" lang="ja-JP" altLang="en-US"/>
           </a:p>
@@ -1979,7 +1979,7 @@
           <a:p>
             <a:fld id="{4CD497F8-9430-BC49-8D3A-D071BC4586DD}" type="datetimeFigureOut">
               <a:rPr kumimoji="1" lang="ja-JP" altLang="en-US" smtClean="0"/>
-              <a:t>2020/10/15</a:t>
+              <a:t>2020/10/21</a:t>
             </a:fld>
             <a:endParaRPr kumimoji="1" lang="ja-JP" altLang="en-US"/>
           </a:p>
@@ -2120,7 +2120,7 @@
           <a:p>
             <a:fld id="{4CD497F8-9430-BC49-8D3A-D071BC4586DD}" type="datetimeFigureOut">
               <a:rPr kumimoji="1" lang="ja-JP" altLang="en-US" smtClean="0"/>
-              <a:t>2020/10/15</a:t>
+              <a:t>2020/10/21</a:t>
             </a:fld>
             <a:endParaRPr kumimoji="1" lang="ja-JP" altLang="en-US"/>
           </a:p>
@@ -2233,7 +2233,7 @@
           <a:p>
             <a:fld id="{4CD497F8-9430-BC49-8D3A-D071BC4586DD}" type="datetimeFigureOut">
               <a:rPr kumimoji="1" lang="ja-JP" altLang="en-US" smtClean="0"/>
-              <a:t>2020/10/15</a:t>
+              <a:t>2020/10/21</a:t>
             </a:fld>
             <a:endParaRPr kumimoji="1" lang="ja-JP" altLang="en-US"/>
           </a:p>
@@ -2586,7 +2586,7 @@
           <a:p>
             <a:fld id="{4CD497F8-9430-BC49-8D3A-D071BC4586DD}" type="datetimeFigureOut">
               <a:rPr kumimoji="1" lang="ja-JP" altLang="en-US" smtClean="0"/>
-              <a:t>2020/10/15</a:t>
+              <a:t>2020/10/21</a:t>
             </a:fld>
             <a:endParaRPr kumimoji="1" lang="ja-JP" altLang="en-US"/>
           </a:p>
@@ -2909,7 +2909,7 @@
           <a:p>
             <a:fld id="{4CD497F8-9430-BC49-8D3A-D071BC4586DD}" type="datetimeFigureOut">
               <a:rPr kumimoji="1" lang="ja-JP" altLang="en-US" smtClean="0"/>
-              <a:t>2020/10/15</a:t>
+              <a:t>2020/10/21</a:t>
             </a:fld>
             <a:endParaRPr kumimoji="1" lang="ja-JP" altLang="en-US"/>
           </a:p>
@@ -3157,7 +3157,7 @@
           <a:p>
             <a:fld id="{4CD497F8-9430-BC49-8D3A-D071BC4586DD}" type="datetimeFigureOut">
               <a:rPr kumimoji="1" lang="ja-JP" altLang="en-US" smtClean="0"/>
-              <a:t>2020/10/15</a:t>
+              <a:t>2020/10/21</a:t>
             </a:fld>
             <a:endParaRPr kumimoji="1" lang="ja-JP" altLang="en-US"/>
           </a:p>
@@ -3589,7 +3589,7 @@
           <p:nvPr>
             <p:extLst>
               <p:ext uri="{D42A27DB-BD31-4B8C-83A1-F6EECF244321}">
-                <p14:modId xmlns:p14="http://schemas.microsoft.com/office/powerpoint/2010/main" val="4234353544"/>
+                <p14:modId xmlns:p14="http://schemas.microsoft.com/office/powerpoint/2010/main" val="2973018747"/>
               </p:ext>
             </p:extLst>
           </p:nvPr>
@@ -3654,7 +3654,7 @@
                 </a:gridCol>
               </a:tblGrid>
               <a:tr h="467705">
-                <a:tc>
+                <a:tc rowSpan="2">
                   <a:txBody>
                     <a:bodyPr/>
                     <a:lstStyle/>
@@ -3701,9 +3701,24 @@
                       <a:headEnd type="none" w="med" len="med"/>
                       <a:tailEnd type="none" w="med" len="med"/>
                     </a:lnT>
-                    <a:lnB>
-                      <a:noFill/>
-                    </a:lnB>
+                    <a:lnB w="6350" cap="flat" cmpd="sng" algn="ctr">
+                      <a:solidFill>
+                        <a:srgbClr val="000000"/>
+                      </a:solidFill>
+                      <a:prstDash val="solid"/>
+                      <a:round/>
+                      <a:headEnd type="none" w="med" len="med"/>
+                      <a:tailEnd type="none" w="med" len="med"/>
+                    </a:lnB>
+                    <a:lnTlToBr w="12700" cap="flat" cmpd="sng" algn="ctr">
+                      <a:solidFill>
+                        <a:schemeClr val="tx1"/>
+                      </a:solidFill>
+                      <a:prstDash val="solid"/>
+                      <a:round/>
+                      <a:headEnd type="none" w="med" len="med"/>
+                      <a:tailEnd type="none" w="med" len="med"/>
+                    </a:lnTlToBr>
                     <a:solidFill>
                       <a:schemeClr val="bg2">
                         <a:lumMod val="75000"/>
@@ -4168,23 +4183,20 @@
                 </a:extLst>
               </a:tr>
               <a:tr h="701101">
-                <a:tc>
+                <a:tc vMerge="1">
                   <a:txBody>
                     <a:bodyPr/>
                     <a:lstStyle/>
                     <a:p>
                       <a:pPr algn="l" fontAlgn="ctr"/>
-                      <a:r>
-                        <a:rPr lang="ja-JP" altLang="en-US" sz="1050" b="1" i="0" u="none" strike="noStrike">
-                          <a:solidFill>
-                            <a:srgbClr val="000000"/>
-                          </a:solidFill>
-                          <a:effectLst/>
-                          <a:latin typeface="游ゴシック" panose="020B0400000000000000" pitchFamily="34" charset="-128"/>
-                          <a:ea typeface="游ゴシック" panose="020B0400000000000000" pitchFamily="34" charset="-128"/>
-                        </a:rPr>
-                        <a:t>　</a:t>
-                      </a:r>
+                      <a:endParaRPr lang="ja-JP" altLang="en-US" sz="1050" b="1" i="0" u="none" strike="noStrike">
+                        <a:solidFill>
+                          <a:srgbClr val="000000"/>
+                        </a:solidFill>
+                        <a:effectLst/>
+                        <a:latin typeface="游ゴシック" panose="020B0400000000000000" pitchFamily="34" charset="-128"/>
+                        <a:ea typeface="游ゴシック" panose="020B0400000000000000" pitchFamily="34" charset="-128"/>
+                      </a:endParaRPr>
                     </a:p>
                   </a:txBody>
                   <a:tcPr marL="7554" marR="7554" marT="7554" marB="0" anchor="ctr">
@@ -4218,6 +4230,15 @@
                       <a:headEnd type="none" w="med" len="med"/>
                       <a:tailEnd type="none" w="med" len="med"/>
                     </a:lnB>
+                    <a:lnTlToBr w="12700" cap="flat" cmpd="sng" algn="ctr">
+                      <a:solidFill>
+                        <a:schemeClr val="tx1"/>
+                      </a:solidFill>
+                      <a:prstDash val="solid"/>
+                      <a:round/>
+                      <a:headEnd type="none" w="med" len="med"/>
+                      <a:tailEnd type="none" w="med" len="med"/>
+                    </a:lnTlToBr>
                     <a:solidFill>
                       <a:schemeClr val="bg2">
                         <a:lumMod val="75000"/>
@@ -7315,7 +7336,7 @@
           <p:nvPr>
             <p:extLst>
               <p:ext uri="{D42A27DB-BD31-4B8C-83A1-F6EECF244321}">
-                <p14:modId xmlns:p14="http://schemas.microsoft.com/office/powerpoint/2010/main" val="453251118"/>
+                <p14:modId xmlns:p14="http://schemas.microsoft.com/office/powerpoint/2010/main" val="3383604269"/>
               </p:ext>
             </p:extLst>
           </p:nvPr>
@@ -7687,9 +7708,7 @@
                       <a:tailEnd type="none" w="med" len="med"/>
                     </a:lnB>
                     <a:solidFill>
-                      <a:schemeClr val="bg1">
-                        <a:lumMod val="95000"/>
-                      </a:schemeClr>
+                      <a:schemeClr val="bg1"/>
                     </a:solidFill>
                   </a:tcPr>
                 </a:tc>
@@ -7776,9 +7795,7 @@
                       <a:tailEnd type="none" w="med" len="med"/>
                     </a:lnB>
                     <a:solidFill>
-                      <a:schemeClr val="bg1">
-                        <a:lumMod val="95000"/>
-                      </a:schemeClr>
+                      <a:schemeClr val="bg1"/>
                     </a:solidFill>
                   </a:tcPr>
                 </a:tc>
@@ -7912,9 +7929,7 @@
                       <a:tailEnd type="none" w="med" len="med"/>
                     </a:lnB>
                     <a:solidFill>
-                      <a:schemeClr val="bg1">
-                        <a:lumMod val="95000"/>
-                      </a:schemeClr>
+                      <a:schemeClr val="bg1"/>
                     </a:solidFill>
                   </a:tcPr>
                 </a:tc>
@@ -7976,9 +7991,7 @@
                       <a:tailEnd type="none" w="med" len="med"/>
                     </a:lnB>
                     <a:solidFill>
-                      <a:schemeClr val="bg1">
-                        <a:lumMod val="95000"/>
-                      </a:schemeClr>
+                      <a:schemeClr val="bg1"/>
                     </a:solidFill>
                   </a:tcPr>
                 </a:tc>
@@ -8156,9 +8169,7 @@
                       <a:tailEnd type="none" w="med" len="med"/>
                     </a:lnB>
                     <a:solidFill>
-                      <a:schemeClr val="bg1">
-                        <a:lumMod val="95000"/>
-                      </a:schemeClr>
+                      <a:schemeClr val="bg1"/>
                     </a:solidFill>
                   </a:tcPr>
                 </a:tc>
@@ -8220,9 +8231,7 @@
                       <a:tailEnd type="none" w="med" len="med"/>
                     </a:lnB>
                     <a:solidFill>
-                      <a:schemeClr val="bg1">
-                        <a:lumMod val="95000"/>
-                      </a:schemeClr>
+                      <a:schemeClr val="bg1"/>
                     </a:solidFill>
                   </a:tcPr>
                 </a:tc>
@@ -8386,9 +8395,7 @@
                       <a:tailEnd type="none" w="med" len="med"/>
                     </a:lnB>
                     <a:solidFill>
-                      <a:schemeClr val="bg1">
-                        <a:lumMod val="95000"/>
-                      </a:schemeClr>
+                      <a:schemeClr val="bg1"/>
                     </a:solidFill>
                   </a:tcPr>
                 </a:tc>
@@ -8505,9 +8512,7 @@
                       <a:tailEnd type="none" w="med" len="med"/>
                     </a:lnB>
                     <a:solidFill>
-                      <a:schemeClr val="bg1">
-                        <a:lumMod val="95000"/>
-                      </a:schemeClr>
+                      <a:schemeClr val="bg1"/>
                     </a:solidFill>
                   </a:tcPr>
                 </a:tc>
@@ -8641,9 +8646,7 @@
                       <a:tailEnd type="none" w="med" len="med"/>
                     </a:lnB>
                     <a:solidFill>
-                      <a:schemeClr val="bg1">
-                        <a:lumMod val="95000"/>
-                      </a:schemeClr>
+                      <a:schemeClr val="bg1"/>
                     </a:solidFill>
                   </a:tcPr>
                 </a:tc>
@@ -8705,9 +8708,7 @@
                       <a:tailEnd type="none" w="med" len="med"/>
                     </a:lnB>
                     <a:solidFill>
-                      <a:schemeClr val="bg1">
-                        <a:lumMod val="95000"/>
-                      </a:schemeClr>
+                      <a:schemeClr val="bg1"/>
                     </a:solidFill>
                   </a:tcPr>
                 </a:tc>
@@ -8841,9 +8842,7 @@
                       <a:tailEnd type="none" w="med" len="med"/>
                     </a:lnB>
                     <a:solidFill>
-                      <a:schemeClr val="bg1">
-                        <a:lumMod val="95000"/>
-                      </a:schemeClr>
+                      <a:schemeClr val="bg1"/>
                     </a:solidFill>
                   </a:tcPr>
                 </a:tc>
@@ -8925,9 +8924,7 @@
                       <a:tailEnd type="none" w="med" len="med"/>
                     </a:lnB>
                     <a:solidFill>
-                      <a:schemeClr val="bg1">
-                        <a:lumMod val="95000"/>
-                      </a:schemeClr>
+                      <a:schemeClr val="bg1"/>
                     </a:solidFill>
                   </a:tcPr>
                 </a:tc>
@@ -9056,9 +9053,7 @@
                       <a:tailEnd type="none" w="med" len="med"/>
                     </a:lnB>
                     <a:solidFill>
-                      <a:schemeClr val="bg1">
-                        <a:lumMod val="95000"/>
-                      </a:schemeClr>
+                      <a:schemeClr val="bg1"/>
                     </a:solidFill>
                   </a:tcPr>
                 </a:tc>
@@ -9160,9 +9155,7 @@
                       <a:tailEnd type="none" w="med" len="med"/>
                     </a:lnB>
                     <a:solidFill>
-                      <a:schemeClr val="bg1">
-                        <a:lumMod val="95000"/>
-                      </a:schemeClr>
+                      <a:schemeClr val="bg1"/>
                     </a:solidFill>
                   </a:tcPr>
                 </a:tc>
@@ -9304,9 +9297,7 @@
                       <a:tailEnd type="none" w="med" len="med"/>
                     </a:lnB>
                     <a:solidFill>
-                      <a:schemeClr val="bg1">
-                        <a:lumMod val="95000"/>
-                      </a:schemeClr>
+                      <a:schemeClr val="bg1"/>
                     </a:solidFill>
                   </a:tcPr>
                 </a:tc>
@@ -9413,9 +9404,7 @@
                       <a:tailEnd type="none" w="med" len="med"/>
                     </a:lnB>
                     <a:solidFill>
-                      <a:schemeClr val="bg1">
-                        <a:lumMod val="95000"/>
-                      </a:schemeClr>
+                      <a:schemeClr val="bg1"/>
                     </a:solidFill>
                   </a:tcPr>
                 </a:tc>
@@ -11080,7 +11069,7 @@
           <p:nvPr>
             <p:extLst>
               <p:ext uri="{D42A27DB-BD31-4B8C-83A1-F6EECF244321}">
-                <p14:modId xmlns:p14="http://schemas.microsoft.com/office/powerpoint/2010/main" val="2794019396"/>
+                <p14:modId xmlns:p14="http://schemas.microsoft.com/office/powerpoint/2010/main" val="2660051138"/>
               </p:ext>
             </p:extLst>
           </p:nvPr>
@@ -11173,6 +11162,15 @@
                       <a:headEnd type="none" w="med" len="med"/>
                       <a:tailEnd type="none" w="med" len="med"/>
                     </a:lnB>
+                    <a:lnTlToBr w="12700" cap="flat" cmpd="sng" algn="ctr">
+                      <a:solidFill>
+                        <a:schemeClr val="tx1"/>
+                      </a:solidFill>
+                      <a:prstDash val="solid"/>
+                      <a:round/>
+                      <a:headEnd type="none" w="med" len="med"/>
+                      <a:tailEnd type="none" w="med" len="med"/>
+                    </a:lnTlToBr>
                     <a:solidFill>
                       <a:srgbClr val="AEAAAA"/>
                     </a:solidFill>
@@ -13194,7 +13192,7 @@
           <p:nvPr>
             <p:extLst>
               <p:ext uri="{D42A27DB-BD31-4B8C-83A1-F6EECF244321}">
-                <p14:modId xmlns:p14="http://schemas.microsoft.com/office/powerpoint/2010/main" val="3027604228"/>
+                <p14:modId xmlns:p14="http://schemas.microsoft.com/office/powerpoint/2010/main" val="1200979723"/>
               </p:ext>
             </p:extLst>
           </p:nvPr>
@@ -13299,6 +13297,15 @@
                       <a:headEnd type="none" w="med" len="med"/>
                       <a:tailEnd type="none" w="med" len="med"/>
                     </a:lnB>
+                    <a:lnTlToBr w="12700" cap="flat" cmpd="sng" algn="ctr">
+                      <a:solidFill>
+                        <a:schemeClr val="tx1"/>
+                      </a:solidFill>
+                      <a:prstDash val="solid"/>
+                      <a:round/>
+                      <a:headEnd type="none" w="med" len="med"/>
+                      <a:tailEnd type="none" w="med" len="med"/>
+                    </a:lnTlToBr>
                     <a:solidFill>
                       <a:schemeClr val="bg2">
                         <a:lumMod val="75000"/>
@@ -14952,7 +14959,7 @@
           <p:nvPr>
             <p:extLst>
               <p:ext uri="{D42A27DB-BD31-4B8C-83A1-F6EECF244321}">
-                <p14:modId xmlns:p14="http://schemas.microsoft.com/office/powerpoint/2010/main" val="2906725317"/>
+                <p14:modId xmlns:p14="http://schemas.microsoft.com/office/powerpoint/2010/main" val="2103837518"/>
               </p:ext>
             </p:extLst>
           </p:nvPr>
@@ -15296,10 +15303,10 @@
                     <a:p>
                       <a:pPr algn="ctr" fontAlgn="ctr"/>
                       <a:r>
-                        <a:rPr lang="en" sz="1800" b="1" u="none" strike="noStrike" dirty="0" err="1">
-                          <a:effectLst/>
-                        </a:rPr>
-                        <a:t>webUI</a:t>
+                        <a:rPr lang="en" sz="1800" b="1" u="none" strike="noStrike" dirty="0">
+                          <a:effectLst/>
+                        </a:rPr>
+                        <a:t>GUI</a:t>
                       </a:r>
                       <a:endParaRPr lang="en" sz="1800" b="1" i="0" u="none" strike="noStrike" dirty="0">
                         <a:solidFill>
@@ -15932,7 +15939,7 @@
                           <a:latin typeface="游ゴシック" panose="020B0400000000000000" pitchFamily="34" charset="-128"/>
                           <a:ea typeface="游ゴシック" panose="020B0400000000000000" pitchFamily="34" charset="-128"/>
                         </a:rPr>
-                        <a:t>少し</a:t>
+                        <a:t>すこし</a:t>
                       </a:r>
                       <a:endParaRPr lang="en-US" altLang="ja-JP" sz="2000" b="0" i="0" u="none" strike="noStrike" dirty="0">
                         <a:solidFill>
@@ -17242,7 +17249,7 @@
           <p:nvPr>
             <p:extLst>
               <p:ext uri="{D42A27DB-BD31-4B8C-83A1-F6EECF244321}">
-                <p14:modId xmlns:p14="http://schemas.microsoft.com/office/powerpoint/2010/main" val="505100557"/>
+                <p14:modId xmlns:p14="http://schemas.microsoft.com/office/powerpoint/2010/main" val="2732834647"/>
               </p:ext>
             </p:extLst>
           </p:nvPr>
@@ -17581,10 +17588,10 @@
                     <a:p>
                       <a:pPr algn="ctr" fontAlgn="ctr"/>
                       <a:r>
-                        <a:rPr lang="en" sz="2000" b="1" u="none" strike="noStrike" dirty="0" err="1">
-                          <a:effectLst/>
-                        </a:rPr>
-                        <a:t>webUI</a:t>
+                        <a:rPr lang="en" sz="2000" b="1" u="none" strike="noStrike" dirty="0">
+                          <a:effectLst/>
+                        </a:rPr>
+                        <a:t>GUI</a:t>
                       </a:r>
                       <a:endParaRPr lang="en" sz="2000" b="1" i="0" u="none" strike="noStrike" dirty="0">
                         <a:solidFill>
@@ -19735,14 +19742,14 @@
           <p:nvPr>
             <p:extLst>
               <p:ext uri="{D42A27DB-BD31-4B8C-83A1-F6EECF244321}">
-                <p14:modId xmlns:p14="http://schemas.microsoft.com/office/powerpoint/2010/main" val="275014976"/>
+                <p14:modId xmlns:p14="http://schemas.microsoft.com/office/powerpoint/2010/main" val="2869658604"/>
               </p:ext>
             </p:extLst>
           </p:nvPr>
         </p:nvGraphicFramePr>
         <p:xfrm>
           <a:off x="0" y="0"/>
-          <a:ext cx="12191999" cy="6858000"/>
+          <a:ext cx="12191999" cy="6720949"/>
         </p:xfrm>
         <a:graphic>
           <a:graphicData uri="http://schemas.openxmlformats.org/drawingml/2006/table">
@@ -19776,12 +19783,16 @@
                       <a:r>
                         <a:rPr lang="en" sz="2400" b="1" u="none" strike="noStrike" dirty="0">
                           <a:effectLst/>
+                          <a:latin typeface="+mn-ea"/>
+                          <a:ea typeface="+mn-ea"/>
                         </a:rPr>
                         <a:t>Server</a:t>
                       </a:r>
                       <a:r>
                         <a:rPr lang="ja-JP" altLang="en-US" sz="2400" b="1" u="none" strike="noStrike">
                           <a:effectLst/>
+                          <a:latin typeface="+mn-ea"/>
+                          <a:ea typeface="+mn-ea"/>
                         </a:rPr>
                         <a:t>のメーカー</a:t>
                       </a:r>
@@ -19790,8 +19801,8 @@
                           <a:srgbClr val="000000"/>
                         </a:solidFill>
                         <a:effectLst/>
-                        <a:latin typeface="游ゴシック" panose="020B0400000000000000" pitchFamily="34" charset="-128"/>
-                        <a:ea typeface="游ゴシック" panose="020B0400000000000000" pitchFamily="34" charset="-128"/>
+                        <a:latin typeface="+mn-ea"/>
+                        <a:ea typeface="+mn-ea"/>
                       </a:endParaRPr>
                     </a:p>
                   </a:txBody>
@@ -19854,7 +19865,7 @@
                     <a:p>
                       <a:pPr algn="l" fontAlgn="ctr"/>
                       <a:r>
-                        <a:rPr lang="en" sz="2400" u="none" strike="noStrike" dirty="0">
+                        <a:rPr lang="en" sz="2400" b="0" u="none" strike="noStrike">
                           <a:effectLst/>
                           <a:latin typeface="+mn-ea"/>
                           <a:ea typeface="+mn-ea"/>
@@ -19927,7 +19938,7 @@
                   </a:ext>
                 </a:extLst>
               </a:tr>
-              <a:tr h="819395">
+              <a:tr h="682344">
                 <a:tc>
                   <a:txBody>
                     <a:bodyPr/>
@@ -19937,12 +19948,16 @@
                       <a:r>
                         <a:rPr lang="en" sz="2400" b="1" u="none" strike="noStrike" dirty="0">
                           <a:effectLst/>
+                          <a:latin typeface="+mn-ea"/>
+                          <a:ea typeface="+mn-ea"/>
                         </a:rPr>
                         <a:t>Server</a:t>
                       </a:r>
                       <a:r>
                         <a:rPr lang="ja-JP" altLang="en-US" sz="2400" b="1" u="none" strike="noStrike">
                           <a:effectLst/>
+                          <a:latin typeface="+mn-ea"/>
+                          <a:ea typeface="+mn-ea"/>
                         </a:rPr>
                         <a:t>のモデル</a:t>
                       </a:r>
@@ -19951,8 +19966,8 @@
                           <a:srgbClr val="000000"/>
                         </a:solidFill>
                         <a:effectLst/>
-                        <a:latin typeface="游ゴシック" panose="020B0400000000000000" pitchFamily="34" charset="-128"/>
-                        <a:ea typeface="游ゴシック" panose="020B0400000000000000" pitchFamily="34" charset="-128"/>
+                        <a:latin typeface="+mn-ea"/>
+                        <a:ea typeface="+mn-ea"/>
                       </a:endParaRPr>
                     </a:p>
                   </a:txBody>
@@ -20098,6 +20113,8 @@
                       <a:r>
                         <a:rPr lang="en" sz="2400" b="1" u="none" strike="noStrike" dirty="0">
                           <a:effectLst/>
+                          <a:latin typeface="+mn-ea"/>
+                          <a:ea typeface="+mn-ea"/>
                         </a:rPr>
                         <a:t>CPU</a:t>
                       </a:r>
@@ -20106,8 +20123,8 @@
                           <a:srgbClr val="000000"/>
                         </a:solidFill>
                         <a:effectLst/>
-                        <a:latin typeface="游ゴシック" panose="020B0400000000000000" pitchFamily="34" charset="-128"/>
-                        <a:ea typeface="游ゴシック" panose="020B0400000000000000" pitchFamily="34" charset="-128"/>
+                        <a:latin typeface="+mn-ea"/>
+                        <a:ea typeface="+mn-ea"/>
                       </a:endParaRPr>
                     </a:p>
                   </a:txBody>
@@ -20377,6 +20394,8 @@
                       <a:r>
                         <a:rPr lang="ja-JP" altLang="en-US" sz="2400" b="1" u="none" strike="noStrike">
                           <a:effectLst/>
+                          <a:latin typeface="+mn-ea"/>
+                          <a:ea typeface="+mn-ea"/>
                         </a:rPr>
                         <a:t>マザーボード</a:t>
                       </a:r>
@@ -20385,8 +20404,8 @@
                           <a:srgbClr val="000000"/>
                         </a:solidFill>
                         <a:effectLst/>
-                        <a:latin typeface="游ゴシック" panose="020B0400000000000000" pitchFamily="34" charset="-128"/>
-                        <a:ea typeface="游ゴシック" panose="020B0400000000000000" pitchFamily="34" charset="-128"/>
+                        <a:latin typeface="+mn-ea"/>
+                        <a:ea typeface="+mn-ea"/>
                       </a:endParaRPr>
                     </a:p>
                   </a:txBody>
@@ -20563,6 +20582,8 @@
                       <a:r>
                         <a:rPr lang="ja-JP" altLang="en-US" sz="2400" b="1" u="none" strike="noStrike">
                           <a:effectLst/>
+                          <a:latin typeface="+mn-ea"/>
+                          <a:ea typeface="+mn-ea"/>
                         </a:rPr>
                         <a:t>メモリ</a:t>
                       </a:r>
@@ -20571,8 +20592,8 @@
                           <a:srgbClr val="000000"/>
                         </a:solidFill>
                         <a:effectLst/>
-                        <a:latin typeface="游ゴシック" panose="020B0400000000000000" pitchFamily="34" charset="-128"/>
-                        <a:ea typeface="游ゴシック" panose="020B0400000000000000" pitchFamily="34" charset="-128"/>
+                        <a:latin typeface="+mn-ea"/>
+                        <a:ea typeface="+mn-ea"/>
                       </a:endParaRPr>
                     </a:p>
                   </a:txBody>
@@ -20718,6 +20739,8 @@
                       <a:r>
                         <a:rPr lang="ja-JP" altLang="en-US" sz="2400" b="1" u="none" strike="noStrike">
                           <a:effectLst/>
+                          <a:latin typeface="+mn-ea"/>
+                          <a:ea typeface="+mn-ea"/>
                         </a:rPr>
                         <a:t>ストレージ</a:t>
                       </a:r>
@@ -20726,8 +20749,8 @@
                           <a:srgbClr val="000000"/>
                         </a:solidFill>
                         <a:effectLst/>
-                        <a:latin typeface="游ゴシック" panose="020B0400000000000000" pitchFamily="34" charset="-128"/>
-                        <a:ea typeface="游ゴシック" panose="020B0400000000000000" pitchFamily="34" charset="-128"/>
+                        <a:latin typeface="+mn-ea"/>
+                        <a:ea typeface="+mn-ea"/>
                       </a:endParaRPr>
                     </a:p>
                   </a:txBody>
@@ -20803,23 +20826,7 @@
                           <a:latin typeface="+mn-ea"/>
                           <a:ea typeface="+mn-ea"/>
                         </a:rPr>
-                        <a:t>ATA SAMSUNG MZ7LM240 (</a:t>
-                      </a:r>
-                      <a:r>
-                        <a:rPr lang="en" sz="2400" u="none" strike="noStrike" dirty="0" err="1">
-                          <a:effectLst/>
-                          <a:latin typeface="+mn-ea"/>
-                          <a:ea typeface="+mn-ea"/>
-                        </a:rPr>
-                        <a:t>scsi</a:t>
-                      </a:r>
-                      <a:r>
-                        <a:rPr lang="en" sz="2400" u="none" strike="noStrike" dirty="0">
-                          <a:effectLst/>
-                          <a:latin typeface="+mn-ea"/>
-                          <a:ea typeface="+mn-ea"/>
-                        </a:rPr>
-                        <a:t>)</a:t>
+                        <a:t>ATA SAMSUNG MZ7LM240 </a:t>
                       </a:r>
                       <a:br>
                         <a:rPr lang="en" sz="2400" u="none" strike="noStrike" dirty="0">
@@ -21021,6 +21028,8 @@
                       <a:r>
                         <a:rPr lang="ja-JP" altLang="en-US" sz="2400" b="1" u="none" strike="noStrike">
                           <a:effectLst/>
+                          <a:latin typeface="+mn-ea"/>
+                          <a:ea typeface="+mn-ea"/>
                         </a:rPr>
                         <a:t>ネットワーク</a:t>
                       </a:r>
@@ -21029,8 +21038,8 @@
                           <a:srgbClr val="000000"/>
                         </a:solidFill>
                         <a:effectLst/>
-                        <a:latin typeface="游ゴシック" panose="020B0400000000000000" pitchFamily="34" charset="-128"/>
-                        <a:ea typeface="游ゴシック" panose="020B0400000000000000" pitchFamily="34" charset="-128"/>
+                        <a:latin typeface="+mn-ea"/>
+                        <a:ea typeface="+mn-ea"/>
                       </a:endParaRPr>
                     </a:p>
                   </a:txBody>
@@ -21110,18 +21119,18 @@
                             <a:schemeClr val="dk1"/>
                           </a:solidFill>
                           <a:effectLst/>
-                          <a:latin typeface="+mn-lt"/>
+                          <a:latin typeface="+mn-ea"/>
                           <a:ea typeface="+mn-ea"/>
                           <a:cs typeface="+mn-cs"/>
                         </a:rPr>
-                        <a:t>Intel</a:t>
+                        <a:t>Intel </a:t>
                       </a:r>
                       <a:endParaRPr kumimoji="1" lang="en" altLang="ja-JP" sz="2400" b="0" i="0" u="none" strike="noStrike" kern="1200" dirty="0">
                         <a:solidFill>
                           <a:schemeClr val="dk1"/>
                         </a:solidFill>
                         <a:effectLst/>
-                        <a:latin typeface="+mn-lt"/>
+                        <a:latin typeface="+mn-ea"/>
                         <a:ea typeface="+mn-ea"/>
                         <a:cs typeface="+mn-cs"/>
                       </a:endParaRPr>
@@ -21134,7 +21143,7 @@
                             <a:schemeClr val="dk1"/>
                           </a:solidFill>
                           <a:effectLst/>
-                          <a:latin typeface="+mn-lt"/>
+                          <a:latin typeface="+mn-ea"/>
                           <a:ea typeface="+mn-ea"/>
                           <a:cs typeface="+mn-cs"/>
                         </a:rPr>
@@ -21146,7 +21155,7 @@
                             <a:schemeClr val="dk1"/>
                           </a:solidFill>
                           <a:effectLst/>
-                          <a:latin typeface="+mn-lt"/>
+                          <a:latin typeface="+mn-ea"/>
                           <a:ea typeface="+mn-ea"/>
                           <a:cs typeface="+mn-cs"/>
                         </a:rPr>
@@ -21161,7 +21170,7 @@
                             <a:schemeClr val="dk1"/>
                           </a:solidFill>
                           <a:effectLst/>
-                          <a:latin typeface="+mn-lt"/>
+                          <a:latin typeface="+mn-ea"/>
                           <a:ea typeface="+mn-ea"/>
                           <a:cs typeface="+mn-cs"/>
                         </a:rPr>
@@ -21173,7 +21182,7 @@
                             <a:schemeClr val="dk1"/>
                           </a:solidFill>
                           <a:effectLst/>
-                          <a:latin typeface="+mn-lt"/>
+                          <a:latin typeface="+mn-ea"/>
                           <a:ea typeface="+mn-ea"/>
                           <a:cs typeface="+mn-cs"/>
                         </a:rPr>
@@ -21188,7 +21197,7 @@
                             <a:schemeClr val="dk1"/>
                           </a:solidFill>
                           <a:effectLst/>
-                          <a:latin typeface="+mn-lt"/>
+                          <a:latin typeface="+mn-ea"/>
                           <a:ea typeface="+mn-ea"/>
                           <a:cs typeface="+mn-cs"/>
                         </a:rPr>
@@ -21200,7 +21209,7 @@
                             <a:schemeClr val="dk1"/>
                           </a:solidFill>
                           <a:effectLst/>
-                          <a:latin typeface="+mn-lt"/>
+                          <a:latin typeface="+mn-ea"/>
                           <a:ea typeface="+mn-ea"/>
                           <a:cs typeface="+mn-cs"/>
                         </a:rPr>
@@ -21321,7 +21330,7 @@
           <p:nvPr>
             <p:extLst>
               <p:ext uri="{D42A27DB-BD31-4B8C-83A1-F6EECF244321}">
-                <p14:modId xmlns:p14="http://schemas.microsoft.com/office/powerpoint/2010/main" val="3961093121"/>
+                <p14:modId xmlns:p14="http://schemas.microsoft.com/office/powerpoint/2010/main" val="3241976951"/>
               </p:ext>
             </p:extLst>
           </p:nvPr>
@@ -21423,7 +21432,7 @@
                     <a:p>
                       <a:pPr algn="l" fontAlgn="ctr"/>
                       <a:r>
-                        <a:rPr lang="en" altLang="ja-JP" sz="2400" b="1" i="0" u="none" strike="noStrike" dirty="0">
+                        <a:rPr lang="en" altLang="ja-JP" sz="2400" b="0" i="0" u="none" strike="noStrike" dirty="0">
                           <a:solidFill>
                             <a:srgbClr val="000000"/>
                           </a:solidFill>
@@ -21434,7 +21443,7 @@
                         <a:t>FXC</a:t>
                       </a:r>
                       <a:r>
-                        <a:rPr lang="ja-JP" altLang="en-US" sz="2400" b="1" i="0" u="none" strike="noStrike">
+                        <a:rPr lang="ja-JP" altLang="en-US" sz="2400" b="0" i="0" u="none" strike="noStrike">
                           <a:solidFill>
                             <a:srgbClr val="000000"/>
                           </a:solidFill>
@@ -21444,7 +21453,7 @@
                         </a:rPr>
                         <a:t>株式会社</a:t>
                       </a:r>
-                      <a:endParaRPr lang="en" sz="2400" b="1" i="0" u="none" strike="noStrike" dirty="0">
+                      <a:endParaRPr lang="en" sz="2400" b="0" i="0" u="none" strike="noStrike" dirty="0">
                         <a:solidFill>
                           <a:srgbClr val="000000"/>
                         </a:solidFill>
@@ -22486,7 +22495,7 @@
           <p:nvPr>
             <p:extLst>
               <p:ext uri="{D42A27DB-BD31-4B8C-83A1-F6EECF244321}">
-                <p14:modId xmlns:p14="http://schemas.microsoft.com/office/powerpoint/2010/main" val="3828735812"/>
+                <p14:modId xmlns:p14="http://schemas.microsoft.com/office/powerpoint/2010/main" val="2772383058"/>
               </p:ext>
             </p:extLst>
           </p:nvPr>
@@ -22737,39 +22746,7 @@
                             <a:sysClr val="windowText" lastClr="000000"/>
                           </a:solidFill>
                         </a:rPr>
-                        <a:t>踏み台数</a:t>
-                      </a:r>
-                      <a:r>
-                        <a:rPr kumimoji="1" lang="en-US" altLang="ja-JP" sz="2400" b="1" dirty="0">
-                          <a:solidFill>
-                            <a:sysClr val="windowText" lastClr="000000"/>
-                          </a:solidFill>
-                        </a:rPr>
-                        <a:t>(</a:t>
-                      </a:r>
-                      <a:r>
-                        <a:rPr kumimoji="1" lang="ja-JP" altLang="en-US" sz="2400" b="1">
-                          <a:solidFill>
-                            <a:sysClr val="windowText" lastClr="000000"/>
-                          </a:solidFill>
-                        </a:rPr>
-                        <a:t>段数</a:t>
-                      </a:r>
-                      <a:r>
-                        <a:rPr kumimoji="1" lang="en-US" altLang="ja-JP" sz="2400" b="1" dirty="0">
-                          <a:solidFill>
-                            <a:sysClr val="windowText" lastClr="000000"/>
-                          </a:solidFill>
-                        </a:rPr>
-                        <a:t>)</a:t>
-                      </a:r>
-                      <a:r>
-                        <a:rPr kumimoji="1" lang="ja-JP" altLang="en-US" sz="2400" b="1">
-                          <a:solidFill>
-                            <a:sysClr val="windowText" lastClr="000000"/>
-                          </a:solidFill>
-                        </a:rPr>
-                        <a:t>の削減</a:t>
+                        <a:t>接続段数の削減</a:t>
                       </a:r>
                     </a:p>
                   </a:txBody>
@@ -22890,9 +22867,7 @@
                       <a:tailEnd type="none" w="med" len="med"/>
                     </a:lnB>
                     <a:solidFill>
-                      <a:schemeClr val="bg1">
-                        <a:lumMod val="95000"/>
-                      </a:schemeClr>
+                      <a:schemeClr val="bg1"/>
                     </a:solidFill>
                   </a:tcPr>
                 </a:tc>
@@ -22979,9 +22954,7 @@
                       <a:tailEnd type="none" w="med" len="med"/>
                     </a:lnB>
                     <a:solidFill>
-                      <a:schemeClr val="bg1">
-                        <a:lumMod val="95000"/>
-                      </a:schemeClr>
+                      <a:schemeClr val="bg1"/>
                     </a:solidFill>
                   </a:tcPr>
                 </a:tc>
@@ -23123,9 +23096,7 @@
                       <a:tailEnd type="none" w="med" len="med"/>
                     </a:lnB>
                     <a:solidFill>
-                      <a:schemeClr val="bg1">
-                        <a:lumMod val="95000"/>
-                      </a:schemeClr>
+                      <a:schemeClr val="bg1"/>
                     </a:solidFill>
                   </a:tcPr>
                 </a:tc>
@@ -23187,9 +23158,7 @@
                       <a:tailEnd type="none" w="med" len="med"/>
                     </a:lnB>
                     <a:solidFill>
-                      <a:schemeClr val="bg1">
-                        <a:lumMod val="95000"/>
-                      </a:schemeClr>
+                      <a:schemeClr val="bg1"/>
                     </a:solidFill>
                   </a:tcPr>
                 </a:tc>
@@ -23375,9 +23344,7 @@
                       <a:tailEnd type="none" w="med" len="med"/>
                     </a:lnB>
                     <a:solidFill>
-                      <a:schemeClr val="bg1">
-                        <a:lumMod val="95000"/>
-                      </a:schemeClr>
+                      <a:schemeClr val="bg1"/>
                     </a:solidFill>
                   </a:tcPr>
                 </a:tc>
@@ -23439,9 +23406,7 @@
                       <a:tailEnd type="none" w="med" len="med"/>
                     </a:lnB>
                     <a:solidFill>
-                      <a:schemeClr val="bg1">
-                        <a:lumMod val="95000"/>
-                      </a:schemeClr>
+                      <a:schemeClr val="bg1"/>
                     </a:solidFill>
                   </a:tcPr>
                 </a:tc>
@@ -23613,9 +23578,7 @@
                       <a:tailEnd type="none" w="med" len="med"/>
                     </a:lnB>
                     <a:solidFill>
-                      <a:schemeClr val="bg1">
-                        <a:lumMod val="95000"/>
-                      </a:schemeClr>
+                      <a:schemeClr val="bg1"/>
                     </a:solidFill>
                   </a:tcPr>
                 </a:tc>
@@ -23732,9 +23695,7 @@
                       <a:tailEnd type="none" w="med" len="med"/>
                     </a:lnB>
                     <a:solidFill>
-                      <a:schemeClr val="bg1">
-                        <a:lumMod val="95000"/>
-                      </a:schemeClr>
+                      <a:schemeClr val="bg1"/>
                     </a:solidFill>
                   </a:tcPr>
                 </a:tc>
@@ -23876,9 +23837,7 @@
                       <a:tailEnd type="none" w="med" len="med"/>
                     </a:lnB>
                     <a:solidFill>
-                      <a:schemeClr val="bg1">
-                        <a:lumMod val="95000"/>
-                      </a:schemeClr>
+                      <a:schemeClr val="bg1"/>
                     </a:solidFill>
                   </a:tcPr>
                 </a:tc>
@@ -23940,9 +23899,7 @@
                       <a:tailEnd type="none" w="med" len="med"/>
                     </a:lnB>
                     <a:solidFill>
-                      <a:schemeClr val="bg1">
-                        <a:lumMod val="95000"/>
-                      </a:schemeClr>
+                      <a:schemeClr val="bg1"/>
                     </a:solidFill>
                   </a:tcPr>
                 </a:tc>
@@ -24071,9 +24028,7 @@
                       <a:tailEnd type="none" w="med" len="med"/>
                     </a:lnB>
                     <a:solidFill>
-                      <a:schemeClr val="bg1">
-                        <a:lumMod val="95000"/>
-                      </a:schemeClr>
+                      <a:schemeClr val="bg1"/>
                     </a:solidFill>
                   </a:tcPr>
                 </a:tc>
@@ -24155,9 +24110,7 @@
                       <a:tailEnd type="none" w="med" len="med"/>
                     </a:lnB>
                     <a:solidFill>
-                      <a:schemeClr val="bg1">
-                        <a:lumMod val="95000"/>
-                      </a:schemeClr>
+                      <a:schemeClr val="bg1"/>
                     </a:solidFill>
                   </a:tcPr>
                 </a:tc>
@@ -24294,9 +24247,7 @@
                       <a:tailEnd type="none" w="med" len="med"/>
                     </a:lnB>
                     <a:solidFill>
-                      <a:schemeClr val="bg1">
-                        <a:lumMod val="95000"/>
-                      </a:schemeClr>
+                      <a:schemeClr val="bg1"/>
                     </a:solidFill>
                   </a:tcPr>
                 </a:tc>
@@ -24398,9 +24349,7 @@
                       <a:tailEnd type="none" w="med" len="med"/>
                     </a:lnB>
                     <a:solidFill>
-                      <a:schemeClr val="bg1">
-                        <a:lumMod val="95000"/>
-                      </a:schemeClr>
+                      <a:schemeClr val="bg1"/>
                     </a:solidFill>
                   </a:tcPr>
                 </a:tc>
@@ -24542,9 +24491,7 @@
                       <a:tailEnd type="none" w="med" len="med"/>
                     </a:lnB>
                     <a:solidFill>
-                      <a:schemeClr val="bg1">
-                        <a:lumMod val="95000"/>
-                      </a:schemeClr>
+                      <a:schemeClr val="bg1"/>
                     </a:solidFill>
                   </a:tcPr>
                 </a:tc>
@@ -24651,9 +24598,7 @@
                       <a:tailEnd type="none" w="med" len="med"/>
                     </a:lnB>
                     <a:solidFill>
-                      <a:schemeClr val="bg1">
-                        <a:lumMod val="95000"/>
-                      </a:schemeClr>
+                      <a:schemeClr val="bg1"/>
                     </a:solidFill>
                   </a:tcPr>
                 </a:tc>
@@ -24712,7 +24657,7 @@
           <p:nvPr>
             <p:extLst>
               <p:ext uri="{D42A27DB-BD31-4B8C-83A1-F6EECF244321}">
-                <p14:modId xmlns:p14="http://schemas.microsoft.com/office/powerpoint/2010/main" val="2740286310"/>
+                <p14:modId xmlns:p14="http://schemas.microsoft.com/office/powerpoint/2010/main" val="2812260880"/>
               </p:ext>
             </p:extLst>
           </p:nvPr>
@@ -25234,39 +25179,7 @@
                             <a:schemeClr val="tx1"/>
                           </a:solidFill>
                         </a:rPr>
-                        <a:t>踏み台数</a:t>
-                      </a:r>
-                      <a:r>
-                        <a:rPr kumimoji="1" lang="en-US" altLang="ja-JP" sz="2400" b="1" dirty="0">
-                          <a:solidFill>
-                            <a:schemeClr val="tx1"/>
-                          </a:solidFill>
-                        </a:rPr>
-                        <a:t>(</a:t>
-                      </a:r>
-                      <a:r>
-                        <a:rPr kumimoji="1" lang="ja-JP" altLang="en-US" sz="2400" b="1">
-                          <a:solidFill>
-                            <a:schemeClr val="tx1"/>
-                          </a:solidFill>
-                        </a:rPr>
-                        <a:t>段数</a:t>
-                      </a:r>
-                      <a:r>
-                        <a:rPr kumimoji="1" lang="en-US" altLang="ja-JP" sz="2400" b="1">
-                          <a:solidFill>
-                            <a:schemeClr val="tx1"/>
-                          </a:solidFill>
-                        </a:rPr>
-                        <a:t>)</a:t>
-                      </a:r>
-                      <a:r>
-                        <a:rPr kumimoji="1" lang="ja-JP" altLang="en-US" sz="2400" b="1">
-                          <a:solidFill>
-                            <a:schemeClr val="tx1"/>
-                          </a:solidFill>
-                        </a:rPr>
-                        <a:t>の削減</a:t>
+                        <a:t>接続段数の削減</a:t>
                       </a:r>
                     </a:p>
                   </a:txBody>
@@ -25405,7 +25318,7 @@
                       <a:prstDash val="solid"/>
                     </a:lnBlToTr>
                     <a:solidFill>
-                      <a:schemeClr val="bg2"/>
+                      <a:schemeClr val="bg1"/>
                     </a:solidFill>
                   </a:tcPr>
                 </a:tc>
@@ -25471,7 +25384,7 @@
                       <a:prstDash val="solid"/>
                     </a:lnBlToTr>
                     <a:solidFill>
-                      <a:schemeClr val="bg2"/>
+                      <a:schemeClr val="bg1"/>
                     </a:solidFill>
                   </a:tcPr>
                 </a:tc>
@@ -25537,7 +25450,7 @@
                       <a:prstDash val="solid"/>
                     </a:lnBlToTr>
                     <a:solidFill>
-                      <a:schemeClr val="bg2"/>
+                      <a:schemeClr val="bg1"/>
                     </a:solidFill>
                   </a:tcPr>
                 </a:tc>
@@ -25640,7 +25553,7 @@
                       <a:prstDash val="solid"/>
                     </a:lnBlToTr>
                     <a:solidFill>
-                      <a:schemeClr val="bg2"/>
+                      <a:schemeClr val="bg1"/>
                     </a:solidFill>
                   </a:tcPr>
                 </a:tc>
@@ -25706,7 +25619,7 @@
                       <a:prstDash val="solid"/>
                     </a:lnBlToTr>
                     <a:solidFill>
-                      <a:schemeClr val="bg2"/>
+                      <a:schemeClr val="bg1"/>
                     </a:solidFill>
                   </a:tcPr>
                 </a:tc>
@@ -25860,7 +25773,7 @@
                       <a:prstDash val="solid"/>
                     </a:lnBlToTr>
                     <a:solidFill>
-                      <a:schemeClr val="bg2"/>
+                      <a:schemeClr val="bg1"/>
                     </a:solidFill>
                   </a:tcPr>
                 </a:tc>
@@ -25926,7 +25839,7 @@
                       <a:prstDash val="solid"/>
                     </a:lnBlToTr>
                     <a:solidFill>
-                      <a:schemeClr val="bg2"/>
+                      <a:schemeClr val="bg1"/>
                     </a:solidFill>
                   </a:tcPr>
                 </a:tc>
@@ -25992,7 +25905,7 @@
                       <a:prstDash val="solid"/>
                     </a:lnBlToTr>
                     <a:solidFill>
-                      <a:schemeClr val="bg2"/>
+                      <a:schemeClr val="bg1"/>
                     </a:solidFill>
                   </a:tcPr>
                 </a:tc>
@@ -26058,7 +25971,7 @@
                       <a:prstDash val="solid"/>
                     </a:lnBlToTr>
                     <a:solidFill>
-                      <a:schemeClr val="bg2"/>
+                      <a:schemeClr val="bg1"/>
                     </a:solidFill>
                   </a:tcPr>
                 </a:tc>
@@ -26124,7 +26037,7 @@
                       <a:prstDash val="solid"/>
                     </a:lnBlToTr>
                     <a:solidFill>
-                      <a:schemeClr val="bg2"/>
+                      <a:schemeClr val="bg1"/>
                     </a:solidFill>
                   </a:tcPr>
                 </a:tc>
@@ -26286,7 +26199,7 @@
                       <a:prstDash val="solid"/>
                     </a:lnBlToTr>
                     <a:solidFill>
-                      <a:schemeClr val="bg2"/>
+                      <a:schemeClr val="bg1"/>
                     </a:solidFill>
                   </a:tcPr>
                 </a:tc>
@@ -26365,7 +26278,7 @@
                       <a:prstDash val="solid"/>
                     </a:lnBlToTr>
                     <a:solidFill>
-                      <a:schemeClr val="bg2"/>
+                      <a:schemeClr val="bg1"/>
                     </a:solidFill>
                   </a:tcPr>
                 </a:tc>
@@ -26444,7 +26357,7 @@
                       <a:prstDash val="solid"/>
                     </a:lnBlToTr>
                     <a:solidFill>
-                      <a:schemeClr val="bg2"/>
+                      <a:schemeClr val="bg1"/>
                     </a:solidFill>
                   </a:tcPr>
                 </a:tc>
@@ -26523,7 +26436,7 @@
                       <a:prstDash val="solid"/>
                     </a:lnBlToTr>
                     <a:solidFill>
-                      <a:schemeClr val="bg2"/>
+                      <a:schemeClr val="bg1"/>
                     </a:solidFill>
                   </a:tcPr>
                 </a:tc>
@@ -26602,7 +26515,7 @@
                       <a:prstDash val="solid"/>
                     </a:lnBlToTr>
                     <a:solidFill>
-                      <a:schemeClr val="bg2"/>
+                      <a:schemeClr val="bg1"/>
                     </a:solidFill>
                   </a:tcPr>
                 </a:tc>
@@ -26751,7 +26664,7 @@
                       <a:prstDash val="solid"/>
                     </a:lnBlToTr>
                     <a:solidFill>
-                      <a:schemeClr val="bg2"/>
+                      <a:schemeClr val="bg1"/>
                     </a:solidFill>
                   </a:tcPr>
                 </a:tc>
@@ -26841,7 +26754,7 @@
                       <a:prstDash val="solid"/>
                     </a:lnBlToTr>
                     <a:solidFill>
-                      <a:schemeClr val="bg2"/>
+                      <a:schemeClr val="bg1"/>
                     </a:solidFill>
                   </a:tcPr>
                 </a:tc>
@@ -26946,7 +26859,7 @@
                       <a:prstDash val="solid"/>
                     </a:lnBlToTr>
                     <a:solidFill>
-                      <a:schemeClr val="bg2"/>
+                      <a:schemeClr val="bg1"/>
                     </a:solidFill>
                   </a:tcPr>
                 </a:tc>
@@ -27051,7 +26964,7 @@
                       <a:prstDash val="solid"/>
                     </a:lnBlToTr>
                     <a:solidFill>
-                      <a:schemeClr val="bg2"/>
+                      <a:schemeClr val="bg1"/>
                     </a:solidFill>
                   </a:tcPr>
                 </a:tc>
@@ -27153,7 +27066,7 @@
                       <a:prstDash val="solid"/>
                     </a:lnBlToTr>
                     <a:solidFill>
-                      <a:schemeClr val="bg2"/>
+                      <a:schemeClr val="bg1"/>
                     </a:solidFill>
                   </a:tcPr>
                 </a:tc>
@@ -27307,7 +27220,7 @@
                       <a:prstDash val="solid"/>
                     </a:lnBlToTr>
                     <a:solidFill>
-                      <a:schemeClr val="bg2"/>
+                      <a:schemeClr val="bg1"/>
                     </a:solidFill>
                   </a:tcPr>
                 </a:tc>
@@ -27373,7 +27286,7 @@
                       <a:prstDash val="solid"/>
                     </a:lnBlToTr>
                     <a:solidFill>
-                      <a:schemeClr val="bg2"/>
+                      <a:schemeClr val="bg1"/>
                     </a:solidFill>
                   </a:tcPr>
                 </a:tc>
@@ -27439,7 +27352,7 @@
                       <a:prstDash val="solid"/>
                     </a:lnBlToTr>
                     <a:solidFill>
-                      <a:schemeClr val="bg2"/>
+                      <a:schemeClr val="bg1"/>
                     </a:solidFill>
                   </a:tcPr>
                 </a:tc>
@@ -27505,7 +27418,7 @@
                       <a:prstDash val="solid"/>
                     </a:lnBlToTr>
                     <a:solidFill>
-                      <a:schemeClr val="bg2"/>
+                      <a:schemeClr val="bg1"/>
                     </a:solidFill>
                   </a:tcPr>
                 </a:tc>
@@ -27571,7 +27484,7 @@
                       <a:prstDash val="solid"/>
                     </a:lnBlToTr>
                     <a:solidFill>
-                      <a:schemeClr val="bg2"/>
+                      <a:schemeClr val="bg1"/>
                     </a:solidFill>
                   </a:tcPr>
                 </a:tc>
@@ -27712,7 +27625,7 @@
                       <a:prstDash val="solid"/>
                     </a:lnBlToTr>
                     <a:solidFill>
-                      <a:schemeClr val="bg2"/>
+                      <a:schemeClr val="bg1"/>
                     </a:solidFill>
                   </a:tcPr>
                 </a:tc>
@@ -27778,7 +27691,7 @@
                       <a:prstDash val="solid"/>
                     </a:lnBlToTr>
                     <a:solidFill>
-                      <a:schemeClr val="bg2"/>
+                      <a:schemeClr val="bg1"/>
                     </a:solidFill>
                   </a:tcPr>
                 </a:tc>
@@ -27857,7 +27770,7 @@
                       <a:prstDash val="solid"/>
                     </a:lnBlToTr>
                     <a:solidFill>
-                      <a:schemeClr val="bg2"/>
+                      <a:schemeClr val="bg1"/>
                     </a:solidFill>
                   </a:tcPr>
                 </a:tc>
@@ -27936,7 +27849,7 @@
                       <a:prstDash val="solid"/>
                     </a:lnBlToTr>
                     <a:solidFill>
-                      <a:schemeClr val="bg2"/>
+                      <a:schemeClr val="bg1"/>
                     </a:solidFill>
                   </a:tcPr>
                 </a:tc>
@@ -28002,7 +27915,7 @@
                       <a:prstDash val="solid"/>
                     </a:lnBlToTr>
                     <a:solidFill>
-                      <a:schemeClr val="bg2"/>
+                      <a:schemeClr val="bg1"/>
                     </a:solidFill>
                   </a:tcPr>
                 </a:tc>
@@ -28151,7 +28064,7 @@
                       <a:prstDash val="solid"/>
                     </a:lnBlToTr>
                     <a:solidFill>
-                      <a:schemeClr val="bg2"/>
+                      <a:schemeClr val="bg1"/>
                     </a:solidFill>
                   </a:tcPr>
                 </a:tc>
@@ -28230,7 +28143,7 @@
                       <a:prstDash val="solid"/>
                     </a:lnBlToTr>
                     <a:solidFill>
-                      <a:schemeClr val="bg2"/>
+                      <a:schemeClr val="bg1"/>
                     </a:solidFill>
                   </a:tcPr>
                 </a:tc>
@@ -28309,7 +28222,7 @@
                       <a:prstDash val="solid"/>
                     </a:lnBlToTr>
                     <a:solidFill>
-                      <a:schemeClr val="bg2"/>
+                      <a:schemeClr val="bg1"/>
                     </a:solidFill>
                   </a:tcPr>
                 </a:tc>
@@ -28388,7 +28301,7 @@
                       <a:prstDash val="solid"/>
                     </a:lnBlToTr>
                     <a:solidFill>
-                      <a:schemeClr val="bg2"/>
+                      <a:schemeClr val="bg1"/>
                     </a:solidFill>
                   </a:tcPr>
                 </a:tc>
@@ -28454,7 +28367,7 @@
                       <a:prstDash val="solid"/>
                     </a:lnBlToTr>
                     <a:solidFill>
-                      <a:schemeClr val="bg2"/>
+                      <a:schemeClr val="bg1"/>
                     </a:solidFill>
                   </a:tcPr>
                 </a:tc>
@@ -28624,7 +28537,7 @@
                       <a:prstDash val="solid"/>
                     </a:lnBlToTr>
                     <a:solidFill>
-                      <a:schemeClr val="bg2"/>
+                      <a:schemeClr val="bg1"/>
                     </a:solidFill>
                   </a:tcPr>
                 </a:tc>
@@ -28690,7 +28603,7 @@
                       <a:prstDash val="solid"/>
                     </a:lnBlToTr>
                     <a:solidFill>
-                      <a:schemeClr val="bg2"/>
+                      <a:schemeClr val="bg1"/>
                     </a:solidFill>
                   </a:tcPr>
                 </a:tc>
@@ -28756,7 +28669,7 @@
                       <a:prstDash val="solid"/>
                     </a:lnBlToTr>
                     <a:solidFill>
-                      <a:schemeClr val="bg2"/>
+                      <a:schemeClr val="bg1"/>
                     </a:solidFill>
                   </a:tcPr>
                 </a:tc>
@@ -28843,7 +28756,7 @@
                       <a:prstDash val="solid"/>
                     </a:lnBlToTr>
                     <a:solidFill>
-                      <a:schemeClr val="bg2"/>
+                      <a:schemeClr val="bg1"/>
                     </a:solidFill>
                   </a:tcPr>
                 </a:tc>
@@ -28909,7 +28822,7 @@
                       <a:prstDash val="solid"/>
                     </a:lnBlToTr>
                     <a:solidFill>
-                      <a:schemeClr val="bg2"/>
+                      <a:schemeClr val="bg1"/>
                     </a:solidFill>
                   </a:tcPr>
                 </a:tc>
